--- a/昇格プレゼン(徐洋)_new.pptx
+++ b/昇格プレゼン(徐洋)_new.pptx
@@ -5,25 +5,27 @@
     <p:sldMasterId id="2147483657" r:id="rId1"/>
   </p:sldMasterIdLst>
   <p:notesMasterIdLst>
-    <p:notesMasterId r:id="rId15"/>
+    <p:notesMasterId r:id="rId17"/>
   </p:notesMasterIdLst>
   <p:handoutMasterIdLst>
-    <p:handoutMasterId r:id="rId16"/>
+    <p:handoutMasterId r:id="rId18"/>
   </p:handoutMasterIdLst>
   <p:sldIdLst>
     <p:sldId id="322" r:id="rId2"/>
     <p:sldId id="338" r:id="rId3"/>
     <p:sldId id="354" r:id="rId4"/>
     <p:sldId id="356" r:id="rId5"/>
-    <p:sldId id="359" r:id="rId6"/>
-    <p:sldId id="360" r:id="rId7"/>
-    <p:sldId id="357" r:id="rId8"/>
-    <p:sldId id="358" r:id="rId9"/>
-    <p:sldId id="349" r:id="rId10"/>
-    <p:sldId id="351" r:id="rId11"/>
-    <p:sldId id="350" r:id="rId12"/>
-    <p:sldId id="352" r:id="rId13"/>
-    <p:sldId id="336" r:id="rId14"/>
+    <p:sldId id="361" r:id="rId6"/>
+    <p:sldId id="362" r:id="rId7"/>
+    <p:sldId id="360" r:id="rId8"/>
+    <p:sldId id="359" r:id="rId9"/>
+    <p:sldId id="357" r:id="rId10"/>
+    <p:sldId id="358" r:id="rId11"/>
+    <p:sldId id="349" r:id="rId12"/>
+    <p:sldId id="351" r:id="rId13"/>
+    <p:sldId id="350" r:id="rId14"/>
+    <p:sldId id="352" r:id="rId15"/>
+    <p:sldId id="336" r:id="rId16"/>
   </p:sldIdLst>
   <p:sldSz cx="6858000" cy="5143500"/>
   <p:notesSz cx="6735763" cy="9866313"/>
@@ -4240,949 +4242,6 @@
         </p:nvSpPr>
         <p:spPr>
           <a:xfrm>
-            <a:off x="1052734" y="50840"/>
-            <a:ext cx="5805265" cy="744238"/>
-          </a:xfrm>
-        </p:spPr>
-        <p:txBody>
-          <a:bodyPr/>
-          <a:lstStyle/>
-          <a:p>
-            <a:r>
-              <a:rPr lang="ja-JP" altLang="en-US" sz="2300" dirty="0">
-                <a:solidFill>
-                  <a:schemeClr val="accent6">
-                    <a:lumMod val="50000"/>
-                    <a:lumOff val="50000"/>
-                  </a:schemeClr>
-                </a:solidFill>
-                <a:latin typeface="+mn-ea"/>
-              </a:rPr>
-              <a:t>超えるべき「Ｘ」、これまでしてきたこと</a:t>
-            </a:r>
-            <a:endParaRPr kumimoji="1" lang="ja-JP" altLang="en-US" sz="2300" dirty="0"/>
-          </a:p>
-        </p:txBody>
-      </p:sp>
-      <p:sp>
-        <p:nvSpPr>
-          <p:cNvPr id="3" name="テキスト プレースホルダー 2"/>
-          <p:cNvSpPr>
-            <a:spLocks noGrp="1"/>
-          </p:cNvSpPr>
-          <p:nvPr>
-            <p:ph type="body" sz="quarter" idx="10"/>
-          </p:nvPr>
-        </p:nvSpPr>
-        <p:spPr/>
-        <p:txBody>
-          <a:bodyPr/>
-          <a:lstStyle/>
-          <a:p>
-            <a:r>
-              <a:rPr lang="ja-JP" altLang="en-US" dirty="0"/>
-              <a:t>■請負作業の兼務</a:t>
-            </a:r>
-            <a:endParaRPr lang="en-US" altLang="ja-JP" dirty="0"/>
-          </a:p>
-          <a:p>
-            <a:r>
-              <a:rPr lang="ja-JP" altLang="en-US" dirty="0"/>
-              <a:t>　</a:t>
-            </a:r>
-            <a:r>
-              <a:rPr lang="en-US" altLang="ja-JP" dirty="0"/>
-              <a:t>【</a:t>
-            </a:r>
-            <a:r>
-              <a:rPr lang="ja-JP" altLang="en-US" dirty="0"/>
-              <a:t>官庁総合運用テスト支援ツール</a:t>
-            </a:r>
-            <a:r>
-              <a:rPr lang="en-US" altLang="ja-JP" dirty="0"/>
-              <a:t>】</a:t>
-            </a:r>
-          </a:p>
-          <a:p>
-            <a:r>
-              <a:rPr lang="ja-JP" altLang="en-US" dirty="0"/>
-              <a:t>　　</a:t>
-            </a:r>
-            <a:r>
-              <a:rPr lang="ja-JP" altLang="en-US" dirty="0" smtClean="0"/>
-              <a:t>○顧客</a:t>
-            </a:r>
-            <a:r>
-              <a:rPr lang="ja-JP" altLang="en-US" dirty="0"/>
-              <a:t>と</a:t>
-            </a:r>
-            <a:r>
-              <a:rPr lang="ja-JP" altLang="en-US" dirty="0" smtClean="0"/>
-              <a:t>作業スケジュール調整</a:t>
-            </a:r>
-            <a:endParaRPr lang="en-US" altLang="ja-JP" dirty="0" smtClean="0"/>
-          </a:p>
-          <a:p>
-            <a:r>
-              <a:rPr lang="ja-JP" altLang="en-US" dirty="0"/>
-              <a:t>　</a:t>
-            </a:r>
-            <a:r>
-              <a:rPr lang="ja-JP" altLang="en-US" dirty="0" smtClean="0"/>
-              <a:t>　○顧客と仕様調整</a:t>
-            </a:r>
-            <a:endParaRPr lang="en-US" altLang="ja-JP" dirty="0"/>
-          </a:p>
-          <a:p>
-            <a:r>
-              <a:rPr lang="ja-JP" altLang="en-US" dirty="0"/>
-              <a:t>　　</a:t>
-            </a:r>
-            <a:r>
-              <a:rPr lang="ja-JP" altLang="en-US" dirty="0" smtClean="0"/>
-              <a:t>○社内</a:t>
-            </a:r>
-            <a:r>
-              <a:rPr lang="ja-JP" altLang="en-US" dirty="0"/>
-              <a:t>開発メンバの</a:t>
-            </a:r>
-            <a:r>
-              <a:rPr lang="ja-JP" altLang="en-US" dirty="0" smtClean="0"/>
-              <a:t>管理とフォロー</a:t>
-            </a:r>
-            <a:endParaRPr lang="en-US" altLang="ja-JP" dirty="0" smtClean="0"/>
-          </a:p>
-          <a:p>
-            <a:r>
-              <a:rPr lang="ja-JP" altLang="en-US" dirty="0"/>
-              <a:t>　</a:t>
-            </a:r>
-            <a:r>
-              <a:rPr lang="ja-JP" altLang="en-US" dirty="0" smtClean="0"/>
-              <a:t>　　・作業スケジュール管理</a:t>
-            </a:r>
-            <a:endParaRPr lang="en-US" altLang="ja-JP" dirty="0" smtClean="0"/>
-          </a:p>
-          <a:p>
-            <a:r>
-              <a:rPr lang="ja-JP" altLang="en-US" dirty="0"/>
-              <a:t>　</a:t>
-            </a:r>
-            <a:r>
-              <a:rPr lang="ja-JP" altLang="en-US" dirty="0" smtClean="0"/>
-              <a:t>　　・作業の配分</a:t>
-            </a:r>
-            <a:endParaRPr lang="en-US" altLang="ja-JP" dirty="0" smtClean="0"/>
-          </a:p>
-          <a:p>
-            <a:r>
-              <a:rPr lang="ja-JP" altLang="en-US" dirty="0"/>
-              <a:t>　</a:t>
-            </a:r>
-            <a:r>
-              <a:rPr lang="ja-JP" altLang="en-US" dirty="0" smtClean="0"/>
-              <a:t>　　・技術、仕様フォロー</a:t>
-            </a:r>
-            <a:endParaRPr lang="ja-JP" altLang="en-US" dirty="0"/>
-          </a:p>
-          <a:p>
-            <a:endParaRPr kumimoji="1" lang="ja-JP" altLang="en-US" dirty="0"/>
-          </a:p>
-        </p:txBody>
-      </p:sp>
-    </p:spTree>
-    <p:extLst>
-      <p:ext uri="{BB962C8B-B14F-4D97-AF65-F5344CB8AC3E}">
-        <p14:creationId xmlns:p14="http://schemas.microsoft.com/office/powerpoint/2010/main" val="2250337169"/>
-      </p:ext>
-    </p:extLst>
-  </p:cSld>
-  <p:clrMapOvr>
-    <a:masterClrMapping/>
-  </p:clrMapOvr>
-  <p:timing>
-    <p:tnLst>
-      <p:par>
-        <p:cTn id="1" dur="indefinite" restart="never" nodeType="tmRoot"/>
-      </p:par>
-    </p:tnLst>
-  </p:timing>
-</p:sld>
-</file>
-
-<file path=ppt/slides/slide11.xml><?xml version="1.0" encoding="utf-8"?>
-<p:sld xmlns:a="http://schemas.openxmlformats.org/drawingml/2006/main" xmlns:r="http://schemas.openxmlformats.org/officeDocument/2006/relationships" xmlns:p="http://schemas.openxmlformats.org/presentationml/2006/main">
-  <p:cSld>
-    <p:spTree>
-      <p:nvGrpSpPr>
-        <p:cNvPr id="1" name=""/>
-        <p:cNvGrpSpPr/>
-        <p:nvPr/>
-      </p:nvGrpSpPr>
-      <p:grpSpPr>
-        <a:xfrm>
-          <a:off x="0" y="0"/>
-          <a:ext cx="0" cy="0"/>
-          <a:chOff x="0" y="0"/>
-          <a:chExt cx="0" cy="0"/>
-        </a:xfrm>
-      </p:grpSpPr>
-      <p:sp>
-        <p:nvSpPr>
-          <p:cNvPr id="2" name="タイトル 1"/>
-          <p:cNvSpPr>
-            <a:spLocks noGrp="1"/>
-          </p:cNvSpPr>
-          <p:nvPr>
-            <p:ph type="title"/>
-          </p:nvPr>
-        </p:nvSpPr>
-        <p:spPr>
-          <a:xfrm>
-            <a:off x="1052735" y="389395"/>
-            <a:ext cx="5670000" cy="405683"/>
-          </a:xfrm>
-        </p:spPr>
-        <p:txBody>
-          <a:bodyPr/>
-          <a:lstStyle/>
-          <a:p>
-            <a:r>
-              <a:rPr kumimoji="1" lang="ja-JP" altLang="en-US" sz="2400" dirty="0" smtClean="0">
-                <a:solidFill>
-                  <a:srgbClr val="00B0F0"/>
-                </a:solidFill>
-              </a:rPr>
-              <a:t>これから</a:t>
-            </a:r>
-            <a:endParaRPr kumimoji="1" lang="ja-JP" altLang="en-US" sz="2400" dirty="0">
-              <a:solidFill>
-                <a:srgbClr val="00B0F0"/>
-              </a:solidFill>
-            </a:endParaRPr>
-          </a:p>
-        </p:txBody>
-      </p:sp>
-      <p:sp>
-        <p:nvSpPr>
-          <p:cNvPr id="3" name="テキスト プレースホルダー 2"/>
-          <p:cNvSpPr>
-            <a:spLocks noGrp="1"/>
-          </p:cNvSpPr>
-          <p:nvPr>
-            <p:ph type="body" sz="quarter" idx="10"/>
-          </p:nvPr>
-        </p:nvSpPr>
-        <p:spPr/>
-        <p:txBody>
-          <a:bodyPr/>
-          <a:lstStyle/>
-          <a:p>
-            <a:r>
-              <a:rPr kumimoji="1" lang="ja-JP" altLang="en-US" dirty="0" smtClean="0"/>
-              <a:t>・リーダーシップを発揮し、団結、即戦力ありのチームを作って、現場開拓に注力する。</a:t>
-            </a:r>
-            <a:endParaRPr kumimoji="1" lang="en-US" altLang="ja-JP" dirty="0" smtClean="0"/>
-          </a:p>
-          <a:p>
-            <a:endParaRPr lang="en-US" altLang="ja-JP" dirty="0"/>
-          </a:p>
-          <a:p>
-            <a:r>
-              <a:rPr lang="ja-JP" altLang="en-US" dirty="0"/>
-              <a:t>・上流から積極的に参加し、ワンステップ対応能力強化に</a:t>
-            </a:r>
-            <a:endParaRPr lang="en-US" altLang="ja-JP" dirty="0"/>
-          </a:p>
-          <a:p>
-            <a:r>
-              <a:rPr lang="ja-JP" altLang="en-US" dirty="0"/>
-              <a:t>　注力する</a:t>
-            </a:r>
-            <a:r>
-              <a:rPr lang="ja-JP" altLang="en-US" dirty="0" smtClean="0"/>
-              <a:t>。</a:t>
-            </a:r>
-            <a:endParaRPr kumimoji="1" lang="en-US" altLang="ja-JP" dirty="0" smtClean="0"/>
-          </a:p>
-          <a:p>
-            <a:endParaRPr lang="en-US" altLang="zh-CN" dirty="0"/>
-          </a:p>
-          <a:p>
-            <a:r>
-              <a:rPr kumimoji="1" lang="ja-JP" altLang="en-US" dirty="0" smtClean="0"/>
-              <a:t>・アジャイルなどの新しい手法による請負にもチャレンジし、</a:t>
-            </a:r>
-            <a:endParaRPr kumimoji="1" lang="en-US" altLang="ja-JP" dirty="0" smtClean="0"/>
-          </a:p>
-          <a:p>
-            <a:r>
-              <a:rPr lang="ja-JP" altLang="en-US" dirty="0"/>
-              <a:t>　</a:t>
-            </a:r>
-            <a:r>
-              <a:rPr lang="ja-JP" altLang="en-US" dirty="0" smtClean="0"/>
-              <a:t>社内開発への会社方針実現に</a:t>
-            </a:r>
-            <a:r>
-              <a:rPr lang="ja-JP" altLang="en-US" dirty="0"/>
-              <a:t>注力する</a:t>
-            </a:r>
-            <a:r>
-              <a:rPr lang="ja-JP" altLang="en-US" dirty="0" smtClean="0"/>
-              <a:t>。</a:t>
-            </a:r>
-            <a:endParaRPr lang="en-US" altLang="ja-JP" dirty="0" smtClean="0"/>
-          </a:p>
-          <a:p>
-            <a:endParaRPr lang="en-US" altLang="zh-CN" dirty="0"/>
-          </a:p>
-        </p:txBody>
-      </p:sp>
-    </p:spTree>
-    <p:extLst>
-      <p:ext uri="{BB962C8B-B14F-4D97-AF65-F5344CB8AC3E}">
-        <p14:creationId xmlns:p14="http://schemas.microsoft.com/office/powerpoint/2010/main" val="1945258717"/>
-      </p:ext>
-    </p:extLst>
-  </p:cSld>
-  <p:clrMapOvr>
-    <a:masterClrMapping/>
-  </p:clrMapOvr>
-  <p:timing>
-    <p:tnLst>
-      <p:par>
-        <p:cTn id="1" dur="indefinite" restart="never" nodeType="tmRoot"/>
-      </p:par>
-    </p:tnLst>
-  </p:timing>
-</p:sld>
-</file>
-
-<file path=ppt/slides/slide12.xml><?xml version="1.0" encoding="utf-8"?>
-<p:sld xmlns:a="http://schemas.openxmlformats.org/drawingml/2006/main" xmlns:r="http://schemas.openxmlformats.org/officeDocument/2006/relationships" xmlns:p="http://schemas.openxmlformats.org/presentationml/2006/main">
-  <p:cSld>
-    <p:spTree>
-      <p:nvGrpSpPr>
-        <p:cNvPr id="1" name=""/>
-        <p:cNvGrpSpPr/>
-        <p:nvPr/>
-      </p:nvGrpSpPr>
-      <p:grpSpPr>
-        <a:xfrm>
-          <a:off x="0" y="0"/>
-          <a:ext cx="0" cy="0"/>
-          <a:chOff x="0" y="0"/>
-          <a:chExt cx="0" cy="0"/>
-        </a:xfrm>
-      </p:grpSpPr>
-      <p:sp>
-        <p:nvSpPr>
-          <p:cNvPr id="4" name="正方形/長方形 3"/>
-          <p:cNvSpPr/>
-          <p:nvPr/>
-        </p:nvSpPr>
-        <p:spPr bwMode="auto">
-          <a:xfrm>
-            <a:off x="2369127" y="2057400"/>
-            <a:ext cx="2556164" cy="1012773"/>
-          </a:xfrm>
-          <a:prstGeom prst="rect">
-            <a:avLst/>
-          </a:prstGeom>
-          <a:noFill/>
-          <a:ln>
-            <a:noFill/>
-          </a:ln>
-          <a:effectLst/>
-          <a:extLst/>
-        </p:spPr>
-        <p:txBody>
-          <a:bodyPr rot="0" spcFirstLastPara="0" vertOverflow="overflow" horzOverflow="overflow" vert="horz" wrap="square" lIns="91440" tIns="45720" rIns="91440" bIns="45720" numCol="1" spcCol="0" rtlCol="0" fromWordArt="0" anchor="ctr" anchorCtr="0" forceAA="0" compatLnSpc="1">
-            <a:prstTxWarp prst="textNoShape">
-              <a:avLst/>
-            </a:prstTxWarp>
-            <a:noAutofit/>
-          </a:bodyPr>
-          <a:lstStyle/>
-          <a:p>
-            <a:pPr algn="ctr"/>
-            <a:r>
-              <a:rPr kumimoji="1" lang="ja-JP" altLang="en-US" sz="9600" b="1" dirty="0" smtClean="0">
-                <a:effectLst>
-                  <a:glow rad="228600">
-                    <a:schemeClr val="accent2">
-                      <a:satMod val="175000"/>
-                      <a:alpha val="40000"/>
-                    </a:schemeClr>
-                  </a:glow>
-                </a:effectLst>
-                <a:latin typeface="+mj-ea"/>
-                <a:ea typeface="+mj-ea"/>
-              </a:rPr>
-              <a:t>燃焼</a:t>
-            </a:r>
-            <a:endParaRPr kumimoji="1" lang="ja-JP" altLang="en-US" sz="9600" b="1" dirty="0">
-              <a:effectLst>
-                <a:glow rad="228600">
-                  <a:schemeClr val="accent2">
-                    <a:satMod val="175000"/>
-                    <a:alpha val="40000"/>
-                  </a:schemeClr>
-                </a:glow>
-              </a:effectLst>
-              <a:latin typeface="+mj-ea"/>
-              <a:ea typeface="+mj-ea"/>
-            </a:endParaRPr>
-          </a:p>
-        </p:txBody>
-      </p:sp>
-    </p:spTree>
-    <p:extLst>
-      <p:ext uri="{BB962C8B-B14F-4D97-AF65-F5344CB8AC3E}">
-        <p14:creationId xmlns:p14="http://schemas.microsoft.com/office/powerpoint/2010/main" val="124702368"/>
-      </p:ext>
-    </p:extLst>
-  </p:cSld>
-  <p:clrMapOvr>
-    <a:masterClrMapping/>
-  </p:clrMapOvr>
-  <p:timing>
-    <p:tnLst>
-      <p:par>
-        <p:cTn id="1" dur="indefinite" restart="never" nodeType="tmRoot"/>
-      </p:par>
-    </p:tnLst>
-  </p:timing>
-</p:sld>
-</file>
-
-<file path=ppt/slides/slide13.xml><?xml version="1.0" encoding="utf-8"?>
-<p:sld xmlns:a="http://schemas.openxmlformats.org/drawingml/2006/main" xmlns:r="http://schemas.openxmlformats.org/officeDocument/2006/relationships" xmlns:p="http://schemas.openxmlformats.org/presentationml/2006/main">
-  <p:cSld>
-    <p:spTree>
-      <p:nvGrpSpPr>
-        <p:cNvPr id="1" name=""/>
-        <p:cNvGrpSpPr/>
-        <p:nvPr/>
-      </p:nvGrpSpPr>
-      <p:grpSpPr>
-        <a:xfrm>
-          <a:off x="0" y="0"/>
-          <a:ext cx="0" cy="0"/>
-          <a:chOff x="0" y="0"/>
-          <a:chExt cx="0" cy="0"/>
-        </a:xfrm>
-      </p:grpSpPr>
-    </p:spTree>
-    <p:extLst>
-      <p:ext uri="{BB962C8B-B14F-4D97-AF65-F5344CB8AC3E}">
-        <p14:creationId xmlns:p14="http://schemas.microsoft.com/office/powerpoint/2010/main" val="4287918391"/>
-      </p:ext>
-    </p:extLst>
-  </p:cSld>
-  <p:clrMapOvr>
-    <a:masterClrMapping/>
-  </p:clrMapOvr>
-  <p:timing>
-    <p:tnLst>
-      <p:par>
-        <p:cTn id="1" dur="indefinite" restart="never" nodeType="tmRoot"/>
-      </p:par>
-    </p:tnLst>
-  </p:timing>
-</p:sld>
-</file>
-
-<file path=ppt/slides/slide2.xml><?xml version="1.0" encoding="utf-8"?>
-<p:sld xmlns:a="http://schemas.openxmlformats.org/drawingml/2006/main" xmlns:r="http://schemas.openxmlformats.org/officeDocument/2006/relationships" xmlns:p="http://schemas.openxmlformats.org/presentationml/2006/main">
-  <p:cSld>
-    <p:spTree>
-      <p:nvGrpSpPr>
-        <p:cNvPr id="1" name=""/>
-        <p:cNvGrpSpPr/>
-        <p:nvPr/>
-      </p:nvGrpSpPr>
-      <p:grpSpPr>
-        <a:xfrm>
-          <a:off x="0" y="0"/>
-          <a:ext cx="0" cy="0"/>
-          <a:chOff x="0" y="0"/>
-          <a:chExt cx="0" cy="0"/>
-        </a:xfrm>
-      </p:grpSpPr>
-      <p:sp>
-        <p:nvSpPr>
-          <p:cNvPr id="2" name="タイトル 1"/>
-          <p:cNvSpPr>
-            <a:spLocks noGrp="1"/>
-          </p:cNvSpPr>
-          <p:nvPr>
-            <p:ph type="title"/>
-          </p:nvPr>
-        </p:nvSpPr>
-        <p:spPr>
-          <a:xfrm>
-            <a:off x="1214754" y="314110"/>
-            <a:ext cx="5508000" cy="313350"/>
-          </a:xfrm>
-        </p:spPr>
-        <p:txBody>
-          <a:bodyPr/>
-          <a:lstStyle/>
-          <a:p>
-            <a:r>
-              <a:rPr kumimoji="1" lang="ja-JP" altLang="en-US" dirty="0" smtClean="0"/>
-              <a:t>目次</a:t>
-            </a:r>
-            <a:endParaRPr kumimoji="1" lang="ja-JP" altLang="en-US" dirty="0"/>
-          </a:p>
-        </p:txBody>
-      </p:sp>
-      <p:sp>
-        <p:nvSpPr>
-          <p:cNvPr id="5" name="Rectangle 3"/>
-          <p:cNvSpPr>
-            <a:spLocks noChangeArrowheads="1"/>
-          </p:cNvSpPr>
-          <p:nvPr/>
-        </p:nvSpPr>
-        <p:spPr bwMode="auto">
-          <a:xfrm>
-            <a:off x="1314274" y="745068"/>
-            <a:ext cx="5269406" cy="3877733"/>
-          </a:xfrm>
-          <a:prstGeom prst="rect">
-            <a:avLst/>
-          </a:prstGeom>
-          <a:noFill/>
-          <a:ln>
-            <a:noFill/>
-          </a:ln>
-          <a:extLst>
-            <a:ext uri="{909E8E84-426E-40DD-AFC4-6F175D3DCCD1}">
-              <a14:hiddenFill xmlns:a14="http://schemas.microsoft.com/office/drawing/2010/main">
-                <a:solidFill>
-                  <a:srgbClr val="FFFFFF"/>
-                </a:solidFill>
-              </a14:hiddenFill>
-            </a:ext>
-            <a:ext uri="{91240B29-F687-4F45-9708-019B960494DF}">
-              <a14:hiddenLine xmlns:a14="http://schemas.microsoft.com/office/drawing/2010/main" w="9525">
-                <a:solidFill>
-                  <a:srgbClr val="000000"/>
-                </a:solidFill>
-                <a:miter lim="800000"/>
-                <a:headEnd/>
-                <a:tailEnd/>
-              </a14:hiddenLine>
-            </a:ext>
-          </a:extLst>
-        </p:spPr>
-        <p:txBody>
-          <a:bodyPr lIns="0" rIns="0"/>
-          <a:lstStyle>
-            <a:lvl1pPr eaLnBrk="0" hangingPunct="0">
-              <a:spcBef>
-                <a:spcPct val="20000"/>
-              </a:spcBef>
-              <a:buClr>
-                <a:schemeClr val="hlink"/>
-              </a:buClr>
-              <a:buFont typeface="Arial" pitchFamily="34" charset="0"/>
-              <a:buChar char="▐"/>
-              <a:defRPr kumimoji="1" sz="2200">
-                <a:solidFill>
-                  <a:schemeClr val="tx1"/>
-                </a:solidFill>
-                <a:latin typeface="Arial" pitchFamily="34" charset="0"/>
-                <a:ea typeface="HGP創英角ｺﾞｼｯｸUB" pitchFamily="50" charset="-128"/>
-              </a:defRPr>
-            </a:lvl1pPr>
-            <a:lvl2pPr marL="742950" indent="-285750" eaLnBrk="0" hangingPunct="0">
-              <a:spcBef>
-                <a:spcPct val="20000"/>
-              </a:spcBef>
-              <a:buClr>
-                <a:schemeClr val="hlink"/>
-              </a:buClr>
-              <a:buFont typeface="Wingdings" pitchFamily="2" charset="2"/>
-              <a:buChar char="l"/>
-              <a:defRPr kumimoji="1" sz="2000">
-                <a:solidFill>
-                  <a:schemeClr val="tx1"/>
-                </a:solidFill>
-                <a:latin typeface="Arial" pitchFamily="34" charset="0"/>
-                <a:ea typeface="HGP創英角ｺﾞｼｯｸUB" pitchFamily="50" charset="-128"/>
-              </a:defRPr>
-            </a:lvl2pPr>
-            <a:lvl3pPr marL="1143000" indent="-228600" eaLnBrk="0" hangingPunct="0">
-              <a:spcBef>
-                <a:spcPct val="20000"/>
-              </a:spcBef>
-              <a:buClr>
-                <a:schemeClr val="hlink"/>
-              </a:buClr>
-              <a:buFont typeface="Arial" pitchFamily="34" charset="0"/>
-              <a:buChar char="•"/>
-              <a:defRPr kumimoji="1">
-                <a:solidFill>
-                  <a:schemeClr val="tx1"/>
-                </a:solidFill>
-                <a:latin typeface="Arial" pitchFamily="34" charset="0"/>
-                <a:ea typeface="HGP創英角ｺﾞｼｯｸUB" pitchFamily="50" charset="-128"/>
-              </a:defRPr>
-            </a:lvl3pPr>
-            <a:lvl4pPr marL="1600200" indent="-228600" eaLnBrk="0" hangingPunct="0">
-              <a:spcBef>
-                <a:spcPct val="20000"/>
-              </a:spcBef>
-              <a:buClr>
-                <a:schemeClr val="hlink"/>
-              </a:buClr>
-              <a:buFont typeface="Arial" pitchFamily="34" charset="0"/>
-              <a:buChar char="–"/>
-              <a:defRPr kumimoji="1" sz="1600">
-                <a:solidFill>
-                  <a:schemeClr val="tx1"/>
-                </a:solidFill>
-                <a:latin typeface="Arial" pitchFamily="34" charset="0"/>
-                <a:ea typeface="HGP創英角ｺﾞｼｯｸUB" pitchFamily="50" charset="-128"/>
-              </a:defRPr>
-            </a:lvl4pPr>
-            <a:lvl5pPr marL="2057400" indent="-228600" eaLnBrk="0" hangingPunct="0">
-              <a:spcBef>
-                <a:spcPct val="20000"/>
-              </a:spcBef>
-              <a:buChar char="»"/>
-              <a:defRPr kumimoji="1" sz="2000">
-                <a:solidFill>
-                  <a:schemeClr val="tx1"/>
-                </a:solidFill>
-                <a:latin typeface="Arial" pitchFamily="34" charset="0"/>
-                <a:ea typeface="ＭＳ Ｐゴシック" pitchFamily="50" charset="-128"/>
-              </a:defRPr>
-            </a:lvl5pPr>
-            <a:lvl6pPr marL="2514600" indent="-228600" eaLnBrk="0" fontAlgn="base" hangingPunct="0">
-              <a:spcBef>
-                <a:spcPct val="20000"/>
-              </a:spcBef>
-              <a:spcAft>
-                <a:spcPct val="0"/>
-              </a:spcAft>
-              <a:buChar char="»"/>
-              <a:defRPr kumimoji="1" sz="2000">
-                <a:solidFill>
-                  <a:schemeClr val="tx1"/>
-                </a:solidFill>
-                <a:latin typeface="Arial" pitchFamily="34" charset="0"/>
-                <a:ea typeface="ＭＳ Ｐゴシック" pitchFamily="50" charset="-128"/>
-              </a:defRPr>
-            </a:lvl6pPr>
-            <a:lvl7pPr marL="2971800" indent="-228600" eaLnBrk="0" fontAlgn="base" hangingPunct="0">
-              <a:spcBef>
-                <a:spcPct val="20000"/>
-              </a:spcBef>
-              <a:spcAft>
-                <a:spcPct val="0"/>
-              </a:spcAft>
-              <a:buChar char="»"/>
-              <a:defRPr kumimoji="1" sz="2000">
-                <a:solidFill>
-                  <a:schemeClr val="tx1"/>
-                </a:solidFill>
-                <a:latin typeface="Arial" pitchFamily="34" charset="0"/>
-                <a:ea typeface="ＭＳ Ｐゴシック" pitchFamily="50" charset="-128"/>
-              </a:defRPr>
-            </a:lvl7pPr>
-            <a:lvl8pPr marL="3429000" indent="-228600" eaLnBrk="0" fontAlgn="base" hangingPunct="0">
-              <a:spcBef>
-                <a:spcPct val="20000"/>
-              </a:spcBef>
-              <a:spcAft>
-                <a:spcPct val="0"/>
-              </a:spcAft>
-              <a:buChar char="»"/>
-              <a:defRPr kumimoji="1" sz="2000">
-                <a:solidFill>
-                  <a:schemeClr val="tx1"/>
-                </a:solidFill>
-                <a:latin typeface="Arial" pitchFamily="34" charset="0"/>
-                <a:ea typeface="ＭＳ Ｐゴシック" pitchFamily="50" charset="-128"/>
-              </a:defRPr>
-            </a:lvl8pPr>
-            <a:lvl9pPr marL="3886200" indent="-228600" eaLnBrk="0" fontAlgn="base" hangingPunct="0">
-              <a:spcBef>
-                <a:spcPct val="20000"/>
-              </a:spcBef>
-              <a:spcAft>
-                <a:spcPct val="0"/>
-              </a:spcAft>
-              <a:buChar char="»"/>
-              <a:defRPr kumimoji="1" sz="2000">
-                <a:solidFill>
-                  <a:schemeClr val="tx1"/>
-                </a:solidFill>
-                <a:latin typeface="Arial" pitchFamily="34" charset="0"/>
-                <a:ea typeface="ＭＳ Ｐゴシック" pitchFamily="50" charset="-128"/>
-              </a:defRPr>
-            </a:lvl9pPr>
-          </a:lstStyle>
-          <a:p>
-            <a:pPr eaLnBrk="1" hangingPunct="1">
-              <a:lnSpc>
-                <a:spcPct val="150000"/>
-              </a:lnSpc>
-              <a:spcBef>
-                <a:spcPct val="0"/>
-              </a:spcBef>
-              <a:buClrTx/>
-              <a:buNone/>
-            </a:pPr>
-            <a:r>
-              <a:rPr lang="ja-JP" altLang="en-US" sz="1600" dirty="0">
-                <a:solidFill>
-                  <a:schemeClr val="accent6">
-                    <a:lumMod val="50000"/>
-                    <a:lumOff val="50000"/>
-                  </a:schemeClr>
-                </a:solidFill>
-                <a:latin typeface="+mn-ea"/>
-                <a:ea typeface="+mn-ea"/>
-              </a:rPr>
-              <a:t>１</a:t>
-            </a:r>
-            <a:r>
-              <a:rPr lang="ja-JP" altLang="en-US" sz="1600" dirty="0" smtClean="0">
-                <a:solidFill>
-                  <a:schemeClr val="accent6">
-                    <a:lumMod val="50000"/>
-                    <a:lumOff val="50000"/>
-                  </a:schemeClr>
-                </a:solidFill>
-                <a:latin typeface="+mn-ea"/>
-                <a:ea typeface="+mn-ea"/>
-              </a:rPr>
-              <a:t>．履歴紹介</a:t>
-            </a:r>
-            <a:r>
-              <a:rPr lang="en-US" altLang="ja-JP" sz="1600" dirty="0">
-                <a:solidFill>
-                  <a:schemeClr val="accent6">
-                    <a:lumMod val="50000"/>
-                    <a:lumOff val="50000"/>
-                  </a:schemeClr>
-                </a:solidFill>
-                <a:latin typeface="+mn-ea"/>
-                <a:ea typeface="+mn-ea"/>
-              </a:rPr>
-              <a:t/>
-            </a:r>
-            <a:br>
-              <a:rPr lang="en-US" altLang="ja-JP" sz="1600" dirty="0">
-                <a:solidFill>
-                  <a:schemeClr val="accent6">
-                    <a:lumMod val="50000"/>
-                    <a:lumOff val="50000"/>
-                  </a:schemeClr>
-                </a:solidFill>
-                <a:latin typeface="+mn-ea"/>
-                <a:ea typeface="+mn-ea"/>
-              </a:rPr>
-            </a:br>
-            <a:r>
-              <a:rPr lang="ja-JP" altLang="en-US" sz="1600" dirty="0">
-                <a:solidFill>
-                  <a:schemeClr val="accent6">
-                    <a:lumMod val="50000"/>
-                    <a:lumOff val="50000"/>
-                  </a:schemeClr>
-                </a:solidFill>
-                <a:latin typeface="+mn-ea"/>
-                <a:ea typeface="+mn-ea"/>
-              </a:rPr>
-              <a:t>２</a:t>
-            </a:r>
-            <a:r>
-              <a:rPr lang="ja-JP" altLang="en-US" sz="1600" dirty="0" smtClean="0">
-                <a:solidFill>
-                  <a:schemeClr val="accent6">
-                    <a:lumMod val="50000"/>
-                    <a:lumOff val="50000"/>
-                  </a:schemeClr>
-                </a:solidFill>
-                <a:latin typeface="+mn-ea"/>
-                <a:ea typeface="+mn-ea"/>
-              </a:rPr>
-              <a:t>．進化の自分</a:t>
-            </a:r>
-            <a:endParaRPr lang="en-US" altLang="ja-JP" sz="1600" dirty="0" smtClean="0">
-              <a:solidFill>
-                <a:schemeClr val="accent6">
-                  <a:lumMod val="50000"/>
-                  <a:lumOff val="50000"/>
-                </a:schemeClr>
-              </a:solidFill>
-              <a:latin typeface="+mn-ea"/>
-              <a:ea typeface="+mn-ea"/>
-            </a:endParaRPr>
-          </a:p>
-          <a:p>
-            <a:pPr eaLnBrk="1" hangingPunct="1">
-              <a:lnSpc>
-                <a:spcPct val="150000"/>
-              </a:lnSpc>
-              <a:spcBef>
-                <a:spcPct val="0"/>
-              </a:spcBef>
-              <a:buClrTx/>
-              <a:buNone/>
-            </a:pPr>
-            <a:r>
-              <a:rPr lang="ja-JP" altLang="en-US" sz="1600" dirty="0" smtClean="0">
-                <a:solidFill>
-                  <a:schemeClr val="accent6">
-                    <a:lumMod val="50000"/>
-                    <a:lumOff val="50000"/>
-                  </a:schemeClr>
-                </a:solidFill>
-                <a:latin typeface="+mn-ea"/>
-                <a:ea typeface="+mn-ea"/>
-              </a:rPr>
-              <a:t>３</a:t>
-            </a:r>
-            <a:r>
-              <a:rPr lang="ja-JP" altLang="en-US" sz="1600" dirty="0">
-                <a:solidFill>
-                  <a:schemeClr val="accent6">
-                    <a:lumMod val="50000"/>
-                    <a:lumOff val="50000"/>
-                  </a:schemeClr>
-                </a:solidFill>
-                <a:latin typeface="+mn-ea"/>
-                <a:ea typeface="+mn-ea"/>
-              </a:rPr>
-              <a:t>．</a:t>
-            </a:r>
-            <a:r>
-              <a:rPr lang="ja-JP" altLang="en-US" sz="1600" dirty="0" smtClean="0">
-                <a:solidFill>
-                  <a:schemeClr val="accent6">
-                    <a:lumMod val="50000"/>
-                    <a:lumOff val="50000"/>
-                  </a:schemeClr>
-                </a:solidFill>
-                <a:latin typeface="+mn-ea"/>
-                <a:ea typeface="+mn-ea"/>
-              </a:rPr>
-              <a:t>これから</a:t>
-            </a:r>
-            <a:endParaRPr lang="en-US" altLang="ja-JP" sz="1400" dirty="0">
-              <a:latin typeface="+mn-ea"/>
-              <a:ea typeface="+mn-ea"/>
-            </a:endParaRPr>
-          </a:p>
-          <a:p>
-            <a:pPr indent="538163" eaLnBrk="1" hangingPunct="1">
-              <a:lnSpc>
-                <a:spcPct val="150000"/>
-              </a:lnSpc>
-              <a:spcBef>
-                <a:spcPct val="0"/>
-              </a:spcBef>
-              <a:buClrTx/>
-              <a:buNone/>
-            </a:pPr>
-            <a:endParaRPr lang="en-US" altLang="ja-JP" sz="1400" dirty="0">
-              <a:latin typeface="+mn-ea"/>
-              <a:ea typeface="+mn-ea"/>
-            </a:endParaRPr>
-          </a:p>
-          <a:p>
-            <a:pPr indent="355600" eaLnBrk="1" hangingPunct="1">
-              <a:spcBef>
-                <a:spcPct val="0"/>
-              </a:spcBef>
-              <a:buClrTx/>
-              <a:buNone/>
-            </a:pPr>
-            <a:endParaRPr lang="ja-JP" altLang="en-US" sz="1400" dirty="0">
-              <a:latin typeface="+mn-ea"/>
-              <a:ea typeface="+mn-ea"/>
-            </a:endParaRPr>
-          </a:p>
-          <a:p>
-            <a:pPr indent="355600" eaLnBrk="1" hangingPunct="1">
-              <a:spcBef>
-                <a:spcPct val="0"/>
-              </a:spcBef>
-              <a:buClrTx/>
-              <a:buNone/>
-            </a:pPr>
-            <a:endParaRPr lang="en-US" altLang="ja-JP" sz="1400" dirty="0">
-              <a:latin typeface="+mn-ea"/>
-              <a:ea typeface="+mn-ea"/>
-            </a:endParaRPr>
-          </a:p>
-        </p:txBody>
-      </p:sp>
-    </p:spTree>
-    <p:extLst>
-      <p:ext uri="{BB962C8B-B14F-4D97-AF65-F5344CB8AC3E}">
-        <p14:creationId xmlns:p14="http://schemas.microsoft.com/office/powerpoint/2010/main" val="845003195"/>
-      </p:ext>
-    </p:extLst>
-  </p:cSld>
-  <p:clrMapOvr>
-    <a:masterClrMapping/>
-  </p:clrMapOvr>
-  <p:timing>
-    <p:tnLst>
-      <p:par>
-        <p:cTn id="1" dur="indefinite" restart="never" nodeType="tmRoot"/>
-      </p:par>
-    </p:tnLst>
-  </p:timing>
-</p:sld>
-</file>
-
-<file path=ppt/slides/slide3.xml><?xml version="1.0" encoding="utf-8"?>
-<p:sld xmlns:a="http://schemas.openxmlformats.org/drawingml/2006/main" xmlns:r="http://schemas.openxmlformats.org/officeDocument/2006/relationships" xmlns:p="http://schemas.openxmlformats.org/presentationml/2006/main">
-  <p:cSld>
-    <p:bg>
-      <p:bgPr>
-        <a:solidFill>
-          <a:schemeClr val="bg1"/>
-        </a:solidFill>
-        <a:effectLst/>
-      </p:bgPr>
-    </p:bg>
-    <p:spTree>
-      <p:nvGrpSpPr>
-        <p:cNvPr id="1" name=""/>
-        <p:cNvGrpSpPr/>
-        <p:nvPr/>
-      </p:nvGrpSpPr>
-      <p:grpSpPr>
-        <a:xfrm>
-          <a:off x="0" y="0"/>
-          <a:ext cx="0" cy="0"/>
-          <a:chOff x="0" y="0"/>
-          <a:chExt cx="0" cy="0"/>
-        </a:xfrm>
-      </p:grpSpPr>
-      <p:sp>
-        <p:nvSpPr>
-          <p:cNvPr id="2" name="タイトル 1"/>
-          <p:cNvSpPr>
-            <a:spLocks noGrp="1"/>
-          </p:cNvSpPr>
-          <p:nvPr>
-            <p:ph type="title"/>
-          </p:nvPr>
-        </p:nvSpPr>
-        <p:spPr>
-          <a:xfrm>
             <a:off x="1052735" y="481728"/>
             <a:ext cx="5670000" cy="313350"/>
           </a:xfrm>
@@ -5213,7 +4272,7 @@
                 </a:solidFill>
                 <a:latin typeface="+mn-ea"/>
               </a:rPr>
-              <a:t>の自分①</a:t>
+              <a:t>の自分③</a:t>
             </a:r>
             <a:r>
               <a:rPr lang="en-US" altLang="ja-JP" dirty="0" smtClean="0">
@@ -5237,7 +4296,7 @@
                 </a:solidFill>
                 <a:latin typeface="+mn-ea"/>
               </a:rPr>
-              <a:t>イベント積極的に参加</a:t>
+              <a:t>マネジメント</a:t>
             </a:r>
             <a:endParaRPr kumimoji="1" lang="ja-JP" altLang="en-US" dirty="0"/>
           </a:p>
@@ -5245,10 +4304,10 @@
       </p:sp>
       <p:grpSp>
         <p:nvGrpSpPr>
-          <p:cNvPr id="4" name="Group 293">
+          <p:cNvPr id="11" name="Group 296">
             <a:extLst>
               <a:ext uri="{FF2B5EF4-FFF2-40B4-BE49-F238E27FC236}">
-                <a16:creationId xmlns="" xmlns:a16="http://schemas.microsoft.com/office/drawing/2014/main" id="{FFC370BA-08BF-4CCE-A67B-D347FD899DBA}"/>
+                <a16:creationId xmlns:a16="http://schemas.microsoft.com/office/drawing/2014/main" xmlns="" id="{3842FC64-AB39-42D7-A48C-0FE49F99806C}"/>
               </a:ext>
             </a:extLst>
           </p:cNvPr>
@@ -5259,649 +4318,7 @@
         </p:nvGrpSpPr>
         <p:grpSpPr bwMode="auto">
           <a:xfrm>
-            <a:off x="1273593" y="1135651"/>
-            <a:ext cx="758259" cy="758259"/>
-            <a:chOff x="5037" y="618"/>
-            <a:chExt cx="850" cy="850"/>
-          </a:xfrm>
-        </p:grpSpPr>
-        <p:sp>
-          <p:nvSpPr>
-            <p:cNvPr id="5" name="Oval 50">
-              <a:extLst>
-                <a:ext uri="{FF2B5EF4-FFF2-40B4-BE49-F238E27FC236}">
-                  <a16:creationId xmlns="" xmlns:a16="http://schemas.microsoft.com/office/drawing/2014/main" id="{A9838AB5-C094-4377-A802-21CD3E317274}"/>
-                </a:ext>
-              </a:extLst>
-            </p:cNvPr>
-            <p:cNvSpPr>
-              <a:spLocks noChangeArrowheads="1"/>
-            </p:cNvSpPr>
-            <p:nvPr/>
-          </p:nvSpPr>
-          <p:spPr bwMode="auto">
-            <a:xfrm>
-              <a:off x="5037" y="618"/>
-              <a:ext cx="850" cy="850"/>
-            </a:xfrm>
-            <a:prstGeom prst="ellipse">
-              <a:avLst/>
-            </a:prstGeom>
-            <a:solidFill>
-              <a:srgbClr val="333333"/>
-            </a:solidFill>
-            <a:ln>
-              <a:noFill/>
-            </a:ln>
-            <a:effectLst/>
-            <a:extLst>
-              <a:ext uri="{91240B29-F687-4F45-9708-019B960494DF}">
-                <a14:hiddenLine xmlns:a14="http://schemas.microsoft.com/office/drawing/2010/main" w="38100">
-                  <a:solidFill>
-                    <a:srgbClr val="333333"/>
-                  </a:solidFill>
-                  <a:round/>
-                  <a:headEnd/>
-                  <a:tailEnd/>
-                </a14:hiddenLine>
-              </a:ext>
-              <a:ext uri="{AF507438-7753-43E0-B8FC-AC1667EBCBE1}">
-                <a14:hiddenEffects xmlns:a14="http://schemas.microsoft.com/office/drawing/2010/main">
-                  <a:effectLst>
-                    <a:outerShdw dist="35921" dir="2700000" algn="ctr" rotWithShape="0">
-                      <a:schemeClr val="bg2"/>
-                    </a:outerShdw>
-                  </a:effectLst>
-                </a14:hiddenEffects>
-              </a:ext>
-            </a:extLst>
-          </p:spPr>
-          <p:txBody>
-            <a:bodyPr wrap="none" anchor="ctr"/>
-            <a:lstStyle/>
-            <a:p>
-              <a:endParaRPr lang="ja-JP" altLang="en-US"/>
-            </a:p>
-          </p:txBody>
-        </p:sp>
-        <p:sp>
-          <p:nvSpPr>
-            <p:cNvPr id="6" name="Oval 51">
-              <a:extLst>
-                <a:ext uri="{FF2B5EF4-FFF2-40B4-BE49-F238E27FC236}">
-                  <a16:creationId xmlns="" xmlns:a16="http://schemas.microsoft.com/office/drawing/2014/main" id="{DD6D435C-0F60-4629-BD94-54821F2DE884}"/>
-                </a:ext>
-              </a:extLst>
-            </p:cNvPr>
-            <p:cNvSpPr>
-              <a:spLocks noChangeArrowheads="1"/>
-            </p:cNvSpPr>
-            <p:nvPr/>
-          </p:nvSpPr>
-          <p:spPr bwMode="auto">
-            <a:xfrm>
-              <a:off x="5054" y="635"/>
-              <a:ext cx="817" cy="817"/>
-            </a:xfrm>
-            <a:prstGeom prst="ellipse">
-              <a:avLst/>
-            </a:prstGeom>
-            <a:gradFill rotWithShape="1">
-              <a:gsLst>
-                <a:gs pos="0">
-                  <a:srgbClr val="CC0099">
-                    <a:gamma/>
-                    <a:tint val="60392"/>
-                    <a:invGamma/>
-                  </a:srgbClr>
-                </a:gs>
-                <a:gs pos="100000">
-                  <a:srgbClr val="CC0099"/>
-                </a:gs>
-              </a:gsLst>
-              <a:path path="shape">
-                <a:fillToRect l="50000" t="50000" r="50000" b="50000"/>
-              </a:path>
-            </a:gradFill>
-            <a:ln>
-              <a:noFill/>
-            </a:ln>
-            <a:effectLst/>
-            <a:extLst>
-              <a:ext uri="{91240B29-F687-4F45-9708-019B960494DF}">
-                <a14:hiddenLine xmlns:a14="http://schemas.microsoft.com/office/drawing/2010/main" w="9525">
-                  <a:solidFill>
-                    <a:srgbClr val="FF0000"/>
-                  </a:solidFill>
-                  <a:round/>
-                  <a:headEnd/>
-                  <a:tailEnd/>
-                </a14:hiddenLine>
-              </a:ext>
-              <a:ext uri="{AF507438-7753-43E0-B8FC-AC1667EBCBE1}">
-                <a14:hiddenEffects xmlns:a14="http://schemas.microsoft.com/office/drawing/2010/main">
-                  <a:effectLst>
-                    <a:outerShdw dist="35921" dir="2700000" algn="ctr" rotWithShape="0">
-                      <a:schemeClr val="bg2"/>
-                    </a:outerShdw>
-                  </a:effectLst>
-                </a14:hiddenEffects>
-              </a:ext>
-            </a:extLst>
-          </p:spPr>
-          <p:txBody>
-            <a:bodyPr wrap="none" anchor="ctr"/>
-            <a:lstStyle/>
-            <a:p>
-              <a:endParaRPr lang="ja-JP" altLang="en-US"/>
-            </a:p>
-          </p:txBody>
-        </p:sp>
-        <p:sp>
-          <p:nvSpPr>
-            <p:cNvPr id="7" name="Oval 52">
-              <a:extLst>
-                <a:ext uri="{FF2B5EF4-FFF2-40B4-BE49-F238E27FC236}">
-                  <a16:creationId xmlns="" xmlns:a16="http://schemas.microsoft.com/office/drawing/2014/main" id="{2FF6B54B-606C-4B88-AD79-E1531E472EED}"/>
-                </a:ext>
-              </a:extLst>
-            </p:cNvPr>
-            <p:cNvSpPr>
-              <a:spLocks noChangeArrowheads="1"/>
-            </p:cNvSpPr>
-            <p:nvPr/>
-          </p:nvSpPr>
-          <p:spPr bwMode="auto">
-            <a:xfrm>
-              <a:off x="5326" y="680"/>
-              <a:ext cx="454" cy="454"/>
-            </a:xfrm>
-            <a:prstGeom prst="ellipse">
-              <a:avLst/>
-            </a:prstGeom>
-            <a:gradFill rotWithShape="1">
-              <a:gsLst>
-                <a:gs pos="0">
-                  <a:schemeClr val="bg1">
-                    <a:alpha val="60001"/>
-                  </a:schemeClr>
-                </a:gs>
-                <a:gs pos="100000">
-                  <a:schemeClr val="bg1">
-                    <a:gamma/>
-                    <a:shade val="46275"/>
-                    <a:invGamma/>
-                    <a:alpha val="0"/>
-                  </a:schemeClr>
-                </a:gs>
-              </a:gsLst>
-              <a:path path="shape">
-                <a:fillToRect l="50000" t="50000" r="50000" b="50000"/>
-              </a:path>
-            </a:gradFill>
-            <a:ln>
-              <a:noFill/>
-            </a:ln>
-            <a:effectLst/>
-            <a:extLst>
-              <a:ext uri="{91240B29-F687-4F45-9708-019B960494DF}">
-                <a14:hiddenLine xmlns:a14="http://schemas.microsoft.com/office/drawing/2010/main" w="9525">
-                  <a:solidFill>
-                    <a:srgbClr val="FF0000"/>
-                  </a:solidFill>
-                  <a:round/>
-                  <a:headEnd/>
-                  <a:tailEnd/>
-                </a14:hiddenLine>
-              </a:ext>
-              <a:ext uri="{AF507438-7753-43E0-B8FC-AC1667EBCBE1}">
-                <a14:hiddenEffects xmlns:a14="http://schemas.microsoft.com/office/drawing/2010/main">
-                  <a:effectLst>
-                    <a:outerShdw dist="35921" dir="2700000" algn="ctr" rotWithShape="0">
-                      <a:schemeClr val="bg2"/>
-                    </a:outerShdw>
-                  </a:effectLst>
-                </a14:hiddenEffects>
-              </a:ext>
-            </a:extLst>
-          </p:spPr>
-          <p:txBody>
-            <a:bodyPr wrap="none" anchor="ctr"/>
-            <a:lstStyle/>
-            <a:p>
-              <a:endParaRPr lang="ja-JP" altLang="en-US"/>
-            </a:p>
-          </p:txBody>
-        </p:sp>
-        <p:sp>
-          <p:nvSpPr>
-            <p:cNvPr id="8" name="Freeform 54">
-              <a:extLst>
-                <a:ext uri="{FF2B5EF4-FFF2-40B4-BE49-F238E27FC236}">
-                  <a16:creationId xmlns="" xmlns:a16="http://schemas.microsoft.com/office/drawing/2014/main" id="{11B4C9EE-AFBE-4B95-89C4-2D73C9A5311C}"/>
-                </a:ext>
-              </a:extLst>
-            </p:cNvPr>
-            <p:cNvSpPr>
-              <a:spLocks/>
-            </p:cNvSpPr>
-            <p:nvPr/>
-          </p:nvSpPr>
-          <p:spPr bwMode="auto">
-            <a:xfrm rot="2700000">
-              <a:off x="5207" y="935"/>
-              <a:ext cx="182" cy="182"/>
-            </a:xfrm>
-            <a:custGeom>
-              <a:avLst/>
-              <a:gdLst>
-                <a:gd name="T0" fmla="*/ 272 w 726"/>
-                <a:gd name="T1" fmla="*/ 0 h 726"/>
-                <a:gd name="T2" fmla="*/ 272 w 726"/>
-                <a:gd name="T3" fmla="*/ 272 h 726"/>
-                <a:gd name="T4" fmla="*/ 0 w 726"/>
-                <a:gd name="T5" fmla="*/ 272 h 726"/>
-                <a:gd name="T6" fmla="*/ 0 w 726"/>
-                <a:gd name="T7" fmla="*/ 453 h 726"/>
-                <a:gd name="T8" fmla="*/ 272 w 726"/>
-                <a:gd name="T9" fmla="*/ 453 h 726"/>
-                <a:gd name="T10" fmla="*/ 272 w 726"/>
-                <a:gd name="T11" fmla="*/ 726 h 726"/>
-                <a:gd name="T12" fmla="*/ 454 w 726"/>
-                <a:gd name="T13" fmla="*/ 726 h 726"/>
-                <a:gd name="T14" fmla="*/ 454 w 726"/>
-                <a:gd name="T15" fmla="*/ 453 h 726"/>
-                <a:gd name="T16" fmla="*/ 726 w 726"/>
-                <a:gd name="T17" fmla="*/ 453 h 726"/>
-                <a:gd name="T18" fmla="*/ 726 w 726"/>
-                <a:gd name="T19" fmla="*/ 272 h 726"/>
-                <a:gd name="T20" fmla="*/ 454 w 726"/>
-                <a:gd name="T21" fmla="*/ 272 h 726"/>
-                <a:gd name="T22" fmla="*/ 454 w 726"/>
-                <a:gd name="T23" fmla="*/ 0 h 726"/>
-                <a:gd name="T24" fmla="*/ 272 w 726"/>
-                <a:gd name="T25" fmla="*/ 0 h 726"/>
-              </a:gdLst>
-              <a:ahLst/>
-              <a:cxnLst>
-                <a:cxn ang="0">
-                  <a:pos x="T0" y="T1"/>
-                </a:cxn>
-                <a:cxn ang="0">
-                  <a:pos x="T2" y="T3"/>
-                </a:cxn>
-                <a:cxn ang="0">
-                  <a:pos x="T4" y="T5"/>
-                </a:cxn>
-                <a:cxn ang="0">
-                  <a:pos x="T6" y="T7"/>
-                </a:cxn>
-                <a:cxn ang="0">
-                  <a:pos x="T8" y="T9"/>
-                </a:cxn>
-                <a:cxn ang="0">
-                  <a:pos x="T10" y="T11"/>
-                </a:cxn>
-                <a:cxn ang="0">
-                  <a:pos x="T12" y="T13"/>
-                </a:cxn>
-                <a:cxn ang="0">
-                  <a:pos x="T14" y="T15"/>
-                </a:cxn>
-                <a:cxn ang="0">
-                  <a:pos x="T16" y="T17"/>
-                </a:cxn>
-                <a:cxn ang="0">
-                  <a:pos x="T18" y="T19"/>
-                </a:cxn>
-                <a:cxn ang="0">
-                  <a:pos x="T20" y="T21"/>
-                </a:cxn>
-                <a:cxn ang="0">
-                  <a:pos x="T22" y="T23"/>
-                </a:cxn>
-                <a:cxn ang="0">
-                  <a:pos x="T24" y="T25"/>
-                </a:cxn>
-              </a:cxnLst>
-              <a:rect l="0" t="0" r="r" b="b"/>
-              <a:pathLst>
-                <a:path w="726" h="726">
-                  <a:moveTo>
-                    <a:pt x="272" y="0"/>
-                  </a:moveTo>
-                  <a:lnTo>
-                    <a:pt x="272" y="272"/>
-                  </a:lnTo>
-                  <a:lnTo>
-                    <a:pt x="0" y="272"/>
-                  </a:lnTo>
-                  <a:lnTo>
-                    <a:pt x="0" y="453"/>
-                  </a:lnTo>
-                  <a:lnTo>
-                    <a:pt x="272" y="453"/>
-                  </a:lnTo>
-                  <a:lnTo>
-                    <a:pt x="272" y="726"/>
-                  </a:lnTo>
-                  <a:lnTo>
-                    <a:pt x="454" y="726"/>
-                  </a:lnTo>
-                  <a:lnTo>
-                    <a:pt x="454" y="453"/>
-                  </a:lnTo>
-                  <a:lnTo>
-                    <a:pt x="726" y="453"/>
-                  </a:lnTo>
-                  <a:lnTo>
-                    <a:pt x="726" y="272"/>
-                  </a:lnTo>
-                  <a:lnTo>
-                    <a:pt x="454" y="272"/>
-                  </a:lnTo>
-                  <a:lnTo>
-                    <a:pt x="454" y="0"/>
-                  </a:lnTo>
-                  <a:lnTo>
-                    <a:pt x="272" y="0"/>
-                  </a:lnTo>
-                  <a:close/>
-                </a:path>
-              </a:pathLst>
-            </a:custGeom>
-            <a:solidFill>
-              <a:schemeClr val="tx1"/>
-            </a:solidFill>
-            <a:ln>
-              <a:noFill/>
-            </a:ln>
-            <a:effectLst/>
-            <a:extLst>
-              <a:ext uri="{91240B29-F687-4F45-9708-019B960494DF}">
-                <a14:hiddenLine xmlns:a14="http://schemas.microsoft.com/office/drawing/2010/main" w="9525" cap="flat" cmpd="sng">
-                  <a:solidFill>
-                    <a:srgbClr val="FF0000"/>
-                  </a:solidFill>
-                  <a:prstDash val="solid"/>
-                  <a:round/>
-                  <a:headEnd/>
-                  <a:tailEnd/>
-                </a14:hiddenLine>
-              </a:ext>
-              <a:ext uri="{AF507438-7753-43E0-B8FC-AC1667EBCBE1}">
-                <a14:hiddenEffects xmlns:a14="http://schemas.microsoft.com/office/drawing/2010/main">
-                  <a:effectLst>
-                    <a:outerShdw dist="35921" dir="2700000" algn="ctr" rotWithShape="0">
-                      <a:schemeClr val="bg2"/>
-                    </a:outerShdw>
-                  </a:effectLst>
-                </a14:hiddenEffects>
-              </a:ext>
-            </a:extLst>
-          </p:spPr>
-          <p:txBody>
-            <a:bodyPr/>
-            <a:lstStyle/>
-            <a:p>
-              <a:endParaRPr lang="ja-JP" altLang="en-US"/>
-            </a:p>
-          </p:txBody>
-        </p:sp>
-        <p:sp>
-          <p:nvSpPr>
-            <p:cNvPr id="9" name="Freeform 55">
-              <a:extLst>
-                <a:ext uri="{FF2B5EF4-FFF2-40B4-BE49-F238E27FC236}">
-                  <a16:creationId xmlns="" xmlns:a16="http://schemas.microsoft.com/office/drawing/2014/main" id="{61FD8900-59DC-4DF8-9E0F-FA65E3D087D7}"/>
-                </a:ext>
-              </a:extLst>
-            </p:cNvPr>
-            <p:cNvSpPr>
-              <a:spLocks/>
-            </p:cNvSpPr>
-            <p:nvPr/>
-          </p:nvSpPr>
-          <p:spPr bwMode="auto">
-            <a:xfrm rot="2700000">
-              <a:off x="5524" y="935"/>
-              <a:ext cx="182" cy="182"/>
-            </a:xfrm>
-            <a:custGeom>
-              <a:avLst/>
-              <a:gdLst>
-                <a:gd name="T0" fmla="*/ 272 w 726"/>
-                <a:gd name="T1" fmla="*/ 0 h 726"/>
-                <a:gd name="T2" fmla="*/ 272 w 726"/>
-                <a:gd name="T3" fmla="*/ 272 h 726"/>
-                <a:gd name="T4" fmla="*/ 0 w 726"/>
-                <a:gd name="T5" fmla="*/ 272 h 726"/>
-                <a:gd name="T6" fmla="*/ 0 w 726"/>
-                <a:gd name="T7" fmla="*/ 453 h 726"/>
-                <a:gd name="T8" fmla="*/ 272 w 726"/>
-                <a:gd name="T9" fmla="*/ 453 h 726"/>
-                <a:gd name="T10" fmla="*/ 272 w 726"/>
-                <a:gd name="T11" fmla="*/ 726 h 726"/>
-                <a:gd name="T12" fmla="*/ 454 w 726"/>
-                <a:gd name="T13" fmla="*/ 726 h 726"/>
-                <a:gd name="T14" fmla="*/ 454 w 726"/>
-                <a:gd name="T15" fmla="*/ 453 h 726"/>
-                <a:gd name="T16" fmla="*/ 726 w 726"/>
-                <a:gd name="T17" fmla="*/ 453 h 726"/>
-                <a:gd name="T18" fmla="*/ 726 w 726"/>
-                <a:gd name="T19" fmla="*/ 272 h 726"/>
-                <a:gd name="T20" fmla="*/ 454 w 726"/>
-                <a:gd name="T21" fmla="*/ 272 h 726"/>
-                <a:gd name="T22" fmla="*/ 454 w 726"/>
-                <a:gd name="T23" fmla="*/ 0 h 726"/>
-                <a:gd name="T24" fmla="*/ 272 w 726"/>
-                <a:gd name="T25" fmla="*/ 0 h 726"/>
-              </a:gdLst>
-              <a:ahLst/>
-              <a:cxnLst>
-                <a:cxn ang="0">
-                  <a:pos x="T0" y="T1"/>
-                </a:cxn>
-                <a:cxn ang="0">
-                  <a:pos x="T2" y="T3"/>
-                </a:cxn>
-                <a:cxn ang="0">
-                  <a:pos x="T4" y="T5"/>
-                </a:cxn>
-                <a:cxn ang="0">
-                  <a:pos x="T6" y="T7"/>
-                </a:cxn>
-                <a:cxn ang="0">
-                  <a:pos x="T8" y="T9"/>
-                </a:cxn>
-                <a:cxn ang="0">
-                  <a:pos x="T10" y="T11"/>
-                </a:cxn>
-                <a:cxn ang="0">
-                  <a:pos x="T12" y="T13"/>
-                </a:cxn>
-                <a:cxn ang="0">
-                  <a:pos x="T14" y="T15"/>
-                </a:cxn>
-                <a:cxn ang="0">
-                  <a:pos x="T16" y="T17"/>
-                </a:cxn>
-                <a:cxn ang="0">
-                  <a:pos x="T18" y="T19"/>
-                </a:cxn>
-                <a:cxn ang="0">
-                  <a:pos x="T20" y="T21"/>
-                </a:cxn>
-                <a:cxn ang="0">
-                  <a:pos x="T22" y="T23"/>
-                </a:cxn>
-                <a:cxn ang="0">
-                  <a:pos x="T24" y="T25"/>
-                </a:cxn>
-              </a:cxnLst>
-              <a:rect l="0" t="0" r="r" b="b"/>
-              <a:pathLst>
-                <a:path w="726" h="726">
-                  <a:moveTo>
-                    <a:pt x="272" y="0"/>
-                  </a:moveTo>
-                  <a:lnTo>
-                    <a:pt x="272" y="272"/>
-                  </a:lnTo>
-                  <a:lnTo>
-                    <a:pt x="0" y="272"/>
-                  </a:lnTo>
-                  <a:lnTo>
-                    <a:pt x="0" y="453"/>
-                  </a:lnTo>
-                  <a:lnTo>
-                    <a:pt x="272" y="453"/>
-                  </a:lnTo>
-                  <a:lnTo>
-                    <a:pt x="272" y="726"/>
-                  </a:lnTo>
-                  <a:lnTo>
-                    <a:pt x="454" y="726"/>
-                  </a:lnTo>
-                  <a:lnTo>
-                    <a:pt x="454" y="453"/>
-                  </a:lnTo>
-                  <a:lnTo>
-                    <a:pt x="726" y="453"/>
-                  </a:lnTo>
-                  <a:lnTo>
-                    <a:pt x="726" y="272"/>
-                  </a:lnTo>
-                  <a:lnTo>
-                    <a:pt x="454" y="272"/>
-                  </a:lnTo>
-                  <a:lnTo>
-                    <a:pt x="454" y="0"/>
-                  </a:lnTo>
-                  <a:lnTo>
-                    <a:pt x="272" y="0"/>
-                  </a:lnTo>
-                  <a:close/>
-                </a:path>
-              </a:pathLst>
-            </a:custGeom>
-            <a:solidFill>
-              <a:schemeClr val="tx1"/>
-            </a:solidFill>
-            <a:ln>
-              <a:noFill/>
-            </a:ln>
-            <a:effectLst/>
-            <a:extLst>
-              <a:ext uri="{91240B29-F687-4F45-9708-019B960494DF}">
-                <a14:hiddenLine xmlns:a14="http://schemas.microsoft.com/office/drawing/2010/main" w="9525" cap="flat" cmpd="sng">
-                  <a:solidFill>
-                    <a:srgbClr val="FF0000"/>
-                  </a:solidFill>
-                  <a:prstDash val="solid"/>
-                  <a:round/>
-                  <a:headEnd/>
-                  <a:tailEnd/>
-                </a14:hiddenLine>
-              </a:ext>
-              <a:ext uri="{AF507438-7753-43E0-B8FC-AC1667EBCBE1}">
-                <a14:hiddenEffects xmlns:a14="http://schemas.microsoft.com/office/drawing/2010/main">
-                  <a:effectLst>
-                    <a:outerShdw dist="35921" dir="2700000" algn="ctr" rotWithShape="0">
-                      <a:schemeClr val="bg2"/>
-                    </a:outerShdw>
-                  </a:effectLst>
-                </a14:hiddenEffects>
-              </a:ext>
-            </a:extLst>
-          </p:spPr>
-          <p:txBody>
-            <a:bodyPr/>
-            <a:lstStyle/>
-            <a:p>
-              <a:endParaRPr lang="ja-JP" altLang="en-US"/>
-            </a:p>
-          </p:txBody>
-        </p:sp>
-        <p:sp>
-          <p:nvSpPr>
-            <p:cNvPr id="10" name="AutoShape 59">
-              <a:extLst>
-                <a:ext uri="{FF2B5EF4-FFF2-40B4-BE49-F238E27FC236}">
-                  <a16:creationId xmlns="" xmlns:a16="http://schemas.microsoft.com/office/drawing/2014/main" id="{8725B85B-EFDB-41AA-BF87-5BA5E80973EF}"/>
-                </a:ext>
-              </a:extLst>
-            </p:cNvPr>
-            <p:cNvSpPr>
-              <a:spLocks noChangeArrowheads="1"/>
-            </p:cNvSpPr>
-            <p:nvPr/>
-          </p:nvSpPr>
-          <p:spPr bwMode="auto">
-            <a:xfrm rot="27000000">
-              <a:off x="5456" y="1049"/>
-              <a:ext cx="45" cy="453"/>
-            </a:xfrm>
-            <a:prstGeom prst="moon">
-              <a:avLst>
-                <a:gd name="adj" fmla="val 33329"/>
-              </a:avLst>
-            </a:prstGeom>
-            <a:solidFill>
-              <a:srgbClr val="000000"/>
-            </a:solidFill>
-            <a:ln>
-              <a:noFill/>
-            </a:ln>
-            <a:effectLst/>
-            <a:extLst>
-              <a:ext uri="{91240B29-F687-4F45-9708-019B960494DF}">
-                <a14:hiddenLine xmlns:a14="http://schemas.microsoft.com/office/drawing/2010/main" w="9525">
-                  <a:solidFill>
-                    <a:srgbClr val="FF0000"/>
-                  </a:solidFill>
-                  <a:miter lim="800000"/>
-                  <a:headEnd/>
-                  <a:tailEnd/>
-                </a14:hiddenLine>
-              </a:ext>
-              <a:ext uri="{AF507438-7753-43E0-B8FC-AC1667EBCBE1}">
-                <a14:hiddenEffects xmlns:a14="http://schemas.microsoft.com/office/drawing/2010/main">
-                  <a:effectLst>
-                    <a:outerShdw dist="35921" dir="2700000" algn="ctr" rotWithShape="0">
-                      <a:schemeClr val="bg2"/>
-                    </a:outerShdw>
-                  </a:effectLst>
-                </a14:hiddenEffects>
-              </a:ext>
-            </a:extLst>
-          </p:spPr>
-          <p:txBody>
-            <a:bodyPr wrap="none" anchor="ctr"/>
-            <a:lstStyle/>
-            <a:p>
-              <a:endParaRPr lang="ja-JP" altLang="en-US"/>
-            </a:p>
-          </p:txBody>
-        </p:sp>
-      </p:grpSp>
-      <p:grpSp>
-        <p:nvGrpSpPr>
-          <p:cNvPr id="11" name="Group 296">
-            <a:extLst>
-              <a:ext uri="{FF2B5EF4-FFF2-40B4-BE49-F238E27FC236}">
-                <a16:creationId xmlns="" xmlns:a16="http://schemas.microsoft.com/office/drawing/2014/main" id="{3842FC64-AB39-42D7-A48C-0FE49F99806C}"/>
-              </a:ext>
-            </a:extLst>
-          </p:cNvPr>
-          <p:cNvGrpSpPr>
-            <a:grpSpLocks/>
-          </p:cNvGrpSpPr>
-          <p:nvPr/>
-        </p:nvGrpSpPr>
-        <p:grpSpPr bwMode="auto">
-          <a:xfrm>
-            <a:off x="1294375" y="3136182"/>
+            <a:off x="1136827" y="842282"/>
             <a:ext cx="788463" cy="755574"/>
             <a:chOff x="336" y="601"/>
             <a:chExt cx="850" cy="850"/>
@@ -5912,7 +4329,7 @@
             <p:cNvPr id="12" name="Oval 2">
               <a:extLst>
                 <a:ext uri="{FF2B5EF4-FFF2-40B4-BE49-F238E27FC236}">
-                  <a16:creationId xmlns="" xmlns:a16="http://schemas.microsoft.com/office/drawing/2014/main" id="{9267EE0A-4BA4-4E94-8745-FFA9A06F71A9}"/>
+                  <a16:creationId xmlns:a16="http://schemas.microsoft.com/office/drawing/2014/main" xmlns="" id="{9267EE0A-4BA4-4E94-8745-FFA9A06F71A9}"/>
                 </a:ext>
               </a:extLst>
             </p:cNvPr>
@@ -5971,7 +4388,7 @@
             <p:cNvPr id="13" name="Oval 19">
               <a:extLst>
                 <a:ext uri="{FF2B5EF4-FFF2-40B4-BE49-F238E27FC236}">
-                  <a16:creationId xmlns="" xmlns:a16="http://schemas.microsoft.com/office/drawing/2014/main" id="{CC91C93B-224E-47BB-A4B4-F39EF6BD8070}"/>
+                  <a16:creationId xmlns:a16="http://schemas.microsoft.com/office/drawing/2014/main" xmlns="" id="{CC91C93B-224E-47BB-A4B4-F39EF6BD8070}"/>
                 </a:ext>
               </a:extLst>
             </p:cNvPr>
@@ -6044,7 +4461,7 @@
             <p:cNvPr id="14" name="Oval 20">
               <a:extLst>
                 <a:ext uri="{FF2B5EF4-FFF2-40B4-BE49-F238E27FC236}">
-                  <a16:creationId xmlns="" xmlns:a16="http://schemas.microsoft.com/office/drawing/2014/main" id="{9BD5F5FE-EFD9-4804-9B3B-C6D91AFF363C}"/>
+                  <a16:creationId xmlns:a16="http://schemas.microsoft.com/office/drawing/2014/main" xmlns="" id="{9BD5F5FE-EFD9-4804-9B3B-C6D91AFF363C}"/>
                 </a:ext>
               </a:extLst>
             </p:cNvPr>
@@ -6120,7 +4537,7 @@
             <p:cNvPr id="15" name="Group 21">
               <a:extLst>
                 <a:ext uri="{FF2B5EF4-FFF2-40B4-BE49-F238E27FC236}">
-                  <a16:creationId xmlns="" xmlns:a16="http://schemas.microsoft.com/office/drawing/2014/main" id="{7DB5FE9B-6714-4B4D-AB94-45F20F7D5C8E}"/>
+                  <a16:creationId xmlns:a16="http://schemas.microsoft.com/office/drawing/2014/main" xmlns="" id="{7DB5FE9B-6714-4B4D-AB94-45F20F7D5C8E}"/>
                 </a:ext>
               </a:extLst>
             </p:cNvPr>
@@ -6142,7 +4559,7 @@
               <p:cNvPr id="18" name="AutoShape 22">
                 <a:extLst>
                   <a:ext uri="{FF2B5EF4-FFF2-40B4-BE49-F238E27FC236}">
-                    <a16:creationId xmlns="" xmlns:a16="http://schemas.microsoft.com/office/drawing/2014/main" id="{4E5DF4CC-2B73-45EA-B083-30A68ED1FA2A}"/>
+                    <a16:creationId xmlns:a16="http://schemas.microsoft.com/office/drawing/2014/main" xmlns="" id="{4E5DF4CC-2B73-45EA-B083-30A68ED1FA2A}"/>
                   </a:ext>
                 </a:extLst>
               </p:cNvPr>
@@ -6211,7 +4628,7 @@
               <p:cNvPr id="19" name="Freeform 23">
                 <a:extLst>
                   <a:ext uri="{FF2B5EF4-FFF2-40B4-BE49-F238E27FC236}">
-                    <a16:creationId xmlns="" xmlns:a16="http://schemas.microsoft.com/office/drawing/2014/main" id="{A03184C6-4DC0-40F9-A025-A1F34226A187}"/>
+                    <a16:creationId xmlns:a16="http://schemas.microsoft.com/office/drawing/2014/main" xmlns="" id="{A03184C6-4DC0-40F9-A025-A1F34226A187}"/>
                   </a:ext>
                 </a:extLst>
               </p:cNvPr>
@@ -6343,7 +4760,7 @@
             <p:cNvPr id="16" name="AutoShape 36">
               <a:extLst>
                 <a:ext uri="{FF2B5EF4-FFF2-40B4-BE49-F238E27FC236}">
-                  <a16:creationId xmlns="" xmlns:a16="http://schemas.microsoft.com/office/drawing/2014/main" id="{C65C2922-0F06-4601-991B-D9188A55C388}"/>
+                  <a16:creationId xmlns:a16="http://schemas.microsoft.com/office/drawing/2014/main" xmlns="" id="{C65C2922-0F06-4601-991B-D9188A55C388}"/>
                 </a:ext>
               </a:extLst>
             </p:cNvPr>
@@ -6518,7 +4935,7 @@
             <p:cNvPr id="17" name="AutoShape 37">
               <a:extLst>
                 <a:ext uri="{FF2B5EF4-FFF2-40B4-BE49-F238E27FC236}">
-                  <a16:creationId xmlns="" xmlns:a16="http://schemas.microsoft.com/office/drawing/2014/main" id="{9028FBF9-F253-4134-8311-3707C3C5DB2F}"/>
+                  <a16:creationId xmlns:a16="http://schemas.microsoft.com/office/drawing/2014/main" xmlns="" id="{9028FBF9-F253-4134-8311-3707C3C5DB2F}"/>
                 </a:ext>
               </a:extLst>
             </p:cNvPr>
@@ -6691,61 +5108,14 @@
       </p:grpSp>
       <p:sp>
         <p:nvSpPr>
-          <p:cNvPr id="20" name="正方形/長方形 19"/>
-          <p:cNvSpPr/>
-          <p:nvPr/>
-        </p:nvSpPr>
-        <p:spPr bwMode="auto">
-          <a:xfrm>
-            <a:off x="2306782" y="1190959"/>
-            <a:ext cx="4083627" cy="702951"/>
-          </a:xfrm>
-          <a:prstGeom prst="rect">
-            <a:avLst/>
-          </a:prstGeom>
-          <a:noFill/>
-          <a:ln>
-            <a:solidFill>
-              <a:schemeClr val="accent1"/>
-            </a:solidFill>
-          </a:ln>
-          <a:effectLst/>
-          <a:extLst/>
-        </p:spPr>
-        <p:txBody>
-          <a:bodyPr rot="0" spcFirstLastPara="0" vertOverflow="overflow" horzOverflow="overflow" vert="horz" wrap="square" lIns="91440" tIns="45720" rIns="91440" bIns="45720" numCol="1" spcCol="0" rtlCol="0" fromWordArt="0" anchor="ctr" anchorCtr="0" forceAA="0" compatLnSpc="1">
-            <a:prstTxWarp prst="textNoShape">
-              <a:avLst/>
-            </a:prstTxWarp>
-            <a:noAutofit/>
-          </a:bodyPr>
-          <a:lstStyle/>
-          <a:p>
-            <a:pPr algn="ctr"/>
-            <a:r>
-              <a:rPr kumimoji="1" lang="ja-JP" altLang="en-US" b="1" dirty="0" smtClean="0">
-                <a:latin typeface="+mj-ea"/>
-                <a:ea typeface="+mj-ea"/>
-              </a:rPr>
-              <a:t>会社のイベントあまり参加しなかった</a:t>
-            </a:r>
-            <a:endParaRPr kumimoji="1" lang="ja-JP" altLang="en-US" b="1" dirty="0">
-              <a:latin typeface="+mj-ea"/>
-              <a:ea typeface="+mj-ea"/>
-            </a:endParaRPr>
-          </a:p>
-        </p:txBody>
-      </p:sp>
-      <p:sp>
-        <p:nvSpPr>
           <p:cNvPr id="21" name="正方形/長方形 20"/>
           <p:cNvSpPr/>
           <p:nvPr/>
         </p:nvSpPr>
         <p:spPr bwMode="auto">
           <a:xfrm>
-            <a:off x="2320304" y="3007596"/>
-            <a:ext cx="4070105" cy="1356586"/>
+            <a:off x="2093186" y="910564"/>
+            <a:ext cx="4629549" cy="3640654"/>
           </a:xfrm>
           <a:prstGeom prst="rect">
             <a:avLst/>
@@ -6771,111 +5141,14 @@
             <a:r>
               <a:rPr kumimoji="1" lang="ja-JP" altLang="en-US" b="1" dirty="0" smtClean="0">
                 <a:solidFill>
-                  <a:srgbClr val="0000CC"/>
+                  <a:srgbClr val="FF0000"/>
                 </a:solidFill>
                 <a:latin typeface="+mj-ea"/>
                 <a:ea typeface="+mj-ea"/>
               </a:rPr>
               <a:t>・</a:t>
             </a:r>
-            <a:r>
-              <a:rPr kumimoji="1" lang="ja-JP" altLang="en-US" b="1" dirty="0" smtClean="0">
-                <a:solidFill>
-                  <a:srgbClr val="FF0000"/>
-                </a:solidFill>
-                <a:latin typeface="+mj-ea"/>
-                <a:ea typeface="+mj-ea"/>
-              </a:rPr>
-              <a:t>会社の飲み会</a:t>
-            </a:r>
-            <a:endParaRPr kumimoji="1" lang="en-US" altLang="ja-JP" b="1" dirty="0" smtClean="0">
-              <a:solidFill>
-                <a:srgbClr val="FF0000"/>
-              </a:solidFill>
-              <a:latin typeface="+mj-ea"/>
-              <a:ea typeface="+mj-ea"/>
-            </a:endParaRPr>
-          </a:p>
-          <a:p>
-            <a:r>
-              <a:rPr lang="ja-JP" altLang="en-US" b="1" dirty="0" smtClean="0">
-                <a:solidFill>
-                  <a:srgbClr val="0000CC"/>
-                </a:solidFill>
-                <a:latin typeface="+mj-ea"/>
-                <a:ea typeface="+mj-ea"/>
-              </a:rPr>
-              <a:t>・</a:t>
-            </a:r>
-            <a:r>
-              <a:rPr lang="ja-JP" altLang="en-US" b="1" dirty="0" smtClean="0">
-                <a:solidFill>
-                  <a:srgbClr val="FF0000"/>
-                </a:solidFill>
-                <a:latin typeface="+mj-ea"/>
-                <a:ea typeface="+mj-ea"/>
-              </a:rPr>
-              <a:t>アジャイル社内研修</a:t>
-            </a:r>
             <a:endParaRPr lang="en-US" altLang="ja-JP" b="1" dirty="0" smtClean="0">
-              <a:solidFill>
-                <a:srgbClr val="FF0000"/>
-              </a:solidFill>
-              <a:latin typeface="+mj-ea"/>
-              <a:ea typeface="+mj-ea"/>
-            </a:endParaRPr>
-          </a:p>
-          <a:p>
-            <a:r>
-              <a:rPr kumimoji="1" lang="ja-JP" altLang="en-US" b="1" dirty="0" smtClean="0">
-                <a:solidFill>
-                  <a:srgbClr val="0000CC"/>
-                </a:solidFill>
-                <a:latin typeface="+mj-ea"/>
-                <a:ea typeface="+mj-ea"/>
-              </a:rPr>
-              <a:t>・</a:t>
-            </a:r>
-            <a:r>
-              <a:rPr kumimoji="1" lang="ja-JP" altLang="en-US" b="1" dirty="0" smtClean="0">
-                <a:solidFill>
-                  <a:srgbClr val="FF0000"/>
-                </a:solidFill>
-                <a:latin typeface="+mj-ea"/>
-                <a:ea typeface="+mj-ea"/>
-              </a:rPr>
-              <a:t>運動会</a:t>
-            </a:r>
-            <a:endParaRPr kumimoji="1" lang="en-US" altLang="ja-JP" b="1" dirty="0" smtClean="0">
-              <a:solidFill>
-                <a:srgbClr val="FF0000"/>
-              </a:solidFill>
-              <a:latin typeface="+mj-ea"/>
-              <a:ea typeface="+mj-ea"/>
-            </a:endParaRPr>
-          </a:p>
-          <a:p>
-            <a:r>
-              <a:rPr lang="ja-JP" altLang="en-US" b="1" dirty="0" smtClean="0">
-                <a:solidFill>
-                  <a:srgbClr val="0000CC"/>
-                </a:solidFill>
-                <a:latin typeface="+mj-ea"/>
-                <a:ea typeface="+mj-ea"/>
-              </a:rPr>
-              <a:t>・</a:t>
-            </a:r>
-            <a:r>
-              <a:rPr lang="ja-JP" altLang="en-US" b="1" dirty="0" smtClean="0">
-                <a:solidFill>
-                  <a:srgbClr val="FF0000"/>
-                </a:solidFill>
-                <a:latin typeface="+mj-ea"/>
-                <a:ea typeface="+mj-ea"/>
-              </a:rPr>
-              <a:t>第二シス部会（司会）</a:t>
-            </a:r>
-            <a:endParaRPr kumimoji="1" lang="ja-JP" altLang="en-US" b="1" dirty="0">
               <a:solidFill>
                 <a:srgbClr val="FF0000"/>
               </a:solidFill>
@@ -6888,7 +5161,7 @@
     </p:spTree>
     <p:extLst>
       <p:ext uri="{BB962C8B-B14F-4D97-AF65-F5344CB8AC3E}">
-        <p14:creationId xmlns:p14="http://schemas.microsoft.com/office/powerpoint/2010/main" val="956510733"/>
+        <p14:creationId xmlns:p14="http://schemas.microsoft.com/office/powerpoint/2010/main" val="3249580482"/>
       </p:ext>
     </p:extLst>
   </p:cSld>
@@ -6905,7 +5178,7 @@
 </p:sld>
 </file>
 
-<file path=ppt/slides/slide4.xml><?xml version="1.0" encoding="utf-8"?>
+<file path=ppt/slides/slide11.xml><?xml version="1.0" encoding="utf-8"?>
 <p:sld xmlns:a="http://schemas.openxmlformats.org/drawingml/2006/main" xmlns:r="http://schemas.openxmlformats.org/officeDocument/2006/relationships" xmlns:p="http://schemas.openxmlformats.org/presentationml/2006/main">
   <p:cSld>
     <p:spTree>
@@ -6934,8 +5207,8 @@
         </p:nvSpPr>
         <p:spPr>
           <a:xfrm>
-            <a:off x="1052735" y="481728"/>
-            <a:ext cx="5670000" cy="313350"/>
+            <a:off x="1052734" y="404783"/>
+            <a:ext cx="5805265" cy="390295"/>
           </a:xfrm>
         </p:spPr>
         <p:txBody>
@@ -6943,7 +5216,7 @@
           <a:lstStyle/>
           <a:p>
             <a:r>
-              <a:rPr lang="ja-JP" altLang="en-US" dirty="0">
+              <a:rPr lang="ja-JP" altLang="en-US" sz="2300" dirty="0">
                 <a:solidFill>
                   <a:schemeClr val="accent6">
                     <a:lumMod val="50000"/>
@@ -6952,10 +5225,10 @@
                 </a:solidFill>
                 <a:latin typeface="+mn-ea"/>
               </a:rPr>
-              <a:t>進化</a:t>
-            </a:r>
-            <a:r>
-              <a:rPr lang="ja-JP" altLang="en-US" dirty="0" smtClean="0">
+              <a:t>超えるべき「Ｘ</a:t>
+            </a:r>
+            <a:r>
+              <a:rPr lang="ja-JP" altLang="en-US" sz="2300" dirty="0" smtClean="0">
                 <a:solidFill>
                   <a:schemeClr val="accent6">
                     <a:lumMod val="50000"/>
@@ -6964,10 +5237,10 @@
                 </a:solidFill>
                 <a:latin typeface="+mn-ea"/>
               </a:rPr>
-              <a:t>の自分②</a:t>
-            </a:r>
-            <a:r>
-              <a:rPr lang="en-US" altLang="ja-JP" dirty="0" smtClean="0">
+              <a:t>」、</a:t>
+            </a:r>
+            <a:r>
+              <a:rPr lang="ja-JP" altLang="en-US" sz="2300" dirty="0">
                 <a:solidFill>
                   <a:schemeClr val="accent6">
                     <a:lumMod val="50000"/>
@@ -6976,10 +5249,10 @@
                 </a:solidFill>
                 <a:latin typeface="+mn-ea"/>
               </a:rPr>
-              <a:t>-</a:t>
-            </a:r>
-            <a:r>
-              <a:rPr lang="ja-JP" altLang="en-US" dirty="0">
+              <a:t>これまでしてきた</a:t>
+            </a:r>
+            <a:r>
+              <a:rPr lang="ja-JP" altLang="en-US" sz="2300" dirty="0" smtClean="0">
                 <a:solidFill>
                   <a:schemeClr val="accent6">
                     <a:lumMod val="50000"/>
@@ -6988,10 +5261,211 @@
                 </a:solidFill>
                 <a:latin typeface="+mn-ea"/>
               </a:rPr>
-              <a:t>積極的</a:t>
-            </a:r>
-            <a:r>
-              <a:rPr lang="ja-JP" altLang="en-US" dirty="0" smtClean="0">
+              <a:t>こと</a:t>
+            </a:r>
+            <a:endParaRPr kumimoji="1" lang="ja-JP" altLang="en-US" sz="2300" dirty="0"/>
+          </a:p>
+        </p:txBody>
+      </p:sp>
+      <p:sp>
+        <p:nvSpPr>
+          <p:cNvPr id="3" name="テキスト プレースホルダー 2"/>
+          <p:cNvSpPr>
+            <a:spLocks noGrp="1"/>
+          </p:cNvSpPr>
+          <p:nvPr>
+            <p:ph type="body" sz="quarter" idx="10"/>
+          </p:nvPr>
+        </p:nvSpPr>
+        <p:spPr/>
+        <p:txBody>
+          <a:bodyPr/>
+          <a:lstStyle/>
+          <a:p>
+            <a:r>
+              <a:rPr lang="ja-JP" altLang="en-US" dirty="0" smtClean="0"/>
+              <a:t>■現場</a:t>
+            </a:r>
+            <a:r>
+              <a:rPr kumimoji="1" lang="ja-JP" altLang="en-US" dirty="0" smtClean="0"/>
+              <a:t>リーダーとしての</a:t>
+            </a:r>
+            <a:r>
+              <a:rPr lang="ja-JP" altLang="en-US" dirty="0" smtClean="0"/>
+              <a:t>活躍</a:t>
+            </a:r>
+            <a:endParaRPr lang="en-US" altLang="ja-JP" dirty="0" smtClean="0"/>
+          </a:p>
+          <a:p>
+            <a:r>
+              <a:rPr lang="ja-JP" altLang="en-US" dirty="0"/>
+              <a:t>　</a:t>
+            </a:r>
+            <a:r>
+              <a:rPr lang="en-US" altLang="ja-JP" dirty="0" smtClean="0"/>
+              <a:t>【CRM</a:t>
+            </a:r>
+            <a:r>
+              <a:rPr lang="ja-JP" altLang="en-US" dirty="0" smtClean="0"/>
+              <a:t>プロジェクト移行対応</a:t>
+            </a:r>
+            <a:r>
+              <a:rPr lang="en-US" altLang="ja-JP" dirty="0" smtClean="0"/>
+              <a:t>】</a:t>
+            </a:r>
+          </a:p>
+          <a:p>
+            <a:r>
+              <a:rPr kumimoji="1" lang="ja-JP" altLang="en-US" dirty="0"/>
+              <a:t>　</a:t>
+            </a:r>
+            <a:r>
+              <a:rPr kumimoji="1" lang="ja-JP" altLang="en-US" dirty="0" smtClean="0"/>
+              <a:t>　○マネジメント能力</a:t>
+            </a:r>
+            <a:endParaRPr kumimoji="1" lang="en-US" altLang="ja-JP" dirty="0" smtClean="0"/>
+          </a:p>
+          <a:p>
+            <a:r>
+              <a:rPr lang="ja-JP" altLang="en-US" dirty="0"/>
+              <a:t>　</a:t>
+            </a:r>
+            <a:r>
+              <a:rPr lang="ja-JP" altLang="en-US" dirty="0" smtClean="0"/>
+              <a:t>　　　・作業スケジュール管理</a:t>
+            </a:r>
+            <a:endParaRPr lang="en-US" altLang="ja-JP" dirty="0" smtClean="0"/>
+          </a:p>
+          <a:p>
+            <a:r>
+              <a:rPr kumimoji="1" lang="ja-JP" altLang="en-US" dirty="0"/>
+              <a:t>　</a:t>
+            </a:r>
+            <a:r>
+              <a:rPr kumimoji="1" lang="ja-JP" altLang="en-US" dirty="0" smtClean="0"/>
+              <a:t>　　　・作業の配分</a:t>
+            </a:r>
+            <a:endParaRPr kumimoji="1" lang="en-US" altLang="ja-JP" dirty="0" smtClean="0"/>
+          </a:p>
+          <a:p>
+            <a:r>
+              <a:rPr lang="ja-JP" altLang="en-US" dirty="0"/>
+              <a:t>　</a:t>
+            </a:r>
+            <a:r>
+              <a:rPr lang="ja-JP" altLang="en-US" dirty="0" smtClean="0"/>
+              <a:t>　　　・仕様の調整</a:t>
+            </a:r>
+            <a:endParaRPr kumimoji="1" lang="en-US" altLang="ja-JP" dirty="0" smtClean="0"/>
+          </a:p>
+          <a:p>
+            <a:r>
+              <a:rPr kumimoji="1" lang="ja-JP" altLang="en-US" dirty="0"/>
+              <a:t>　</a:t>
+            </a:r>
+            <a:r>
+              <a:rPr kumimoji="1" lang="ja-JP" altLang="en-US" dirty="0" smtClean="0"/>
+              <a:t>　○生産性向上と品質向上のため、技術検討とメンバに展開</a:t>
+            </a:r>
+            <a:endParaRPr kumimoji="1" lang="en-US" altLang="ja-JP" dirty="0" smtClean="0"/>
+          </a:p>
+          <a:p>
+            <a:r>
+              <a:rPr lang="ja-JP" altLang="en-US" dirty="0"/>
+              <a:t>　</a:t>
+            </a:r>
+            <a:r>
+              <a:rPr lang="ja-JP" altLang="en-US" dirty="0" smtClean="0"/>
+              <a:t>　　　・標準的な移行プログラム設計（生産性向上）</a:t>
+            </a:r>
+            <a:endParaRPr lang="en-US" altLang="ja-JP" dirty="0" smtClean="0"/>
+          </a:p>
+          <a:p>
+            <a:r>
+              <a:rPr kumimoji="1" lang="ja-JP" altLang="en-US" dirty="0"/>
+              <a:t>　</a:t>
+            </a:r>
+            <a:r>
+              <a:rPr kumimoji="1" lang="ja-JP" altLang="en-US" dirty="0" smtClean="0"/>
+              <a:t>　　　・テスト自動化（品質向上）</a:t>
+            </a:r>
+            <a:r>
+              <a:rPr lang="ja-JP" altLang="en-US" dirty="0"/>
+              <a:t>　</a:t>
+            </a:r>
+            <a:r>
+              <a:rPr lang="ja-JP" altLang="en-US" dirty="0" smtClean="0"/>
+              <a:t>　　　</a:t>
+            </a:r>
+            <a:endParaRPr kumimoji="1" lang="en-US" altLang="ja-JP" dirty="0" smtClean="0"/>
+          </a:p>
+          <a:p>
+            <a:endParaRPr lang="en-US" altLang="ja-JP" dirty="0" smtClean="0"/>
+          </a:p>
+          <a:p>
+            <a:endParaRPr lang="en-US" altLang="ja-JP" dirty="0"/>
+          </a:p>
+        </p:txBody>
+      </p:sp>
+    </p:spTree>
+    <p:extLst>
+      <p:ext uri="{BB962C8B-B14F-4D97-AF65-F5344CB8AC3E}">
+        <p14:creationId xmlns:p14="http://schemas.microsoft.com/office/powerpoint/2010/main" val="3090658669"/>
+      </p:ext>
+    </p:extLst>
+  </p:cSld>
+  <p:clrMapOvr>
+    <a:masterClrMapping/>
+  </p:clrMapOvr>
+  <p:timing>
+    <p:tnLst>
+      <p:par>
+        <p:cTn id="1" dur="indefinite" restart="never" nodeType="tmRoot"/>
+      </p:par>
+    </p:tnLst>
+  </p:timing>
+</p:sld>
+</file>
+
+<file path=ppt/slides/slide12.xml><?xml version="1.0" encoding="utf-8"?>
+<p:sld xmlns:a="http://schemas.openxmlformats.org/drawingml/2006/main" xmlns:r="http://schemas.openxmlformats.org/officeDocument/2006/relationships" xmlns:p="http://schemas.openxmlformats.org/presentationml/2006/main">
+  <p:cSld>
+    <p:spTree>
+      <p:nvGrpSpPr>
+        <p:cNvPr id="1" name=""/>
+        <p:cNvGrpSpPr/>
+        <p:nvPr/>
+      </p:nvGrpSpPr>
+      <p:grpSpPr>
+        <a:xfrm>
+          <a:off x="0" y="0"/>
+          <a:ext cx="0" cy="0"/>
+          <a:chOff x="0" y="0"/>
+          <a:chExt cx="0" cy="0"/>
+        </a:xfrm>
+      </p:grpSpPr>
+      <p:sp>
+        <p:nvSpPr>
+          <p:cNvPr id="2" name="タイトル 1"/>
+          <p:cNvSpPr>
+            <a:spLocks noGrp="1"/>
+          </p:cNvSpPr>
+          <p:nvPr>
+            <p:ph type="title"/>
+          </p:nvPr>
+        </p:nvSpPr>
+        <p:spPr>
+          <a:xfrm>
+            <a:off x="1052734" y="50840"/>
+            <a:ext cx="5805265" cy="744238"/>
+          </a:xfrm>
+        </p:spPr>
+        <p:txBody>
+          <a:bodyPr/>
+          <a:lstStyle/>
+          <a:p>
+            <a:r>
+              <a:rPr lang="ja-JP" altLang="en-US" sz="2300" dirty="0">
                 <a:solidFill>
                   <a:schemeClr val="accent6">
                     <a:lumMod val="50000"/>
@@ -7000,9 +5474,1509 @@
                 </a:solidFill>
                 <a:latin typeface="+mn-ea"/>
               </a:rPr>
-              <a:t>に発言</a:t>
-            </a:r>
+              <a:t>超えるべき「Ｘ」、これまでしてきたこと</a:t>
+            </a:r>
+            <a:endParaRPr kumimoji="1" lang="ja-JP" altLang="en-US" sz="2300" dirty="0"/>
+          </a:p>
+        </p:txBody>
+      </p:sp>
+      <p:sp>
+        <p:nvSpPr>
+          <p:cNvPr id="3" name="テキスト プレースホルダー 2"/>
+          <p:cNvSpPr>
+            <a:spLocks noGrp="1"/>
+          </p:cNvSpPr>
+          <p:nvPr>
+            <p:ph type="body" sz="quarter" idx="10"/>
+          </p:nvPr>
+        </p:nvSpPr>
+        <p:spPr/>
+        <p:txBody>
+          <a:bodyPr/>
+          <a:lstStyle/>
+          <a:p>
+            <a:r>
+              <a:rPr lang="ja-JP" altLang="en-US" dirty="0"/>
+              <a:t>■請負作業の兼務</a:t>
+            </a:r>
+            <a:endParaRPr lang="en-US" altLang="ja-JP" dirty="0"/>
+          </a:p>
+          <a:p>
+            <a:r>
+              <a:rPr lang="ja-JP" altLang="en-US" dirty="0"/>
+              <a:t>　</a:t>
+            </a:r>
+            <a:r>
+              <a:rPr lang="en-US" altLang="ja-JP" dirty="0"/>
+              <a:t>【</a:t>
+            </a:r>
+            <a:r>
+              <a:rPr lang="ja-JP" altLang="en-US" dirty="0"/>
+              <a:t>官庁総合運用テスト支援ツール</a:t>
+            </a:r>
+            <a:r>
+              <a:rPr lang="en-US" altLang="ja-JP" dirty="0"/>
+              <a:t>】</a:t>
+            </a:r>
+          </a:p>
+          <a:p>
+            <a:r>
+              <a:rPr lang="ja-JP" altLang="en-US" dirty="0"/>
+              <a:t>　　</a:t>
+            </a:r>
+            <a:r>
+              <a:rPr lang="ja-JP" altLang="en-US" dirty="0" smtClean="0"/>
+              <a:t>○顧客</a:t>
+            </a:r>
+            <a:r>
+              <a:rPr lang="ja-JP" altLang="en-US" dirty="0"/>
+              <a:t>と</a:t>
+            </a:r>
+            <a:r>
+              <a:rPr lang="ja-JP" altLang="en-US" dirty="0" smtClean="0"/>
+              <a:t>作業スケジュール調整</a:t>
+            </a:r>
+            <a:endParaRPr lang="en-US" altLang="ja-JP" dirty="0" smtClean="0"/>
+          </a:p>
+          <a:p>
+            <a:r>
+              <a:rPr lang="ja-JP" altLang="en-US" dirty="0"/>
+              <a:t>　</a:t>
+            </a:r>
+            <a:r>
+              <a:rPr lang="ja-JP" altLang="en-US" dirty="0" smtClean="0"/>
+              <a:t>　○顧客と仕様調整</a:t>
+            </a:r>
+            <a:endParaRPr lang="en-US" altLang="ja-JP" dirty="0"/>
+          </a:p>
+          <a:p>
+            <a:r>
+              <a:rPr lang="ja-JP" altLang="en-US" dirty="0"/>
+              <a:t>　　</a:t>
+            </a:r>
+            <a:r>
+              <a:rPr lang="ja-JP" altLang="en-US" dirty="0" smtClean="0"/>
+              <a:t>○社内</a:t>
+            </a:r>
+            <a:r>
+              <a:rPr lang="ja-JP" altLang="en-US" dirty="0"/>
+              <a:t>開発メンバの</a:t>
+            </a:r>
+            <a:r>
+              <a:rPr lang="ja-JP" altLang="en-US" dirty="0" smtClean="0"/>
+              <a:t>管理とフォロー</a:t>
+            </a:r>
+            <a:endParaRPr lang="en-US" altLang="ja-JP" dirty="0" smtClean="0"/>
+          </a:p>
+          <a:p>
+            <a:r>
+              <a:rPr lang="ja-JP" altLang="en-US" dirty="0"/>
+              <a:t>　</a:t>
+            </a:r>
+            <a:r>
+              <a:rPr lang="ja-JP" altLang="en-US" dirty="0" smtClean="0"/>
+              <a:t>　　・作業スケジュール管理</a:t>
+            </a:r>
+            <a:endParaRPr lang="en-US" altLang="ja-JP" dirty="0" smtClean="0"/>
+          </a:p>
+          <a:p>
+            <a:r>
+              <a:rPr lang="ja-JP" altLang="en-US" dirty="0"/>
+              <a:t>　</a:t>
+            </a:r>
+            <a:r>
+              <a:rPr lang="ja-JP" altLang="en-US" dirty="0" smtClean="0"/>
+              <a:t>　　・作業の配分</a:t>
+            </a:r>
+            <a:endParaRPr lang="en-US" altLang="ja-JP" dirty="0" smtClean="0"/>
+          </a:p>
+          <a:p>
+            <a:r>
+              <a:rPr lang="ja-JP" altLang="en-US" dirty="0"/>
+              <a:t>　</a:t>
+            </a:r>
+            <a:r>
+              <a:rPr lang="ja-JP" altLang="en-US" dirty="0" smtClean="0"/>
+              <a:t>　　・技術、仕様フォロー</a:t>
+            </a:r>
+            <a:endParaRPr lang="ja-JP" altLang="en-US" dirty="0"/>
+          </a:p>
+          <a:p>
             <a:endParaRPr kumimoji="1" lang="ja-JP" altLang="en-US" dirty="0"/>
+          </a:p>
+        </p:txBody>
+      </p:sp>
+    </p:spTree>
+    <p:extLst>
+      <p:ext uri="{BB962C8B-B14F-4D97-AF65-F5344CB8AC3E}">
+        <p14:creationId xmlns:p14="http://schemas.microsoft.com/office/powerpoint/2010/main" val="2250337169"/>
+      </p:ext>
+    </p:extLst>
+  </p:cSld>
+  <p:clrMapOvr>
+    <a:masterClrMapping/>
+  </p:clrMapOvr>
+  <p:timing>
+    <p:tnLst>
+      <p:par>
+        <p:cTn id="1" dur="indefinite" restart="never" nodeType="tmRoot"/>
+      </p:par>
+    </p:tnLst>
+  </p:timing>
+</p:sld>
+</file>
+
+<file path=ppt/slides/slide13.xml><?xml version="1.0" encoding="utf-8"?>
+<p:sld xmlns:a="http://schemas.openxmlformats.org/drawingml/2006/main" xmlns:r="http://schemas.openxmlformats.org/officeDocument/2006/relationships" xmlns:p="http://schemas.openxmlformats.org/presentationml/2006/main">
+  <p:cSld>
+    <p:spTree>
+      <p:nvGrpSpPr>
+        <p:cNvPr id="1" name=""/>
+        <p:cNvGrpSpPr/>
+        <p:nvPr/>
+      </p:nvGrpSpPr>
+      <p:grpSpPr>
+        <a:xfrm>
+          <a:off x="0" y="0"/>
+          <a:ext cx="0" cy="0"/>
+          <a:chOff x="0" y="0"/>
+          <a:chExt cx="0" cy="0"/>
+        </a:xfrm>
+      </p:grpSpPr>
+      <p:sp>
+        <p:nvSpPr>
+          <p:cNvPr id="2" name="タイトル 1"/>
+          <p:cNvSpPr>
+            <a:spLocks noGrp="1"/>
+          </p:cNvSpPr>
+          <p:nvPr>
+            <p:ph type="title"/>
+          </p:nvPr>
+        </p:nvSpPr>
+        <p:spPr>
+          <a:xfrm>
+            <a:off x="1052735" y="389395"/>
+            <a:ext cx="5670000" cy="405683"/>
+          </a:xfrm>
+        </p:spPr>
+        <p:txBody>
+          <a:bodyPr/>
+          <a:lstStyle/>
+          <a:p>
+            <a:r>
+              <a:rPr kumimoji="1" lang="ja-JP" altLang="en-US" sz="2400" dirty="0" smtClean="0">
+                <a:solidFill>
+                  <a:srgbClr val="00B0F0"/>
+                </a:solidFill>
+              </a:rPr>
+              <a:t>これから</a:t>
+            </a:r>
+            <a:endParaRPr kumimoji="1" lang="ja-JP" altLang="en-US" sz="2400" dirty="0">
+              <a:solidFill>
+                <a:srgbClr val="00B0F0"/>
+              </a:solidFill>
+            </a:endParaRPr>
+          </a:p>
+        </p:txBody>
+      </p:sp>
+      <p:sp>
+        <p:nvSpPr>
+          <p:cNvPr id="3" name="テキスト プレースホルダー 2"/>
+          <p:cNvSpPr>
+            <a:spLocks noGrp="1"/>
+          </p:cNvSpPr>
+          <p:nvPr>
+            <p:ph type="body" sz="quarter" idx="10"/>
+          </p:nvPr>
+        </p:nvSpPr>
+        <p:spPr/>
+        <p:txBody>
+          <a:bodyPr/>
+          <a:lstStyle/>
+          <a:p>
+            <a:r>
+              <a:rPr kumimoji="1" lang="ja-JP" altLang="en-US" dirty="0" smtClean="0"/>
+              <a:t>・リーダーシップを発揮し、団結、即戦力ありのチームを作って、現場開拓に注力する。</a:t>
+            </a:r>
+            <a:endParaRPr kumimoji="1" lang="en-US" altLang="ja-JP" dirty="0" smtClean="0"/>
+          </a:p>
+          <a:p>
+            <a:endParaRPr lang="en-US" altLang="ja-JP" dirty="0"/>
+          </a:p>
+          <a:p>
+            <a:r>
+              <a:rPr lang="ja-JP" altLang="en-US" dirty="0"/>
+              <a:t>・上流から積極的に参加し、ワンステップ対応能力強化に</a:t>
+            </a:r>
+            <a:endParaRPr lang="en-US" altLang="ja-JP" dirty="0"/>
+          </a:p>
+          <a:p>
+            <a:r>
+              <a:rPr lang="ja-JP" altLang="en-US" dirty="0"/>
+              <a:t>　注力する</a:t>
+            </a:r>
+            <a:r>
+              <a:rPr lang="ja-JP" altLang="en-US" dirty="0" smtClean="0"/>
+              <a:t>。</a:t>
+            </a:r>
+            <a:endParaRPr kumimoji="1" lang="en-US" altLang="ja-JP" dirty="0" smtClean="0"/>
+          </a:p>
+          <a:p>
+            <a:endParaRPr lang="en-US" altLang="zh-CN" dirty="0"/>
+          </a:p>
+          <a:p>
+            <a:r>
+              <a:rPr kumimoji="1" lang="ja-JP" altLang="en-US" dirty="0" smtClean="0"/>
+              <a:t>・アジャイルなどの新しい手法による請負にもチャレンジし、</a:t>
+            </a:r>
+            <a:endParaRPr kumimoji="1" lang="en-US" altLang="ja-JP" dirty="0" smtClean="0"/>
+          </a:p>
+          <a:p>
+            <a:r>
+              <a:rPr lang="ja-JP" altLang="en-US" dirty="0"/>
+              <a:t>　</a:t>
+            </a:r>
+            <a:r>
+              <a:rPr lang="ja-JP" altLang="en-US" dirty="0" smtClean="0"/>
+              <a:t>社内開発への会社方針実現に</a:t>
+            </a:r>
+            <a:r>
+              <a:rPr lang="ja-JP" altLang="en-US" dirty="0"/>
+              <a:t>注力する</a:t>
+            </a:r>
+            <a:r>
+              <a:rPr lang="ja-JP" altLang="en-US" dirty="0" smtClean="0"/>
+              <a:t>。</a:t>
+            </a:r>
+            <a:endParaRPr lang="en-US" altLang="ja-JP" dirty="0" smtClean="0"/>
+          </a:p>
+          <a:p>
+            <a:endParaRPr lang="en-US" altLang="zh-CN" dirty="0"/>
+          </a:p>
+        </p:txBody>
+      </p:sp>
+    </p:spTree>
+    <p:extLst>
+      <p:ext uri="{BB962C8B-B14F-4D97-AF65-F5344CB8AC3E}">
+        <p14:creationId xmlns:p14="http://schemas.microsoft.com/office/powerpoint/2010/main" val="1945258717"/>
+      </p:ext>
+    </p:extLst>
+  </p:cSld>
+  <p:clrMapOvr>
+    <a:masterClrMapping/>
+  </p:clrMapOvr>
+  <p:timing>
+    <p:tnLst>
+      <p:par>
+        <p:cTn id="1" dur="indefinite" restart="never" nodeType="tmRoot"/>
+      </p:par>
+    </p:tnLst>
+  </p:timing>
+</p:sld>
+</file>
+
+<file path=ppt/slides/slide14.xml><?xml version="1.0" encoding="utf-8"?>
+<p:sld xmlns:a="http://schemas.openxmlformats.org/drawingml/2006/main" xmlns:r="http://schemas.openxmlformats.org/officeDocument/2006/relationships" xmlns:p="http://schemas.openxmlformats.org/presentationml/2006/main">
+  <p:cSld>
+    <p:spTree>
+      <p:nvGrpSpPr>
+        <p:cNvPr id="1" name=""/>
+        <p:cNvGrpSpPr/>
+        <p:nvPr/>
+      </p:nvGrpSpPr>
+      <p:grpSpPr>
+        <a:xfrm>
+          <a:off x="0" y="0"/>
+          <a:ext cx="0" cy="0"/>
+          <a:chOff x="0" y="0"/>
+          <a:chExt cx="0" cy="0"/>
+        </a:xfrm>
+      </p:grpSpPr>
+      <p:sp>
+        <p:nvSpPr>
+          <p:cNvPr id="4" name="正方形/長方形 3"/>
+          <p:cNvSpPr/>
+          <p:nvPr/>
+        </p:nvSpPr>
+        <p:spPr bwMode="auto">
+          <a:xfrm>
+            <a:off x="2369127" y="2057400"/>
+            <a:ext cx="2556164" cy="1012773"/>
+          </a:xfrm>
+          <a:prstGeom prst="rect">
+            <a:avLst/>
+          </a:prstGeom>
+          <a:noFill/>
+          <a:ln>
+            <a:noFill/>
+          </a:ln>
+          <a:effectLst/>
+          <a:extLst/>
+        </p:spPr>
+        <p:txBody>
+          <a:bodyPr rot="0" spcFirstLastPara="0" vertOverflow="overflow" horzOverflow="overflow" vert="horz" wrap="square" lIns="91440" tIns="45720" rIns="91440" bIns="45720" numCol="1" spcCol="0" rtlCol="0" fromWordArt="0" anchor="ctr" anchorCtr="0" forceAA="0" compatLnSpc="1">
+            <a:prstTxWarp prst="textNoShape">
+              <a:avLst/>
+            </a:prstTxWarp>
+            <a:noAutofit/>
+          </a:bodyPr>
+          <a:lstStyle/>
+          <a:p>
+            <a:pPr algn="ctr"/>
+            <a:r>
+              <a:rPr kumimoji="1" lang="ja-JP" altLang="en-US" sz="9600" b="1" dirty="0" smtClean="0">
+                <a:effectLst>
+                  <a:glow rad="228600">
+                    <a:schemeClr val="accent2">
+                      <a:satMod val="175000"/>
+                      <a:alpha val="40000"/>
+                    </a:schemeClr>
+                  </a:glow>
+                </a:effectLst>
+                <a:latin typeface="+mj-ea"/>
+                <a:ea typeface="+mj-ea"/>
+              </a:rPr>
+              <a:t>燃焼</a:t>
+            </a:r>
+            <a:endParaRPr kumimoji="1" lang="ja-JP" altLang="en-US" sz="9600" b="1" dirty="0">
+              <a:effectLst>
+                <a:glow rad="228600">
+                  <a:schemeClr val="accent2">
+                    <a:satMod val="175000"/>
+                    <a:alpha val="40000"/>
+                  </a:schemeClr>
+                </a:glow>
+              </a:effectLst>
+              <a:latin typeface="+mj-ea"/>
+              <a:ea typeface="+mj-ea"/>
+            </a:endParaRPr>
+          </a:p>
+        </p:txBody>
+      </p:sp>
+    </p:spTree>
+    <p:extLst>
+      <p:ext uri="{BB962C8B-B14F-4D97-AF65-F5344CB8AC3E}">
+        <p14:creationId xmlns:p14="http://schemas.microsoft.com/office/powerpoint/2010/main" val="124702368"/>
+      </p:ext>
+    </p:extLst>
+  </p:cSld>
+  <p:clrMapOvr>
+    <a:masterClrMapping/>
+  </p:clrMapOvr>
+  <p:timing>
+    <p:tnLst>
+      <p:par>
+        <p:cTn id="1" dur="indefinite" restart="never" nodeType="tmRoot"/>
+      </p:par>
+    </p:tnLst>
+  </p:timing>
+</p:sld>
+</file>
+
+<file path=ppt/slides/slide15.xml><?xml version="1.0" encoding="utf-8"?>
+<p:sld xmlns:a="http://schemas.openxmlformats.org/drawingml/2006/main" xmlns:r="http://schemas.openxmlformats.org/officeDocument/2006/relationships" xmlns:p="http://schemas.openxmlformats.org/presentationml/2006/main">
+  <p:cSld>
+    <p:spTree>
+      <p:nvGrpSpPr>
+        <p:cNvPr id="1" name=""/>
+        <p:cNvGrpSpPr/>
+        <p:nvPr/>
+      </p:nvGrpSpPr>
+      <p:grpSpPr>
+        <a:xfrm>
+          <a:off x="0" y="0"/>
+          <a:ext cx="0" cy="0"/>
+          <a:chOff x="0" y="0"/>
+          <a:chExt cx="0" cy="0"/>
+        </a:xfrm>
+      </p:grpSpPr>
+    </p:spTree>
+    <p:extLst>
+      <p:ext uri="{BB962C8B-B14F-4D97-AF65-F5344CB8AC3E}">
+        <p14:creationId xmlns:p14="http://schemas.microsoft.com/office/powerpoint/2010/main" val="4287918391"/>
+      </p:ext>
+    </p:extLst>
+  </p:cSld>
+  <p:clrMapOvr>
+    <a:masterClrMapping/>
+  </p:clrMapOvr>
+  <p:timing>
+    <p:tnLst>
+      <p:par>
+        <p:cTn id="1" dur="indefinite" restart="never" nodeType="tmRoot"/>
+      </p:par>
+    </p:tnLst>
+  </p:timing>
+</p:sld>
+</file>
+
+<file path=ppt/slides/slide2.xml><?xml version="1.0" encoding="utf-8"?>
+<p:sld xmlns:a="http://schemas.openxmlformats.org/drawingml/2006/main" xmlns:r="http://schemas.openxmlformats.org/officeDocument/2006/relationships" xmlns:p="http://schemas.openxmlformats.org/presentationml/2006/main">
+  <p:cSld>
+    <p:spTree>
+      <p:nvGrpSpPr>
+        <p:cNvPr id="1" name=""/>
+        <p:cNvGrpSpPr/>
+        <p:nvPr/>
+      </p:nvGrpSpPr>
+      <p:grpSpPr>
+        <a:xfrm>
+          <a:off x="0" y="0"/>
+          <a:ext cx="0" cy="0"/>
+          <a:chOff x="0" y="0"/>
+          <a:chExt cx="0" cy="0"/>
+        </a:xfrm>
+      </p:grpSpPr>
+      <p:sp>
+        <p:nvSpPr>
+          <p:cNvPr id="2" name="タイトル 1"/>
+          <p:cNvSpPr>
+            <a:spLocks noGrp="1"/>
+          </p:cNvSpPr>
+          <p:nvPr>
+            <p:ph type="title"/>
+          </p:nvPr>
+        </p:nvSpPr>
+        <p:spPr>
+          <a:xfrm>
+            <a:off x="1214754" y="314110"/>
+            <a:ext cx="5508000" cy="313350"/>
+          </a:xfrm>
+        </p:spPr>
+        <p:txBody>
+          <a:bodyPr/>
+          <a:lstStyle/>
+          <a:p>
+            <a:r>
+              <a:rPr kumimoji="1" lang="ja-JP" altLang="en-US" dirty="0" smtClean="0"/>
+              <a:t>目次</a:t>
+            </a:r>
+            <a:endParaRPr kumimoji="1" lang="ja-JP" altLang="en-US" dirty="0"/>
+          </a:p>
+        </p:txBody>
+      </p:sp>
+      <p:sp>
+        <p:nvSpPr>
+          <p:cNvPr id="5" name="Rectangle 3"/>
+          <p:cNvSpPr>
+            <a:spLocks noChangeArrowheads="1"/>
+          </p:cNvSpPr>
+          <p:nvPr/>
+        </p:nvSpPr>
+        <p:spPr bwMode="auto">
+          <a:xfrm>
+            <a:off x="1314274" y="745068"/>
+            <a:ext cx="5269406" cy="3877733"/>
+          </a:xfrm>
+          <a:prstGeom prst="rect">
+            <a:avLst/>
+          </a:prstGeom>
+          <a:noFill/>
+          <a:ln>
+            <a:noFill/>
+          </a:ln>
+          <a:extLst>
+            <a:ext uri="{909E8E84-426E-40DD-AFC4-6F175D3DCCD1}">
+              <a14:hiddenFill xmlns:a14="http://schemas.microsoft.com/office/drawing/2010/main">
+                <a:solidFill>
+                  <a:srgbClr val="FFFFFF"/>
+                </a:solidFill>
+              </a14:hiddenFill>
+            </a:ext>
+            <a:ext uri="{91240B29-F687-4F45-9708-019B960494DF}">
+              <a14:hiddenLine xmlns:a14="http://schemas.microsoft.com/office/drawing/2010/main" w="9525">
+                <a:solidFill>
+                  <a:srgbClr val="000000"/>
+                </a:solidFill>
+                <a:miter lim="800000"/>
+                <a:headEnd/>
+                <a:tailEnd/>
+              </a14:hiddenLine>
+            </a:ext>
+          </a:extLst>
+        </p:spPr>
+        <p:txBody>
+          <a:bodyPr lIns="0" rIns="0"/>
+          <a:lstStyle>
+            <a:lvl1pPr eaLnBrk="0" hangingPunct="0">
+              <a:spcBef>
+                <a:spcPct val="20000"/>
+              </a:spcBef>
+              <a:buClr>
+                <a:schemeClr val="hlink"/>
+              </a:buClr>
+              <a:buFont typeface="Arial" pitchFamily="34" charset="0"/>
+              <a:buChar char="▐"/>
+              <a:defRPr kumimoji="1" sz="2200">
+                <a:solidFill>
+                  <a:schemeClr val="tx1"/>
+                </a:solidFill>
+                <a:latin typeface="Arial" pitchFamily="34" charset="0"/>
+                <a:ea typeface="HGP創英角ｺﾞｼｯｸUB" pitchFamily="50" charset="-128"/>
+              </a:defRPr>
+            </a:lvl1pPr>
+            <a:lvl2pPr marL="742950" indent="-285750" eaLnBrk="0" hangingPunct="0">
+              <a:spcBef>
+                <a:spcPct val="20000"/>
+              </a:spcBef>
+              <a:buClr>
+                <a:schemeClr val="hlink"/>
+              </a:buClr>
+              <a:buFont typeface="Wingdings" pitchFamily="2" charset="2"/>
+              <a:buChar char="l"/>
+              <a:defRPr kumimoji="1" sz="2000">
+                <a:solidFill>
+                  <a:schemeClr val="tx1"/>
+                </a:solidFill>
+                <a:latin typeface="Arial" pitchFamily="34" charset="0"/>
+                <a:ea typeface="HGP創英角ｺﾞｼｯｸUB" pitchFamily="50" charset="-128"/>
+              </a:defRPr>
+            </a:lvl2pPr>
+            <a:lvl3pPr marL="1143000" indent="-228600" eaLnBrk="0" hangingPunct="0">
+              <a:spcBef>
+                <a:spcPct val="20000"/>
+              </a:spcBef>
+              <a:buClr>
+                <a:schemeClr val="hlink"/>
+              </a:buClr>
+              <a:buFont typeface="Arial" pitchFamily="34" charset="0"/>
+              <a:buChar char="•"/>
+              <a:defRPr kumimoji="1">
+                <a:solidFill>
+                  <a:schemeClr val="tx1"/>
+                </a:solidFill>
+                <a:latin typeface="Arial" pitchFamily="34" charset="0"/>
+                <a:ea typeface="HGP創英角ｺﾞｼｯｸUB" pitchFamily="50" charset="-128"/>
+              </a:defRPr>
+            </a:lvl3pPr>
+            <a:lvl4pPr marL="1600200" indent="-228600" eaLnBrk="0" hangingPunct="0">
+              <a:spcBef>
+                <a:spcPct val="20000"/>
+              </a:spcBef>
+              <a:buClr>
+                <a:schemeClr val="hlink"/>
+              </a:buClr>
+              <a:buFont typeface="Arial" pitchFamily="34" charset="0"/>
+              <a:buChar char="–"/>
+              <a:defRPr kumimoji="1" sz="1600">
+                <a:solidFill>
+                  <a:schemeClr val="tx1"/>
+                </a:solidFill>
+                <a:latin typeface="Arial" pitchFamily="34" charset="0"/>
+                <a:ea typeface="HGP創英角ｺﾞｼｯｸUB" pitchFamily="50" charset="-128"/>
+              </a:defRPr>
+            </a:lvl4pPr>
+            <a:lvl5pPr marL="2057400" indent="-228600" eaLnBrk="0" hangingPunct="0">
+              <a:spcBef>
+                <a:spcPct val="20000"/>
+              </a:spcBef>
+              <a:buChar char="»"/>
+              <a:defRPr kumimoji="1" sz="2000">
+                <a:solidFill>
+                  <a:schemeClr val="tx1"/>
+                </a:solidFill>
+                <a:latin typeface="Arial" pitchFamily="34" charset="0"/>
+                <a:ea typeface="ＭＳ Ｐゴシック" pitchFamily="50" charset="-128"/>
+              </a:defRPr>
+            </a:lvl5pPr>
+            <a:lvl6pPr marL="2514600" indent="-228600" eaLnBrk="0" fontAlgn="base" hangingPunct="0">
+              <a:spcBef>
+                <a:spcPct val="20000"/>
+              </a:spcBef>
+              <a:spcAft>
+                <a:spcPct val="0"/>
+              </a:spcAft>
+              <a:buChar char="»"/>
+              <a:defRPr kumimoji="1" sz="2000">
+                <a:solidFill>
+                  <a:schemeClr val="tx1"/>
+                </a:solidFill>
+                <a:latin typeface="Arial" pitchFamily="34" charset="0"/>
+                <a:ea typeface="ＭＳ Ｐゴシック" pitchFamily="50" charset="-128"/>
+              </a:defRPr>
+            </a:lvl6pPr>
+            <a:lvl7pPr marL="2971800" indent="-228600" eaLnBrk="0" fontAlgn="base" hangingPunct="0">
+              <a:spcBef>
+                <a:spcPct val="20000"/>
+              </a:spcBef>
+              <a:spcAft>
+                <a:spcPct val="0"/>
+              </a:spcAft>
+              <a:buChar char="»"/>
+              <a:defRPr kumimoji="1" sz="2000">
+                <a:solidFill>
+                  <a:schemeClr val="tx1"/>
+                </a:solidFill>
+                <a:latin typeface="Arial" pitchFamily="34" charset="0"/>
+                <a:ea typeface="ＭＳ Ｐゴシック" pitchFamily="50" charset="-128"/>
+              </a:defRPr>
+            </a:lvl7pPr>
+            <a:lvl8pPr marL="3429000" indent="-228600" eaLnBrk="0" fontAlgn="base" hangingPunct="0">
+              <a:spcBef>
+                <a:spcPct val="20000"/>
+              </a:spcBef>
+              <a:spcAft>
+                <a:spcPct val="0"/>
+              </a:spcAft>
+              <a:buChar char="»"/>
+              <a:defRPr kumimoji="1" sz="2000">
+                <a:solidFill>
+                  <a:schemeClr val="tx1"/>
+                </a:solidFill>
+                <a:latin typeface="Arial" pitchFamily="34" charset="0"/>
+                <a:ea typeface="ＭＳ Ｐゴシック" pitchFamily="50" charset="-128"/>
+              </a:defRPr>
+            </a:lvl8pPr>
+            <a:lvl9pPr marL="3886200" indent="-228600" eaLnBrk="0" fontAlgn="base" hangingPunct="0">
+              <a:spcBef>
+                <a:spcPct val="20000"/>
+              </a:spcBef>
+              <a:spcAft>
+                <a:spcPct val="0"/>
+              </a:spcAft>
+              <a:buChar char="»"/>
+              <a:defRPr kumimoji="1" sz="2000">
+                <a:solidFill>
+                  <a:schemeClr val="tx1"/>
+                </a:solidFill>
+                <a:latin typeface="Arial" pitchFamily="34" charset="0"/>
+                <a:ea typeface="ＭＳ Ｐゴシック" pitchFamily="50" charset="-128"/>
+              </a:defRPr>
+            </a:lvl9pPr>
+          </a:lstStyle>
+          <a:p>
+            <a:pPr eaLnBrk="1" hangingPunct="1">
+              <a:lnSpc>
+                <a:spcPct val="150000"/>
+              </a:lnSpc>
+              <a:spcBef>
+                <a:spcPct val="0"/>
+              </a:spcBef>
+              <a:buClrTx/>
+              <a:buNone/>
+            </a:pPr>
+            <a:r>
+              <a:rPr lang="ja-JP" altLang="en-US" sz="1600" dirty="0">
+                <a:solidFill>
+                  <a:schemeClr val="accent6">
+                    <a:lumMod val="50000"/>
+                    <a:lumOff val="50000"/>
+                  </a:schemeClr>
+                </a:solidFill>
+                <a:latin typeface="+mn-ea"/>
+                <a:ea typeface="+mn-ea"/>
+              </a:rPr>
+              <a:t>１</a:t>
+            </a:r>
+            <a:r>
+              <a:rPr lang="ja-JP" altLang="en-US" sz="1600" dirty="0" smtClean="0">
+                <a:solidFill>
+                  <a:schemeClr val="accent6">
+                    <a:lumMod val="50000"/>
+                    <a:lumOff val="50000"/>
+                  </a:schemeClr>
+                </a:solidFill>
+                <a:latin typeface="+mn-ea"/>
+                <a:ea typeface="+mn-ea"/>
+              </a:rPr>
+              <a:t>．履歴</a:t>
+            </a:r>
+            <a:r>
+              <a:rPr lang="ja-JP" altLang="en-US" sz="1600" dirty="0" smtClean="0">
+                <a:solidFill>
+                  <a:schemeClr val="accent6">
+                    <a:lumMod val="50000"/>
+                    <a:lumOff val="50000"/>
+                  </a:schemeClr>
+                </a:solidFill>
+                <a:latin typeface="+mn-ea"/>
+                <a:ea typeface="+mn-ea"/>
+              </a:rPr>
+              <a:t>紹介（省略）</a:t>
+            </a:r>
+            <a:r>
+              <a:rPr lang="en-US" altLang="ja-JP" sz="1600" dirty="0">
+                <a:solidFill>
+                  <a:schemeClr val="accent6">
+                    <a:lumMod val="50000"/>
+                    <a:lumOff val="50000"/>
+                  </a:schemeClr>
+                </a:solidFill>
+                <a:latin typeface="+mn-ea"/>
+                <a:ea typeface="+mn-ea"/>
+              </a:rPr>
+              <a:t/>
+            </a:r>
+            <a:br>
+              <a:rPr lang="en-US" altLang="ja-JP" sz="1600" dirty="0">
+                <a:solidFill>
+                  <a:schemeClr val="accent6">
+                    <a:lumMod val="50000"/>
+                    <a:lumOff val="50000"/>
+                  </a:schemeClr>
+                </a:solidFill>
+                <a:latin typeface="+mn-ea"/>
+                <a:ea typeface="+mn-ea"/>
+              </a:rPr>
+            </a:br>
+            <a:r>
+              <a:rPr lang="ja-JP" altLang="en-US" sz="1600" dirty="0">
+                <a:solidFill>
+                  <a:schemeClr val="accent6">
+                    <a:lumMod val="50000"/>
+                    <a:lumOff val="50000"/>
+                  </a:schemeClr>
+                </a:solidFill>
+                <a:latin typeface="+mn-ea"/>
+                <a:ea typeface="+mn-ea"/>
+              </a:rPr>
+              <a:t>２</a:t>
+            </a:r>
+            <a:r>
+              <a:rPr lang="ja-JP" altLang="en-US" sz="1600" dirty="0" smtClean="0">
+                <a:solidFill>
+                  <a:schemeClr val="accent6">
+                    <a:lumMod val="50000"/>
+                    <a:lumOff val="50000"/>
+                  </a:schemeClr>
+                </a:solidFill>
+                <a:latin typeface="+mn-ea"/>
+                <a:ea typeface="+mn-ea"/>
+              </a:rPr>
+              <a:t>．進化の</a:t>
+            </a:r>
+            <a:r>
+              <a:rPr lang="ja-JP" altLang="en-US" sz="1600" dirty="0" smtClean="0">
+                <a:solidFill>
+                  <a:schemeClr val="accent6">
+                    <a:lumMod val="50000"/>
+                    <a:lumOff val="50000"/>
+                  </a:schemeClr>
+                </a:solidFill>
+                <a:latin typeface="+mn-ea"/>
+                <a:ea typeface="+mn-ea"/>
+              </a:rPr>
+              <a:t>自分</a:t>
+            </a:r>
+            <a:r>
+              <a:rPr lang="en-US" altLang="ja-JP" sz="1600" dirty="0" smtClean="0">
+                <a:solidFill>
+                  <a:schemeClr val="accent6">
+                    <a:lumMod val="50000"/>
+                    <a:lumOff val="50000"/>
+                  </a:schemeClr>
+                </a:solidFill>
+                <a:latin typeface="+mn-ea"/>
+                <a:ea typeface="+mn-ea"/>
+              </a:rPr>
+              <a:t>-</a:t>
+            </a:r>
+            <a:r>
+              <a:rPr lang="ja-JP" altLang="en-US" sz="1600" dirty="0">
+                <a:solidFill>
+                  <a:schemeClr val="accent6">
+                    <a:lumMod val="50000"/>
+                    <a:lumOff val="50000"/>
+                  </a:schemeClr>
+                </a:solidFill>
+                <a:latin typeface="+mn-ea"/>
+                <a:ea typeface="+mn-ea"/>
+              </a:rPr>
+              <a:t>イベント</a:t>
+            </a:r>
+            <a:r>
+              <a:rPr lang="ja-JP" altLang="en-US" sz="1600" dirty="0" smtClean="0">
+                <a:solidFill>
+                  <a:schemeClr val="accent6">
+                    <a:lumMod val="50000"/>
+                    <a:lumOff val="50000"/>
+                  </a:schemeClr>
+                </a:solidFill>
+                <a:latin typeface="+mn-ea"/>
+                <a:ea typeface="+mn-ea"/>
+              </a:rPr>
+              <a:t>積極的参加</a:t>
+            </a:r>
+            <a:endParaRPr lang="en-US" altLang="ja-JP" sz="1600" dirty="0" smtClean="0">
+              <a:solidFill>
+                <a:schemeClr val="accent6">
+                  <a:lumMod val="50000"/>
+                  <a:lumOff val="50000"/>
+                </a:schemeClr>
+              </a:solidFill>
+              <a:latin typeface="+mn-ea"/>
+              <a:ea typeface="+mn-ea"/>
+            </a:endParaRPr>
+          </a:p>
+          <a:p>
+            <a:pPr eaLnBrk="1" hangingPunct="1">
+              <a:lnSpc>
+                <a:spcPct val="150000"/>
+              </a:lnSpc>
+              <a:spcBef>
+                <a:spcPct val="0"/>
+              </a:spcBef>
+              <a:buClrTx/>
+              <a:buNone/>
+            </a:pPr>
+            <a:r>
+              <a:rPr lang="ja-JP" altLang="en-US" sz="1600" dirty="0">
+                <a:solidFill>
+                  <a:schemeClr val="accent6">
+                    <a:lumMod val="50000"/>
+                    <a:lumOff val="50000"/>
+                  </a:schemeClr>
+                </a:solidFill>
+                <a:latin typeface="+mn-ea"/>
+                <a:ea typeface="+mn-ea"/>
+              </a:rPr>
+              <a:t>　</a:t>
+            </a:r>
+            <a:r>
+              <a:rPr lang="ja-JP" altLang="en-US" sz="1600" dirty="0" smtClean="0">
+                <a:solidFill>
+                  <a:schemeClr val="accent6">
+                    <a:lumMod val="50000"/>
+                    <a:lumOff val="50000"/>
+                  </a:schemeClr>
+                </a:solidFill>
+                <a:latin typeface="+mn-ea"/>
+                <a:ea typeface="+mn-ea"/>
+              </a:rPr>
+              <a:t>　進化の自分</a:t>
+            </a:r>
+            <a:r>
+              <a:rPr lang="en-US" altLang="ja-JP" sz="1600" dirty="0" smtClean="0">
+                <a:solidFill>
+                  <a:schemeClr val="accent6">
+                    <a:lumMod val="50000"/>
+                    <a:lumOff val="50000"/>
+                  </a:schemeClr>
+                </a:solidFill>
+                <a:latin typeface="+mn-ea"/>
+                <a:ea typeface="+mn-ea"/>
+              </a:rPr>
+              <a:t>-</a:t>
+            </a:r>
+            <a:r>
+              <a:rPr lang="ja-JP" altLang="en-US" sz="1600" dirty="0" smtClean="0">
+                <a:solidFill>
+                  <a:schemeClr val="accent6">
+                    <a:lumMod val="50000"/>
+                    <a:lumOff val="50000"/>
+                  </a:schemeClr>
+                </a:solidFill>
+                <a:latin typeface="+mn-ea"/>
+                <a:ea typeface="+mn-ea"/>
+              </a:rPr>
+              <a:t>積極的に発言</a:t>
+            </a:r>
+            <a:endParaRPr lang="en-US" altLang="ja-JP" sz="1600" dirty="0" smtClean="0">
+              <a:solidFill>
+                <a:schemeClr val="accent6">
+                  <a:lumMod val="50000"/>
+                  <a:lumOff val="50000"/>
+                </a:schemeClr>
+              </a:solidFill>
+              <a:latin typeface="+mn-ea"/>
+              <a:ea typeface="+mn-ea"/>
+            </a:endParaRPr>
+          </a:p>
+          <a:p>
+            <a:pPr eaLnBrk="1" hangingPunct="1">
+              <a:lnSpc>
+                <a:spcPct val="150000"/>
+              </a:lnSpc>
+              <a:spcBef>
+                <a:spcPct val="0"/>
+              </a:spcBef>
+              <a:buClrTx/>
+              <a:buNone/>
+            </a:pPr>
+            <a:r>
+              <a:rPr lang="ja-JP" altLang="en-US" sz="1600" dirty="0" smtClean="0">
+                <a:solidFill>
+                  <a:schemeClr val="accent6">
+                    <a:lumMod val="50000"/>
+                    <a:lumOff val="50000"/>
+                  </a:schemeClr>
+                </a:solidFill>
+                <a:latin typeface="+mn-ea"/>
+                <a:ea typeface="+mn-ea"/>
+              </a:rPr>
+              <a:t>　　進化の自分</a:t>
+            </a:r>
+            <a:r>
+              <a:rPr lang="en-US" altLang="ja-JP" sz="1600" dirty="0" smtClean="0">
+                <a:solidFill>
+                  <a:schemeClr val="accent6">
+                    <a:lumMod val="50000"/>
+                    <a:lumOff val="50000"/>
+                  </a:schemeClr>
+                </a:solidFill>
+                <a:latin typeface="+mn-ea"/>
+                <a:ea typeface="+mn-ea"/>
+              </a:rPr>
+              <a:t>-</a:t>
+            </a:r>
+            <a:r>
+              <a:rPr lang="ja-JP" altLang="en-US" sz="1600" dirty="0" smtClean="0">
+                <a:solidFill>
+                  <a:schemeClr val="accent6">
+                    <a:lumMod val="50000"/>
+                    <a:lumOff val="50000"/>
+                  </a:schemeClr>
+                </a:solidFill>
+                <a:latin typeface="+mn-ea"/>
+                <a:ea typeface="+mn-ea"/>
+              </a:rPr>
+              <a:t>技術でみんながハッピー</a:t>
+            </a:r>
+            <a:endParaRPr lang="en-US" altLang="ja-JP" sz="1600" dirty="0" smtClean="0">
+              <a:solidFill>
+                <a:schemeClr val="accent6">
+                  <a:lumMod val="50000"/>
+                  <a:lumOff val="50000"/>
+                </a:schemeClr>
+              </a:solidFill>
+              <a:latin typeface="+mn-ea"/>
+              <a:ea typeface="+mn-ea"/>
+            </a:endParaRPr>
+          </a:p>
+          <a:p>
+            <a:pPr eaLnBrk="1" hangingPunct="1">
+              <a:lnSpc>
+                <a:spcPct val="150000"/>
+              </a:lnSpc>
+              <a:spcBef>
+                <a:spcPct val="0"/>
+              </a:spcBef>
+              <a:buClrTx/>
+              <a:buNone/>
+            </a:pPr>
+            <a:r>
+              <a:rPr lang="ja-JP" altLang="en-US" sz="1600" dirty="0">
+                <a:solidFill>
+                  <a:schemeClr val="accent6">
+                    <a:lumMod val="50000"/>
+                    <a:lumOff val="50000"/>
+                  </a:schemeClr>
+                </a:solidFill>
+                <a:latin typeface="+mn-ea"/>
+                <a:ea typeface="+mn-ea"/>
+              </a:rPr>
+              <a:t>　</a:t>
+            </a:r>
+            <a:r>
+              <a:rPr lang="ja-JP" altLang="en-US" sz="1600" dirty="0" smtClean="0">
+                <a:solidFill>
+                  <a:schemeClr val="accent6">
+                    <a:lumMod val="50000"/>
+                    <a:lumOff val="50000"/>
+                  </a:schemeClr>
+                </a:solidFill>
+                <a:latin typeface="+mn-ea"/>
+                <a:ea typeface="+mn-ea"/>
+              </a:rPr>
+              <a:t>　進化の自分</a:t>
+            </a:r>
+            <a:r>
+              <a:rPr lang="en-US" altLang="ja-JP" sz="1600" dirty="0" smtClean="0">
+                <a:solidFill>
+                  <a:schemeClr val="accent6">
+                    <a:lumMod val="50000"/>
+                    <a:lumOff val="50000"/>
+                  </a:schemeClr>
+                </a:solidFill>
+                <a:latin typeface="+mn-ea"/>
+                <a:ea typeface="+mn-ea"/>
+              </a:rPr>
+              <a:t>-</a:t>
+            </a:r>
+            <a:r>
+              <a:rPr lang="ja-JP" altLang="en-US" sz="1600" dirty="0" smtClean="0">
+                <a:solidFill>
+                  <a:schemeClr val="accent6">
+                    <a:lumMod val="50000"/>
+                    <a:lumOff val="50000"/>
+                  </a:schemeClr>
+                </a:solidFill>
+                <a:latin typeface="+mn-ea"/>
+                <a:ea typeface="+mn-ea"/>
+              </a:rPr>
+              <a:t>高生産性と高品質</a:t>
+            </a:r>
+            <a:endParaRPr lang="en-US" altLang="ja-JP" sz="1600" dirty="0" smtClean="0">
+              <a:solidFill>
+                <a:schemeClr val="accent6">
+                  <a:lumMod val="50000"/>
+                  <a:lumOff val="50000"/>
+                </a:schemeClr>
+              </a:solidFill>
+              <a:latin typeface="+mn-ea"/>
+              <a:ea typeface="+mn-ea"/>
+            </a:endParaRPr>
+          </a:p>
+          <a:p>
+            <a:pPr eaLnBrk="1" hangingPunct="1">
+              <a:lnSpc>
+                <a:spcPct val="150000"/>
+              </a:lnSpc>
+              <a:spcBef>
+                <a:spcPct val="0"/>
+              </a:spcBef>
+              <a:buClrTx/>
+              <a:buNone/>
+            </a:pPr>
+            <a:r>
+              <a:rPr lang="ja-JP" altLang="en-US" sz="1600" dirty="0">
+                <a:solidFill>
+                  <a:schemeClr val="accent6">
+                    <a:lumMod val="50000"/>
+                    <a:lumOff val="50000"/>
+                  </a:schemeClr>
+                </a:solidFill>
+                <a:latin typeface="+mn-ea"/>
+                <a:ea typeface="+mn-ea"/>
+              </a:rPr>
+              <a:t>　</a:t>
+            </a:r>
+            <a:r>
+              <a:rPr lang="ja-JP" altLang="en-US" sz="1600" dirty="0" smtClean="0">
+                <a:solidFill>
+                  <a:schemeClr val="accent6">
+                    <a:lumMod val="50000"/>
+                    <a:lumOff val="50000"/>
+                  </a:schemeClr>
+                </a:solidFill>
+                <a:latin typeface="+mn-ea"/>
+                <a:ea typeface="+mn-ea"/>
+              </a:rPr>
+              <a:t>　</a:t>
+            </a:r>
+            <a:r>
+              <a:rPr lang="ja-JP" altLang="en-US" sz="1600" dirty="0" smtClean="0">
+                <a:solidFill>
+                  <a:schemeClr val="accent6">
+                    <a:lumMod val="50000"/>
+                    <a:lumOff val="50000"/>
+                  </a:schemeClr>
+                </a:solidFill>
+                <a:latin typeface="+mn-ea"/>
+                <a:ea typeface="+mn-ea"/>
+              </a:rPr>
+              <a:t>進化の自分</a:t>
+            </a:r>
+            <a:r>
+              <a:rPr lang="en-US" altLang="ja-JP" sz="1600" dirty="0" smtClean="0">
+                <a:solidFill>
+                  <a:schemeClr val="accent6">
+                    <a:lumMod val="50000"/>
+                    <a:lumOff val="50000"/>
+                  </a:schemeClr>
+                </a:solidFill>
+                <a:latin typeface="+mn-ea"/>
+                <a:ea typeface="+mn-ea"/>
+              </a:rPr>
+              <a:t>-</a:t>
+            </a:r>
+            <a:r>
+              <a:rPr lang="ja-JP" altLang="en-US" sz="1600" dirty="0" smtClean="0">
+                <a:solidFill>
+                  <a:schemeClr val="accent6">
+                    <a:lumMod val="50000"/>
+                    <a:lumOff val="50000"/>
+                  </a:schemeClr>
+                </a:solidFill>
+                <a:latin typeface="+mn-ea"/>
+                <a:ea typeface="+mn-ea"/>
+              </a:rPr>
+              <a:t>マルチ対応</a:t>
+            </a:r>
+            <a:endParaRPr lang="en-US" altLang="ja-JP" sz="1600" dirty="0" smtClean="0">
+              <a:solidFill>
+                <a:schemeClr val="accent6">
+                  <a:lumMod val="50000"/>
+                  <a:lumOff val="50000"/>
+                </a:schemeClr>
+              </a:solidFill>
+              <a:latin typeface="+mn-ea"/>
+              <a:ea typeface="+mn-ea"/>
+            </a:endParaRPr>
+          </a:p>
+          <a:p>
+            <a:pPr eaLnBrk="1" hangingPunct="1">
+              <a:lnSpc>
+                <a:spcPct val="150000"/>
+              </a:lnSpc>
+              <a:spcBef>
+                <a:spcPct val="0"/>
+              </a:spcBef>
+              <a:buClrTx/>
+              <a:buNone/>
+            </a:pPr>
+            <a:r>
+              <a:rPr lang="ja-JP" altLang="en-US" sz="1600" dirty="0">
+                <a:solidFill>
+                  <a:schemeClr val="accent6">
+                    <a:lumMod val="50000"/>
+                    <a:lumOff val="50000"/>
+                  </a:schemeClr>
+                </a:solidFill>
+                <a:latin typeface="+mn-ea"/>
+                <a:ea typeface="+mn-ea"/>
+              </a:rPr>
+              <a:t>　</a:t>
+            </a:r>
+            <a:r>
+              <a:rPr lang="ja-JP" altLang="en-US" sz="1600" dirty="0" smtClean="0">
+                <a:solidFill>
+                  <a:schemeClr val="accent6">
+                    <a:lumMod val="50000"/>
+                    <a:lumOff val="50000"/>
+                  </a:schemeClr>
+                </a:solidFill>
+                <a:latin typeface="+mn-ea"/>
+                <a:ea typeface="+mn-ea"/>
+              </a:rPr>
+              <a:t>　進化の自分</a:t>
+            </a:r>
+            <a:r>
+              <a:rPr lang="en-US" altLang="ja-JP" sz="1600" dirty="0" smtClean="0">
+                <a:solidFill>
+                  <a:schemeClr val="accent6">
+                    <a:lumMod val="50000"/>
+                    <a:lumOff val="50000"/>
+                  </a:schemeClr>
+                </a:solidFill>
+                <a:latin typeface="+mn-ea"/>
+                <a:ea typeface="+mn-ea"/>
+              </a:rPr>
+              <a:t>-</a:t>
+            </a:r>
+            <a:r>
+              <a:rPr lang="ja-JP" altLang="en-US" sz="1600" dirty="0" smtClean="0">
+                <a:solidFill>
+                  <a:schemeClr val="accent6">
+                    <a:lumMod val="50000"/>
+                    <a:lumOff val="50000"/>
+                  </a:schemeClr>
+                </a:solidFill>
+                <a:latin typeface="+mn-ea"/>
+                <a:ea typeface="+mn-ea"/>
+              </a:rPr>
+              <a:t>チームリーダー</a:t>
+            </a:r>
+            <a:endParaRPr lang="en-US" altLang="ja-JP" sz="1600" dirty="0" smtClean="0">
+              <a:solidFill>
+                <a:schemeClr val="accent6">
+                  <a:lumMod val="50000"/>
+                  <a:lumOff val="50000"/>
+                </a:schemeClr>
+              </a:solidFill>
+              <a:latin typeface="+mn-ea"/>
+              <a:ea typeface="+mn-ea"/>
+            </a:endParaRPr>
+          </a:p>
+          <a:p>
+            <a:pPr eaLnBrk="1" hangingPunct="1">
+              <a:lnSpc>
+                <a:spcPct val="150000"/>
+              </a:lnSpc>
+              <a:spcBef>
+                <a:spcPct val="0"/>
+              </a:spcBef>
+              <a:buClrTx/>
+              <a:buNone/>
+            </a:pPr>
+            <a:r>
+              <a:rPr lang="ja-JP" altLang="en-US" sz="1600" dirty="0">
+                <a:solidFill>
+                  <a:schemeClr val="accent6">
+                    <a:lumMod val="50000"/>
+                    <a:lumOff val="50000"/>
+                  </a:schemeClr>
+                </a:solidFill>
+                <a:latin typeface="+mn-ea"/>
+                <a:ea typeface="+mn-ea"/>
+              </a:rPr>
+              <a:t>　</a:t>
+            </a:r>
+            <a:r>
+              <a:rPr lang="ja-JP" altLang="en-US" sz="1600" dirty="0" smtClean="0">
+                <a:solidFill>
+                  <a:schemeClr val="accent6">
+                    <a:lumMod val="50000"/>
+                    <a:lumOff val="50000"/>
+                  </a:schemeClr>
+                </a:solidFill>
+                <a:latin typeface="+mn-ea"/>
+                <a:ea typeface="+mn-ea"/>
+              </a:rPr>
+              <a:t>　進化の自分</a:t>
+            </a:r>
+            <a:r>
+              <a:rPr lang="en-US" altLang="ja-JP" sz="1600" dirty="0" smtClean="0">
+                <a:solidFill>
+                  <a:schemeClr val="accent6">
+                    <a:lumMod val="50000"/>
+                    <a:lumOff val="50000"/>
+                  </a:schemeClr>
+                </a:solidFill>
+                <a:latin typeface="+mn-ea"/>
+                <a:ea typeface="+mn-ea"/>
+              </a:rPr>
+              <a:t>-</a:t>
+            </a:r>
+            <a:r>
+              <a:rPr lang="ja-JP" altLang="en-US" sz="1600" dirty="0" smtClean="0">
+                <a:solidFill>
+                  <a:schemeClr val="accent6">
+                    <a:lumMod val="50000"/>
+                    <a:lumOff val="50000"/>
+                  </a:schemeClr>
+                </a:solidFill>
+                <a:latin typeface="+mn-ea"/>
+                <a:ea typeface="+mn-ea"/>
+              </a:rPr>
+              <a:t>現場以外の業務の兼務</a:t>
+            </a:r>
+            <a:endParaRPr lang="en-US" altLang="ja-JP" sz="1600" dirty="0" smtClean="0">
+              <a:solidFill>
+                <a:schemeClr val="accent6">
+                  <a:lumMod val="50000"/>
+                  <a:lumOff val="50000"/>
+                </a:schemeClr>
+              </a:solidFill>
+              <a:latin typeface="+mn-ea"/>
+              <a:ea typeface="+mn-ea"/>
+            </a:endParaRPr>
+          </a:p>
+          <a:p>
+            <a:pPr eaLnBrk="1" hangingPunct="1">
+              <a:lnSpc>
+                <a:spcPct val="150000"/>
+              </a:lnSpc>
+              <a:spcBef>
+                <a:spcPct val="0"/>
+              </a:spcBef>
+              <a:buClrTx/>
+              <a:buNone/>
+            </a:pPr>
+            <a:r>
+              <a:rPr lang="ja-JP" altLang="en-US" sz="1600" dirty="0" smtClean="0">
+                <a:solidFill>
+                  <a:schemeClr val="accent6">
+                    <a:lumMod val="50000"/>
+                    <a:lumOff val="50000"/>
+                  </a:schemeClr>
+                </a:solidFill>
+                <a:latin typeface="+mn-ea"/>
+                <a:ea typeface="+mn-ea"/>
+              </a:rPr>
+              <a:t>３</a:t>
+            </a:r>
+            <a:r>
+              <a:rPr lang="ja-JP" altLang="en-US" sz="1600" dirty="0">
+                <a:solidFill>
+                  <a:schemeClr val="accent6">
+                    <a:lumMod val="50000"/>
+                    <a:lumOff val="50000"/>
+                  </a:schemeClr>
+                </a:solidFill>
+                <a:latin typeface="+mn-ea"/>
+                <a:ea typeface="+mn-ea"/>
+              </a:rPr>
+              <a:t>．</a:t>
+            </a:r>
+            <a:r>
+              <a:rPr lang="ja-JP" altLang="en-US" sz="1600" dirty="0" smtClean="0">
+                <a:solidFill>
+                  <a:schemeClr val="accent6">
+                    <a:lumMod val="50000"/>
+                    <a:lumOff val="50000"/>
+                  </a:schemeClr>
+                </a:solidFill>
+                <a:latin typeface="+mn-ea"/>
+                <a:ea typeface="+mn-ea"/>
+              </a:rPr>
+              <a:t>これから</a:t>
+            </a:r>
+            <a:endParaRPr lang="en-US" altLang="ja-JP" sz="1400" dirty="0">
+              <a:latin typeface="+mn-ea"/>
+              <a:ea typeface="+mn-ea"/>
+            </a:endParaRPr>
+          </a:p>
+          <a:p>
+            <a:pPr indent="538163" eaLnBrk="1" hangingPunct="1">
+              <a:lnSpc>
+                <a:spcPct val="150000"/>
+              </a:lnSpc>
+              <a:spcBef>
+                <a:spcPct val="0"/>
+              </a:spcBef>
+              <a:buClrTx/>
+              <a:buNone/>
+            </a:pPr>
+            <a:endParaRPr lang="en-US" altLang="ja-JP" sz="1400" dirty="0">
+              <a:latin typeface="+mn-ea"/>
+              <a:ea typeface="+mn-ea"/>
+            </a:endParaRPr>
+          </a:p>
+          <a:p>
+            <a:pPr indent="355600" eaLnBrk="1" hangingPunct="1">
+              <a:spcBef>
+                <a:spcPct val="0"/>
+              </a:spcBef>
+              <a:buClrTx/>
+              <a:buNone/>
+            </a:pPr>
+            <a:endParaRPr lang="ja-JP" altLang="en-US" sz="1400" dirty="0">
+              <a:latin typeface="+mn-ea"/>
+              <a:ea typeface="+mn-ea"/>
+            </a:endParaRPr>
+          </a:p>
+          <a:p>
+            <a:pPr indent="355600" eaLnBrk="1" hangingPunct="1">
+              <a:spcBef>
+                <a:spcPct val="0"/>
+              </a:spcBef>
+              <a:buClrTx/>
+              <a:buNone/>
+            </a:pPr>
+            <a:endParaRPr lang="en-US" altLang="ja-JP" sz="1400" dirty="0">
+              <a:latin typeface="+mn-ea"/>
+              <a:ea typeface="+mn-ea"/>
+            </a:endParaRPr>
+          </a:p>
+        </p:txBody>
+      </p:sp>
+    </p:spTree>
+    <p:extLst>
+      <p:ext uri="{BB962C8B-B14F-4D97-AF65-F5344CB8AC3E}">
+        <p14:creationId xmlns:p14="http://schemas.microsoft.com/office/powerpoint/2010/main" val="845003195"/>
+      </p:ext>
+    </p:extLst>
+  </p:cSld>
+  <p:clrMapOvr>
+    <a:masterClrMapping/>
+  </p:clrMapOvr>
+  <p:timing>
+    <p:tnLst>
+      <p:par>
+        <p:cTn id="1" dur="indefinite" restart="never" nodeType="tmRoot"/>
+      </p:par>
+    </p:tnLst>
+  </p:timing>
+</p:sld>
+</file>
+
+<file path=ppt/slides/slide3.xml><?xml version="1.0" encoding="utf-8"?>
+<p:sld xmlns:a="http://schemas.openxmlformats.org/drawingml/2006/main" xmlns:r="http://schemas.openxmlformats.org/officeDocument/2006/relationships" xmlns:p="http://schemas.openxmlformats.org/presentationml/2006/main">
+  <p:cSld>
+    <p:bg>
+      <p:bgPr>
+        <a:solidFill>
+          <a:schemeClr val="bg1"/>
+        </a:solidFill>
+        <a:effectLst/>
+      </p:bgPr>
+    </p:bg>
+    <p:spTree>
+      <p:nvGrpSpPr>
+        <p:cNvPr id="1" name=""/>
+        <p:cNvGrpSpPr/>
+        <p:nvPr/>
+      </p:nvGrpSpPr>
+      <p:grpSpPr>
+        <a:xfrm>
+          <a:off x="0" y="0"/>
+          <a:ext cx="0" cy="0"/>
+          <a:chOff x="0" y="0"/>
+          <a:chExt cx="0" cy="0"/>
+        </a:xfrm>
+      </p:grpSpPr>
+      <p:sp>
+        <p:nvSpPr>
+          <p:cNvPr id="2" name="タイトル 1"/>
+          <p:cNvSpPr>
+            <a:spLocks noGrp="1"/>
+          </p:cNvSpPr>
+          <p:nvPr>
+            <p:ph type="title"/>
+          </p:nvPr>
+        </p:nvSpPr>
+        <p:spPr>
+          <a:xfrm>
+            <a:off x="1052735" y="389395"/>
+            <a:ext cx="5670000" cy="405683"/>
+          </a:xfrm>
+        </p:spPr>
+        <p:txBody>
+          <a:bodyPr/>
+          <a:lstStyle/>
+          <a:p>
+            <a:r>
+              <a:rPr lang="ja-JP" altLang="en-US" sz="2400" dirty="0">
+                <a:solidFill>
+                  <a:schemeClr val="accent6">
+                    <a:lumMod val="50000"/>
+                    <a:lumOff val="50000"/>
+                  </a:schemeClr>
+                </a:solidFill>
+                <a:latin typeface="+mn-ea"/>
+              </a:rPr>
+              <a:t>進化</a:t>
+            </a:r>
+            <a:r>
+              <a:rPr lang="ja-JP" altLang="en-US" sz="2400" dirty="0" smtClean="0">
+                <a:solidFill>
+                  <a:schemeClr val="accent6">
+                    <a:lumMod val="50000"/>
+                    <a:lumOff val="50000"/>
+                  </a:schemeClr>
+                </a:solidFill>
+                <a:latin typeface="+mn-ea"/>
+              </a:rPr>
+              <a:t>の</a:t>
+            </a:r>
+            <a:r>
+              <a:rPr lang="ja-JP" altLang="en-US" sz="2400" dirty="0" smtClean="0">
+                <a:solidFill>
+                  <a:schemeClr val="accent6">
+                    <a:lumMod val="50000"/>
+                    <a:lumOff val="50000"/>
+                  </a:schemeClr>
+                </a:solidFill>
+                <a:latin typeface="+mn-ea"/>
+              </a:rPr>
+              <a:t>自分</a:t>
+            </a:r>
+            <a:r>
+              <a:rPr lang="en-US" altLang="ja-JP" sz="2400" dirty="0" smtClean="0">
+                <a:solidFill>
+                  <a:schemeClr val="accent6">
+                    <a:lumMod val="50000"/>
+                    <a:lumOff val="50000"/>
+                  </a:schemeClr>
+                </a:solidFill>
+                <a:latin typeface="+mn-ea"/>
+              </a:rPr>
+              <a:t>-</a:t>
+            </a:r>
+            <a:r>
+              <a:rPr lang="ja-JP" altLang="en-US" sz="2400" dirty="0" smtClean="0">
+                <a:solidFill>
+                  <a:schemeClr val="accent6">
+                    <a:lumMod val="50000"/>
+                    <a:lumOff val="50000"/>
+                  </a:schemeClr>
+                </a:solidFill>
+                <a:latin typeface="+mn-ea"/>
+              </a:rPr>
+              <a:t>イベント積極的に参加</a:t>
+            </a:r>
+            <a:endParaRPr kumimoji="1" lang="ja-JP" altLang="en-US" sz="2400" dirty="0"/>
           </a:p>
         </p:txBody>
       </p:sp>
@@ -7011,7 +6985,7 @@
           <p:cNvPr id="4" name="Group 293">
             <a:extLst>
               <a:ext uri="{FF2B5EF4-FFF2-40B4-BE49-F238E27FC236}">
-                <a16:creationId xmlns="" xmlns:a16="http://schemas.microsoft.com/office/drawing/2014/main" id="{FFC370BA-08BF-4CCE-A67B-D347FD899DBA}"/>
+                <a16:creationId xmlns:a16="http://schemas.microsoft.com/office/drawing/2014/main" xmlns="" id="{FFC370BA-08BF-4CCE-A67B-D347FD899DBA}"/>
               </a:ext>
             </a:extLst>
           </p:cNvPr>
@@ -7033,7 +7007,7 @@
             <p:cNvPr id="5" name="Oval 50">
               <a:extLst>
                 <a:ext uri="{FF2B5EF4-FFF2-40B4-BE49-F238E27FC236}">
-                  <a16:creationId xmlns="" xmlns:a16="http://schemas.microsoft.com/office/drawing/2014/main" id="{A9838AB5-C094-4377-A802-21CD3E317274}"/>
+                  <a16:creationId xmlns:a16="http://schemas.microsoft.com/office/drawing/2014/main" xmlns="" id="{A9838AB5-C094-4377-A802-21CD3E317274}"/>
                 </a:ext>
               </a:extLst>
             </p:cNvPr>
@@ -7092,7 +7066,7 @@
             <p:cNvPr id="6" name="Oval 51">
               <a:extLst>
                 <a:ext uri="{FF2B5EF4-FFF2-40B4-BE49-F238E27FC236}">
-                  <a16:creationId xmlns="" xmlns:a16="http://schemas.microsoft.com/office/drawing/2014/main" id="{DD6D435C-0F60-4629-BD94-54821F2DE884}"/>
+                  <a16:creationId xmlns:a16="http://schemas.microsoft.com/office/drawing/2014/main" xmlns="" id="{DD6D435C-0F60-4629-BD94-54821F2DE884}"/>
                 </a:ext>
               </a:extLst>
             </p:cNvPr>
@@ -7165,7 +7139,7 @@
             <p:cNvPr id="7" name="Oval 52">
               <a:extLst>
                 <a:ext uri="{FF2B5EF4-FFF2-40B4-BE49-F238E27FC236}">
-                  <a16:creationId xmlns="" xmlns:a16="http://schemas.microsoft.com/office/drawing/2014/main" id="{2FF6B54B-606C-4B88-AD79-E1531E472EED}"/>
+                  <a16:creationId xmlns:a16="http://schemas.microsoft.com/office/drawing/2014/main" xmlns="" id="{2FF6B54B-606C-4B88-AD79-E1531E472EED}"/>
                 </a:ext>
               </a:extLst>
             </p:cNvPr>
@@ -7241,7 +7215,7 @@
             <p:cNvPr id="8" name="Freeform 54">
               <a:extLst>
                 <a:ext uri="{FF2B5EF4-FFF2-40B4-BE49-F238E27FC236}">
-                  <a16:creationId xmlns="" xmlns:a16="http://schemas.microsoft.com/office/drawing/2014/main" id="{11B4C9EE-AFBE-4B95-89C4-2D73C9A5311C}"/>
+                  <a16:creationId xmlns:a16="http://schemas.microsoft.com/office/drawing/2014/main" xmlns="" id="{11B4C9EE-AFBE-4B95-89C4-2D73C9A5311C}"/>
                 </a:ext>
               </a:extLst>
             </p:cNvPr>
@@ -7416,7 +7390,7 @@
             <p:cNvPr id="9" name="Freeform 55">
               <a:extLst>
                 <a:ext uri="{FF2B5EF4-FFF2-40B4-BE49-F238E27FC236}">
-                  <a16:creationId xmlns="" xmlns:a16="http://schemas.microsoft.com/office/drawing/2014/main" id="{61FD8900-59DC-4DF8-9E0F-FA65E3D087D7}"/>
+                  <a16:creationId xmlns:a16="http://schemas.microsoft.com/office/drawing/2014/main" xmlns="" id="{61FD8900-59DC-4DF8-9E0F-FA65E3D087D7}"/>
                 </a:ext>
               </a:extLst>
             </p:cNvPr>
@@ -7591,7 +7565,7 @@
             <p:cNvPr id="10" name="AutoShape 59">
               <a:extLst>
                 <a:ext uri="{FF2B5EF4-FFF2-40B4-BE49-F238E27FC236}">
-                  <a16:creationId xmlns="" xmlns:a16="http://schemas.microsoft.com/office/drawing/2014/main" id="{8725B85B-EFDB-41AA-BF87-5BA5E80973EF}"/>
+                  <a16:creationId xmlns:a16="http://schemas.microsoft.com/office/drawing/2014/main" xmlns="" id="{8725B85B-EFDB-41AA-BF87-5BA5E80973EF}"/>
                 </a:ext>
               </a:extLst>
             </p:cNvPr>
@@ -7653,7 +7627,7 @@
           <p:cNvPr id="11" name="Group 296">
             <a:extLst>
               <a:ext uri="{FF2B5EF4-FFF2-40B4-BE49-F238E27FC236}">
-                <a16:creationId xmlns="" xmlns:a16="http://schemas.microsoft.com/office/drawing/2014/main" id="{3842FC64-AB39-42D7-A48C-0FE49F99806C}"/>
+                <a16:creationId xmlns:a16="http://schemas.microsoft.com/office/drawing/2014/main" xmlns="" id="{3842FC64-AB39-42D7-A48C-0FE49F99806C}"/>
               </a:ext>
             </a:extLst>
           </p:cNvPr>
@@ -7675,7 +7649,7 @@
             <p:cNvPr id="12" name="Oval 2">
               <a:extLst>
                 <a:ext uri="{FF2B5EF4-FFF2-40B4-BE49-F238E27FC236}">
-                  <a16:creationId xmlns="" xmlns:a16="http://schemas.microsoft.com/office/drawing/2014/main" id="{9267EE0A-4BA4-4E94-8745-FFA9A06F71A9}"/>
+                  <a16:creationId xmlns:a16="http://schemas.microsoft.com/office/drawing/2014/main" xmlns="" id="{9267EE0A-4BA4-4E94-8745-FFA9A06F71A9}"/>
                 </a:ext>
               </a:extLst>
             </p:cNvPr>
@@ -7734,7 +7708,7 @@
             <p:cNvPr id="13" name="Oval 19">
               <a:extLst>
                 <a:ext uri="{FF2B5EF4-FFF2-40B4-BE49-F238E27FC236}">
-                  <a16:creationId xmlns="" xmlns:a16="http://schemas.microsoft.com/office/drawing/2014/main" id="{CC91C93B-224E-47BB-A4B4-F39EF6BD8070}"/>
+                  <a16:creationId xmlns:a16="http://schemas.microsoft.com/office/drawing/2014/main" xmlns="" id="{CC91C93B-224E-47BB-A4B4-F39EF6BD8070}"/>
                 </a:ext>
               </a:extLst>
             </p:cNvPr>
@@ -7807,7 +7781,7 @@
             <p:cNvPr id="14" name="Oval 20">
               <a:extLst>
                 <a:ext uri="{FF2B5EF4-FFF2-40B4-BE49-F238E27FC236}">
-                  <a16:creationId xmlns="" xmlns:a16="http://schemas.microsoft.com/office/drawing/2014/main" id="{9BD5F5FE-EFD9-4804-9B3B-C6D91AFF363C}"/>
+                  <a16:creationId xmlns:a16="http://schemas.microsoft.com/office/drawing/2014/main" xmlns="" id="{9BD5F5FE-EFD9-4804-9B3B-C6D91AFF363C}"/>
                 </a:ext>
               </a:extLst>
             </p:cNvPr>
@@ -7883,7 +7857,7 @@
             <p:cNvPr id="15" name="Group 21">
               <a:extLst>
                 <a:ext uri="{FF2B5EF4-FFF2-40B4-BE49-F238E27FC236}">
-                  <a16:creationId xmlns="" xmlns:a16="http://schemas.microsoft.com/office/drawing/2014/main" id="{7DB5FE9B-6714-4B4D-AB94-45F20F7D5C8E}"/>
+                  <a16:creationId xmlns:a16="http://schemas.microsoft.com/office/drawing/2014/main" xmlns="" id="{7DB5FE9B-6714-4B4D-AB94-45F20F7D5C8E}"/>
                 </a:ext>
               </a:extLst>
             </p:cNvPr>
@@ -7905,7 +7879,7 @@
               <p:cNvPr id="18" name="AutoShape 22">
                 <a:extLst>
                   <a:ext uri="{FF2B5EF4-FFF2-40B4-BE49-F238E27FC236}">
-                    <a16:creationId xmlns="" xmlns:a16="http://schemas.microsoft.com/office/drawing/2014/main" id="{4E5DF4CC-2B73-45EA-B083-30A68ED1FA2A}"/>
+                    <a16:creationId xmlns:a16="http://schemas.microsoft.com/office/drawing/2014/main" xmlns="" id="{4E5DF4CC-2B73-45EA-B083-30A68ED1FA2A}"/>
                   </a:ext>
                 </a:extLst>
               </p:cNvPr>
@@ -7974,7 +7948,7 @@
               <p:cNvPr id="19" name="Freeform 23">
                 <a:extLst>
                   <a:ext uri="{FF2B5EF4-FFF2-40B4-BE49-F238E27FC236}">
-                    <a16:creationId xmlns="" xmlns:a16="http://schemas.microsoft.com/office/drawing/2014/main" id="{A03184C6-4DC0-40F9-A025-A1F34226A187}"/>
+                    <a16:creationId xmlns:a16="http://schemas.microsoft.com/office/drawing/2014/main" xmlns="" id="{A03184C6-4DC0-40F9-A025-A1F34226A187}"/>
                   </a:ext>
                 </a:extLst>
               </p:cNvPr>
@@ -8106,7 +8080,7 @@
             <p:cNvPr id="16" name="AutoShape 36">
               <a:extLst>
                 <a:ext uri="{FF2B5EF4-FFF2-40B4-BE49-F238E27FC236}">
-                  <a16:creationId xmlns="" xmlns:a16="http://schemas.microsoft.com/office/drawing/2014/main" id="{C65C2922-0F06-4601-991B-D9188A55C388}"/>
+                  <a16:creationId xmlns:a16="http://schemas.microsoft.com/office/drawing/2014/main" xmlns="" id="{C65C2922-0F06-4601-991B-D9188A55C388}"/>
                 </a:ext>
               </a:extLst>
             </p:cNvPr>
@@ -8281,7 +8255,7 @@
             <p:cNvPr id="17" name="AutoShape 37">
               <a:extLst>
                 <a:ext uri="{FF2B5EF4-FFF2-40B4-BE49-F238E27FC236}">
-                  <a16:creationId xmlns="" xmlns:a16="http://schemas.microsoft.com/office/drawing/2014/main" id="{9028FBF9-F253-4134-8311-3707C3C5DB2F}"/>
+                  <a16:creationId xmlns:a16="http://schemas.microsoft.com/office/drawing/2014/main" xmlns="" id="{9028FBF9-F253-4134-8311-3707C3C5DB2F}"/>
                 </a:ext>
               </a:extLst>
             </p:cNvPr>
@@ -8484,19 +8458,13 @@
           </a:bodyPr>
           <a:lstStyle/>
           <a:p>
+            <a:pPr algn="ctr"/>
             <a:r>
               <a:rPr kumimoji="1" lang="ja-JP" altLang="en-US" b="1" dirty="0" smtClean="0">
                 <a:latin typeface="+mj-ea"/>
                 <a:ea typeface="+mj-ea"/>
               </a:rPr>
-              <a:t>恥ずかしいから、自分</a:t>
-            </a:r>
-            <a:r>
-              <a:rPr lang="ja-JP" altLang="en-US" b="1" dirty="0" smtClean="0">
-                <a:latin typeface="+mj-ea"/>
-                <a:ea typeface="+mj-ea"/>
-              </a:rPr>
-              <a:t>から積極的に発言しなかった</a:t>
+              <a:t>会社のイベントあまり参加しなかった</a:t>
             </a:r>
             <a:endParaRPr kumimoji="1" lang="ja-JP" altLang="en-US" b="1" dirty="0">
               <a:latin typeface="+mj-ea"/>
@@ -8513,8 +8481,8 @@
         </p:nvSpPr>
         <p:spPr bwMode="auto">
           <a:xfrm>
-            <a:off x="2324755" y="2598254"/>
-            <a:ext cx="4397980" cy="1993210"/>
+            <a:off x="2320304" y="3007596"/>
+            <a:ext cx="4070105" cy="1356586"/>
           </a:xfrm>
           <a:prstGeom prst="rect">
             <a:avLst/>
@@ -8555,27 +8523,7 @@
                 <a:latin typeface="+mj-ea"/>
                 <a:ea typeface="+mj-ea"/>
               </a:rPr>
-              <a:t>自分の意見、アディアが積極的に言え</a:t>
-            </a:r>
-            <a:r>
-              <a:rPr lang="ja-JP" altLang="en-US" b="1" dirty="0">
-                <a:solidFill>
-                  <a:srgbClr val="FF0000"/>
-                </a:solidFill>
-                <a:latin typeface="+mj-ea"/>
-                <a:ea typeface="+mj-ea"/>
-              </a:rPr>
-              <a:t>た</a:t>
-            </a:r>
-            <a:r>
-              <a:rPr kumimoji="1" lang="ja-JP" altLang="en-US" b="1" dirty="0" smtClean="0">
-                <a:solidFill>
-                  <a:srgbClr val="FF0000"/>
-                </a:solidFill>
-                <a:latin typeface="+mj-ea"/>
-                <a:ea typeface="+mj-ea"/>
-              </a:rPr>
-              <a:t>。</a:t>
+              <a:t>会社の飲み会</a:t>
             </a:r>
             <a:endParaRPr kumimoji="1" lang="en-US" altLang="ja-JP" b="1" dirty="0" smtClean="0">
               <a:solidFill>
@@ -8604,57 +8552,7 @@
                 <a:latin typeface="+mj-ea"/>
                 <a:ea typeface="+mj-ea"/>
               </a:rPr>
-              <a:t>話題を自ら探して</a:t>
-            </a:r>
-            <a:r>
-              <a:rPr lang="ja-JP" altLang="en-US" b="1" dirty="0" smtClean="0">
-                <a:solidFill>
-                  <a:srgbClr val="FF0000"/>
-                </a:solidFill>
-                <a:latin typeface="+mj-ea"/>
-                <a:ea typeface="+mj-ea"/>
-              </a:rPr>
-              <a:t>、現場</a:t>
-            </a:r>
-            <a:r>
-              <a:rPr lang="ja-JP" altLang="en-US" b="1" dirty="0" smtClean="0">
-                <a:solidFill>
-                  <a:srgbClr val="FF0000"/>
-                </a:solidFill>
-                <a:latin typeface="+mj-ea"/>
-                <a:ea typeface="+mj-ea"/>
-              </a:rPr>
-              <a:t>同士とよく</a:t>
-            </a:r>
-            <a:r>
-              <a:rPr lang="ja-JP" altLang="en-US" b="1" dirty="0" smtClean="0">
-                <a:solidFill>
-                  <a:srgbClr val="FF0000"/>
-                </a:solidFill>
-                <a:latin typeface="+mj-ea"/>
-                <a:ea typeface="+mj-ea"/>
-              </a:rPr>
-              <a:t>コンミュニケーション</a:t>
-            </a:r>
-            <a:r>
-              <a:rPr lang="ja-JP" altLang="en-US" b="1" dirty="0" smtClean="0">
-                <a:solidFill>
-                  <a:srgbClr val="FF0000"/>
-                </a:solidFill>
-                <a:latin typeface="+mj-ea"/>
-                <a:ea typeface="+mj-ea"/>
-              </a:rPr>
-              <a:t>がよく</a:t>
-            </a:r>
-            <a:r>
-              <a:rPr lang="ja-JP" altLang="en-US" b="1" dirty="0" smtClean="0">
-                <a:solidFill>
-                  <a:srgbClr val="FF0000"/>
-                </a:solidFill>
-                <a:latin typeface="+mj-ea"/>
-                <a:ea typeface="+mj-ea"/>
-              </a:rPr>
-              <a:t>取った</a:t>
+              <a:t>アジャイル社内研修</a:t>
             </a:r>
             <a:endParaRPr lang="en-US" altLang="ja-JP" b="1" dirty="0" smtClean="0">
               <a:solidFill>
@@ -8666,7 +8564,7 @@
           </a:p>
           <a:p>
             <a:r>
-              <a:rPr lang="ja-JP" altLang="en-US" b="1" dirty="0" smtClean="0">
+              <a:rPr kumimoji="1" lang="ja-JP" altLang="en-US" b="1" dirty="0" smtClean="0">
                 <a:solidFill>
                   <a:srgbClr val="0000CC"/>
                 </a:solidFill>
@@ -8676,24 +8574,33 @@
               <a:t>・</a:t>
             </a:r>
             <a:r>
-              <a:rPr lang="ja-JP" altLang="en-US" b="1" dirty="0" smtClean="0">
+              <a:rPr kumimoji="1" lang="ja-JP" altLang="en-US" b="1" dirty="0" smtClean="0">
                 <a:solidFill>
                   <a:srgbClr val="FF0000"/>
                 </a:solidFill>
                 <a:latin typeface="+mj-ea"/>
                 <a:ea typeface="+mj-ea"/>
               </a:rPr>
-              <a:t>アジャイル研修で、</a:t>
-            </a:r>
+              <a:t>運動会</a:t>
+            </a:r>
+            <a:endParaRPr kumimoji="1" lang="en-US" altLang="ja-JP" b="1" dirty="0" smtClean="0">
+              <a:solidFill>
+                <a:srgbClr val="FF0000"/>
+              </a:solidFill>
+              <a:latin typeface="+mj-ea"/>
+              <a:ea typeface="+mj-ea"/>
+            </a:endParaRPr>
+          </a:p>
+          <a:p>
             <a:r>
               <a:rPr lang="ja-JP" altLang="en-US" b="1" dirty="0" smtClean="0">
                 <a:solidFill>
-                  <a:srgbClr val="FF0000"/>
+                  <a:srgbClr val="0000CC"/>
                 </a:solidFill>
                 <a:latin typeface="+mj-ea"/>
                 <a:ea typeface="+mj-ea"/>
               </a:rPr>
-              <a:t>積極的</a:t>
+              <a:t>・</a:t>
             </a:r>
             <a:r>
               <a:rPr lang="ja-JP" altLang="en-US" b="1" dirty="0" smtClean="0">
@@ -8703,29 +8610,9 @@
                 <a:latin typeface="+mj-ea"/>
                 <a:ea typeface="+mj-ea"/>
               </a:rPr>
-              <a:t>に</a:t>
-            </a:r>
-            <a:r>
-              <a:rPr lang="ja-JP" altLang="en-US" b="1" dirty="0" smtClean="0">
-                <a:solidFill>
-                  <a:srgbClr val="FF0000"/>
-                </a:solidFill>
-                <a:latin typeface="+mj-ea"/>
-                <a:ea typeface="+mj-ea"/>
-              </a:rPr>
-              <a:t>作った</a:t>
-            </a:r>
-            <a:r>
-              <a:rPr lang="ja-JP" altLang="en-US" b="1" dirty="0" smtClean="0">
-                <a:solidFill>
-                  <a:srgbClr val="FF0000"/>
-                </a:solidFill>
-                <a:latin typeface="+mj-ea"/>
-                <a:ea typeface="+mj-ea"/>
-              </a:rPr>
-              <a:t>ものをアピールした。（四チームの中で２位）</a:t>
-            </a:r>
-            <a:endParaRPr lang="en-US" altLang="ja-JP" b="1" dirty="0" smtClean="0">
+              <a:t>第二シス部会（司会）</a:t>
+            </a:r>
+            <a:endParaRPr kumimoji="1" lang="ja-JP" altLang="en-US" b="1" dirty="0">
               <a:solidFill>
                 <a:srgbClr val="FF0000"/>
               </a:solidFill>
@@ -8738,7 +8625,7 @@
     </p:spTree>
     <p:extLst>
       <p:ext uri="{BB962C8B-B14F-4D97-AF65-F5344CB8AC3E}">
-        <p14:creationId xmlns:p14="http://schemas.microsoft.com/office/powerpoint/2010/main" val="2985787133"/>
+        <p14:creationId xmlns:p14="http://schemas.microsoft.com/office/powerpoint/2010/main" val="956510733"/>
       </p:ext>
     </p:extLst>
   </p:cSld>
@@ -8755,7 +8642,7 @@
 </p:sld>
 </file>
 
-<file path=ppt/slides/slide5.xml><?xml version="1.0" encoding="utf-8"?>
+<file path=ppt/slides/slide4.xml><?xml version="1.0" encoding="utf-8"?>
 <p:sld xmlns:a="http://schemas.openxmlformats.org/drawingml/2006/main" xmlns:r="http://schemas.openxmlformats.org/officeDocument/2006/relationships" xmlns:p="http://schemas.openxmlformats.org/presentationml/2006/main">
   <p:cSld>
     <p:spTree>
@@ -8784,8 +8671,8 @@
         </p:nvSpPr>
         <p:spPr>
           <a:xfrm>
-            <a:off x="1052735" y="481728"/>
-            <a:ext cx="5670000" cy="313350"/>
+            <a:off x="1052735" y="389395"/>
+            <a:ext cx="5670000" cy="405683"/>
           </a:xfrm>
         </p:spPr>
         <p:txBody>
@@ -8793,7 +8680,7 @@
           <a:lstStyle/>
           <a:p>
             <a:r>
-              <a:rPr lang="ja-JP" altLang="en-US" dirty="0">
+              <a:rPr lang="ja-JP" altLang="en-US" sz="2400" dirty="0">
                 <a:solidFill>
                   <a:schemeClr val="accent6">
                     <a:lumMod val="50000"/>
@@ -8805,7 +8692,7 @@
               <a:t>進化</a:t>
             </a:r>
             <a:r>
-              <a:rPr lang="ja-JP" altLang="en-US" dirty="0" smtClean="0">
+              <a:rPr lang="ja-JP" altLang="en-US" sz="2400" dirty="0" smtClean="0">
                 <a:solidFill>
                   <a:schemeClr val="accent6">
                     <a:lumMod val="50000"/>
@@ -8814,10 +8701,10 @@
                 </a:solidFill>
                 <a:latin typeface="+mn-ea"/>
               </a:rPr>
-              <a:t>の自分③</a:t>
-            </a:r>
-            <a:r>
-              <a:rPr lang="en-US" altLang="ja-JP" dirty="0" smtClean="0">
+              <a:t>の</a:t>
+            </a:r>
+            <a:r>
+              <a:rPr lang="ja-JP" altLang="en-US" sz="2400" dirty="0" smtClean="0">
                 <a:solidFill>
                   <a:schemeClr val="accent6">
                     <a:lumMod val="50000"/>
@@ -8826,10 +8713,10 @@
                 </a:solidFill>
                 <a:latin typeface="+mn-ea"/>
               </a:rPr>
-              <a:t>-</a:t>
-            </a:r>
-            <a:r>
-              <a:rPr lang="ja-JP" altLang="en-US" dirty="0" smtClean="0">
+              <a:t>自分</a:t>
+            </a:r>
+            <a:r>
+              <a:rPr lang="en-US" altLang="ja-JP" sz="2400" dirty="0" smtClean="0">
                 <a:solidFill>
                   <a:schemeClr val="accent6">
                     <a:lumMod val="50000"/>
@@ -8838,10 +8725,10 @@
                 </a:solidFill>
                 <a:latin typeface="+mn-ea"/>
               </a:rPr>
-              <a:t>技術</a:t>
-            </a:r>
-            <a:r>
-              <a:rPr lang="ja-JP" altLang="en-US" dirty="0" smtClean="0">
+              <a:t>-</a:t>
+            </a:r>
+            <a:r>
+              <a:rPr lang="ja-JP" altLang="en-US" sz="2400" dirty="0">
                 <a:solidFill>
                   <a:schemeClr val="accent6">
                     <a:lumMod val="50000"/>
@@ -8850,18 +8737,30 @@
                 </a:solidFill>
                 <a:latin typeface="+mn-ea"/>
               </a:rPr>
-              <a:t>で現場評価</a:t>
-            </a:r>
-            <a:endParaRPr kumimoji="1" lang="ja-JP" altLang="en-US" dirty="0"/>
+              <a:t>積極的</a:t>
+            </a:r>
+            <a:r>
+              <a:rPr lang="ja-JP" altLang="en-US" sz="2400" dirty="0" smtClean="0">
+                <a:solidFill>
+                  <a:schemeClr val="accent6">
+                    <a:lumMod val="50000"/>
+                    <a:lumOff val="50000"/>
+                  </a:schemeClr>
+                </a:solidFill>
+                <a:latin typeface="+mn-ea"/>
+              </a:rPr>
+              <a:t>に発言</a:t>
+            </a:r>
+            <a:endParaRPr kumimoji="1" lang="ja-JP" altLang="en-US" sz="2400" dirty="0"/>
           </a:p>
         </p:txBody>
       </p:sp>
       <p:grpSp>
         <p:nvGrpSpPr>
-          <p:cNvPr id="11" name="Group 296">
+          <p:cNvPr id="4" name="Group 293">
             <a:extLst>
               <a:ext uri="{FF2B5EF4-FFF2-40B4-BE49-F238E27FC236}">
-                <a16:creationId xmlns="" xmlns:a16="http://schemas.microsoft.com/office/drawing/2014/main" id="{3842FC64-AB39-42D7-A48C-0FE49F99806C}"/>
+                <a16:creationId xmlns:a16="http://schemas.microsoft.com/office/drawing/2014/main" xmlns="" id="{FFC370BA-08BF-4CCE-A67B-D347FD899DBA}"/>
               </a:ext>
             </a:extLst>
           </p:cNvPr>
@@ -8872,7 +8771,649 @@
         </p:nvGrpSpPr>
         <p:grpSpPr bwMode="auto">
           <a:xfrm>
-            <a:off x="1057460" y="1051322"/>
+            <a:off x="1273593" y="1135651"/>
+            <a:ext cx="758259" cy="758259"/>
+            <a:chOff x="5037" y="618"/>
+            <a:chExt cx="850" cy="850"/>
+          </a:xfrm>
+        </p:grpSpPr>
+        <p:sp>
+          <p:nvSpPr>
+            <p:cNvPr id="5" name="Oval 50">
+              <a:extLst>
+                <a:ext uri="{FF2B5EF4-FFF2-40B4-BE49-F238E27FC236}">
+                  <a16:creationId xmlns:a16="http://schemas.microsoft.com/office/drawing/2014/main" xmlns="" id="{A9838AB5-C094-4377-A802-21CD3E317274}"/>
+                </a:ext>
+              </a:extLst>
+            </p:cNvPr>
+            <p:cNvSpPr>
+              <a:spLocks noChangeArrowheads="1"/>
+            </p:cNvSpPr>
+            <p:nvPr/>
+          </p:nvSpPr>
+          <p:spPr bwMode="auto">
+            <a:xfrm>
+              <a:off x="5037" y="618"/>
+              <a:ext cx="850" cy="850"/>
+            </a:xfrm>
+            <a:prstGeom prst="ellipse">
+              <a:avLst/>
+            </a:prstGeom>
+            <a:solidFill>
+              <a:srgbClr val="333333"/>
+            </a:solidFill>
+            <a:ln>
+              <a:noFill/>
+            </a:ln>
+            <a:effectLst/>
+            <a:extLst>
+              <a:ext uri="{91240B29-F687-4F45-9708-019B960494DF}">
+                <a14:hiddenLine xmlns:a14="http://schemas.microsoft.com/office/drawing/2010/main" w="38100">
+                  <a:solidFill>
+                    <a:srgbClr val="333333"/>
+                  </a:solidFill>
+                  <a:round/>
+                  <a:headEnd/>
+                  <a:tailEnd/>
+                </a14:hiddenLine>
+              </a:ext>
+              <a:ext uri="{AF507438-7753-43E0-B8FC-AC1667EBCBE1}">
+                <a14:hiddenEffects xmlns:a14="http://schemas.microsoft.com/office/drawing/2010/main">
+                  <a:effectLst>
+                    <a:outerShdw dist="35921" dir="2700000" algn="ctr" rotWithShape="0">
+                      <a:schemeClr val="bg2"/>
+                    </a:outerShdw>
+                  </a:effectLst>
+                </a14:hiddenEffects>
+              </a:ext>
+            </a:extLst>
+          </p:spPr>
+          <p:txBody>
+            <a:bodyPr wrap="none" anchor="ctr"/>
+            <a:lstStyle/>
+            <a:p>
+              <a:endParaRPr lang="ja-JP" altLang="en-US"/>
+            </a:p>
+          </p:txBody>
+        </p:sp>
+        <p:sp>
+          <p:nvSpPr>
+            <p:cNvPr id="6" name="Oval 51">
+              <a:extLst>
+                <a:ext uri="{FF2B5EF4-FFF2-40B4-BE49-F238E27FC236}">
+                  <a16:creationId xmlns:a16="http://schemas.microsoft.com/office/drawing/2014/main" xmlns="" id="{DD6D435C-0F60-4629-BD94-54821F2DE884}"/>
+                </a:ext>
+              </a:extLst>
+            </p:cNvPr>
+            <p:cNvSpPr>
+              <a:spLocks noChangeArrowheads="1"/>
+            </p:cNvSpPr>
+            <p:nvPr/>
+          </p:nvSpPr>
+          <p:spPr bwMode="auto">
+            <a:xfrm>
+              <a:off x="5054" y="635"/>
+              <a:ext cx="817" cy="817"/>
+            </a:xfrm>
+            <a:prstGeom prst="ellipse">
+              <a:avLst/>
+            </a:prstGeom>
+            <a:gradFill rotWithShape="1">
+              <a:gsLst>
+                <a:gs pos="0">
+                  <a:srgbClr val="CC0099">
+                    <a:gamma/>
+                    <a:tint val="60392"/>
+                    <a:invGamma/>
+                  </a:srgbClr>
+                </a:gs>
+                <a:gs pos="100000">
+                  <a:srgbClr val="CC0099"/>
+                </a:gs>
+              </a:gsLst>
+              <a:path path="shape">
+                <a:fillToRect l="50000" t="50000" r="50000" b="50000"/>
+              </a:path>
+            </a:gradFill>
+            <a:ln>
+              <a:noFill/>
+            </a:ln>
+            <a:effectLst/>
+            <a:extLst>
+              <a:ext uri="{91240B29-F687-4F45-9708-019B960494DF}">
+                <a14:hiddenLine xmlns:a14="http://schemas.microsoft.com/office/drawing/2010/main" w="9525">
+                  <a:solidFill>
+                    <a:srgbClr val="FF0000"/>
+                  </a:solidFill>
+                  <a:round/>
+                  <a:headEnd/>
+                  <a:tailEnd/>
+                </a14:hiddenLine>
+              </a:ext>
+              <a:ext uri="{AF507438-7753-43E0-B8FC-AC1667EBCBE1}">
+                <a14:hiddenEffects xmlns:a14="http://schemas.microsoft.com/office/drawing/2010/main">
+                  <a:effectLst>
+                    <a:outerShdw dist="35921" dir="2700000" algn="ctr" rotWithShape="0">
+                      <a:schemeClr val="bg2"/>
+                    </a:outerShdw>
+                  </a:effectLst>
+                </a14:hiddenEffects>
+              </a:ext>
+            </a:extLst>
+          </p:spPr>
+          <p:txBody>
+            <a:bodyPr wrap="none" anchor="ctr"/>
+            <a:lstStyle/>
+            <a:p>
+              <a:endParaRPr lang="ja-JP" altLang="en-US"/>
+            </a:p>
+          </p:txBody>
+        </p:sp>
+        <p:sp>
+          <p:nvSpPr>
+            <p:cNvPr id="7" name="Oval 52">
+              <a:extLst>
+                <a:ext uri="{FF2B5EF4-FFF2-40B4-BE49-F238E27FC236}">
+                  <a16:creationId xmlns:a16="http://schemas.microsoft.com/office/drawing/2014/main" xmlns="" id="{2FF6B54B-606C-4B88-AD79-E1531E472EED}"/>
+                </a:ext>
+              </a:extLst>
+            </p:cNvPr>
+            <p:cNvSpPr>
+              <a:spLocks noChangeArrowheads="1"/>
+            </p:cNvSpPr>
+            <p:nvPr/>
+          </p:nvSpPr>
+          <p:spPr bwMode="auto">
+            <a:xfrm>
+              <a:off x="5326" y="680"/>
+              <a:ext cx="454" cy="454"/>
+            </a:xfrm>
+            <a:prstGeom prst="ellipse">
+              <a:avLst/>
+            </a:prstGeom>
+            <a:gradFill rotWithShape="1">
+              <a:gsLst>
+                <a:gs pos="0">
+                  <a:schemeClr val="bg1">
+                    <a:alpha val="60001"/>
+                  </a:schemeClr>
+                </a:gs>
+                <a:gs pos="100000">
+                  <a:schemeClr val="bg1">
+                    <a:gamma/>
+                    <a:shade val="46275"/>
+                    <a:invGamma/>
+                    <a:alpha val="0"/>
+                  </a:schemeClr>
+                </a:gs>
+              </a:gsLst>
+              <a:path path="shape">
+                <a:fillToRect l="50000" t="50000" r="50000" b="50000"/>
+              </a:path>
+            </a:gradFill>
+            <a:ln>
+              <a:noFill/>
+            </a:ln>
+            <a:effectLst/>
+            <a:extLst>
+              <a:ext uri="{91240B29-F687-4F45-9708-019B960494DF}">
+                <a14:hiddenLine xmlns:a14="http://schemas.microsoft.com/office/drawing/2010/main" w="9525">
+                  <a:solidFill>
+                    <a:srgbClr val="FF0000"/>
+                  </a:solidFill>
+                  <a:round/>
+                  <a:headEnd/>
+                  <a:tailEnd/>
+                </a14:hiddenLine>
+              </a:ext>
+              <a:ext uri="{AF507438-7753-43E0-B8FC-AC1667EBCBE1}">
+                <a14:hiddenEffects xmlns:a14="http://schemas.microsoft.com/office/drawing/2010/main">
+                  <a:effectLst>
+                    <a:outerShdw dist="35921" dir="2700000" algn="ctr" rotWithShape="0">
+                      <a:schemeClr val="bg2"/>
+                    </a:outerShdw>
+                  </a:effectLst>
+                </a14:hiddenEffects>
+              </a:ext>
+            </a:extLst>
+          </p:spPr>
+          <p:txBody>
+            <a:bodyPr wrap="none" anchor="ctr"/>
+            <a:lstStyle/>
+            <a:p>
+              <a:endParaRPr lang="ja-JP" altLang="en-US"/>
+            </a:p>
+          </p:txBody>
+        </p:sp>
+        <p:sp>
+          <p:nvSpPr>
+            <p:cNvPr id="8" name="Freeform 54">
+              <a:extLst>
+                <a:ext uri="{FF2B5EF4-FFF2-40B4-BE49-F238E27FC236}">
+                  <a16:creationId xmlns:a16="http://schemas.microsoft.com/office/drawing/2014/main" xmlns="" id="{11B4C9EE-AFBE-4B95-89C4-2D73C9A5311C}"/>
+                </a:ext>
+              </a:extLst>
+            </p:cNvPr>
+            <p:cNvSpPr>
+              <a:spLocks/>
+            </p:cNvSpPr>
+            <p:nvPr/>
+          </p:nvSpPr>
+          <p:spPr bwMode="auto">
+            <a:xfrm rot="2700000">
+              <a:off x="5207" y="935"/>
+              <a:ext cx="182" cy="182"/>
+            </a:xfrm>
+            <a:custGeom>
+              <a:avLst/>
+              <a:gdLst>
+                <a:gd name="T0" fmla="*/ 272 w 726"/>
+                <a:gd name="T1" fmla="*/ 0 h 726"/>
+                <a:gd name="T2" fmla="*/ 272 w 726"/>
+                <a:gd name="T3" fmla="*/ 272 h 726"/>
+                <a:gd name="T4" fmla="*/ 0 w 726"/>
+                <a:gd name="T5" fmla="*/ 272 h 726"/>
+                <a:gd name="T6" fmla="*/ 0 w 726"/>
+                <a:gd name="T7" fmla="*/ 453 h 726"/>
+                <a:gd name="T8" fmla="*/ 272 w 726"/>
+                <a:gd name="T9" fmla="*/ 453 h 726"/>
+                <a:gd name="T10" fmla="*/ 272 w 726"/>
+                <a:gd name="T11" fmla="*/ 726 h 726"/>
+                <a:gd name="T12" fmla="*/ 454 w 726"/>
+                <a:gd name="T13" fmla="*/ 726 h 726"/>
+                <a:gd name="T14" fmla="*/ 454 w 726"/>
+                <a:gd name="T15" fmla="*/ 453 h 726"/>
+                <a:gd name="T16" fmla="*/ 726 w 726"/>
+                <a:gd name="T17" fmla="*/ 453 h 726"/>
+                <a:gd name="T18" fmla="*/ 726 w 726"/>
+                <a:gd name="T19" fmla="*/ 272 h 726"/>
+                <a:gd name="T20" fmla="*/ 454 w 726"/>
+                <a:gd name="T21" fmla="*/ 272 h 726"/>
+                <a:gd name="T22" fmla="*/ 454 w 726"/>
+                <a:gd name="T23" fmla="*/ 0 h 726"/>
+                <a:gd name="T24" fmla="*/ 272 w 726"/>
+                <a:gd name="T25" fmla="*/ 0 h 726"/>
+              </a:gdLst>
+              <a:ahLst/>
+              <a:cxnLst>
+                <a:cxn ang="0">
+                  <a:pos x="T0" y="T1"/>
+                </a:cxn>
+                <a:cxn ang="0">
+                  <a:pos x="T2" y="T3"/>
+                </a:cxn>
+                <a:cxn ang="0">
+                  <a:pos x="T4" y="T5"/>
+                </a:cxn>
+                <a:cxn ang="0">
+                  <a:pos x="T6" y="T7"/>
+                </a:cxn>
+                <a:cxn ang="0">
+                  <a:pos x="T8" y="T9"/>
+                </a:cxn>
+                <a:cxn ang="0">
+                  <a:pos x="T10" y="T11"/>
+                </a:cxn>
+                <a:cxn ang="0">
+                  <a:pos x="T12" y="T13"/>
+                </a:cxn>
+                <a:cxn ang="0">
+                  <a:pos x="T14" y="T15"/>
+                </a:cxn>
+                <a:cxn ang="0">
+                  <a:pos x="T16" y="T17"/>
+                </a:cxn>
+                <a:cxn ang="0">
+                  <a:pos x="T18" y="T19"/>
+                </a:cxn>
+                <a:cxn ang="0">
+                  <a:pos x="T20" y="T21"/>
+                </a:cxn>
+                <a:cxn ang="0">
+                  <a:pos x="T22" y="T23"/>
+                </a:cxn>
+                <a:cxn ang="0">
+                  <a:pos x="T24" y="T25"/>
+                </a:cxn>
+              </a:cxnLst>
+              <a:rect l="0" t="0" r="r" b="b"/>
+              <a:pathLst>
+                <a:path w="726" h="726">
+                  <a:moveTo>
+                    <a:pt x="272" y="0"/>
+                  </a:moveTo>
+                  <a:lnTo>
+                    <a:pt x="272" y="272"/>
+                  </a:lnTo>
+                  <a:lnTo>
+                    <a:pt x="0" y="272"/>
+                  </a:lnTo>
+                  <a:lnTo>
+                    <a:pt x="0" y="453"/>
+                  </a:lnTo>
+                  <a:lnTo>
+                    <a:pt x="272" y="453"/>
+                  </a:lnTo>
+                  <a:lnTo>
+                    <a:pt x="272" y="726"/>
+                  </a:lnTo>
+                  <a:lnTo>
+                    <a:pt x="454" y="726"/>
+                  </a:lnTo>
+                  <a:lnTo>
+                    <a:pt x="454" y="453"/>
+                  </a:lnTo>
+                  <a:lnTo>
+                    <a:pt x="726" y="453"/>
+                  </a:lnTo>
+                  <a:lnTo>
+                    <a:pt x="726" y="272"/>
+                  </a:lnTo>
+                  <a:lnTo>
+                    <a:pt x="454" y="272"/>
+                  </a:lnTo>
+                  <a:lnTo>
+                    <a:pt x="454" y="0"/>
+                  </a:lnTo>
+                  <a:lnTo>
+                    <a:pt x="272" y="0"/>
+                  </a:lnTo>
+                  <a:close/>
+                </a:path>
+              </a:pathLst>
+            </a:custGeom>
+            <a:solidFill>
+              <a:schemeClr val="tx1"/>
+            </a:solidFill>
+            <a:ln>
+              <a:noFill/>
+            </a:ln>
+            <a:effectLst/>
+            <a:extLst>
+              <a:ext uri="{91240B29-F687-4F45-9708-019B960494DF}">
+                <a14:hiddenLine xmlns:a14="http://schemas.microsoft.com/office/drawing/2010/main" w="9525" cap="flat" cmpd="sng">
+                  <a:solidFill>
+                    <a:srgbClr val="FF0000"/>
+                  </a:solidFill>
+                  <a:prstDash val="solid"/>
+                  <a:round/>
+                  <a:headEnd/>
+                  <a:tailEnd/>
+                </a14:hiddenLine>
+              </a:ext>
+              <a:ext uri="{AF507438-7753-43E0-B8FC-AC1667EBCBE1}">
+                <a14:hiddenEffects xmlns:a14="http://schemas.microsoft.com/office/drawing/2010/main">
+                  <a:effectLst>
+                    <a:outerShdw dist="35921" dir="2700000" algn="ctr" rotWithShape="0">
+                      <a:schemeClr val="bg2"/>
+                    </a:outerShdw>
+                  </a:effectLst>
+                </a14:hiddenEffects>
+              </a:ext>
+            </a:extLst>
+          </p:spPr>
+          <p:txBody>
+            <a:bodyPr/>
+            <a:lstStyle/>
+            <a:p>
+              <a:endParaRPr lang="ja-JP" altLang="en-US"/>
+            </a:p>
+          </p:txBody>
+        </p:sp>
+        <p:sp>
+          <p:nvSpPr>
+            <p:cNvPr id="9" name="Freeform 55">
+              <a:extLst>
+                <a:ext uri="{FF2B5EF4-FFF2-40B4-BE49-F238E27FC236}">
+                  <a16:creationId xmlns:a16="http://schemas.microsoft.com/office/drawing/2014/main" xmlns="" id="{61FD8900-59DC-4DF8-9E0F-FA65E3D087D7}"/>
+                </a:ext>
+              </a:extLst>
+            </p:cNvPr>
+            <p:cNvSpPr>
+              <a:spLocks/>
+            </p:cNvSpPr>
+            <p:nvPr/>
+          </p:nvSpPr>
+          <p:spPr bwMode="auto">
+            <a:xfrm rot="2700000">
+              <a:off x="5524" y="935"/>
+              <a:ext cx="182" cy="182"/>
+            </a:xfrm>
+            <a:custGeom>
+              <a:avLst/>
+              <a:gdLst>
+                <a:gd name="T0" fmla="*/ 272 w 726"/>
+                <a:gd name="T1" fmla="*/ 0 h 726"/>
+                <a:gd name="T2" fmla="*/ 272 w 726"/>
+                <a:gd name="T3" fmla="*/ 272 h 726"/>
+                <a:gd name="T4" fmla="*/ 0 w 726"/>
+                <a:gd name="T5" fmla="*/ 272 h 726"/>
+                <a:gd name="T6" fmla="*/ 0 w 726"/>
+                <a:gd name="T7" fmla="*/ 453 h 726"/>
+                <a:gd name="T8" fmla="*/ 272 w 726"/>
+                <a:gd name="T9" fmla="*/ 453 h 726"/>
+                <a:gd name="T10" fmla="*/ 272 w 726"/>
+                <a:gd name="T11" fmla="*/ 726 h 726"/>
+                <a:gd name="T12" fmla="*/ 454 w 726"/>
+                <a:gd name="T13" fmla="*/ 726 h 726"/>
+                <a:gd name="T14" fmla="*/ 454 w 726"/>
+                <a:gd name="T15" fmla="*/ 453 h 726"/>
+                <a:gd name="T16" fmla="*/ 726 w 726"/>
+                <a:gd name="T17" fmla="*/ 453 h 726"/>
+                <a:gd name="T18" fmla="*/ 726 w 726"/>
+                <a:gd name="T19" fmla="*/ 272 h 726"/>
+                <a:gd name="T20" fmla="*/ 454 w 726"/>
+                <a:gd name="T21" fmla="*/ 272 h 726"/>
+                <a:gd name="T22" fmla="*/ 454 w 726"/>
+                <a:gd name="T23" fmla="*/ 0 h 726"/>
+                <a:gd name="T24" fmla="*/ 272 w 726"/>
+                <a:gd name="T25" fmla="*/ 0 h 726"/>
+              </a:gdLst>
+              <a:ahLst/>
+              <a:cxnLst>
+                <a:cxn ang="0">
+                  <a:pos x="T0" y="T1"/>
+                </a:cxn>
+                <a:cxn ang="0">
+                  <a:pos x="T2" y="T3"/>
+                </a:cxn>
+                <a:cxn ang="0">
+                  <a:pos x="T4" y="T5"/>
+                </a:cxn>
+                <a:cxn ang="0">
+                  <a:pos x="T6" y="T7"/>
+                </a:cxn>
+                <a:cxn ang="0">
+                  <a:pos x="T8" y="T9"/>
+                </a:cxn>
+                <a:cxn ang="0">
+                  <a:pos x="T10" y="T11"/>
+                </a:cxn>
+                <a:cxn ang="0">
+                  <a:pos x="T12" y="T13"/>
+                </a:cxn>
+                <a:cxn ang="0">
+                  <a:pos x="T14" y="T15"/>
+                </a:cxn>
+                <a:cxn ang="0">
+                  <a:pos x="T16" y="T17"/>
+                </a:cxn>
+                <a:cxn ang="0">
+                  <a:pos x="T18" y="T19"/>
+                </a:cxn>
+                <a:cxn ang="0">
+                  <a:pos x="T20" y="T21"/>
+                </a:cxn>
+                <a:cxn ang="0">
+                  <a:pos x="T22" y="T23"/>
+                </a:cxn>
+                <a:cxn ang="0">
+                  <a:pos x="T24" y="T25"/>
+                </a:cxn>
+              </a:cxnLst>
+              <a:rect l="0" t="0" r="r" b="b"/>
+              <a:pathLst>
+                <a:path w="726" h="726">
+                  <a:moveTo>
+                    <a:pt x="272" y="0"/>
+                  </a:moveTo>
+                  <a:lnTo>
+                    <a:pt x="272" y="272"/>
+                  </a:lnTo>
+                  <a:lnTo>
+                    <a:pt x="0" y="272"/>
+                  </a:lnTo>
+                  <a:lnTo>
+                    <a:pt x="0" y="453"/>
+                  </a:lnTo>
+                  <a:lnTo>
+                    <a:pt x="272" y="453"/>
+                  </a:lnTo>
+                  <a:lnTo>
+                    <a:pt x="272" y="726"/>
+                  </a:lnTo>
+                  <a:lnTo>
+                    <a:pt x="454" y="726"/>
+                  </a:lnTo>
+                  <a:lnTo>
+                    <a:pt x="454" y="453"/>
+                  </a:lnTo>
+                  <a:lnTo>
+                    <a:pt x="726" y="453"/>
+                  </a:lnTo>
+                  <a:lnTo>
+                    <a:pt x="726" y="272"/>
+                  </a:lnTo>
+                  <a:lnTo>
+                    <a:pt x="454" y="272"/>
+                  </a:lnTo>
+                  <a:lnTo>
+                    <a:pt x="454" y="0"/>
+                  </a:lnTo>
+                  <a:lnTo>
+                    <a:pt x="272" y="0"/>
+                  </a:lnTo>
+                  <a:close/>
+                </a:path>
+              </a:pathLst>
+            </a:custGeom>
+            <a:solidFill>
+              <a:schemeClr val="tx1"/>
+            </a:solidFill>
+            <a:ln>
+              <a:noFill/>
+            </a:ln>
+            <a:effectLst/>
+            <a:extLst>
+              <a:ext uri="{91240B29-F687-4F45-9708-019B960494DF}">
+                <a14:hiddenLine xmlns:a14="http://schemas.microsoft.com/office/drawing/2010/main" w="9525" cap="flat" cmpd="sng">
+                  <a:solidFill>
+                    <a:srgbClr val="FF0000"/>
+                  </a:solidFill>
+                  <a:prstDash val="solid"/>
+                  <a:round/>
+                  <a:headEnd/>
+                  <a:tailEnd/>
+                </a14:hiddenLine>
+              </a:ext>
+              <a:ext uri="{AF507438-7753-43E0-B8FC-AC1667EBCBE1}">
+                <a14:hiddenEffects xmlns:a14="http://schemas.microsoft.com/office/drawing/2010/main">
+                  <a:effectLst>
+                    <a:outerShdw dist="35921" dir="2700000" algn="ctr" rotWithShape="0">
+                      <a:schemeClr val="bg2"/>
+                    </a:outerShdw>
+                  </a:effectLst>
+                </a14:hiddenEffects>
+              </a:ext>
+            </a:extLst>
+          </p:spPr>
+          <p:txBody>
+            <a:bodyPr/>
+            <a:lstStyle/>
+            <a:p>
+              <a:endParaRPr lang="ja-JP" altLang="en-US"/>
+            </a:p>
+          </p:txBody>
+        </p:sp>
+        <p:sp>
+          <p:nvSpPr>
+            <p:cNvPr id="10" name="AutoShape 59">
+              <a:extLst>
+                <a:ext uri="{FF2B5EF4-FFF2-40B4-BE49-F238E27FC236}">
+                  <a16:creationId xmlns:a16="http://schemas.microsoft.com/office/drawing/2014/main" xmlns="" id="{8725B85B-EFDB-41AA-BF87-5BA5E80973EF}"/>
+                </a:ext>
+              </a:extLst>
+            </p:cNvPr>
+            <p:cNvSpPr>
+              <a:spLocks noChangeArrowheads="1"/>
+            </p:cNvSpPr>
+            <p:nvPr/>
+          </p:nvSpPr>
+          <p:spPr bwMode="auto">
+            <a:xfrm rot="27000000">
+              <a:off x="5456" y="1049"/>
+              <a:ext cx="45" cy="453"/>
+            </a:xfrm>
+            <a:prstGeom prst="moon">
+              <a:avLst>
+                <a:gd name="adj" fmla="val 33329"/>
+              </a:avLst>
+            </a:prstGeom>
+            <a:solidFill>
+              <a:srgbClr val="000000"/>
+            </a:solidFill>
+            <a:ln>
+              <a:noFill/>
+            </a:ln>
+            <a:effectLst/>
+            <a:extLst>
+              <a:ext uri="{91240B29-F687-4F45-9708-019B960494DF}">
+                <a14:hiddenLine xmlns:a14="http://schemas.microsoft.com/office/drawing/2010/main" w="9525">
+                  <a:solidFill>
+                    <a:srgbClr val="FF0000"/>
+                  </a:solidFill>
+                  <a:miter lim="800000"/>
+                  <a:headEnd/>
+                  <a:tailEnd/>
+                </a14:hiddenLine>
+              </a:ext>
+              <a:ext uri="{AF507438-7753-43E0-B8FC-AC1667EBCBE1}">
+                <a14:hiddenEffects xmlns:a14="http://schemas.microsoft.com/office/drawing/2010/main">
+                  <a:effectLst>
+                    <a:outerShdw dist="35921" dir="2700000" algn="ctr" rotWithShape="0">
+                      <a:schemeClr val="bg2"/>
+                    </a:outerShdw>
+                  </a:effectLst>
+                </a14:hiddenEffects>
+              </a:ext>
+            </a:extLst>
+          </p:spPr>
+          <p:txBody>
+            <a:bodyPr wrap="none" anchor="ctr"/>
+            <a:lstStyle/>
+            <a:p>
+              <a:endParaRPr lang="ja-JP" altLang="en-US"/>
+            </a:p>
+          </p:txBody>
+        </p:sp>
+      </p:grpSp>
+      <p:grpSp>
+        <p:nvGrpSpPr>
+          <p:cNvPr id="11" name="Group 296">
+            <a:extLst>
+              <a:ext uri="{FF2B5EF4-FFF2-40B4-BE49-F238E27FC236}">
+                <a16:creationId xmlns:a16="http://schemas.microsoft.com/office/drawing/2014/main" xmlns="" id="{3842FC64-AB39-42D7-A48C-0FE49F99806C}"/>
+              </a:ext>
+            </a:extLst>
+          </p:cNvPr>
+          <p:cNvGrpSpPr>
+            <a:grpSpLocks/>
+          </p:cNvGrpSpPr>
+          <p:nvPr/>
+        </p:nvGrpSpPr>
+        <p:grpSpPr bwMode="auto">
+          <a:xfrm>
+            <a:off x="1294375" y="2435720"/>
             <a:ext cx="788463" cy="755574"/>
             <a:chOff x="336" y="601"/>
             <a:chExt cx="850" cy="850"/>
@@ -8883,7 +9424,7 @@
             <p:cNvPr id="12" name="Oval 2">
               <a:extLst>
                 <a:ext uri="{FF2B5EF4-FFF2-40B4-BE49-F238E27FC236}">
-                  <a16:creationId xmlns="" xmlns:a16="http://schemas.microsoft.com/office/drawing/2014/main" id="{9267EE0A-4BA4-4E94-8745-FFA9A06F71A9}"/>
+                  <a16:creationId xmlns:a16="http://schemas.microsoft.com/office/drawing/2014/main" xmlns="" id="{9267EE0A-4BA4-4E94-8745-FFA9A06F71A9}"/>
                 </a:ext>
               </a:extLst>
             </p:cNvPr>
@@ -8942,7 +9483,7 @@
             <p:cNvPr id="13" name="Oval 19">
               <a:extLst>
                 <a:ext uri="{FF2B5EF4-FFF2-40B4-BE49-F238E27FC236}">
-                  <a16:creationId xmlns="" xmlns:a16="http://schemas.microsoft.com/office/drawing/2014/main" id="{CC91C93B-224E-47BB-A4B4-F39EF6BD8070}"/>
+                  <a16:creationId xmlns:a16="http://schemas.microsoft.com/office/drawing/2014/main" xmlns="" id="{CC91C93B-224E-47BB-A4B4-F39EF6BD8070}"/>
                 </a:ext>
               </a:extLst>
             </p:cNvPr>
@@ -9015,7 +9556,7 @@
             <p:cNvPr id="14" name="Oval 20">
               <a:extLst>
                 <a:ext uri="{FF2B5EF4-FFF2-40B4-BE49-F238E27FC236}">
-                  <a16:creationId xmlns="" xmlns:a16="http://schemas.microsoft.com/office/drawing/2014/main" id="{9BD5F5FE-EFD9-4804-9B3B-C6D91AFF363C}"/>
+                  <a16:creationId xmlns:a16="http://schemas.microsoft.com/office/drawing/2014/main" xmlns="" id="{9BD5F5FE-EFD9-4804-9B3B-C6D91AFF363C}"/>
                 </a:ext>
               </a:extLst>
             </p:cNvPr>
@@ -9091,7 +9632,7 @@
             <p:cNvPr id="15" name="Group 21">
               <a:extLst>
                 <a:ext uri="{FF2B5EF4-FFF2-40B4-BE49-F238E27FC236}">
-                  <a16:creationId xmlns="" xmlns:a16="http://schemas.microsoft.com/office/drawing/2014/main" id="{7DB5FE9B-6714-4B4D-AB94-45F20F7D5C8E}"/>
+                  <a16:creationId xmlns:a16="http://schemas.microsoft.com/office/drawing/2014/main" xmlns="" id="{7DB5FE9B-6714-4B4D-AB94-45F20F7D5C8E}"/>
                 </a:ext>
               </a:extLst>
             </p:cNvPr>
@@ -9113,7 +9654,7 @@
               <p:cNvPr id="18" name="AutoShape 22">
                 <a:extLst>
                   <a:ext uri="{FF2B5EF4-FFF2-40B4-BE49-F238E27FC236}">
-                    <a16:creationId xmlns="" xmlns:a16="http://schemas.microsoft.com/office/drawing/2014/main" id="{4E5DF4CC-2B73-45EA-B083-30A68ED1FA2A}"/>
+                    <a16:creationId xmlns:a16="http://schemas.microsoft.com/office/drawing/2014/main" xmlns="" id="{4E5DF4CC-2B73-45EA-B083-30A68ED1FA2A}"/>
                   </a:ext>
                 </a:extLst>
               </p:cNvPr>
@@ -9182,7 +9723,7 @@
               <p:cNvPr id="19" name="Freeform 23">
                 <a:extLst>
                   <a:ext uri="{FF2B5EF4-FFF2-40B4-BE49-F238E27FC236}">
-                    <a16:creationId xmlns="" xmlns:a16="http://schemas.microsoft.com/office/drawing/2014/main" id="{A03184C6-4DC0-40F9-A025-A1F34226A187}"/>
+                    <a16:creationId xmlns:a16="http://schemas.microsoft.com/office/drawing/2014/main" xmlns="" id="{A03184C6-4DC0-40F9-A025-A1F34226A187}"/>
                   </a:ext>
                 </a:extLst>
               </p:cNvPr>
@@ -9314,7 +9855,7 @@
             <p:cNvPr id="16" name="AutoShape 36">
               <a:extLst>
                 <a:ext uri="{FF2B5EF4-FFF2-40B4-BE49-F238E27FC236}">
-                  <a16:creationId xmlns="" xmlns:a16="http://schemas.microsoft.com/office/drawing/2014/main" id="{C65C2922-0F06-4601-991B-D9188A55C388}"/>
+                  <a16:creationId xmlns:a16="http://schemas.microsoft.com/office/drawing/2014/main" xmlns="" id="{C65C2922-0F06-4601-991B-D9188A55C388}"/>
                 </a:ext>
               </a:extLst>
             </p:cNvPr>
@@ -9489,7 +10030,7 @@
             <p:cNvPr id="17" name="AutoShape 37">
               <a:extLst>
                 <a:ext uri="{FF2B5EF4-FFF2-40B4-BE49-F238E27FC236}">
-                  <a16:creationId xmlns="" xmlns:a16="http://schemas.microsoft.com/office/drawing/2014/main" id="{9028FBF9-F253-4134-8311-3707C3C5DB2F}"/>
+                  <a16:creationId xmlns:a16="http://schemas.microsoft.com/office/drawing/2014/main" xmlns="" id="{9028FBF9-F253-4134-8311-3707C3C5DB2F}"/>
                 </a:ext>
               </a:extLst>
             </p:cNvPr>
@@ -9662,14 +10203,67 @@
       </p:grpSp>
       <p:sp>
         <p:nvSpPr>
+          <p:cNvPr id="20" name="正方形/長方形 19"/>
+          <p:cNvSpPr/>
+          <p:nvPr/>
+        </p:nvSpPr>
+        <p:spPr bwMode="auto">
+          <a:xfrm>
+            <a:off x="2306782" y="1190959"/>
+            <a:ext cx="4322618" cy="702951"/>
+          </a:xfrm>
+          <a:prstGeom prst="rect">
+            <a:avLst/>
+          </a:prstGeom>
+          <a:noFill/>
+          <a:ln>
+            <a:solidFill>
+              <a:schemeClr val="accent1"/>
+            </a:solidFill>
+          </a:ln>
+          <a:effectLst/>
+          <a:extLst/>
+        </p:spPr>
+        <p:txBody>
+          <a:bodyPr rot="0" spcFirstLastPara="0" vertOverflow="overflow" horzOverflow="overflow" vert="horz" wrap="square" lIns="91440" tIns="45720" rIns="91440" bIns="45720" numCol="1" spcCol="0" rtlCol="0" fromWordArt="0" anchor="ctr" anchorCtr="0" forceAA="0" compatLnSpc="1">
+            <a:prstTxWarp prst="textNoShape">
+              <a:avLst/>
+            </a:prstTxWarp>
+            <a:noAutofit/>
+          </a:bodyPr>
+          <a:lstStyle/>
+          <a:p>
+            <a:r>
+              <a:rPr kumimoji="1" lang="ja-JP" altLang="en-US" b="1" dirty="0" smtClean="0">
+                <a:latin typeface="+mj-ea"/>
+                <a:ea typeface="+mj-ea"/>
+              </a:rPr>
+              <a:t>恥ずかしいから、自分</a:t>
+            </a:r>
+            <a:r>
+              <a:rPr lang="ja-JP" altLang="en-US" b="1" dirty="0" smtClean="0">
+                <a:latin typeface="+mj-ea"/>
+                <a:ea typeface="+mj-ea"/>
+              </a:rPr>
+              <a:t>から積極的に発言しなかった</a:t>
+            </a:r>
+            <a:endParaRPr kumimoji="1" lang="ja-JP" altLang="en-US" b="1" dirty="0">
+              <a:latin typeface="+mj-ea"/>
+              <a:ea typeface="+mj-ea"/>
+            </a:endParaRPr>
+          </a:p>
+        </p:txBody>
+      </p:sp>
+      <p:sp>
+        <p:nvSpPr>
           <p:cNvPr id="21" name="正方形/長方形 20"/>
           <p:cNvSpPr/>
           <p:nvPr/>
         </p:nvSpPr>
         <p:spPr bwMode="auto">
           <a:xfrm>
-            <a:off x="2098231" y="1043709"/>
-            <a:ext cx="4261005" cy="3517899"/>
+            <a:off x="2324755" y="2289791"/>
+            <a:ext cx="4397980" cy="2396509"/>
           </a:xfrm>
           <a:prstGeom prst="rect">
             <a:avLst/>
@@ -9692,35 +10286,82 @@
           </a:bodyPr>
           <a:lstStyle/>
           <a:p>
-            <a:r>
-              <a:rPr lang="ja-JP" altLang="en-US" b="1" dirty="0" smtClean="0">
-                <a:solidFill>
-                  <a:srgbClr val="0000CC"/>
+            <a:pPr marL="342900" indent="-342900">
+              <a:buFont typeface="+mj-lt"/>
+              <a:buAutoNum type="arabicPeriod"/>
+            </a:pPr>
+            <a:r>
+              <a:rPr kumimoji="1" lang="ja-JP" altLang="en-US" b="1" dirty="0" smtClean="0">
+                <a:solidFill>
+                  <a:srgbClr val="FF0000"/>
                 </a:solidFill>
                 <a:latin typeface="+mj-ea"/>
                 <a:ea typeface="+mj-ea"/>
               </a:rPr>
-              <a:t>①</a:t>
-            </a:r>
-            <a:r>
-              <a:rPr lang="ja-JP" altLang="en-US" b="1" dirty="0" smtClean="0">
+              <a:t>自分</a:t>
+            </a:r>
+            <a:r>
+              <a:rPr kumimoji="1" lang="ja-JP" altLang="en-US" b="1" dirty="0" smtClean="0">
                 <a:solidFill>
                   <a:srgbClr val="FF0000"/>
                 </a:solidFill>
                 <a:latin typeface="+mj-ea"/>
                 <a:ea typeface="+mj-ea"/>
               </a:rPr>
-              <a:t>現場は私の生産性と品質性を信じこむので、いつも</a:t>
-            </a:r>
-            <a:r>
-              <a:rPr lang="ja-JP" altLang="en-US" b="1" dirty="0" smtClean="0">
+              <a:t>の意見、アディアが積極的に言え</a:t>
+            </a:r>
+            <a:r>
+              <a:rPr lang="ja-JP" altLang="en-US" b="1" dirty="0">
                 <a:solidFill>
                   <a:srgbClr val="FF0000"/>
                 </a:solidFill>
                 <a:latin typeface="+mj-ea"/>
                 <a:ea typeface="+mj-ea"/>
               </a:rPr>
-              <a:t>コア機能を担当している。</a:t>
+              <a:t>た</a:t>
+            </a:r>
+            <a:r>
+              <a:rPr kumimoji="1" lang="ja-JP" altLang="en-US" b="1" dirty="0" smtClean="0">
+                <a:solidFill>
+                  <a:srgbClr val="FF0000"/>
+                </a:solidFill>
+                <a:latin typeface="+mj-ea"/>
+                <a:ea typeface="+mj-ea"/>
+              </a:rPr>
+              <a:t>。</a:t>
+            </a:r>
+            <a:endParaRPr kumimoji="1" lang="en-US" altLang="ja-JP" b="1" dirty="0" smtClean="0">
+              <a:solidFill>
+                <a:srgbClr val="FF0000"/>
+              </a:solidFill>
+              <a:latin typeface="+mj-ea"/>
+              <a:ea typeface="+mj-ea"/>
+            </a:endParaRPr>
+          </a:p>
+          <a:p>
+            <a:pPr marL="342900" indent="-342900">
+              <a:buFont typeface="+mj-lt"/>
+              <a:buAutoNum type="arabicPeriod"/>
+            </a:pPr>
+            <a:r>
+              <a:rPr lang="ja-JP" altLang="en-US" b="1" dirty="0" smtClean="0">
+                <a:solidFill>
+                  <a:srgbClr val="FF0000"/>
+                </a:solidFill>
+                <a:latin typeface="+mj-ea"/>
+                <a:ea typeface="+mj-ea"/>
+              </a:rPr>
+              <a:t>話題</a:t>
+            </a:r>
+            <a:r>
+              <a:rPr lang="ja-JP" altLang="en-US" b="1" dirty="0" smtClean="0">
+                <a:solidFill>
+                  <a:srgbClr val="FF0000"/>
+                </a:solidFill>
+                <a:latin typeface="+mj-ea"/>
+                <a:ea typeface="+mj-ea"/>
+              </a:rPr>
+              <a:t>を自ら探して、現場同士とよくコンミュニケーションがよく取った</a:t>
             </a:r>
             <a:endParaRPr lang="en-US" altLang="ja-JP" b="1" dirty="0" smtClean="0">
               <a:solidFill>
@@ -9731,6 +10372,10 @@
             </a:endParaRPr>
           </a:p>
           <a:p>
+            <a:pPr marL="342900" indent="-342900">
+              <a:buFont typeface="+mj-lt"/>
+              <a:buAutoNum type="arabicPeriod"/>
+            </a:pPr>
             <a:r>
               <a:rPr lang="ja-JP" altLang="en-US" b="1" dirty="0" smtClean="0">
                 <a:solidFill>
@@ -9739,114 +10384,17 @@
                 <a:latin typeface="+mj-ea"/>
                 <a:ea typeface="+mj-ea"/>
               </a:rPr>
-              <a:t>　・ポイント突合（規模：</a:t>
-            </a:r>
-            <a:r>
-              <a:rPr lang="en-US" altLang="ja-JP" b="1" dirty="0" smtClean="0">
+              <a:t>アジャイル</a:t>
+            </a:r>
+            <a:r>
+              <a:rPr lang="ja-JP" altLang="en-US" b="1" dirty="0" smtClean="0">
                 <a:solidFill>
                   <a:srgbClr val="FF0000"/>
                 </a:solidFill>
                 <a:latin typeface="+mj-ea"/>
                 <a:ea typeface="+mj-ea"/>
               </a:rPr>
-              <a:t>4k</a:t>
-            </a:r>
-            <a:r>
-              <a:rPr lang="ja-JP" altLang="en-US" b="1" dirty="0" smtClean="0">
-                <a:solidFill>
-                  <a:srgbClr val="FF0000"/>
-                </a:solidFill>
-                <a:latin typeface="+mj-ea"/>
-                <a:ea typeface="+mj-ea"/>
-              </a:rPr>
-              <a:t>）</a:t>
-            </a:r>
-            <a:endParaRPr lang="en-US" altLang="ja-JP" b="1" dirty="0" smtClean="0">
-              <a:solidFill>
-                <a:srgbClr val="FF0000"/>
-              </a:solidFill>
-              <a:latin typeface="+mj-ea"/>
-              <a:ea typeface="+mj-ea"/>
-            </a:endParaRPr>
-          </a:p>
-          <a:p>
-            <a:r>
-              <a:rPr lang="ja-JP" altLang="en-US" b="1" dirty="0">
-                <a:solidFill>
-                  <a:srgbClr val="FF0000"/>
-                </a:solidFill>
-                <a:latin typeface="+mj-ea"/>
-                <a:ea typeface="+mj-ea"/>
-              </a:rPr>
-              <a:t>　</a:t>
-            </a:r>
-            <a:r>
-              <a:rPr lang="ja-JP" altLang="en-US" b="1" dirty="0" smtClean="0">
-                <a:solidFill>
-                  <a:srgbClr val="FF0000"/>
-                </a:solidFill>
-                <a:latin typeface="+mj-ea"/>
-                <a:ea typeface="+mj-ea"/>
-              </a:rPr>
-              <a:t>・新規会員予約入会（規模：</a:t>
-            </a:r>
-            <a:r>
-              <a:rPr lang="en-US" altLang="ja-JP" b="1" dirty="0" smtClean="0">
-                <a:solidFill>
-                  <a:srgbClr val="FF0000"/>
-                </a:solidFill>
-                <a:latin typeface="+mj-ea"/>
-                <a:ea typeface="+mj-ea"/>
-              </a:rPr>
-              <a:t>7k</a:t>
-            </a:r>
-            <a:r>
-              <a:rPr lang="ja-JP" altLang="en-US" b="1" dirty="0" smtClean="0">
-                <a:solidFill>
-                  <a:srgbClr val="FF0000"/>
-                </a:solidFill>
-                <a:latin typeface="+mj-ea"/>
-                <a:ea typeface="+mj-ea"/>
-              </a:rPr>
-              <a:t>）</a:t>
-            </a:r>
-            <a:endParaRPr lang="en-US" altLang="ja-JP" b="1" dirty="0" smtClean="0">
-              <a:solidFill>
-                <a:srgbClr val="FF0000"/>
-              </a:solidFill>
-              <a:latin typeface="+mj-ea"/>
-              <a:ea typeface="+mj-ea"/>
-            </a:endParaRPr>
-          </a:p>
-          <a:p>
-            <a:r>
-              <a:rPr lang="ja-JP" altLang="en-US" b="1" dirty="0" smtClean="0">
-                <a:solidFill>
-                  <a:srgbClr val="FF0000"/>
-                </a:solidFill>
-                <a:latin typeface="+mj-ea"/>
-                <a:ea typeface="+mj-ea"/>
-              </a:rPr>
-              <a:t>　・</a:t>
-            </a:r>
-            <a:endParaRPr lang="en-US" altLang="ja-JP" b="1" dirty="0" smtClean="0">
-              <a:solidFill>
-                <a:srgbClr val="FF0000"/>
-              </a:solidFill>
-              <a:latin typeface="+mj-ea"/>
-              <a:ea typeface="+mj-ea"/>
-            </a:endParaRPr>
-          </a:p>
-          <a:p>
-            <a:r>
-              <a:rPr lang="ja-JP" altLang="en-US" b="1" dirty="0">
-                <a:solidFill>
-                  <a:srgbClr val="FF0000"/>
-                </a:solidFill>
-                <a:latin typeface="+mj-ea"/>
-                <a:ea typeface="+mj-ea"/>
-              </a:rPr>
-              <a:t>　</a:t>
+              <a:t>研修で、積極的に作ったものをアピールした。（四チームの中で２位）</a:t>
             </a:r>
             <a:endParaRPr lang="en-US" altLang="ja-JP" b="1" dirty="0" smtClean="0">
               <a:solidFill>
@@ -9861,7 +10409,7 @@
     </p:spTree>
     <p:extLst>
       <p:ext uri="{BB962C8B-B14F-4D97-AF65-F5344CB8AC3E}">
-        <p14:creationId xmlns:p14="http://schemas.microsoft.com/office/powerpoint/2010/main" val="3465294927"/>
+        <p14:creationId xmlns:p14="http://schemas.microsoft.com/office/powerpoint/2010/main" val="2985787133"/>
       </p:ext>
     </p:extLst>
   </p:cSld>
@@ -9878,7 +10426,7 @@
 </p:sld>
 </file>
 
-<file path=ppt/slides/slide6.xml><?xml version="1.0" encoding="utf-8"?>
+<file path=ppt/slides/slide5.xml><?xml version="1.0" encoding="utf-8"?>
 <p:sld xmlns:a="http://schemas.openxmlformats.org/drawingml/2006/main" xmlns:r="http://schemas.openxmlformats.org/officeDocument/2006/relationships" xmlns:p="http://schemas.openxmlformats.org/presentationml/2006/main">
   <p:cSld>
     <p:spTree>
@@ -9907,8 +10455,8 @@
         </p:nvSpPr>
         <p:spPr>
           <a:xfrm>
-            <a:off x="1052735" y="481728"/>
-            <a:ext cx="5670000" cy="313350"/>
+            <a:off x="1052735" y="389395"/>
+            <a:ext cx="5670000" cy="405683"/>
           </a:xfrm>
         </p:spPr>
         <p:txBody>
@@ -9916,7 +10464,7 @@
           <a:lstStyle/>
           <a:p>
             <a:r>
-              <a:rPr lang="ja-JP" altLang="en-US" dirty="0">
+              <a:rPr lang="ja-JP" altLang="en-US" sz="2400" dirty="0">
                 <a:solidFill>
                   <a:schemeClr val="accent6">
                     <a:lumMod val="50000"/>
@@ -9928,7 +10476,7 @@
               <a:t>進化</a:t>
             </a:r>
             <a:r>
-              <a:rPr lang="ja-JP" altLang="en-US" dirty="0" smtClean="0">
+              <a:rPr lang="ja-JP" altLang="en-US" sz="2400" dirty="0" smtClean="0">
                 <a:solidFill>
                   <a:schemeClr val="accent6">
                     <a:lumMod val="50000"/>
@@ -9937,10 +10485,10 @@
                 </a:solidFill>
                 <a:latin typeface="+mn-ea"/>
               </a:rPr>
-              <a:t>の自分③</a:t>
-            </a:r>
-            <a:r>
-              <a:rPr lang="en-US" altLang="ja-JP" dirty="0" smtClean="0">
+              <a:t>の</a:t>
+            </a:r>
+            <a:r>
+              <a:rPr lang="ja-JP" altLang="en-US" sz="2400" dirty="0" smtClean="0">
                 <a:solidFill>
                   <a:schemeClr val="accent6">
                     <a:lumMod val="50000"/>
@@ -9949,10 +10497,10 @@
                 </a:solidFill>
                 <a:latin typeface="+mn-ea"/>
               </a:rPr>
-              <a:t>-</a:t>
-            </a:r>
-            <a:r>
-              <a:rPr lang="ja-JP" altLang="en-US" dirty="0" smtClean="0">
+              <a:t>自分</a:t>
+            </a:r>
+            <a:r>
+              <a:rPr lang="en-US" altLang="ja-JP" sz="2400" dirty="0" smtClean="0">
                 <a:solidFill>
                   <a:schemeClr val="accent6">
                     <a:lumMod val="50000"/>
@@ -9961,10 +10509,10 @@
                 </a:solidFill>
                 <a:latin typeface="+mn-ea"/>
               </a:rPr>
-              <a:t>技術</a:t>
-            </a:r>
-            <a:r>
-              <a:rPr lang="ja-JP" altLang="en-US" dirty="0" smtClean="0">
+              <a:t>-</a:t>
+            </a:r>
+            <a:r>
+              <a:rPr lang="ja-JP" altLang="en-US" sz="2400" dirty="0" smtClean="0">
                 <a:solidFill>
                   <a:schemeClr val="accent6">
                     <a:lumMod val="50000"/>
@@ -9973,9 +10521,33 @@
                 </a:solidFill>
                 <a:latin typeface="+mn-ea"/>
               </a:rPr>
-              <a:t>で現場評価</a:t>
-            </a:r>
-            <a:endParaRPr kumimoji="1" lang="ja-JP" altLang="en-US" dirty="0"/>
+              <a:t>技術</a:t>
+            </a:r>
+            <a:r>
+              <a:rPr lang="ja-JP" altLang="en-US" sz="2400" dirty="0" smtClean="0">
+                <a:solidFill>
+                  <a:schemeClr val="accent6">
+                    <a:lumMod val="50000"/>
+                    <a:lumOff val="50000"/>
+                  </a:schemeClr>
+                </a:solidFill>
+                <a:latin typeface="+mn-ea"/>
+              </a:rPr>
+              <a:t>で</a:t>
+            </a:r>
+            <a:r>
+              <a:rPr lang="ja-JP" altLang="en-US" sz="2400" dirty="0" smtClean="0">
+                <a:solidFill>
+                  <a:schemeClr val="accent6">
+                    <a:lumMod val="50000"/>
+                    <a:lumOff val="50000"/>
+                  </a:schemeClr>
+                </a:solidFill>
+                <a:latin typeface="+mn-ea"/>
+              </a:rPr>
+              <a:t>みんながハッピー</a:t>
+            </a:r>
+            <a:endParaRPr kumimoji="1" lang="ja-JP" altLang="en-US" sz="2400" dirty="0"/>
           </a:p>
         </p:txBody>
       </p:sp>
@@ -9984,7 +10556,7 @@
           <p:cNvPr id="11" name="Group 296">
             <a:extLst>
               <a:ext uri="{FF2B5EF4-FFF2-40B4-BE49-F238E27FC236}">
-                <a16:creationId xmlns="" xmlns:a16="http://schemas.microsoft.com/office/drawing/2014/main" id="{3842FC64-AB39-42D7-A48C-0FE49F99806C}"/>
+                <a16:creationId xmlns:a16="http://schemas.microsoft.com/office/drawing/2014/main" xmlns="" id="{3842FC64-AB39-42D7-A48C-0FE49F99806C}"/>
               </a:ext>
             </a:extLst>
           </p:cNvPr>
@@ -9995,7 +10567,7 @@
         </p:nvGrpSpPr>
         <p:grpSpPr bwMode="auto">
           <a:xfrm>
-            <a:off x="1057460" y="1051322"/>
+            <a:off x="1298616" y="2473505"/>
             <a:ext cx="788463" cy="755574"/>
             <a:chOff x="336" y="601"/>
             <a:chExt cx="850" cy="850"/>
@@ -10006,7 +10578,7 @@
             <p:cNvPr id="12" name="Oval 2">
               <a:extLst>
                 <a:ext uri="{FF2B5EF4-FFF2-40B4-BE49-F238E27FC236}">
-                  <a16:creationId xmlns="" xmlns:a16="http://schemas.microsoft.com/office/drawing/2014/main" id="{9267EE0A-4BA4-4E94-8745-FFA9A06F71A9}"/>
+                  <a16:creationId xmlns:a16="http://schemas.microsoft.com/office/drawing/2014/main" xmlns="" id="{9267EE0A-4BA4-4E94-8745-FFA9A06F71A9}"/>
                 </a:ext>
               </a:extLst>
             </p:cNvPr>
@@ -10065,7 +10637,7 @@
             <p:cNvPr id="13" name="Oval 19">
               <a:extLst>
                 <a:ext uri="{FF2B5EF4-FFF2-40B4-BE49-F238E27FC236}">
-                  <a16:creationId xmlns="" xmlns:a16="http://schemas.microsoft.com/office/drawing/2014/main" id="{CC91C93B-224E-47BB-A4B4-F39EF6BD8070}"/>
+                  <a16:creationId xmlns:a16="http://schemas.microsoft.com/office/drawing/2014/main" xmlns="" id="{CC91C93B-224E-47BB-A4B4-F39EF6BD8070}"/>
                 </a:ext>
               </a:extLst>
             </p:cNvPr>
@@ -10138,7 +10710,7 @@
             <p:cNvPr id="14" name="Oval 20">
               <a:extLst>
                 <a:ext uri="{FF2B5EF4-FFF2-40B4-BE49-F238E27FC236}">
-                  <a16:creationId xmlns="" xmlns:a16="http://schemas.microsoft.com/office/drawing/2014/main" id="{9BD5F5FE-EFD9-4804-9B3B-C6D91AFF363C}"/>
+                  <a16:creationId xmlns:a16="http://schemas.microsoft.com/office/drawing/2014/main" xmlns="" id="{9BD5F5FE-EFD9-4804-9B3B-C6D91AFF363C}"/>
                 </a:ext>
               </a:extLst>
             </p:cNvPr>
@@ -10214,7 +10786,7 @@
             <p:cNvPr id="15" name="Group 21">
               <a:extLst>
                 <a:ext uri="{FF2B5EF4-FFF2-40B4-BE49-F238E27FC236}">
-                  <a16:creationId xmlns="" xmlns:a16="http://schemas.microsoft.com/office/drawing/2014/main" id="{7DB5FE9B-6714-4B4D-AB94-45F20F7D5C8E}"/>
+                  <a16:creationId xmlns:a16="http://schemas.microsoft.com/office/drawing/2014/main" xmlns="" id="{7DB5FE9B-6714-4B4D-AB94-45F20F7D5C8E}"/>
                 </a:ext>
               </a:extLst>
             </p:cNvPr>
@@ -10236,7 +10808,7 @@
               <p:cNvPr id="18" name="AutoShape 22">
                 <a:extLst>
                   <a:ext uri="{FF2B5EF4-FFF2-40B4-BE49-F238E27FC236}">
-                    <a16:creationId xmlns="" xmlns:a16="http://schemas.microsoft.com/office/drawing/2014/main" id="{4E5DF4CC-2B73-45EA-B083-30A68ED1FA2A}"/>
+                    <a16:creationId xmlns:a16="http://schemas.microsoft.com/office/drawing/2014/main" xmlns="" id="{4E5DF4CC-2B73-45EA-B083-30A68ED1FA2A}"/>
                   </a:ext>
                 </a:extLst>
               </p:cNvPr>
@@ -10305,7 +10877,7 @@
               <p:cNvPr id="19" name="Freeform 23">
                 <a:extLst>
                   <a:ext uri="{FF2B5EF4-FFF2-40B4-BE49-F238E27FC236}">
-                    <a16:creationId xmlns="" xmlns:a16="http://schemas.microsoft.com/office/drawing/2014/main" id="{A03184C6-4DC0-40F9-A025-A1F34226A187}"/>
+                    <a16:creationId xmlns:a16="http://schemas.microsoft.com/office/drawing/2014/main" xmlns="" id="{A03184C6-4DC0-40F9-A025-A1F34226A187}"/>
                   </a:ext>
                 </a:extLst>
               </p:cNvPr>
@@ -10437,7 +11009,7 @@
             <p:cNvPr id="16" name="AutoShape 36">
               <a:extLst>
                 <a:ext uri="{FF2B5EF4-FFF2-40B4-BE49-F238E27FC236}">
-                  <a16:creationId xmlns="" xmlns:a16="http://schemas.microsoft.com/office/drawing/2014/main" id="{C65C2922-0F06-4601-991B-D9188A55C388}"/>
+                  <a16:creationId xmlns:a16="http://schemas.microsoft.com/office/drawing/2014/main" xmlns="" id="{C65C2922-0F06-4601-991B-D9188A55C388}"/>
                 </a:ext>
               </a:extLst>
             </p:cNvPr>
@@ -10612,7 +11184,7 @@
             <p:cNvPr id="17" name="AutoShape 37">
               <a:extLst>
                 <a:ext uri="{FF2B5EF4-FFF2-40B4-BE49-F238E27FC236}">
-                  <a16:creationId xmlns="" xmlns:a16="http://schemas.microsoft.com/office/drawing/2014/main" id="{9028FBF9-F253-4134-8311-3707C3C5DB2F}"/>
+                  <a16:creationId xmlns:a16="http://schemas.microsoft.com/office/drawing/2014/main" xmlns="" id="{9028FBF9-F253-4134-8311-3707C3C5DB2F}"/>
                 </a:ext>
               </a:extLst>
             </p:cNvPr>
@@ -10783,16 +11355,704 @@
           </p:txBody>
         </p:sp>
       </p:grpSp>
+      <p:grpSp>
+        <p:nvGrpSpPr>
+          <p:cNvPr id="20" name="Group 293">
+            <a:extLst>
+              <a:ext uri="{FF2B5EF4-FFF2-40B4-BE49-F238E27FC236}">
+                <a16:creationId xmlns:a16="http://schemas.microsoft.com/office/drawing/2014/main" xmlns="" id="{FFC370BA-08BF-4CCE-A67B-D347FD899DBA}"/>
+              </a:ext>
+            </a:extLst>
+          </p:cNvPr>
+          <p:cNvGrpSpPr>
+            <a:grpSpLocks/>
+          </p:cNvGrpSpPr>
+          <p:nvPr/>
+        </p:nvGrpSpPr>
+        <p:grpSpPr bwMode="auto">
+          <a:xfrm>
+            <a:off x="1268158" y="984000"/>
+            <a:ext cx="758259" cy="758259"/>
+            <a:chOff x="5037" y="618"/>
+            <a:chExt cx="850" cy="850"/>
+          </a:xfrm>
+        </p:grpSpPr>
+        <p:sp>
+          <p:nvSpPr>
+            <p:cNvPr id="22" name="Oval 50">
+              <a:extLst>
+                <a:ext uri="{FF2B5EF4-FFF2-40B4-BE49-F238E27FC236}">
+                  <a16:creationId xmlns:a16="http://schemas.microsoft.com/office/drawing/2014/main" xmlns="" id="{A9838AB5-C094-4377-A802-21CD3E317274}"/>
+                </a:ext>
+              </a:extLst>
+            </p:cNvPr>
+            <p:cNvSpPr>
+              <a:spLocks noChangeArrowheads="1"/>
+            </p:cNvSpPr>
+            <p:nvPr/>
+          </p:nvSpPr>
+          <p:spPr bwMode="auto">
+            <a:xfrm>
+              <a:off x="5037" y="618"/>
+              <a:ext cx="850" cy="850"/>
+            </a:xfrm>
+            <a:prstGeom prst="ellipse">
+              <a:avLst/>
+            </a:prstGeom>
+            <a:solidFill>
+              <a:srgbClr val="333333"/>
+            </a:solidFill>
+            <a:ln>
+              <a:noFill/>
+            </a:ln>
+            <a:effectLst/>
+            <a:extLst>
+              <a:ext uri="{91240B29-F687-4F45-9708-019B960494DF}">
+                <a14:hiddenLine xmlns:a14="http://schemas.microsoft.com/office/drawing/2010/main" w="38100">
+                  <a:solidFill>
+                    <a:srgbClr val="333333"/>
+                  </a:solidFill>
+                  <a:round/>
+                  <a:headEnd/>
+                  <a:tailEnd/>
+                </a14:hiddenLine>
+              </a:ext>
+              <a:ext uri="{AF507438-7753-43E0-B8FC-AC1667EBCBE1}">
+                <a14:hiddenEffects xmlns:a14="http://schemas.microsoft.com/office/drawing/2010/main">
+                  <a:effectLst>
+                    <a:outerShdw dist="35921" dir="2700000" algn="ctr" rotWithShape="0">
+                      <a:schemeClr val="bg2"/>
+                    </a:outerShdw>
+                  </a:effectLst>
+                </a14:hiddenEffects>
+              </a:ext>
+            </a:extLst>
+          </p:spPr>
+          <p:txBody>
+            <a:bodyPr wrap="none" anchor="ctr"/>
+            <a:lstStyle/>
+            <a:p>
+              <a:endParaRPr lang="ja-JP" altLang="en-US"/>
+            </a:p>
+          </p:txBody>
+        </p:sp>
+        <p:sp>
+          <p:nvSpPr>
+            <p:cNvPr id="23" name="Oval 51">
+              <a:extLst>
+                <a:ext uri="{FF2B5EF4-FFF2-40B4-BE49-F238E27FC236}">
+                  <a16:creationId xmlns:a16="http://schemas.microsoft.com/office/drawing/2014/main" xmlns="" id="{DD6D435C-0F60-4629-BD94-54821F2DE884}"/>
+                </a:ext>
+              </a:extLst>
+            </p:cNvPr>
+            <p:cNvSpPr>
+              <a:spLocks noChangeArrowheads="1"/>
+            </p:cNvSpPr>
+            <p:nvPr/>
+          </p:nvSpPr>
+          <p:spPr bwMode="auto">
+            <a:xfrm>
+              <a:off x="5054" y="635"/>
+              <a:ext cx="817" cy="817"/>
+            </a:xfrm>
+            <a:prstGeom prst="ellipse">
+              <a:avLst/>
+            </a:prstGeom>
+            <a:gradFill rotWithShape="1">
+              <a:gsLst>
+                <a:gs pos="0">
+                  <a:srgbClr val="CC0099">
+                    <a:gamma/>
+                    <a:tint val="60392"/>
+                    <a:invGamma/>
+                  </a:srgbClr>
+                </a:gs>
+                <a:gs pos="100000">
+                  <a:srgbClr val="CC0099"/>
+                </a:gs>
+              </a:gsLst>
+              <a:path path="shape">
+                <a:fillToRect l="50000" t="50000" r="50000" b="50000"/>
+              </a:path>
+            </a:gradFill>
+            <a:ln>
+              <a:noFill/>
+            </a:ln>
+            <a:effectLst/>
+            <a:extLst>
+              <a:ext uri="{91240B29-F687-4F45-9708-019B960494DF}">
+                <a14:hiddenLine xmlns:a14="http://schemas.microsoft.com/office/drawing/2010/main" w="9525">
+                  <a:solidFill>
+                    <a:srgbClr val="FF0000"/>
+                  </a:solidFill>
+                  <a:round/>
+                  <a:headEnd/>
+                  <a:tailEnd/>
+                </a14:hiddenLine>
+              </a:ext>
+              <a:ext uri="{AF507438-7753-43E0-B8FC-AC1667EBCBE1}">
+                <a14:hiddenEffects xmlns:a14="http://schemas.microsoft.com/office/drawing/2010/main">
+                  <a:effectLst>
+                    <a:outerShdw dist="35921" dir="2700000" algn="ctr" rotWithShape="0">
+                      <a:schemeClr val="bg2"/>
+                    </a:outerShdw>
+                  </a:effectLst>
+                </a14:hiddenEffects>
+              </a:ext>
+            </a:extLst>
+          </p:spPr>
+          <p:txBody>
+            <a:bodyPr wrap="none" anchor="ctr"/>
+            <a:lstStyle/>
+            <a:p>
+              <a:endParaRPr lang="ja-JP" altLang="en-US"/>
+            </a:p>
+          </p:txBody>
+        </p:sp>
+        <p:sp>
+          <p:nvSpPr>
+            <p:cNvPr id="24" name="Oval 52">
+              <a:extLst>
+                <a:ext uri="{FF2B5EF4-FFF2-40B4-BE49-F238E27FC236}">
+                  <a16:creationId xmlns:a16="http://schemas.microsoft.com/office/drawing/2014/main" xmlns="" id="{2FF6B54B-606C-4B88-AD79-E1531E472EED}"/>
+                </a:ext>
+              </a:extLst>
+            </p:cNvPr>
+            <p:cNvSpPr>
+              <a:spLocks noChangeArrowheads="1"/>
+            </p:cNvSpPr>
+            <p:nvPr/>
+          </p:nvSpPr>
+          <p:spPr bwMode="auto">
+            <a:xfrm>
+              <a:off x="5326" y="680"/>
+              <a:ext cx="454" cy="454"/>
+            </a:xfrm>
+            <a:prstGeom prst="ellipse">
+              <a:avLst/>
+            </a:prstGeom>
+            <a:gradFill rotWithShape="1">
+              <a:gsLst>
+                <a:gs pos="0">
+                  <a:schemeClr val="bg1">
+                    <a:alpha val="60001"/>
+                  </a:schemeClr>
+                </a:gs>
+                <a:gs pos="100000">
+                  <a:schemeClr val="bg1">
+                    <a:gamma/>
+                    <a:shade val="46275"/>
+                    <a:invGamma/>
+                    <a:alpha val="0"/>
+                  </a:schemeClr>
+                </a:gs>
+              </a:gsLst>
+              <a:path path="shape">
+                <a:fillToRect l="50000" t="50000" r="50000" b="50000"/>
+              </a:path>
+            </a:gradFill>
+            <a:ln>
+              <a:noFill/>
+            </a:ln>
+            <a:effectLst/>
+            <a:extLst>
+              <a:ext uri="{91240B29-F687-4F45-9708-019B960494DF}">
+                <a14:hiddenLine xmlns:a14="http://schemas.microsoft.com/office/drawing/2010/main" w="9525">
+                  <a:solidFill>
+                    <a:srgbClr val="FF0000"/>
+                  </a:solidFill>
+                  <a:round/>
+                  <a:headEnd/>
+                  <a:tailEnd/>
+                </a14:hiddenLine>
+              </a:ext>
+              <a:ext uri="{AF507438-7753-43E0-B8FC-AC1667EBCBE1}">
+                <a14:hiddenEffects xmlns:a14="http://schemas.microsoft.com/office/drawing/2010/main">
+                  <a:effectLst>
+                    <a:outerShdw dist="35921" dir="2700000" algn="ctr" rotWithShape="0">
+                      <a:schemeClr val="bg2"/>
+                    </a:outerShdw>
+                  </a:effectLst>
+                </a14:hiddenEffects>
+              </a:ext>
+            </a:extLst>
+          </p:spPr>
+          <p:txBody>
+            <a:bodyPr wrap="none" anchor="ctr"/>
+            <a:lstStyle/>
+            <a:p>
+              <a:endParaRPr lang="ja-JP" altLang="en-US"/>
+            </a:p>
+          </p:txBody>
+        </p:sp>
+        <p:sp>
+          <p:nvSpPr>
+            <p:cNvPr id="25" name="Freeform 54">
+              <a:extLst>
+                <a:ext uri="{FF2B5EF4-FFF2-40B4-BE49-F238E27FC236}">
+                  <a16:creationId xmlns:a16="http://schemas.microsoft.com/office/drawing/2014/main" xmlns="" id="{11B4C9EE-AFBE-4B95-89C4-2D73C9A5311C}"/>
+                </a:ext>
+              </a:extLst>
+            </p:cNvPr>
+            <p:cNvSpPr>
+              <a:spLocks/>
+            </p:cNvSpPr>
+            <p:nvPr/>
+          </p:nvSpPr>
+          <p:spPr bwMode="auto">
+            <a:xfrm rot="2700000">
+              <a:off x="5207" y="935"/>
+              <a:ext cx="182" cy="182"/>
+            </a:xfrm>
+            <a:custGeom>
+              <a:avLst/>
+              <a:gdLst>
+                <a:gd name="T0" fmla="*/ 272 w 726"/>
+                <a:gd name="T1" fmla="*/ 0 h 726"/>
+                <a:gd name="T2" fmla="*/ 272 w 726"/>
+                <a:gd name="T3" fmla="*/ 272 h 726"/>
+                <a:gd name="T4" fmla="*/ 0 w 726"/>
+                <a:gd name="T5" fmla="*/ 272 h 726"/>
+                <a:gd name="T6" fmla="*/ 0 w 726"/>
+                <a:gd name="T7" fmla="*/ 453 h 726"/>
+                <a:gd name="T8" fmla="*/ 272 w 726"/>
+                <a:gd name="T9" fmla="*/ 453 h 726"/>
+                <a:gd name="T10" fmla="*/ 272 w 726"/>
+                <a:gd name="T11" fmla="*/ 726 h 726"/>
+                <a:gd name="T12" fmla="*/ 454 w 726"/>
+                <a:gd name="T13" fmla="*/ 726 h 726"/>
+                <a:gd name="T14" fmla="*/ 454 w 726"/>
+                <a:gd name="T15" fmla="*/ 453 h 726"/>
+                <a:gd name="T16" fmla="*/ 726 w 726"/>
+                <a:gd name="T17" fmla="*/ 453 h 726"/>
+                <a:gd name="T18" fmla="*/ 726 w 726"/>
+                <a:gd name="T19" fmla="*/ 272 h 726"/>
+                <a:gd name="T20" fmla="*/ 454 w 726"/>
+                <a:gd name="T21" fmla="*/ 272 h 726"/>
+                <a:gd name="T22" fmla="*/ 454 w 726"/>
+                <a:gd name="T23" fmla="*/ 0 h 726"/>
+                <a:gd name="T24" fmla="*/ 272 w 726"/>
+                <a:gd name="T25" fmla="*/ 0 h 726"/>
+              </a:gdLst>
+              <a:ahLst/>
+              <a:cxnLst>
+                <a:cxn ang="0">
+                  <a:pos x="T0" y="T1"/>
+                </a:cxn>
+                <a:cxn ang="0">
+                  <a:pos x="T2" y="T3"/>
+                </a:cxn>
+                <a:cxn ang="0">
+                  <a:pos x="T4" y="T5"/>
+                </a:cxn>
+                <a:cxn ang="0">
+                  <a:pos x="T6" y="T7"/>
+                </a:cxn>
+                <a:cxn ang="0">
+                  <a:pos x="T8" y="T9"/>
+                </a:cxn>
+                <a:cxn ang="0">
+                  <a:pos x="T10" y="T11"/>
+                </a:cxn>
+                <a:cxn ang="0">
+                  <a:pos x="T12" y="T13"/>
+                </a:cxn>
+                <a:cxn ang="0">
+                  <a:pos x="T14" y="T15"/>
+                </a:cxn>
+                <a:cxn ang="0">
+                  <a:pos x="T16" y="T17"/>
+                </a:cxn>
+                <a:cxn ang="0">
+                  <a:pos x="T18" y="T19"/>
+                </a:cxn>
+                <a:cxn ang="0">
+                  <a:pos x="T20" y="T21"/>
+                </a:cxn>
+                <a:cxn ang="0">
+                  <a:pos x="T22" y="T23"/>
+                </a:cxn>
+                <a:cxn ang="0">
+                  <a:pos x="T24" y="T25"/>
+                </a:cxn>
+              </a:cxnLst>
+              <a:rect l="0" t="0" r="r" b="b"/>
+              <a:pathLst>
+                <a:path w="726" h="726">
+                  <a:moveTo>
+                    <a:pt x="272" y="0"/>
+                  </a:moveTo>
+                  <a:lnTo>
+                    <a:pt x="272" y="272"/>
+                  </a:lnTo>
+                  <a:lnTo>
+                    <a:pt x="0" y="272"/>
+                  </a:lnTo>
+                  <a:lnTo>
+                    <a:pt x="0" y="453"/>
+                  </a:lnTo>
+                  <a:lnTo>
+                    <a:pt x="272" y="453"/>
+                  </a:lnTo>
+                  <a:lnTo>
+                    <a:pt x="272" y="726"/>
+                  </a:lnTo>
+                  <a:lnTo>
+                    <a:pt x="454" y="726"/>
+                  </a:lnTo>
+                  <a:lnTo>
+                    <a:pt x="454" y="453"/>
+                  </a:lnTo>
+                  <a:lnTo>
+                    <a:pt x="726" y="453"/>
+                  </a:lnTo>
+                  <a:lnTo>
+                    <a:pt x="726" y="272"/>
+                  </a:lnTo>
+                  <a:lnTo>
+                    <a:pt x="454" y="272"/>
+                  </a:lnTo>
+                  <a:lnTo>
+                    <a:pt x="454" y="0"/>
+                  </a:lnTo>
+                  <a:lnTo>
+                    <a:pt x="272" y="0"/>
+                  </a:lnTo>
+                  <a:close/>
+                </a:path>
+              </a:pathLst>
+            </a:custGeom>
+            <a:solidFill>
+              <a:schemeClr val="tx1"/>
+            </a:solidFill>
+            <a:ln>
+              <a:noFill/>
+            </a:ln>
+            <a:effectLst/>
+            <a:extLst>
+              <a:ext uri="{91240B29-F687-4F45-9708-019B960494DF}">
+                <a14:hiddenLine xmlns:a14="http://schemas.microsoft.com/office/drawing/2010/main" w="9525" cap="flat" cmpd="sng">
+                  <a:solidFill>
+                    <a:srgbClr val="FF0000"/>
+                  </a:solidFill>
+                  <a:prstDash val="solid"/>
+                  <a:round/>
+                  <a:headEnd/>
+                  <a:tailEnd/>
+                </a14:hiddenLine>
+              </a:ext>
+              <a:ext uri="{AF507438-7753-43E0-B8FC-AC1667EBCBE1}">
+                <a14:hiddenEffects xmlns:a14="http://schemas.microsoft.com/office/drawing/2010/main">
+                  <a:effectLst>
+                    <a:outerShdw dist="35921" dir="2700000" algn="ctr" rotWithShape="0">
+                      <a:schemeClr val="bg2"/>
+                    </a:outerShdw>
+                  </a:effectLst>
+                </a14:hiddenEffects>
+              </a:ext>
+            </a:extLst>
+          </p:spPr>
+          <p:txBody>
+            <a:bodyPr/>
+            <a:lstStyle/>
+            <a:p>
+              <a:endParaRPr lang="ja-JP" altLang="en-US"/>
+            </a:p>
+          </p:txBody>
+        </p:sp>
+        <p:sp>
+          <p:nvSpPr>
+            <p:cNvPr id="26" name="Freeform 55">
+              <a:extLst>
+                <a:ext uri="{FF2B5EF4-FFF2-40B4-BE49-F238E27FC236}">
+                  <a16:creationId xmlns:a16="http://schemas.microsoft.com/office/drawing/2014/main" xmlns="" id="{61FD8900-59DC-4DF8-9E0F-FA65E3D087D7}"/>
+                </a:ext>
+              </a:extLst>
+            </p:cNvPr>
+            <p:cNvSpPr>
+              <a:spLocks/>
+            </p:cNvSpPr>
+            <p:nvPr/>
+          </p:nvSpPr>
+          <p:spPr bwMode="auto">
+            <a:xfrm rot="2700000">
+              <a:off x="5524" y="935"/>
+              <a:ext cx="182" cy="182"/>
+            </a:xfrm>
+            <a:custGeom>
+              <a:avLst/>
+              <a:gdLst>
+                <a:gd name="T0" fmla="*/ 272 w 726"/>
+                <a:gd name="T1" fmla="*/ 0 h 726"/>
+                <a:gd name="T2" fmla="*/ 272 w 726"/>
+                <a:gd name="T3" fmla="*/ 272 h 726"/>
+                <a:gd name="T4" fmla="*/ 0 w 726"/>
+                <a:gd name="T5" fmla="*/ 272 h 726"/>
+                <a:gd name="T6" fmla="*/ 0 w 726"/>
+                <a:gd name="T7" fmla="*/ 453 h 726"/>
+                <a:gd name="T8" fmla="*/ 272 w 726"/>
+                <a:gd name="T9" fmla="*/ 453 h 726"/>
+                <a:gd name="T10" fmla="*/ 272 w 726"/>
+                <a:gd name="T11" fmla="*/ 726 h 726"/>
+                <a:gd name="T12" fmla="*/ 454 w 726"/>
+                <a:gd name="T13" fmla="*/ 726 h 726"/>
+                <a:gd name="T14" fmla="*/ 454 w 726"/>
+                <a:gd name="T15" fmla="*/ 453 h 726"/>
+                <a:gd name="T16" fmla="*/ 726 w 726"/>
+                <a:gd name="T17" fmla="*/ 453 h 726"/>
+                <a:gd name="T18" fmla="*/ 726 w 726"/>
+                <a:gd name="T19" fmla="*/ 272 h 726"/>
+                <a:gd name="T20" fmla="*/ 454 w 726"/>
+                <a:gd name="T21" fmla="*/ 272 h 726"/>
+                <a:gd name="T22" fmla="*/ 454 w 726"/>
+                <a:gd name="T23" fmla="*/ 0 h 726"/>
+                <a:gd name="T24" fmla="*/ 272 w 726"/>
+                <a:gd name="T25" fmla="*/ 0 h 726"/>
+              </a:gdLst>
+              <a:ahLst/>
+              <a:cxnLst>
+                <a:cxn ang="0">
+                  <a:pos x="T0" y="T1"/>
+                </a:cxn>
+                <a:cxn ang="0">
+                  <a:pos x="T2" y="T3"/>
+                </a:cxn>
+                <a:cxn ang="0">
+                  <a:pos x="T4" y="T5"/>
+                </a:cxn>
+                <a:cxn ang="0">
+                  <a:pos x="T6" y="T7"/>
+                </a:cxn>
+                <a:cxn ang="0">
+                  <a:pos x="T8" y="T9"/>
+                </a:cxn>
+                <a:cxn ang="0">
+                  <a:pos x="T10" y="T11"/>
+                </a:cxn>
+                <a:cxn ang="0">
+                  <a:pos x="T12" y="T13"/>
+                </a:cxn>
+                <a:cxn ang="0">
+                  <a:pos x="T14" y="T15"/>
+                </a:cxn>
+                <a:cxn ang="0">
+                  <a:pos x="T16" y="T17"/>
+                </a:cxn>
+                <a:cxn ang="0">
+                  <a:pos x="T18" y="T19"/>
+                </a:cxn>
+                <a:cxn ang="0">
+                  <a:pos x="T20" y="T21"/>
+                </a:cxn>
+                <a:cxn ang="0">
+                  <a:pos x="T22" y="T23"/>
+                </a:cxn>
+                <a:cxn ang="0">
+                  <a:pos x="T24" y="T25"/>
+                </a:cxn>
+              </a:cxnLst>
+              <a:rect l="0" t="0" r="r" b="b"/>
+              <a:pathLst>
+                <a:path w="726" h="726">
+                  <a:moveTo>
+                    <a:pt x="272" y="0"/>
+                  </a:moveTo>
+                  <a:lnTo>
+                    <a:pt x="272" y="272"/>
+                  </a:lnTo>
+                  <a:lnTo>
+                    <a:pt x="0" y="272"/>
+                  </a:lnTo>
+                  <a:lnTo>
+                    <a:pt x="0" y="453"/>
+                  </a:lnTo>
+                  <a:lnTo>
+                    <a:pt x="272" y="453"/>
+                  </a:lnTo>
+                  <a:lnTo>
+                    <a:pt x="272" y="726"/>
+                  </a:lnTo>
+                  <a:lnTo>
+                    <a:pt x="454" y="726"/>
+                  </a:lnTo>
+                  <a:lnTo>
+                    <a:pt x="454" y="453"/>
+                  </a:lnTo>
+                  <a:lnTo>
+                    <a:pt x="726" y="453"/>
+                  </a:lnTo>
+                  <a:lnTo>
+                    <a:pt x="726" y="272"/>
+                  </a:lnTo>
+                  <a:lnTo>
+                    <a:pt x="454" y="272"/>
+                  </a:lnTo>
+                  <a:lnTo>
+                    <a:pt x="454" y="0"/>
+                  </a:lnTo>
+                  <a:lnTo>
+                    <a:pt x="272" y="0"/>
+                  </a:lnTo>
+                  <a:close/>
+                </a:path>
+              </a:pathLst>
+            </a:custGeom>
+            <a:solidFill>
+              <a:schemeClr val="tx1"/>
+            </a:solidFill>
+            <a:ln>
+              <a:noFill/>
+            </a:ln>
+            <a:effectLst/>
+            <a:extLst>
+              <a:ext uri="{91240B29-F687-4F45-9708-019B960494DF}">
+                <a14:hiddenLine xmlns:a14="http://schemas.microsoft.com/office/drawing/2010/main" w="9525" cap="flat" cmpd="sng">
+                  <a:solidFill>
+                    <a:srgbClr val="FF0000"/>
+                  </a:solidFill>
+                  <a:prstDash val="solid"/>
+                  <a:round/>
+                  <a:headEnd/>
+                  <a:tailEnd/>
+                </a14:hiddenLine>
+              </a:ext>
+              <a:ext uri="{AF507438-7753-43E0-B8FC-AC1667EBCBE1}">
+                <a14:hiddenEffects xmlns:a14="http://schemas.microsoft.com/office/drawing/2010/main">
+                  <a:effectLst>
+                    <a:outerShdw dist="35921" dir="2700000" algn="ctr" rotWithShape="0">
+                      <a:schemeClr val="bg2"/>
+                    </a:outerShdw>
+                  </a:effectLst>
+                </a14:hiddenEffects>
+              </a:ext>
+            </a:extLst>
+          </p:spPr>
+          <p:txBody>
+            <a:bodyPr/>
+            <a:lstStyle/>
+            <a:p>
+              <a:endParaRPr lang="ja-JP" altLang="en-US"/>
+            </a:p>
+          </p:txBody>
+        </p:sp>
+        <p:sp>
+          <p:nvSpPr>
+            <p:cNvPr id="27" name="AutoShape 59">
+              <a:extLst>
+                <a:ext uri="{FF2B5EF4-FFF2-40B4-BE49-F238E27FC236}">
+                  <a16:creationId xmlns:a16="http://schemas.microsoft.com/office/drawing/2014/main" xmlns="" id="{8725B85B-EFDB-41AA-BF87-5BA5E80973EF}"/>
+                </a:ext>
+              </a:extLst>
+            </p:cNvPr>
+            <p:cNvSpPr>
+              <a:spLocks noChangeArrowheads="1"/>
+            </p:cNvSpPr>
+            <p:nvPr/>
+          </p:nvSpPr>
+          <p:spPr bwMode="auto">
+            <a:xfrm rot="27000000">
+              <a:off x="5456" y="1049"/>
+              <a:ext cx="45" cy="453"/>
+            </a:xfrm>
+            <a:prstGeom prst="moon">
+              <a:avLst>
+                <a:gd name="adj" fmla="val 33329"/>
+              </a:avLst>
+            </a:prstGeom>
+            <a:solidFill>
+              <a:srgbClr val="000000"/>
+            </a:solidFill>
+            <a:ln>
+              <a:noFill/>
+            </a:ln>
+            <a:effectLst/>
+            <a:extLst>
+              <a:ext uri="{91240B29-F687-4F45-9708-019B960494DF}">
+                <a14:hiddenLine xmlns:a14="http://schemas.microsoft.com/office/drawing/2010/main" w="9525">
+                  <a:solidFill>
+                    <a:srgbClr val="FF0000"/>
+                  </a:solidFill>
+                  <a:miter lim="800000"/>
+                  <a:headEnd/>
+                  <a:tailEnd/>
+                </a14:hiddenLine>
+              </a:ext>
+              <a:ext uri="{AF507438-7753-43E0-B8FC-AC1667EBCBE1}">
+                <a14:hiddenEffects xmlns:a14="http://schemas.microsoft.com/office/drawing/2010/main">
+                  <a:effectLst>
+                    <a:outerShdw dist="35921" dir="2700000" algn="ctr" rotWithShape="0">
+                      <a:schemeClr val="bg2"/>
+                    </a:outerShdw>
+                  </a:effectLst>
+                </a14:hiddenEffects>
+              </a:ext>
+            </a:extLst>
+          </p:spPr>
+          <p:txBody>
+            <a:bodyPr wrap="none" anchor="ctr"/>
+            <a:lstStyle/>
+            <a:p>
+              <a:endParaRPr lang="ja-JP" altLang="en-US"/>
+            </a:p>
+          </p:txBody>
+        </p:sp>
+      </p:grpSp>
       <p:sp>
         <p:nvSpPr>
-          <p:cNvPr id="21" name="正方形/長方形 20"/>
+          <p:cNvPr id="28" name="正方形/長方形 27"/>
           <p:cNvSpPr/>
           <p:nvPr/>
         </p:nvSpPr>
         <p:spPr bwMode="auto">
           <a:xfrm>
-            <a:off x="2098231" y="1043709"/>
-            <a:ext cx="4261005" cy="3517899"/>
+            <a:off x="2306741" y="973609"/>
+            <a:ext cx="4415993" cy="702951"/>
+          </a:xfrm>
+          <a:prstGeom prst="rect">
+            <a:avLst/>
+          </a:prstGeom>
+          <a:noFill/>
+          <a:ln>
+            <a:solidFill>
+              <a:schemeClr val="accent1"/>
+            </a:solidFill>
+          </a:ln>
+          <a:effectLst/>
+          <a:extLst/>
+        </p:spPr>
+        <p:txBody>
+          <a:bodyPr rot="0" spcFirstLastPara="0" vertOverflow="overflow" horzOverflow="overflow" vert="horz" wrap="square" lIns="91440" tIns="45720" rIns="91440" bIns="45720" numCol="1" spcCol="0" rtlCol="0" fromWordArt="0" anchor="ctr" anchorCtr="0" forceAA="0" compatLnSpc="1">
+            <a:prstTxWarp prst="textNoShape">
+              <a:avLst/>
+            </a:prstTxWarp>
+            <a:noAutofit/>
+          </a:bodyPr>
+          <a:lstStyle/>
+          <a:p>
+            <a:r>
+              <a:rPr kumimoji="1" lang="ja-JP" altLang="en-US" b="1" dirty="0" smtClean="0">
+                <a:latin typeface="+mj-ea"/>
+                <a:ea typeface="+mj-ea"/>
+              </a:rPr>
+              <a:t>誰かの成果を使って、楽にした。</a:t>
+            </a:r>
+            <a:endParaRPr kumimoji="1" lang="ja-JP" altLang="en-US" b="1" dirty="0">
+              <a:latin typeface="+mj-ea"/>
+              <a:ea typeface="+mj-ea"/>
+            </a:endParaRPr>
+          </a:p>
+        </p:txBody>
+      </p:sp>
+      <p:sp>
+        <p:nvSpPr>
+          <p:cNvPr id="29" name="正方形/長方形 28"/>
+          <p:cNvSpPr/>
+          <p:nvPr/>
+        </p:nvSpPr>
+        <p:spPr bwMode="auto">
+          <a:xfrm>
+            <a:off x="2324755" y="2289791"/>
+            <a:ext cx="4397980" cy="2396509"/>
           </a:xfrm>
           <a:prstGeom prst="rect">
             <a:avLst/>
@@ -10816,31 +12076,37 @@
           <a:lstStyle/>
           <a:p>
             <a:r>
+              <a:rPr lang="ja-JP" altLang="en-US" b="1" dirty="0" smtClean="0">
+                <a:solidFill>
+                  <a:srgbClr val="FF0000"/>
+                </a:solidFill>
+                <a:latin typeface="+mj-ea"/>
+              </a:rPr>
+              <a:t>自分から問題を発見し、ツールを作って、みんなを</a:t>
+            </a:r>
+            <a:r>
+              <a:rPr lang="ja-JP" altLang="en-US" b="1" dirty="0" err="1" smtClean="0">
+                <a:solidFill>
+                  <a:srgbClr val="FF0000"/>
+                </a:solidFill>
+                <a:latin typeface="+mj-ea"/>
+              </a:rPr>
+              <a:t>楽させた</a:t>
+            </a:r>
+            <a:r>
               <a:rPr lang="ja-JP" altLang="en-US" b="1" dirty="0">
                 <a:solidFill>
-                  <a:srgbClr val="0000CC"/>
+                  <a:srgbClr val="FF0000"/>
                 </a:solidFill>
                 <a:latin typeface="+mj-ea"/>
-                <a:ea typeface="+mj-ea"/>
               </a:rPr>
-              <a:t>②</a:t>
-            </a:r>
-            <a:r>
-              <a:rPr lang="ja-JP" altLang="en-US" b="1" dirty="0" smtClean="0">
-                <a:solidFill>
-                  <a:srgbClr val="FF0000"/>
-                </a:solidFill>
-                <a:latin typeface="+mj-ea"/>
-                <a:ea typeface="+mj-ea"/>
-              </a:rPr>
-              <a:t>対応できる範囲が広い、</a:t>
-            </a:r>
-            <a:endParaRPr lang="en-US" altLang="ja-JP" b="1" dirty="0" smtClean="0">
+              <a:t>。</a:t>
+            </a:r>
+            <a:endParaRPr lang="en-US" altLang="ja-JP" b="1" dirty="0">
               <a:solidFill>
                 <a:srgbClr val="FF0000"/>
               </a:solidFill>
               <a:latin typeface="+mj-ea"/>
-              <a:ea typeface="+mj-ea"/>
             </a:endParaRPr>
           </a:p>
           <a:p>
@@ -10850,56 +12116,14 @@
                   <a:srgbClr val="FF0000"/>
                 </a:solidFill>
                 <a:latin typeface="+mj-ea"/>
-                <a:ea typeface="+mj-ea"/>
               </a:rPr>
-              <a:t>　</a:t>
-            </a:r>
-            <a:r>
-              <a:rPr lang="ja-JP" altLang="en-US" b="1" dirty="0" smtClean="0">
-                <a:solidFill>
-                  <a:srgbClr val="FF0000"/>
-                </a:solidFill>
-                <a:latin typeface="+mj-ea"/>
-                <a:ea typeface="+mj-ea"/>
-              </a:rPr>
-              <a:t>画面、</a:t>
-            </a:r>
-            <a:r>
-              <a:rPr lang="en-US" altLang="ja-JP" b="1" dirty="0" smtClean="0">
-                <a:solidFill>
-                  <a:srgbClr val="FF0000"/>
-                </a:solidFill>
-                <a:latin typeface="+mj-ea"/>
-                <a:ea typeface="+mj-ea"/>
-              </a:rPr>
-              <a:t>API</a:t>
-            </a:r>
-            <a:r>
-              <a:rPr lang="ja-JP" altLang="en-US" b="1" dirty="0" err="1" smtClean="0">
-                <a:solidFill>
-                  <a:srgbClr val="FF0000"/>
-                </a:solidFill>
-                <a:latin typeface="+mj-ea"/>
-                <a:ea typeface="+mj-ea"/>
-              </a:rPr>
-              <a:t>、</a:t>
-            </a:r>
-            <a:r>
-              <a:rPr lang="ja-JP" altLang="en-US" b="1" dirty="0" smtClean="0">
-                <a:solidFill>
-                  <a:srgbClr val="FF0000"/>
-                </a:solidFill>
-                <a:latin typeface="+mj-ea"/>
-                <a:ea typeface="+mj-ea"/>
-              </a:rPr>
-              <a:t>バッチ</a:t>
-            </a:r>
-            <a:endParaRPr lang="en-US" altLang="ja-JP" b="1" dirty="0" smtClean="0">
+              <a:t>　事績：</a:t>
+            </a:r>
+            <a:endParaRPr lang="en-US" altLang="ja-JP" b="1" dirty="0">
               <a:solidFill>
                 <a:srgbClr val="FF0000"/>
               </a:solidFill>
               <a:latin typeface="+mj-ea"/>
-              <a:ea typeface="+mj-ea"/>
             </a:endParaRPr>
           </a:p>
           <a:p>
@@ -10909,16 +12133,66 @@
                   <a:srgbClr val="FF0000"/>
                 </a:solidFill>
                 <a:latin typeface="+mj-ea"/>
-                <a:ea typeface="+mj-ea"/>
               </a:rPr>
-              <a:t>　</a:t>
-            </a:r>
-            <a:endParaRPr lang="en-US" altLang="ja-JP" b="1" dirty="0" smtClean="0">
+              <a:t>　 ①バッチ集信ファイル作成ツール</a:t>
+            </a:r>
+            <a:endParaRPr lang="en-US" altLang="ja-JP" b="1" dirty="0">
               <a:solidFill>
                 <a:srgbClr val="FF0000"/>
               </a:solidFill>
               <a:latin typeface="+mj-ea"/>
-              <a:ea typeface="+mj-ea"/>
+            </a:endParaRPr>
+          </a:p>
+          <a:p>
+            <a:r>
+              <a:rPr lang="ja-JP" altLang="en-US" b="1" dirty="0">
+                <a:solidFill>
+                  <a:srgbClr val="FF0000"/>
+                </a:solidFill>
+                <a:latin typeface="+mj-ea"/>
+              </a:rPr>
+              <a:t>　 ②集計ツール</a:t>
+            </a:r>
+            <a:endParaRPr lang="en-US" altLang="ja-JP" b="1" dirty="0">
+              <a:solidFill>
+                <a:srgbClr val="FF0000"/>
+              </a:solidFill>
+              <a:latin typeface="+mj-ea"/>
+            </a:endParaRPr>
+          </a:p>
+          <a:p>
+            <a:r>
+              <a:rPr lang="ja-JP" altLang="en-US" b="1" dirty="0">
+                <a:solidFill>
+                  <a:srgbClr val="FF0000"/>
+                </a:solidFill>
+                <a:latin typeface="+mj-ea"/>
+              </a:rPr>
+              <a:t>　 ③性能測定メモリと</a:t>
+            </a:r>
+            <a:r>
+              <a:rPr lang="en-US" altLang="ja-JP" b="1" dirty="0">
+                <a:solidFill>
+                  <a:srgbClr val="FF0000"/>
+                </a:solidFill>
+                <a:latin typeface="+mj-ea"/>
+              </a:rPr>
+              <a:t>CPU</a:t>
+            </a:r>
+            <a:r>
+              <a:rPr lang="ja-JP" altLang="en-US" b="1" dirty="0">
+                <a:solidFill>
+                  <a:srgbClr val="FF0000"/>
+                </a:solidFill>
+                <a:latin typeface="+mj-ea"/>
+              </a:rPr>
+              <a:t>計測ツール</a:t>
+            </a:r>
+            <a:endParaRPr lang="en-US" altLang="ja-JP" b="1" dirty="0">
+              <a:solidFill>
+                <a:srgbClr val="FF0000"/>
+              </a:solidFill>
+              <a:latin typeface="+mj-ea"/>
             </a:endParaRPr>
           </a:p>
         </p:txBody>
@@ -10926,7 +12200,200 @@
     </p:spTree>
     <p:extLst>
       <p:ext uri="{BB962C8B-B14F-4D97-AF65-F5344CB8AC3E}">
-        <p14:creationId xmlns:p14="http://schemas.microsoft.com/office/powerpoint/2010/main" val="1226199559"/>
+        <p14:creationId xmlns:p14="http://schemas.microsoft.com/office/powerpoint/2010/main" val="867382963"/>
+      </p:ext>
+    </p:extLst>
+  </p:cSld>
+  <p:clrMapOvr>
+    <a:masterClrMapping/>
+  </p:clrMapOvr>
+  <p:timing>
+    <p:tnLst>
+      <p:par>
+        <p:cTn id="1" dur="indefinite" restart="never" nodeType="tmRoot"/>
+      </p:par>
+    </p:tnLst>
+  </p:timing>
+</p:sld>
+</file>
+
+<file path=ppt/slides/slide6.xml><?xml version="1.0" encoding="utf-8"?>
+<p:sld xmlns:a="http://schemas.openxmlformats.org/drawingml/2006/main" xmlns:r="http://schemas.openxmlformats.org/officeDocument/2006/relationships" xmlns:p="http://schemas.openxmlformats.org/presentationml/2006/main">
+  <p:cSld>
+    <p:spTree>
+      <p:nvGrpSpPr>
+        <p:cNvPr id="1" name=""/>
+        <p:cNvGrpSpPr/>
+        <p:nvPr/>
+      </p:nvGrpSpPr>
+      <p:grpSpPr>
+        <a:xfrm>
+          <a:off x="0" y="0"/>
+          <a:ext cx="0" cy="0"/>
+          <a:chOff x="0" y="0"/>
+          <a:chExt cx="0" cy="0"/>
+        </a:xfrm>
+      </p:grpSpPr>
+      <p:pic>
+        <p:nvPicPr>
+          <p:cNvPr id="4" name="図 3"/>
+          <p:cNvPicPr>
+            <a:picLocks noChangeAspect="1"/>
+          </p:cNvPicPr>
+          <p:nvPr/>
+        </p:nvPicPr>
+        <p:blipFill>
+          <a:blip r:embed="rId2"/>
+          <a:stretch>
+            <a:fillRect/>
+          </a:stretch>
+        </p:blipFill>
+        <p:spPr>
+          <a:xfrm>
+            <a:off x="1885853" y="811006"/>
+            <a:ext cx="3527812" cy="1889716"/>
+          </a:xfrm>
+          <a:prstGeom prst="rect">
+            <a:avLst/>
+          </a:prstGeom>
+        </p:spPr>
+      </p:pic>
+      <p:sp>
+        <p:nvSpPr>
+          <p:cNvPr id="5" name="タイトル 1"/>
+          <p:cNvSpPr>
+            <a:spLocks noGrp="1"/>
+          </p:cNvSpPr>
+          <p:nvPr>
+            <p:ph type="title"/>
+          </p:nvPr>
+        </p:nvSpPr>
+        <p:spPr>
+          <a:xfrm>
+            <a:off x="1052735" y="389395"/>
+            <a:ext cx="5670000" cy="405683"/>
+          </a:xfrm>
+        </p:spPr>
+        <p:txBody>
+          <a:bodyPr/>
+          <a:lstStyle/>
+          <a:p>
+            <a:r>
+              <a:rPr lang="ja-JP" altLang="en-US" sz="2400" dirty="0">
+                <a:solidFill>
+                  <a:schemeClr val="accent6">
+                    <a:lumMod val="50000"/>
+                    <a:lumOff val="50000"/>
+                  </a:schemeClr>
+                </a:solidFill>
+                <a:latin typeface="+mn-ea"/>
+              </a:rPr>
+              <a:t>進化</a:t>
+            </a:r>
+            <a:r>
+              <a:rPr lang="ja-JP" altLang="en-US" sz="2400" dirty="0" smtClean="0">
+                <a:solidFill>
+                  <a:schemeClr val="accent6">
+                    <a:lumMod val="50000"/>
+                    <a:lumOff val="50000"/>
+                  </a:schemeClr>
+                </a:solidFill>
+                <a:latin typeface="+mn-ea"/>
+              </a:rPr>
+              <a:t>の</a:t>
+            </a:r>
+            <a:r>
+              <a:rPr lang="ja-JP" altLang="en-US" sz="2400" dirty="0" smtClean="0">
+                <a:solidFill>
+                  <a:schemeClr val="accent6">
+                    <a:lumMod val="50000"/>
+                    <a:lumOff val="50000"/>
+                  </a:schemeClr>
+                </a:solidFill>
+                <a:latin typeface="+mn-ea"/>
+              </a:rPr>
+              <a:t>自分</a:t>
+            </a:r>
+            <a:r>
+              <a:rPr lang="en-US" altLang="ja-JP" sz="2400" dirty="0" smtClean="0">
+                <a:solidFill>
+                  <a:schemeClr val="accent6">
+                    <a:lumMod val="50000"/>
+                    <a:lumOff val="50000"/>
+                  </a:schemeClr>
+                </a:solidFill>
+                <a:latin typeface="+mn-ea"/>
+              </a:rPr>
+              <a:t>-</a:t>
+            </a:r>
+            <a:r>
+              <a:rPr lang="ja-JP" altLang="en-US" sz="2400" dirty="0" smtClean="0">
+                <a:solidFill>
+                  <a:schemeClr val="accent6">
+                    <a:lumMod val="50000"/>
+                    <a:lumOff val="50000"/>
+                  </a:schemeClr>
+                </a:solidFill>
+                <a:latin typeface="+mn-ea"/>
+              </a:rPr>
+              <a:t>技術</a:t>
+            </a:r>
+            <a:r>
+              <a:rPr lang="ja-JP" altLang="en-US" sz="2400" dirty="0" smtClean="0">
+                <a:solidFill>
+                  <a:schemeClr val="accent6">
+                    <a:lumMod val="50000"/>
+                    <a:lumOff val="50000"/>
+                  </a:schemeClr>
+                </a:solidFill>
+                <a:latin typeface="+mn-ea"/>
+              </a:rPr>
+              <a:t>で</a:t>
+            </a:r>
+            <a:r>
+              <a:rPr lang="ja-JP" altLang="en-US" sz="2400" dirty="0" smtClean="0">
+                <a:solidFill>
+                  <a:schemeClr val="accent6">
+                    <a:lumMod val="50000"/>
+                    <a:lumOff val="50000"/>
+                  </a:schemeClr>
+                </a:solidFill>
+                <a:latin typeface="+mn-ea"/>
+              </a:rPr>
+              <a:t>みんながハッピー</a:t>
+            </a:r>
+            <a:endParaRPr kumimoji="1" lang="ja-JP" altLang="en-US" sz="2400" dirty="0"/>
+          </a:p>
+        </p:txBody>
+      </p:sp>
+      <p:pic>
+        <p:nvPicPr>
+          <p:cNvPr id="6" name="図 5"/>
+          <p:cNvPicPr>
+            <a:picLocks noChangeAspect="1"/>
+          </p:cNvPicPr>
+          <p:nvPr/>
+        </p:nvPicPr>
+        <p:blipFill>
+          <a:blip r:embed="rId3"/>
+          <a:stretch>
+            <a:fillRect/>
+          </a:stretch>
+        </p:blipFill>
+        <p:spPr>
+          <a:xfrm>
+            <a:off x="1850198" y="2879384"/>
+            <a:ext cx="3584249" cy="1919947"/>
+          </a:xfrm>
+          <a:prstGeom prst="rect">
+            <a:avLst/>
+          </a:prstGeom>
+        </p:spPr>
+      </p:pic>
+    </p:spTree>
+    <p:extLst>
+      <p:ext uri="{BB962C8B-B14F-4D97-AF65-F5344CB8AC3E}">
+        <p14:creationId xmlns:p14="http://schemas.microsoft.com/office/powerpoint/2010/main" val="1150602987"/>
       </p:ext>
     </p:extLst>
   </p:cSld>
@@ -10972,8 +12439,8 @@
         </p:nvSpPr>
         <p:spPr>
           <a:xfrm>
-            <a:off x="1052735" y="481728"/>
-            <a:ext cx="5670000" cy="313350"/>
+            <a:off x="1052735" y="389395"/>
+            <a:ext cx="5670000" cy="405683"/>
           </a:xfrm>
         </p:spPr>
         <p:txBody>
@@ -10981,7 +12448,7 @@
           <a:lstStyle/>
           <a:p>
             <a:r>
-              <a:rPr lang="ja-JP" altLang="en-US" dirty="0">
+              <a:rPr lang="ja-JP" altLang="en-US" sz="2400" dirty="0">
                 <a:solidFill>
                   <a:schemeClr val="accent6">
                     <a:lumMod val="50000"/>
@@ -10993,7 +12460,7 @@
               <a:t>進化</a:t>
             </a:r>
             <a:r>
-              <a:rPr lang="ja-JP" altLang="en-US" dirty="0" smtClean="0">
+              <a:rPr lang="ja-JP" altLang="en-US" sz="2400" dirty="0" smtClean="0">
                 <a:solidFill>
                   <a:schemeClr val="accent6">
                     <a:lumMod val="50000"/>
@@ -11002,10 +12469,10 @@
                 </a:solidFill>
                 <a:latin typeface="+mn-ea"/>
               </a:rPr>
-              <a:t>の自分③</a:t>
-            </a:r>
-            <a:r>
-              <a:rPr lang="en-US" altLang="ja-JP" dirty="0" smtClean="0">
+              <a:t>の</a:t>
+            </a:r>
+            <a:r>
+              <a:rPr lang="ja-JP" altLang="en-US" sz="2400" dirty="0" smtClean="0">
                 <a:solidFill>
                   <a:schemeClr val="accent6">
                     <a:lumMod val="50000"/>
@@ -11014,10 +12481,10 @@
                 </a:solidFill>
                 <a:latin typeface="+mn-ea"/>
               </a:rPr>
-              <a:t>-</a:t>
-            </a:r>
-            <a:r>
-              <a:rPr lang="ja-JP" altLang="en-US" dirty="0" smtClean="0">
+              <a:t>自分</a:t>
+            </a:r>
+            <a:r>
+              <a:rPr lang="en-US" altLang="ja-JP" sz="2400" dirty="0" smtClean="0">
                 <a:solidFill>
                   <a:schemeClr val="accent6">
                     <a:lumMod val="50000"/>
@@ -11026,9 +12493,21 @@
                 </a:solidFill>
                 <a:latin typeface="+mn-ea"/>
               </a:rPr>
-              <a:t>マネジメント</a:t>
-            </a:r>
-            <a:endParaRPr kumimoji="1" lang="ja-JP" altLang="en-US" dirty="0"/>
+              <a:t>-</a:t>
+            </a:r>
+            <a:r>
+              <a:rPr lang="ja-JP" altLang="en-US" sz="2400" dirty="0" smtClean="0">
+                <a:solidFill>
+                  <a:schemeClr val="accent6">
+                    <a:lumMod val="50000"/>
+                    <a:lumOff val="50000"/>
+                  </a:schemeClr>
+                </a:solidFill>
+                <a:latin typeface="+mn-ea"/>
+              </a:rPr>
+              <a:t>マルチ対応</a:t>
+            </a:r>
+            <a:endParaRPr kumimoji="1" lang="ja-JP" altLang="en-US" sz="2400" dirty="0"/>
           </a:p>
         </p:txBody>
       </p:sp>
@@ -11037,7 +12516,7 @@
           <p:cNvPr id="11" name="Group 296">
             <a:extLst>
               <a:ext uri="{FF2B5EF4-FFF2-40B4-BE49-F238E27FC236}">
-                <a16:creationId xmlns="" xmlns:a16="http://schemas.microsoft.com/office/drawing/2014/main" id="{3842FC64-AB39-42D7-A48C-0FE49F99806C}"/>
+                <a16:creationId xmlns:a16="http://schemas.microsoft.com/office/drawing/2014/main" xmlns="" id="{3842FC64-AB39-42D7-A48C-0FE49F99806C}"/>
               </a:ext>
             </a:extLst>
           </p:cNvPr>
@@ -11048,7 +12527,7 @@
         </p:nvGrpSpPr>
         <p:grpSpPr bwMode="auto">
           <a:xfrm>
-            <a:off x="1214776" y="1051322"/>
+            <a:off x="1234107" y="2636016"/>
             <a:ext cx="788463" cy="755574"/>
             <a:chOff x="336" y="601"/>
             <a:chExt cx="850" cy="850"/>
@@ -11059,7 +12538,7 @@
             <p:cNvPr id="12" name="Oval 2">
               <a:extLst>
                 <a:ext uri="{FF2B5EF4-FFF2-40B4-BE49-F238E27FC236}">
-                  <a16:creationId xmlns="" xmlns:a16="http://schemas.microsoft.com/office/drawing/2014/main" id="{9267EE0A-4BA4-4E94-8745-FFA9A06F71A9}"/>
+                  <a16:creationId xmlns:a16="http://schemas.microsoft.com/office/drawing/2014/main" xmlns="" id="{9267EE0A-4BA4-4E94-8745-FFA9A06F71A9}"/>
                 </a:ext>
               </a:extLst>
             </p:cNvPr>
@@ -11118,7 +12597,7 @@
             <p:cNvPr id="13" name="Oval 19">
               <a:extLst>
                 <a:ext uri="{FF2B5EF4-FFF2-40B4-BE49-F238E27FC236}">
-                  <a16:creationId xmlns="" xmlns:a16="http://schemas.microsoft.com/office/drawing/2014/main" id="{CC91C93B-224E-47BB-A4B4-F39EF6BD8070}"/>
+                  <a16:creationId xmlns:a16="http://schemas.microsoft.com/office/drawing/2014/main" xmlns="" id="{CC91C93B-224E-47BB-A4B4-F39EF6BD8070}"/>
                 </a:ext>
               </a:extLst>
             </p:cNvPr>
@@ -11191,7 +12670,7 @@
             <p:cNvPr id="14" name="Oval 20">
               <a:extLst>
                 <a:ext uri="{FF2B5EF4-FFF2-40B4-BE49-F238E27FC236}">
-                  <a16:creationId xmlns="" xmlns:a16="http://schemas.microsoft.com/office/drawing/2014/main" id="{9BD5F5FE-EFD9-4804-9B3B-C6D91AFF363C}"/>
+                  <a16:creationId xmlns:a16="http://schemas.microsoft.com/office/drawing/2014/main" xmlns="" id="{9BD5F5FE-EFD9-4804-9B3B-C6D91AFF363C}"/>
                 </a:ext>
               </a:extLst>
             </p:cNvPr>
@@ -11267,7 +12746,7 @@
             <p:cNvPr id="15" name="Group 21">
               <a:extLst>
                 <a:ext uri="{FF2B5EF4-FFF2-40B4-BE49-F238E27FC236}">
-                  <a16:creationId xmlns="" xmlns:a16="http://schemas.microsoft.com/office/drawing/2014/main" id="{7DB5FE9B-6714-4B4D-AB94-45F20F7D5C8E}"/>
+                  <a16:creationId xmlns:a16="http://schemas.microsoft.com/office/drawing/2014/main" xmlns="" id="{7DB5FE9B-6714-4B4D-AB94-45F20F7D5C8E}"/>
                 </a:ext>
               </a:extLst>
             </p:cNvPr>
@@ -11289,7 +12768,7 @@
               <p:cNvPr id="18" name="AutoShape 22">
                 <a:extLst>
                   <a:ext uri="{FF2B5EF4-FFF2-40B4-BE49-F238E27FC236}">
-                    <a16:creationId xmlns="" xmlns:a16="http://schemas.microsoft.com/office/drawing/2014/main" id="{4E5DF4CC-2B73-45EA-B083-30A68ED1FA2A}"/>
+                    <a16:creationId xmlns:a16="http://schemas.microsoft.com/office/drawing/2014/main" xmlns="" id="{4E5DF4CC-2B73-45EA-B083-30A68ED1FA2A}"/>
                   </a:ext>
                 </a:extLst>
               </p:cNvPr>
@@ -11358,7 +12837,7 @@
               <p:cNvPr id="19" name="Freeform 23">
                 <a:extLst>
                   <a:ext uri="{FF2B5EF4-FFF2-40B4-BE49-F238E27FC236}">
-                    <a16:creationId xmlns="" xmlns:a16="http://schemas.microsoft.com/office/drawing/2014/main" id="{A03184C6-4DC0-40F9-A025-A1F34226A187}"/>
+                    <a16:creationId xmlns:a16="http://schemas.microsoft.com/office/drawing/2014/main" xmlns="" id="{A03184C6-4DC0-40F9-A025-A1F34226A187}"/>
                   </a:ext>
                 </a:extLst>
               </p:cNvPr>
@@ -11490,7 +12969,7 @@
             <p:cNvPr id="16" name="AutoShape 36">
               <a:extLst>
                 <a:ext uri="{FF2B5EF4-FFF2-40B4-BE49-F238E27FC236}">
-                  <a16:creationId xmlns="" xmlns:a16="http://schemas.microsoft.com/office/drawing/2014/main" id="{C65C2922-0F06-4601-991B-D9188A55C388}"/>
+                  <a16:creationId xmlns:a16="http://schemas.microsoft.com/office/drawing/2014/main" xmlns="" id="{C65C2922-0F06-4601-991B-D9188A55C388}"/>
                 </a:ext>
               </a:extLst>
             </p:cNvPr>
@@ -11665,7 +13144,7 @@
             <p:cNvPr id="17" name="AutoShape 37">
               <a:extLst>
                 <a:ext uri="{FF2B5EF4-FFF2-40B4-BE49-F238E27FC236}">
-                  <a16:creationId xmlns="" xmlns:a16="http://schemas.microsoft.com/office/drawing/2014/main" id="{9028FBF9-F253-4134-8311-3707C3C5DB2F}"/>
+                  <a16:creationId xmlns:a16="http://schemas.microsoft.com/office/drawing/2014/main" xmlns="" id="{9028FBF9-F253-4134-8311-3707C3C5DB2F}"/>
                 </a:ext>
               </a:extLst>
             </p:cNvPr>
@@ -11836,10 +13315,890 @@
           </p:txBody>
         </p:sp>
       </p:grpSp>
+      <p:sp>
+        <p:nvSpPr>
+          <p:cNvPr id="21" name="正方形/長方形 20"/>
+          <p:cNvSpPr/>
+          <p:nvPr/>
+        </p:nvSpPr>
+        <p:spPr bwMode="auto">
+          <a:xfrm>
+            <a:off x="2389179" y="2618509"/>
+            <a:ext cx="4261005" cy="1943099"/>
+          </a:xfrm>
+          <a:prstGeom prst="rect">
+            <a:avLst/>
+          </a:prstGeom>
+          <a:noFill/>
+          <a:ln>
+            <a:solidFill>
+              <a:srgbClr val="FFFF00"/>
+            </a:solidFill>
+          </a:ln>
+          <a:effectLst/>
+          <a:extLst/>
+        </p:spPr>
+        <p:txBody>
+          <a:bodyPr rot="0" spcFirstLastPara="0" vertOverflow="overflow" horzOverflow="overflow" vert="horz" wrap="square" lIns="91440" tIns="45720" rIns="91440" bIns="45720" numCol="1" spcCol="0" rtlCol="0" fromWordArt="0" anchor="ctr" anchorCtr="0" forceAA="0" compatLnSpc="1">
+            <a:prstTxWarp prst="textNoShape">
+              <a:avLst/>
+            </a:prstTxWarp>
+            <a:noAutofit/>
+          </a:bodyPr>
+          <a:lstStyle/>
+          <a:p>
+            <a:pPr marL="342900" indent="-342900">
+              <a:buFont typeface="+mj-lt"/>
+              <a:buAutoNum type="arabicPeriod"/>
+            </a:pPr>
+            <a:r>
+              <a:rPr lang="ja-JP" altLang="en-US" b="1" dirty="0" smtClean="0">
+                <a:solidFill>
+                  <a:srgbClr val="FF0000"/>
+                </a:solidFill>
+                <a:latin typeface="+mj-ea"/>
+                <a:ea typeface="+mj-ea"/>
+              </a:rPr>
+              <a:t>現場で、</a:t>
+            </a:r>
+            <a:r>
+              <a:rPr lang="en-US" altLang="ja-JP" b="1" dirty="0" smtClean="0">
+                <a:solidFill>
+                  <a:srgbClr val="FF0000"/>
+                </a:solidFill>
+                <a:latin typeface="+mj-ea"/>
+                <a:ea typeface="+mj-ea"/>
+              </a:rPr>
+              <a:t>CRM</a:t>
+            </a:r>
+            <a:r>
+              <a:rPr lang="ja-JP" altLang="en-US" b="1" dirty="0" err="1" smtClean="0">
+                <a:solidFill>
+                  <a:srgbClr val="FF0000"/>
+                </a:solidFill>
+                <a:latin typeface="+mj-ea"/>
+                <a:ea typeface="+mj-ea"/>
+              </a:rPr>
+              <a:t>、</a:t>
+            </a:r>
+            <a:r>
+              <a:rPr lang="en-US" altLang="ja-JP" b="1" dirty="0" smtClean="0">
+                <a:solidFill>
+                  <a:srgbClr val="FF0000"/>
+                </a:solidFill>
+                <a:latin typeface="+mj-ea"/>
+                <a:ea typeface="+mj-ea"/>
+              </a:rPr>
+              <a:t>DCMHD</a:t>
+            </a:r>
+            <a:r>
+              <a:rPr lang="ja-JP" altLang="en-US" b="1" dirty="0" err="1" smtClean="0">
+                <a:solidFill>
+                  <a:srgbClr val="FF0000"/>
+                </a:solidFill>
+                <a:latin typeface="+mj-ea"/>
+                <a:ea typeface="+mj-ea"/>
+              </a:rPr>
+              <a:t>、</a:t>
+            </a:r>
+            <a:r>
+              <a:rPr lang="en-US" altLang="ja-JP" b="1" dirty="0" smtClean="0">
+                <a:solidFill>
+                  <a:srgbClr val="FF0000"/>
+                </a:solidFill>
+                <a:latin typeface="+mj-ea"/>
+                <a:ea typeface="+mj-ea"/>
+              </a:rPr>
+              <a:t>MARK2</a:t>
+            </a:r>
+            <a:r>
+              <a:rPr lang="ja-JP" altLang="en-US" b="1" dirty="0" smtClean="0">
+                <a:solidFill>
+                  <a:srgbClr val="FF0000"/>
+                </a:solidFill>
+                <a:latin typeface="+mj-ea"/>
+                <a:ea typeface="+mj-ea"/>
+              </a:rPr>
+              <a:t>複数のプロジェクトを平行で対応し　　ている。</a:t>
+            </a:r>
+            <a:endParaRPr lang="en-US" altLang="ja-JP" b="1" dirty="0" smtClean="0">
+              <a:solidFill>
+                <a:srgbClr val="FF0000"/>
+              </a:solidFill>
+              <a:latin typeface="+mj-ea"/>
+              <a:ea typeface="+mj-ea"/>
+            </a:endParaRPr>
+          </a:p>
+          <a:p>
+            <a:pPr marL="342900" indent="-342900">
+              <a:buFont typeface="+mj-lt"/>
+              <a:buAutoNum type="arabicPeriod"/>
+            </a:pPr>
+            <a:r>
+              <a:rPr lang="ja-JP" altLang="en-US" b="1" dirty="0" smtClean="0">
+                <a:solidFill>
+                  <a:srgbClr val="FF0000"/>
+                </a:solidFill>
+                <a:latin typeface="+mj-ea"/>
+                <a:ea typeface="+mj-ea"/>
+              </a:rPr>
+              <a:t>画面、</a:t>
+            </a:r>
+            <a:r>
+              <a:rPr lang="en-US" altLang="ja-JP" b="1" dirty="0" smtClean="0">
+                <a:solidFill>
+                  <a:srgbClr val="FF0000"/>
+                </a:solidFill>
+                <a:latin typeface="+mj-ea"/>
+                <a:ea typeface="+mj-ea"/>
+              </a:rPr>
+              <a:t>API</a:t>
+            </a:r>
+            <a:r>
+              <a:rPr lang="ja-JP" altLang="en-US" b="1" dirty="0" err="1" smtClean="0">
+                <a:solidFill>
+                  <a:srgbClr val="FF0000"/>
+                </a:solidFill>
+                <a:latin typeface="+mj-ea"/>
+                <a:ea typeface="+mj-ea"/>
+              </a:rPr>
+              <a:t>、</a:t>
+            </a:r>
+            <a:r>
+              <a:rPr lang="ja-JP" altLang="en-US" b="1" dirty="0" smtClean="0">
+                <a:solidFill>
+                  <a:srgbClr val="FF0000"/>
+                </a:solidFill>
+                <a:latin typeface="+mj-ea"/>
+                <a:ea typeface="+mj-ea"/>
+              </a:rPr>
+              <a:t>バッチ開発も全対応</a:t>
+            </a:r>
+            <a:endParaRPr lang="en-US" altLang="ja-JP" b="1" dirty="0" smtClean="0">
+              <a:solidFill>
+                <a:srgbClr val="FF0000"/>
+              </a:solidFill>
+              <a:latin typeface="+mj-ea"/>
+              <a:ea typeface="+mj-ea"/>
+            </a:endParaRPr>
+          </a:p>
+          <a:p>
+            <a:pPr marL="342900" indent="-342900">
+              <a:buFont typeface="+mj-lt"/>
+              <a:buAutoNum type="arabicPeriod"/>
+            </a:pPr>
+            <a:r>
+              <a:rPr lang="ja-JP" altLang="en-US" b="1" dirty="0" smtClean="0">
+                <a:solidFill>
+                  <a:srgbClr val="FF0000"/>
+                </a:solidFill>
+                <a:latin typeface="+mj-ea"/>
+                <a:ea typeface="+mj-ea"/>
+              </a:rPr>
+              <a:t>設計から、リリース、運用・保守まで一貫対応</a:t>
+            </a:r>
+            <a:endParaRPr lang="en-US" altLang="ja-JP" b="1" dirty="0" smtClean="0">
+              <a:solidFill>
+                <a:srgbClr val="FF0000"/>
+              </a:solidFill>
+              <a:latin typeface="+mj-ea"/>
+              <a:ea typeface="+mj-ea"/>
+            </a:endParaRPr>
+          </a:p>
+        </p:txBody>
+      </p:sp>
+      <p:grpSp>
+        <p:nvGrpSpPr>
+          <p:cNvPr id="20" name="Group 293">
+            <a:extLst>
+              <a:ext uri="{FF2B5EF4-FFF2-40B4-BE49-F238E27FC236}">
+                <a16:creationId xmlns:a16="http://schemas.microsoft.com/office/drawing/2014/main" xmlns="" id="{FFC370BA-08BF-4CCE-A67B-D347FD899DBA}"/>
+              </a:ext>
+            </a:extLst>
+          </p:cNvPr>
+          <p:cNvGrpSpPr>
+            <a:grpSpLocks/>
+          </p:cNvGrpSpPr>
+          <p:nvPr/>
+        </p:nvGrpSpPr>
+        <p:grpSpPr bwMode="auto">
+          <a:xfrm>
+            <a:off x="1268158" y="984000"/>
+            <a:ext cx="758259" cy="758259"/>
+            <a:chOff x="5037" y="618"/>
+            <a:chExt cx="850" cy="850"/>
+          </a:xfrm>
+        </p:grpSpPr>
+        <p:sp>
+          <p:nvSpPr>
+            <p:cNvPr id="22" name="Oval 50">
+              <a:extLst>
+                <a:ext uri="{FF2B5EF4-FFF2-40B4-BE49-F238E27FC236}">
+                  <a16:creationId xmlns:a16="http://schemas.microsoft.com/office/drawing/2014/main" xmlns="" id="{A9838AB5-C094-4377-A802-21CD3E317274}"/>
+                </a:ext>
+              </a:extLst>
+            </p:cNvPr>
+            <p:cNvSpPr>
+              <a:spLocks noChangeArrowheads="1"/>
+            </p:cNvSpPr>
+            <p:nvPr/>
+          </p:nvSpPr>
+          <p:spPr bwMode="auto">
+            <a:xfrm>
+              <a:off x="5037" y="618"/>
+              <a:ext cx="850" cy="850"/>
+            </a:xfrm>
+            <a:prstGeom prst="ellipse">
+              <a:avLst/>
+            </a:prstGeom>
+            <a:solidFill>
+              <a:srgbClr val="333333"/>
+            </a:solidFill>
+            <a:ln>
+              <a:noFill/>
+            </a:ln>
+            <a:effectLst/>
+            <a:extLst>
+              <a:ext uri="{91240B29-F687-4F45-9708-019B960494DF}">
+                <a14:hiddenLine xmlns:a14="http://schemas.microsoft.com/office/drawing/2010/main" w="38100">
+                  <a:solidFill>
+                    <a:srgbClr val="333333"/>
+                  </a:solidFill>
+                  <a:round/>
+                  <a:headEnd/>
+                  <a:tailEnd/>
+                </a14:hiddenLine>
+              </a:ext>
+              <a:ext uri="{AF507438-7753-43E0-B8FC-AC1667EBCBE1}">
+                <a14:hiddenEffects xmlns:a14="http://schemas.microsoft.com/office/drawing/2010/main">
+                  <a:effectLst>
+                    <a:outerShdw dist="35921" dir="2700000" algn="ctr" rotWithShape="0">
+                      <a:schemeClr val="bg2"/>
+                    </a:outerShdw>
+                  </a:effectLst>
+                </a14:hiddenEffects>
+              </a:ext>
+            </a:extLst>
+          </p:spPr>
+          <p:txBody>
+            <a:bodyPr wrap="none" anchor="ctr"/>
+            <a:lstStyle/>
+            <a:p>
+              <a:endParaRPr lang="ja-JP" altLang="en-US"/>
+            </a:p>
+          </p:txBody>
+        </p:sp>
+        <p:sp>
+          <p:nvSpPr>
+            <p:cNvPr id="23" name="Oval 51">
+              <a:extLst>
+                <a:ext uri="{FF2B5EF4-FFF2-40B4-BE49-F238E27FC236}">
+                  <a16:creationId xmlns:a16="http://schemas.microsoft.com/office/drawing/2014/main" xmlns="" id="{DD6D435C-0F60-4629-BD94-54821F2DE884}"/>
+                </a:ext>
+              </a:extLst>
+            </p:cNvPr>
+            <p:cNvSpPr>
+              <a:spLocks noChangeArrowheads="1"/>
+            </p:cNvSpPr>
+            <p:nvPr/>
+          </p:nvSpPr>
+          <p:spPr bwMode="auto">
+            <a:xfrm>
+              <a:off x="5054" y="635"/>
+              <a:ext cx="817" cy="817"/>
+            </a:xfrm>
+            <a:prstGeom prst="ellipse">
+              <a:avLst/>
+            </a:prstGeom>
+            <a:gradFill rotWithShape="1">
+              <a:gsLst>
+                <a:gs pos="0">
+                  <a:srgbClr val="CC0099">
+                    <a:gamma/>
+                    <a:tint val="60392"/>
+                    <a:invGamma/>
+                  </a:srgbClr>
+                </a:gs>
+                <a:gs pos="100000">
+                  <a:srgbClr val="CC0099"/>
+                </a:gs>
+              </a:gsLst>
+              <a:path path="shape">
+                <a:fillToRect l="50000" t="50000" r="50000" b="50000"/>
+              </a:path>
+            </a:gradFill>
+            <a:ln>
+              <a:noFill/>
+            </a:ln>
+            <a:effectLst/>
+            <a:extLst>
+              <a:ext uri="{91240B29-F687-4F45-9708-019B960494DF}">
+                <a14:hiddenLine xmlns:a14="http://schemas.microsoft.com/office/drawing/2010/main" w="9525">
+                  <a:solidFill>
+                    <a:srgbClr val="FF0000"/>
+                  </a:solidFill>
+                  <a:round/>
+                  <a:headEnd/>
+                  <a:tailEnd/>
+                </a14:hiddenLine>
+              </a:ext>
+              <a:ext uri="{AF507438-7753-43E0-B8FC-AC1667EBCBE1}">
+                <a14:hiddenEffects xmlns:a14="http://schemas.microsoft.com/office/drawing/2010/main">
+                  <a:effectLst>
+                    <a:outerShdw dist="35921" dir="2700000" algn="ctr" rotWithShape="0">
+                      <a:schemeClr val="bg2"/>
+                    </a:outerShdw>
+                  </a:effectLst>
+                </a14:hiddenEffects>
+              </a:ext>
+            </a:extLst>
+          </p:spPr>
+          <p:txBody>
+            <a:bodyPr wrap="none" anchor="ctr"/>
+            <a:lstStyle/>
+            <a:p>
+              <a:endParaRPr lang="ja-JP" altLang="en-US"/>
+            </a:p>
+          </p:txBody>
+        </p:sp>
+        <p:sp>
+          <p:nvSpPr>
+            <p:cNvPr id="24" name="Oval 52">
+              <a:extLst>
+                <a:ext uri="{FF2B5EF4-FFF2-40B4-BE49-F238E27FC236}">
+                  <a16:creationId xmlns:a16="http://schemas.microsoft.com/office/drawing/2014/main" xmlns="" id="{2FF6B54B-606C-4B88-AD79-E1531E472EED}"/>
+                </a:ext>
+              </a:extLst>
+            </p:cNvPr>
+            <p:cNvSpPr>
+              <a:spLocks noChangeArrowheads="1"/>
+            </p:cNvSpPr>
+            <p:nvPr/>
+          </p:nvSpPr>
+          <p:spPr bwMode="auto">
+            <a:xfrm>
+              <a:off x="5326" y="680"/>
+              <a:ext cx="454" cy="454"/>
+            </a:xfrm>
+            <a:prstGeom prst="ellipse">
+              <a:avLst/>
+            </a:prstGeom>
+            <a:gradFill rotWithShape="1">
+              <a:gsLst>
+                <a:gs pos="0">
+                  <a:schemeClr val="bg1">
+                    <a:alpha val="60001"/>
+                  </a:schemeClr>
+                </a:gs>
+                <a:gs pos="100000">
+                  <a:schemeClr val="bg1">
+                    <a:gamma/>
+                    <a:shade val="46275"/>
+                    <a:invGamma/>
+                    <a:alpha val="0"/>
+                  </a:schemeClr>
+                </a:gs>
+              </a:gsLst>
+              <a:path path="shape">
+                <a:fillToRect l="50000" t="50000" r="50000" b="50000"/>
+              </a:path>
+            </a:gradFill>
+            <a:ln>
+              <a:noFill/>
+            </a:ln>
+            <a:effectLst/>
+            <a:extLst>
+              <a:ext uri="{91240B29-F687-4F45-9708-019B960494DF}">
+                <a14:hiddenLine xmlns:a14="http://schemas.microsoft.com/office/drawing/2010/main" w="9525">
+                  <a:solidFill>
+                    <a:srgbClr val="FF0000"/>
+                  </a:solidFill>
+                  <a:round/>
+                  <a:headEnd/>
+                  <a:tailEnd/>
+                </a14:hiddenLine>
+              </a:ext>
+              <a:ext uri="{AF507438-7753-43E0-B8FC-AC1667EBCBE1}">
+                <a14:hiddenEffects xmlns:a14="http://schemas.microsoft.com/office/drawing/2010/main">
+                  <a:effectLst>
+                    <a:outerShdw dist="35921" dir="2700000" algn="ctr" rotWithShape="0">
+                      <a:schemeClr val="bg2"/>
+                    </a:outerShdw>
+                  </a:effectLst>
+                </a14:hiddenEffects>
+              </a:ext>
+            </a:extLst>
+          </p:spPr>
+          <p:txBody>
+            <a:bodyPr wrap="none" anchor="ctr"/>
+            <a:lstStyle/>
+            <a:p>
+              <a:endParaRPr lang="ja-JP" altLang="en-US"/>
+            </a:p>
+          </p:txBody>
+        </p:sp>
+        <p:sp>
+          <p:nvSpPr>
+            <p:cNvPr id="25" name="Freeform 54">
+              <a:extLst>
+                <a:ext uri="{FF2B5EF4-FFF2-40B4-BE49-F238E27FC236}">
+                  <a16:creationId xmlns:a16="http://schemas.microsoft.com/office/drawing/2014/main" xmlns="" id="{11B4C9EE-AFBE-4B95-89C4-2D73C9A5311C}"/>
+                </a:ext>
+              </a:extLst>
+            </p:cNvPr>
+            <p:cNvSpPr>
+              <a:spLocks/>
+            </p:cNvSpPr>
+            <p:nvPr/>
+          </p:nvSpPr>
+          <p:spPr bwMode="auto">
+            <a:xfrm rot="2700000">
+              <a:off x="5207" y="935"/>
+              <a:ext cx="182" cy="182"/>
+            </a:xfrm>
+            <a:custGeom>
+              <a:avLst/>
+              <a:gdLst>
+                <a:gd name="T0" fmla="*/ 272 w 726"/>
+                <a:gd name="T1" fmla="*/ 0 h 726"/>
+                <a:gd name="T2" fmla="*/ 272 w 726"/>
+                <a:gd name="T3" fmla="*/ 272 h 726"/>
+                <a:gd name="T4" fmla="*/ 0 w 726"/>
+                <a:gd name="T5" fmla="*/ 272 h 726"/>
+                <a:gd name="T6" fmla="*/ 0 w 726"/>
+                <a:gd name="T7" fmla="*/ 453 h 726"/>
+                <a:gd name="T8" fmla="*/ 272 w 726"/>
+                <a:gd name="T9" fmla="*/ 453 h 726"/>
+                <a:gd name="T10" fmla="*/ 272 w 726"/>
+                <a:gd name="T11" fmla="*/ 726 h 726"/>
+                <a:gd name="T12" fmla="*/ 454 w 726"/>
+                <a:gd name="T13" fmla="*/ 726 h 726"/>
+                <a:gd name="T14" fmla="*/ 454 w 726"/>
+                <a:gd name="T15" fmla="*/ 453 h 726"/>
+                <a:gd name="T16" fmla="*/ 726 w 726"/>
+                <a:gd name="T17" fmla="*/ 453 h 726"/>
+                <a:gd name="T18" fmla="*/ 726 w 726"/>
+                <a:gd name="T19" fmla="*/ 272 h 726"/>
+                <a:gd name="T20" fmla="*/ 454 w 726"/>
+                <a:gd name="T21" fmla="*/ 272 h 726"/>
+                <a:gd name="T22" fmla="*/ 454 w 726"/>
+                <a:gd name="T23" fmla="*/ 0 h 726"/>
+                <a:gd name="T24" fmla="*/ 272 w 726"/>
+                <a:gd name="T25" fmla="*/ 0 h 726"/>
+              </a:gdLst>
+              <a:ahLst/>
+              <a:cxnLst>
+                <a:cxn ang="0">
+                  <a:pos x="T0" y="T1"/>
+                </a:cxn>
+                <a:cxn ang="0">
+                  <a:pos x="T2" y="T3"/>
+                </a:cxn>
+                <a:cxn ang="0">
+                  <a:pos x="T4" y="T5"/>
+                </a:cxn>
+                <a:cxn ang="0">
+                  <a:pos x="T6" y="T7"/>
+                </a:cxn>
+                <a:cxn ang="0">
+                  <a:pos x="T8" y="T9"/>
+                </a:cxn>
+                <a:cxn ang="0">
+                  <a:pos x="T10" y="T11"/>
+                </a:cxn>
+                <a:cxn ang="0">
+                  <a:pos x="T12" y="T13"/>
+                </a:cxn>
+                <a:cxn ang="0">
+                  <a:pos x="T14" y="T15"/>
+                </a:cxn>
+                <a:cxn ang="0">
+                  <a:pos x="T16" y="T17"/>
+                </a:cxn>
+                <a:cxn ang="0">
+                  <a:pos x="T18" y="T19"/>
+                </a:cxn>
+                <a:cxn ang="0">
+                  <a:pos x="T20" y="T21"/>
+                </a:cxn>
+                <a:cxn ang="0">
+                  <a:pos x="T22" y="T23"/>
+                </a:cxn>
+                <a:cxn ang="0">
+                  <a:pos x="T24" y="T25"/>
+                </a:cxn>
+              </a:cxnLst>
+              <a:rect l="0" t="0" r="r" b="b"/>
+              <a:pathLst>
+                <a:path w="726" h="726">
+                  <a:moveTo>
+                    <a:pt x="272" y="0"/>
+                  </a:moveTo>
+                  <a:lnTo>
+                    <a:pt x="272" y="272"/>
+                  </a:lnTo>
+                  <a:lnTo>
+                    <a:pt x="0" y="272"/>
+                  </a:lnTo>
+                  <a:lnTo>
+                    <a:pt x="0" y="453"/>
+                  </a:lnTo>
+                  <a:lnTo>
+                    <a:pt x="272" y="453"/>
+                  </a:lnTo>
+                  <a:lnTo>
+                    <a:pt x="272" y="726"/>
+                  </a:lnTo>
+                  <a:lnTo>
+                    <a:pt x="454" y="726"/>
+                  </a:lnTo>
+                  <a:lnTo>
+                    <a:pt x="454" y="453"/>
+                  </a:lnTo>
+                  <a:lnTo>
+                    <a:pt x="726" y="453"/>
+                  </a:lnTo>
+                  <a:lnTo>
+                    <a:pt x="726" y="272"/>
+                  </a:lnTo>
+                  <a:lnTo>
+                    <a:pt x="454" y="272"/>
+                  </a:lnTo>
+                  <a:lnTo>
+                    <a:pt x="454" y="0"/>
+                  </a:lnTo>
+                  <a:lnTo>
+                    <a:pt x="272" y="0"/>
+                  </a:lnTo>
+                  <a:close/>
+                </a:path>
+              </a:pathLst>
+            </a:custGeom>
+            <a:solidFill>
+              <a:schemeClr val="tx1"/>
+            </a:solidFill>
+            <a:ln>
+              <a:noFill/>
+            </a:ln>
+            <a:effectLst/>
+            <a:extLst>
+              <a:ext uri="{91240B29-F687-4F45-9708-019B960494DF}">
+                <a14:hiddenLine xmlns:a14="http://schemas.microsoft.com/office/drawing/2010/main" w="9525" cap="flat" cmpd="sng">
+                  <a:solidFill>
+                    <a:srgbClr val="FF0000"/>
+                  </a:solidFill>
+                  <a:prstDash val="solid"/>
+                  <a:round/>
+                  <a:headEnd/>
+                  <a:tailEnd/>
+                </a14:hiddenLine>
+              </a:ext>
+              <a:ext uri="{AF507438-7753-43E0-B8FC-AC1667EBCBE1}">
+                <a14:hiddenEffects xmlns:a14="http://schemas.microsoft.com/office/drawing/2010/main">
+                  <a:effectLst>
+                    <a:outerShdw dist="35921" dir="2700000" algn="ctr" rotWithShape="0">
+                      <a:schemeClr val="bg2"/>
+                    </a:outerShdw>
+                  </a:effectLst>
+                </a14:hiddenEffects>
+              </a:ext>
+            </a:extLst>
+          </p:spPr>
+          <p:txBody>
+            <a:bodyPr/>
+            <a:lstStyle/>
+            <a:p>
+              <a:endParaRPr lang="ja-JP" altLang="en-US"/>
+            </a:p>
+          </p:txBody>
+        </p:sp>
+        <p:sp>
+          <p:nvSpPr>
+            <p:cNvPr id="26" name="Freeform 55">
+              <a:extLst>
+                <a:ext uri="{FF2B5EF4-FFF2-40B4-BE49-F238E27FC236}">
+                  <a16:creationId xmlns:a16="http://schemas.microsoft.com/office/drawing/2014/main" xmlns="" id="{61FD8900-59DC-4DF8-9E0F-FA65E3D087D7}"/>
+                </a:ext>
+              </a:extLst>
+            </p:cNvPr>
+            <p:cNvSpPr>
+              <a:spLocks/>
+            </p:cNvSpPr>
+            <p:nvPr/>
+          </p:nvSpPr>
+          <p:spPr bwMode="auto">
+            <a:xfrm rot="2700000">
+              <a:off x="5524" y="935"/>
+              <a:ext cx="182" cy="182"/>
+            </a:xfrm>
+            <a:custGeom>
+              <a:avLst/>
+              <a:gdLst>
+                <a:gd name="T0" fmla="*/ 272 w 726"/>
+                <a:gd name="T1" fmla="*/ 0 h 726"/>
+                <a:gd name="T2" fmla="*/ 272 w 726"/>
+                <a:gd name="T3" fmla="*/ 272 h 726"/>
+                <a:gd name="T4" fmla="*/ 0 w 726"/>
+                <a:gd name="T5" fmla="*/ 272 h 726"/>
+                <a:gd name="T6" fmla="*/ 0 w 726"/>
+                <a:gd name="T7" fmla="*/ 453 h 726"/>
+                <a:gd name="T8" fmla="*/ 272 w 726"/>
+                <a:gd name="T9" fmla="*/ 453 h 726"/>
+                <a:gd name="T10" fmla="*/ 272 w 726"/>
+                <a:gd name="T11" fmla="*/ 726 h 726"/>
+                <a:gd name="T12" fmla="*/ 454 w 726"/>
+                <a:gd name="T13" fmla="*/ 726 h 726"/>
+                <a:gd name="T14" fmla="*/ 454 w 726"/>
+                <a:gd name="T15" fmla="*/ 453 h 726"/>
+                <a:gd name="T16" fmla="*/ 726 w 726"/>
+                <a:gd name="T17" fmla="*/ 453 h 726"/>
+                <a:gd name="T18" fmla="*/ 726 w 726"/>
+                <a:gd name="T19" fmla="*/ 272 h 726"/>
+                <a:gd name="T20" fmla="*/ 454 w 726"/>
+                <a:gd name="T21" fmla="*/ 272 h 726"/>
+                <a:gd name="T22" fmla="*/ 454 w 726"/>
+                <a:gd name="T23" fmla="*/ 0 h 726"/>
+                <a:gd name="T24" fmla="*/ 272 w 726"/>
+                <a:gd name="T25" fmla="*/ 0 h 726"/>
+              </a:gdLst>
+              <a:ahLst/>
+              <a:cxnLst>
+                <a:cxn ang="0">
+                  <a:pos x="T0" y="T1"/>
+                </a:cxn>
+                <a:cxn ang="0">
+                  <a:pos x="T2" y="T3"/>
+                </a:cxn>
+                <a:cxn ang="0">
+                  <a:pos x="T4" y="T5"/>
+                </a:cxn>
+                <a:cxn ang="0">
+                  <a:pos x="T6" y="T7"/>
+                </a:cxn>
+                <a:cxn ang="0">
+                  <a:pos x="T8" y="T9"/>
+                </a:cxn>
+                <a:cxn ang="0">
+                  <a:pos x="T10" y="T11"/>
+                </a:cxn>
+                <a:cxn ang="0">
+                  <a:pos x="T12" y="T13"/>
+                </a:cxn>
+                <a:cxn ang="0">
+                  <a:pos x="T14" y="T15"/>
+                </a:cxn>
+                <a:cxn ang="0">
+                  <a:pos x="T16" y="T17"/>
+                </a:cxn>
+                <a:cxn ang="0">
+                  <a:pos x="T18" y="T19"/>
+                </a:cxn>
+                <a:cxn ang="0">
+                  <a:pos x="T20" y="T21"/>
+                </a:cxn>
+                <a:cxn ang="0">
+                  <a:pos x="T22" y="T23"/>
+                </a:cxn>
+                <a:cxn ang="0">
+                  <a:pos x="T24" y="T25"/>
+                </a:cxn>
+              </a:cxnLst>
+              <a:rect l="0" t="0" r="r" b="b"/>
+              <a:pathLst>
+                <a:path w="726" h="726">
+                  <a:moveTo>
+                    <a:pt x="272" y="0"/>
+                  </a:moveTo>
+                  <a:lnTo>
+                    <a:pt x="272" y="272"/>
+                  </a:lnTo>
+                  <a:lnTo>
+                    <a:pt x="0" y="272"/>
+                  </a:lnTo>
+                  <a:lnTo>
+                    <a:pt x="0" y="453"/>
+                  </a:lnTo>
+                  <a:lnTo>
+                    <a:pt x="272" y="453"/>
+                  </a:lnTo>
+                  <a:lnTo>
+                    <a:pt x="272" y="726"/>
+                  </a:lnTo>
+                  <a:lnTo>
+                    <a:pt x="454" y="726"/>
+                  </a:lnTo>
+                  <a:lnTo>
+                    <a:pt x="454" y="453"/>
+                  </a:lnTo>
+                  <a:lnTo>
+                    <a:pt x="726" y="453"/>
+                  </a:lnTo>
+                  <a:lnTo>
+                    <a:pt x="726" y="272"/>
+                  </a:lnTo>
+                  <a:lnTo>
+                    <a:pt x="454" y="272"/>
+                  </a:lnTo>
+                  <a:lnTo>
+                    <a:pt x="454" y="0"/>
+                  </a:lnTo>
+                  <a:lnTo>
+                    <a:pt x="272" y="0"/>
+                  </a:lnTo>
+                  <a:close/>
+                </a:path>
+              </a:pathLst>
+            </a:custGeom>
+            <a:solidFill>
+              <a:schemeClr val="tx1"/>
+            </a:solidFill>
+            <a:ln>
+              <a:noFill/>
+            </a:ln>
+            <a:effectLst/>
+            <a:extLst>
+              <a:ext uri="{91240B29-F687-4F45-9708-019B960494DF}">
+                <a14:hiddenLine xmlns:a14="http://schemas.microsoft.com/office/drawing/2010/main" w="9525" cap="flat" cmpd="sng">
+                  <a:solidFill>
+                    <a:srgbClr val="FF0000"/>
+                  </a:solidFill>
+                  <a:prstDash val="solid"/>
+                  <a:round/>
+                  <a:headEnd/>
+                  <a:tailEnd/>
+                </a14:hiddenLine>
+              </a:ext>
+              <a:ext uri="{AF507438-7753-43E0-B8FC-AC1667EBCBE1}">
+                <a14:hiddenEffects xmlns:a14="http://schemas.microsoft.com/office/drawing/2010/main">
+                  <a:effectLst>
+                    <a:outerShdw dist="35921" dir="2700000" algn="ctr" rotWithShape="0">
+                      <a:schemeClr val="bg2"/>
+                    </a:outerShdw>
+                  </a:effectLst>
+                </a14:hiddenEffects>
+              </a:ext>
+            </a:extLst>
+          </p:spPr>
+          <p:txBody>
+            <a:bodyPr/>
+            <a:lstStyle/>
+            <a:p>
+              <a:endParaRPr lang="ja-JP" altLang="en-US"/>
+            </a:p>
+          </p:txBody>
+        </p:sp>
+        <p:sp>
+          <p:nvSpPr>
+            <p:cNvPr id="27" name="AutoShape 59">
+              <a:extLst>
+                <a:ext uri="{FF2B5EF4-FFF2-40B4-BE49-F238E27FC236}">
+                  <a16:creationId xmlns:a16="http://schemas.microsoft.com/office/drawing/2014/main" xmlns="" id="{8725B85B-EFDB-41AA-BF87-5BA5E80973EF}"/>
+                </a:ext>
+              </a:extLst>
+            </p:cNvPr>
+            <p:cNvSpPr>
+              <a:spLocks noChangeArrowheads="1"/>
+            </p:cNvSpPr>
+            <p:nvPr/>
+          </p:nvSpPr>
+          <p:spPr bwMode="auto">
+            <a:xfrm rot="27000000">
+              <a:off x="5456" y="1049"/>
+              <a:ext cx="45" cy="453"/>
+            </a:xfrm>
+            <a:prstGeom prst="moon">
+              <a:avLst>
+                <a:gd name="adj" fmla="val 33329"/>
+              </a:avLst>
+            </a:prstGeom>
+            <a:solidFill>
+              <a:srgbClr val="000000"/>
+            </a:solidFill>
+            <a:ln>
+              <a:noFill/>
+            </a:ln>
+            <a:effectLst/>
+            <a:extLst>
+              <a:ext uri="{91240B29-F687-4F45-9708-019B960494DF}">
+                <a14:hiddenLine xmlns:a14="http://schemas.microsoft.com/office/drawing/2010/main" w="9525">
+                  <a:solidFill>
+                    <a:srgbClr val="FF0000"/>
+                  </a:solidFill>
+                  <a:miter lim="800000"/>
+                  <a:headEnd/>
+                  <a:tailEnd/>
+                </a14:hiddenLine>
+              </a:ext>
+              <a:ext uri="{AF507438-7753-43E0-B8FC-AC1667EBCBE1}">
+                <a14:hiddenEffects xmlns:a14="http://schemas.microsoft.com/office/drawing/2010/main">
+                  <a:effectLst>
+                    <a:outerShdw dist="35921" dir="2700000" algn="ctr" rotWithShape="0">
+                      <a:schemeClr val="bg2"/>
+                    </a:outerShdw>
+                  </a:effectLst>
+                </a14:hiddenEffects>
+              </a:ext>
+            </a:extLst>
+          </p:spPr>
+          <p:txBody>
+            <a:bodyPr wrap="none" anchor="ctr"/>
+            <a:lstStyle/>
+            <a:p>
+              <a:endParaRPr lang="ja-JP" altLang="en-US"/>
+            </a:p>
+          </p:txBody>
+        </p:sp>
+      </p:grpSp>
+      <p:sp>
+        <p:nvSpPr>
+          <p:cNvPr id="28" name="正方形/長方形 27"/>
+          <p:cNvSpPr/>
+          <p:nvPr/>
+        </p:nvSpPr>
+        <p:spPr bwMode="auto">
+          <a:xfrm>
+            <a:off x="2306741" y="973609"/>
+            <a:ext cx="4343443" cy="702951"/>
+          </a:xfrm>
+          <a:prstGeom prst="rect">
+            <a:avLst/>
+          </a:prstGeom>
+          <a:noFill/>
+          <a:ln>
+            <a:solidFill>
+              <a:schemeClr val="accent1"/>
+            </a:solidFill>
+          </a:ln>
+          <a:effectLst/>
+          <a:extLst/>
+        </p:spPr>
+        <p:txBody>
+          <a:bodyPr rot="0" spcFirstLastPara="0" vertOverflow="overflow" horzOverflow="overflow" vert="horz" wrap="square" lIns="91440" tIns="45720" rIns="91440" bIns="45720" numCol="1" spcCol="0" rtlCol="0" fromWordArt="0" anchor="ctr" anchorCtr="0" forceAA="0" compatLnSpc="1">
+            <a:prstTxWarp prst="textNoShape">
+              <a:avLst/>
+            </a:prstTxWarp>
+            <a:noAutofit/>
+          </a:bodyPr>
+          <a:lstStyle/>
+          <a:p>
+            <a:r>
+              <a:rPr lang="ja-JP" altLang="en-US" b="1" dirty="0" smtClean="0">
+                <a:latin typeface="+mj-ea"/>
+                <a:ea typeface="+mj-ea"/>
+              </a:rPr>
+              <a:t>一つの作業しか集中できなかった。</a:t>
+            </a:r>
+            <a:endParaRPr kumimoji="1" lang="ja-JP" altLang="en-US" b="1" dirty="0">
+              <a:latin typeface="+mj-ea"/>
+              <a:ea typeface="+mj-ea"/>
+            </a:endParaRPr>
+          </a:p>
+        </p:txBody>
+      </p:sp>
     </p:spTree>
     <p:extLst>
       <p:ext uri="{BB962C8B-B14F-4D97-AF65-F5344CB8AC3E}">
-        <p14:creationId xmlns:p14="http://schemas.microsoft.com/office/powerpoint/2010/main" val="3340378941"/>
+        <p14:creationId xmlns:p14="http://schemas.microsoft.com/office/powerpoint/2010/main" val="1226199559"/>
       </p:ext>
     </p:extLst>
   </p:cSld>
@@ -11885,8 +14244,8 @@
         </p:nvSpPr>
         <p:spPr>
           <a:xfrm>
-            <a:off x="1052735" y="481728"/>
-            <a:ext cx="5670000" cy="313350"/>
+            <a:off x="1052735" y="404783"/>
+            <a:ext cx="5670000" cy="390295"/>
           </a:xfrm>
         </p:spPr>
         <p:txBody>
@@ -11894,7 +14253,7 @@
           <a:lstStyle/>
           <a:p>
             <a:r>
-              <a:rPr lang="ja-JP" altLang="en-US" dirty="0">
+              <a:rPr lang="ja-JP" altLang="en-US" sz="2300" dirty="0">
                 <a:solidFill>
                   <a:schemeClr val="accent6">
                     <a:lumMod val="50000"/>
@@ -11906,7 +14265,7 @@
               <a:t>進化</a:t>
             </a:r>
             <a:r>
-              <a:rPr lang="ja-JP" altLang="en-US" dirty="0" smtClean="0">
+              <a:rPr lang="ja-JP" altLang="en-US" sz="2300" dirty="0" smtClean="0">
                 <a:solidFill>
                   <a:schemeClr val="accent6">
                     <a:lumMod val="50000"/>
@@ -11915,10 +14274,10 @@
                 </a:solidFill>
                 <a:latin typeface="+mn-ea"/>
               </a:rPr>
-              <a:t>の自分③</a:t>
-            </a:r>
-            <a:r>
-              <a:rPr lang="en-US" altLang="ja-JP" dirty="0" smtClean="0">
+              <a:t>の</a:t>
+            </a:r>
+            <a:r>
+              <a:rPr lang="ja-JP" altLang="en-US" sz="2300" dirty="0" smtClean="0">
                 <a:solidFill>
                   <a:schemeClr val="accent6">
                     <a:lumMod val="50000"/>
@@ -11927,10 +14286,10 @@
                 </a:solidFill>
                 <a:latin typeface="+mn-ea"/>
               </a:rPr>
-              <a:t>-</a:t>
-            </a:r>
-            <a:r>
-              <a:rPr lang="ja-JP" altLang="en-US" dirty="0" smtClean="0">
+              <a:t>自分</a:t>
+            </a:r>
+            <a:r>
+              <a:rPr lang="en-US" altLang="ja-JP" sz="2300" dirty="0" smtClean="0">
                 <a:solidFill>
                   <a:schemeClr val="accent6">
                     <a:lumMod val="50000"/>
@@ -11939,9 +14298,21 @@
                 </a:solidFill>
                 <a:latin typeface="+mn-ea"/>
               </a:rPr>
-              <a:t>マネジメント</a:t>
-            </a:r>
-            <a:endParaRPr kumimoji="1" lang="ja-JP" altLang="en-US" dirty="0"/>
+              <a:t>-</a:t>
+            </a:r>
+            <a:r>
+              <a:rPr lang="ja-JP" altLang="en-US" sz="2300" dirty="0" smtClean="0">
+                <a:solidFill>
+                  <a:schemeClr val="accent6">
+                    <a:lumMod val="50000"/>
+                    <a:lumOff val="50000"/>
+                  </a:schemeClr>
+                </a:solidFill>
+                <a:latin typeface="+mn-ea"/>
+              </a:rPr>
+              <a:t>高生産性と高品質</a:t>
+            </a:r>
+            <a:endParaRPr kumimoji="1" lang="ja-JP" altLang="en-US" sz="2300" dirty="0"/>
           </a:p>
         </p:txBody>
       </p:sp>
@@ -11950,7 +14321,7 @@
           <p:cNvPr id="11" name="Group 296">
             <a:extLst>
               <a:ext uri="{FF2B5EF4-FFF2-40B4-BE49-F238E27FC236}">
-                <a16:creationId xmlns="" xmlns:a16="http://schemas.microsoft.com/office/drawing/2014/main" id="{3842FC64-AB39-42D7-A48C-0FE49F99806C}"/>
+                <a16:creationId xmlns:a16="http://schemas.microsoft.com/office/drawing/2014/main" xmlns="" id="{3842FC64-AB39-42D7-A48C-0FE49F99806C}"/>
               </a:ext>
             </a:extLst>
           </p:cNvPr>
@@ -11961,7 +14332,7 @@
         </p:nvGrpSpPr>
         <p:grpSpPr bwMode="auto">
           <a:xfrm>
-            <a:off x="1136827" y="842282"/>
+            <a:off x="1254710" y="2163149"/>
             <a:ext cx="788463" cy="755574"/>
             <a:chOff x="336" y="601"/>
             <a:chExt cx="850" cy="850"/>
@@ -11972,7 +14343,7 @@
             <p:cNvPr id="12" name="Oval 2">
               <a:extLst>
                 <a:ext uri="{FF2B5EF4-FFF2-40B4-BE49-F238E27FC236}">
-                  <a16:creationId xmlns="" xmlns:a16="http://schemas.microsoft.com/office/drawing/2014/main" id="{9267EE0A-4BA4-4E94-8745-FFA9A06F71A9}"/>
+                  <a16:creationId xmlns:a16="http://schemas.microsoft.com/office/drawing/2014/main" xmlns="" id="{9267EE0A-4BA4-4E94-8745-FFA9A06F71A9}"/>
                 </a:ext>
               </a:extLst>
             </p:cNvPr>
@@ -12031,7 +14402,7 @@
             <p:cNvPr id="13" name="Oval 19">
               <a:extLst>
                 <a:ext uri="{FF2B5EF4-FFF2-40B4-BE49-F238E27FC236}">
-                  <a16:creationId xmlns="" xmlns:a16="http://schemas.microsoft.com/office/drawing/2014/main" id="{CC91C93B-224E-47BB-A4B4-F39EF6BD8070}"/>
+                  <a16:creationId xmlns:a16="http://schemas.microsoft.com/office/drawing/2014/main" xmlns="" id="{CC91C93B-224E-47BB-A4B4-F39EF6BD8070}"/>
                 </a:ext>
               </a:extLst>
             </p:cNvPr>
@@ -12104,7 +14475,7 @@
             <p:cNvPr id="14" name="Oval 20">
               <a:extLst>
                 <a:ext uri="{FF2B5EF4-FFF2-40B4-BE49-F238E27FC236}">
-                  <a16:creationId xmlns="" xmlns:a16="http://schemas.microsoft.com/office/drawing/2014/main" id="{9BD5F5FE-EFD9-4804-9B3B-C6D91AFF363C}"/>
+                  <a16:creationId xmlns:a16="http://schemas.microsoft.com/office/drawing/2014/main" xmlns="" id="{9BD5F5FE-EFD9-4804-9B3B-C6D91AFF363C}"/>
                 </a:ext>
               </a:extLst>
             </p:cNvPr>
@@ -12180,7 +14551,7 @@
             <p:cNvPr id="15" name="Group 21">
               <a:extLst>
                 <a:ext uri="{FF2B5EF4-FFF2-40B4-BE49-F238E27FC236}">
-                  <a16:creationId xmlns="" xmlns:a16="http://schemas.microsoft.com/office/drawing/2014/main" id="{7DB5FE9B-6714-4B4D-AB94-45F20F7D5C8E}"/>
+                  <a16:creationId xmlns:a16="http://schemas.microsoft.com/office/drawing/2014/main" xmlns="" id="{7DB5FE9B-6714-4B4D-AB94-45F20F7D5C8E}"/>
                 </a:ext>
               </a:extLst>
             </p:cNvPr>
@@ -12202,7 +14573,7 @@
               <p:cNvPr id="18" name="AutoShape 22">
                 <a:extLst>
                   <a:ext uri="{FF2B5EF4-FFF2-40B4-BE49-F238E27FC236}">
-                    <a16:creationId xmlns="" xmlns:a16="http://schemas.microsoft.com/office/drawing/2014/main" id="{4E5DF4CC-2B73-45EA-B083-30A68ED1FA2A}"/>
+                    <a16:creationId xmlns:a16="http://schemas.microsoft.com/office/drawing/2014/main" xmlns="" id="{4E5DF4CC-2B73-45EA-B083-30A68ED1FA2A}"/>
                   </a:ext>
                 </a:extLst>
               </p:cNvPr>
@@ -12271,7 +14642,7 @@
               <p:cNvPr id="19" name="Freeform 23">
                 <a:extLst>
                   <a:ext uri="{FF2B5EF4-FFF2-40B4-BE49-F238E27FC236}">
-                    <a16:creationId xmlns="" xmlns:a16="http://schemas.microsoft.com/office/drawing/2014/main" id="{A03184C6-4DC0-40F9-A025-A1F34226A187}"/>
+                    <a16:creationId xmlns:a16="http://schemas.microsoft.com/office/drawing/2014/main" xmlns="" id="{A03184C6-4DC0-40F9-A025-A1F34226A187}"/>
                   </a:ext>
                 </a:extLst>
               </p:cNvPr>
@@ -12403,7 +14774,7 @@
             <p:cNvPr id="16" name="AutoShape 36">
               <a:extLst>
                 <a:ext uri="{FF2B5EF4-FFF2-40B4-BE49-F238E27FC236}">
-                  <a16:creationId xmlns="" xmlns:a16="http://schemas.microsoft.com/office/drawing/2014/main" id="{C65C2922-0F06-4601-991B-D9188A55C388}"/>
+                  <a16:creationId xmlns:a16="http://schemas.microsoft.com/office/drawing/2014/main" xmlns="" id="{C65C2922-0F06-4601-991B-D9188A55C388}"/>
                 </a:ext>
               </a:extLst>
             </p:cNvPr>
@@ -12578,7 +14949,7 @@
             <p:cNvPr id="17" name="AutoShape 37">
               <a:extLst>
                 <a:ext uri="{FF2B5EF4-FFF2-40B4-BE49-F238E27FC236}">
-                  <a16:creationId xmlns="" xmlns:a16="http://schemas.microsoft.com/office/drawing/2014/main" id="{9028FBF9-F253-4134-8311-3707C3C5DB2F}"/>
+                  <a16:creationId xmlns:a16="http://schemas.microsoft.com/office/drawing/2014/main" xmlns="" id="{9028FBF9-F253-4134-8311-3707C3C5DB2F}"/>
                 </a:ext>
               </a:extLst>
             </p:cNvPr>
@@ -12757,8 +15128,8 @@
         </p:nvSpPr>
         <p:spPr bwMode="auto">
           <a:xfrm>
-            <a:off x="2093186" y="910564"/>
-            <a:ext cx="4629549" cy="3640654"/>
+            <a:off x="2378788" y="2119747"/>
+            <a:ext cx="4261005" cy="2670463"/>
           </a:xfrm>
           <a:prstGeom prst="rect">
             <a:avLst/>
@@ -12782,14 +15153,308 @@
           <a:lstStyle/>
           <a:p>
             <a:r>
-              <a:rPr kumimoji="1" lang="ja-JP" altLang="en-US" b="1" dirty="0" smtClean="0">
+              <a:rPr lang="ja-JP" altLang="en-US" b="1" dirty="0" smtClean="0">
                 <a:solidFill>
                   <a:srgbClr val="FF0000"/>
                 </a:solidFill>
                 <a:latin typeface="+mj-ea"/>
                 <a:ea typeface="+mj-ea"/>
               </a:rPr>
-              <a:t>・</a:t>
+              <a:t>高生産性と高</a:t>
+            </a:r>
+            <a:r>
+              <a:rPr lang="ja-JP" altLang="en-US" b="1" dirty="0" smtClean="0">
+                <a:solidFill>
+                  <a:srgbClr val="FF0000"/>
+                </a:solidFill>
+                <a:latin typeface="+mj-ea"/>
+                <a:ea typeface="+mj-ea"/>
+              </a:rPr>
+              <a:t>品質の対応で、現場の上層に信頼され、いつも</a:t>
+            </a:r>
+            <a:r>
+              <a:rPr lang="ja-JP" altLang="en-US" b="1" dirty="0" smtClean="0">
+                <a:solidFill>
+                  <a:srgbClr val="FF0000"/>
+                </a:solidFill>
+                <a:latin typeface="+mj-ea"/>
+                <a:ea typeface="+mj-ea"/>
+              </a:rPr>
+              <a:t>コア機能を</a:t>
+            </a:r>
+            <a:r>
+              <a:rPr lang="ja-JP" altLang="en-US" b="1" dirty="0" smtClean="0">
+                <a:solidFill>
+                  <a:srgbClr val="FF0000"/>
+                </a:solidFill>
+                <a:latin typeface="+mj-ea"/>
+                <a:ea typeface="+mj-ea"/>
+              </a:rPr>
+              <a:t>担当させている。</a:t>
+            </a:r>
+            <a:endParaRPr lang="en-US" altLang="ja-JP" b="1" dirty="0">
+              <a:solidFill>
+                <a:srgbClr val="FF0000"/>
+              </a:solidFill>
+              <a:latin typeface="+mj-ea"/>
+              <a:ea typeface="+mj-ea"/>
+            </a:endParaRPr>
+          </a:p>
+          <a:p>
+            <a:r>
+              <a:rPr lang="ja-JP" altLang="en-US" b="1" dirty="0" smtClean="0">
+                <a:solidFill>
+                  <a:srgbClr val="FF0000"/>
+                </a:solidFill>
+                <a:latin typeface="+mj-ea"/>
+                <a:ea typeface="+mj-ea"/>
+              </a:rPr>
+              <a:t>　</a:t>
+            </a:r>
+            <a:r>
+              <a:rPr lang="ja-JP" altLang="en-US" b="1" dirty="0" smtClean="0">
+                <a:solidFill>
+                  <a:srgbClr val="FF0000"/>
+                </a:solidFill>
+                <a:latin typeface="+mj-ea"/>
+                <a:ea typeface="+mj-ea"/>
+              </a:rPr>
+              <a:t> ・</a:t>
+            </a:r>
+            <a:r>
+              <a:rPr lang="ja-JP" altLang="en-US" b="1" dirty="0" smtClean="0">
+                <a:solidFill>
+                  <a:srgbClr val="FF0000"/>
+                </a:solidFill>
+                <a:latin typeface="+mj-ea"/>
+                <a:ea typeface="+mj-ea"/>
+              </a:rPr>
+              <a:t>ポイント突合（規模：</a:t>
+            </a:r>
+            <a:r>
+              <a:rPr lang="en-US" altLang="ja-JP" b="1" dirty="0" smtClean="0">
+                <a:solidFill>
+                  <a:srgbClr val="FF0000"/>
+                </a:solidFill>
+                <a:latin typeface="+mj-ea"/>
+                <a:ea typeface="+mj-ea"/>
+              </a:rPr>
+              <a:t>4k</a:t>
+            </a:r>
+            <a:r>
+              <a:rPr lang="ja-JP" altLang="en-US" b="1" dirty="0" smtClean="0">
+                <a:solidFill>
+                  <a:srgbClr val="FF0000"/>
+                </a:solidFill>
+                <a:latin typeface="+mj-ea"/>
+                <a:ea typeface="+mj-ea"/>
+              </a:rPr>
+              <a:t>）</a:t>
+            </a:r>
+            <a:endParaRPr lang="en-US" altLang="ja-JP" b="1" dirty="0">
+              <a:solidFill>
+                <a:srgbClr val="FF0000"/>
+              </a:solidFill>
+              <a:latin typeface="+mj-ea"/>
+              <a:ea typeface="+mj-ea"/>
+            </a:endParaRPr>
+          </a:p>
+          <a:p>
+            <a:r>
+              <a:rPr lang="ja-JP" altLang="en-US" b="1" dirty="0">
+                <a:solidFill>
+                  <a:srgbClr val="FF0000"/>
+                </a:solidFill>
+                <a:latin typeface="+mj-ea"/>
+                <a:ea typeface="+mj-ea"/>
+              </a:rPr>
+              <a:t>　</a:t>
+            </a:r>
+            <a:r>
+              <a:rPr lang="ja-JP" altLang="en-US" b="1" dirty="0" smtClean="0">
+                <a:solidFill>
+                  <a:srgbClr val="FF0000"/>
+                </a:solidFill>
+                <a:latin typeface="+mj-ea"/>
+                <a:ea typeface="+mj-ea"/>
+              </a:rPr>
+              <a:t> ・</a:t>
+            </a:r>
+            <a:r>
+              <a:rPr lang="ja-JP" altLang="en-US" b="1" dirty="0" smtClean="0">
+                <a:solidFill>
+                  <a:srgbClr val="FF0000"/>
+                </a:solidFill>
+                <a:latin typeface="+mj-ea"/>
+                <a:ea typeface="+mj-ea"/>
+              </a:rPr>
+              <a:t>新規会員予約入会（規模：</a:t>
+            </a:r>
+            <a:r>
+              <a:rPr lang="en-US" altLang="ja-JP" b="1" dirty="0" smtClean="0">
+                <a:solidFill>
+                  <a:srgbClr val="FF0000"/>
+                </a:solidFill>
+                <a:latin typeface="+mj-ea"/>
+                <a:ea typeface="+mj-ea"/>
+              </a:rPr>
+              <a:t>7k</a:t>
+            </a:r>
+            <a:r>
+              <a:rPr lang="ja-JP" altLang="en-US" b="1" dirty="0" smtClean="0">
+                <a:solidFill>
+                  <a:srgbClr val="FF0000"/>
+                </a:solidFill>
+                <a:latin typeface="+mj-ea"/>
+                <a:ea typeface="+mj-ea"/>
+              </a:rPr>
+              <a:t>）</a:t>
+            </a:r>
+            <a:endParaRPr lang="en-US" altLang="ja-JP" b="1" dirty="0" smtClean="0">
+              <a:solidFill>
+                <a:srgbClr val="FF0000"/>
+              </a:solidFill>
+              <a:latin typeface="+mj-ea"/>
+              <a:ea typeface="+mj-ea"/>
+            </a:endParaRPr>
+          </a:p>
+          <a:p>
+            <a:r>
+              <a:rPr lang="ja-JP" altLang="en-US" b="1" dirty="0" smtClean="0">
+                <a:solidFill>
+                  <a:srgbClr val="FF0000"/>
+                </a:solidFill>
+                <a:latin typeface="+mj-ea"/>
+                <a:ea typeface="+mj-ea"/>
+              </a:rPr>
+              <a:t>    ・従業員アップロード</a:t>
+            </a:r>
+            <a:r>
+              <a:rPr lang="ja-JP" altLang="en-US" b="1" dirty="0" smtClean="0">
+                <a:solidFill>
+                  <a:srgbClr val="FF0000"/>
+                </a:solidFill>
+                <a:latin typeface="+mj-ea"/>
+                <a:ea typeface="+mj-ea"/>
+              </a:rPr>
+              <a:t>（規模：</a:t>
+            </a:r>
+            <a:r>
+              <a:rPr lang="en-US" altLang="ja-JP" b="1" dirty="0" smtClean="0">
+                <a:solidFill>
+                  <a:srgbClr val="FF0000"/>
+                </a:solidFill>
+                <a:latin typeface="+mj-ea"/>
+                <a:ea typeface="+mj-ea"/>
+              </a:rPr>
+              <a:t>2k</a:t>
+            </a:r>
+            <a:r>
+              <a:rPr lang="ja-JP" altLang="en-US" b="1" dirty="0" smtClean="0">
+                <a:solidFill>
+                  <a:srgbClr val="FF0000"/>
+                </a:solidFill>
+                <a:latin typeface="+mj-ea"/>
+                <a:ea typeface="+mj-ea"/>
+              </a:rPr>
+              <a:t>）</a:t>
+            </a:r>
+            <a:endParaRPr lang="en-US" altLang="ja-JP" b="1" dirty="0" smtClean="0">
+              <a:solidFill>
+                <a:srgbClr val="FF0000"/>
+              </a:solidFill>
+              <a:latin typeface="+mj-ea"/>
+              <a:ea typeface="+mj-ea"/>
+            </a:endParaRPr>
+          </a:p>
+          <a:p>
+            <a:r>
+              <a:rPr lang="en-US" altLang="ja-JP" b="1" dirty="0">
+                <a:solidFill>
+                  <a:srgbClr val="FF0000"/>
+                </a:solidFill>
+                <a:latin typeface="+mj-ea"/>
+                <a:ea typeface="+mj-ea"/>
+              </a:rPr>
+              <a:t> </a:t>
+            </a:r>
+            <a:r>
+              <a:rPr lang="en-US" altLang="ja-JP" b="1" dirty="0" smtClean="0">
+                <a:solidFill>
+                  <a:srgbClr val="FF0000"/>
+                </a:solidFill>
+                <a:latin typeface="+mj-ea"/>
+                <a:ea typeface="+mj-ea"/>
+              </a:rPr>
+              <a:t>    </a:t>
+            </a:r>
+            <a:r>
+              <a:rPr lang="ja-JP" altLang="en-US" b="1" dirty="0" smtClean="0">
+                <a:solidFill>
+                  <a:srgbClr val="FF0000"/>
+                </a:solidFill>
+                <a:latin typeface="+mj-ea"/>
+                <a:ea typeface="+mj-ea"/>
+              </a:rPr>
+              <a:t>など</a:t>
+            </a:r>
+            <a:r>
+              <a:rPr lang="en-US" altLang="ja-JP" b="1" dirty="0" smtClean="0">
+                <a:solidFill>
+                  <a:srgbClr val="FF0000"/>
+                </a:solidFill>
+                <a:latin typeface="+mj-ea"/>
+                <a:ea typeface="+mj-ea"/>
+              </a:rPr>
+              <a:t>…</a:t>
+            </a:r>
+            <a:endParaRPr lang="en-US" altLang="ja-JP" b="1" dirty="0">
+              <a:solidFill>
+                <a:srgbClr val="FF0000"/>
+              </a:solidFill>
+              <a:latin typeface="+mj-ea"/>
+              <a:ea typeface="+mj-ea"/>
+            </a:endParaRPr>
+          </a:p>
+          <a:p>
+            <a:r>
+              <a:rPr lang="ja-JP" altLang="en-US" b="1" dirty="0" smtClean="0">
+                <a:solidFill>
+                  <a:srgbClr val="002060"/>
+                </a:solidFill>
+                <a:latin typeface="+mj-ea"/>
+                <a:ea typeface="+mj-ea"/>
+              </a:rPr>
+              <a:t>　　</a:t>
+            </a:r>
+            <a:r>
+              <a:rPr lang="ja-JP" altLang="en-US" sz="2400" b="1" dirty="0" smtClean="0">
+                <a:solidFill>
+                  <a:srgbClr val="002060"/>
+                </a:solidFill>
+                <a:latin typeface="+mj-ea"/>
+                <a:ea typeface="+mj-ea"/>
+              </a:rPr>
+              <a:t>私＝品質と納期の担保</a:t>
+            </a:r>
+            <a:endParaRPr lang="en-US" altLang="ja-JP" sz="2400" b="1" dirty="0" smtClean="0">
+              <a:solidFill>
+                <a:srgbClr val="002060"/>
+              </a:solidFill>
+              <a:latin typeface="+mj-ea"/>
+              <a:ea typeface="+mj-ea"/>
+            </a:endParaRPr>
+          </a:p>
+          <a:p>
+            <a:r>
+              <a:rPr lang="ja-JP" altLang="en-US" b="1" dirty="0">
+                <a:solidFill>
+                  <a:srgbClr val="FF0000"/>
+                </a:solidFill>
+                <a:latin typeface="+mj-ea"/>
+                <a:ea typeface="+mj-ea"/>
+              </a:rPr>
+              <a:t>　</a:t>
             </a:r>
             <a:endParaRPr lang="en-US" altLang="ja-JP" b="1" dirty="0" smtClean="0">
               <a:solidFill>
@@ -12801,10 +15466,691 @@
           </a:p>
         </p:txBody>
       </p:sp>
+      <p:grpSp>
+        <p:nvGrpSpPr>
+          <p:cNvPr id="20" name="Group 293">
+            <a:extLst>
+              <a:ext uri="{FF2B5EF4-FFF2-40B4-BE49-F238E27FC236}">
+                <a16:creationId xmlns:a16="http://schemas.microsoft.com/office/drawing/2014/main" xmlns="" id="{FFC370BA-08BF-4CCE-A67B-D347FD899DBA}"/>
+              </a:ext>
+            </a:extLst>
+          </p:cNvPr>
+          <p:cNvGrpSpPr>
+            <a:grpSpLocks/>
+          </p:cNvGrpSpPr>
+          <p:nvPr/>
+        </p:nvGrpSpPr>
+        <p:grpSpPr bwMode="auto">
+          <a:xfrm>
+            <a:off x="1268158" y="984000"/>
+            <a:ext cx="758259" cy="758259"/>
+            <a:chOff x="5037" y="618"/>
+            <a:chExt cx="850" cy="850"/>
+          </a:xfrm>
+        </p:grpSpPr>
+        <p:sp>
+          <p:nvSpPr>
+            <p:cNvPr id="22" name="Oval 50">
+              <a:extLst>
+                <a:ext uri="{FF2B5EF4-FFF2-40B4-BE49-F238E27FC236}">
+                  <a16:creationId xmlns:a16="http://schemas.microsoft.com/office/drawing/2014/main" xmlns="" id="{A9838AB5-C094-4377-A802-21CD3E317274}"/>
+                </a:ext>
+              </a:extLst>
+            </p:cNvPr>
+            <p:cNvSpPr>
+              <a:spLocks noChangeArrowheads="1"/>
+            </p:cNvSpPr>
+            <p:nvPr/>
+          </p:nvSpPr>
+          <p:spPr bwMode="auto">
+            <a:xfrm>
+              <a:off x="5037" y="618"/>
+              <a:ext cx="850" cy="850"/>
+            </a:xfrm>
+            <a:prstGeom prst="ellipse">
+              <a:avLst/>
+            </a:prstGeom>
+            <a:solidFill>
+              <a:srgbClr val="333333"/>
+            </a:solidFill>
+            <a:ln>
+              <a:noFill/>
+            </a:ln>
+            <a:effectLst/>
+            <a:extLst>
+              <a:ext uri="{91240B29-F687-4F45-9708-019B960494DF}">
+                <a14:hiddenLine xmlns:a14="http://schemas.microsoft.com/office/drawing/2010/main" w="38100">
+                  <a:solidFill>
+                    <a:srgbClr val="333333"/>
+                  </a:solidFill>
+                  <a:round/>
+                  <a:headEnd/>
+                  <a:tailEnd/>
+                </a14:hiddenLine>
+              </a:ext>
+              <a:ext uri="{AF507438-7753-43E0-B8FC-AC1667EBCBE1}">
+                <a14:hiddenEffects xmlns:a14="http://schemas.microsoft.com/office/drawing/2010/main">
+                  <a:effectLst>
+                    <a:outerShdw dist="35921" dir="2700000" algn="ctr" rotWithShape="0">
+                      <a:schemeClr val="bg2"/>
+                    </a:outerShdw>
+                  </a:effectLst>
+                </a14:hiddenEffects>
+              </a:ext>
+            </a:extLst>
+          </p:spPr>
+          <p:txBody>
+            <a:bodyPr wrap="none" anchor="ctr"/>
+            <a:lstStyle/>
+            <a:p>
+              <a:endParaRPr lang="ja-JP" altLang="en-US"/>
+            </a:p>
+          </p:txBody>
+        </p:sp>
+        <p:sp>
+          <p:nvSpPr>
+            <p:cNvPr id="23" name="Oval 51">
+              <a:extLst>
+                <a:ext uri="{FF2B5EF4-FFF2-40B4-BE49-F238E27FC236}">
+                  <a16:creationId xmlns:a16="http://schemas.microsoft.com/office/drawing/2014/main" xmlns="" id="{DD6D435C-0F60-4629-BD94-54821F2DE884}"/>
+                </a:ext>
+              </a:extLst>
+            </p:cNvPr>
+            <p:cNvSpPr>
+              <a:spLocks noChangeArrowheads="1"/>
+            </p:cNvSpPr>
+            <p:nvPr/>
+          </p:nvSpPr>
+          <p:spPr bwMode="auto">
+            <a:xfrm>
+              <a:off x="5054" y="635"/>
+              <a:ext cx="817" cy="817"/>
+            </a:xfrm>
+            <a:prstGeom prst="ellipse">
+              <a:avLst/>
+            </a:prstGeom>
+            <a:gradFill rotWithShape="1">
+              <a:gsLst>
+                <a:gs pos="0">
+                  <a:srgbClr val="CC0099">
+                    <a:gamma/>
+                    <a:tint val="60392"/>
+                    <a:invGamma/>
+                  </a:srgbClr>
+                </a:gs>
+                <a:gs pos="100000">
+                  <a:srgbClr val="CC0099"/>
+                </a:gs>
+              </a:gsLst>
+              <a:path path="shape">
+                <a:fillToRect l="50000" t="50000" r="50000" b="50000"/>
+              </a:path>
+            </a:gradFill>
+            <a:ln>
+              <a:noFill/>
+            </a:ln>
+            <a:effectLst/>
+            <a:extLst>
+              <a:ext uri="{91240B29-F687-4F45-9708-019B960494DF}">
+                <a14:hiddenLine xmlns:a14="http://schemas.microsoft.com/office/drawing/2010/main" w="9525">
+                  <a:solidFill>
+                    <a:srgbClr val="FF0000"/>
+                  </a:solidFill>
+                  <a:round/>
+                  <a:headEnd/>
+                  <a:tailEnd/>
+                </a14:hiddenLine>
+              </a:ext>
+              <a:ext uri="{AF507438-7753-43E0-B8FC-AC1667EBCBE1}">
+                <a14:hiddenEffects xmlns:a14="http://schemas.microsoft.com/office/drawing/2010/main">
+                  <a:effectLst>
+                    <a:outerShdw dist="35921" dir="2700000" algn="ctr" rotWithShape="0">
+                      <a:schemeClr val="bg2"/>
+                    </a:outerShdw>
+                  </a:effectLst>
+                </a14:hiddenEffects>
+              </a:ext>
+            </a:extLst>
+          </p:spPr>
+          <p:txBody>
+            <a:bodyPr wrap="none" anchor="ctr"/>
+            <a:lstStyle/>
+            <a:p>
+              <a:endParaRPr lang="ja-JP" altLang="en-US"/>
+            </a:p>
+          </p:txBody>
+        </p:sp>
+        <p:sp>
+          <p:nvSpPr>
+            <p:cNvPr id="24" name="Oval 52">
+              <a:extLst>
+                <a:ext uri="{FF2B5EF4-FFF2-40B4-BE49-F238E27FC236}">
+                  <a16:creationId xmlns:a16="http://schemas.microsoft.com/office/drawing/2014/main" xmlns="" id="{2FF6B54B-606C-4B88-AD79-E1531E472EED}"/>
+                </a:ext>
+              </a:extLst>
+            </p:cNvPr>
+            <p:cNvSpPr>
+              <a:spLocks noChangeArrowheads="1"/>
+            </p:cNvSpPr>
+            <p:nvPr/>
+          </p:nvSpPr>
+          <p:spPr bwMode="auto">
+            <a:xfrm>
+              <a:off x="5326" y="680"/>
+              <a:ext cx="454" cy="454"/>
+            </a:xfrm>
+            <a:prstGeom prst="ellipse">
+              <a:avLst/>
+            </a:prstGeom>
+            <a:gradFill rotWithShape="1">
+              <a:gsLst>
+                <a:gs pos="0">
+                  <a:schemeClr val="bg1">
+                    <a:alpha val="60001"/>
+                  </a:schemeClr>
+                </a:gs>
+                <a:gs pos="100000">
+                  <a:schemeClr val="bg1">
+                    <a:gamma/>
+                    <a:shade val="46275"/>
+                    <a:invGamma/>
+                    <a:alpha val="0"/>
+                  </a:schemeClr>
+                </a:gs>
+              </a:gsLst>
+              <a:path path="shape">
+                <a:fillToRect l="50000" t="50000" r="50000" b="50000"/>
+              </a:path>
+            </a:gradFill>
+            <a:ln>
+              <a:noFill/>
+            </a:ln>
+            <a:effectLst/>
+            <a:extLst>
+              <a:ext uri="{91240B29-F687-4F45-9708-019B960494DF}">
+                <a14:hiddenLine xmlns:a14="http://schemas.microsoft.com/office/drawing/2010/main" w="9525">
+                  <a:solidFill>
+                    <a:srgbClr val="FF0000"/>
+                  </a:solidFill>
+                  <a:round/>
+                  <a:headEnd/>
+                  <a:tailEnd/>
+                </a14:hiddenLine>
+              </a:ext>
+              <a:ext uri="{AF507438-7753-43E0-B8FC-AC1667EBCBE1}">
+                <a14:hiddenEffects xmlns:a14="http://schemas.microsoft.com/office/drawing/2010/main">
+                  <a:effectLst>
+                    <a:outerShdw dist="35921" dir="2700000" algn="ctr" rotWithShape="0">
+                      <a:schemeClr val="bg2"/>
+                    </a:outerShdw>
+                  </a:effectLst>
+                </a14:hiddenEffects>
+              </a:ext>
+            </a:extLst>
+          </p:spPr>
+          <p:txBody>
+            <a:bodyPr wrap="none" anchor="ctr"/>
+            <a:lstStyle/>
+            <a:p>
+              <a:endParaRPr lang="ja-JP" altLang="en-US"/>
+            </a:p>
+          </p:txBody>
+        </p:sp>
+        <p:sp>
+          <p:nvSpPr>
+            <p:cNvPr id="25" name="Freeform 54">
+              <a:extLst>
+                <a:ext uri="{FF2B5EF4-FFF2-40B4-BE49-F238E27FC236}">
+                  <a16:creationId xmlns:a16="http://schemas.microsoft.com/office/drawing/2014/main" xmlns="" id="{11B4C9EE-AFBE-4B95-89C4-2D73C9A5311C}"/>
+                </a:ext>
+              </a:extLst>
+            </p:cNvPr>
+            <p:cNvSpPr>
+              <a:spLocks/>
+            </p:cNvSpPr>
+            <p:nvPr/>
+          </p:nvSpPr>
+          <p:spPr bwMode="auto">
+            <a:xfrm rot="2700000">
+              <a:off x="5207" y="935"/>
+              <a:ext cx="182" cy="182"/>
+            </a:xfrm>
+            <a:custGeom>
+              <a:avLst/>
+              <a:gdLst>
+                <a:gd name="T0" fmla="*/ 272 w 726"/>
+                <a:gd name="T1" fmla="*/ 0 h 726"/>
+                <a:gd name="T2" fmla="*/ 272 w 726"/>
+                <a:gd name="T3" fmla="*/ 272 h 726"/>
+                <a:gd name="T4" fmla="*/ 0 w 726"/>
+                <a:gd name="T5" fmla="*/ 272 h 726"/>
+                <a:gd name="T6" fmla="*/ 0 w 726"/>
+                <a:gd name="T7" fmla="*/ 453 h 726"/>
+                <a:gd name="T8" fmla="*/ 272 w 726"/>
+                <a:gd name="T9" fmla="*/ 453 h 726"/>
+                <a:gd name="T10" fmla="*/ 272 w 726"/>
+                <a:gd name="T11" fmla="*/ 726 h 726"/>
+                <a:gd name="T12" fmla="*/ 454 w 726"/>
+                <a:gd name="T13" fmla="*/ 726 h 726"/>
+                <a:gd name="T14" fmla="*/ 454 w 726"/>
+                <a:gd name="T15" fmla="*/ 453 h 726"/>
+                <a:gd name="T16" fmla="*/ 726 w 726"/>
+                <a:gd name="T17" fmla="*/ 453 h 726"/>
+                <a:gd name="T18" fmla="*/ 726 w 726"/>
+                <a:gd name="T19" fmla="*/ 272 h 726"/>
+                <a:gd name="T20" fmla="*/ 454 w 726"/>
+                <a:gd name="T21" fmla="*/ 272 h 726"/>
+                <a:gd name="T22" fmla="*/ 454 w 726"/>
+                <a:gd name="T23" fmla="*/ 0 h 726"/>
+                <a:gd name="T24" fmla="*/ 272 w 726"/>
+                <a:gd name="T25" fmla="*/ 0 h 726"/>
+              </a:gdLst>
+              <a:ahLst/>
+              <a:cxnLst>
+                <a:cxn ang="0">
+                  <a:pos x="T0" y="T1"/>
+                </a:cxn>
+                <a:cxn ang="0">
+                  <a:pos x="T2" y="T3"/>
+                </a:cxn>
+                <a:cxn ang="0">
+                  <a:pos x="T4" y="T5"/>
+                </a:cxn>
+                <a:cxn ang="0">
+                  <a:pos x="T6" y="T7"/>
+                </a:cxn>
+                <a:cxn ang="0">
+                  <a:pos x="T8" y="T9"/>
+                </a:cxn>
+                <a:cxn ang="0">
+                  <a:pos x="T10" y="T11"/>
+                </a:cxn>
+                <a:cxn ang="0">
+                  <a:pos x="T12" y="T13"/>
+                </a:cxn>
+                <a:cxn ang="0">
+                  <a:pos x="T14" y="T15"/>
+                </a:cxn>
+                <a:cxn ang="0">
+                  <a:pos x="T16" y="T17"/>
+                </a:cxn>
+                <a:cxn ang="0">
+                  <a:pos x="T18" y="T19"/>
+                </a:cxn>
+                <a:cxn ang="0">
+                  <a:pos x="T20" y="T21"/>
+                </a:cxn>
+                <a:cxn ang="0">
+                  <a:pos x="T22" y="T23"/>
+                </a:cxn>
+                <a:cxn ang="0">
+                  <a:pos x="T24" y="T25"/>
+                </a:cxn>
+              </a:cxnLst>
+              <a:rect l="0" t="0" r="r" b="b"/>
+              <a:pathLst>
+                <a:path w="726" h="726">
+                  <a:moveTo>
+                    <a:pt x="272" y="0"/>
+                  </a:moveTo>
+                  <a:lnTo>
+                    <a:pt x="272" y="272"/>
+                  </a:lnTo>
+                  <a:lnTo>
+                    <a:pt x="0" y="272"/>
+                  </a:lnTo>
+                  <a:lnTo>
+                    <a:pt x="0" y="453"/>
+                  </a:lnTo>
+                  <a:lnTo>
+                    <a:pt x="272" y="453"/>
+                  </a:lnTo>
+                  <a:lnTo>
+                    <a:pt x="272" y="726"/>
+                  </a:lnTo>
+                  <a:lnTo>
+                    <a:pt x="454" y="726"/>
+                  </a:lnTo>
+                  <a:lnTo>
+                    <a:pt x="454" y="453"/>
+                  </a:lnTo>
+                  <a:lnTo>
+                    <a:pt x="726" y="453"/>
+                  </a:lnTo>
+                  <a:lnTo>
+                    <a:pt x="726" y="272"/>
+                  </a:lnTo>
+                  <a:lnTo>
+                    <a:pt x="454" y="272"/>
+                  </a:lnTo>
+                  <a:lnTo>
+                    <a:pt x="454" y="0"/>
+                  </a:lnTo>
+                  <a:lnTo>
+                    <a:pt x="272" y="0"/>
+                  </a:lnTo>
+                  <a:close/>
+                </a:path>
+              </a:pathLst>
+            </a:custGeom>
+            <a:solidFill>
+              <a:schemeClr val="tx1"/>
+            </a:solidFill>
+            <a:ln>
+              <a:noFill/>
+            </a:ln>
+            <a:effectLst/>
+            <a:extLst>
+              <a:ext uri="{91240B29-F687-4F45-9708-019B960494DF}">
+                <a14:hiddenLine xmlns:a14="http://schemas.microsoft.com/office/drawing/2010/main" w="9525" cap="flat" cmpd="sng">
+                  <a:solidFill>
+                    <a:srgbClr val="FF0000"/>
+                  </a:solidFill>
+                  <a:prstDash val="solid"/>
+                  <a:round/>
+                  <a:headEnd/>
+                  <a:tailEnd/>
+                </a14:hiddenLine>
+              </a:ext>
+              <a:ext uri="{AF507438-7753-43E0-B8FC-AC1667EBCBE1}">
+                <a14:hiddenEffects xmlns:a14="http://schemas.microsoft.com/office/drawing/2010/main">
+                  <a:effectLst>
+                    <a:outerShdw dist="35921" dir="2700000" algn="ctr" rotWithShape="0">
+                      <a:schemeClr val="bg2"/>
+                    </a:outerShdw>
+                  </a:effectLst>
+                </a14:hiddenEffects>
+              </a:ext>
+            </a:extLst>
+          </p:spPr>
+          <p:txBody>
+            <a:bodyPr/>
+            <a:lstStyle/>
+            <a:p>
+              <a:endParaRPr lang="ja-JP" altLang="en-US"/>
+            </a:p>
+          </p:txBody>
+        </p:sp>
+        <p:sp>
+          <p:nvSpPr>
+            <p:cNvPr id="26" name="Freeform 55">
+              <a:extLst>
+                <a:ext uri="{FF2B5EF4-FFF2-40B4-BE49-F238E27FC236}">
+                  <a16:creationId xmlns:a16="http://schemas.microsoft.com/office/drawing/2014/main" xmlns="" id="{61FD8900-59DC-4DF8-9E0F-FA65E3D087D7}"/>
+                </a:ext>
+              </a:extLst>
+            </p:cNvPr>
+            <p:cNvSpPr>
+              <a:spLocks/>
+            </p:cNvSpPr>
+            <p:nvPr/>
+          </p:nvSpPr>
+          <p:spPr bwMode="auto">
+            <a:xfrm rot="2700000">
+              <a:off x="5524" y="935"/>
+              <a:ext cx="182" cy="182"/>
+            </a:xfrm>
+            <a:custGeom>
+              <a:avLst/>
+              <a:gdLst>
+                <a:gd name="T0" fmla="*/ 272 w 726"/>
+                <a:gd name="T1" fmla="*/ 0 h 726"/>
+                <a:gd name="T2" fmla="*/ 272 w 726"/>
+                <a:gd name="T3" fmla="*/ 272 h 726"/>
+                <a:gd name="T4" fmla="*/ 0 w 726"/>
+                <a:gd name="T5" fmla="*/ 272 h 726"/>
+                <a:gd name="T6" fmla="*/ 0 w 726"/>
+                <a:gd name="T7" fmla="*/ 453 h 726"/>
+                <a:gd name="T8" fmla="*/ 272 w 726"/>
+                <a:gd name="T9" fmla="*/ 453 h 726"/>
+                <a:gd name="T10" fmla="*/ 272 w 726"/>
+                <a:gd name="T11" fmla="*/ 726 h 726"/>
+                <a:gd name="T12" fmla="*/ 454 w 726"/>
+                <a:gd name="T13" fmla="*/ 726 h 726"/>
+                <a:gd name="T14" fmla="*/ 454 w 726"/>
+                <a:gd name="T15" fmla="*/ 453 h 726"/>
+                <a:gd name="T16" fmla="*/ 726 w 726"/>
+                <a:gd name="T17" fmla="*/ 453 h 726"/>
+                <a:gd name="T18" fmla="*/ 726 w 726"/>
+                <a:gd name="T19" fmla="*/ 272 h 726"/>
+                <a:gd name="T20" fmla="*/ 454 w 726"/>
+                <a:gd name="T21" fmla="*/ 272 h 726"/>
+                <a:gd name="T22" fmla="*/ 454 w 726"/>
+                <a:gd name="T23" fmla="*/ 0 h 726"/>
+                <a:gd name="T24" fmla="*/ 272 w 726"/>
+                <a:gd name="T25" fmla="*/ 0 h 726"/>
+              </a:gdLst>
+              <a:ahLst/>
+              <a:cxnLst>
+                <a:cxn ang="0">
+                  <a:pos x="T0" y="T1"/>
+                </a:cxn>
+                <a:cxn ang="0">
+                  <a:pos x="T2" y="T3"/>
+                </a:cxn>
+                <a:cxn ang="0">
+                  <a:pos x="T4" y="T5"/>
+                </a:cxn>
+                <a:cxn ang="0">
+                  <a:pos x="T6" y="T7"/>
+                </a:cxn>
+                <a:cxn ang="0">
+                  <a:pos x="T8" y="T9"/>
+                </a:cxn>
+                <a:cxn ang="0">
+                  <a:pos x="T10" y="T11"/>
+                </a:cxn>
+                <a:cxn ang="0">
+                  <a:pos x="T12" y="T13"/>
+                </a:cxn>
+                <a:cxn ang="0">
+                  <a:pos x="T14" y="T15"/>
+                </a:cxn>
+                <a:cxn ang="0">
+                  <a:pos x="T16" y="T17"/>
+                </a:cxn>
+                <a:cxn ang="0">
+                  <a:pos x="T18" y="T19"/>
+                </a:cxn>
+                <a:cxn ang="0">
+                  <a:pos x="T20" y="T21"/>
+                </a:cxn>
+                <a:cxn ang="0">
+                  <a:pos x="T22" y="T23"/>
+                </a:cxn>
+                <a:cxn ang="0">
+                  <a:pos x="T24" y="T25"/>
+                </a:cxn>
+              </a:cxnLst>
+              <a:rect l="0" t="0" r="r" b="b"/>
+              <a:pathLst>
+                <a:path w="726" h="726">
+                  <a:moveTo>
+                    <a:pt x="272" y="0"/>
+                  </a:moveTo>
+                  <a:lnTo>
+                    <a:pt x="272" y="272"/>
+                  </a:lnTo>
+                  <a:lnTo>
+                    <a:pt x="0" y="272"/>
+                  </a:lnTo>
+                  <a:lnTo>
+                    <a:pt x="0" y="453"/>
+                  </a:lnTo>
+                  <a:lnTo>
+                    <a:pt x="272" y="453"/>
+                  </a:lnTo>
+                  <a:lnTo>
+                    <a:pt x="272" y="726"/>
+                  </a:lnTo>
+                  <a:lnTo>
+                    <a:pt x="454" y="726"/>
+                  </a:lnTo>
+                  <a:lnTo>
+                    <a:pt x="454" y="453"/>
+                  </a:lnTo>
+                  <a:lnTo>
+                    <a:pt x="726" y="453"/>
+                  </a:lnTo>
+                  <a:lnTo>
+                    <a:pt x="726" y="272"/>
+                  </a:lnTo>
+                  <a:lnTo>
+                    <a:pt x="454" y="272"/>
+                  </a:lnTo>
+                  <a:lnTo>
+                    <a:pt x="454" y="0"/>
+                  </a:lnTo>
+                  <a:lnTo>
+                    <a:pt x="272" y="0"/>
+                  </a:lnTo>
+                  <a:close/>
+                </a:path>
+              </a:pathLst>
+            </a:custGeom>
+            <a:solidFill>
+              <a:schemeClr val="tx1"/>
+            </a:solidFill>
+            <a:ln>
+              <a:noFill/>
+            </a:ln>
+            <a:effectLst/>
+            <a:extLst>
+              <a:ext uri="{91240B29-F687-4F45-9708-019B960494DF}">
+                <a14:hiddenLine xmlns:a14="http://schemas.microsoft.com/office/drawing/2010/main" w="9525" cap="flat" cmpd="sng">
+                  <a:solidFill>
+                    <a:srgbClr val="FF0000"/>
+                  </a:solidFill>
+                  <a:prstDash val="solid"/>
+                  <a:round/>
+                  <a:headEnd/>
+                  <a:tailEnd/>
+                </a14:hiddenLine>
+              </a:ext>
+              <a:ext uri="{AF507438-7753-43E0-B8FC-AC1667EBCBE1}">
+                <a14:hiddenEffects xmlns:a14="http://schemas.microsoft.com/office/drawing/2010/main">
+                  <a:effectLst>
+                    <a:outerShdw dist="35921" dir="2700000" algn="ctr" rotWithShape="0">
+                      <a:schemeClr val="bg2"/>
+                    </a:outerShdw>
+                  </a:effectLst>
+                </a14:hiddenEffects>
+              </a:ext>
+            </a:extLst>
+          </p:spPr>
+          <p:txBody>
+            <a:bodyPr/>
+            <a:lstStyle/>
+            <a:p>
+              <a:endParaRPr lang="ja-JP" altLang="en-US"/>
+            </a:p>
+          </p:txBody>
+        </p:sp>
+        <p:sp>
+          <p:nvSpPr>
+            <p:cNvPr id="27" name="AutoShape 59">
+              <a:extLst>
+                <a:ext uri="{FF2B5EF4-FFF2-40B4-BE49-F238E27FC236}">
+                  <a16:creationId xmlns:a16="http://schemas.microsoft.com/office/drawing/2014/main" xmlns="" id="{8725B85B-EFDB-41AA-BF87-5BA5E80973EF}"/>
+                </a:ext>
+              </a:extLst>
+            </p:cNvPr>
+            <p:cNvSpPr>
+              <a:spLocks noChangeArrowheads="1"/>
+            </p:cNvSpPr>
+            <p:nvPr/>
+          </p:nvSpPr>
+          <p:spPr bwMode="auto">
+            <a:xfrm rot="27000000">
+              <a:off x="5456" y="1049"/>
+              <a:ext cx="45" cy="453"/>
+            </a:xfrm>
+            <a:prstGeom prst="moon">
+              <a:avLst>
+                <a:gd name="adj" fmla="val 33329"/>
+              </a:avLst>
+            </a:prstGeom>
+            <a:solidFill>
+              <a:srgbClr val="000000"/>
+            </a:solidFill>
+            <a:ln>
+              <a:noFill/>
+            </a:ln>
+            <a:effectLst/>
+            <a:extLst>
+              <a:ext uri="{91240B29-F687-4F45-9708-019B960494DF}">
+                <a14:hiddenLine xmlns:a14="http://schemas.microsoft.com/office/drawing/2010/main" w="9525">
+                  <a:solidFill>
+                    <a:srgbClr val="FF0000"/>
+                  </a:solidFill>
+                  <a:miter lim="800000"/>
+                  <a:headEnd/>
+                  <a:tailEnd/>
+                </a14:hiddenLine>
+              </a:ext>
+              <a:ext uri="{AF507438-7753-43E0-B8FC-AC1667EBCBE1}">
+                <a14:hiddenEffects xmlns:a14="http://schemas.microsoft.com/office/drawing/2010/main">
+                  <a:effectLst>
+                    <a:outerShdw dist="35921" dir="2700000" algn="ctr" rotWithShape="0">
+                      <a:schemeClr val="bg2"/>
+                    </a:outerShdw>
+                  </a:effectLst>
+                </a14:hiddenEffects>
+              </a:ext>
+            </a:extLst>
+          </p:spPr>
+          <p:txBody>
+            <a:bodyPr wrap="none" anchor="ctr"/>
+            <a:lstStyle/>
+            <a:p>
+              <a:endParaRPr lang="ja-JP" altLang="en-US"/>
+            </a:p>
+          </p:txBody>
+        </p:sp>
+      </p:grpSp>
+      <p:sp>
+        <p:nvSpPr>
+          <p:cNvPr id="28" name="正方形/長方形 27"/>
+          <p:cNvSpPr/>
+          <p:nvPr/>
+        </p:nvSpPr>
+        <p:spPr bwMode="auto">
+          <a:xfrm>
+            <a:off x="2348305" y="973609"/>
+            <a:ext cx="4343443" cy="702951"/>
+          </a:xfrm>
+          <a:prstGeom prst="rect">
+            <a:avLst/>
+          </a:prstGeom>
+          <a:noFill/>
+          <a:ln>
+            <a:solidFill>
+              <a:schemeClr val="accent1"/>
+            </a:solidFill>
+          </a:ln>
+          <a:effectLst/>
+          <a:extLst/>
+        </p:spPr>
+        <p:txBody>
+          <a:bodyPr rot="0" spcFirstLastPara="0" vertOverflow="overflow" horzOverflow="overflow" vert="horz" wrap="square" lIns="91440" tIns="45720" rIns="91440" bIns="45720" numCol="1" spcCol="0" rtlCol="0" fromWordArt="0" anchor="ctr" anchorCtr="0" forceAA="0" compatLnSpc="1">
+            <a:prstTxWarp prst="textNoShape">
+              <a:avLst/>
+            </a:prstTxWarp>
+            <a:noAutofit/>
+          </a:bodyPr>
+          <a:lstStyle/>
+          <a:p>
+            <a:endParaRPr kumimoji="1" lang="ja-JP" altLang="en-US" b="1" dirty="0">
+              <a:latin typeface="+mj-ea"/>
+              <a:ea typeface="+mj-ea"/>
+            </a:endParaRPr>
+          </a:p>
+        </p:txBody>
+      </p:sp>
     </p:spTree>
     <p:extLst>
       <p:ext uri="{BB962C8B-B14F-4D97-AF65-F5344CB8AC3E}">
-        <p14:creationId xmlns:p14="http://schemas.microsoft.com/office/powerpoint/2010/main" val="3249580482"/>
+        <p14:creationId xmlns:p14="http://schemas.microsoft.com/office/powerpoint/2010/main" val="3465294927"/>
       </p:ext>
     </p:extLst>
   </p:cSld>
@@ -12850,8 +16196,8 @@
         </p:nvSpPr>
         <p:spPr>
           <a:xfrm>
-            <a:off x="1052734" y="404783"/>
-            <a:ext cx="5805265" cy="390295"/>
+            <a:off x="1052735" y="481728"/>
+            <a:ext cx="5670000" cy="313350"/>
           </a:xfrm>
         </p:spPr>
         <p:txBody>
@@ -12859,7 +16205,7 @@
           <a:lstStyle/>
           <a:p>
             <a:r>
-              <a:rPr lang="ja-JP" altLang="en-US" sz="2300" dirty="0">
+              <a:rPr lang="ja-JP" altLang="en-US" dirty="0">
                 <a:solidFill>
                   <a:schemeClr val="accent6">
                     <a:lumMod val="50000"/>
@@ -12868,10 +16214,10 @@
                 </a:solidFill>
                 <a:latin typeface="+mn-ea"/>
               </a:rPr>
-              <a:t>超えるべき「Ｘ</a:t>
-            </a:r>
-            <a:r>
-              <a:rPr lang="ja-JP" altLang="en-US" sz="2300" dirty="0" smtClean="0">
+              <a:t>進化</a:t>
+            </a:r>
+            <a:r>
+              <a:rPr lang="ja-JP" altLang="en-US" dirty="0" smtClean="0">
                 <a:solidFill>
                   <a:schemeClr val="accent6">
                     <a:lumMod val="50000"/>
@@ -12880,10 +16226,10 @@
                 </a:solidFill>
                 <a:latin typeface="+mn-ea"/>
               </a:rPr>
-              <a:t>」、</a:t>
-            </a:r>
-            <a:r>
-              <a:rPr lang="ja-JP" altLang="en-US" sz="2300" dirty="0">
+              <a:t>の</a:t>
+            </a:r>
+            <a:r>
+              <a:rPr lang="ja-JP" altLang="en-US" dirty="0" smtClean="0">
                 <a:solidFill>
                   <a:schemeClr val="accent6">
                     <a:lumMod val="50000"/>
@@ -12892,10 +16238,10 @@
                 </a:solidFill>
                 <a:latin typeface="+mn-ea"/>
               </a:rPr>
-              <a:t>これまでしてきた</a:t>
-            </a:r>
-            <a:r>
-              <a:rPr lang="ja-JP" altLang="en-US" sz="2300" dirty="0" smtClean="0">
+              <a:t>自分</a:t>
+            </a:r>
+            <a:r>
+              <a:rPr lang="en-US" altLang="ja-JP" dirty="0" smtClean="0">
                 <a:solidFill>
                   <a:schemeClr val="accent6">
                     <a:lumMod val="50000"/>
@@ -12904,156 +16250,832 @@
                 </a:solidFill>
                 <a:latin typeface="+mn-ea"/>
               </a:rPr>
-              <a:t>こと</a:t>
-            </a:r>
-            <a:endParaRPr kumimoji="1" lang="ja-JP" altLang="en-US" sz="2300" dirty="0"/>
+              <a:t>-</a:t>
+            </a:r>
+            <a:r>
+              <a:rPr lang="ja-JP" altLang="en-US" dirty="0" smtClean="0">
+                <a:solidFill>
+                  <a:schemeClr val="accent6">
+                    <a:lumMod val="50000"/>
+                    <a:lumOff val="50000"/>
+                  </a:schemeClr>
+                </a:solidFill>
+                <a:latin typeface="+mn-ea"/>
+              </a:rPr>
+              <a:t>マネジメント</a:t>
+            </a:r>
+            <a:endParaRPr kumimoji="1" lang="ja-JP" altLang="en-US" dirty="0"/>
           </a:p>
         </p:txBody>
       </p:sp>
-      <p:sp>
-        <p:nvSpPr>
-          <p:cNvPr id="3" name="テキスト プレースホルダー 2"/>
-          <p:cNvSpPr>
-            <a:spLocks noGrp="1"/>
-          </p:cNvSpPr>
-          <p:nvPr>
-            <p:ph type="body" sz="quarter" idx="10"/>
-          </p:nvPr>
-        </p:nvSpPr>
-        <p:spPr/>
-        <p:txBody>
-          <a:bodyPr/>
-          <a:lstStyle/>
-          <a:p>
-            <a:r>
-              <a:rPr lang="ja-JP" altLang="en-US" dirty="0" smtClean="0"/>
-              <a:t>■現場</a:t>
-            </a:r>
-            <a:r>
-              <a:rPr kumimoji="1" lang="ja-JP" altLang="en-US" dirty="0" smtClean="0"/>
-              <a:t>リーダーとしての</a:t>
-            </a:r>
-            <a:r>
-              <a:rPr lang="ja-JP" altLang="en-US" dirty="0" smtClean="0"/>
-              <a:t>活躍</a:t>
-            </a:r>
-            <a:endParaRPr lang="en-US" altLang="ja-JP" dirty="0" smtClean="0"/>
-          </a:p>
-          <a:p>
-            <a:r>
-              <a:rPr lang="ja-JP" altLang="en-US" dirty="0"/>
-              <a:t>　</a:t>
-            </a:r>
-            <a:r>
-              <a:rPr lang="en-US" altLang="ja-JP" dirty="0" smtClean="0"/>
-              <a:t>【CRM</a:t>
-            </a:r>
-            <a:r>
-              <a:rPr lang="ja-JP" altLang="en-US" dirty="0" smtClean="0"/>
-              <a:t>プロジェクト移行対応</a:t>
-            </a:r>
-            <a:r>
-              <a:rPr lang="en-US" altLang="ja-JP" dirty="0" smtClean="0"/>
-              <a:t>】</a:t>
-            </a:r>
-          </a:p>
-          <a:p>
-            <a:r>
-              <a:rPr kumimoji="1" lang="ja-JP" altLang="en-US" dirty="0"/>
-              <a:t>　</a:t>
-            </a:r>
-            <a:r>
-              <a:rPr kumimoji="1" lang="ja-JP" altLang="en-US" dirty="0" smtClean="0"/>
-              <a:t>　○マネジメント能力</a:t>
-            </a:r>
-            <a:endParaRPr kumimoji="1" lang="en-US" altLang="ja-JP" dirty="0" smtClean="0"/>
-          </a:p>
-          <a:p>
-            <a:r>
-              <a:rPr lang="ja-JP" altLang="en-US" dirty="0"/>
-              <a:t>　</a:t>
-            </a:r>
-            <a:r>
-              <a:rPr lang="ja-JP" altLang="en-US" dirty="0" smtClean="0"/>
-              <a:t>　　　・作業スケジュール管理</a:t>
-            </a:r>
-            <a:endParaRPr lang="en-US" altLang="ja-JP" dirty="0" smtClean="0"/>
-          </a:p>
-          <a:p>
-            <a:r>
-              <a:rPr kumimoji="1" lang="ja-JP" altLang="en-US" dirty="0"/>
-              <a:t>　</a:t>
-            </a:r>
-            <a:r>
-              <a:rPr kumimoji="1" lang="ja-JP" altLang="en-US" dirty="0" smtClean="0"/>
-              <a:t>　　　・作業の配分</a:t>
-            </a:r>
-            <a:endParaRPr kumimoji="1" lang="en-US" altLang="ja-JP" dirty="0" smtClean="0"/>
-          </a:p>
-          <a:p>
-            <a:r>
-              <a:rPr lang="ja-JP" altLang="en-US" dirty="0"/>
-              <a:t>　</a:t>
-            </a:r>
-            <a:r>
-              <a:rPr lang="ja-JP" altLang="en-US" dirty="0" smtClean="0"/>
-              <a:t>　　　・仕様の調整</a:t>
-            </a:r>
-            <a:endParaRPr kumimoji="1" lang="en-US" altLang="ja-JP" dirty="0" smtClean="0"/>
-          </a:p>
-          <a:p>
-            <a:r>
-              <a:rPr kumimoji="1" lang="ja-JP" altLang="en-US" dirty="0"/>
-              <a:t>　</a:t>
-            </a:r>
-            <a:r>
-              <a:rPr kumimoji="1" lang="ja-JP" altLang="en-US" dirty="0" smtClean="0"/>
-              <a:t>　○生産性向上と品質向上のため、技術検討とメンバに展開</a:t>
-            </a:r>
-            <a:endParaRPr kumimoji="1" lang="en-US" altLang="ja-JP" dirty="0" smtClean="0"/>
-          </a:p>
-          <a:p>
-            <a:r>
-              <a:rPr lang="ja-JP" altLang="en-US" dirty="0"/>
-              <a:t>　</a:t>
-            </a:r>
-            <a:r>
-              <a:rPr lang="ja-JP" altLang="en-US" dirty="0" smtClean="0"/>
-              <a:t>　　　・標準的な移行プログラム設計（生産性向上）</a:t>
-            </a:r>
-            <a:endParaRPr lang="en-US" altLang="ja-JP" dirty="0" smtClean="0"/>
-          </a:p>
-          <a:p>
-            <a:r>
-              <a:rPr kumimoji="1" lang="ja-JP" altLang="en-US" dirty="0"/>
-              <a:t>　</a:t>
-            </a:r>
-            <a:r>
-              <a:rPr kumimoji="1" lang="ja-JP" altLang="en-US" dirty="0" smtClean="0"/>
-              <a:t>　　　・テスト自動化（品質向上）</a:t>
-            </a:r>
-            <a:r>
-              <a:rPr lang="ja-JP" altLang="en-US" dirty="0"/>
-              <a:t>　</a:t>
-            </a:r>
-            <a:r>
-              <a:rPr lang="ja-JP" altLang="en-US" dirty="0" smtClean="0"/>
-              <a:t>　　　</a:t>
-            </a:r>
-            <a:endParaRPr kumimoji="1" lang="en-US" altLang="ja-JP" dirty="0" smtClean="0"/>
-          </a:p>
-          <a:p>
-            <a:endParaRPr lang="en-US" altLang="ja-JP" dirty="0" smtClean="0"/>
-          </a:p>
-          <a:p>
-            <a:endParaRPr lang="en-US" altLang="ja-JP" dirty="0"/>
-          </a:p>
-        </p:txBody>
-      </p:sp>
+      <p:grpSp>
+        <p:nvGrpSpPr>
+          <p:cNvPr id="11" name="Group 296">
+            <a:extLst>
+              <a:ext uri="{FF2B5EF4-FFF2-40B4-BE49-F238E27FC236}">
+                <a16:creationId xmlns:a16="http://schemas.microsoft.com/office/drawing/2014/main" xmlns="" id="{3842FC64-AB39-42D7-A48C-0FE49F99806C}"/>
+              </a:ext>
+            </a:extLst>
+          </p:cNvPr>
+          <p:cNvGrpSpPr>
+            <a:grpSpLocks/>
+          </p:cNvGrpSpPr>
+          <p:nvPr/>
+        </p:nvGrpSpPr>
+        <p:grpSpPr bwMode="auto">
+          <a:xfrm>
+            <a:off x="1214776" y="1051322"/>
+            <a:ext cx="788463" cy="755574"/>
+            <a:chOff x="336" y="601"/>
+            <a:chExt cx="850" cy="850"/>
+          </a:xfrm>
+        </p:grpSpPr>
+        <p:sp>
+          <p:nvSpPr>
+            <p:cNvPr id="12" name="Oval 2">
+              <a:extLst>
+                <a:ext uri="{FF2B5EF4-FFF2-40B4-BE49-F238E27FC236}">
+                  <a16:creationId xmlns:a16="http://schemas.microsoft.com/office/drawing/2014/main" xmlns="" id="{9267EE0A-4BA4-4E94-8745-FFA9A06F71A9}"/>
+                </a:ext>
+              </a:extLst>
+            </p:cNvPr>
+            <p:cNvSpPr>
+              <a:spLocks noChangeArrowheads="1"/>
+            </p:cNvSpPr>
+            <p:nvPr/>
+          </p:nvSpPr>
+          <p:spPr bwMode="auto">
+            <a:xfrm>
+              <a:off x="336" y="601"/>
+              <a:ext cx="850" cy="850"/>
+            </a:xfrm>
+            <a:prstGeom prst="ellipse">
+              <a:avLst/>
+            </a:prstGeom>
+            <a:solidFill>
+              <a:srgbClr val="333333"/>
+            </a:solidFill>
+            <a:ln>
+              <a:noFill/>
+            </a:ln>
+            <a:effectLst/>
+            <a:extLst>
+              <a:ext uri="{91240B29-F687-4F45-9708-019B960494DF}">
+                <a14:hiddenLine xmlns:a14="http://schemas.microsoft.com/office/drawing/2010/main" w="38100">
+                  <a:solidFill>
+                    <a:srgbClr val="333333"/>
+                  </a:solidFill>
+                  <a:round/>
+                  <a:headEnd/>
+                  <a:tailEnd/>
+                </a14:hiddenLine>
+              </a:ext>
+              <a:ext uri="{AF507438-7753-43E0-B8FC-AC1667EBCBE1}">
+                <a14:hiddenEffects xmlns:a14="http://schemas.microsoft.com/office/drawing/2010/main">
+                  <a:effectLst>
+                    <a:outerShdw dist="35921" dir="2700000" algn="ctr" rotWithShape="0">
+                      <a:schemeClr val="bg2"/>
+                    </a:outerShdw>
+                  </a:effectLst>
+                </a14:hiddenEffects>
+              </a:ext>
+            </a:extLst>
+          </p:spPr>
+          <p:txBody>
+            <a:bodyPr wrap="none" anchor="ctr"/>
+            <a:lstStyle/>
+            <a:p>
+              <a:endParaRPr lang="ja-JP" altLang="en-US"/>
+            </a:p>
+          </p:txBody>
+        </p:sp>
+        <p:sp>
+          <p:nvSpPr>
+            <p:cNvPr id="13" name="Oval 19">
+              <a:extLst>
+                <a:ext uri="{FF2B5EF4-FFF2-40B4-BE49-F238E27FC236}">
+                  <a16:creationId xmlns:a16="http://schemas.microsoft.com/office/drawing/2014/main" xmlns="" id="{CC91C93B-224E-47BB-A4B4-F39EF6BD8070}"/>
+                </a:ext>
+              </a:extLst>
+            </p:cNvPr>
+            <p:cNvSpPr>
+              <a:spLocks noChangeArrowheads="1"/>
+            </p:cNvSpPr>
+            <p:nvPr/>
+          </p:nvSpPr>
+          <p:spPr bwMode="auto">
+            <a:xfrm>
+              <a:off x="353" y="618"/>
+              <a:ext cx="817" cy="817"/>
+            </a:xfrm>
+            <a:prstGeom prst="ellipse">
+              <a:avLst/>
+            </a:prstGeom>
+            <a:gradFill rotWithShape="1">
+              <a:gsLst>
+                <a:gs pos="0">
+                  <a:srgbClr val="FF0000">
+                    <a:gamma/>
+                    <a:tint val="60392"/>
+                    <a:invGamma/>
+                  </a:srgbClr>
+                </a:gs>
+                <a:gs pos="100000">
+                  <a:srgbClr val="FF0000"/>
+                </a:gs>
+              </a:gsLst>
+              <a:path path="shape">
+                <a:fillToRect l="50000" t="50000" r="50000" b="50000"/>
+              </a:path>
+            </a:gradFill>
+            <a:ln>
+              <a:noFill/>
+            </a:ln>
+            <a:effectLst/>
+            <a:extLst>
+              <a:ext uri="{91240B29-F687-4F45-9708-019B960494DF}">
+                <a14:hiddenLine xmlns:a14="http://schemas.microsoft.com/office/drawing/2010/main" w="9525">
+                  <a:solidFill>
+                    <a:srgbClr val="FF0000"/>
+                  </a:solidFill>
+                  <a:round/>
+                  <a:headEnd/>
+                  <a:tailEnd/>
+                </a14:hiddenLine>
+              </a:ext>
+              <a:ext uri="{AF507438-7753-43E0-B8FC-AC1667EBCBE1}">
+                <a14:hiddenEffects xmlns:a14="http://schemas.microsoft.com/office/drawing/2010/main">
+                  <a:effectLst>
+                    <a:outerShdw dist="35921" dir="2700000" algn="ctr" rotWithShape="0">
+                      <a:schemeClr val="bg2"/>
+                    </a:outerShdw>
+                  </a:effectLst>
+                </a14:hiddenEffects>
+              </a:ext>
+            </a:extLst>
+          </p:spPr>
+          <p:txBody>
+            <a:bodyPr wrap="none" anchor="ctr"/>
+            <a:lstStyle/>
+            <a:p>
+              <a:endParaRPr lang="ja-JP" altLang="en-US"/>
+            </a:p>
+          </p:txBody>
+        </p:sp>
+        <p:sp>
+          <p:nvSpPr>
+            <p:cNvPr id="14" name="Oval 20">
+              <a:extLst>
+                <a:ext uri="{FF2B5EF4-FFF2-40B4-BE49-F238E27FC236}">
+                  <a16:creationId xmlns:a16="http://schemas.microsoft.com/office/drawing/2014/main" xmlns="" id="{9BD5F5FE-EFD9-4804-9B3B-C6D91AFF363C}"/>
+                </a:ext>
+              </a:extLst>
+            </p:cNvPr>
+            <p:cNvSpPr>
+              <a:spLocks noChangeArrowheads="1"/>
+            </p:cNvSpPr>
+            <p:nvPr/>
+          </p:nvSpPr>
+          <p:spPr bwMode="auto">
+            <a:xfrm>
+              <a:off x="625" y="663"/>
+              <a:ext cx="454" cy="454"/>
+            </a:xfrm>
+            <a:prstGeom prst="ellipse">
+              <a:avLst/>
+            </a:prstGeom>
+            <a:gradFill rotWithShape="1">
+              <a:gsLst>
+                <a:gs pos="0">
+                  <a:schemeClr val="bg1">
+                    <a:alpha val="60001"/>
+                  </a:schemeClr>
+                </a:gs>
+                <a:gs pos="100000">
+                  <a:schemeClr val="bg1">
+                    <a:gamma/>
+                    <a:shade val="46275"/>
+                    <a:invGamma/>
+                    <a:alpha val="0"/>
+                  </a:schemeClr>
+                </a:gs>
+              </a:gsLst>
+              <a:path path="shape">
+                <a:fillToRect l="50000" t="50000" r="50000" b="50000"/>
+              </a:path>
+            </a:gradFill>
+            <a:ln>
+              <a:noFill/>
+            </a:ln>
+            <a:effectLst/>
+            <a:extLst>
+              <a:ext uri="{91240B29-F687-4F45-9708-019B960494DF}">
+                <a14:hiddenLine xmlns:a14="http://schemas.microsoft.com/office/drawing/2010/main" w="9525">
+                  <a:solidFill>
+                    <a:srgbClr val="FF0000"/>
+                  </a:solidFill>
+                  <a:round/>
+                  <a:headEnd/>
+                  <a:tailEnd/>
+                </a14:hiddenLine>
+              </a:ext>
+              <a:ext uri="{AF507438-7753-43E0-B8FC-AC1667EBCBE1}">
+                <a14:hiddenEffects xmlns:a14="http://schemas.microsoft.com/office/drawing/2010/main">
+                  <a:effectLst>
+                    <a:outerShdw dist="35921" dir="2700000" algn="ctr" rotWithShape="0">
+                      <a:schemeClr val="bg2"/>
+                    </a:outerShdw>
+                  </a:effectLst>
+                </a14:hiddenEffects>
+              </a:ext>
+            </a:extLst>
+          </p:spPr>
+          <p:txBody>
+            <a:bodyPr wrap="none" anchor="ctr"/>
+            <a:lstStyle/>
+            <a:p>
+              <a:endParaRPr lang="ja-JP" altLang="en-US"/>
+            </a:p>
+          </p:txBody>
+        </p:sp>
+        <p:grpSp>
+          <p:nvGrpSpPr>
+            <p:cNvPr id="15" name="Group 21">
+              <a:extLst>
+                <a:ext uri="{FF2B5EF4-FFF2-40B4-BE49-F238E27FC236}">
+                  <a16:creationId xmlns:a16="http://schemas.microsoft.com/office/drawing/2014/main" xmlns="" id="{7DB5FE9B-6714-4B4D-AB94-45F20F7D5C8E}"/>
+                </a:ext>
+              </a:extLst>
+            </p:cNvPr>
+            <p:cNvGrpSpPr>
+              <a:grpSpLocks/>
+            </p:cNvGrpSpPr>
+            <p:nvPr/>
+          </p:nvGrpSpPr>
+          <p:grpSpPr bwMode="auto">
+            <a:xfrm>
+              <a:off x="535" y="1177"/>
+              <a:ext cx="453" cy="212"/>
+              <a:chOff x="580" y="1207"/>
+              <a:chExt cx="363" cy="182"/>
+            </a:xfrm>
+          </p:grpSpPr>
+          <p:sp>
+            <p:nvSpPr>
+              <p:cNvPr id="18" name="AutoShape 22">
+                <a:extLst>
+                  <a:ext uri="{FF2B5EF4-FFF2-40B4-BE49-F238E27FC236}">
+                    <a16:creationId xmlns:a16="http://schemas.microsoft.com/office/drawing/2014/main" xmlns="" id="{4E5DF4CC-2B73-45EA-B083-30A68ED1FA2A}"/>
+                  </a:ext>
+                </a:extLst>
+              </p:cNvPr>
+              <p:cNvSpPr>
+                <a:spLocks noChangeArrowheads="1"/>
+              </p:cNvSpPr>
+              <p:nvPr/>
+            </p:nvSpPr>
+            <p:spPr bwMode="auto">
+              <a:xfrm rot="16200000">
+                <a:off x="671" y="1116"/>
+                <a:ext cx="182" cy="363"/>
+              </a:xfrm>
+              <a:prstGeom prst="moon">
+                <a:avLst>
+                  <a:gd name="adj" fmla="val 87500"/>
+                </a:avLst>
+              </a:prstGeom>
+              <a:gradFill rotWithShape="1">
+                <a:gsLst>
+                  <a:gs pos="0">
+                    <a:srgbClr val="FF99CC"/>
+                  </a:gs>
+                  <a:gs pos="100000">
+                    <a:srgbClr val="CC0000"/>
+                  </a:gs>
+                </a:gsLst>
+                <a:lin ang="0" scaled="1"/>
+              </a:gradFill>
+              <a:ln>
+                <a:noFill/>
+              </a:ln>
+              <a:effectLst/>
+              <a:extLst>
+                <a:ext uri="{91240B29-F687-4F45-9708-019B960494DF}">
+                  <a14:hiddenLine xmlns:a14="http://schemas.microsoft.com/office/drawing/2010/main" w="3175">
+                    <a:solidFill>
+                      <a:srgbClr val="333333"/>
+                    </a:solidFill>
+                    <a:miter lim="800000"/>
+                    <a:headEnd/>
+                    <a:tailEnd/>
+                  </a14:hiddenLine>
+                </a:ext>
+                <a:ext uri="{AF507438-7753-43E0-B8FC-AC1667EBCBE1}">
+                  <a14:hiddenEffects xmlns:a14="http://schemas.microsoft.com/office/drawing/2010/main">
+                    <a:effectLst>
+                      <a:outerShdw dist="35921" dir="2700000" algn="ctr" rotWithShape="0">
+                        <a:schemeClr val="bg2"/>
+                      </a:outerShdw>
+                    </a:effectLst>
+                  </a14:hiddenEffects>
+                </a:ext>
+              </a:extLst>
+            </p:spPr>
+            <p:txBody>
+              <a:bodyPr wrap="none" anchor="ctr"/>
+              <a:lstStyle/>
+              <a:p>
+                <a:endParaRPr lang="ja-JP" altLang="en-US"/>
+              </a:p>
+            </p:txBody>
+          </p:sp>
+          <p:sp>
+            <p:nvSpPr>
+              <p:cNvPr id="19" name="Freeform 23">
+                <a:extLst>
+                  <a:ext uri="{FF2B5EF4-FFF2-40B4-BE49-F238E27FC236}">
+                    <a16:creationId xmlns:a16="http://schemas.microsoft.com/office/drawing/2014/main" xmlns="" id="{A03184C6-4DC0-40F9-A025-A1F34226A187}"/>
+                  </a:ext>
+                </a:extLst>
+              </p:cNvPr>
+              <p:cNvSpPr>
+                <a:spLocks/>
+              </p:cNvSpPr>
+              <p:nvPr/>
+            </p:nvSpPr>
+            <p:spPr bwMode="auto">
+              <a:xfrm>
+                <a:off x="625" y="1298"/>
+                <a:ext cx="272" cy="91"/>
+              </a:xfrm>
+              <a:custGeom>
+                <a:avLst/>
+                <a:gdLst>
+                  <a:gd name="T0" fmla="*/ 136 w 272"/>
+                  <a:gd name="T1" fmla="*/ 136 h 136"/>
+                  <a:gd name="T2" fmla="*/ 0 w 272"/>
+                  <a:gd name="T3" fmla="*/ 45 h 136"/>
+                  <a:gd name="T4" fmla="*/ 136 w 272"/>
+                  <a:gd name="T5" fmla="*/ 0 h 136"/>
+                  <a:gd name="T6" fmla="*/ 272 w 272"/>
+                  <a:gd name="T7" fmla="*/ 45 h 136"/>
+                  <a:gd name="T8" fmla="*/ 136 w 272"/>
+                  <a:gd name="T9" fmla="*/ 136 h 136"/>
+                </a:gdLst>
+                <a:ahLst/>
+                <a:cxnLst>
+                  <a:cxn ang="0">
+                    <a:pos x="T0" y="T1"/>
+                  </a:cxn>
+                  <a:cxn ang="0">
+                    <a:pos x="T2" y="T3"/>
+                  </a:cxn>
+                  <a:cxn ang="0">
+                    <a:pos x="T4" y="T5"/>
+                  </a:cxn>
+                  <a:cxn ang="0">
+                    <a:pos x="T6" y="T7"/>
+                  </a:cxn>
+                  <a:cxn ang="0">
+                    <a:pos x="T8" y="T9"/>
+                  </a:cxn>
+                </a:cxnLst>
+                <a:rect l="0" t="0" r="r" b="b"/>
+                <a:pathLst>
+                  <a:path w="272" h="136">
+                    <a:moveTo>
+                      <a:pt x="136" y="136"/>
+                    </a:moveTo>
+                    <a:cubicBezTo>
+                      <a:pt x="91" y="136"/>
+                      <a:pt x="0" y="68"/>
+                      <a:pt x="0" y="45"/>
+                    </a:cubicBezTo>
+                    <a:cubicBezTo>
+                      <a:pt x="0" y="22"/>
+                      <a:pt x="91" y="0"/>
+                      <a:pt x="136" y="0"/>
+                    </a:cubicBezTo>
+                    <a:cubicBezTo>
+                      <a:pt x="181" y="0"/>
+                      <a:pt x="272" y="22"/>
+                      <a:pt x="272" y="45"/>
+                    </a:cubicBezTo>
+                    <a:cubicBezTo>
+                      <a:pt x="272" y="68"/>
+                      <a:pt x="181" y="136"/>
+                      <a:pt x="136" y="136"/>
+                    </a:cubicBezTo>
+                    <a:close/>
+                  </a:path>
+                </a:pathLst>
+              </a:custGeom>
+              <a:gradFill rotWithShape="1">
+                <a:gsLst>
+                  <a:gs pos="0">
+                    <a:srgbClr val="FF0000">
+                      <a:gamma/>
+                      <a:shade val="46275"/>
+                      <a:invGamma/>
+                    </a:srgbClr>
+                  </a:gs>
+                  <a:gs pos="100000">
+                    <a:srgbClr val="FF0000"/>
+                  </a:gs>
+                </a:gsLst>
+                <a:lin ang="5400000" scaled="1"/>
+              </a:gradFill>
+              <a:ln>
+                <a:noFill/>
+              </a:ln>
+              <a:effectLst/>
+              <a:extLst>
+                <a:ext uri="{91240B29-F687-4F45-9708-019B960494DF}">
+                  <a14:hiddenLine xmlns:a14="http://schemas.microsoft.com/office/drawing/2010/main" w="9525" cap="flat" cmpd="sng">
+                    <a:solidFill>
+                      <a:srgbClr val="FF0000"/>
+                    </a:solidFill>
+                    <a:prstDash val="solid"/>
+                    <a:round/>
+                    <a:headEnd/>
+                    <a:tailEnd/>
+                  </a14:hiddenLine>
+                </a:ext>
+                <a:ext uri="{AF507438-7753-43E0-B8FC-AC1667EBCBE1}">
+                  <a14:hiddenEffects xmlns:a14="http://schemas.microsoft.com/office/drawing/2010/main">
+                    <a:effectLst>
+                      <a:outerShdw dist="35921" dir="2700000" algn="ctr" rotWithShape="0">
+                        <a:schemeClr val="bg2"/>
+                      </a:outerShdw>
+                    </a:effectLst>
+                  </a14:hiddenEffects>
+                </a:ext>
+              </a:extLst>
+            </p:spPr>
+            <p:txBody>
+              <a:bodyPr/>
+              <a:lstStyle/>
+              <a:p>
+                <a:endParaRPr lang="ja-JP" altLang="en-US"/>
+              </a:p>
+            </p:txBody>
+          </p:sp>
+        </p:grpSp>
+        <p:sp>
+          <p:nvSpPr>
+            <p:cNvPr id="16" name="AutoShape 36">
+              <a:extLst>
+                <a:ext uri="{FF2B5EF4-FFF2-40B4-BE49-F238E27FC236}">
+                  <a16:creationId xmlns:a16="http://schemas.microsoft.com/office/drawing/2014/main" xmlns="" id="{C65C2922-0F06-4601-991B-D9188A55C388}"/>
+                </a:ext>
+              </a:extLst>
+            </p:cNvPr>
+            <p:cNvSpPr>
+              <a:spLocks noChangeArrowheads="1"/>
+            </p:cNvSpPr>
+            <p:nvPr/>
+          </p:nvSpPr>
+          <p:spPr bwMode="auto">
+            <a:xfrm>
+              <a:off x="444" y="890"/>
+              <a:ext cx="272" cy="272"/>
+            </a:xfrm>
+            <a:custGeom>
+              <a:avLst/>
+              <a:gdLst>
+                <a:gd name="G0" fmla="+- 8146 0 0"/>
+                <a:gd name="G1" fmla="+- -11686764 0 0"/>
+                <a:gd name="G2" fmla="+- 0 0 -11686764"/>
+                <a:gd name="T0" fmla="*/ 0 256 1"/>
+                <a:gd name="T1" fmla="*/ 180 256 1"/>
+                <a:gd name="G3" fmla="+- -11686764 T0 T1"/>
+                <a:gd name="T2" fmla="*/ 0 256 1"/>
+                <a:gd name="T3" fmla="*/ 90 256 1"/>
+                <a:gd name="G4" fmla="+- -11686764 T2 T3"/>
+                <a:gd name="G5" fmla="*/ G4 2 1"/>
+                <a:gd name="T4" fmla="*/ 90 256 1"/>
+                <a:gd name="T5" fmla="*/ 0 256 1"/>
+                <a:gd name="G6" fmla="+- -11686764 T4 T5"/>
+                <a:gd name="G7" fmla="*/ G6 2 1"/>
+                <a:gd name="G8" fmla="abs -11686764"/>
+                <a:gd name="T6" fmla="*/ 0 256 1"/>
+                <a:gd name="T7" fmla="*/ 90 256 1"/>
+                <a:gd name="G9" fmla="+- G8 T6 T7"/>
+                <a:gd name="G10" fmla="?: G9 G7 G5"/>
+                <a:gd name="T8" fmla="*/ 0 256 1"/>
+                <a:gd name="T9" fmla="*/ 360 256 1"/>
+                <a:gd name="G11" fmla="+- G10 T8 T9"/>
+                <a:gd name="G12" fmla="?: G10 G11 G10"/>
+                <a:gd name="T10" fmla="*/ 0 256 1"/>
+                <a:gd name="T11" fmla="*/ 360 256 1"/>
+                <a:gd name="G13" fmla="+- G12 T10 T11"/>
+                <a:gd name="G14" fmla="?: G12 G13 G12"/>
+                <a:gd name="G15" fmla="+- 0 0 G14"/>
+                <a:gd name="G16" fmla="+- 10800 0 0"/>
+                <a:gd name="G17" fmla="+- 10800 0 8146"/>
+                <a:gd name="G18" fmla="*/ 8146 1 2"/>
+                <a:gd name="G19" fmla="+- G18 5400 0"/>
+                <a:gd name="G20" fmla="cos G19 -11686764"/>
+                <a:gd name="G21" fmla="sin G19 -11686764"/>
+                <a:gd name="G22" fmla="+- G20 10800 0"/>
+                <a:gd name="G23" fmla="+- G21 10800 0"/>
+                <a:gd name="G24" fmla="+- 10800 0 G20"/>
+                <a:gd name="G25" fmla="+- 8146 10800 0"/>
+                <a:gd name="G26" fmla="?: G9 G17 G25"/>
+                <a:gd name="G27" fmla="?: G9 0 21600"/>
+                <a:gd name="G28" fmla="cos 10800 -11686764"/>
+                <a:gd name="G29" fmla="sin 10800 -11686764"/>
+                <a:gd name="G30" fmla="sin 8146 -11686764"/>
+                <a:gd name="G31" fmla="+- G28 10800 0"/>
+                <a:gd name="G32" fmla="+- G29 10800 0"/>
+                <a:gd name="G33" fmla="+- G30 10800 0"/>
+                <a:gd name="G34" fmla="?: G4 0 G31"/>
+                <a:gd name="G35" fmla="?: -11686764 G34 0"/>
+                <a:gd name="G36" fmla="?: G6 G35 G31"/>
+                <a:gd name="G37" fmla="+- 21600 0 G36"/>
+                <a:gd name="G38" fmla="?: G4 0 G33"/>
+                <a:gd name="G39" fmla="?: -11686764 G38 G32"/>
+                <a:gd name="G40" fmla="?: G6 G39 0"/>
+                <a:gd name="G41" fmla="?: G4 G32 21600"/>
+                <a:gd name="G42" fmla="?: G6 G41 G33"/>
+                <a:gd name="T12" fmla="*/ 10800 w 21600"/>
+                <a:gd name="T13" fmla="*/ 0 h 21600"/>
+                <a:gd name="T14" fmla="*/ 1331 w 21600"/>
+                <a:gd name="T15" fmla="*/ 10523 h 21600"/>
+                <a:gd name="T16" fmla="*/ 10800 w 21600"/>
+                <a:gd name="T17" fmla="*/ 2654 h 21600"/>
+                <a:gd name="T18" fmla="*/ 20269 w 21600"/>
+                <a:gd name="T19" fmla="*/ 10523 h 21600"/>
+                <a:gd name="T20" fmla="*/ G36 w 21600"/>
+                <a:gd name="T21" fmla="*/ G40 h 21600"/>
+                <a:gd name="T22" fmla="*/ G37 w 21600"/>
+                <a:gd name="T23" fmla="*/ G42 h 21600"/>
+              </a:gdLst>
+              <a:ahLst/>
+              <a:cxnLst>
+                <a:cxn ang="0">
+                  <a:pos x="T12" y="T13"/>
+                </a:cxn>
+                <a:cxn ang="0">
+                  <a:pos x="T14" y="T15"/>
+                </a:cxn>
+                <a:cxn ang="0">
+                  <a:pos x="T16" y="T17"/>
+                </a:cxn>
+                <a:cxn ang="0">
+                  <a:pos x="T18" y="T19"/>
+                </a:cxn>
+              </a:cxnLst>
+              <a:rect l="T20" t="T21" r="T22" b="T23"/>
+              <a:pathLst>
+                <a:path w="21600" h="21600">
+                  <a:moveTo>
+                    <a:pt x="2657" y="10562"/>
+                  </a:moveTo>
+                  <a:cubicBezTo>
+                    <a:pt x="2786" y="6157"/>
+                    <a:pt x="6393" y="2654"/>
+                    <a:pt x="10800" y="2654"/>
+                  </a:cubicBezTo>
+                  <a:cubicBezTo>
+                    <a:pt x="15206" y="2654"/>
+                    <a:pt x="18813" y="6157"/>
+                    <a:pt x="18942" y="10562"/>
+                  </a:cubicBezTo>
+                  <a:lnTo>
+                    <a:pt x="21595" y="10484"/>
+                  </a:lnTo>
+                  <a:cubicBezTo>
+                    <a:pt x="21424" y="4645"/>
+                    <a:pt x="16641" y="0"/>
+                    <a:pt x="10799" y="0"/>
+                  </a:cubicBezTo>
+                  <a:cubicBezTo>
+                    <a:pt x="4958" y="0"/>
+                    <a:pt x="175" y="4645"/>
+                    <a:pt x="4" y="10484"/>
+                  </a:cubicBezTo>
+                  <a:close/>
+                </a:path>
+              </a:pathLst>
+            </a:custGeom>
+            <a:solidFill>
+              <a:schemeClr val="tx1"/>
+            </a:solidFill>
+            <a:ln>
+              <a:noFill/>
+            </a:ln>
+            <a:effectLst/>
+            <a:extLst>
+              <a:ext uri="{91240B29-F687-4F45-9708-019B960494DF}">
+                <a14:hiddenLine xmlns:a14="http://schemas.microsoft.com/office/drawing/2010/main" w="9525">
+                  <a:solidFill>
+                    <a:srgbClr val="FF0000"/>
+                  </a:solidFill>
+                  <a:miter lim="800000"/>
+                  <a:headEnd/>
+                  <a:tailEnd/>
+                </a14:hiddenLine>
+              </a:ext>
+              <a:ext uri="{AF507438-7753-43E0-B8FC-AC1667EBCBE1}">
+                <a14:hiddenEffects xmlns:a14="http://schemas.microsoft.com/office/drawing/2010/main">
+                  <a:effectLst>
+                    <a:outerShdw dist="35921" dir="2700000" algn="ctr" rotWithShape="0">
+                      <a:schemeClr val="bg2"/>
+                    </a:outerShdw>
+                  </a:effectLst>
+                </a14:hiddenEffects>
+              </a:ext>
+            </a:extLst>
+          </p:spPr>
+          <p:txBody>
+            <a:bodyPr wrap="none" anchor="ctr"/>
+            <a:lstStyle/>
+            <a:p>
+              <a:endParaRPr lang="ja-JP" altLang="en-US"/>
+            </a:p>
+          </p:txBody>
+        </p:sp>
+        <p:sp>
+          <p:nvSpPr>
+            <p:cNvPr id="17" name="AutoShape 37">
+              <a:extLst>
+                <a:ext uri="{FF2B5EF4-FFF2-40B4-BE49-F238E27FC236}">
+                  <a16:creationId xmlns:a16="http://schemas.microsoft.com/office/drawing/2014/main" xmlns="" id="{9028FBF9-F253-4134-8311-3707C3C5DB2F}"/>
+                </a:ext>
+              </a:extLst>
+            </p:cNvPr>
+            <p:cNvSpPr>
+              <a:spLocks noChangeArrowheads="1"/>
+            </p:cNvSpPr>
+            <p:nvPr/>
+          </p:nvSpPr>
+          <p:spPr bwMode="auto">
+            <a:xfrm>
+              <a:off x="807" y="890"/>
+              <a:ext cx="272" cy="272"/>
+            </a:xfrm>
+            <a:custGeom>
+              <a:avLst/>
+              <a:gdLst>
+                <a:gd name="G0" fmla="+- 8146 0 0"/>
+                <a:gd name="G1" fmla="+- -11686764 0 0"/>
+                <a:gd name="G2" fmla="+- 0 0 -11686764"/>
+                <a:gd name="T0" fmla="*/ 0 256 1"/>
+                <a:gd name="T1" fmla="*/ 180 256 1"/>
+                <a:gd name="G3" fmla="+- -11686764 T0 T1"/>
+                <a:gd name="T2" fmla="*/ 0 256 1"/>
+                <a:gd name="T3" fmla="*/ 90 256 1"/>
+                <a:gd name="G4" fmla="+- -11686764 T2 T3"/>
+                <a:gd name="G5" fmla="*/ G4 2 1"/>
+                <a:gd name="T4" fmla="*/ 90 256 1"/>
+                <a:gd name="T5" fmla="*/ 0 256 1"/>
+                <a:gd name="G6" fmla="+- -11686764 T4 T5"/>
+                <a:gd name="G7" fmla="*/ G6 2 1"/>
+                <a:gd name="G8" fmla="abs -11686764"/>
+                <a:gd name="T6" fmla="*/ 0 256 1"/>
+                <a:gd name="T7" fmla="*/ 90 256 1"/>
+                <a:gd name="G9" fmla="+- G8 T6 T7"/>
+                <a:gd name="G10" fmla="?: G9 G7 G5"/>
+                <a:gd name="T8" fmla="*/ 0 256 1"/>
+                <a:gd name="T9" fmla="*/ 360 256 1"/>
+                <a:gd name="G11" fmla="+- G10 T8 T9"/>
+                <a:gd name="G12" fmla="?: G10 G11 G10"/>
+                <a:gd name="T10" fmla="*/ 0 256 1"/>
+                <a:gd name="T11" fmla="*/ 360 256 1"/>
+                <a:gd name="G13" fmla="+- G12 T10 T11"/>
+                <a:gd name="G14" fmla="?: G12 G13 G12"/>
+                <a:gd name="G15" fmla="+- 0 0 G14"/>
+                <a:gd name="G16" fmla="+- 10800 0 0"/>
+                <a:gd name="G17" fmla="+- 10800 0 8146"/>
+                <a:gd name="G18" fmla="*/ 8146 1 2"/>
+                <a:gd name="G19" fmla="+- G18 5400 0"/>
+                <a:gd name="G20" fmla="cos G19 -11686764"/>
+                <a:gd name="G21" fmla="sin G19 -11686764"/>
+                <a:gd name="G22" fmla="+- G20 10800 0"/>
+                <a:gd name="G23" fmla="+- G21 10800 0"/>
+                <a:gd name="G24" fmla="+- 10800 0 G20"/>
+                <a:gd name="G25" fmla="+- 8146 10800 0"/>
+                <a:gd name="G26" fmla="?: G9 G17 G25"/>
+                <a:gd name="G27" fmla="?: G9 0 21600"/>
+                <a:gd name="G28" fmla="cos 10800 -11686764"/>
+                <a:gd name="G29" fmla="sin 10800 -11686764"/>
+                <a:gd name="G30" fmla="sin 8146 -11686764"/>
+                <a:gd name="G31" fmla="+- G28 10800 0"/>
+                <a:gd name="G32" fmla="+- G29 10800 0"/>
+                <a:gd name="G33" fmla="+- G30 10800 0"/>
+                <a:gd name="G34" fmla="?: G4 0 G31"/>
+                <a:gd name="G35" fmla="?: -11686764 G34 0"/>
+                <a:gd name="G36" fmla="?: G6 G35 G31"/>
+                <a:gd name="G37" fmla="+- 21600 0 G36"/>
+                <a:gd name="G38" fmla="?: G4 0 G33"/>
+                <a:gd name="G39" fmla="?: -11686764 G38 G32"/>
+                <a:gd name="G40" fmla="?: G6 G39 0"/>
+                <a:gd name="G41" fmla="?: G4 G32 21600"/>
+                <a:gd name="G42" fmla="?: G6 G41 G33"/>
+                <a:gd name="T12" fmla="*/ 10800 w 21600"/>
+                <a:gd name="T13" fmla="*/ 0 h 21600"/>
+                <a:gd name="T14" fmla="*/ 1331 w 21600"/>
+                <a:gd name="T15" fmla="*/ 10523 h 21600"/>
+                <a:gd name="T16" fmla="*/ 10800 w 21600"/>
+                <a:gd name="T17" fmla="*/ 2654 h 21600"/>
+                <a:gd name="T18" fmla="*/ 20269 w 21600"/>
+                <a:gd name="T19" fmla="*/ 10523 h 21600"/>
+                <a:gd name="T20" fmla="*/ G36 w 21600"/>
+                <a:gd name="T21" fmla="*/ G40 h 21600"/>
+                <a:gd name="T22" fmla="*/ G37 w 21600"/>
+                <a:gd name="T23" fmla="*/ G42 h 21600"/>
+              </a:gdLst>
+              <a:ahLst/>
+              <a:cxnLst>
+                <a:cxn ang="0">
+                  <a:pos x="T12" y="T13"/>
+                </a:cxn>
+                <a:cxn ang="0">
+                  <a:pos x="T14" y="T15"/>
+                </a:cxn>
+                <a:cxn ang="0">
+                  <a:pos x="T16" y="T17"/>
+                </a:cxn>
+                <a:cxn ang="0">
+                  <a:pos x="T18" y="T19"/>
+                </a:cxn>
+              </a:cxnLst>
+              <a:rect l="T20" t="T21" r="T22" b="T23"/>
+              <a:pathLst>
+                <a:path w="21600" h="21600">
+                  <a:moveTo>
+                    <a:pt x="2657" y="10562"/>
+                  </a:moveTo>
+                  <a:cubicBezTo>
+                    <a:pt x="2786" y="6157"/>
+                    <a:pt x="6393" y="2654"/>
+                    <a:pt x="10800" y="2654"/>
+                  </a:cubicBezTo>
+                  <a:cubicBezTo>
+                    <a:pt x="15206" y="2654"/>
+                    <a:pt x="18813" y="6157"/>
+                    <a:pt x="18942" y="10562"/>
+                  </a:cubicBezTo>
+                  <a:lnTo>
+                    <a:pt x="21595" y="10484"/>
+                  </a:lnTo>
+                  <a:cubicBezTo>
+                    <a:pt x="21424" y="4645"/>
+                    <a:pt x="16641" y="0"/>
+                    <a:pt x="10799" y="0"/>
+                  </a:cubicBezTo>
+                  <a:cubicBezTo>
+                    <a:pt x="4958" y="0"/>
+                    <a:pt x="175" y="4645"/>
+                    <a:pt x="4" y="10484"/>
+                  </a:cubicBezTo>
+                  <a:close/>
+                </a:path>
+              </a:pathLst>
+            </a:custGeom>
+            <a:solidFill>
+              <a:schemeClr val="tx1"/>
+            </a:solidFill>
+            <a:ln>
+              <a:noFill/>
+            </a:ln>
+            <a:effectLst/>
+            <a:extLst>
+              <a:ext uri="{91240B29-F687-4F45-9708-019B960494DF}">
+                <a14:hiddenLine xmlns:a14="http://schemas.microsoft.com/office/drawing/2010/main" w="9525">
+                  <a:solidFill>
+                    <a:srgbClr val="FF0000"/>
+                  </a:solidFill>
+                  <a:miter lim="800000"/>
+                  <a:headEnd/>
+                  <a:tailEnd/>
+                </a14:hiddenLine>
+              </a:ext>
+              <a:ext uri="{AF507438-7753-43E0-B8FC-AC1667EBCBE1}">
+                <a14:hiddenEffects xmlns:a14="http://schemas.microsoft.com/office/drawing/2010/main">
+                  <a:effectLst>
+                    <a:outerShdw dist="35921" dir="2700000" algn="ctr" rotWithShape="0">
+                      <a:schemeClr val="bg2"/>
+                    </a:outerShdw>
+                  </a:effectLst>
+                </a14:hiddenEffects>
+              </a:ext>
+            </a:extLst>
+          </p:spPr>
+          <p:txBody>
+            <a:bodyPr wrap="none" anchor="ctr"/>
+            <a:lstStyle/>
+            <a:p>
+              <a:endParaRPr lang="ja-JP" altLang="en-US"/>
+            </a:p>
+          </p:txBody>
+        </p:sp>
+      </p:grpSp>
     </p:spTree>
     <p:extLst>
       <p:ext uri="{BB962C8B-B14F-4D97-AF65-F5344CB8AC3E}">
-        <p14:creationId xmlns:p14="http://schemas.microsoft.com/office/powerpoint/2010/main" val="3090658669"/>
+        <p14:creationId xmlns:p14="http://schemas.microsoft.com/office/powerpoint/2010/main" val="3340378941"/>
       </p:ext>
     </p:extLst>
   </p:cSld>

--- a/昇格プレゼン(徐洋)_new.pptx
+++ b/昇格プレゼン(徐洋)_new.pptx
@@ -20,7 +20,7 @@
     <p:sldId id="360" r:id="rId8"/>
     <p:sldId id="359" r:id="rId9"/>
     <p:sldId id="357" r:id="rId10"/>
-    <p:sldId id="358" r:id="rId11"/>
+    <p:sldId id="363" r:id="rId11"/>
     <p:sldId id="349" r:id="rId12"/>
     <p:sldId id="351" r:id="rId13"/>
     <p:sldId id="350" r:id="rId14"/>
@@ -267,7 +267,7 @@
           <a:p>
             <a:fld id="{D829EBEE-5DBD-45D0-BA62-80122688BEB8}" type="datetimeFigureOut">
               <a:rPr kumimoji="1" lang="ja-JP" altLang="en-US" smtClean="0"/>
-              <a:t>2020/2/28</a:t>
+              <a:t>2020/2/29</a:t>
             </a:fld>
             <a:endParaRPr kumimoji="1" lang="ja-JP" altLang="en-US" dirty="0"/>
           </a:p>
@@ -434,7 +434,7 @@
             <a:fld id="{4B26993D-C081-44EB-B0F5-A9F467792B62}" type="datetimeFigureOut">
               <a:rPr lang="ja-JP" altLang="en-US" smtClean="0"/>
               <a:pPr/>
-              <a:t>2020/2/28</a:t>
+              <a:t>2020/2/29</a:t>
             </a:fld>
             <a:endParaRPr lang="ja-JP" altLang="en-US" dirty="0"/>
           </a:p>
@@ -3734,7 +3734,7 @@
         </p:nvSpPr>
         <p:spPr>
           <a:xfrm>
-            <a:off x="0" y="3186675"/>
+            <a:off x="461915" y="3186675"/>
             <a:ext cx="5933440" cy="978927"/>
           </a:xfrm>
           <a:prstGeom prst="rect">
@@ -3934,30 +3934,22 @@
             </a:lvl9pPr>
           </a:lstStyle>
           <a:p>
-            <a:pPr eaLnBrk="1" hangingPunct="1"/>
+            <a:pPr algn="ctr" eaLnBrk="1" hangingPunct="1"/>
             <a:r>
               <a:rPr lang="ja-JP" altLang="en-US" sz="1600" dirty="0" smtClean="0">
                 <a:solidFill>
                   <a:schemeClr val="bg1"/>
                 </a:solidFill>
               </a:rPr>
-              <a:t>２０２０年３月６日</a:t>
-            </a:r>
-            <a:endParaRPr lang="en-US" altLang="ja-JP" sz="1600" dirty="0">
-              <a:solidFill>
-                <a:schemeClr val="bg1"/>
-              </a:solidFill>
-            </a:endParaRPr>
-          </a:p>
-          <a:p>
-            <a:pPr eaLnBrk="1" hangingPunct="1"/>
+              <a:t>徐</a:t>
+            </a:r>
             <a:r>
               <a:rPr lang="ja-JP" altLang="en-US" sz="1600" dirty="0" smtClean="0">
                 <a:solidFill>
                   <a:schemeClr val="bg1"/>
                 </a:solidFill>
               </a:rPr>
-              <a:t>徐　洋</a:t>
+              <a:t>　洋</a:t>
             </a:r>
             <a:endParaRPr lang="ja-JP" altLang="en-US" sz="1600" dirty="0">
               <a:solidFill>
@@ -4272,7 +4264,7 @@
                 </a:solidFill>
                 <a:latin typeface="+mn-ea"/>
               </a:rPr>
-              <a:t>の自分③</a:t>
+              <a:t>の自分</a:t>
             </a:r>
             <a:r>
               <a:rPr lang="en-US" altLang="ja-JP" dirty="0" smtClean="0">
@@ -4296,7 +4288,7 @@
                 </a:solidFill>
                 <a:latin typeface="+mn-ea"/>
               </a:rPr>
-              <a:t>マネジメント</a:t>
+              <a:t>現場以外の業務の兼務</a:t>
             </a:r>
             <a:endParaRPr kumimoji="1" lang="ja-JP" altLang="en-US" dirty="0"/>
           </a:p>
@@ -4307,7 +4299,7 @@
           <p:cNvPr id="11" name="Group 296">
             <a:extLst>
               <a:ext uri="{FF2B5EF4-FFF2-40B4-BE49-F238E27FC236}">
-                <a16:creationId xmlns:a16="http://schemas.microsoft.com/office/drawing/2014/main" xmlns="" id="{3842FC64-AB39-42D7-A48C-0FE49F99806C}"/>
+                <a16:creationId xmlns="" xmlns:a16="http://schemas.microsoft.com/office/drawing/2014/main" id="{3842FC64-AB39-42D7-A48C-0FE49F99806C}"/>
               </a:ext>
             </a:extLst>
           </p:cNvPr>
@@ -4318,7 +4310,7 @@
         </p:nvGrpSpPr>
         <p:grpSpPr bwMode="auto">
           <a:xfrm>
-            <a:off x="1136827" y="842282"/>
+            <a:off x="1214776" y="1036692"/>
             <a:ext cx="788463" cy="755574"/>
             <a:chOff x="336" y="601"/>
             <a:chExt cx="850" cy="850"/>
@@ -4329,7 +4321,7 @@
             <p:cNvPr id="12" name="Oval 2">
               <a:extLst>
                 <a:ext uri="{FF2B5EF4-FFF2-40B4-BE49-F238E27FC236}">
-                  <a16:creationId xmlns:a16="http://schemas.microsoft.com/office/drawing/2014/main" xmlns="" id="{9267EE0A-4BA4-4E94-8745-FFA9A06F71A9}"/>
+                  <a16:creationId xmlns="" xmlns:a16="http://schemas.microsoft.com/office/drawing/2014/main" id="{9267EE0A-4BA4-4E94-8745-FFA9A06F71A9}"/>
                 </a:ext>
               </a:extLst>
             </p:cNvPr>
@@ -4388,7 +4380,7 @@
             <p:cNvPr id="13" name="Oval 19">
               <a:extLst>
                 <a:ext uri="{FF2B5EF4-FFF2-40B4-BE49-F238E27FC236}">
-                  <a16:creationId xmlns:a16="http://schemas.microsoft.com/office/drawing/2014/main" xmlns="" id="{CC91C93B-224E-47BB-A4B4-F39EF6BD8070}"/>
+                  <a16:creationId xmlns="" xmlns:a16="http://schemas.microsoft.com/office/drawing/2014/main" id="{CC91C93B-224E-47BB-A4B4-F39EF6BD8070}"/>
                 </a:ext>
               </a:extLst>
             </p:cNvPr>
@@ -4461,7 +4453,7 @@
             <p:cNvPr id="14" name="Oval 20">
               <a:extLst>
                 <a:ext uri="{FF2B5EF4-FFF2-40B4-BE49-F238E27FC236}">
-                  <a16:creationId xmlns:a16="http://schemas.microsoft.com/office/drawing/2014/main" xmlns="" id="{9BD5F5FE-EFD9-4804-9B3B-C6D91AFF363C}"/>
+                  <a16:creationId xmlns="" xmlns:a16="http://schemas.microsoft.com/office/drawing/2014/main" id="{9BD5F5FE-EFD9-4804-9B3B-C6D91AFF363C}"/>
                 </a:ext>
               </a:extLst>
             </p:cNvPr>
@@ -4537,7 +4529,7 @@
             <p:cNvPr id="15" name="Group 21">
               <a:extLst>
                 <a:ext uri="{FF2B5EF4-FFF2-40B4-BE49-F238E27FC236}">
-                  <a16:creationId xmlns:a16="http://schemas.microsoft.com/office/drawing/2014/main" xmlns="" id="{7DB5FE9B-6714-4B4D-AB94-45F20F7D5C8E}"/>
+                  <a16:creationId xmlns="" xmlns:a16="http://schemas.microsoft.com/office/drawing/2014/main" id="{7DB5FE9B-6714-4B4D-AB94-45F20F7D5C8E}"/>
                 </a:ext>
               </a:extLst>
             </p:cNvPr>
@@ -4559,7 +4551,7 @@
               <p:cNvPr id="18" name="AutoShape 22">
                 <a:extLst>
                   <a:ext uri="{FF2B5EF4-FFF2-40B4-BE49-F238E27FC236}">
-                    <a16:creationId xmlns:a16="http://schemas.microsoft.com/office/drawing/2014/main" xmlns="" id="{4E5DF4CC-2B73-45EA-B083-30A68ED1FA2A}"/>
+                    <a16:creationId xmlns="" xmlns:a16="http://schemas.microsoft.com/office/drawing/2014/main" id="{4E5DF4CC-2B73-45EA-B083-30A68ED1FA2A}"/>
                   </a:ext>
                 </a:extLst>
               </p:cNvPr>
@@ -4628,7 +4620,7 @@
               <p:cNvPr id="19" name="Freeform 23">
                 <a:extLst>
                   <a:ext uri="{FF2B5EF4-FFF2-40B4-BE49-F238E27FC236}">
-                    <a16:creationId xmlns:a16="http://schemas.microsoft.com/office/drawing/2014/main" xmlns="" id="{A03184C6-4DC0-40F9-A025-A1F34226A187}"/>
+                    <a16:creationId xmlns="" xmlns:a16="http://schemas.microsoft.com/office/drawing/2014/main" id="{A03184C6-4DC0-40F9-A025-A1F34226A187}"/>
                   </a:ext>
                 </a:extLst>
               </p:cNvPr>
@@ -4760,7 +4752,7 @@
             <p:cNvPr id="16" name="AutoShape 36">
               <a:extLst>
                 <a:ext uri="{FF2B5EF4-FFF2-40B4-BE49-F238E27FC236}">
-                  <a16:creationId xmlns:a16="http://schemas.microsoft.com/office/drawing/2014/main" xmlns="" id="{C65C2922-0F06-4601-991B-D9188A55C388}"/>
+                  <a16:creationId xmlns="" xmlns:a16="http://schemas.microsoft.com/office/drawing/2014/main" id="{C65C2922-0F06-4601-991B-D9188A55C388}"/>
                 </a:ext>
               </a:extLst>
             </p:cNvPr>
@@ -4935,7 +4927,7 @@
             <p:cNvPr id="17" name="AutoShape 37">
               <a:extLst>
                 <a:ext uri="{FF2B5EF4-FFF2-40B4-BE49-F238E27FC236}">
-                  <a16:creationId xmlns:a16="http://schemas.microsoft.com/office/drawing/2014/main" xmlns="" id="{9028FBF9-F253-4134-8311-3707C3C5DB2F}"/>
+                  <a16:creationId xmlns="" xmlns:a16="http://schemas.microsoft.com/office/drawing/2014/main" id="{9028FBF9-F253-4134-8311-3707C3C5DB2F}"/>
                 </a:ext>
               </a:extLst>
             </p:cNvPr>
@@ -5108,14 +5100,14 @@
       </p:grpSp>
       <p:sp>
         <p:nvSpPr>
-          <p:cNvPr id="21" name="正方形/長方形 20"/>
+          <p:cNvPr id="20" name="正方形/長方形 19"/>
           <p:cNvSpPr/>
           <p:nvPr/>
         </p:nvSpPr>
         <p:spPr bwMode="auto">
           <a:xfrm>
-            <a:off x="2093186" y="910564"/>
-            <a:ext cx="4629549" cy="3640654"/>
+            <a:off x="2255547" y="1051322"/>
+            <a:ext cx="4261005" cy="3593830"/>
           </a:xfrm>
           <a:prstGeom prst="rect">
             <a:avLst/>
@@ -5123,14 +5115,14 @@
           <a:noFill/>
           <a:ln>
             <a:solidFill>
-              <a:srgbClr val="FFFF00"/>
+              <a:srgbClr val="C00000"/>
             </a:solidFill>
           </a:ln>
           <a:effectLst/>
           <a:extLst/>
         </p:spPr>
         <p:txBody>
-          <a:bodyPr rot="0" spcFirstLastPara="0" vertOverflow="overflow" horzOverflow="overflow" vert="horz" wrap="square" lIns="91440" tIns="45720" rIns="91440" bIns="45720" numCol="1" spcCol="0" rtlCol="0" fromWordArt="0" anchor="ctr" anchorCtr="0" forceAA="0" compatLnSpc="1">
+          <a:bodyPr rot="0" spcFirstLastPara="0" vertOverflow="overflow" horzOverflow="overflow" vert="horz" wrap="square" lIns="91440" tIns="45720" rIns="91440" bIns="45720" numCol="1" spcCol="0" rtlCol="0" fromWordArt="0" anchor="t" anchorCtr="0" forceAA="0" compatLnSpc="1">
             <a:prstTxWarp prst="textNoShape">
               <a:avLst/>
             </a:prstTxWarp>
@@ -5139,15 +5131,227 @@
           <a:lstStyle/>
           <a:p>
             <a:r>
-              <a:rPr kumimoji="1" lang="ja-JP" altLang="en-US" b="1" dirty="0" smtClean="0">
+              <a:rPr lang="en-US" altLang="ja-JP" b="1" dirty="0" smtClean="0">
                 <a:solidFill>
                   <a:srgbClr val="FF0000"/>
                 </a:solidFill>
                 <a:latin typeface="+mj-ea"/>
                 <a:ea typeface="+mj-ea"/>
               </a:rPr>
-              <a:t>・</a:t>
-            </a:r>
+              <a:t>【</a:t>
+            </a:r>
+            <a:r>
+              <a:rPr lang="ja-JP" altLang="en-US" b="1" dirty="0" smtClean="0">
+                <a:solidFill>
+                  <a:srgbClr val="FF0000"/>
+                </a:solidFill>
+                <a:latin typeface="+mj-ea"/>
+                <a:ea typeface="+mj-ea"/>
+              </a:rPr>
+              <a:t>官庁総合運用テスト支援ツール</a:t>
+            </a:r>
+            <a:r>
+              <a:rPr lang="en-US" altLang="ja-JP" b="1" dirty="0" smtClean="0">
+                <a:solidFill>
+                  <a:srgbClr val="FF0000"/>
+                </a:solidFill>
+                <a:latin typeface="+mj-ea"/>
+                <a:ea typeface="+mj-ea"/>
+              </a:rPr>
+              <a:t>】</a:t>
+            </a:r>
+          </a:p>
+          <a:p>
+            <a:r>
+              <a:rPr lang="ja-JP" altLang="en-US" b="1" dirty="0" smtClean="0">
+                <a:solidFill>
+                  <a:srgbClr val="FF0000"/>
+                </a:solidFill>
+                <a:latin typeface="+mj-ea"/>
+                <a:ea typeface="+mj-ea"/>
+              </a:rPr>
+              <a:t>社内で２名開発メンバーのリーダー、先月２月２８日納品完了</a:t>
+            </a:r>
+            <a:endParaRPr lang="en-US" altLang="ja-JP" b="1" dirty="0" smtClean="0">
+              <a:solidFill>
+                <a:srgbClr val="FF0000"/>
+              </a:solidFill>
+              <a:latin typeface="+mj-ea"/>
+              <a:ea typeface="+mj-ea"/>
+            </a:endParaRPr>
+          </a:p>
+          <a:p>
+            <a:endParaRPr lang="en-US" altLang="ja-JP" b="1" dirty="0">
+              <a:solidFill>
+                <a:srgbClr val="FF0000"/>
+              </a:solidFill>
+              <a:latin typeface="+mj-ea"/>
+              <a:ea typeface="+mj-ea"/>
+            </a:endParaRPr>
+          </a:p>
+          <a:p>
+            <a:r>
+              <a:rPr lang="ja-JP" altLang="en-US" b="1" dirty="0" smtClean="0">
+                <a:solidFill>
+                  <a:srgbClr val="FF0000"/>
+                </a:solidFill>
+                <a:latin typeface="+mj-ea"/>
+                <a:ea typeface="+mj-ea"/>
+              </a:rPr>
+              <a:t>毎日進捗を顧客に報告する。</a:t>
+            </a:r>
+            <a:endParaRPr lang="en-US" altLang="ja-JP" b="1" dirty="0" smtClean="0">
+              <a:solidFill>
+                <a:srgbClr val="FF0000"/>
+              </a:solidFill>
+              <a:latin typeface="+mj-ea"/>
+              <a:ea typeface="+mj-ea"/>
+            </a:endParaRPr>
+          </a:p>
+          <a:p>
+            <a:r>
+              <a:rPr lang="ja-JP" altLang="en-US" b="1" dirty="0" smtClean="0">
+                <a:solidFill>
+                  <a:srgbClr val="FF0000"/>
+                </a:solidFill>
+                <a:latin typeface="+mj-ea"/>
+                <a:ea typeface="+mj-ea"/>
+              </a:rPr>
+              <a:t>週</a:t>
+            </a:r>
+            <a:r>
+              <a:rPr lang="en-US" altLang="ja-JP" b="1" dirty="0" smtClean="0">
+                <a:solidFill>
+                  <a:srgbClr val="FF0000"/>
+                </a:solidFill>
+                <a:latin typeface="+mj-ea"/>
+                <a:ea typeface="+mj-ea"/>
+              </a:rPr>
+              <a:t>1</a:t>
+            </a:r>
+            <a:r>
+              <a:rPr lang="ja-JP" altLang="en-US" b="1" dirty="0" smtClean="0">
+                <a:solidFill>
+                  <a:srgbClr val="FF0000"/>
+                </a:solidFill>
+                <a:latin typeface="+mj-ea"/>
+                <a:ea typeface="+mj-ea"/>
+              </a:rPr>
+              <a:t>回顧客先で</a:t>
+            </a:r>
+            <a:r>
+              <a:rPr lang="en-US" altLang="ja-JP" b="1" dirty="0" smtClean="0">
+                <a:solidFill>
+                  <a:srgbClr val="FF0000"/>
+                </a:solidFill>
+                <a:latin typeface="+mj-ea"/>
+                <a:ea typeface="+mj-ea"/>
+              </a:rPr>
+              <a:t>MTG</a:t>
+            </a:r>
+            <a:r>
+              <a:rPr lang="ja-JP" altLang="en-US" b="1" dirty="0" smtClean="0">
+                <a:solidFill>
+                  <a:srgbClr val="FF0000"/>
+                </a:solidFill>
+                <a:latin typeface="+mj-ea"/>
+                <a:ea typeface="+mj-ea"/>
+              </a:rPr>
+              <a:t>で、仕様を確認する。</a:t>
+            </a:r>
+            <a:endParaRPr lang="en-US" altLang="ja-JP" b="1" dirty="0" smtClean="0">
+              <a:solidFill>
+                <a:srgbClr val="FF0000"/>
+              </a:solidFill>
+              <a:latin typeface="+mj-ea"/>
+              <a:ea typeface="+mj-ea"/>
+            </a:endParaRPr>
+          </a:p>
+          <a:p>
+            <a:r>
+              <a:rPr lang="ja-JP" altLang="en-US" b="1" dirty="0" smtClean="0">
+                <a:solidFill>
+                  <a:srgbClr val="FF0000"/>
+                </a:solidFill>
+                <a:latin typeface="+mj-ea"/>
+                <a:ea typeface="+mj-ea"/>
+              </a:rPr>
+              <a:t>開発メンバーの進捗管理、</a:t>
+            </a:r>
+            <a:r>
+              <a:rPr lang="en-US" altLang="ja-JP" b="1" dirty="0" smtClean="0">
+                <a:solidFill>
+                  <a:srgbClr val="FF0000"/>
+                </a:solidFill>
+                <a:latin typeface="+mj-ea"/>
+                <a:ea typeface="+mj-ea"/>
+              </a:rPr>
+              <a:t>WBS</a:t>
+            </a:r>
+            <a:r>
+              <a:rPr lang="ja-JP" altLang="en-US" b="1" dirty="0" smtClean="0">
+                <a:solidFill>
+                  <a:srgbClr val="FF0000"/>
+                </a:solidFill>
+                <a:latin typeface="+mj-ea"/>
+                <a:ea typeface="+mj-ea"/>
+              </a:rPr>
+              <a:t>ベースで毎日の作業進捗を記入してもらって、毎日日報も書いてもらって、課題など記述してもらう</a:t>
+            </a:r>
+            <a:endParaRPr lang="en-US" altLang="ja-JP" b="1" dirty="0" smtClean="0">
+              <a:solidFill>
+                <a:srgbClr val="FF0000"/>
+              </a:solidFill>
+              <a:latin typeface="+mj-ea"/>
+              <a:ea typeface="+mj-ea"/>
+            </a:endParaRPr>
+          </a:p>
+          <a:p>
+            <a:endParaRPr lang="en-US" altLang="ja-JP" b="1" dirty="0" smtClean="0">
+              <a:solidFill>
+                <a:srgbClr val="FF0000"/>
+              </a:solidFill>
+              <a:latin typeface="+mj-ea"/>
+              <a:ea typeface="+mj-ea"/>
+            </a:endParaRPr>
+          </a:p>
+          <a:p>
+            <a:endParaRPr lang="en-US" altLang="ja-JP" b="1" dirty="0" smtClean="0">
+              <a:solidFill>
+                <a:srgbClr val="FF0000"/>
+              </a:solidFill>
+              <a:latin typeface="+mj-ea"/>
+              <a:ea typeface="+mj-ea"/>
+            </a:endParaRPr>
+          </a:p>
+          <a:p>
+            <a:endParaRPr lang="en-US" altLang="ja-JP" b="1" dirty="0" smtClean="0">
+              <a:solidFill>
+                <a:srgbClr val="FF0000"/>
+              </a:solidFill>
+              <a:latin typeface="+mj-ea"/>
+              <a:ea typeface="+mj-ea"/>
+            </a:endParaRPr>
+          </a:p>
+          <a:p>
+            <a:endParaRPr lang="en-US" altLang="ja-JP" b="1" dirty="0" smtClean="0">
+              <a:solidFill>
+                <a:srgbClr val="FF0000"/>
+              </a:solidFill>
+              <a:latin typeface="+mj-ea"/>
+              <a:ea typeface="+mj-ea"/>
+            </a:endParaRPr>
+          </a:p>
+          <a:p>
+            <a:endParaRPr lang="en-US" altLang="ja-JP" b="1" dirty="0" smtClean="0">
+              <a:solidFill>
+                <a:srgbClr val="FF0000"/>
+              </a:solidFill>
+              <a:latin typeface="+mj-ea"/>
+              <a:ea typeface="+mj-ea"/>
+            </a:endParaRPr>
+          </a:p>
+          <a:p>
             <a:endParaRPr lang="en-US" altLang="ja-JP" b="1" dirty="0" smtClean="0">
               <a:solidFill>
                 <a:srgbClr val="FF0000"/>
@@ -5161,7 +5365,7 @@
     </p:spTree>
     <p:extLst>
       <p:ext uri="{BB962C8B-B14F-4D97-AF65-F5344CB8AC3E}">
-        <p14:creationId xmlns:p14="http://schemas.microsoft.com/office/powerpoint/2010/main" val="3249580482"/>
+        <p14:creationId xmlns:p14="http://schemas.microsoft.com/office/powerpoint/2010/main" val="3983564355"/>
       </p:ext>
     </p:extLst>
   </p:cSld>
@@ -6179,10 +6383,10 @@
                 <a:latin typeface="+mn-ea"/>
                 <a:ea typeface="+mn-ea"/>
               </a:rPr>
-              <a:t>．履歴</a:t>
-            </a:r>
-            <a:r>
-              <a:rPr lang="ja-JP" altLang="en-US" sz="1600" dirty="0" smtClean="0">
+              <a:t>．履歴紹介（省略）</a:t>
+            </a:r>
+            <a:r>
+              <a:rPr lang="en-US" altLang="ja-JP" sz="1600" dirty="0">
                 <a:solidFill>
                   <a:schemeClr val="accent6">
                     <a:lumMod val="50000"/>
@@ -6192,9 +6396,9 @@
                 <a:latin typeface="+mn-ea"/>
                 <a:ea typeface="+mn-ea"/>
               </a:rPr>
-              <a:t>紹介（省略）</a:t>
-            </a:r>
-            <a:r>
+              <a:t/>
+            </a:r>
+            <a:br>
               <a:rPr lang="en-US" altLang="ja-JP" sz="1600" dirty="0">
                 <a:solidFill>
                   <a:schemeClr val="accent6">
@@ -6205,10 +6409,9 @@
                 <a:latin typeface="+mn-ea"/>
                 <a:ea typeface="+mn-ea"/>
               </a:rPr>
-              <a:t/>
-            </a:r>
-            <a:br>
-              <a:rPr lang="en-US" altLang="ja-JP" sz="1600" dirty="0">
+            </a:br>
+            <a:r>
+              <a:rPr lang="ja-JP" altLang="en-US" sz="1600" dirty="0">
                 <a:solidFill>
                   <a:schemeClr val="accent6">
                     <a:lumMod val="50000"/>
@@ -6218,9 +6421,10 @@
                 <a:latin typeface="+mn-ea"/>
                 <a:ea typeface="+mn-ea"/>
               </a:rPr>
-            </a:br>
-            <a:r>
-              <a:rPr lang="ja-JP" altLang="en-US" sz="1600" dirty="0">
+              <a:t>２</a:t>
+            </a:r>
+            <a:r>
+              <a:rPr lang="ja-JP" altLang="en-US" sz="1600" dirty="0" smtClean="0">
                 <a:solidFill>
                   <a:schemeClr val="accent6">
                     <a:lumMod val="50000"/>
@@ -6230,33 +6434,7 @@
                 <a:latin typeface="+mn-ea"/>
                 <a:ea typeface="+mn-ea"/>
               </a:rPr>
-              <a:t>２</a:t>
-            </a:r>
-            <a:r>
-              <a:rPr lang="ja-JP" altLang="en-US" sz="1600" dirty="0" smtClean="0">
-                <a:solidFill>
-                  <a:schemeClr val="accent6">
-                    <a:lumMod val="50000"/>
-                    <a:lumOff val="50000"/>
-                  </a:schemeClr>
-                </a:solidFill>
-                <a:latin typeface="+mn-ea"/>
-                <a:ea typeface="+mn-ea"/>
-              </a:rPr>
-              <a:t>．進化の</a:t>
-            </a:r>
-            <a:r>
-              <a:rPr lang="ja-JP" altLang="en-US" sz="1600" dirty="0" smtClean="0">
-                <a:solidFill>
-                  <a:schemeClr val="accent6">
-                    <a:lumMod val="50000"/>
-                    <a:lumOff val="50000"/>
-                  </a:schemeClr>
-                </a:solidFill>
-                <a:latin typeface="+mn-ea"/>
-                <a:ea typeface="+mn-ea"/>
-              </a:rPr>
-              <a:t>自分</a:t>
+              <a:t>．進化の自分</a:t>
             </a:r>
             <a:r>
               <a:rPr lang="en-US" altLang="ja-JP" sz="1600" dirty="0" smtClean="0">
@@ -6552,20 +6730,7 @@
                 <a:latin typeface="+mn-ea"/>
                 <a:ea typeface="+mn-ea"/>
               </a:rPr>
-              <a:t>　</a:t>
-            </a:r>
-            <a:r>
-              <a:rPr lang="ja-JP" altLang="en-US" sz="1600" dirty="0" smtClean="0">
-                <a:solidFill>
-                  <a:schemeClr val="accent6">
-                    <a:lumMod val="50000"/>
-                    <a:lumOff val="50000"/>
-                  </a:schemeClr>
-                </a:solidFill>
-                <a:latin typeface="+mn-ea"/>
-                <a:ea typeface="+mn-ea"/>
-              </a:rPr>
-              <a:t>進化の自分</a:t>
+              <a:t>　進化の自分</a:t>
             </a:r>
             <a:r>
               <a:rPr lang="en-US" altLang="ja-JP" sz="1600" dirty="0" smtClean="0">
@@ -6938,19 +7103,7 @@
                 </a:solidFill>
                 <a:latin typeface="+mn-ea"/>
               </a:rPr>
-              <a:t>の</a:t>
-            </a:r>
-            <a:r>
-              <a:rPr lang="ja-JP" altLang="en-US" sz="2400" dirty="0" smtClean="0">
-                <a:solidFill>
-                  <a:schemeClr val="accent6">
-                    <a:lumMod val="50000"/>
-                    <a:lumOff val="50000"/>
-                  </a:schemeClr>
-                </a:solidFill>
-                <a:latin typeface="+mn-ea"/>
-              </a:rPr>
-              <a:t>自分</a:t>
+              <a:t>の自分</a:t>
             </a:r>
             <a:r>
               <a:rPr lang="en-US" altLang="ja-JP" sz="2400" dirty="0" smtClean="0">
@@ -6985,7 +7138,7 @@
           <p:cNvPr id="4" name="Group 293">
             <a:extLst>
               <a:ext uri="{FF2B5EF4-FFF2-40B4-BE49-F238E27FC236}">
-                <a16:creationId xmlns:a16="http://schemas.microsoft.com/office/drawing/2014/main" xmlns="" id="{FFC370BA-08BF-4CCE-A67B-D347FD899DBA}"/>
+                <a16:creationId xmlns="" xmlns:a16="http://schemas.microsoft.com/office/drawing/2014/main" id="{FFC370BA-08BF-4CCE-A67B-D347FD899DBA}"/>
               </a:ext>
             </a:extLst>
           </p:cNvPr>
@@ -7007,7 +7160,7 @@
             <p:cNvPr id="5" name="Oval 50">
               <a:extLst>
                 <a:ext uri="{FF2B5EF4-FFF2-40B4-BE49-F238E27FC236}">
-                  <a16:creationId xmlns:a16="http://schemas.microsoft.com/office/drawing/2014/main" xmlns="" id="{A9838AB5-C094-4377-A802-21CD3E317274}"/>
+                  <a16:creationId xmlns="" xmlns:a16="http://schemas.microsoft.com/office/drawing/2014/main" id="{A9838AB5-C094-4377-A802-21CD3E317274}"/>
                 </a:ext>
               </a:extLst>
             </p:cNvPr>
@@ -7066,7 +7219,7 @@
             <p:cNvPr id="6" name="Oval 51">
               <a:extLst>
                 <a:ext uri="{FF2B5EF4-FFF2-40B4-BE49-F238E27FC236}">
-                  <a16:creationId xmlns:a16="http://schemas.microsoft.com/office/drawing/2014/main" xmlns="" id="{DD6D435C-0F60-4629-BD94-54821F2DE884}"/>
+                  <a16:creationId xmlns="" xmlns:a16="http://schemas.microsoft.com/office/drawing/2014/main" id="{DD6D435C-0F60-4629-BD94-54821F2DE884}"/>
                 </a:ext>
               </a:extLst>
             </p:cNvPr>
@@ -7139,7 +7292,7 @@
             <p:cNvPr id="7" name="Oval 52">
               <a:extLst>
                 <a:ext uri="{FF2B5EF4-FFF2-40B4-BE49-F238E27FC236}">
-                  <a16:creationId xmlns:a16="http://schemas.microsoft.com/office/drawing/2014/main" xmlns="" id="{2FF6B54B-606C-4B88-AD79-E1531E472EED}"/>
+                  <a16:creationId xmlns="" xmlns:a16="http://schemas.microsoft.com/office/drawing/2014/main" id="{2FF6B54B-606C-4B88-AD79-E1531E472EED}"/>
                 </a:ext>
               </a:extLst>
             </p:cNvPr>
@@ -7215,7 +7368,7 @@
             <p:cNvPr id="8" name="Freeform 54">
               <a:extLst>
                 <a:ext uri="{FF2B5EF4-FFF2-40B4-BE49-F238E27FC236}">
-                  <a16:creationId xmlns:a16="http://schemas.microsoft.com/office/drawing/2014/main" xmlns="" id="{11B4C9EE-AFBE-4B95-89C4-2D73C9A5311C}"/>
+                  <a16:creationId xmlns="" xmlns:a16="http://schemas.microsoft.com/office/drawing/2014/main" id="{11B4C9EE-AFBE-4B95-89C4-2D73C9A5311C}"/>
                 </a:ext>
               </a:extLst>
             </p:cNvPr>
@@ -7390,7 +7543,7 @@
             <p:cNvPr id="9" name="Freeform 55">
               <a:extLst>
                 <a:ext uri="{FF2B5EF4-FFF2-40B4-BE49-F238E27FC236}">
-                  <a16:creationId xmlns:a16="http://schemas.microsoft.com/office/drawing/2014/main" xmlns="" id="{61FD8900-59DC-4DF8-9E0F-FA65E3D087D7}"/>
+                  <a16:creationId xmlns="" xmlns:a16="http://schemas.microsoft.com/office/drawing/2014/main" id="{61FD8900-59DC-4DF8-9E0F-FA65E3D087D7}"/>
                 </a:ext>
               </a:extLst>
             </p:cNvPr>
@@ -7565,7 +7718,7 @@
             <p:cNvPr id="10" name="AutoShape 59">
               <a:extLst>
                 <a:ext uri="{FF2B5EF4-FFF2-40B4-BE49-F238E27FC236}">
-                  <a16:creationId xmlns:a16="http://schemas.microsoft.com/office/drawing/2014/main" xmlns="" id="{8725B85B-EFDB-41AA-BF87-5BA5E80973EF}"/>
+                  <a16:creationId xmlns="" xmlns:a16="http://schemas.microsoft.com/office/drawing/2014/main" id="{8725B85B-EFDB-41AA-BF87-5BA5E80973EF}"/>
                 </a:ext>
               </a:extLst>
             </p:cNvPr>
@@ -7627,7 +7780,7 @@
           <p:cNvPr id="11" name="Group 296">
             <a:extLst>
               <a:ext uri="{FF2B5EF4-FFF2-40B4-BE49-F238E27FC236}">
-                <a16:creationId xmlns:a16="http://schemas.microsoft.com/office/drawing/2014/main" xmlns="" id="{3842FC64-AB39-42D7-A48C-0FE49F99806C}"/>
+                <a16:creationId xmlns="" xmlns:a16="http://schemas.microsoft.com/office/drawing/2014/main" id="{3842FC64-AB39-42D7-A48C-0FE49F99806C}"/>
               </a:ext>
             </a:extLst>
           </p:cNvPr>
@@ -7638,7 +7791,7 @@
         </p:nvGrpSpPr>
         <p:grpSpPr bwMode="auto">
           <a:xfrm>
-            <a:off x="1294375" y="3136182"/>
+            <a:off x="1294375" y="3070347"/>
             <a:ext cx="788463" cy="755574"/>
             <a:chOff x="336" y="601"/>
             <a:chExt cx="850" cy="850"/>
@@ -7649,7 +7802,7 @@
             <p:cNvPr id="12" name="Oval 2">
               <a:extLst>
                 <a:ext uri="{FF2B5EF4-FFF2-40B4-BE49-F238E27FC236}">
-                  <a16:creationId xmlns:a16="http://schemas.microsoft.com/office/drawing/2014/main" xmlns="" id="{9267EE0A-4BA4-4E94-8745-FFA9A06F71A9}"/>
+                  <a16:creationId xmlns="" xmlns:a16="http://schemas.microsoft.com/office/drawing/2014/main" id="{9267EE0A-4BA4-4E94-8745-FFA9A06F71A9}"/>
                 </a:ext>
               </a:extLst>
             </p:cNvPr>
@@ -7708,7 +7861,7 @@
             <p:cNvPr id="13" name="Oval 19">
               <a:extLst>
                 <a:ext uri="{FF2B5EF4-FFF2-40B4-BE49-F238E27FC236}">
-                  <a16:creationId xmlns:a16="http://schemas.microsoft.com/office/drawing/2014/main" xmlns="" id="{CC91C93B-224E-47BB-A4B4-F39EF6BD8070}"/>
+                  <a16:creationId xmlns="" xmlns:a16="http://schemas.microsoft.com/office/drawing/2014/main" id="{CC91C93B-224E-47BB-A4B4-F39EF6BD8070}"/>
                 </a:ext>
               </a:extLst>
             </p:cNvPr>
@@ -7781,7 +7934,7 @@
             <p:cNvPr id="14" name="Oval 20">
               <a:extLst>
                 <a:ext uri="{FF2B5EF4-FFF2-40B4-BE49-F238E27FC236}">
-                  <a16:creationId xmlns:a16="http://schemas.microsoft.com/office/drawing/2014/main" xmlns="" id="{9BD5F5FE-EFD9-4804-9B3B-C6D91AFF363C}"/>
+                  <a16:creationId xmlns="" xmlns:a16="http://schemas.microsoft.com/office/drawing/2014/main" id="{9BD5F5FE-EFD9-4804-9B3B-C6D91AFF363C}"/>
                 </a:ext>
               </a:extLst>
             </p:cNvPr>
@@ -7857,7 +8010,7 @@
             <p:cNvPr id="15" name="Group 21">
               <a:extLst>
                 <a:ext uri="{FF2B5EF4-FFF2-40B4-BE49-F238E27FC236}">
-                  <a16:creationId xmlns:a16="http://schemas.microsoft.com/office/drawing/2014/main" xmlns="" id="{7DB5FE9B-6714-4B4D-AB94-45F20F7D5C8E}"/>
+                  <a16:creationId xmlns="" xmlns:a16="http://schemas.microsoft.com/office/drawing/2014/main" id="{7DB5FE9B-6714-4B4D-AB94-45F20F7D5C8E}"/>
                 </a:ext>
               </a:extLst>
             </p:cNvPr>
@@ -7879,7 +8032,7 @@
               <p:cNvPr id="18" name="AutoShape 22">
                 <a:extLst>
                   <a:ext uri="{FF2B5EF4-FFF2-40B4-BE49-F238E27FC236}">
-                    <a16:creationId xmlns:a16="http://schemas.microsoft.com/office/drawing/2014/main" xmlns="" id="{4E5DF4CC-2B73-45EA-B083-30A68ED1FA2A}"/>
+                    <a16:creationId xmlns="" xmlns:a16="http://schemas.microsoft.com/office/drawing/2014/main" id="{4E5DF4CC-2B73-45EA-B083-30A68ED1FA2A}"/>
                   </a:ext>
                 </a:extLst>
               </p:cNvPr>
@@ -7948,7 +8101,7 @@
               <p:cNvPr id="19" name="Freeform 23">
                 <a:extLst>
                   <a:ext uri="{FF2B5EF4-FFF2-40B4-BE49-F238E27FC236}">
-                    <a16:creationId xmlns:a16="http://schemas.microsoft.com/office/drawing/2014/main" xmlns="" id="{A03184C6-4DC0-40F9-A025-A1F34226A187}"/>
+                    <a16:creationId xmlns="" xmlns:a16="http://schemas.microsoft.com/office/drawing/2014/main" id="{A03184C6-4DC0-40F9-A025-A1F34226A187}"/>
                   </a:ext>
                 </a:extLst>
               </p:cNvPr>
@@ -8080,7 +8233,7 @@
             <p:cNvPr id="16" name="AutoShape 36">
               <a:extLst>
                 <a:ext uri="{FF2B5EF4-FFF2-40B4-BE49-F238E27FC236}">
-                  <a16:creationId xmlns:a16="http://schemas.microsoft.com/office/drawing/2014/main" xmlns="" id="{C65C2922-0F06-4601-991B-D9188A55C388}"/>
+                  <a16:creationId xmlns="" xmlns:a16="http://schemas.microsoft.com/office/drawing/2014/main" id="{C65C2922-0F06-4601-991B-D9188A55C388}"/>
                 </a:ext>
               </a:extLst>
             </p:cNvPr>
@@ -8255,7 +8408,7 @@
             <p:cNvPr id="17" name="AutoShape 37">
               <a:extLst>
                 <a:ext uri="{FF2B5EF4-FFF2-40B4-BE49-F238E27FC236}">
-                  <a16:creationId xmlns:a16="http://schemas.microsoft.com/office/drawing/2014/main" xmlns="" id="{9028FBF9-F253-4134-8311-3707C3C5DB2F}"/>
+                  <a16:creationId xmlns="" xmlns:a16="http://schemas.microsoft.com/office/drawing/2014/main" id="{9028FBF9-F253-4134-8311-3707C3C5DB2F}"/>
                 </a:ext>
               </a:extLst>
             </p:cNvPr>
@@ -8490,7 +8643,7 @@
           <a:noFill/>
           <a:ln>
             <a:solidFill>
-              <a:srgbClr val="FFFF00"/>
+              <a:srgbClr val="C00000"/>
             </a:solidFill>
           </a:ln>
           <a:effectLst/>
@@ -8505,15 +8658,19 @@
           </a:bodyPr>
           <a:lstStyle/>
           <a:p>
+            <a:pPr marL="342900" indent="-342900">
+              <a:buFont typeface="+mj-lt"/>
+              <a:buAutoNum type="arabicPeriod"/>
+            </a:pPr>
             <a:r>
               <a:rPr kumimoji="1" lang="ja-JP" altLang="en-US" b="1" dirty="0" smtClean="0">
                 <a:solidFill>
-                  <a:srgbClr val="0000CC"/>
+                  <a:srgbClr val="FF0000"/>
                 </a:solidFill>
                 <a:latin typeface="+mj-ea"/>
                 <a:ea typeface="+mj-ea"/>
               </a:rPr>
-              <a:t>・</a:t>
+              <a:t>会社</a:t>
             </a:r>
             <a:r>
               <a:rPr kumimoji="1" lang="ja-JP" altLang="en-US" b="1" dirty="0" smtClean="0">
@@ -8523,7 +8680,7 @@
                 <a:latin typeface="+mj-ea"/>
                 <a:ea typeface="+mj-ea"/>
               </a:rPr>
-              <a:t>会社の飲み会</a:t>
+              <a:t>の飲み会</a:t>
             </a:r>
             <a:endParaRPr kumimoji="1" lang="en-US" altLang="ja-JP" b="1" dirty="0" smtClean="0">
               <a:solidFill>
@@ -8534,15 +8691,19 @@
             </a:endParaRPr>
           </a:p>
           <a:p>
+            <a:pPr marL="342900" indent="-342900">
+              <a:buFont typeface="+mj-lt"/>
+              <a:buAutoNum type="arabicPeriod"/>
+            </a:pPr>
             <a:r>
               <a:rPr lang="ja-JP" altLang="en-US" b="1" dirty="0" smtClean="0">
                 <a:solidFill>
-                  <a:srgbClr val="0000CC"/>
+                  <a:srgbClr val="FF0000"/>
                 </a:solidFill>
                 <a:latin typeface="+mj-ea"/>
                 <a:ea typeface="+mj-ea"/>
               </a:rPr>
-              <a:t>・</a:t>
+              <a:t>アジャイル</a:t>
             </a:r>
             <a:r>
               <a:rPr lang="ja-JP" altLang="en-US" b="1" dirty="0" smtClean="0">
@@ -8552,7 +8713,7 @@
                 <a:latin typeface="+mj-ea"/>
                 <a:ea typeface="+mj-ea"/>
               </a:rPr>
-              <a:t>アジャイル社内研修</a:t>
+              <a:t>社内研修</a:t>
             </a:r>
             <a:endParaRPr lang="en-US" altLang="ja-JP" b="1" dirty="0" smtClean="0">
               <a:solidFill>
@@ -8563,16 +8724,10 @@
             </a:endParaRPr>
           </a:p>
           <a:p>
-            <a:r>
-              <a:rPr kumimoji="1" lang="ja-JP" altLang="en-US" b="1" dirty="0" smtClean="0">
-                <a:solidFill>
-                  <a:srgbClr val="0000CC"/>
-                </a:solidFill>
-                <a:latin typeface="+mj-ea"/>
-                <a:ea typeface="+mj-ea"/>
-              </a:rPr>
-              <a:t>・</a:t>
-            </a:r>
+            <a:pPr marL="342900" indent="-342900">
+              <a:buFont typeface="+mj-lt"/>
+              <a:buAutoNum type="arabicPeriod"/>
+            </a:pPr>
             <a:r>
               <a:rPr kumimoji="1" lang="ja-JP" altLang="en-US" b="1" dirty="0" smtClean="0">
                 <a:solidFill>
@@ -8592,15 +8747,19 @@
             </a:endParaRPr>
           </a:p>
           <a:p>
+            <a:pPr marL="342900" indent="-342900">
+              <a:buFont typeface="+mj-lt"/>
+              <a:buAutoNum type="arabicPeriod"/>
+            </a:pPr>
             <a:r>
               <a:rPr lang="ja-JP" altLang="en-US" b="1" dirty="0" smtClean="0">
                 <a:solidFill>
-                  <a:srgbClr val="0000CC"/>
+                  <a:srgbClr val="FF0000"/>
                 </a:solidFill>
                 <a:latin typeface="+mj-ea"/>
                 <a:ea typeface="+mj-ea"/>
               </a:rPr>
-              <a:t>・</a:t>
+              <a:t>第二</a:t>
             </a:r>
             <a:r>
               <a:rPr lang="ja-JP" altLang="en-US" b="1" dirty="0" smtClean="0">
@@ -8610,7 +8769,7 @@
                 <a:latin typeface="+mj-ea"/>
                 <a:ea typeface="+mj-ea"/>
               </a:rPr>
-              <a:t>第二シス部会（司会）</a:t>
+              <a:t>シス部会（司会）</a:t>
             </a:r>
             <a:endParaRPr kumimoji="1" lang="ja-JP" altLang="en-US" b="1" dirty="0">
               <a:solidFill>
@@ -8701,19 +8860,7 @@
                 </a:solidFill>
                 <a:latin typeface="+mn-ea"/>
               </a:rPr>
-              <a:t>の</a:t>
-            </a:r>
-            <a:r>
-              <a:rPr lang="ja-JP" altLang="en-US" sz="2400" dirty="0" smtClean="0">
-                <a:solidFill>
-                  <a:schemeClr val="accent6">
-                    <a:lumMod val="50000"/>
-                    <a:lumOff val="50000"/>
-                  </a:schemeClr>
-                </a:solidFill>
-                <a:latin typeface="+mn-ea"/>
-              </a:rPr>
-              <a:t>自分</a:t>
+              <a:t>の自分</a:t>
             </a:r>
             <a:r>
               <a:rPr lang="en-US" altLang="ja-JP" sz="2400" dirty="0" smtClean="0">
@@ -8760,7 +8907,7 @@
           <p:cNvPr id="4" name="Group 293">
             <a:extLst>
               <a:ext uri="{FF2B5EF4-FFF2-40B4-BE49-F238E27FC236}">
-                <a16:creationId xmlns:a16="http://schemas.microsoft.com/office/drawing/2014/main" xmlns="" id="{FFC370BA-08BF-4CCE-A67B-D347FD899DBA}"/>
+                <a16:creationId xmlns="" xmlns:a16="http://schemas.microsoft.com/office/drawing/2014/main" id="{FFC370BA-08BF-4CCE-A67B-D347FD899DBA}"/>
               </a:ext>
             </a:extLst>
           </p:cNvPr>
@@ -8782,7 +8929,7 @@
             <p:cNvPr id="5" name="Oval 50">
               <a:extLst>
                 <a:ext uri="{FF2B5EF4-FFF2-40B4-BE49-F238E27FC236}">
-                  <a16:creationId xmlns:a16="http://schemas.microsoft.com/office/drawing/2014/main" xmlns="" id="{A9838AB5-C094-4377-A802-21CD3E317274}"/>
+                  <a16:creationId xmlns="" xmlns:a16="http://schemas.microsoft.com/office/drawing/2014/main" id="{A9838AB5-C094-4377-A802-21CD3E317274}"/>
                 </a:ext>
               </a:extLst>
             </p:cNvPr>
@@ -8841,7 +8988,7 @@
             <p:cNvPr id="6" name="Oval 51">
               <a:extLst>
                 <a:ext uri="{FF2B5EF4-FFF2-40B4-BE49-F238E27FC236}">
-                  <a16:creationId xmlns:a16="http://schemas.microsoft.com/office/drawing/2014/main" xmlns="" id="{DD6D435C-0F60-4629-BD94-54821F2DE884}"/>
+                  <a16:creationId xmlns="" xmlns:a16="http://schemas.microsoft.com/office/drawing/2014/main" id="{DD6D435C-0F60-4629-BD94-54821F2DE884}"/>
                 </a:ext>
               </a:extLst>
             </p:cNvPr>
@@ -8914,7 +9061,7 @@
             <p:cNvPr id="7" name="Oval 52">
               <a:extLst>
                 <a:ext uri="{FF2B5EF4-FFF2-40B4-BE49-F238E27FC236}">
-                  <a16:creationId xmlns:a16="http://schemas.microsoft.com/office/drawing/2014/main" xmlns="" id="{2FF6B54B-606C-4B88-AD79-E1531E472EED}"/>
+                  <a16:creationId xmlns="" xmlns:a16="http://schemas.microsoft.com/office/drawing/2014/main" id="{2FF6B54B-606C-4B88-AD79-E1531E472EED}"/>
                 </a:ext>
               </a:extLst>
             </p:cNvPr>
@@ -8990,7 +9137,7 @@
             <p:cNvPr id="8" name="Freeform 54">
               <a:extLst>
                 <a:ext uri="{FF2B5EF4-FFF2-40B4-BE49-F238E27FC236}">
-                  <a16:creationId xmlns:a16="http://schemas.microsoft.com/office/drawing/2014/main" xmlns="" id="{11B4C9EE-AFBE-4B95-89C4-2D73C9A5311C}"/>
+                  <a16:creationId xmlns="" xmlns:a16="http://schemas.microsoft.com/office/drawing/2014/main" id="{11B4C9EE-AFBE-4B95-89C4-2D73C9A5311C}"/>
                 </a:ext>
               </a:extLst>
             </p:cNvPr>
@@ -9165,7 +9312,7 @@
             <p:cNvPr id="9" name="Freeform 55">
               <a:extLst>
                 <a:ext uri="{FF2B5EF4-FFF2-40B4-BE49-F238E27FC236}">
-                  <a16:creationId xmlns:a16="http://schemas.microsoft.com/office/drawing/2014/main" xmlns="" id="{61FD8900-59DC-4DF8-9E0F-FA65E3D087D7}"/>
+                  <a16:creationId xmlns="" xmlns:a16="http://schemas.microsoft.com/office/drawing/2014/main" id="{61FD8900-59DC-4DF8-9E0F-FA65E3D087D7}"/>
                 </a:ext>
               </a:extLst>
             </p:cNvPr>
@@ -9340,7 +9487,7 @@
             <p:cNvPr id="10" name="AutoShape 59">
               <a:extLst>
                 <a:ext uri="{FF2B5EF4-FFF2-40B4-BE49-F238E27FC236}">
-                  <a16:creationId xmlns:a16="http://schemas.microsoft.com/office/drawing/2014/main" xmlns="" id="{8725B85B-EFDB-41AA-BF87-5BA5E80973EF}"/>
+                  <a16:creationId xmlns="" xmlns:a16="http://schemas.microsoft.com/office/drawing/2014/main" id="{8725B85B-EFDB-41AA-BF87-5BA5E80973EF}"/>
                 </a:ext>
               </a:extLst>
             </p:cNvPr>
@@ -9402,7 +9549,7 @@
           <p:cNvPr id="11" name="Group 296">
             <a:extLst>
               <a:ext uri="{FF2B5EF4-FFF2-40B4-BE49-F238E27FC236}">
-                <a16:creationId xmlns:a16="http://schemas.microsoft.com/office/drawing/2014/main" xmlns="" id="{3842FC64-AB39-42D7-A48C-0FE49F99806C}"/>
+                <a16:creationId xmlns="" xmlns:a16="http://schemas.microsoft.com/office/drawing/2014/main" id="{3842FC64-AB39-42D7-A48C-0FE49F99806C}"/>
               </a:ext>
             </a:extLst>
           </p:cNvPr>
@@ -9424,7 +9571,7 @@
             <p:cNvPr id="12" name="Oval 2">
               <a:extLst>
                 <a:ext uri="{FF2B5EF4-FFF2-40B4-BE49-F238E27FC236}">
-                  <a16:creationId xmlns:a16="http://schemas.microsoft.com/office/drawing/2014/main" xmlns="" id="{9267EE0A-4BA4-4E94-8745-FFA9A06F71A9}"/>
+                  <a16:creationId xmlns="" xmlns:a16="http://schemas.microsoft.com/office/drawing/2014/main" id="{9267EE0A-4BA4-4E94-8745-FFA9A06F71A9}"/>
                 </a:ext>
               </a:extLst>
             </p:cNvPr>
@@ -9483,7 +9630,7 @@
             <p:cNvPr id="13" name="Oval 19">
               <a:extLst>
                 <a:ext uri="{FF2B5EF4-FFF2-40B4-BE49-F238E27FC236}">
-                  <a16:creationId xmlns:a16="http://schemas.microsoft.com/office/drawing/2014/main" xmlns="" id="{CC91C93B-224E-47BB-A4B4-F39EF6BD8070}"/>
+                  <a16:creationId xmlns="" xmlns:a16="http://schemas.microsoft.com/office/drawing/2014/main" id="{CC91C93B-224E-47BB-A4B4-F39EF6BD8070}"/>
                 </a:ext>
               </a:extLst>
             </p:cNvPr>
@@ -9556,7 +9703,7 @@
             <p:cNvPr id="14" name="Oval 20">
               <a:extLst>
                 <a:ext uri="{FF2B5EF4-FFF2-40B4-BE49-F238E27FC236}">
-                  <a16:creationId xmlns:a16="http://schemas.microsoft.com/office/drawing/2014/main" xmlns="" id="{9BD5F5FE-EFD9-4804-9B3B-C6D91AFF363C}"/>
+                  <a16:creationId xmlns="" xmlns:a16="http://schemas.microsoft.com/office/drawing/2014/main" id="{9BD5F5FE-EFD9-4804-9B3B-C6D91AFF363C}"/>
                 </a:ext>
               </a:extLst>
             </p:cNvPr>
@@ -9632,7 +9779,7 @@
             <p:cNvPr id="15" name="Group 21">
               <a:extLst>
                 <a:ext uri="{FF2B5EF4-FFF2-40B4-BE49-F238E27FC236}">
-                  <a16:creationId xmlns:a16="http://schemas.microsoft.com/office/drawing/2014/main" xmlns="" id="{7DB5FE9B-6714-4B4D-AB94-45F20F7D5C8E}"/>
+                  <a16:creationId xmlns="" xmlns:a16="http://schemas.microsoft.com/office/drawing/2014/main" id="{7DB5FE9B-6714-4B4D-AB94-45F20F7D5C8E}"/>
                 </a:ext>
               </a:extLst>
             </p:cNvPr>
@@ -9654,7 +9801,7 @@
               <p:cNvPr id="18" name="AutoShape 22">
                 <a:extLst>
                   <a:ext uri="{FF2B5EF4-FFF2-40B4-BE49-F238E27FC236}">
-                    <a16:creationId xmlns:a16="http://schemas.microsoft.com/office/drawing/2014/main" xmlns="" id="{4E5DF4CC-2B73-45EA-B083-30A68ED1FA2A}"/>
+                    <a16:creationId xmlns="" xmlns:a16="http://schemas.microsoft.com/office/drawing/2014/main" id="{4E5DF4CC-2B73-45EA-B083-30A68ED1FA2A}"/>
                   </a:ext>
                 </a:extLst>
               </p:cNvPr>
@@ -9723,7 +9870,7 @@
               <p:cNvPr id="19" name="Freeform 23">
                 <a:extLst>
                   <a:ext uri="{FF2B5EF4-FFF2-40B4-BE49-F238E27FC236}">
-                    <a16:creationId xmlns:a16="http://schemas.microsoft.com/office/drawing/2014/main" xmlns="" id="{A03184C6-4DC0-40F9-A025-A1F34226A187}"/>
+                    <a16:creationId xmlns="" xmlns:a16="http://schemas.microsoft.com/office/drawing/2014/main" id="{A03184C6-4DC0-40F9-A025-A1F34226A187}"/>
                   </a:ext>
                 </a:extLst>
               </p:cNvPr>
@@ -9855,7 +10002,7 @@
             <p:cNvPr id="16" name="AutoShape 36">
               <a:extLst>
                 <a:ext uri="{FF2B5EF4-FFF2-40B4-BE49-F238E27FC236}">
-                  <a16:creationId xmlns:a16="http://schemas.microsoft.com/office/drawing/2014/main" xmlns="" id="{C65C2922-0F06-4601-991B-D9188A55C388}"/>
+                  <a16:creationId xmlns="" xmlns:a16="http://schemas.microsoft.com/office/drawing/2014/main" id="{C65C2922-0F06-4601-991B-D9188A55C388}"/>
                 </a:ext>
               </a:extLst>
             </p:cNvPr>
@@ -10030,7 +10177,7 @@
             <p:cNvPr id="17" name="AutoShape 37">
               <a:extLst>
                 <a:ext uri="{FF2B5EF4-FFF2-40B4-BE49-F238E27FC236}">
-                  <a16:creationId xmlns:a16="http://schemas.microsoft.com/office/drawing/2014/main" xmlns="" id="{9028FBF9-F253-4134-8311-3707C3C5DB2F}"/>
+                  <a16:creationId xmlns="" xmlns:a16="http://schemas.microsoft.com/office/drawing/2014/main" id="{9028FBF9-F253-4134-8311-3707C3C5DB2F}"/>
                 </a:ext>
               </a:extLst>
             </p:cNvPr>
@@ -10209,8 +10356,8 @@
         </p:nvSpPr>
         <p:spPr bwMode="auto">
           <a:xfrm>
-            <a:off x="2306782" y="1190959"/>
-            <a:ext cx="4322618" cy="702951"/>
+            <a:off x="2306781" y="1190959"/>
+            <a:ext cx="4415953" cy="702951"/>
           </a:xfrm>
           <a:prstGeom prst="rect">
             <a:avLst/>
@@ -10271,14 +10418,14 @@
           <a:noFill/>
           <a:ln>
             <a:solidFill>
-              <a:srgbClr val="FFFF00"/>
+              <a:srgbClr val="C00000"/>
             </a:solidFill>
           </a:ln>
           <a:effectLst/>
           <a:extLst/>
         </p:spPr>
         <p:txBody>
-          <a:bodyPr rot="0" spcFirstLastPara="0" vertOverflow="overflow" horzOverflow="overflow" vert="horz" wrap="square" lIns="91440" tIns="45720" rIns="91440" bIns="45720" numCol="1" spcCol="0" rtlCol="0" fromWordArt="0" anchor="ctr" anchorCtr="0" forceAA="0" compatLnSpc="1">
+          <a:bodyPr rot="0" spcFirstLastPara="0" vertOverflow="overflow" horzOverflow="overflow" vert="horz" wrap="square" lIns="91440" tIns="45720" rIns="91440" bIns="45720" numCol="1" spcCol="0" rtlCol="0" fromWordArt="0" anchor="t" anchorCtr="0" forceAA="0" compatLnSpc="1">
             <a:prstTxWarp prst="textNoShape">
               <a:avLst/>
             </a:prstTxWarp>
@@ -10298,17 +10445,7 @@
                 <a:latin typeface="+mj-ea"/>
                 <a:ea typeface="+mj-ea"/>
               </a:rPr>
-              <a:t>自分</a:t>
-            </a:r>
-            <a:r>
-              <a:rPr kumimoji="1" lang="ja-JP" altLang="en-US" b="1" dirty="0" smtClean="0">
-                <a:solidFill>
-                  <a:srgbClr val="FF0000"/>
-                </a:solidFill>
-                <a:latin typeface="+mj-ea"/>
-                <a:ea typeface="+mj-ea"/>
-              </a:rPr>
-              <a:t>の意見、アディアが積極的に言え</a:t>
+              <a:t>自分の意見、アディアが積極的に言え</a:t>
             </a:r>
             <a:r>
               <a:rPr lang="ja-JP" altLang="en-US" b="1" dirty="0">
@@ -10351,17 +10488,7 @@
                 <a:latin typeface="+mj-ea"/>
                 <a:ea typeface="+mj-ea"/>
               </a:rPr>
-              <a:t>話題</a:t>
-            </a:r>
-            <a:r>
-              <a:rPr lang="ja-JP" altLang="en-US" b="1" dirty="0" smtClean="0">
-                <a:solidFill>
-                  <a:srgbClr val="FF0000"/>
-                </a:solidFill>
-                <a:latin typeface="+mj-ea"/>
-                <a:ea typeface="+mj-ea"/>
-              </a:rPr>
-              <a:t>を自ら探して、現場同士とよくコンミュニケーションがよく取った</a:t>
+              <a:t>話題を自ら探して、現場同士とよくコンミュニケーションがよく取った</a:t>
             </a:r>
             <a:endParaRPr lang="en-US" altLang="ja-JP" b="1" dirty="0" smtClean="0">
               <a:solidFill>
@@ -10384,17 +10511,7 @@
                 <a:latin typeface="+mj-ea"/>
                 <a:ea typeface="+mj-ea"/>
               </a:rPr>
-              <a:t>アジャイル</a:t>
-            </a:r>
-            <a:r>
-              <a:rPr lang="ja-JP" altLang="en-US" b="1" dirty="0" smtClean="0">
-                <a:solidFill>
-                  <a:srgbClr val="FF0000"/>
-                </a:solidFill>
-                <a:latin typeface="+mj-ea"/>
-                <a:ea typeface="+mj-ea"/>
-              </a:rPr>
-              <a:t>研修で、積極的に作ったものをアピールした。（四チームの中で２位）</a:t>
+              <a:t>アジャイル研修で、積極的に作ったものをアピールした。（四チームの中で２位）</a:t>
             </a:r>
             <a:endParaRPr lang="en-US" altLang="ja-JP" b="1" dirty="0" smtClean="0">
               <a:solidFill>
@@ -10485,10 +10602,10 @@
                 </a:solidFill>
                 <a:latin typeface="+mn-ea"/>
               </a:rPr>
-              <a:t>の</a:t>
-            </a:r>
-            <a:r>
-              <a:rPr lang="ja-JP" altLang="en-US" sz="2400" dirty="0" smtClean="0">
+              <a:t>の自分</a:t>
+            </a:r>
+            <a:r>
+              <a:rPr lang="en-US" altLang="ja-JP" sz="2400" dirty="0" smtClean="0">
                 <a:solidFill>
                   <a:schemeClr val="accent6">
                     <a:lumMod val="50000"/>
@@ -10497,10 +10614,10 @@
                 </a:solidFill>
                 <a:latin typeface="+mn-ea"/>
               </a:rPr>
-              <a:t>自分</a:t>
-            </a:r>
-            <a:r>
-              <a:rPr lang="en-US" altLang="ja-JP" sz="2400" dirty="0" smtClean="0">
+              <a:t>-</a:t>
+            </a:r>
+            <a:r>
+              <a:rPr lang="ja-JP" altLang="en-US" sz="2400" dirty="0" smtClean="0">
                 <a:solidFill>
                   <a:schemeClr val="accent6">
                     <a:lumMod val="50000"/>
@@ -10509,43 +10626,7 @@
                 </a:solidFill>
                 <a:latin typeface="+mn-ea"/>
               </a:rPr>
-              <a:t>-</a:t>
-            </a:r>
-            <a:r>
-              <a:rPr lang="ja-JP" altLang="en-US" sz="2400" dirty="0" smtClean="0">
-                <a:solidFill>
-                  <a:schemeClr val="accent6">
-                    <a:lumMod val="50000"/>
-                    <a:lumOff val="50000"/>
-                  </a:schemeClr>
-                </a:solidFill>
-                <a:latin typeface="+mn-ea"/>
-              </a:rPr>
-              <a:t>技術</a:t>
-            </a:r>
-            <a:r>
-              <a:rPr lang="ja-JP" altLang="en-US" sz="2400" dirty="0" smtClean="0">
-                <a:solidFill>
-                  <a:schemeClr val="accent6">
-                    <a:lumMod val="50000"/>
-                    <a:lumOff val="50000"/>
-                  </a:schemeClr>
-                </a:solidFill>
-                <a:latin typeface="+mn-ea"/>
-              </a:rPr>
-              <a:t>で</a:t>
-            </a:r>
-            <a:r>
-              <a:rPr lang="ja-JP" altLang="en-US" sz="2400" dirty="0" smtClean="0">
-                <a:solidFill>
-                  <a:schemeClr val="accent6">
-                    <a:lumMod val="50000"/>
-                    <a:lumOff val="50000"/>
-                  </a:schemeClr>
-                </a:solidFill>
-                <a:latin typeface="+mn-ea"/>
-              </a:rPr>
-              <a:t>みんながハッピー</a:t>
+              <a:t>技術でみんながハッピー</a:t>
             </a:r>
             <a:endParaRPr kumimoji="1" lang="ja-JP" altLang="en-US" sz="2400" dirty="0"/>
           </a:p>
@@ -10556,7 +10637,7 @@
           <p:cNvPr id="11" name="Group 296">
             <a:extLst>
               <a:ext uri="{FF2B5EF4-FFF2-40B4-BE49-F238E27FC236}">
-                <a16:creationId xmlns:a16="http://schemas.microsoft.com/office/drawing/2014/main" xmlns="" id="{3842FC64-AB39-42D7-A48C-0FE49F99806C}"/>
+                <a16:creationId xmlns="" xmlns:a16="http://schemas.microsoft.com/office/drawing/2014/main" id="{3842FC64-AB39-42D7-A48C-0FE49F99806C}"/>
               </a:ext>
             </a:extLst>
           </p:cNvPr>
@@ -10578,7 +10659,7 @@
             <p:cNvPr id="12" name="Oval 2">
               <a:extLst>
                 <a:ext uri="{FF2B5EF4-FFF2-40B4-BE49-F238E27FC236}">
-                  <a16:creationId xmlns:a16="http://schemas.microsoft.com/office/drawing/2014/main" xmlns="" id="{9267EE0A-4BA4-4E94-8745-FFA9A06F71A9}"/>
+                  <a16:creationId xmlns="" xmlns:a16="http://schemas.microsoft.com/office/drawing/2014/main" id="{9267EE0A-4BA4-4E94-8745-FFA9A06F71A9}"/>
                 </a:ext>
               </a:extLst>
             </p:cNvPr>
@@ -10637,7 +10718,7 @@
             <p:cNvPr id="13" name="Oval 19">
               <a:extLst>
                 <a:ext uri="{FF2B5EF4-FFF2-40B4-BE49-F238E27FC236}">
-                  <a16:creationId xmlns:a16="http://schemas.microsoft.com/office/drawing/2014/main" xmlns="" id="{CC91C93B-224E-47BB-A4B4-F39EF6BD8070}"/>
+                  <a16:creationId xmlns="" xmlns:a16="http://schemas.microsoft.com/office/drawing/2014/main" id="{CC91C93B-224E-47BB-A4B4-F39EF6BD8070}"/>
                 </a:ext>
               </a:extLst>
             </p:cNvPr>
@@ -10710,7 +10791,7 @@
             <p:cNvPr id="14" name="Oval 20">
               <a:extLst>
                 <a:ext uri="{FF2B5EF4-FFF2-40B4-BE49-F238E27FC236}">
-                  <a16:creationId xmlns:a16="http://schemas.microsoft.com/office/drawing/2014/main" xmlns="" id="{9BD5F5FE-EFD9-4804-9B3B-C6D91AFF363C}"/>
+                  <a16:creationId xmlns="" xmlns:a16="http://schemas.microsoft.com/office/drawing/2014/main" id="{9BD5F5FE-EFD9-4804-9B3B-C6D91AFF363C}"/>
                 </a:ext>
               </a:extLst>
             </p:cNvPr>
@@ -10786,7 +10867,7 @@
             <p:cNvPr id="15" name="Group 21">
               <a:extLst>
                 <a:ext uri="{FF2B5EF4-FFF2-40B4-BE49-F238E27FC236}">
-                  <a16:creationId xmlns:a16="http://schemas.microsoft.com/office/drawing/2014/main" xmlns="" id="{7DB5FE9B-6714-4B4D-AB94-45F20F7D5C8E}"/>
+                  <a16:creationId xmlns="" xmlns:a16="http://schemas.microsoft.com/office/drawing/2014/main" id="{7DB5FE9B-6714-4B4D-AB94-45F20F7D5C8E}"/>
                 </a:ext>
               </a:extLst>
             </p:cNvPr>
@@ -10808,7 +10889,7 @@
               <p:cNvPr id="18" name="AutoShape 22">
                 <a:extLst>
                   <a:ext uri="{FF2B5EF4-FFF2-40B4-BE49-F238E27FC236}">
-                    <a16:creationId xmlns:a16="http://schemas.microsoft.com/office/drawing/2014/main" xmlns="" id="{4E5DF4CC-2B73-45EA-B083-30A68ED1FA2A}"/>
+                    <a16:creationId xmlns="" xmlns:a16="http://schemas.microsoft.com/office/drawing/2014/main" id="{4E5DF4CC-2B73-45EA-B083-30A68ED1FA2A}"/>
                   </a:ext>
                 </a:extLst>
               </p:cNvPr>
@@ -10877,7 +10958,7 @@
               <p:cNvPr id="19" name="Freeform 23">
                 <a:extLst>
                   <a:ext uri="{FF2B5EF4-FFF2-40B4-BE49-F238E27FC236}">
-                    <a16:creationId xmlns:a16="http://schemas.microsoft.com/office/drawing/2014/main" xmlns="" id="{A03184C6-4DC0-40F9-A025-A1F34226A187}"/>
+                    <a16:creationId xmlns="" xmlns:a16="http://schemas.microsoft.com/office/drawing/2014/main" id="{A03184C6-4DC0-40F9-A025-A1F34226A187}"/>
                   </a:ext>
                 </a:extLst>
               </p:cNvPr>
@@ -11009,7 +11090,7 @@
             <p:cNvPr id="16" name="AutoShape 36">
               <a:extLst>
                 <a:ext uri="{FF2B5EF4-FFF2-40B4-BE49-F238E27FC236}">
-                  <a16:creationId xmlns:a16="http://schemas.microsoft.com/office/drawing/2014/main" xmlns="" id="{C65C2922-0F06-4601-991B-D9188A55C388}"/>
+                  <a16:creationId xmlns="" xmlns:a16="http://schemas.microsoft.com/office/drawing/2014/main" id="{C65C2922-0F06-4601-991B-D9188A55C388}"/>
                 </a:ext>
               </a:extLst>
             </p:cNvPr>
@@ -11184,7 +11265,7 @@
             <p:cNvPr id="17" name="AutoShape 37">
               <a:extLst>
                 <a:ext uri="{FF2B5EF4-FFF2-40B4-BE49-F238E27FC236}">
-                  <a16:creationId xmlns:a16="http://schemas.microsoft.com/office/drawing/2014/main" xmlns="" id="{9028FBF9-F253-4134-8311-3707C3C5DB2F}"/>
+                  <a16:creationId xmlns="" xmlns:a16="http://schemas.microsoft.com/office/drawing/2014/main" id="{9028FBF9-F253-4134-8311-3707C3C5DB2F}"/>
                 </a:ext>
               </a:extLst>
             </p:cNvPr>
@@ -11360,7 +11441,7 @@
           <p:cNvPr id="20" name="Group 293">
             <a:extLst>
               <a:ext uri="{FF2B5EF4-FFF2-40B4-BE49-F238E27FC236}">
-                <a16:creationId xmlns:a16="http://schemas.microsoft.com/office/drawing/2014/main" xmlns="" id="{FFC370BA-08BF-4CCE-A67B-D347FD899DBA}"/>
+                <a16:creationId xmlns="" xmlns:a16="http://schemas.microsoft.com/office/drawing/2014/main" id="{FFC370BA-08BF-4CCE-A67B-D347FD899DBA}"/>
               </a:ext>
             </a:extLst>
           </p:cNvPr>
@@ -11382,7 +11463,7 @@
             <p:cNvPr id="22" name="Oval 50">
               <a:extLst>
                 <a:ext uri="{FF2B5EF4-FFF2-40B4-BE49-F238E27FC236}">
-                  <a16:creationId xmlns:a16="http://schemas.microsoft.com/office/drawing/2014/main" xmlns="" id="{A9838AB5-C094-4377-A802-21CD3E317274}"/>
+                  <a16:creationId xmlns="" xmlns:a16="http://schemas.microsoft.com/office/drawing/2014/main" id="{A9838AB5-C094-4377-A802-21CD3E317274}"/>
                 </a:ext>
               </a:extLst>
             </p:cNvPr>
@@ -11441,7 +11522,7 @@
             <p:cNvPr id="23" name="Oval 51">
               <a:extLst>
                 <a:ext uri="{FF2B5EF4-FFF2-40B4-BE49-F238E27FC236}">
-                  <a16:creationId xmlns:a16="http://schemas.microsoft.com/office/drawing/2014/main" xmlns="" id="{DD6D435C-0F60-4629-BD94-54821F2DE884}"/>
+                  <a16:creationId xmlns="" xmlns:a16="http://schemas.microsoft.com/office/drawing/2014/main" id="{DD6D435C-0F60-4629-BD94-54821F2DE884}"/>
                 </a:ext>
               </a:extLst>
             </p:cNvPr>
@@ -11514,7 +11595,7 @@
             <p:cNvPr id="24" name="Oval 52">
               <a:extLst>
                 <a:ext uri="{FF2B5EF4-FFF2-40B4-BE49-F238E27FC236}">
-                  <a16:creationId xmlns:a16="http://schemas.microsoft.com/office/drawing/2014/main" xmlns="" id="{2FF6B54B-606C-4B88-AD79-E1531E472EED}"/>
+                  <a16:creationId xmlns="" xmlns:a16="http://schemas.microsoft.com/office/drawing/2014/main" id="{2FF6B54B-606C-4B88-AD79-E1531E472EED}"/>
                 </a:ext>
               </a:extLst>
             </p:cNvPr>
@@ -11590,7 +11671,7 @@
             <p:cNvPr id="25" name="Freeform 54">
               <a:extLst>
                 <a:ext uri="{FF2B5EF4-FFF2-40B4-BE49-F238E27FC236}">
-                  <a16:creationId xmlns:a16="http://schemas.microsoft.com/office/drawing/2014/main" xmlns="" id="{11B4C9EE-AFBE-4B95-89C4-2D73C9A5311C}"/>
+                  <a16:creationId xmlns="" xmlns:a16="http://schemas.microsoft.com/office/drawing/2014/main" id="{11B4C9EE-AFBE-4B95-89C4-2D73C9A5311C}"/>
                 </a:ext>
               </a:extLst>
             </p:cNvPr>
@@ -11765,7 +11846,7 @@
             <p:cNvPr id="26" name="Freeform 55">
               <a:extLst>
                 <a:ext uri="{FF2B5EF4-FFF2-40B4-BE49-F238E27FC236}">
-                  <a16:creationId xmlns:a16="http://schemas.microsoft.com/office/drawing/2014/main" xmlns="" id="{61FD8900-59DC-4DF8-9E0F-FA65E3D087D7}"/>
+                  <a16:creationId xmlns="" xmlns:a16="http://schemas.microsoft.com/office/drawing/2014/main" id="{61FD8900-59DC-4DF8-9E0F-FA65E3D087D7}"/>
                 </a:ext>
               </a:extLst>
             </p:cNvPr>
@@ -11940,7 +12021,7 @@
             <p:cNvPr id="27" name="AutoShape 59">
               <a:extLst>
                 <a:ext uri="{FF2B5EF4-FFF2-40B4-BE49-F238E27FC236}">
-                  <a16:creationId xmlns:a16="http://schemas.microsoft.com/office/drawing/2014/main" xmlns="" id="{8725B85B-EFDB-41AA-BF87-5BA5E80973EF}"/>
+                  <a16:creationId xmlns="" xmlns:a16="http://schemas.microsoft.com/office/drawing/2014/main" id="{8725B85B-EFDB-41AA-BF87-5BA5E80973EF}"/>
                 </a:ext>
               </a:extLst>
             </p:cNvPr>
@@ -12060,14 +12141,14 @@
           <a:noFill/>
           <a:ln>
             <a:solidFill>
-              <a:srgbClr val="FFFF00"/>
+              <a:srgbClr val="C00000"/>
             </a:solidFill>
           </a:ln>
           <a:effectLst/>
           <a:extLst/>
         </p:spPr>
         <p:txBody>
-          <a:bodyPr rot="0" spcFirstLastPara="0" vertOverflow="overflow" horzOverflow="overflow" vert="horz" wrap="square" lIns="91440" tIns="45720" rIns="91440" bIns="45720" numCol="1" spcCol="0" rtlCol="0" fromWordArt="0" anchor="ctr" anchorCtr="0" forceAA="0" compatLnSpc="1">
+          <a:bodyPr rot="0" spcFirstLastPara="0" vertOverflow="overflow" horzOverflow="overflow" vert="horz" wrap="square" lIns="91440" tIns="45720" rIns="91440" bIns="45720" numCol="1" spcCol="0" rtlCol="0" fromWordArt="0" anchor="t" anchorCtr="0" forceAA="0" compatLnSpc="1">
             <a:prstTxWarp prst="textNoShape">
               <a:avLst/>
             </a:prstTxWarp>
@@ -12300,10 +12381,10 @@
                 </a:solidFill>
                 <a:latin typeface="+mn-ea"/>
               </a:rPr>
-              <a:t>の</a:t>
-            </a:r>
-            <a:r>
-              <a:rPr lang="ja-JP" altLang="en-US" sz="2400" dirty="0" smtClean="0">
+              <a:t>の自分</a:t>
+            </a:r>
+            <a:r>
+              <a:rPr lang="en-US" altLang="ja-JP" sz="2400" dirty="0" smtClean="0">
                 <a:solidFill>
                   <a:schemeClr val="accent6">
                     <a:lumMod val="50000"/>
@@ -12312,10 +12393,10 @@
                 </a:solidFill>
                 <a:latin typeface="+mn-ea"/>
               </a:rPr>
-              <a:t>自分</a:t>
-            </a:r>
-            <a:r>
-              <a:rPr lang="en-US" altLang="ja-JP" sz="2400" dirty="0" smtClean="0">
+              <a:t>-</a:t>
+            </a:r>
+            <a:r>
+              <a:rPr lang="ja-JP" altLang="en-US" sz="2400" dirty="0" smtClean="0">
                 <a:solidFill>
                   <a:schemeClr val="accent6">
                     <a:lumMod val="50000"/>
@@ -12324,43 +12405,7 @@
                 </a:solidFill>
                 <a:latin typeface="+mn-ea"/>
               </a:rPr>
-              <a:t>-</a:t>
-            </a:r>
-            <a:r>
-              <a:rPr lang="ja-JP" altLang="en-US" sz="2400" dirty="0" smtClean="0">
-                <a:solidFill>
-                  <a:schemeClr val="accent6">
-                    <a:lumMod val="50000"/>
-                    <a:lumOff val="50000"/>
-                  </a:schemeClr>
-                </a:solidFill>
-                <a:latin typeface="+mn-ea"/>
-              </a:rPr>
-              <a:t>技術</a:t>
-            </a:r>
-            <a:r>
-              <a:rPr lang="ja-JP" altLang="en-US" sz="2400" dirty="0" smtClean="0">
-                <a:solidFill>
-                  <a:schemeClr val="accent6">
-                    <a:lumMod val="50000"/>
-                    <a:lumOff val="50000"/>
-                  </a:schemeClr>
-                </a:solidFill>
-                <a:latin typeface="+mn-ea"/>
-              </a:rPr>
-              <a:t>で</a:t>
-            </a:r>
-            <a:r>
-              <a:rPr lang="ja-JP" altLang="en-US" sz="2400" dirty="0" smtClean="0">
-                <a:solidFill>
-                  <a:schemeClr val="accent6">
-                    <a:lumMod val="50000"/>
-                    <a:lumOff val="50000"/>
-                  </a:schemeClr>
-                </a:solidFill>
-                <a:latin typeface="+mn-ea"/>
-              </a:rPr>
-              <a:t>みんながハッピー</a:t>
+              <a:t>技術でみんながハッピー</a:t>
             </a:r>
             <a:endParaRPr kumimoji="1" lang="ja-JP" altLang="en-US" sz="2400" dirty="0"/>
           </a:p>
@@ -12469,19 +12514,7 @@
                 </a:solidFill>
                 <a:latin typeface="+mn-ea"/>
               </a:rPr>
-              <a:t>の</a:t>
-            </a:r>
-            <a:r>
-              <a:rPr lang="ja-JP" altLang="en-US" sz="2400" dirty="0" smtClean="0">
-                <a:solidFill>
-                  <a:schemeClr val="accent6">
-                    <a:lumMod val="50000"/>
-                    <a:lumOff val="50000"/>
-                  </a:schemeClr>
-                </a:solidFill>
-                <a:latin typeface="+mn-ea"/>
-              </a:rPr>
-              <a:t>自分</a:t>
+              <a:t>の自分</a:t>
             </a:r>
             <a:r>
               <a:rPr lang="en-US" altLang="ja-JP" sz="2400" dirty="0" smtClean="0">
@@ -12516,7 +12549,7 @@
           <p:cNvPr id="11" name="Group 296">
             <a:extLst>
               <a:ext uri="{FF2B5EF4-FFF2-40B4-BE49-F238E27FC236}">
-                <a16:creationId xmlns:a16="http://schemas.microsoft.com/office/drawing/2014/main" xmlns="" id="{3842FC64-AB39-42D7-A48C-0FE49F99806C}"/>
+                <a16:creationId xmlns="" xmlns:a16="http://schemas.microsoft.com/office/drawing/2014/main" id="{3842FC64-AB39-42D7-A48C-0FE49F99806C}"/>
               </a:ext>
             </a:extLst>
           </p:cNvPr>
@@ -12538,7 +12571,7 @@
             <p:cNvPr id="12" name="Oval 2">
               <a:extLst>
                 <a:ext uri="{FF2B5EF4-FFF2-40B4-BE49-F238E27FC236}">
-                  <a16:creationId xmlns:a16="http://schemas.microsoft.com/office/drawing/2014/main" xmlns="" id="{9267EE0A-4BA4-4E94-8745-FFA9A06F71A9}"/>
+                  <a16:creationId xmlns="" xmlns:a16="http://schemas.microsoft.com/office/drawing/2014/main" id="{9267EE0A-4BA4-4E94-8745-FFA9A06F71A9}"/>
                 </a:ext>
               </a:extLst>
             </p:cNvPr>
@@ -12597,7 +12630,7 @@
             <p:cNvPr id="13" name="Oval 19">
               <a:extLst>
                 <a:ext uri="{FF2B5EF4-FFF2-40B4-BE49-F238E27FC236}">
-                  <a16:creationId xmlns:a16="http://schemas.microsoft.com/office/drawing/2014/main" xmlns="" id="{CC91C93B-224E-47BB-A4B4-F39EF6BD8070}"/>
+                  <a16:creationId xmlns="" xmlns:a16="http://schemas.microsoft.com/office/drawing/2014/main" id="{CC91C93B-224E-47BB-A4B4-F39EF6BD8070}"/>
                 </a:ext>
               </a:extLst>
             </p:cNvPr>
@@ -12670,7 +12703,7 @@
             <p:cNvPr id="14" name="Oval 20">
               <a:extLst>
                 <a:ext uri="{FF2B5EF4-FFF2-40B4-BE49-F238E27FC236}">
-                  <a16:creationId xmlns:a16="http://schemas.microsoft.com/office/drawing/2014/main" xmlns="" id="{9BD5F5FE-EFD9-4804-9B3B-C6D91AFF363C}"/>
+                  <a16:creationId xmlns="" xmlns:a16="http://schemas.microsoft.com/office/drawing/2014/main" id="{9BD5F5FE-EFD9-4804-9B3B-C6D91AFF363C}"/>
                 </a:ext>
               </a:extLst>
             </p:cNvPr>
@@ -12746,7 +12779,7 @@
             <p:cNvPr id="15" name="Group 21">
               <a:extLst>
                 <a:ext uri="{FF2B5EF4-FFF2-40B4-BE49-F238E27FC236}">
-                  <a16:creationId xmlns:a16="http://schemas.microsoft.com/office/drawing/2014/main" xmlns="" id="{7DB5FE9B-6714-4B4D-AB94-45F20F7D5C8E}"/>
+                  <a16:creationId xmlns="" xmlns:a16="http://schemas.microsoft.com/office/drawing/2014/main" id="{7DB5FE9B-6714-4B4D-AB94-45F20F7D5C8E}"/>
                 </a:ext>
               </a:extLst>
             </p:cNvPr>
@@ -12768,7 +12801,7 @@
               <p:cNvPr id="18" name="AutoShape 22">
                 <a:extLst>
                   <a:ext uri="{FF2B5EF4-FFF2-40B4-BE49-F238E27FC236}">
-                    <a16:creationId xmlns:a16="http://schemas.microsoft.com/office/drawing/2014/main" xmlns="" id="{4E5DF4CC-2B73-45EA-B083-30A68ED1FA2A}"/>
+                    <a16:creationId xmlns="" xmlns:a16="http://schemas.microsoft.com/office/drawing/2014/main" id="{4E5DF4CC-2B73-45EA-B083-30A68ED1FA2A}"/>
                   </a:ext>
                 </a:extLst>
               </p:cNvPr>
@@ -12837,7 +12870,7 @@
               <p:cNvPr id="19" name="Freeform 23">
                 <a:extLst>
                   <a:ext uri="{FF2B5EF4-FFF2-40B4-BE49-F238E27FC236}">
-                    <a16:creationId xmlns:a16="http://schemas.microsoft.com/office/drawing/2014/main" xmlns="" id="{A03184C6-4DC0-40F9-A025-A1F34226A187}"/>
+                    <a16:creationId xmlns="" xmlns:a16="http://schemas.microsoft.com/office/drawing/2014/main" id="{A03184C6-4DC0-40F9-A025-A1F34226A187}"/>
                   </a:ext>
                 </a:extLst>
               </p:cNvPr>
@@ -12969,7 +13002,7 @@
             <p:cNvPr id="16" name="AutoShape 36">
               <a:extLst>
                 <a:ext uri="{FF2B5EF4-FFF2-40B4-BE49-F238E27FC236}">
-                  <a16:creationId xmlns:a16="http://schemas.microsoft.com/office/drawing/2014/main" xmlns="" id="{C65C2922-0F06-4601-991B-D9188A55C388}"/>
+                  <a16:creationId xmlns="" xmlns:a16="http://schemas.microsoft.com/office/drawing/2014/main" id="{C65C2922-0F06-4601-991B-D9188A55C388}"/>
                 </a:ext>
               </a:extLst>
             </p:cNvPr>
@@ -13144,7 +13177,7 @@
             <p:cNvPr id="17" name="AutoShape 37">
               <a:extLst>
                 <a:ext uri="{FF2B5EF4-FFF2-40B4-BE49-F238E27FC236}">
-                  <a16:creationId xmlns:a16="http://schemas.microsoft.com/office/drawing/2014/main" xmlns="" id="{9028FBF9-F253-4134-8311-3707C3C5DB2F}"/>
+                  <a16:creationId xmlns="" xmlns:a16="http://schemas.microsoft.com/office/drawing/2014/main" id="{9028FBF9-F253-4134-8311-3707C3C5DB2F}"/>
                 </a:ext>
               </a:extLst>
             </p:cNvPr>
@@ -13332,14 +13365,14 @@
           <a:noFill/>
           <a:ln>
             <a:solidFill>
-              <a:srgbClr val="FFFF00"/>
+              <a:srgbClr val="C00000"/>
             </a:solidFill>
           </a:ln>
           <a:effectLst/>
           <a:extLst/>
         </p:spPr>
         <p:txBody>
-          <a:bodyPr rot="0" spcFirstLastPara="0" vertOverflow="overflow" horzOverflow="overflow" vert="horz" wrap="square" lIns="91440" tIns="45720" rIns="91440" bIns="45720" numCol="1" spcCol="0" rtlCol="0" fromWordArt="0" anchor="ctr" anchorCtr="0" forceAA="0" compatLnSpc="1">
+          <a:bodyPr rot="0" spcFirstLastPara="0" vertOverflow="overflow" horzOverflow="overflow" vert="horz" wrap="square" lIns="91440" tIns="45720" rIns="91440" bIns="45720" numCol="1" spcCol="0" rtlCol="0" fromWordArt="0" anchor="t" anchorCtr="0" forceAA="0" compatLnSpc="1">
             <a:prstTxWarp prst="textNoShape">
               <a:avLst/>
             </a:prstTxWarp>
@@ -13472,7 +13505,17 @@
                 <a:latin typeface="+mj-ea"/>
                 <a:ea typeface="+mj-ea"/>
               </a:rPr>
-              <a:t>バッチ開発も全対応</a:t>
+              <a:t>バッチ</a:t>
+            </a:r>
+            <a:r>
+              <a:rPr lang="ja-JP" altLang="en-US" b="1" dirty="0" smtClean="0">
+                <a:solidFill>
+                  <a:srgbClr val="FF0000"/>
+                </a:solidFill>
+                <a:latin typeface="+mj-ea"/>
+                <a:ea typeface="+mj-ea"/>
+              </a:rPr>
+              <a:t>開発フル対応</a:t>
             </a:r>
             <a:endParaRPr lang="en-US" altLang="ja-JP" b="1" dirty="0" smtClean="0">
               <a:solidFill>
@@ -13512,7 +13555,7 @@
           <p:cNvPr id="20" name="Group 293">
             <a:extLst>
               <a:ext uri="{FF2B5EF4-FFF2-40B4-BE49-F238E27FC236}">
-                <a16:creationId xmlns:a16="http://schemas.microsoft.com/office/drawing/2014/main" xmlns="" id="{FFC370BA-08BF-4CCE-A67B-D347FD899DBA}"/>
+                <a16:creationId xmlns="" xmlns:a16="http://schemas.microsoft.com/office/drawing/2014/main" id="{FFC370BA-08BF-4CCE-A67B-D347FD899DBA}"/>
               </a:ext>
             </a:extLst>
           </p:cNvPr>
@@ -13534,7 +13577,7 @@
             <p:cNvPr id="22" name="Oval 50">
               <a:extLst>
                 <a:ext uri="{FF2B5EF4-FFF2-40B4-BE49-F238E27FC236}">
-                  <a16:creationId xmlns:a16="http://schemas.microsoft.com/office/drawing/2014/main" xmlns="" id="{A9838AB5-C094-4377-A802-21CD3E317274}"/>
+                  <a16:creationId xmlns="" xmlns:a16="http://schemas.microsoft.com/office/drawing/2014/main" id="{A9838AB5-C094-4377-A802-21CD3E317274}"/>
                 </a:ext>
               </a:extLst>
             </p:cNvPr>
@@ -13593,7 +13636,7 @@
             <p:cNvPr id="23" name="Oval 51">
               <a:extLst>
                 <a:ext uri="{FF2B5EF4-FFF2-40B4-BE49-F238E27FC236}">
-                  <a16:creationId xmlns:a16="http://schemas.microsoft.com/office/drawing/2014/main" xmlns="" id="{DD6D435C-0F60-4629-BD94-54821F2DE884}"/>
+                  <a16:creationId xmlns="" xmlns:a16="http://schemas.microsoft.com/office/drawing/2014/main" id="{DD6D435C-0F60-4629-BD94-54821F2DE884}"/>
                 </a:ext>
               </a:extLst>
             </p:cNvPr>
@@ -13666,7 +13709,7 @@
             <p:cNvPr id="24" name="Oval 52">
               <a:extLst>
                 <a:ext uri="{FF2B5EF4-FFF2-40B4-BE49-F238E27FC236}">
-                  <a16:creationId xmlns:a16="http://schemas.microsoft.com/office/drawing/2014/main" xmlns="" id="{2FF6B54B-606C-4B88-AD79-E1531E472EED}"/>
+                  <a16:creationId xmlns="" xmlns:a16="http://schemas.microsoft.com/office/drawing/2014/main" id="{2FF6B54B-606C-4B88-AD79-E1531E472EED}"/>
                 </a:ext>
               </a:extLst>
             </p:cNvPr>
@@ -13742,7 +13785,7 @@
             <p:cNvPr id="25" name="Freeform 54">
               <a:extLst>
                 <a:ext uri="{FF2B5EF4-FFF2-40B4-BE49-F238E27FC236}">
-                  <a16:creationId xmlns:a16="http://schemas.microsoft.com/office/drawing/2014/main" xmlns="" id="{11B4C9EE-AFBE-4B95-89C4-2D73C9A5311C}"/>
+                  <a16:creationId xmlns="" xmlns:a16="http://schemas.microsoft.com/office/drawing/2014/main" id="{11B4C9EE-AFBE-4B95-89C4-2D73C9A5311C}"/>
                 </a:ext>
               </a:extLst>
             </p:cNvPr>
@@ -13917,7 +13960,7 @@
             <p:cNvPr id="26" name="Freeform 55">
               <a:extLst>
                 <a:ext uri="{FF2B5EF4-FFF2-40B4-BE49-F238E27FC236}">
-                  <a16:creationId xmlns:a16="http://schemas.microsoft.com/office/drawing/2014/main" xmlns="" id="{61FD8900-59DC-4DF8-9E0F-FA65E3D087D7}"/>
+                  <a16:creationId xmlns="" xmlns:a16="http://schemas.microsoft.com/office/drawing/2014/main" id="{61FD8900-59DC-4DF8-9E0F-FA65E3D087D7}"/>
                 </a:ext>
               </a:extLst>
             </p:cNvPr>
@@ -14092,7 +14135,7 @@
             <p:cNvPr id="27" name="AutoShape 59">
               <a:extLst>
                 <a:ext uri="{FF2B5EF4-FFF2-40B4-BE49-F238E27FC236}">
-                  <a16:creationId xmlns:a16="http://schemas.microsoft.com/office/drawing/2014/main" xmlns="" id="{8725B85B-EFDB-41AA-BF87-5BA5E80973EF}"/>
+                  <a16:creationId xmlns="" xmlns:a16="http://schemas.microsoft.com/office/drawing/2014/main" id="{8725B85B-EFDB-41AA-BF87-5BA5E80973EF}"/>
                 </a:ext>
               </a:extLst>
             </p:cNvPr>
@@ -14274,19 +14317,7 @@
                 </a:solidFill>
                 <a:latin typeface="+mn-ea"/>
               </a:rPr>
-              <a:t>の</a:t>
-            </a:r>
-            <a:r>
-              <a:rPr lang="ja-JP" altLang="en-US" sz="2300" dirty="0" smtClean="0">
-                <a:solidFill>
-                  <a:schemeClr val="accent6">
-                    <a:lumMod val="50000"/>
-                    <a:lumOff val="50000"/>
-                  </a:schemeClr>
-                </a:solidFill>
-                <a:latin typeface="+mn-ea"/>
-              </a:rPr>
-              <a:t>自分</a:t>
+              <a:t>の自分</a:t>
             </a:r>
             <a:r>
               <a:rPr lang="en-US" altLang="ja-JP" sz="2300" dirty="0" smtClean="0">
@@ -14321,7 +14352,7 @@
           <p:cNvPr id="11" name="Group 296">
             <a:extLst>
               <a:ext uri="{FF2B5EF4-FFF2-40B4-BE49-F238E27FC236}">
-                <a16:creationId xmlns:a16="http://schemas.microsoft.com/office/drawing/2014/main" xmlns="" id="{3842FC64-AB39-42D7-A48C-0FE49F99806C}"/>
+                <a16:creationId xmlns="" xmlns:a16="http://schemas.microsoft.com/office/drawing/2014/main" id="{3842FC64-AB39-42D7-A48C-0FE49F99806C}"/>
               </a:ext>
             </a:extLst>
           </p:cNvPr>
@@ -14343,7 +14374,7 @@
             <p:cNvPr id="12" name="Oval 2">
               <a:extLst>
                 <a:ext uri="{FF2B5EF4-FFF2-40B4-BE49-F238E27FC236}">
-                  <a16:creationId xmlns:a16="http://schemas.microsoft.com/office/drawing/2014/main" xmlns="" id="{9267EE0A-4BA4-4E94-8745-FFA9A06F71A9}"/>
+                  <a16:creationId xmlns="" xmlns:a16="http://schemas.microsoft.com/office/drawing/2014/main" id="{9267EE0A-4BA4-4E94-8745-FFA9A06F71A9}"/>
                 </a:ext>
               </a:extLst>
             </p:cNvPr>
@@ -14402,7 +14433,7 @@
             <p:cNvPr id="13" name="Oval 19">
               <a:extLst>
                 <a:ext uri="{FF2B5EF4-FFF2-40B4-BE49-F238E27FC236}">
-                  <a16:creationId xmlns:a16="http://schemas.microsoft.com/office/drawing/2014/main" xmlns="" id="{CC91C93B-224E-47BB-A4B4-F39EF6BD8070}"/>
+                  <a16:creationId xmlns="" xmlns:a16="http://schemas.microsoft.com/office/drawing/2014/main" id="{CC91C93B-224E-47BB-A4B4-F39EF6BD8070}"/>
                 </a:ext>
               </a:extLst>
             </p:cNvPr>
@@ -14475,7 +14506,7 @@
             <p:cNvPr id="14" name="Oval 20">
               <a:extLst>
                 <a:ext uri="{FF2B5EF4-FFF2-40B4-BE49-F238E27FC236}">
-                  <a16:creationId xmlns:a16="http://schemas.microsoft.com/office/drawing/2014/main" xmlns="" id="{9BD5F5FE-EFD9-4804-9B3B-C6D91AFF363C}"/>
+                  <a16:creationId xmlns="" xmlns:a16="http://schemas.microsoft.com/office/drawing/2014/main" id="{9BD5F5FE-EFD9-4804-9B3B-C6D91AFF363C}"/>
                 </a:ext>
               </a:extLst>
             </p:cNvPr>
@@ -14551,7 +14582,7 @@
             <p:cNvPr id="15" name="Group 21">
               <a:extLst>
                 <a:ext uri="{FF2B5EF4-FFF2-40B4-BE49-F238E27FC236}">
-                  <a16:creationId xmlns:a16="http://schemas.microsoft.com/office/drawing/2014/main" xmlns="" id="{7DB5FE9B-6714-4B4D-AB94-45F20F7D5C8E}"/>
+                  <a16:creationId xmlns="" xmlns:a16="http://schemas.microsoft.com/office/drawing/2014/main" id="{7DB5FE9B-6714-4B4D-AB94-45F20F7D5C8E}"/>
                 </a:ext>
               </a:extLst>
             </p:cNvPr>
@@ -14573,7 +14604,7 @@
               <p:cNvPr id="18" name="AutoShape 22">
                 <a:extLst>
                   <a:ext uri="{FF2B5EF4-FFF2-40B4-BE49-F238E27FC236}">
-                    <a16:creationId xmlns:a16="http://schemas.microsoft.com/office/drawing/2014/main" xmlns="" id="{4E5DF4CC-2B73-45EA-B083-30A68ED1FA2A}"/>
+                    <a16:creationId xmlns="" xmlns:a16="http://schemas.microsoft.com/office/drawing/2014/main" id="{4E5DF4CC-2B73-45EA-B083-30A68ED1FA2A}"/>
                   </a:ext>
                 </a:extLst>
               </p:cNvPr>
@@ -14642,7 +14673,7 @@
               <p:cNvPr id="19" name="Freeform 23">
                 <a:extLst>
                   <a:ext uri="{FF2B5EF4-FFF2-40B4-BE49-F238E27FC236}">
-                    <a16:creationId xmlns:a16="http://schemas.microsoft.com/office/drawing/2014/main" xmlns="" id="{A03184C6-4DC0-40F9-A025-A1F34226A187}"/>
+                    <a16:creationId xmlns="" xmlns:a16="http://schemas.microsoft.com/office/drawing/2014/main" id="{A03184C6-4DC0-40F9-A025-A1F34226A187}"/>
                   </a:ext>
                 </a:extLst>
               </p:cNvPr>
@@ -14774,7 +14805,7 @@
             <p:cNvPr id="16" name="AutoShape 36">
               <a:extLst>
                 <a:ext uri="{FF2B5EF4-FFF2-40B4-BE49-F238E27FC236}">
-                  <a16:creationId xmlns:a16="http://schemas.microsoft.com/office/drawing/2014/main" xmlns="" id="{C65C2922-0F06-4601-991B-D9188A55C388}"/>
+                  <a16:creationId xmlns="" xmlns:a16="http://schemas.microsoft.com/office/drawing/2014/main" id="{C65C2922-0F06-4601-991B-D9188A55C388}"/>
                 </a:ext>
               </a:extLst>
             </p:cNvPr>
@@ -14949,7 +14980,7 @@
             <p:cNvPr id="17" name="AutoShape 37">
               <a:extLst>
                 <a:ext uri="{FF2B5EF4-FFF2-40B4-BE49-F238E27FC236}">
-                  <a16:creationId xmlns:a16="http://schemas.microsoft.com/office/drawing/2014/main" xmlns="" id="{9028FBF9-F253-4134-8311-3707C3C5DB2F}"/>
+                  <a16:creationId xmlns="" xmlns:a16="http://schemas.microsoft.com/office/drawing/2014/main" id="{9028FBF9-F253-4134-8311-3707C3C5DB2F}"/>
                 </a:ext>
               </a:extLst>
             </p:cNvPr>
@@ -15160,37 +15191,7 @@
                 <a:latin typeface="+mj-ea"/>
                 <a:ea typeface="+mj-ea"/>
               </a:rPr>
-              <a:t>高生産性と高</a:t>
-            </a:r>
-            <a:r>
-              <a:rPr lang="ja-JP" altLang="en-US" b="1" dirty="0" smtClean="0">
-                <a:solidFill>
-                  <a:srgbClr val="FF0000"/>
-                </a:solidFill>
-                <a:latin typeface="+mj-ea"/>
-                <a:ea typeface="+mj-ea"/>
-              </a:rPr>
-              <a:t>品質の対応で、現場の上層に信頼され、いつも</a:t>
-            </a:r>
-            <a:r>
-              <a:rPr lang="ja-JP" altLang="en-US" b="1" dirty="0" smtClean="0">
-                <a:solidFill>
-                  <a:srgbClr val="FF0000"/>
-                </a:solidFill>
-                <a:latin typeface="+mj-ea"/>
-                <a:ea typeface="+mj-ea"/>
-              </a:rPr>
-              <a:t>コア機能を</a:t>
-            </a:r>
-            <a:r>
-              <a:rPr lang="ja-JP" altLang="en-US" b="1" dirty="0" smtClean="0">
-                <a:solidFill>
-                  <a:srgbClr val="FF0000"/>
-                </a:solidFill>
-                <a:latin typeface="+mj-ea"/>
-                <a:ea typeface="+mj-ea"/>
-              </a:rPr>
-              <a:t>担当させている。</a:t>
+              <a:t>高生産性と高品質の対応で、現場の上層に信頼され、いつもコア機能を担当させている。</a:t>
             </a:r>
             <a:endParaRPr lang="en-US" altLang="ja-JP" b="1" dirty="0">
               <a:solidFill>
@@ -15209,27 +15210,7 @@
                 <a:latin typeface="+mj-ea"/>
                 <a:ea typeface="+mj-ea"/>
               </a:rPr>
-              <a:t>　</a:t>
-            </a:r>
-            <a:r>
-              <a:rPr lang="ja-JP" altLang="en-US" b="1" dirty="0" smtClean="0">
-                <a:solidFill>
-                  <a:srgbClr val="FF0000"/>
-                </a:solidFill>
-                <a:latin typeface="+mj-ea"/>
-                <a:ea typeface="+mj-ea"/>
-              </a:rPr>
-              <a:t> ・</a:t>
-            </a:r>
-            <a:r>
-              <a:rPr lang="ja-JP" altLang="en-US" b="1" dirty="0" smtClean="0">
-                <a:solidFill>
-                  <a:srgbClr val="FF0000"/>
-                </a:solidFill>
-                <a:latin typeface="+mj-ea"/>
-                <a:ea typeface="+mj-ea"/>
-              </a:rPr>
-              <a:t>ポイント突合（規模：</a:t>
+              <a:t>　 ・ポイント突合（規模：</a:t>
             </a:r>
             <a:r>
               <a:rPr lang="en-US" altLang="ja-JP" b="1" dirty="0" smtClean="0">
@@ -15278,17 +15259,7 @@
                 <a:latin typeface="+mj-ea"/>
                 <a:ea typeface="+mj-ea"/>
               </a:rPr>
-              <a:t> ・</a:t>
-            </a:r>
-            <a:r>
-              <a:rPr lang="ja-JP" altLang="en-US" b="1" dirty="0" smtClean="0">
-                <a:solidFill>
-                  <a:srgbClr val="FF0000"/>
-                </a:solidFill>
-                <a:latin typeface="+mj-ea"/>
-                <a:ea typeface="+mj-ea"/>
-              </a:rPr>
-              <a:t>新規会員予約入会（規模：</a:t>
+              <a:t> ・新規会員予約入会（規模：</a:t>
             </a:r>
             <a:r>
               <a:rPr lang="en-US" altLang="ja-JP" b="1" dirty="0" smtClean="0">
@@ -15327,17 +15298,7 @@
                 <a:latin typeface="+mj-ea"/>
                 <a:ea typeface="+mj-ea"/>
               </a:rPr>
-              <a:t>    ・従業員アップロード</a:t>
-            </a:r>
-            <a:r>
-              <a:rPr lang="ja-JP" altLang="en-US" b="1" dirty="0" smtClean="0">
-                <a:solidFill>
-                  <a:srgbClr val="FF0000"/>
-                </a:solidFill>
-                <a:latin typeface="+mj-ea"/>
-                <a:ea typeface="+mj-ea"/>
-              </a:rPr>
-              <a:t>（規模：</a:t>
+              <a:t>    ・従業員アップロード（規模：</a:t>
             </a:r>
             <a:r>
               <a:rPr lang="en-US" altLang="ja-JP" b="1" dirty="0" smtClean="0">
@@ -15471,7 +15432,7 @@
           <p:cNvPr id="20" name="Group 293">
             <a:extLst>
               <a:ext uri="{FF2B5EF4-FFF2-40B4-BE49-F238E27FC236}">
-                <a16:creationId xmlns:a16="http://schemas.microsoft.com/office/drawing/2014/main" xmlns="" id="{FFC370BA-08BF-4CCE-A67B-D347FD899DBA}"/>
+                <a16:creationId xmlns="" xmlns:a16="http://schemas.microsoft.com/office/drawing/2014/main" id="{FFC370BA-08BF-4CCE-A67B-D347FD899DBA}"/>
               </a:ext>
             </a:extLst>
           </p:cNvPr>
@@ -15493,7 +15454,7 @@
             <p:cNvPr id="22" name="Oval 50">
               <a:extLst>
                 <a:ext uri="{FF2B5EF4-FFF2-40B4-BE49-F238E27FC236}">
-                  <a16:creationId xmlns:a16="http://schemas.microsoft.com/office/drawing/2014/main" xmlns="" id="{A9838AB5-C094-4377-A802-21CD3E317274}"/>
+                  <a16:creationId xmlns="" xmlns:a16="http://schemas.microsoft.com/office/drawing/2014/main" id="{A9838AB5-C094-4377-A802-21CD3E317274}"/>
                 </a:ext>
               </a:extLst>
             </p:cNvPr>
@@ -15552,7 +15513,7 @@
             <p:cNvPr id="23" name="Oval 51">
               <a:extLst>
                 <a:ext uri="{FF2B5EF4-FFF2-40B4-BE49-F238E27FC236}">
-                  <a16:creationId xmlns:a16="http://schemas.microsoft.com/office/drawing/2014/main" xmlns="" id="{DD6D435C-0F60-4629-BD94-54821F2DE884}"/>
+                  <a16:creationId xmlns="" xmlns:a16="http://schemas.microsoft.com/office/drawing/2014/main" id="{DD6D435C-0F60-4629-BD94-54821F2DE884}"/>
                 </a:ext>
               </a:extLst>
             </p:cNvPr>
@@ -15625,7 +15586,7 @@
             <p:cNvPr id="24" name="Oval 52">
               <a:extLst>
                 <a:ext uri="{FF2B5EF4-FFF2-40B4-BE49-F238E27FC236}">
-                  <a16:creationId xmlns:a16="http://schemas.microsoft.com/office/drawing/2014/main" xmlns="" id="{2FF6B54B-606C-4B88-AD79-E1531E472EED}"/>
+                  <a16:creationId xmlns="" xmlns:a16="http://schemas.microsoft.com/office/drawing/2014/main" id="{2FF6B54B-606C-4B88-AD79-E1531E472EED}"/>
                 </a:ext>
               </a:extLst>
             </p:cNvPr>
@@ -15701,7 +15662,7 @@
             <p:cNvPr id="25" name="Freeform 54">
               <a:extLst>
                 <a:ext uri="{FF2B5EF4-FFF2-40B4-BE49-F238E27FC236}">
-                  <a16:creationId xmlns:a16="http://schemas.microsoft.com/office/drawing/2014/main" xmlns="" id="{11B4C9EE-AFBE-4B95-89C4-2D73C9A5311C}"/>
+                  <a16:creationId xmlns="" xmlns:a16="http://schemas.microsoft.com/office/drawing/2014/main" id="{11B4C9EE-AFBE-4B95-89C4-2D73C9A5311C}"/>
                 </a:ext>
               </a:extLst>
             </p:cNvPr>
@@ -15876,7 +15837,7 @@
             <p:cNvPr id="26" name="Freeform 55">
               <a:extLst>
                 <a:ext uri="{FF2B5EF4-FFF2-40B4-BE49-F238E27FC236}">
-                  <a16:creationId xmlns:a16="http://schemas.microsoft.com/office/drawing/2014/main" xmlns="" id="{61FD8900-59DC-4DF8-9E0F-FA65E3D087D7}"/>
+                  <a16:creationId xmlns="" xmlns:a16="http://schemas.microsoft.com/office/drawing/2014/main" id="{61FD8900-59DC-4DF8-9E0F-FA65E3D087D7}"/>
                 </a:ext>
               </a:extLst>
             </p:cNvPr>
@@ -16051,7 +16012,7 @@
             <p:cNvPr id="27" name="AutoShape 59">
               <a:extLst>
                 <a:ext uri="{FF2B5EF4-FFF2-40B4-BE49-F238E27FC236}">
-                  <a16:creationId xmlns:a16="http://schemas.microsoft.com/office/drawing/2014/main" xmlns="" id="{8725B85B-EFDB-41AA-BF87-5BA5E80973EF}"/>
+                  <a16:creationId xmlns="" xmlns:a16="http://schemas.microsoft.com/office/drawing/2014/main" id="{8725B85B-EFDB-41AA-BF87-5BA5E80973EF}"/>
                 </a:ext>
               </a:extLst>
             </p:cNvPr>
@@ -16116,8 +16077,8 @@
         </p:nvSpPr>
         <p:spPr bwMode="auto">
           <a:xfrm>
-            <a:off x="2348305" y="973609"/>
-            <a:ext cx="4343443" cy="702951"/>
+            <a:off x="2348306" y="973609"/>
+            <a:ext cx="4291488" cy="702951"/>
           </a:xfrm>
           <a:prstGeom prst="rect">
             <a:avLst/>
@@ -16140,6 +16101,27 @@
           </a:bodyPr>
           <a:lstStyle/>
           <a:p>
+            <a:r>
+              <a:rPr kumimoji="1" lang="ja-JP" altLang="en-US" b="1" dirty="0" smtClean="0">
+                <a:latin typeface="+mj-ea"/>
+                <a:ea typeface="+mj-ea"/>
+              </a:rPr>
+              <a:t>普通の</a:t>
+            </a:r>
+            <a:r>
+              <a:rPr kumimoji="1" lang="en-US" altLang="ja-JP" b="1" dirty="0" smtClean="0">
+                <a:latin typeface="+mj-ea"/>
+                <a:ea typeface="+mj-ea"/>
+              </a:rPr>
+              <a:t>SE</a:t>
+            </a:r>
+            <a:r>
+              <a:rPr kumimoji="1" lang="ja-JP" altLang="en-US" b="1" dirty="0" smtClean="0">
+                <a:latin typeface="+mj-ea"/>
+                <a:ea typeface="+mj-ea"/>
+              </a:rPr>
+              <a:t>で、</a:t>
+            </a:r>
             <a:endParaRPr kumimoji="1" lang="ja-JP" altLang="en-US" b="1" dirty="0">
               <a:latin typeface="+mj-ea"/>
               <a:ea typeface="+mj-ea"/>
@@ -16226,10 +16208,10 @@
                 </a:solidFill>
                 <a:latin typeface="+mn-ea"/>
               </a:rPr>
-              <a:t>の</a:t>
-            </a:r>
-            <a:r>
-              <a:rPr lang="ja-JP" altLang="en-US" dirty="0" smtClean="0">
+              <a:t>の自分</a:t>
+            </a:r>
+            <a:r>
+              <a:rPr lang="en-US" altLang="ja-JP" dirty="0" smtClean="0">
                 <a:solidFill>
                   <a:schemeClr val="accent6">
                     <a:lumMod val="50000"/>
@@ -16238,10 +16220,10 @@
                 </a:solidFill>
                 <a:latin typeface="+mn-ea"/>
               </a:rPr>
-              <a:t>自分</a:t>
-            </a:r>
-            <a:r>
-              <a:rPr lang="en-US" altLang="ja-JP" dirty="0" smtClean="0">
+              <a:t>-</a:t>
+            </a:r>
+            <a:r>
+              <a:rPr lang="ja-JP" altLang="en-US" dirty="0" smtClean="0">
                 <a:solidFill>
                   <a:schemeClr val="accent6">
                     <a:lumMod val="50000"/>
@@ -16250,19 +16232,7 @@
                 </a:solidFill>
                 <a:latin typeface="+mn-ea"/>
               </a:rPr>
-              <a:t>-</a:t>
-            </a:r>
-            <a:r>
-              <a:rPr lang="ja-JP" altLang="en-US" dirty="0" smtClean="0">
-                <a:solidFill>
-                  <a:schemeClr val="accent6">
-                    <a:lumMod val="50000"/>
-                    <a:lumOff val="50000"/>
-                  </a:schemeClr>
-                </a:solidFill>
-                <a:latin typeface="+mn-ea"/>
-              </a:rPr>
-              <a:t>マネジメント</a:t>
+              <a:t>チームリーダー</a:t>
             </a:r>
             <a:endParaRPr kumimoji="1" lang="ja-JP" altLang="en-US" dirty="0"/>
           </a:p>
@@ -16273,7 +16243,7 @@
           <p:cNvPr id="11" name="Group 296">
             <a:extLst>
               <a:ext uri="{FF2B5EF4-FFF2-40B4-BE49-F238E27FC236}">
-                <a16:creationId xmlns:a16="http://schemas.microsoft.com/office/drawing/2014/main" xmlns="" id="{3842FC64-AB39-42D7-A48C-0FE49F99806C}"/>
+                <a16:creationId xmlns="" xmlns:a16="http://schemas.microsoft.com/office/drawing/2014/main" id="{3842FC64-AB39-42D7-A48C-0FE49F99806C}"/>
               </a:ext>
             </a:extLst>
           </p:cNvPr>
@@ -16295,7 +16265,7 @@
             <p:cNvPr id="12" name="Oval 2">
               <a:extLst>
                 <a:ext uri="{FF2B5EF4-FFF2-40B4-BE49-F238E27FC236}">
-                  <a16:creationId xmlns:a16="http://schemas.microsoft.com/office/drawing/2014/main" xmlns="" id="{9267EE0A-4BA4-4E94-8745-FFA9A06F71A9}"/>
+                  <a16:creationId xmlns="" xmlns:a16="http://schemas.microsoft.com/office/drawing/2014/main" id="{9267EE0A-4BA4-4E94-8745-FFA9A06F71A9}"/>
                 </a:ext>
               </a:extLst>
             </p:cNvPr>
@@ -16354,7 +16324,7 @@
             <p:cNvPr id="13" name="Oval 19">
               <a:extLst>
                 <a:ext uri="{FF2B5EF4-FFF2-40B4-BE49-F238E27FC236}">
-                  <a16:creationId xmlns:a16="http://schemas.microsoft.com/office/drawing/2014/main" xmlns="" id="{CC91C93B-224E-47BB-A4B4-F39EF6BD8070}"/>
+                  <a16:creationId xmlns="" xmlns:a16="http://schemas.microsoft.com/office/drawing/2014/main" id="{CC91C93B-224E-47BB-A4B4-F39EF6BD8070}"/>
                 </a:ext>
               </a:extLst>
             </p:cNvPr>
@@ -16427,7 +16397,7 @@
             <p:cNvPr id="14" name="Oval 20">
               <a:extLst>
                 <a:ext uri="{FF2B5EF4-FFF2-40B4-BE49-F238E27FC236}">
-                  <a16:creationId xmlns:a16="http://schemas.microsoft.com/office/drawing/2014/main" xmlns="" id="{9BD5F5FE-EFD9-4804-9B3B-C6D91AFF363C}"/>
+                  <a16:creationId xmlns="" xmlns:a16="http://schemas.microsoft.com/office/drawing/2014/main" id="{9BD5F5FE-EFD9-4804-9B3B-C6D91AFF363C}"/>
                 </a:ext>
               </a:extLst>
             </p:cNvPr>
@@ -16503,7 +16473,7 @@
             <p:cNvPr id="15" name="Group 21">
               <a:extLst>
                 <a:ext uri="{FF2B5EF4-FFF2-40B4-BE49-F238E27FC236}">
-                  <a16:creationId xmlns:a16="http://schemas.microsoft.com/office/drawing/2014/main" xmlns="" id="{7DB5FE9B-6714-4B4D-AB94-45F20F7D5C8E}"/>
+                  <a16:creationId xmlns="" xmlns:a16="http://schemas.microsoft.com/office/drawing/2014/main" id="{7DB5FE9B-6714-4B4D-AB94-45F20F7D5C8E}"/>
                 </a:ext>
               </a:extLst>
             </p:cNvPr>
@@ -16525,7 +16495,7 @@
               <p:cNvPr id="18" name="AutoShape 22">
                 <a:extLst>
                   <a:ext uri="{FF2B5EF4-FFF2-40B4-BE49-F238E27FC236}">
-                    <a16:creationId xmlns:a16="http://schemas.microsoft.com/office/drawing/2014/main" xmlns="" id="{4E5DF4CC-2B73-45EA-B083-30A68ED1FA2A}"/>
+                    <a16:creationId xmlns="" xmlns:a16="http://schemas.microsoft.com/office/drawing/2014/main" id="{4E5DF4CC-2B73-45EA-B083-30A68ED1FA2A}"/>
                   </a:ext>
                 </a:extLst>
               </p:cNvPr>
@@ -16594,7 +16564,7 @@
               <p:cNvPr id="19" name="Freeform 23">
                 <a:extLst>
                   <a:ext uri="{FF2B5EF4-FFF2-40B4-BE49-F238E27FC236}">
-                    <a16:creationId xmlns:a16="http://schemas.microsoft.com/office/drawing/2014/main" xmlns="" id="{A03184C6-4DC0-40F9-A025-A1F34226A187}"/>
+                    <a16:creationId xmlns="" xmlns:a16="http://schemas.microsoft.com/office/drawing/2014/main" id="{A03184C6-4DC0-40F9-A025-A1F34226A187}"/>
                   </a:ext>
                 </a:extLst>
               </p:cNvPr>
@@ -16726,7 +16696,7 @@
             <p:cNvPr id="16" name="AutoShape 36">
               <a:extLst>
                 <a:ext uri="{FF2B5EF4-FFF2-40B4-BE49-F238E27FC236}">
-                  <a16:creationId xmlns:a16="http://schemas.microsoft.com/office/drawing/2014/main" xmlns="" id="{C65C2922-0F06-4601-991B-D9188A55C388}"/>
+                  <a16:creationId xmlns="" xmlns:a16="http://schemas.microsoft.com/office/drawing/2014/main" id="{C65C2922-0F06-4601-991B-D9188A55C388}"/>
                 </a:ext>
               </a:extLst>
             </p:cNvPr>
@@ -16901,7 +16871,7 @@
             <p:cNvPr id="17" name="AutoShape 37">
               <a:extLst>
                 <a:ext uri="{FF2B5EF4-FFF2-40B4-BE49-F238E27FC236}">
-                  <a16:creationId xmlns:a16="http://schemas.microsoft.com/office/drawing/2014/main" xmlns="" id="{9028FBF9-F253-4134-8311-3707C3C5DB2F}"/>
+                  <a16:creationId xmlns="" xmlns:a16="http://schemas.microsoft.com/office/drawing/2014/main" id="{9028FBF9-F253-4134-8311-3707C3C5DB2F}"/>
                 </a:ext>
               </a:extLst>
             </p:cNvPr>
@@ -17072,6 +17042,90 @@
           </p:txBody>
         </p:sp>
       </p:grpSp>
+      <p:sp>
+        <p:nvSpPr>
+          <p:cNvPr id="20" name="正方形/長方形 19"/>
+          <p:cNvSpPr/>
+          <p:nvPr/>
+        </p:nvSpPr>
+        <p:spPr bwMode="auto">
+          <a:xfrm>
+            <a:off x="2255547" y="1051322"/>
+            <a:ext cx="4261005" cy="3593830"/>
+          </a:xfrm>
+          <a:prstGeom prst="rect">
+            <a:avLst/>
+          </a:prstGeom>
+          <a:noFill/>
+          <a:ln>
+            <a:solidFill>
+              <a:srgbClr val="C00000"/>
+            </a:solidFill>
+          </a:ln>
+          <a:effectLst/>
+          <a:extLst/>
+        </p:spPr>
+        <p:txBody>
+          <a:bodyPr rot="0" spcFirstLastPara="0" vertOverflow="overflow" horzOverflow="overflow" vert="horz" wrap="square" lIns="91440" tIns="45720" rIns="91440" bIns="45720" numCol="1" spcCol="0" rtlCol="0" fromWordArt="0" anchor="t" anchorCtr="0" forceAA="0" compatLnSpc="1">
+            <a:prstTxWarp prst="textNoShape">
+              <a:avLst/>
+            </a:prstTxWarp>
+            <a:noAutofit/>
+          </a:bodyPr>
+          <a:lstStyle/>
+          <a:p>
+            <a:r>
+              <a:rPr lang="en-US" altLang="ja-JP" b="1" dirty="0" smtClean="0">
+                <a:solidFill>
+                  <a:srgbClr val="FF0000"/>
+                </a:solidFill>
+                <a:latin typeface="+mj-ea"/>
+                <a:ea typeface="+mj-ea"/>
+              </a:rPr>
+              <a:t>【CRM</a:t>
+            </a:r>
+            <a:r>
+              <a:rPr lang="ja-JP" altLang="en-US" b="1" dirty="0" smtClean="0">
+                <a:solidFill>
+                  <a:srgbClr val="FF0000"/>
+                </a:solidFill>
+                <a:latin typeface="+mj-ea"/>
+                <a:ea typeface="+mj-ea"/>
+              </a:rPr>
+              <a:t>プロジェクト移行対応</a:t>
+            </a:r>
+            <a:r>
+              <a:rPr lang="en-US" altLang="ja-JP" b="1" dirty="0" smtClean="0">
+                <a:solidFill>
+                  <a:srgbClr val="FF0000"/>
+                </a:solidFill>
+                <a:latin typeface="+mj-ea"/>
+                <a:ea typeface="+mj-ea"/>
+              </a:rPr>
+              <a:t>】</a:t>
+            </a:r>
+          </a:p>
+          <a:p>
+            <a:r>
+              <a:rPr lang="ja-JP" altLang="en-US" b="1" dirty="0" smtClean="0">
+                <a:solidFill>
+                  <a:srgbClr val="FF0000"/>
+                </a:solidFill>
+                <a:latin typeface="+mj-ea"/>
+                <a:ea typeface="+mj-ea"/>
+              </a:rPr>
+              <a:t>３人開発チームのリーダー</a:t>
+            </a:r>
+            <a:endParaRPr lang="en-US" altLang="ja-JP" b="1" dirty="0" smtClean="0">
+              <a:solidFill>
+                <a:srgbClr val="FF0000"/>
+              </a:solidFill>
+              <a:latin typeface="+mj-ea"/>
+              <a:ea typeface="+mj-ea"/>
+            </a:endParaRPr>
+          </a:p>
+        </p:txBody>
+      </p:sp>
     </p:spTree>
     <p:extLst>
       <p:ext uri="{BB962C8B-B14F-4D97-AF65-F5344CB8AC3E}">

--- a/昇格プレゼン(徐洋)_new.pptx
+++ b/昇格プレゼン(徐洋)_new.pptx
@@ -20,9 +20,9 @@
     <p:sldId id="360" r:id="rId8"/>
     <p:sldId id="359" r:id="rId9"/>
     <p:sldId id="357" r:id="rId10"/>
-    <p:sldId id="363" r:id="rId11"/>
-    <p:sldId id="349" r:id="rId12"/>
-    <p:sldId id="351" r:id="rId13"/>
+    <p:sldId id="365" r:id="rId11"/>
+    <p:sldId id="363" r:id="rId12"/>
+    <p:sldId id="364" r:id="rId13"/>
     <p:sldId id="350" r:id="rId14"/>
     <p:sldId id="352" r:id="rId15"/>
     <p:sldId id="336" r:id="rId16"/>
@@ -267,7 +267,7 @@
           <a:p>
             <a:fld id="{D829EBEE-5DBD-45D0-BA62-80122688BEB8}" type="datetimeFigureOut">
               <a:rPr kumimoji="1" lang="ja-JP" altLang="en-US" smtClean="0"/>
-              <a:t>2020/2/29</a:t>
+              <a:t>2020/3/1</a:t>
             </a:fld>
             <a:endParaRPr kumimoji="1" lang="ja-JP" altLang="en-US" dirty="0"/>
           </a:p>
@@ -434,7 +434,7 @@
             <a:fld id="{4B26993D-C081-44EB-B0F5-A9F467792B62}" type="datetimeFigureOut">
               <a:rPr lang="ja-JP" altLang="en-US" smtClean="0"/>
               <a:pPr/>
-              <a:t>2020/2/29</a:t>
+              <a:t>2020/3/1</a:t>
             </a:fld>
             <a:endParaRPr lang="ja-JP" altLang="en-US" dirty="0"/>
           </a:p>
@@ -3941,15 +3941,7 @@
                   <a:schemeClr val="bg1"/>
                 </a:solidFill>
               </a:rPr>
-              <a:t>徐</a:t>
-            </a:r>
-            <a:r>
-              <a:rPr lang="ja-JP" altLang="en-US" sz="1600" dirty="0" smtClean="0">
-                <a:solidFill>
-                  <a:schemeClr val="bg1"/>
-                </a:solidFill>
-              </a:rPr>
-              <a:t>　洋</a:t>
+              <a:t>徐　洋</a:t>
             </a:r>
             <a:endParaRPr lang="ja-JP" altLang="en-US" sz="1600" dirty="0">
               <a:solidFill>
@@ -4288,7 +4280,7 @@
                 </a:solidFill>
                 <a:latin typeface="+mn-ea"/>
               </a:rPr>
-              <a:t>現場以外の業務の兼務</a:t>
+              <a:t>チームリーダー</a:t>
             </a:r>
             <a:endParaRPr kumimoji="1" lang="ja-JP" altLang="en-US" dirty="0"/>
           </a:p>
@@ -4299,7 +4291,7 @@
           <p:cNvPr id="11" name="Group 296">
             <a:extLst>
               <a:ext uri="{FF2B5EF4-FFF2-40B4-BE49-F238E27FC236}">
-                <a16:creationId xmlns="" xmlns:a16="http://schemas.microsoft.com/office/drawing/2014/main" id="{3842FC64-AB39-42D7-A48C-0FE49F99806C}"/>
+                <a16:creationId xmlns:a16="http://schemas.microsoft.com/office/drawing/2014/main" xmlns="" id="{3842FC64-AB39-42D7-A48C-0FE49F99806C}"/>
               </a:ext>
             </a:extLst>
           </p:cNvPr>
@@ -4310,7 +4302,7 @@
         </p:nvGrpSpPr>
         <p:grpSpPr bwMode="auto">
           <a:xfrm>
-            <a:off x="1214776" y="1036692"/>
+            <a:off x="1214776" y="1051322"/>
             <a:ext cx="788463" cy="755574"/>
             <a:chOff x="336" y="601"/>
             <a:chExt cx="850" cy="850"/>
@@ -4321,7 +4313,7 @@
             <p:cNvPr id="12" name="Oval 2">
               <a:extLst>
                 <a:ext uri="{FF2B5EF4-FFF2-40B4-BE49-F238E27FC236}">
-                  <a16:creationId xmlns="" xmlns:a16="http://schemas.microsoft.com/office/drawing/2014/main" id="{9267EE0A-4BA4-4E94-8745-FFA9A06F71A9}"/>
+                  <a16:creationId xmlns:a16="http://schemas.microsoft.com/office/drawing/2014/main" xmlns="" id="{9267EE0A-4BA4-4E94-8745-FFA9A06F71A9}"/>
                 </a:ext>
               </a:extLst>
             </p:cNvPr>
@@ -4380,7 +4372,7 @@
             <p:cNvPr id="13" name="Oval 19">
               <a:extLst>
                 <a:ext uri="{FF2B5EF4-FFF2-40B4-BE49-F238E27FC236}">
-                  <a16:creationId xmlns="" xmlns:a16="http://schemas.microsoft.com/office/drawing/2014/main" id="{CC91C93B-224E-47BB-A4B4-F39EF6BD8070}"/>
+                  <a16:creationId xmlns:a16="http://schemas.microsoft.com/office/drawing/2014/main" xmlns="" id="{CC91C93B-224E-47BB-A4B4-F39EF6BD8070}"/>
                 </a:ext>
               </a:extLst>
             </p:cNvPr>
@@ -4453,7 +4445,7 @@
             <p:cNvPr id="14" name="Oval 20">
               <a:extLst>
                 <a:ext uri="{FF2B5EF4-FFF2-40B4-BE49-F238E27FC236}">
-                  <a16:creationId xmlns="" xmlns:a16="http://schemas.microsoft.com/office/drawing/2014/main" id="{9BD5F5FE-EFD9-4804-9B3B-C6D91AFF363C}"/>
+                  <a16:creationId xmlns:a16="http://schemas.microsoft.com/office/drawing/2014/main" xmlns="" id="{9BD5F5FE-EFD9-4804-9B3B-C6D91AFF363C}"/>
                 </a:ext>
               </a:extLst>
             </p:cNvPr>
@@ -4529,7 +4521,7 @@
             <p:cNvPr id="15" name="Group 21">
               <a:extLst>
                 <a:ext uri="{FF2B5EF4-FFF2-40B4-BE49-F238E27FC236}">
-                  <a16:creationId xmlns="" xmlns:a16="http://schemas.microsoft.com/office/drawing/2014/main" id="{7DB5FE9B-6714-4B4D-AB94-45F20F7D5C8E}"/>
+                  <a16:creationId xmlns:a16="http://schemas.microsoft.com/office/drawing/2014/main" xmlns="" id="{7DB5FE9B-6714-4B4D-AB94-45F20F7D5C8E}"/>
                 </a:ext>
               </a:extLst>
             </p:cNvPr>
@@ -4551,7 +4543,7 @@
               <p:cNvPr id="18" name="AutoShape 22">
                 <a:extLst>
                   <a:ext uri="{FF2B5EF4-FFF2-40B4-BE49-F238E27FC236}">
-                    <a16:creationId xmlns="" xmlns:a16="http://schemas.microsoft.com/office/drawing/2014/main" id="{4E5DF4CC-2B73-45EA-B083-30A68ED1FA2A}"/>
+                    <a16:creationId xmlns:a16="http://schemas.microsoft.com/office/drawing/2014/main" xmlns="" id="{4E5DF4CC-2B73-45EA-B083-30A68ED1FA2A}"/>
                   </a:ext>
                 </a:extLst>
               </p:cNvPr>
@@ -4620,7 +4612,7 @@
               <p:cNvPr id="19" name="Freeform 23">
                 <a:extLst>
                   <a:ext uri="{FF2B5EF4-FFF2-40B4-BE49-F238E27FC236}">
-                    <a16:creationId xmlns="" xmlns:a16="http://schemas.microsoft.com/office/drawing/2014/main" id="{A03184C6-4DC0-40F9-A025-A1F34226A187}"/>
+                    <a16:creationId xmlns:a16="http://schemas.microsoft.com/office/drawing/2014/main" xmlns="" id="{A03184C6-4DC0-40F9-A025-A1F34226A187}"/>
                   </a:ext>
                 </a:extLst>
               </p:cNvPr>
@@ -4752,7 +4744,7 @@
             <p:cNvPr id="16" name="AutoShape 36">
               <a:extLst>
                 <a:ext uri="{FF2B5EF4-FFF2-40B4-BE49-F238E27FC236}">
-                  <a16:creationId xmlns="" xmlns:a16="http://schemas.microsoft.com/office/drawing/2014/main" id="{C65C2922-0F06-4601-991B-D9188A55C388}"/>
+                  <a16:creationId xmlns:a16="http://schemas.microsoft.com/office/drawing/2014/main" xmlns="" id="{C65C2922-0F06-4601-991B-D9188A55C388}"/>
                 </a:ext>
               </a:extLst>
             </p:cNvPr>
@@ -4927,7 +4919,7 @@
             <p:cNvPr id="17" name="AutoShape 37">
               <a:extLst>
                 <a:ext uri="{FF2B5EF4-FFF2-40B4-BE49-F238E27FC236}">
-                  <a16:creationId xmlns="" xmlns:a16="http://schemas.microsoft.com/office/drawing/2014/main" id="{9028FBF9-F253-4134-8311-3707C3C5DB2F}"/>
+                  <a16:creationId xmlns:a16="http://schemas.microsoft.com/office/drawing/2014/main" xmlns="" id="{9028FBF9-F253-4134-8311-3707C3C5DB2F}"/>
                 </a:ext>
               </a:extLst>
             </p:cNvPr>
@@ -5138,7 +5130,7 @@
                 <a:latin typeface="+mj-ea"/>
                 <a:ea typeface="+mj-ea"/>
               </a:rPr>
-              <a:t>【</a:t>
+              <a:t>【CRM</a:t>
             </a:r>
             <a:r>
               <a:rPr lang="ja-JP" altLang="en-US" b="1" dirty="0" smtClean="0">
@@ -5148,7 +5140,7 @@
                 <a:latin typeface="+mj-ea"/>
                 <a:ea typeface="+mj-ea"/>
               </a:rPr>
-              <a:t>官庁総合運用テスト支援ツール</a:t>
+              <a:t>プロジェクト移行対応</a:t>
             </a:r>
             <a:r>
               <a:rPr lang="en-US" altLang="ja-JP" b="1" dirty="0" smtClean="0">
@@ -5170,7 +5162,17 @@
                 <a:latin typeface="+mj-ea"/>
                 <a:ea typeface="+mj-ea"/>
               </a:rPr>
-              <a:t>社内で２名開発メンバーのリーダー、先月２月２８日納品完了</a:t>
+              <a:t>３人開発チームの</a:t>
+            </a:r>
+            <a:r>
+              <a:rPr lang="ja-JP" altLang="en-US" b="1" dirty="0" smtClean="0">
+                <a:solidFill>
+                  <a:srgbClr val="FF0000"/>
+                </a:solidFill>
+                <a:latin typeface="+mj-ea"/>
+                <a:ea typeface="+mj-ea"/>
+              </a:rPr>
+              <a:t>リーダー</a:t>
             </a:r>
             <a:endParaRPr lang="en-US" altLang="ja-JP" b="1" dirty="0" smtClean="0">
               <a:solidFill>
@@ -5198,7 +5200,7 @@
                 <a:latin typeface="+mj-ea"/>
                 <a:ea typeface="+mj-ea"/>
               </a:rPr>
-              <a:t>毎日進捗を顧客に報告する。</a:t>
+              <a:t>開発中にメンバーのフォロー、実現方法の調査、アドバイスを与える。</a:t>
             </a:r>
             <a:endParaRPr lang="en-US" altLang="ja-JP" b="1" dirty="0" smtClean="0">
               <a:solidFill>
@@ -5217,47 +5219,7 @@
                 <a:latin typeface="+mj-ea"/>
                 <a:ea typeface="+mj-ea"/>
               </a:rPr>
-              <a:t>週</a:t>
-            </a:r>
-            <a:r>
-              <a:rPr lang="en-US" altLang="ja-JP" b="1" dirty="0" smtClean="0">
-                <a:solidFill>
-                  <a:srgbClr val="FF0000"/>
-                </a:solidFill>
-                <a:latin typeface="+mj-ea"/>
-                <a:ea typeface="+mj-ea"/>
-              </a:rPr>
-              <a:t>1</a:t>
-            </a:r>
-            <a:r>
-              <a:rPr lang="ja-JP" altLang="en-US" b="1" dirty="0" smtClean="0">
-                <a:solidFill>
-                  <a:srgbClr val="FF0000"/>
-                </a:solidFill>
-                <a:latin typeface="+mj-ea"/>
-                <a:ea typeface="+mj-ea"/>
-              </a:rPr>
-              <a:t>回顧客先で</a:t>
-            </a:r>
-            <a:r>
-              <a:rPr lang="en-US" altLang="ja-JP" b="1" dirty="0" smtClean="0">
-                <a:solidFill>
-                  <a:srgbClr val="FF0000"/>
-                </a:solidFill>
-                <a:latin typeface="+mj-ea"/>
-                <a:ea typeface="+mj-ea"/>
-              </a:rPr>
-              <a:t>MTG</a:t>
-            </a:r>
-            <a:r>
-              <a:rPr lang="ja-JP" altLang="en-US" b="1" dirty="0" smtClean="0">
-                <a:solidFill>
-                  <a:srgbClr val="FF0000"/>
-                </a:solidFill>
-                <a:latin typeface="+mj-ea"/>
-                <a:ea typeface="+mj-ea"/>
-              </a:rPr>
-              <a:t>で、仕様を確認する。</a:t>
+              <a:t>本番作業タイムチャートと作業手順書の作成とレビュー</a:t>
             </a:r>
             <a:endParaRPr lang="en-US" altLang="ja-JP" b="1" dirty="0" smtClean="0">
               <a:solidFill>
@@ -5268,35 +5230,1012 @@
             </a:endParaRPr>
           </a:p>
           <a:p>
-            <a:r>
-              <a:rPr lang="ja-JP" altLang="en-US" b="1" dirty="0" smtClean="0">
+            <a:endParaRPr lang="en-US" altLang="ja-JP" b="1" dirty="0" smtClean="0">
+              <a:solidFill>
+                <a:srgbClr val="FF0000"/>
+              </a:solidFill>
+              <a:latin typeface="+mj-ea"/>
+              <a:ea typeface="+mj-ea"/>
+            </a:endParaRPr>
+          </a:p>
+        </p:txBody>
+      </p:sp>
+    </p:spTree>
+    <p:extLst>
+      <p:ext uri="{BB962C8B-B14F-4D97-AF65-F5344CB8AC3E}">
+        <p14:creationId xmlns:p14="http://schemas.microsoft.com/office/powerpoint/2010/main" val="3189261441"/>
+      </p:ext>
+    </p:extLst>
+  </p:cSld>
+  <p:clrMapOvr>
+    <a:masterClrMapping/>
+  </p:clrMapOvr>
+  <p:timing>
+    <p:tnLst>
+      <p:par>
+        <p:cTn id="1" dur="indefinite" restart="never" nodeType="tmRoot"/>
+      </p:par>
+    </p:tnLst>
+  </p:timing>
+</p:sld>
+</file>
+
+<file path=ppt/slides/slide11.xml><?xml version="1.0" encoding="utf-8"?>
+<p:sld xmlns:a="http://schemas.openxmlformats.org/drawingml/2006/main" xmlns:r="http://schemas.openxmlformats.org/officeDocument/2006/relationships" xmlns:p="http://schemas.openxmlformats.org/presentationml/2006/main">
+  <p:cSld>
+    <p:spTree>
+      <p:nvGrpSpPr>
+        <p:cNvPr id="1" name=""/>
+        <p:cNvGrpSpPr/>
+        <p:nvPr/>
+      </p:nvGrpSpPr>
+      <p:grpSpPr>
+        <a:xfrm>
+          <a:off x="0" y="0"/>
+          <a:ext cx="0" cy="0"/>
+          <a:chOff x="0" y="0"/>
+          <a:chExt cx="0" cy="0"/>
+        </a:xfrm>
+      </p:grpSpPr>
+      <p:sp>
+        <p:nvSpPr>
+          <p:cNvPr id="2" name="タイトル 1"/>
+          <p:cNvSpPr>
+            <a:spLocks noGrp="1"/>
+          </p:cNvSpPr>
+          <p:nvPr>
+            <p:ph type="title"/>
+          </p:nvPr>
+        </p:nvSpPr>
+        <p:spPr>
+          <a:xfrm>
+            <a:off x="1052735" y="481728"/>
+            <a:ext cx="5670000" cy="313350"/>
+          </a:xfrm>
+        </p:spPr>
+        <p:txBody>
+          <a:bodyPr/>
+          <a:lstStyle/>
+          <a:p>
+            <a:r>
+              <a:rPr lang="ja-JP" altLang="en-US" dirty="0">
+                <a:solidFill>
+                  <a:schemeClr val="accent6">
+                    <a:lumMod val="50000"/>
+                    <a:lumOff val="50000"/>
+                  </a:schemeClr>
+                </a:solidFill>
+                <a:latin typeface="+mn-ea"/>
+              </a:rPr>
+              <a:t>進化</a:t>
+            </a:r>
+            <a:r>
+              <a:rPr lang="ja-JP" altLang="en-US" dirty="0" smtClean="0">
+                <a:solidFill>
+                  <a:schemeClr val="accent6">
+                    <a:lumMod val="50000"/>
+                    <a:lumOff val="50000"/>
+                  </a:schemeClr>
+                </a:solidFill>
+                <a:latin typeface="+mn-ea"/>
+              </a:rPr>
+              <a:t>の自分</a:t>
+            </a:r>
+            <a:r>
+              <a:rPr lang="en-US" altLang="ja-JP" dirty="0" smtClean="0">
+                <a:solidFill>
+                  <a:schemeClr val="accent6">
+                    <a:lumMod val="50000"/>
+                    <a:lumOff val="50000"/>
+                  </a:schemeClr>
+                </a:solidFill>
+                <a:latin typeface="+mn-ea"/>
+              </a:rPr>
+              <a:t>-</a:t>
+            </a:r>
+            <a:r>
+              <a:rPr lang="ja-JP" altLang="en-US" dirty="0" smtClean="0">
+                <a:solidFill>
+                  <a:schemeClr val="accent6">
+                    <a:lumMod val="50000"/>
+                    <a:lumOff val="50000"/>
+                  </a:schemeClr>
+                </a:solidFill>
+                <a:latin typeface="+mn-ea"/>
+              </a:rPr>
+              <a:t>現場以外の業務の兼務</a:t>
+            </a:r>
+            <a:endParaRPr kumimoji="1" lang="ja-JP" altLang="en-US" dirty="0"/>
+          </a:p>
+        </p:txBody>
+      </p:sp>
+      <p:grpSp>
+        <p:nvGrpSpPr>
+          <p:cNvPr id="11" name="Group 296">
+            <a:extLst>
+              <a:ext uri="{FF2B5EF4-FFF2-40B4-BE49-F238E27FC236}">
+                <a16:creationId xmlns:a16="http://schemas.microsoft.com/office/drawing/2014/main" xmlns="" id="{3842FC64-AB39-42D7-A48C-0FE49F99806C}"/>
+              </a:ext>
+            </a:extLst>
+          </p:cNvPr>
+          <p:cNvGrpSpPr>
+            <a:grpSpLocks/>
+          </p:cNvGrpSpPr>
+          <p:nvPr/>
+        </p:nvGrpSpPr>
+        <p:grpSpPr bwMode="auto">
+          <a:xfrm>
+            <a:off x="1214776" y="1036692"/>
+            <a:ext cx="788463" cy="755574"/>
+            <a:chOff x="336" y="601"/>
+            <a:chExt cx="850" cy="850"/>
+          </a:xfrm>
+        </p:grpSpPr>
+        <p:sp>
+          <p:nvSpPr>
+            <p:cNvPr id="12" name="Oval 2">
+              <a:extLst>
+                <a:ext uri="{FF2B5EF4-FFF2-40B4-BE49-F238E27FC236}">
+                  <a16:creationId xmlns:a16="http://schemas.microsoft.com/office/drawing/2014/main" xmlns="" id="{9267EE0A-4BA4-4E94-8745-FFA9A06F71A9}"/>
+                </a:ext>
+              </a:extLst>
+            </p:cNvPr>
+            <p:cNvSpPr>
+              <a:spLocks noChangeArrowheads="1"/>
+            </p:cNvSpPr>
+            <p:nvPr/>
+          </p:nvSpPr>
+          <p:spPr bwMode="auto">
+            <a:xfrm>
+              <a:off x="336" y="601"/>
+              <a:ext cx="850" cy="850"/>
+            </a:xfrm>
+            <a:prstGeom prst="ellipse">
+              <a:avLst/>
+            </a:prstGeom>
+            <a:solidFill>
+              <a:srgbClr val="333333"/>
+            </a:solidFill>
+            <a:ln>
+              <a:noFill/>
+            </a:ln>
+            <a:effectLst/>
+            <a:extLst>
+              <a:ext uri="{91240B29-F687-4F45-9708-019B960494DF}">
+                <a14:hiddenLine xmlns:a14="http://schemas.microsoft.com/office/drawing/2010/main" w="38100">
+                  <a:solidFill>
+                    <a:srgbClr val="333333"/>
+                  </a:solidFill>
+                  <a:round/>
+                  <a:headEnd/>
+                  <a:tailEnd/>
+                </a14:hiddenLine>
+              </a:ext>
+              <a:ext uri="{AF507438-7753-43E0-B8FC-AC1667EBCBE1}">
+                <a14:hiddenEffects xmlns:a14="http://schemas.microsoft.com/office/drawing/2010/main">
+                  <a:effectLst>
+                    <a:outerShdw dist="35921" dir="2700000" algn="ctr" rotWithShape="0">
+                      <a:schemeClr val="bg2"/>
+                    </a:outerShdw>
+                  </a:effectLst>
+                </a14:hiddenEffects>
+              </a:ext>
+            </a:extLst>
+          </p:spPr>
+          <p:txBody>
+            <a:bodyPr wrap="none" anchor="ctr"/>
+            <a:lstStyle/>
+            <a:p>
+              <a:endParaRPr lang="ja-JP" altLang="en-US"/>
+            </a:p>
+          </p:txBody>
+        </p:sp>
+        <p:sp>
+          <p:nvSpPr>
+            <p:cNvPr id="13" name="Oval 19">
+              <a:extLst>
+                <a:ext uri="{FF2B5EF4-FFF2-40B4-BE49-F238E27FC236}">
+                  <a16:creationId xmlns:a16="http://schemas.microsoft.com/office/drawing/2014/main" xmlns="" id="{CC91C93B-224E-47BB-A4B4-F39EF6BD8070}"/>
+                </a:ext>
+              </a:extLst>
+            </p:cNvPr>
+            <p:cNvSpPr>
+              <a:spLocks noChangeArrowheads="1"/>
+            </p:cNvSpPr>
+            <p:nvPr/>
+          </p:nvSpPr>
+          <p:spPr bwMode="auto">
+            <a:xfrm>
+              <a:off x="353" y="618"/>
+              <a:ext cx="817" cy="817"/>
+            </a:xfrm>
+            <a:prstGeom prst="ellipse">
+              <a:avLst/>
+            </a:prstGeom>
+            <a:gradFill rotWithShape="1">
+              <a:gsLst>
+                <a:gs pos="0">
+                  <a:srgbClr val="FF0000">
+                    <a:gamma/>
+                    <a:tint val="60392"/>
+                    <a:invGamma/>
+                  </a:srgbClr>
+                </a:gs>
+                <a:gs pos="100000">
+                  <a:srgbClr val="FF0000"/>
+                </a:gs>
+              </a:gsLst>
+              <a:path path="shape">
+                <a:fillToRect l="50000" t="50000" r="50000" b="50000"/>
+              </a:path>
+            </a:gradFill>
+            <a:ln>
+              <a:noFill/>
+            </a:ln>
+            <a:effectLst/>
+            <a:extLst>
+              <a:ext uri="{91240B29-F687-4F45-9708-019B960494DF}">
+                <a14:hiddenLine xmlns:a14="http://schemas.microsoft.com/office/drawing/2010/main" w="9525">
+                  <a:solidFill>
+                    <a:srgbClr val="FF0000"/>
+                  </a:solidFill>
+                  <a:round/>
+                  <a:headEnd/>
+                  <a:tailEnd/>
+                </a14:hiddenLine>
+              </a:ext>
+              <a:ext uri="{AF507438-7753-43E0-B8FC-AC1667EBCBE1}">
+                <a14:hiddenEffects xmlns:a14="http://schemas.microsoft.com/office/drawing/2010/main">
+                  <a:effectLst>
+                    <a:outerShdw dist="35921" dir="2700000" algn="ctr" rotWithShape="0">
+                      <a:schemeClr val="bg2"/>
+                    </a:outerShdw>
+                  </a:effectLst>
+                </a14:hiddenEffects>
+              </a:ext>
+            </a:extLst>
+          </p:spPr>
+          <p:txBody>
+            <a:bodyPr wrap="none" anchor="ctr"/>
+            <a:lstStyle/>
+            <a:p>
+              <a:endParaRPr lang="ja-JP" altLang="en-US"/>
+            </a:p>
+          </p:txBody>
+        </p:sp>
+        <p:sp>
+          <p:nvSpPr>
+            <p:cNvPr id="14" name="Oval 20">
+              <a:extLst>
+                <a:ext uri="{FF2B5EF4-FFF2-40B4-BE49-F238E27FC236}">
+                  <a16:creationId xmlns:a16="http://schemas.microsoft.com/office/drawing/2014/main" xmlns="" id="{9BD5F5FE-EFD9-4804-9B3B-C6D91AFF363C}"/>
+                </a:ext>
+              </a:extLst>
+            </p:cNvPr>
+            <p:cNvSpPr>
+              <a:spLocks noChangeArrowheads="1"/>
+            </p:cNvSpPr>
+            <p:nvPr/>
+          </p:nvSpPr>
+          <p:spPr bwMode="auto">
+            <a:xfrm>
+              <a:off x="625" y="663"/>
+              <a:ext cx="454" cy="454"/>
+            </a:xfrm>
+            <a:prstGeom prst="ellipse">
+              <a:avLst/>
+            </a:prstGeom>
+            <a:gradFill rotWithShape="1">
+              <a:gsLst>
+                <a:gs pos="0">
+                  <a:schemeClr val="bg1">
+                    <a:alpha val="60001"/>
+                  </a:schemeClr>
+                </a:gs>
+                <a:gs pos="100000">
+                  <a:schemeClr val="bg1">
+                    <a:gamma/>
+                    <a:shade val="46275"/>
+                    <a:invGamma/>
+                    <a:alpha val="0"/>
+                  </a:schemeClr>
+                </a:gs>
+              </a:gsLst>
+              <a:path path="shape">
+                <a:fillToRect l="50000" t="50000" r="50000" b="50000"/>
+              </a:path>
+            </a:gradFill>
+            <a:ln>
+              <a:noFill/>
+            </a:ln>
+            <a:effectLst/>
+            <a:extLst>
+              <a:ext uri="{91240B29-F687-4F45-9708-019B960494DF}">
+                <a14:hiddenLine xmlns:a14="http://schemas.microsoft.com/office/drawing/2010/main" w="9525">
+                  <a:solidFill>
+                    <a:srgbClr val="FF0000"/>
+                  </a:solidFill>
+                  <a:round/>
+                  <a:headEnd/>
+                  <a:tailEnd/>
+                </a14:hiddenLine>
+              </a:ext>
+              <a:ext uri="{AF507438-7753-43E0-B8FC-AC1667EBCBE1}">
+                <a14:hiddenEffects xmlns:a14="http://schemas.microsoft.com/office/drawing/2010/main">
+                  <a:effectLst>
+                    <a:outerShdw dist="35921" dir="2700000" algn="ctr" rotWithShape="0">
+                      <a:schemeClr val="bg2"/>
+                    </a:outerShdw>
+                  </a:effectLst>
+                </a14:hiddenEffects>
+              </a:ext>
+            </a:extLst>
+          </p:spPr>
+          <p:txBody>
+            <a:bodyPr wrap="none" anchor="ctr"/>
+            <a:lstStyle/>
+            <a:p>
+              <a:endParaRPr lang="ja-JP" altLang="en-US"/>
+            </a:p>
+          </p:txBody>
+        </p:sp>
+        <p:grpSp>
+          <p:nvGrpSpPr>
+            <p:cNvPr id="15" name="Group 21">
+              <a:extLst>
+                <a:ext uri="{FF2B5EF4-FFF2-40B4-BE49-F238E27FC236}">
+                  <a16:creationId xmlns:a16="http://schemas.microsoft.com/office/drawing/2014/main" xmlns="" id="{7DB5FE9B-6714-4B4D-AB94-45F20F7D5C8E}"/>
+                </a:ext>
+              </a:extLst>
+            </p:cNvPr>
+            <p:cNvGrpSpPr>
+              <a:grpSpLocks/>
+            </p:cNvGrpSpPr>
+            <p:nvPr/>
+          </p:nvGrpSpPr>
+          <p:grpSpPr bwMode="auto">
+            <a:xfrm>
+              <a:off x="535" y="1177"/>
+              <a:ext cx="453" cy="212"/>
+              <a:chOff x="580" y="1207"/>
+              <a:chExt cx="363" cy="182"/>
+            </a:xfrm>
+          </p:grpSpPr>
+          <p:sp>
+            <p:nvSpPr>
+              <p:cNvPr id="18" name="AutoShape 22">
+                <a:extLst>
+                  <a:ext uri="{FF2B5EF4-FFF2-40B4-BE49-F238E27FC236}">
+                    <a16:creationId xmlns:a16="http://schemas.microsoft.com/office/drawing/2014/main" xmlns="" id="{4E5DF4CC-2B73-45EA-B083-30A68ED1FA2A}"/>
+                  </a:ext>
+                </a:extLst>
+              </p:cNvPr>
+              <p:cNvSpPr>
+                <a:spLocks noChangeArrowheads="1"/>
+              </p:cNvSpPr>
+              <p:nvPr/>
+            </p:nvSpPr>
+            <p:spPr bwMode="auto">
+              <a:xfrm rot="16200000">
+                <a:off x="671" y="1116"/>
+                <a:ext cx="182" cy="363"/>
+              </a:xfrm>
+              <a:prstGeom prst="moon">
+                <a:avLst>
+                  <a:gd name="adj" fmla="val 87500"/>
+                </a:avLst>
+              </a:prstGeom>
+              <a:gradFill rotWithShape="1">
+                <a:gsLst>
+                  <a:gs pos="0">
+                    <a:srgbClr val="FF99CC"/>
+                  </a:gs>
+                  <a:gs pos="100000">
+                    <a:srgbClr val="CC0000"/>
+                  </a:gs>
+                </a:gsLst>
+                <a:lin ang="0" scaled="1"/>
+              </a:gradFill>
+              <a:ln>
+                <a:noFill/>
+              </a:ln>
+              <a:effectLst/>
+              <a:extLst>
+                <a:ext uri="{91240B29-F687-4F45-9708-019B960494DF}">
+                  <a14:hiddenLine xmlns:a14="http://schemas.microsoft.com/office/drawing/2010/main" w="3175">
+                    <a:solidFill>
+                      <a:srgbClr val="333333"/>
+                    </a:solidFill>
+                    <a:miter lim="800000"/>
+                    <a:headEnd/>
+                    <a:tailEnd/>
+                  </a14:hiddenLine>
+                </a:ext>
+                <a:ext uri="{AF507438-7753-43E0-B8FC-AC1667EBCBE1}">
+                  <a14:hiddenEffects xmlns:a14="http://schemas.microsoft.com/office/drawing/2010/main">
+                    <a:effectLst>
+                      <a:outerShdw dist="35921" dir="2700000" algn="ctr" rotWithShape="0">
+                        <a:schemeClr val="bg2"/>
+                      </a:outerShdw>
+                    </a:effectLst>
+                  </a14:hiddenEffects>
+                </a:ext>
+              </a:extLst>
+            </p:spPr>
+            <p:txBody>
+              <a:bodyPr wrap="none" anchor="ctr"/>
+              <a:lstStyle/>
+              <a:p>
+                <a:endParaRPr lang="ja-JP" altLang="en-US"/>
+              </a:p>
+            </p:txBody>
+          </p:sp>
+          <p:sp>
+            <p:nvSpPr>
+              <p:cNvPr id="19" name="Freeform 23">
+                <a:extLst>
+                  <a:ext uri="{FF2B5EF4-FFF2-40B4-BE49-F238E27FC236}">
+                    <a16:creationId xmlns:a16="http://schemas.microsoft.com/office/drawing/2014/main" xmlns="" id="{A03184C6-4DC0-40F9-A025-A1F34226A187}"/>
+                  </a:ext>
+                </a:extLst>
+              </p:cNvPr>
+              <p:cNvSpPr>
+                <a:spLocks/>
+              </p:cNvSpPr>
+              <p:nvPr/>
+            </p:nvSpPr>
+            <p:spPr bwMode="auto">
+              <a:xfrm>
+                <a:off x="625" y="1298"/>
+                <a:ext cx="272" cy="91"/>
+              </a:xfrm>
+              <a:custGeom>
+                <a:avLst/>
+                <a:gdLst>
+                  <a:gd name="T0" fmla="*/ 136 w 272"/>
+                  <a:gd name="T1" fmla="*/ 136 h 136"/>
+                  <a:gd name="T2" fmla="*/ 0 w 272"/>
+                  <a:gd name="T3" fmla="*/ 45 h 136"/>
+                  <a:gd name="T4" fmla="*/ 136 w 272"/>
+                  <a:gd name="T5" fmla="*/ 0 h 136"/>
+                  <a:gd name="T6" fmla="*/ 272 w 272"/>
+                  <a:gd name="T7" fmla="*/ 45 h 136"/>
+                  <a:gd name="T8" fmla="*/ 136 w 272"/>
+                  <a:gd name="T9" fmla="*/ 136 h 136"/>
+                </a:gdLst>
+                <a:ahLst/>
+                <a:cxnLst>
+                  <a:cxn ang="0">
+                    <a:pos x="T0" y="T1"/>
+                  </a:cxn>
+                  <a:cxn ang="0">
+                    <a:pos x="T2" y="T3"/>
+                  </a:cxn>
+                  <a:cxn ang="0">
+                    <a:pos x="T4" y="T5"/>
+                  </a:cxn>
+                  <a:cxn ang="0">
+                    <a:pos x="T6" y="T7"/>
+                  </a:cxn>
+                  <a:cxn ang="0">
+                    <a:pos x="T8" y="T9"/>
+                  </a:cxn>
+                </a:cxnLst>
+                <a:rect l="0" t="0" r="r" b="b"/>
+                <a:pathLst>
+                  <a:path w="272" h="136">
+                    <a:moveTo>
+                      <a:pt x="136" y="136"/>
+                    </a:moveTo>
+                    <a:cubicBezTo>
+                      <a:pt x="91" y="136"/>
+                      <a:pt x="0" y="68"/>
+                      <a:pt x="0" y="45"/>
+                    </a:cubicBezTo>
+                    <a:cubicBezTo>
+                      <a:pt x="0" y="22"/>
+                      <a:pt x="91" y="0"/>
+                      <a:pt x="136" y="0"/>
+                    </a:cubicBezTo>
+                    <a:cubicBezTo>
+                      <a:pt x="181" y="0"/>
+                      <a:pt x="272" y="22"/>
+                      <a:pt x="272" y="45"/>
+                    </a:cubicBezTo>
+                    <a:cubicBezTo>
+                      <a:pt x="272" y="68"/>
+                      <a:pt x="181" y="136"/>
+                      <a:pt x="136" y="136"/>
+                    </a:cubicBezTo>
+                    <a:close/>
+                  </a:path>
+                </a:pathLst>
+              </a:custGeom>
+              <a:gradFill rotWithShape="1">
+                <a:gsLst>
+                  <a:gs pos="0">
+                    <a:srgbClr val="FF0000">
+                      <a:gamma/>
+                      <a:shade val="46275"/>
+                      <a:invGamma/>
+                    </a:srgbClr>
+                  </a:gs>
+                  <a:gs pos="100000">
+                    <a:srgbClr val="FF0000"/>
+                  </a:gs>
+                </a:gsLst>
+                <a:lin ang="5400000" scaled="1"/>
+              </a:gradFill>
+              <a:ln>
+                <a:noFill/>
+              </a:ln>
+              <a:effectLst/>
+              <a:extLst>
+                <a:ext uri="{91240B29-F687-4F45-9708-019B960494DF}">
+                  <a14:hiddenLine xmlns:a14="http://schemas.microsoft.com/office/drawing/2010/main" w="9525" cap="flat" cmpd="sng">
+                    <a:solidFill>
+                      <a:srgbClr val="FF0000"/>
+                    </a:solidFill>
+                    <a:prstDash val="solid"/>
+                    <a:round/>
+                    <a:headEnd/>
+                    <a:tailEnd/>
+                  </a14:hiddenLine>
+                </a:ext>
+                <a:ext uri="{AF507438-7753-43E0-B8FC-AC1667EBCBE1}">
+                  <a14:hiddenEffects xmlns:a14="http://schemas.microsoft.com/office/drawing/2010/main">
+                    <a:effectLst>
+                      <a:outerShdw dist="35921" dir="2700000" algn="ctr" rotWithShape="0">
+                        <a:schemeClr val="bg2"/>
+                      </a:outerShdw>
+                    </a:effectLst>
+                  </a14:hiddenEffects>
+                </a:ext>
+              </a:extLst>
+            </p:spPr>
+            <p:txBody>
+              <a:bodyPr/>
+              <a:lstStyle/>
+              <a:p>
+                <a:endParaRPr lang="ja-JP" altLang="en-US"/>
+              </a:p>
+            </p:txBody>
+          </p:sp>
+        </p:grpSp>
+        <p:sp>
+          <p:nvSpPr>
+            <p:cNvPr id="16" name="AutoShape 36">
+              <a:extLst>
+                <a:ext uri="{FF2B5EF4-FFF2-40B4-BE49-F238E27FC236}">
+                  <a16:creationId xmlns:a16="http://schemas.microsoft.com/office/drawing/2014/main" xmlns="" id="{C65C2922-0F06-4601-991B-D9188A55C388}"/>
+                </a:ext>
+              </a:extLst>
+            </p:cNvPr>
+            <p:cNvSpPr>
+              <a:spLocks noChangeArrowheads="1"/>
+            </p:cNvSpPr>
+            <p:nvPr/>
+          </p:nvSpPr>
+          <p:spPr bwMode="auto">
+            <a:xfrm>
+              <a:off x="444" y="890"/>
+              <a:ext cx="272" cy="272"/>
+            </a:xfrm>
+            <a:custGeom>
+              <a:avLst/>
+              <a:gdLst>
+                <a:gd name="G0" fmla="+- 8146 0 0"/>
+                <a:gd name="G1" fmla="+- -11686764 0 0"/>
+                <a:gd name="G2" fmla="+- 0 0 -11686764"/>
+                <a:gd name="T0" fmla="*/ 0 256 1"/>
+                <a:gd name="T1" fmla="*/ 180 256 1"/>
+                <a:gd name="G3" fmla="+- -11686764 T0 T1"/>
+                <a:gd name="T2" fmla="*/ 0 256 1"/>
+                <a:gd name="T3" fmla="*/ 90 256 1"/>
+                <a:gd name="G4" fmla="+- -11686764 T2 T3"/>
+                <a:gd name="G5" fmla="*/ G4 2 1"/>
+                <a:gd name="T4" fmla="*/ 90 256 1"/>
+                <a:gd name="T5" fmla="*/ 0 256 1"/>
+                <a:gd name="G6" fmla="+- -11686764 T4 T5"/>
+                <a:gd name="G7" fmla="*/ G6 2 1"/>
+                <a:gd name="G8" fmla="abs -11686764"/>
+                <a:gd name="T6" fmla="*/ 0 256 1"/>
+                <a:gd name="T7" fmla="*/ 90 256 1"/>
+                <a:gd name="G9" fmla="+- G8 T6 T7"/>
+                <a:gd name="G10" fmla="?: G9 G7 G5"/>
+                <a:gd name="T8" fmla="*/ 0 256 1"/>
+                <a:gd name="T9" fmla="*/ 360 256 1"/>
+                <a:gd name="G11" fmla="+- G10 T8 T9"/>
+                <a:gd name="G12" fmla="?: G10 G11 G10"/>
+                <a:gd name="T10" fmla="*/ 0 256 1"/>
+                <a:gd name="T11" fmla="*/ 360 256 1"/>
+                <a:gd name="G13" fmla="+- G12 T10 T11"/>
+                <a:gd name="G14" fmla="?: G12 G13 G12"/>
+                <a:gd name="G15" fmla="+- 0 0 G14"/>
+                <a:gd name="G16" fmla="+- 10800 0 0"/>
+                <a:gd name="G17" fmla="+- 10800 0 8146"/>
+                <a:gd name="G18" fmla="*/ 8146 1 2"/>
+                <a:gd name="G19" fmla="+- G18 5400 0"/>
+                <a:gd name="G20" fmla="cos G19 -11686764"/>
+                <a:gd name="G21" fmla="sin G19 -11686764"/>
+                <a:gd name="G22" fmla="+- G20 10800 0"/>
+                <a:gd name="G23" fmla="+- G21 10800 0"/>
+                <a:gd name="G24" fmla="+- 10800 0 G20"/>
+                <a:gd name="G25" fmla="+- 8146 10800 0"/>
+                <a:gd name="G26" fmla="?: G9 G17 G25"/>
+                <a:gd name="G27" fmla="?: G9 0 21600"/>
+                <a:gd name="G28" fmla="cos 10800 -11686764"/>
+                <a:gd name="G29" fmla="sin 10800 -11686764"/>
+                <a:gd name="G30" fmla="sin 8146 -11686764"/>
+                <a:gd name="G31" fmla="+- G28 10800 0"/>
+                <a:gd name="G32" fmla="+- G29 10800 0"/>
+                <a:gd name="G33" fmla="+- G30 10800 0"/>
+                <a:gd name="G34" fmla="?: G4 0 G31"/>
+                <a:gd name="G35" fmla="?: -11686764 G34 0"/>
+                <a:gd name="G36" fmla="?: G6 G35 G31"/>
+                <a:gd name="G37" fmla="+- 21600 0 G36"/>
+                <a:gd name="G38" fmla="?: G4 0 G33"/>
+                <a:gd name="G39" fmla="?: -11686764 G38 G32"/>
+                <a:gd name="G40" fmla="?: G6 G39 0"/>
+                <a:gd name="G41" fmla="?: G4 G32 21600"/>
+                <a:gd name="G42" fmla="?: G6 G41 G33"/>
+                <a:gd name="T12" fmla="*/ 10800 w 21600"/>
+                <a:gd name="T13" fmla="*/ 0 h 21600"/>
+                <a:gd name="T14" fmla="*/ 1331 w 21600"/>
+                <a:gd name="T15" fmla="*/ 10523 h 21600"/>
+                <a:gd name="T16" fmla="*/ 10800 w 21600"/>
+                <a:gd name="T17" fmla="*/ 2654 h 21600"/>
+                <a:gd name="T18" fmla="*/ 20269 w 21600"/>
+                <a:gd name="T19" fmla="*/ 10523 h 21600"/>
+                <a:gd name="T20" fmla="*/ G36 w 21600"/>
+                <a:gd name="T21" fmla="*/ G40 h 21600"/>
+                <a:gd name="T22" fmla="*/ G37 w 21600"/>
+                <a:gd name="T23" fmla="*/ G42 h 21600"/>
+              </a:gdLst>
+              <a:ahLst/>
+              <a:cxnLst>
+                <a:cxn ang="0">
+                  <a:pos x="T12" y="T13"/>
+                </a:cxn>
+                <a:cxn ang="0">
+                  <a:pos x="T14" y="T15"/>
+                </a:cxn>
+                <a:cxn ang="0">
+                  <a:pos x="T16" y="T17"/>
+                </a:cxn>
+                <a:cxn ang="0">
+                  <a:pos x="T18" y="T19"/>
+                </a:cxn>
+              </a:cxnLst>
+              <a:rect l="T20" t="T21" r="T22" b="T23"/>
+              <a:pathLst>
+                <a:path w="21600" h="21600">
+                  <a:moveTo>
+                    <a:pt x="2657" y="10562"/>
+                  </a:moveTo>
+                  <a:cubicBezTo>
+                    <a:pt x="2786" y="6157"/>
+                    <a:pt x="6393" y="2654"/>
+                    <a:pt x="10800" y="2654"/>
+                  </a:cubicBezTo>
+                  <a:cubicBezTo>
+                    <a:pt x="15206" y="2654"/>
+                    <a:pt x="18813" y="6157"/>
+                    <a:pt x="18942" y="10562"/>
+                  </a:cubicBezTo>
+                  <a:lnTo>
+                    <a:pt x="21595" y="10484"/>
+                  </a:lnTo>
+                  <a:cubicBezTo>
+                    <a:pt x="21424" y="4645"/>
+                    <a:pt x="16641" y="0"/>
+                    <a:pt x="10799" y="0"/>
+                  </a:cubicBezTo>
+                  <a:cubicBezTo>
+                    <a:pt x="4958" y="0"/>
+                    <a:pt x="175" y="4645"/>
+                    <a:pt x="4" y="10484"/>
+                  </a:cubicBezTo>
+                  <a:close/>
+                </a:path>
+              </a:pathLst>
+            </a:custGeom>
+            <a:solidFill>
+              <a:schemeClr val="tx1"/>
+            </a:solidFill>
+            <a:ln>
+              <a:noFill/>
+            </a:ln>
+            <a:effectLst/>
+            <a:extLst>
+              <a:ext uri="{91240B29-F687-4F45-9708-019B960494DF}">
+                <a14:hiddenLine xmlns:a14="http://schemas.microsoft.com/office/drawing/2010/main" w="9525">
+                  <a:solidFill>
+                    <a:srgbClr val="FF0000"/>
+                  </a:solidFill>
+                  <a:miter lim="800000"/>
+                  <a:headEnd/>
+                  <a:tailEnd/>
+                </a14:hiddenLine>
+              </a:ext>
+              <a:ext uri="{AF507438-7753-43E0-B8FC-AC1667EBCBE1}">
+                <a14:hiddenEffects xmlns:a14="http://schemas.microsoft.com/office/drawing/2010/main">
+                  <a:effectLst>
+                    <a:outerShdw dist="35921" dir="2700000" algn="ctr" rotWithShape="0">
+                      <a:schemeClr val="bg2"/>
+                    </a:outerShdw>
+                  </a:effectLst>
+                </a14:hiddenEffects>
+              </a:ext>
+            </a:extLst>
+          </p:spPr>
+          <p:txBody>
+            <a:bodyPr wrap="none" anchor="ctr"/>
+            <a:lstStyle/>
+            <a:p>
+              <a:endParaRPr lang="ja-JP" altLang="en-US"/>
+            </a:p>
+          </p:txBody>
+        </p:sp>
+        <p:sp>
+          <p:nvSpPr>
+            <p:cNvPr id="17" name="AutoShape 37">
+              <a:extLst>
+                <a:ext uri="{FF2B5EF4-FFF2-40B4-BE49-F238E27FC236}">
+                  <a16:creationId xmlns:a16="http://schemas.microsoft.com/office/drawing/2014/main" xmlns="" id="{9028FBF9-F253-4134-8311-3707C3C5DB2F}"/>
+                </a:ext>
+              </a:extLst>
+            </p:cNvPr>
+            <p:cNvSpPr>
+              <a:spLocks noChangeArrowheads="1"/>
+            </p:cNvSpPr>
+            <p:nvPr/>
+          </p:nvSpPr>
+          <p:spPr bwMode="auto">
+            <a:xfrm>
+              <a:off x="807" y="890"/>
+              <a:ext cx="272" cy="272"/>
+            </a:xfrm>
+            <a:custGeom>
+              <a:avLst/>
+              <a:gdLst>
+                <a:gd name="G0" fmla="+- 8146 0 0"/>
+                <a:gd name="G1" fmla="+- -11686764 0 0"/>
+                <a:gd name="G2" fmla="+- 0 0 -11686764"/>
+                <a:gd name="T0" fmla="*/ 0 256 1"/>
+                <a:gd name="T1" fmla="*/ 180 256 1"/>
+                <a:gd name="G3" fmla="+- -11686764 T0 T1"/>
+                <a:gd name="T2" fmla="*/ 0 256 1"/>
+                <a:gd name="T3" fmla="*/ 90 256 1"/>
+                <a:gd name="G4" fmla="+- -11686764 T2 T3"/>
+                <a:gd name="G5" fmla="*/ G4 2 1"/>
+                <a:gd name="T4" fmla="*/ 90 256 1"/>
+                <a:gd name="T5" fmla="*/ 0 256 1"/>
+                <a:gd name="G6" fmla="+- -11686764 T4 T5"/>
+                <a:gd name="G7" fmla="*/ G6 2 1"/>
+                <a:gd name="G8" fmla="abs -11686764"/>
+                <a:gd name="T6" fmla="*/ 0 256 1"/>
+                <a:gd name="T7" fmla="*/ 90 256 1"/>
+                <a:gd name="G9" fmla="+- G8 T6 T7"/>
+                <a:gd name="G10" fmla="?: G9 G7 G5"/>
+                <a:gd name="T8" fmla="*/ 0 256 1"/>
+                <a:gd name="T9" fmla="*/ 360 256 1"/>
+                <a:gd name="G11" fmla="+- G10 T8 T9"/>
+                <a:gd name="G12" fmla="?: G10 G11 G10"/>
+                <a:gd name="T10" fmla="*/ 0 256 1"/>
+                <a:gd name="T11" fmla="*/ 360 256 1"/>
+                <a:gd name="G13" fmla="+- G12 T10 T11"/>
+                <a:gd name="G14" fmla="?: G12 G13 G12"/>
+                <a:gd name="G15" fmla="+- 0 0 G14"/>
+                <a:gd name="G16" fmla="+- 10800 0 0"/>
+                <a:gd name="G17" fmla="+- 10800 0 8146"/>
+                <a:gd name="G18" fmla="*/ 8146 1 2"/>
+                <a:gd name="G19" fmla="+- G18 5400 0"/>
+                <a:gd name="G20" fmla="cos G19 -11686764"/>
+                <a:gd name="G21" fmla="sin G19 -11686764"/>
+                <a:gd name="G22" fmla="+- G20 10800 0"/>
+                <a:gd name="G23" fmla="+- G21 10800 0"/>
+                <a:gd name="G24" fmla="+- 10800 0 G20"/>
+                <a:gd name="G25" fmla="+- 8146 10800 0"/>
+                <a:gd name="G26" fmla="?: G9 G17 G25"/>
+                <a:gd name="G27" fmla="?: G9 0 21600"/>
+                <a:gd name="G28" fmla="cos 10800 -11686764"/>
+                <a:gd name="G29" fmla="sin 10800 -11686764"/>
+                <a:gd name="G30" fmla="sin 8146 -11686764"/>
+                <a:gd name="G31" fmla="+- G28 10800 0"/>
+                <a:gd name="G32" fmla="+- G29 10800 0"/>
+                <a:gd name="G33" fmla="+- G30 10800 0"/>
+                <a:gd name="G34" fmla="?: G4 0 G31"/>
+                <a:gd name="G35" fmla="?: -11686764 G34 0"/>
+                <a:gd name="G36" fmla="?: G6 G35 G31"/>
+                <a:gd name="G37" fmla="+- 21600 0 G36"/>
+                <a:gd name="G38" fmla="?: G4 0 G33"/>
+                <a:gd name="G39" fmla="?: -11686764 G38 G32"/>
+                <a:gd name="G40" fmla="?: G6 G39 0"/>
+                <a:gd name="G41" fmla="?: G4 G32 21600"/>
+                <a:gd name="G42" fmla="?: G6 G41 G33"/>
+                <a:gd name="T12" fmla="*/ 10800 w 21600"/>
+                <a:gd name="T13" fmla="*/ 0 h 21600"/>
+                <a:gd name="T14" fmla="*/ 1331 w 21600"/>
+                <a:gd name="T15" fmla="*/ 10523 h 21600"/>
+                <a:gd name="T16" fmla="*/ 10800 w 21600"/>
+                <a:gd name="T17" fmla="*/ 2654 h 21600"/>
+                <a:gd name="T18" fmla="*/ 20269 w 21600"/>
+                <a:gd name="T19" fmla="*/ 10523 h 21600"/>
+                <a:gd name="T20" fmla="*/ G36 w 21600"/>
+                <a:gd name="T21" fmla="*/ G40 h 21600"/>
+                <a:gd name="T22" fmla="*/ G37 w 21600"/>
+                <a:gd name="T23" fmla="*/ G42 h 21600"/>
+              </a:gdLst>
+              <a:ahLst/>
+              <a:cxnLst>
+                <a:cxn ang="0">
+                  <a:pos x="T12" y="T13"/>
+                </a:cxn>
+                <a:cxn ang="0">
+                  <a:pos x="T14" y="T15"/>
+                </a:cxn>
+                <a:cxn ang="0">
+                  <a:pos x="T16" y="T17"/>
+                </a:cxn>
+                <a:cxn ang="0">
+                  <a:pos x="T18" y="T19"/>
+                </a:cxn>
+              </a:cxnLst>
+              <a:rect l="T20" t="T21" r="T22" b="T23"/>
+              <a:pathLst>
+                <a:path w="21600" h="21600">
+                  <a:moveTo>
+                    <a:pt x="2657" y="10562"/>
+                  </a:moveTo>
+                  <a:cubicBezTo>
+                    <a:pt x="2786" y="6157"/>
+                    <a:pt x="6393" y="2654"/>
+                    <a:pt x="10800" y="2654"/>
+                  </a:cubicBezTo>
+                  <a:cubicBezTo>
+                    <a:pt x="15206" y="2654"/>
+                    <a:pt x="18813" y="6157"/>
+                    <a:pt x="18942" y="10562"/>
+                  </a:cubicBezTo>
+                  <a:lnTo>
+                    <a:pt x="21595" y="10484"/>
+                  </a:lnTo>
+                  <a:cubicBezTo>
+                    <a:pt x="21424" y="4645"/>
+                    <a:pt x="16641" y="0"/>
+                    <a:pt x="10799" y="0"/>
+                  </a:cubicBezTo>
+                  <a:cubicBezTo>
+                    <a:pt x="4958" y="0"/>
+                    <a:pt x="175" y="4645"/>
+                    <a:pt x="4" y="10484"/>
+                  </a:cubicBezTo>
+                  <a:close/>
+                </a:path>
+              </a:pathLst>
+            </a:custGeom>
+            <a:solidFill>
+              <a:schemeClr val="tx1"/>
+            </a:solidFill>
+            <a:ln>
+              <a:noFill/>
+            </a:ln>
+            <a:effectLst/>
+            <a:extLst>
+              <a:ext uri="{91240B29-F687-4F45-9708-019B960494DF}">
+                <a14:hiddenLine xmlns:a14="http://schemas.microsoft.com/office/drawing/2010/main" w="9525">
+                  <a:solidFill>
+                    <a:srgbClr val="FF0000"/>
+                  </a:solidFill>
+                  <a:miter lim="800000"/>
+                  <a:headEnd/>
+                  <a:tailEnd/>
+                </a14:hiddenLine>
+              </a:ext>
+              <a:ext uri="{AF507438-7753-43E0-B8FC-AC1667EBCBE1}">
+                <a14:hiddenEffects xmlns:a14="http://schemas.microsoft.com/office/drawing/2010/main">
+                  <a:effectLst>
+                    <a:outerShdw dist="35921" dir="2700000" algn="ctr" rotWithShape="0">
+                      <a:schemeClr val="bg2"/>
+                    </a:outerShdw>
+                  </a:effectLst>
+                </a14:hiddenEffects>
+              </a:ext>
+            </a:extLst>
+          </p:spPr>
+          <p:txBody>
+            <a:bodyPr wrap="none" anchor="ctr"/>
+            <a:lstStyle/>
+            <a:p>
+              <a:endParaRPr lang="ja-JP" altLang="en-US"/>
+            </a:p>
+          </p:txBody>
+        </p:sp>
+      </p:grpSp>
+      <p:sp>
+        <p:nvSpPr>
+          <p:cNvPr id="20" name="正方形/長方形 19"/>
+          <p:cNvSpPr/>
+          <p:nvPr/>
+        </p:nvSpPr>
+        <p:spPr bwMode="auto">
+          <a:xfrm>
+            <a:off x="2255547" y="1051322"/>
+            <a:ext cx="4261005" cy="3593830"/>
+          </a:xfrm>
+          <a:prstGeom prst="rect">
+            <a:avLst/>
+          </a:prstGeom>
+          <a:noFill/>
+          <a:ln>
+            <a:solidFill>
+              <a:srgbClr val="C00000"/>
+            </a:solidFill>
+          </a:ln>
+          <a:effectLst/>
+          <a:extLst/>
+        </p:spPr>
+        <p:txBody>
+          <a:bodyPr rot="0" spcFirstLastPara="0" vertOverflow="overflow" horzOverflow="overflow" vert="horz" wrap="square" lIns="91440" tIns="45720" rIns="91440" bIns="45720" numCol="1" spcCol="0" rtlCol="0" fromWordArt="0" anchor="t" anchorCtr="0" forceAA="0" compatLnSpc="1">
+            <a:prstTxWarp prst="textNoShape">
+              <a:avLst/>
+            </a:prstTxWarp>
+            <a:noAutofit/>
+          </a:bodyPr>
+          <a:lstStyle/>
+          <a:p>
+            <a:r>
+              <a:rPr lang="en-US" altLang="ja-JP" b="1" dirty="0" smtClean="0">
                 <a:solidFill>
                   <a:srgbClr val="FF0000"/>
                 </a:solidFill>
                 <a:latin typeface="+mj-ea"/>
                 <a:ea typeface="+mj-ea"/>
               </a:rPr>
-              <a:t>開発メンバーの進捗管理、</a:t>
-            </a:r>
-            <a:r>
-              <a:rPr lang="en-US" altLang="ja-JP" b="1" dirty="0" smtClean="0">
+              <a:t>【</a:t>
+            </a:r>
+            <a:r>
+              <a:rPr lang="ja-JP" altLang="en-US" b="1" dirty="0" smtClean="0">
                 <a:solidFill>
                   <a:srgbClr val="FF0000"/>
                 </a:solidFill>
                 <a:latin typeface="+mj-ea"/>
                 <a:ea typeface="+mj-ea"/>
               </a:rPr>
-              <a:t>WBS</a:t>
-            </a:r>
-            <a:r>
-              <a:rPr lang="ja-JP" altLang="en-US" b="1" dirty="0" smtClean="0">
+              <a:t>官庁総合運用テスト支援ツール</a:t>
+            </a:r>
+            <a:r>
+              <a:rPr lang="en-US" altLang="ja-JP" b="1" dirty="0" smtClean="0">
                 <a:solidFill>
                   <a:srgbClr val="FF0000"/>
                 </a:solidFill>
                 <a:latin typeface="+mj-ea"/>
                 <a:ea typeface="+mj-ea"/>
               </a:rPr>
-              <a:t>ベースで毎日の作業進捗を記入してもらって、毎日日報も書いてもらって、課題など記述してもらう</a:t>
+              <a:t>】</a:t>
+            </a:r>
+          </a:p>
+          <a:p>
+            <a:r>
+              <a:rPr lang="ja-JP" altLang="en-US" b="1" dirty="0" smtClean="0">
+                <a:solidFill>
+                  <a:srgbClr val="FF0000"/>
+                </a:solidFill>
+                <a:latin typeface="+mj-ea"/>
+                <a:ea typeface="+mj-ea"/>
+              </a:rPr>
+              <a:t>社内で２名開発メンバーのリーダー</a:t>
+            </a:r>
+            <a:r>
+              <a:rPr lang="ja-JP" altLang="en-US" b="1" dirty="0" smtClean="0">
+                <a:solidFill>
+                  <a:srgbClr val="FF0000"/>
+                </a:solidFill>
+                <a:latin typeface="+mj-ea"/>
+                <a:ea typeface="+mj-ea"/>
+              </a:rPr>
+              <a:t>、</a:t>
             </a:r>
             <a:endParaRPr lang="en-US" altLang="ja-JP" b="1" dirty="0" smtClean="0">
               <a:solidFill>
@@ -5307,6 +6246,133 @@
             </a:endParaRPr>
           </a:p>
           <a:p>
+            <a:endParaRPr lang="en-US" altLang="ja-JP" b="1" dirty="0">
+              <a:solidFill>
+                <a:srgbClr val="FF0000"/>
+              </a:solidFill>
+              <a:latin typeface="+mj-ea"/>
+              <a:ea typeface="+mj-ea"/>
+            </a:endParaRPr>
+          </a:p>
+          <a:p>
+            <a:r>
+              <a:rPr lang="ja-JP" altLang="en-US" b="1" dirty="0" smtClean="0">
+                <a:solidFill>
+                  <a:srgbClr val="FF0000"/>
+                </a:solidFill>
+                <a:latin typeface="+mj-ea"/>
+                <a:ea typeface="+mj-ea"/>
+              </a:rPr>
+              <a:t>毎日進捗を顧客に報告する。</a:t>
+            </a:r>
+            <a:endParaRPr lang="en-US" altLang="ja-JP" b="1" dirty="0" smtClean="0">
+              <a:solidFill>
+                <a:srgbClr val="FF0000"/>
+              </a:solidFill>
+              <a:latin typeface="+mj-ea"/>
+              <a:ea typeface="+mj-ea"/>
+            </a:endParaRPr>
+          </a:p>
+          <a:p>
+            <a:r>
+              <a:rPr lang="ja-JP" altLang="en-US" b="1" dirty="0" smtClean="0">
+                <a:solidFill>
+                  <a:srgbClr val="FF0000"/>
+                </a:solidFill>
+                <a:latin typeface="+mj-ea"/>
+                <a:ea typeface="+mj-ea"/>
+              </a:rPr>
+              <a:t>週</a:t>
+            </a:r>
+            <a:r>
+              <a:rPr lang="en-US" altLang="ja-JP" b="1" dirty="0" smtClean="0">
+                <a:solidFill>
+                  <a:srgbClr val="FF0000"/>
+                </a:solidFill>
+                <a:latin typeface="+mj-ea"/>
+                <a:ea typeface="+mj-ea"/>
+              </a:rPr>
+              <a:t>1</a:t>
+            </a:r>
+            <a:r>
+              <a:rPr lang="ja-JP" altLang="en-US" b="1" dirty="0" smtClean="0">
+                <a:solidFill>
+                  <a:srgbClr val="FF0000"/>
+                </a:solidFill>
+                <a:latin typeface="+mj-ea"/>
+                <a:ea typeface="+mj-ea"/>
+              </a:rPr>
+              <a:t>回顧客先で</a:t>
+            </a:r>
+            <a:r>
+              <a:rPr lang="en-US" altLang="ja-JP" b="1" dirty="0" smtClean="0">
+                <a:solidFill>
+                  <a:srgbClr val="FF0000"/>
+                </a:solidFill>
+                <a:latin typeface="+mj-ea"/>
+                <a:ea typeface="+mj-ea"/>
+              </a:rPr>
+              <a:t>MTG</a:t>
+            </a:r>
+            <a:r>
+              <a:rPr lang="ja-JP" altLang="en-US" b="1" dirty="0" smtClean="0">
+                <a:solidFill>
+                  <a:srgbClr val="FF0000"/>
+                </a:solidFill>
+                <a:latin typeface="+mj-ea"/>
+                <a:ea typeface="+mj-ea"/>
+              </a:rPr>
+              <a:t>で、仕様を確認する</a:t>
+            </a:r>
+            <a:r>
+              <a:rPr lang="ja-JP" altLang="en-US" b="1" dirty="0" smtClean="0">
+                <a:solidFill>
+                  <a:srgbClr val="FF0000"/>
+                </a:solidFill>
+                <a:latin typeface="+mj-ea"/>
+                <a:ea typeface="+mj-ea"/>
+              </a:rPr>
+              <a:t>。</a:t>
+            </a:r>
+            <a:endParaRPr lang="en-US" altLang="ja-JP" b="1" dirty="0">
+              <a:solidFill>
+                <a:srgbClr val="FF0000"/>
+              </a:solidFill>
+              <a:latin typeface="+mj-ea"/>
+              <a:ea typeface="+mj-ea"/>
+            </a:endParaRPr>
+          </a:p>
+          <a:p>
+            <a:r>
+              <a:rPr lang="ja-JP" altLang="en-US" b="1" dirty="0" smtClean="0">
+                <a:solidFill>
+                  <a:srgbClr val="FF0000"/>
+                </a:solidFill>
+                <a:latin typeface="+mj-ea"/>
+                <a:ea typeface="+mj-ea"/>
+              </a:rPr>
+              <a:t>同じ空間で一緒に仕事してなかったので、開発中で</a:t>
+            </a:r>
+            <a:r>
+              <a:rPr lang="ja-JP" altLang="en-US" b="1" dirty="0" smtClean="0">
+                <a:solidFill>
+                  <a:srgbClr val="FF0000"/>
+                </a:solidFill>
+                <a:latin typeface="+mj-ea"/>
+                <a:ea typeface="+mj-ea"/>
+              </a:rPr>
+              <a:t>問題があったとき、すぐ確認できなかったので、</a:t>
+            </a:r>
+            <a:r>
+              <a:rPr lang="ja-JP" altLang="en-US" b="1" dirty="0" smtClean="0">
+                <a:solidFill>
+                  <a:srgbClr val="FF0000"/>
+                </a:solidFill>
+                <a:latin typeface="+mj-ea"/>
+                <a:ea typeface="+mj-ea"/>
+              </a:rPr>
+              <a:t>課題一覧を作成し、毎日を確認し、回答解決した。すぐ確認してほしいものは電話で解決した。</a:t>
+            </a:r>
             <a:endParaRPr lang="en-US" altLang="ja-JP" b="1" dirty="0" smtClean="0">
               <a:solidFill>
                 <a:srgbClr val="FF0000"/>
@@ -5382,255 +6448,6 @@
 </p:sld>
 </file>
 
-<file path=ppt/slides/slide11.xml><?xml version="1.0" encoding="utf-8"?>
-<p:sld xmlns:a="http://schemas.openxmlformats.org/drawingml/2006/main" xmlns:r="http://schemas.openxmlformats.org/officeDocument/2006/relationships" xmlns:p="http://schemas.openxmlformats.org/presentationml/2006/main">
-  <p:cSld>
-    <p:spTree>
-      <p:nvGrpSpPr>
-        <p:cNvPr id="1" name=""/>
-        <p:cNvGrpSpPr/>
-        <p:nvPr/>
-      </p:nvGrpSpPr>
-      <p:grpSpPr>
-        <a:xfrm>
-          <a:off x="0" y="0"/>
-          <a:ext cx="0" cy="0"/>
-          <a:chOff x="0" y="0"/>
-          <a:chExt cx="0" cy="0"/>
-        </a:xfrm>
-      </p:grpSpPr>
-      <p:sp>
-        <p:nvSpPr>
-          <p:cNvPr id="2" name="タイトル 1"/>
-          <p:cNvSpPr>
-            <a:spLocks noGrp="1"/>
-          </p:cNvSpPr>
-          <p:nvPr>
-            <p:ph type="title"/>
-          </p:nvPr>
-        </p:nvSpPr>
-        <p:spPr>
-          <a:xfrm>
-            <a:off x="1052734" y="404783"/>
-            <a:ext cx="5805265" cy="390295"/>
-          </a:xfrm>
-        </p:spPr>
-        <p:txBody>
-          <a:bodyPr/>
-          <a:lstStyle/>
-          <a:p>
-            <a:r>
-              <a:rPr lang="ja-JP" altLang="en-US" sz="2300" dirty="0">
-                <a:solidFill>
-                  <a:schemeClr val="accent6">
-                    <a:lumMod val="50000"/>
-                    <a:lumOff val="50000"/>
-                  </a:schemeClr>
-                </a:solidFill>
-                <a:latin typeface="+mn-ea"/>
-              </a:rPr>
-              <a:t>超えるべき「Ｘ</a:t>
-            </a:r>
-            <a:r>
-              <a:rPr lang="ja-JP" altLang="en-US" sz="2300" dirty="0" smtClean="0">
-                <a:solidFill>
-                  <a:schemeClr val="accent6">
-                    <a:lumMod val="50000"/>
-                    <a:lumOff val="50000"/>
-                  </a:schemeClr>
-                </a:solidFill>
-                <a:latin typeface="+mn-ea"/>
-              </a:rPr>
-              <a:t>」、</a:t>
-            </a:r>
-            <a:r>
-              <a:rPr lang="ja-JP" altLang="en-US" sz="2300" dirty="0">
-                <a:solidFill>
-                  <a:schemeClr val="accent6">
-                    <a:lumMod val="50000"/>
-                    <a:lumOff val="50000"/>
-                  </a:schemeClr>
-                </a:solidFill>
-                <a:latin typeface="+mn-ea"/>
-              </a:rPr>
-              <a:t>これまでしてきた</a:t>
-            </a:r>
-            <a:r>
-              <a:rPr lang="ja-JP" altLang="en-US" sz="2300" dirty="0" smtClean="0">
-                <a:solidFill>
-                  <a:schemeClr val="accent6">
-                    <a:lumMod val="50000"/>
-                    <a:lumOff val="50000"/>
-                  </a:schemeClr>
-                </a:solidFill>
-                <a:latin typeface="+mn-ea"/>
-              </a:rPr>
-              <a:t>こと</a:t>
-            </a:r>
-            <a:endParaRPr kumimoji="1" lang="ja-JP" altLang="en-US" sz="2300" dirty="0"/>
-          </a:p>
-        </p:txBody>
-      </p:sp>
-      <p:sp>
-        <p:nvSpPr>
-          <p:cNvPr id="3" name="テキスト プレースホルダー 2"/>
-          <p:cNvSpPr>
-            <a:spLocks noGrp="1"/>
-          </p:cNvSpPr>
-          <p:nvPr>
-            <p:ph type="body" sz="quarter" idx="10"/>
-          </p:nvPr>
-        </p:nvSpPr>
-        <p:spPr/>
-        <p:txBody>
-          <a:bodyPr/>
-          <a:lstStyle/>
-          <a:p>
-            <a:r>
-              <a:rPr lang="ja-JP" altLang="en-US" dirty="0" smtClean="0"/>
-              <a:t>■現場</a:t>
-            </a:r>
-            <a:r>
-              <a:rPr kumimoji="1" lang="ja-JP" altLang="en-US" dirty="0" smtClean="0"/>
-              <a:t>リーダーとしての</a:t>
-            </a:r>
-            <a:r>
-              <a:rPr lang="ja-JP" altLang="en-US" dirty="0" smtClean="0"/>
-              <a:t>活躍</a:t>
-            </a:r>
-            <a:endParaRPr lang="en-US" altLang="ja-JP" dirty="0" smtClean="0"/>
-          </a:p>
-          <a:p>
-            <a:r>
-              <a:rPr lang="ja-JP" altLang="en-US" dirty="0"/>
-              <a:t>　</a:t>
-            </a:r>
-            <a:r>
-              <a:rPr lang="en-US" altLang="ja-JP" dirty="0" smtClean="0"/>
-              <a:t>【CRM</a:t>
-            </a:r>
-            <a:r>
-              <a:rPr lang="ja-JP" altLang="en-US" dirty="0" smtClean="0"/>
-              <a:t>プロジェクト移行対応</a:t>
-            </a:r>
-            <a:r>
-              <a:rPr lang="en-US" altLang="ja-JP" dirty="0" smtClean="0"/>
-              <a:t>】</a:t>
-            </a:r>
-          </a:p>
-          <a:p>
-            <a:r>
-              <a:rPr kumimoji="1" lang="ja-JP" altLang="en-US" dirty="0"/>
-              <a:t>　</a:t>
-            </a:r>
-            <a:r>
-              <a:rPr kumimoji="1" lang="ja-JP" altLang="en-US" dirty="0" smtClean="0"/>
-              <a:t>　○マネジメント能力</a:t>
-            </a:r>
-            <a:endParaRPr kumimoji="1" lang="en-US" altLang="ja-JP" dirty="0" smtClean="0"/>
-          </a:p>
-          <a:p>
-            <a:r>
-              <a:rPr lang="ja-JP" altLang="en-US" dirty="0"/>
-              <a:t>　</a:t>
-            </a:r>
-            <a:r>
-              <a:rPr lang="ja-JP" altLang="en-US" dirty="0" smtClean="0"/>
-              <a:t>　　　・作業スケジュール管理</a:t>
-            </a:r>
-            <a:endParaRPr lang="en-US" altLang="ja-JP" dirty="0" smtClean="0"/>
-          </a:p>
-          <a:p>
-            <a:r>
-              <a:rPr kumimoji="1" lang="ja-JP" altLang="en-US" dirty="0"/>
-              <a:t>　</a:t>
-            </a:r>
-            <a:r>
-              <a:rPr kumimoji="1" lang="ja-JP" altLang="en-US" dirty="0" smtClean="0"/>
-              <a:t>　　　・作業の配分</a:t>
-            </a:r>
-            <a:endParaRPr kumimoji="1" lang="en-US" altLang="ja-JP" dirty="0" smtClean="0"/>
-          </a:p>
-          <a:p>
-            <a:r>
-              <a:rPr lang="ja-JP" altLang="en-US" dirty="0"/>
-              <a:t>　</a:t>
-            </a:r>
-            <a:r>
-              <a:rPr lang="ja-JP" altLang="en-US" dirty="0" smtClean="0"/>
-              <a:t>　　　・仕様の調整</a:t>
-            </a:r>
-            <a:endParaRPr kumimoji="1" lang="en-US" altLang="ja-JP" dirty="0" smtClean="0"/>
-          </a:p>
-          <a:p>
-            <a:r>
-              <a:rPr kumimoji="1" lang="ja-JP" altLang="en-US" dirty="0"/>
-              <a:t>　</a:t>
-            </a:r>
-            <a:r>
-              <a:rPr kumimoji="1" lang="ja-JP" altLang="en-US" dirty="0" smtClean="0"/>
-              <a:t>　○生産性向上と品質向上のため、技術検討とメンバに展開</a:t>
-            </a:r>
-            <a:endParaRPr kumimoji="1" lang="en-US" altLang="ja-JP" dirty="0" smtClean="0"/>
-          </a:p>
-          <a:p>
-            <a:r>
-              <a:rPr lang="ja-JP" altLang="en-US" dirty="0"/>
-              <a:t>　</a:t>
-            </a:r>
-            <a:r>
-              <a:rPr lang="ja-JP" altLang="en-US" dirty="0" smtClean="0"/>
-              <a:t>　　　・標準的な移行プログラム設計（生産性向上）</a:t>
-            </a:r>
-            <a:endParaRPr lang="en-US" altLang="ja-JP" dirty="0" smtClean="0"/>
-          </a:p>
-          <a:p>
-            <a:r>
-              <a:rPr kumimoji="1" lang="ja-JP" altLang="en-US" dirty="0"/>
-              <a:t>　</a:t>
-            </a:r>
-            <a:r>
-              <a:rPr kumimoji="1" lang="ja-JP" altLang="en-US" dirty="0" smtClean="0"/>
-              <a:t>　　　・テスト自動化（品質向上）</a:t>
-            </a:r>
-            <a:r>
-              <a:rPr lang="ja-JP" altLang="en-US" dirty="0"/>
-              <a:t>　</a:t>
-            </a:r>
-            <a:r>
-              <a:rPr lang="ja-JP" altLang="en-US" dirty="0" smtClean="0"/>
-              <a:t>　　　</a:t>
-            </a:r>
-            <a:endParaRPr kumimoji="1" lang="en-US" altLang="ja-JP" dirty="0" smtClean="0"/>
-          </a:p>
-          <a:p>
-            <a:endParaRPr lang="en-US" altLang="ja-JP" dirty="0" smtClean="0"/>
-          </a:p>
-          <a:p>
-            <a:endParaRPr lang="en-US" altLang="ja-JP" dirty="0"/>
-          </a:p>
-        </p:txBody>
-      </p:sp>
-    </p:spTree>
-    <p:extLst>
-      <p:ext uri="{BB962C8B-B14F-4D97-AF65-F5344CB8AC3E}">
-        <p14:creationId xmlns:p14="http://schemas.microsoft.com/office/powerpoint/2010/main" val="3090658669"/>
-      </p:ext>
-    </p:extLst>
-  </p:cSld>
-  <p:clrMapOvr>
-    <a:masterClrMapping/>
-  </p:clrMapOvr>
-  <p:timing>
-    <p:tnLst>
-      <p:par>
-        <p:cTn id="1" dur="indefinite" restart="never" nodeType="tmRoot"/>
-      </p:par>
-    </p:tnLst>
-  </p:timing>
-</p:sld>
-</file>
-
 <file path=ppt/slides/slide12.xml><?xml version="1.0" encoding="utf-8"?>
 <p:sld xmlns:a="http://schemas.openxmlformats.org/drawingml/2006/main" xmlns:r="http://schemas.openxmlformats.org/officeDocument/2006/relationships" xmlns:p="http://schemas.openxmlformats.org/presentationml/2006/main">
   <p:cSld>
@@ -5660,8 +6477,8 @@
         </p:nvSpPr>
         <p:spPr>
           <a:xfrm>
-            <a:off x="1052734" y="50840"/>
-            <a:ext cx="5805265" cy="744238"/>
+            <a:off x="1052735" y="481728"/>
+            <a:ext cx="5670000" cy="313350"/>
           </a:xfrm>
         </p:spPr>
         <p:txBody>
@@ -5669,7 +6486,7 @@
           <a:lstStyle/>
           <a:p>
             <a:r>
-              <a:rPr lang="ja-JP" altLang="en-US" sz="2300" dirty="0">
+              <a:rPr lang="ja-JP" altLang="en-US" dirty="0">
                 <a:solidFill>
                   <a:schemeClr val="accent6">
                     <a:lumMod val="50000"/>
@@ -5678,142 +6495,1048 @@
                 </a:solidFill>
                 <a:latin typeface="+mn-ea"/>
               </a:rPr>
-              <a:t>超えるべき「Ｘ」、これまでしてきたこと</a:t>
-            </a:r>
-            <a:endParaRPr kumimoji="1" lang="ja-JP" altLang="en-US" sz="2300" dirty="0"/>
+              <a:t>進化</a:t>
+            </a:r>
+            <a:r>
+              <a:rPr lang="ja-JP" altLang="en-US" dirty="0" smtClean="0">
+                <a:solidFill>
+                  <a:schemeClr val="accent6">
+                    <a:lumMod val="50000"/>
+                    <a:lumOff val="50000"/>
+                  </a:schemeClr>
+                </a:solidFill>
+                <a:latin typeface="+mn-ea"/>
+              </a:rPr>
+              <a:t>の自分</a:t>
+            </a:r>
+            <a:r>
+              <a:rPr lang="en-US" altLang="ja-JP" dirty="0" smtClean="0">
+                <a:solidFill>
+                  <a:schemeClr val="accent6">
+                    <a:lumMod val="50000"/>
+                    <a:lumOff val="50000"/>
+                  </a:schemeClr>
+                </a:solidFill>
+                <a:latin typeface="+mn-ea"/>
+              </a:rPr>
+              <a:t>-</a:t>
+            </a:r>
+            <a:r>
+              <a:rPr lang="ja-JP" altLang="en-US" dirty="0" smtClean="0">
+                <a:solidFill>
+                  <a:schemeClr val="accent6">
+                    <a:lumMod val="50000"/>
+                    <a:lumOff val="50000"/>
+                  </a:schemeClr>
+                </a:solidFill>
+                <a:latin typeface="+mn-ea"/>
+              </a:rPr>
+              <a:t>現場以外の業務の兼務</a:t>
+            </a:r>
+            <a:endParaRPr kumimoji="1" lang="ja-JP" altLang="en-US" dirty="0"/>
           </a:p>
         </p:txBody>
       </p:sp>
+      <p:grpSp>
+        <p:nvGrpSpPr>
+          <p:cNvPr id="11" name="Group 296">
+            <a:extLst>
+              <a:ext uri="{FF2B5EF4-FFF2-40B4-BE49-F238E27FC236}">
+                <a16:creationId xmlns:a16="http://schemas.microsoft.com/office/drawing/2014/main" xmlns="" id="{3842FC64-AB39-42D7-A48C-0FE49F99806C}"/>
+              </a:ext>
+            </a:extLst>
+          </p:cNvPr>
+          <p:cNvGrpSpPr>
+            <a:grpSpLocks/>
+          </p:cNvGrpSpPr>
+          <p:nvPr/>
+        </p:nvGrpSpPr>
+        <p:grpSpPr bwMode="auto">
+          <a:xfrm>
+            <a:off x="1214776" y="1036692"/>
+            <a:ext cx="788463" cy="755574"/>
+            <a:chOff x="336" y="601"/>
+            <a:chExt cx="850" cy="850"/>
+          </a:xfrm>
+        </p:grpSpPr>
+        <p:sp>
+          <p:nvSpPr>
+            <p:cNvPr id="12" name="Oval 2">
+              <a:extLst>
+                <a:ext uri="{FF2B5EF4-FFF2-40B4-BE49-F238E27FC236}">
+                  <a16:creationId xmlns:a16="http://schemas.microsoft.com/office/drawing/2014/main" xmlns="" id="{9267EE0A-4BA4-4E94-8745-FFA9A06F71A9}"/>
+                </a:ext>
+              </a:extLst>
+            </p:cNvPr>
+            <p:cNvSpPr>
+              <a:spLocks noChangeArrowheads="1"/>
+            </p:cNvSpPr>
+            <p:nvPr/>
+          </p:nvSpPr>
+          <p:spPr bwMode="auto">
+            <a:xfrm>
+              <a:off x="336" y="601"/>
+              <a:ext cx="850" cy="850"/>
+            </a:xfrm>
+            <a:prstGeom prst="ellipse">
+              <a:avLst/>
+            </a:prstGeom>
+            <a:solidFill>
+              <a:srgbClr val="333333"/>
+            </a:solidFill>
+            <a:ln>
+              <a:noFill/>
+            </a:ln>
+            <a:effectLst/>
+            <a:extLst>
+              <a:ext uri="{91240B29-F687-4F45-9708-019B960494DF}">
+                <a14:hiddenLine xmlns:a14="http://schemas.microsoft.com/office/drawing/2010/main" w="38100">
+                  <a:solidFill>
+                    <a:srgbClr val="333333"/>
+                  </a:solidFill>
+                  <a:round/>
+                  <a:headEnd/>
+                  <a:tailEnd/>
+                </a14:hiddenLine>
+              </a:ext>
+              <a:ext uri="{AF507438-7753-43E0-B8FC-AC1667EBCBE1}">
+                <a14:hiddenEffects xmlns:a14="http://schemas.microsoft.com/office/drawing/2010/main">
+                  <a:effectLst>
+                    <a:outerShdw dist="35921" dir="2700000" algn="ctr" rotWithShape="0">
+                      <a:schemeClr val="bg2"/>
+                    </a:outerShdw>
+                  </a:effectLst>
+                </a14:hiddenEffects>
+              </a:ext>
+            </a:extLst>
+          </p:spPr>
+          <p:txBody>
+            <a:bodyPr wrap="none" anchor="ctr"/>
+            <a:lstStyle/>
+            <a:p>
+              <a:endParaRPr lang="ja-JP" altLang="en-US"/>
+            </a:p>
+          </p:txBody>
+        </p:sp>
+        <p:sp>
+          <p:nvSpPr>
+            <p:cNvPr id="13" name="Oval 19">
+              <a:extLst>
+                <a:ext uri="{FF2B5EF4-FFF2-40B4-BE49-F238E27FC236}">
+                  <a16:creationId xmlns:a16="http://schemas.microsoft.com/office/drawing/2014/main" xmlns="" id="{CC91C93B-224E-47BB-A4B4-F39EF6BD8070}"/>
+                </a:ext>
+              </a:extLst>
+            </p:cNvPr>
+            <p:cNvSpPr>
+              <a:spLocks noChangeArrowheads="1"/>
+            </p:cNvSpPr>
+            <p:nvPr/>
+          </p:nvSpPr>
+          <p:spPr bwMode="auto">
+            <a:xfrm>
+              <a:off x="353" y="618"/>
+              <a:ext cx="817" cy="817"/>
+            </a:xfrm>
+            <a:prstGeom prst="ellipse">
+              <a:avLst/>
+            </a:prstGeom>
+            <a:gradFill rotWithShape="1">
+              <a:gsLst>
+                <a:gs pos="0">
+                  <a:srgbClr val="FF0000">
+                    <a:gamma/>
+                    <a:tint val="60392"/>
+                    <a:invGamma/>
+                  </a:srgbClr>
+                </a:gs>
+                <a:gs pos="100000">
+                  <a:srgbClr val="FF0000"/>
+                </a:gs>
+              </a:gsLst>
+              <a:path path="shape">
+                <a:fillToRect l="50000" t="50000" r="50000" b="50000"/>
+              </a:path>
+            </a:gradFill>
+            <a:ln>
+              <a:noFill/>
+            </a:ln>
+            <a:effectLst/>
+            <a:extLst>
+              <a:ext uri="{91240B29-F687-4F45-9708-019B960494DF}">
+                <a14:hiddenLine xmlns:a14="http://schemas.microsoft.com/office/drawing/2010/main" w="9525">
+                  <a:solidFill>
+                    <a:srgbClr val="FF0000"/>
+                  </a:solidFill>
+                  <a:round/>
+                  <a:headEnd/>
+                  <a:tailEnd/>
+                </a14:hiddenLine>
+              </a:ext>
+              <a:ext uri="{AF507438-7753-43E0-B8FC-AC1667EBCBE1}">
+                <a14:hiddenEffects xmlns:a14="http://schemas.microsoft.com/office/drawing/2010/main">
+                  <a:effectLst>
+                    <a:outerShdw dist="35921" dir="2700000" algn="ctr" rotWithShape="0">
+                      <a:schemeClr val="bg2"/>
+                    </a:outerShdw>
+                  </a:effectLst>
+                </a14:hiddenEffects>
+              </a:ext>
+            </a:extLst>
+          </p:spPr>
+          <p:txBody>
+            <a:bodyPr wrap="none" anchor="ctr"/>
+            <a:lstStyle/>
+            <a:p>
+              <a:endParaRPr lang="ja-JP" altLang="en-US"/>
+            </a:p>
+          </p:txBody>
+        </p:sp>
+        <p:sp>
+          <p:nvSpPr>
+            <p:cNvPr id="14" name="Oval 20">
+              <a:extLst>
+                <a:ext uri="{FF2B5EF4-FFF2-40B4-BE49-F238E27FC236}">
+                  <a16:creationId xmlns:a16="http://schemas.microsoft.com/office/drawing/2014/main" xmlns="" id="{9BD5F5FE-EFD9-4804-9B3B-C6D91AFF363C}"/>
+                </a:ext>
+              </a:extLst>
+            </p:cNvPr>
+            <p:cNvSpPr>
+              <a:spLocks noChangeArrowheads="1"/>
+            </p:cNvSpPr>
+            <p:nvPr/>
+          </p:nvSpPr>
+          <p:spPr bwMode="auto">
+            <a:xfrm>
+              <a:off x="625" y="663"/>
+              <a:ext cx="454" cy="454"/>
+            </a:xfrm>
+            <a:prstGeom prst="ellipse">
+              <a:avLst/>
+            </a:prstGeom>
+            <a:gradFill rotWithShape="1">
+              <a:gsLst>
+                <a:gs pos="0">
+                  <a:schemeClr val="bg1">
+                    <a:alpha val="60001"/>
+                  </a:schemeClr>
+                </a:gs>
+                <a:gs pos="100000">
+                  <a:schemeClr val="bg1">
+                    <a:gamma/>
+                    <a:shade val="46275"/>
+                    <a:invGamma/>
+                    <a:alpha val="0"/>
+                  </a:schemeClr>
+                </a:gs>
+              </a:gsLst>
+              <a:path path="shape">
+                <a:fillToRect l="50000" t="50000" r="50000" b="50000"/>
+              </a:path>
+            </a:gradFill>
+            <a:ln>
+              <a:noFill/>
+            </a:ln>
+            <a:effectLst/>
+            <a:extLst>
+              <a:ext uri="{91240B29-F687-4F45-9708-019B960494DF}">
+                <a14:hiddenLine xmlns:a14="http://schemas.microsoft.com/office/drawing/2010/main" w="9525">
+                  <a:solidFill>
+                    <a:srgbClr val="FF0000"/>
+                  </a:solidFill>
+                  <a:round/>
+                  <a:headEnd/>
+                  <a:tailEnd/>
+                </a14:hiddenLine>
+              </a:ext>
+              <a:ext uri="{AF507438-7753-43E0-B8FC-AC1667EBCBE1}">
+                <a14:hiddenEffects xmlns:a14="http://schemas.microsoft.com/office/drawing/2010/main">
+                  <a:effectLst>
+                    <a:outerShdw dist="35921" dir="2700000" algn="ctr" rotWithShape="0">
+                      <a:schemeClr val="bg2"/>
+                    </a:outerShdw>
+                  </a:effectLst>
+                </a14:hiddenEffects>
+              </a:ext>
+            </a:extLst>
+          </p:spPr>
+          <p:txBody>
+            <a:bodyPr wrap="none" anchor="ctr"/>
+            <a:lstStyle/>
+            <a:p>
+              <a:endParaRPr lang="ja-JP" altLang="en-US"/>
+            </a:p>
+          </p:txBody>
+        </p:sp>
+        <p:grpSp>
+          <p:nvGrpSpPr>
+            <p:cNvPr id="15" name="Group 21">
+              <a:extLst>
+                <a:ext uri="{FF2B5EF4-FFF2-40B4-BE49-F238E27FC236}">
+                  <a16:creationId xmlns:a16="http://schemas.microsoft.com/office/drawing/2014/main" xmlns="" id="{7DB5FE9B-6714-4B4D-AB94-45F20F7D5C8E}"/>
+                </a:ext>
+              </a:extLst>
+            </p:cNvPr>
+            <p:cNvGrpSpPr>
+              <a:grpSpLocks/>
+            </p:cNvGrpSpPr>
+            <p:nvPr/>
+          </p:nvGrpSpPr>
+          <p:grpSpPr bwMode="auto">
+            <a:xfrm>
+              <a:off x="535" y="1177"/>
+              <a:ext cx="453" cy="212"/>
+              <a:chOff x="580" y="1207"/>
+              <a:chExt cx="363" cy="182"/>
+            </a:xfrm>
+          </p:grpSpPr>
+          <p:sp>
+            <p:nvSpPr>
+              <p:cNvPr id="18" name="AutoShape 22">
+                <a:extLst>
+                  <a:ext uri="{FF2B5EF4-FFF2-40B4-BE49-F238E27FC236}">
+                    <a16:creationId xmlns:a16="http://schemas.microsoft.com/office/drawing/2014/main" xmlns="" id="{4E5DF4CC-2B73-45EA-B083-30A68ED1FA2A}"/>
+                  </a:ext>
+                </a:extLst>
+              </p:cNvPr>
+              <p:cNvSpPr>
+                <a:spLocks noChangeArrowheads="1"/>
+              </p:cNvSpPr>
+              <p:nvPr/>
+            </p:nvSpPr>
+            <p:spPr bwMode="auto">
+              <a:xfrm rot="16200000">
+                <a:off x="671" y="1116"/>
+                <a:ext cx="182" cy="363"/>
+              </a:xfrm>
+              <a:prstGeom prst="moon">
+                <a:avLst>
+                  <a:gd name="adj" fmla="val 87500"/>
+                </a:avLst>
+              </a:prstGeom>
+              <a:gradFill rotWithShape="1">
+                <a:gsLst>
+                  <a:gs pos="0">
+                    <a:srgbClr val="FF99CC"/>
+                  </a:gs>
+                  <a:gs pos="100000">
+                    <a:srgbClr val="CC0000"/>
+                  </a:gs>
+                </a:gsLst>
+                <a:lin ang="0" scaled="1"/>
+              </a:gradFill>
+              <a:ln>
+                <a:noFill/>
+              </a:ln>
+              <a:effectLst/>
+              <a:extLst>
+                <a:ext uri="{91240B29-F687-4F45-9708-019B960494DF}">
+                  <a14:hiddenLine xmlns:a14="http://schemas.microsoft.com/office/drawing/2010/main" w="3175">
+                    <a:solidFill>
+                      <a:srgbClr val="333333"/>
+                    </a:solidFill>
+                    <a:miter lim="800000"/>
+                    <a:headEnd/>
+                    <a:tailEnd/>
+                  </a14:hiddenLine>
+                </a:ext>
+                <a:ext uri="{AF507438-7753-43E0-B8FC-AC1667EBCBE1}">
+                  <a14:hiddenEffects xmlns:a14="http://schemas.microsoft.com/office/drawing/2010/main">
+                    <a:effectLst>
+                      <a:outerShdw dist="35921" dir="2700000" algn="ctr" rotWithShape="0">
+                        <a:schemeClr val="bg2"/>
+                      </a:outerShdw>
+                    </a:effectLst>
+                  </a14:hiddenEffects>
+                </a:ext>
+              </a:extLst>
+            </p:spPr>
+            <p:txBody>
+              <a:bodyPr wrap="none" anchor="ctr"/>
+              <a:lstStyle/>
+              <a:p>
+                <a:endParaRPr lang="ja-JP" altLang="en-US"/>
+              </a:p>
+            </p:txBody>
+          </p:sp>
+          <p:sp>
+            <p:nvSpPr>
+              <p:cNvPr id="19" name="Freeform 23">
+                <a:extLst>
+                  <a:ext uri="{FF2B5EF4-FFF2-40B4-BE49-F238E27FC236}">
+                    <a16:creationId xmlns:a16="http://schemas.microsoft.com/office/drawing/2014/main" xmlns="" id="{A03184C6-4DC0-40F9-A025-A1F34226A187}"/>
+                  </a:ext>
+                </a:extLst>
+              </p:cNvPr>
+              <p:cNvSpPr>
+                <a:spLocks/>
+              </p:cNvSpPr>
+              <p:nvPr/>
+            </p:nvSpPr>
+            <p:spPr bwMode="auto">
+              <a:xfrm>
+                <a:off x="625" y="1298"/>
+                <a:ext cx="272" cy="91"/>
+              </a:xfrm>
+              <a:custGeom>
+                <a:avLst/>
+                <a:gdLst>
+                  <a:gd name="T0" fmla="*/ 136 w 272"/>
+                  <a:gd name="T1" fmla="*/ 136 h 136"/>
+                  <a:gd name="T2" fmla="*/ 0 w 272"/>
+                  <a:gd name="T3" fmla="*/ 45 h 136"/>
+                  <a:gd name="T4" fmla="*/ 136 w 272"/>
+                  <a:gd name="T5" fmla="*/ 0 h 136"/>
+                  <a:gd name="T6" fmla="*/ 272 w 272"/>
+                  <a:gd name="T7" fmla="*/ 45 h 136"/>
+                  <a:gd name="T8" fmla="*/ 136 w 272"/>
+                  <a:gd name="T9" fmla="*/ 136 h 136"/>
+                </a:gdLst>
+                <a:ahLst/>
+                <a:cxnLst>
+                  <a:cxn ang="0">
+                    <a:pos x="T0" y="T1"/>
+                  </a:cxn>
+                  <a:cxn ang="0">
+                    <a:pos x="T2" y="T3"/>
+                  </a:cxn>
+                  <a:cxn ang="0">
+                    <a:pos x="T4" y="T5"/>
+                  </a:cxn>
+                  <a:cxn ang="0">
+                    <a:pos x="T6" y="T7"/>
+                  </a:cxn>
+                  <a:cxn ang="0">
+                    <a:pos x="T8" y="T9"/>
+                  </a:cxn>
+                </a:cxnLst>
+                <a:rect l="0" t="0" r="r" b="b"/>
+                <a:pathLst>
+                  <a:path w="272" h="136">
+                    <a:moveTo>
+                      <a:pt x="136" y="136"/>
+                    </a:moveTo>
+                    <a:cubicBezTo>
+                      <a:pt x="91" y="136"/>
+                      <a:pt x="0" y="68"/>
+                      <a:pt x="0" y="45"/>
+                    </a:cubicBezTo>
+                    <a:cubicBezTo>
+                      <a:pt x="0" y="22"/>
+                      <a:pt x="91" y="0"/>
+                      <a:pt x="136" y="0"/>
+                    </a:cubicBezTo>
+                    <a:cubicBezTo>
+                      <a:pt x="181" y="0"/>
+                      <a:pt x="272" y="22"/>
+                      <a:pt x="272" y="45"/>
+                    </a:cubicBezTo>
+                    <a:cubicBezTo>
+                      <a:pt x="272" y="68"/>
+                      <a:pt x="181" y="136"/>
+                      <a:pt x="136" y="136"/>
+                    </a:cubicBezTo>
+                    <a:close/>
+                  </a:path>
+                </a:pathLst>
+              </a:custGeom>
+              <a:gradFill rotWithShape="1">
+                <a:gsLst>
+                  <a:gs pos="0">
+                    <a:srgbClr val="FF0000">
+                      <a:gamma/>
+                      <a:shade val="46275"/>
+                      <a:invGamma/>
+                    </a:srgbClr>
+                  </a:gs>
+                  <a:gs pos="100000">
+                    <a:srgbClr val="FF0000"/>
+                  </a:gs>
+                </a:gsLst>
+                <a:lin ang="5400000" scaled="1"/>
+              </a:gradFill>
+              <a:ln>
+                <a:noFill/>
+              </a:ln>
+              <a:effectLst/>
+              <a:extLst>
+                <a:ext uri="{91240B29-F687-4F45-9708-019B960494DF}">
+                  <a14:hiddenLine xmlns:a14="http://schemas.microsoft.com/office/drawing/2010/main" w="9525" cap="flat" cmpd="sng">
+                    <a:solidFill>
+                      <a:srgbClr val="FF0000"/>
+                    </a:solidFill>
+                    <a:prstDash val="solid"/>
+                    <a:round/>
+                    <a:headEnd/>
+                    <a:tailEnd/>
+                  </a14:hiddenLine>
+                </a:ext>
+                <a:ext uri="{AF507438-7753-43E0-B8FC-AC1667EBCBE1}">
+                  <a14:hiddenEffects xmlns:a14="http://schemas.microsoft.com/office/drawing/2010/main">
+                    <a:effectLst>
+                      <a:outerShdw dist="35921" dir="2700000" algn="ctr" rotWithShape="0">
+                        <a:schemeClr val="bg2"/>
+                      </a:outerShdw>
+                    </a:effectLst>
+                  </a14:hiddenEffects>
+                </a:ext>
+              </a:extLst>
+            </p:spPr>
+            <p:txBody>
+              <a:bodyPr/>
+              <a:lstStyle/>
+              <a:p>
+                <a:endParaRPr lang="ja-JP" altLang="en-US"/>
+              </a:p>
+            </p:txBody>
+          </p:sp>
+        </p:grpSp>
+        <p:sp>
+          <p:nvSpPr>
+            <p:cNvPr id="16" name="AutoShape 36">
+              <a:extLst>
+                <a:ext uri="{FF2B5EF4-FFF2-40B4-BE49-F238E27FC236}">
+                  <a16:creationId xmlns:a16="http://schemas.microsoft.com/office/drawing/2014/main" xmlns="" id="{C65C2922-0F06-4601-991B-D9188A55C388}"/>
+                </a:ext>
+              </a:extLst>
+            </p:cNvPr>
+            <p:cNvSpPr>
+              <a:spLocks noChangeArrowheads="1"/>
+            </p:cNvSpPr>
+            <p:nvPr/>
+          </p:nvSpPr>
+          <p:spPr bwMode="auto">
+            <a:xfrm>
+              <a:off x="444" y="890"/>
+              <a:ext cx="272" cy="272"/>
+            </a:xfrm>
+            <a:custGeom>
+              <a:avLst/>
+              <a:gdLst>
+                <a:gd name="G0" fmla="+- 8146 0 0"/>
+                <a:gd name="G1" fmla="+- -11686764 0 0"/>
+                <a:gd name="G2" fmla="+- 0 0 -11686764"/>
+                <a:gd name="T0" fmla="*/ 0 256 1"/>
+                <a:gd name="T1" fmla="*/ 180 256 1"/>
+                <a:gd name="G3" fmla="+- -11686764 T0 T1"/>
+                <a:gd name="T2" fmla="*/ 0 256 1"/>
+                <a:gd name="T3" fmla="*/ 90 256 1"/>
+                <a:gd name="G4" fmla="+- -11686764 T2 T3"/>
+                <a:gd name="G5" fmla="*/ G4 2 1"/>
+                <a:gd name="T4" fmla="*/ 90 256 1"/>
+                <a:gd name="T5" fmla="*/ 0 256 1"/>
+                <a:gd name="G6" fmla="+- -11686764 T4 T5"/>
+                <a:gd name="G7" fmla="*/ G6 2 1"/>
+                <a:gd name="G8" fmla="abs -11686764"/>
+                <a:gd name="T6" fmla="*/ 0 256 1"/>
+                <a:gd name="T7" fmla="*/ 90 256 1"/>
+                <a:gd name="G9" fmla="+- G8 T6 T7"/>
+                <a:gd name="G10" fmla="?: G9 G7 G5"/>
+                <a:gd name="T8" fmla="*/ 0 256 1"/>
+                <a:gd name="T9" fmla="*/ 360 256 1"/>
+                <a:gd name="G11" fmla="+- G10 T8 T9"/>
+                <a:gd name="G12" fmla="?: G10 G11 G10"/>
+                <a:gd name="T10" fmla="*/ 0 256 1"/>
+                <a:gd name="T11" fmla="*/ 360 256 1"/>
+                <a:gd name="G13" fmla="+- G12 T10 T11"/>
+                <a:gd name="G14" fmla="?: G12 G13 G12"/>
+                <a:gd name="G15" fmla="+- 0 0 G14"/>
+                <a:gd name="G16" fmla="+- 10800 0 0"/>
+                <a:gd name="G17" fmla="+- 10800 0 8146"/>
+                <a:gd name="G18" fmla="*/ 8146 1 2"/>
+                <a:gd name="G19" fmla="+- G18 5400 0"/>
+                <a:gd name="G20" fmla="cos G19 -11686764"/>
+                <a:gd name="G21" fmla="sin G19 -11686764"/>
+                <a:gd name="G22" fmla="+- G20 10800 0"/>
+                <a:gd name="G23" fmla="+- G21 10800 0"/>
+                <a:gd name="G24" fmla="+- 10800 0 G20"/>
+                <a:gd name="G25" fmla="+- 8146 10800 0"/>
+                <a:gd name="G26" fmla="?: G9 G17 G25"/>
+                <a:gd name="G27" fmla="?: G9 0 21600"/>
+                <a:gd name="G28" fmla="cos 10800 -11686764"/>
+                <a:gd name="G29" fmla="sin 10800 -11686764"/>
+                <a:gd name="G30" fmla="sin 8146 -11686764"/>
+                <a:gd name="G31" fmla="+- G28 10800 0"/>
+                <a:gd name="G32" fmla="+- G29 10800 0"/>
+                <a:gd name="G33" fmla="+- G30 10800 0"/>
+                <a:gd name="G34" fmla="?: G4 0 G31"/>
+                <a:gd name="G35" fmla="?: -11686764 G34 0"/>
+                <a:gd name="G36" fmla="?: G6 G35 G31"/>
+                <a:gd name="G37" fmla="+- 21600 0 G36"/>
+                <a:gd name="G38" fmla="?: G4 0 G33"/>
+                <a:gd name="G39" fmla="?: -11686764 G38 G32"/>
+                <a:gd name="G40" fmla="?: G6 G39 0"/>
+                <a:gd name="G41" fmla="?: G4 G32 21600"/>
+                <a:gd name="G42" fmla="?: G6 G41 G33"/>
+                <a:gd name="T12" fmla="*/ 10800 w 21600"/>
+                <a:gd name="T13" fmla="*/ 0 h 21600"/>
+                <a:gd name="T14" fmla="*/ 1331 w 21600"/>
+                <a:gd name="T15" fmla="*/ 10523 h 21600"/>
+                <a:gd name="T16" fmla="*/ 10800 w 21600"/>
+                <a:gd name="T17" fmla="*/ 2654 h 21600"/>
+                <a:gd name="T18" fmla="*/ 20269 w 21600"/>
+                <a:gd name="T19" fmla="*/ 10523 h 21600"/>
+                <a:gd name="T20" fmla="*/ G36 w 21600"/>
+                <a:gd name="T21" fmla="*/ G40 h 21600"/>
+                <a:gd name="T22" fmla="*/ G37 w 21600"/>
+                <a:gd name="T23" fmla="*/ G42 h 21600"/>
+              </a:gdLst>
+              <a:ahLst/>
+              <a:cxnLst>
+                <a:cxn ang="0">
+                  <a:pos x="T12" y="T13"/>
+                </a:cxn>
+                <a:cxn ang="0">
+                  <a:pos x="T14" y="T15"/>
+                </a:cxn>
+                <a:cxn ang="0">
+                  <a:pos x="T16" y="T17"/>
+                </a:cxn>
+                <a:cxn ang="0">
+                  <a:pos x="T18" y="T19"/>
+                </a:cxn>
+              </a:cxnLst>
+              <a:rect l="T20" t="T21" r="T22" b="T23"/>
+              <a:pathLst>
+                <a:path w="21600" h="21600">
+                  <a:moveTo>
+                    <a:pt x="2657" y="10562"/>
+                  </a:moveTo>
+                  <a:cubicBezTo>
+                    <a:pt x="2786" y="6157"/>
+                    <a:pt x="6393" y="2654"/>
+                    <a:pt x="10800" y="2654"/>
+                  </a:cubicBezTo>
+                  <a:cubicBezTo>
+                    <a:pt x="15206" y="2654"/>
+                    <a:pt x="18813" y="6157"/>
+                    <a:pt x="18942" y="10562"/>
+                  </a:cubicBezTo>
+                  <a:lnTo>
+                    <a:pt x="21595" y="10484"/>
+                  </a:lnTo>
+                  <a:cubicBezTo>
+                    <a:pt x="21424" y="4645"/>
+                    <a:pt x="16641" y="0"/>
+                    <a:pt x="10799" y="0"/>
+                  </a:cubicBezTo>
+                  <a:cubicBezTo>
+                    <a:pt x="4958" y="0"/>
+                    <a:pt x="175" y="4645"/>
+                    <a:pt x="4" y="10484"/>
+                  </a:cubicBezTo>
+                  <a:close/>
+                </a:path>
+              </a:pathLst>
+            </a:custGeom>
+            <a:solidFill>
+              <a:schemeClr val="tx1"/>
+            </a:solidFill>
+            <a:ln>
+              <a:noFill/>
+            </a:ln>
+            <a:effectLst/>
+            <a:extLst>
+              <a:ext uri="{91240B29-F687-4F45-9708-019B960494DF}">
+                <a14:hiddenLine xmlns:a14="http://schemas.microsoft.com/office/drawing/2010/main" w="9525">
+                  <a:solidFill>
+                    <a:srgbClr val="FF0000"/>
+                  </a:solidFill>
+                  <a:miter lim="800000"/>
+                  <a:headEnd/>
+                  <a:tailEnd/>
+                </a14:hiddenLine>
+              </a:ext>
+              <a:ext uri="{AF507438-7753-43E0-B8FC-AC1667EBCBE1}">
+                <a14:hiddenEffects xmlns:a14="http://schemas.microsoft.com/office/drawing/2010/main">
+                  <a:effectLst>
+                    <a:outerShdw dist="35921" dir="2700000" algn="ctr" rotWithShape="0">
+                      <a:schemeClr val="bg2"/>
+                    </a:outerShdw>
+                  </a:effectLst>
+                </a14:hiddenEffects>
+              </a:ext>
+            </a:extLst>
+          </p:spPr>
+          <p:txBody>
+            <a:bodyPr wrap="none" anchor="ctr"/>
+            <a:lstStyle/>
+            <a:p>
+              <a:endParaRPr lang="ja-JP" altLang="en-US"/>
+            </a:p>
+          </p:txBody>
+        </p:sp>
+        <p:sp>
+          <p:nvSpPr>
+            <p:cNvPr id="17" name="AutoShape 37">
+              <a:extLst>
+                <a:ext uri="{FF2B5EF4-FFF2-40B4-BE49-F238E27FC236}">
+                  <a16:creationId xmlns:a16="http://schemas.microsoft.com/office/drawing/2014/main" xmlns="" id="{9028FBF9-F253-4134-8311-3707C3C5DB2F}"/>
+                </a:ext>
+              </a:extLst>
+            </p:cNvPr>
+            <p:cNvSpPr>
+              <a:spLocks noChangeArrowheads="1"/>
+            </p:cNvSpPr>
+            <p:nvPr/>
+          </p:nvSpPr>
+          <p:spPr bwMode="auto">
+            <a:xfrm>
+              <a:off x="807" y="890"/>
+              <a:ext cx="272" cy="272"/>
+            </a:xfrm>
+            <a:custGeom>
+              <a:avLst/>
+              <a:gdLst>
+                <a:gd name="G0" fmla="+- 8146 0 0"/>
+                <a:gd name="G1" fmla="+- -11686764 0 0"/>
+                <a:gd name="G2" fmla="+- 0 0 -11686764"/>
+                <a:gd name="T0" fmla="*/ 0 256 1"/>
+                <a:gd name="T1" fmla="*/ 180 256 1"/>
+                <a:gd name="G3" fmla="+- -11686764 T0 T1"/>
+                <a:gd name="T2" fmla="*/ 0 256 1"/>
+                <a:gd name="T3" fmla="*/ 90 256 1"/>
+                <a:gd name="G4" fmla="+- -11686764 T2 T3"/>
+                <a:gd name="G5" fmla="*/ G4 2 1"/>
+                <a:gd name="T4" fmla="*/ 90 256 1"/>
+                <a:gd name="T5" fmla="*/ 0 256 1"/>
+                <a:gd name="G6" fmla="+- -11686764 T4 T5"/>
+                <a:gd name="G7" fmla="*/ G6 2 1"/>
+                <a:gd name="G8" fmla="abs -11686764"/>
+                <a:gd name="T6" fmla="*/ 0 256 1"/>
+                <a:gd name="T7" fmla="*/ 90 256 1"/>
+                <a:gd name="G9" fmla="+- G8 T6 T7"/>
+                <a:gd name="G10" fmla="?: G9 G7 G5"/>
+                <a:gd name="T8" fmla="*/ 0 256 1"/>
+                <a:gd name="T9" fmla="*/ 360 256 1"/>
+                <a:gd name="G11" fmla="+- G10 T8 T9"/>
+                <a:gd name="G12" fmla="?: G10 G11 G10"/>
+                <a:gd name="T10" fmla="*/ 0 256 1"/>
+                <a:gd name="T11" fmla="*/ 360 256 1"/>
+                <a:gd name="G13" fmla="+- G12 T10 T11"/>
+                <a:gd name="G14" fmla="?: G12 G13 G12"/>
+                <a:gd name="G15" fmla="+- 0 0 G14"/>
+                <a:gd name="G16" fmla="+- 10800 0 0"/>
+                <a:gd name="G17" fmla="+- 10800 0 8146"/>
+                <a:gd name="G18" fmla="*/ 8146 1 2"/>
+                <a:gd name="G19" fmla="+- G18 5400 0"/>
+                <a:gd name="G20" fmla="cos G19 -11686764"/>
+                <a:gd name="G21" fmla="sin G19 -11686764"/>
+                <a:gd name="G22" fmla="+- G20 10800 0"/>
+                <a:gd name="G23" fmla="+- G21 10800 0"/>
+                <a:gd name="G24" fmla="+- 10800 0 G20"/>
+                <a:gd name="G25" fmla="+- 8146 10800 0"/>
+                <a:gd name="G26" fmla="?: G9 G17 G25"/>
+                <a:gd name="G27" fmla="?: G9 0 21600"/>
+                <a:gd name="G28" fmla="cos 10800 -11686764"/>
+                <a:gd name="G29" fmla="sin 10800 -11686764"/>
+                <a:gd name="G30" fmla="sin 8146 -11686764"/>
+                <a:gd name="G31" fmla="+- G28 10800 0"/>
+                <a:gd name="G32" fmla="+- G29 10800 0"/>
+                <a:gd name="G33" fmla="+- G30 10800 0"/>
+                <a:gd name="G34" fmla="?: G4 0 G31"/>
+                <a:gd name="G35" fmla="?: -11686764 G34 0"/>
+                <a:gd name="G36" fmla="?: G6 G35 G31"/>
+                <a:gd name="G37" fmla="+- 21600 0 G36"/>
+                <a:gd name="G38" fmla="?: G4 0 G33"/>
+                <a:gd name="G39" fmla="?: -11686764 G38 G32"/>
+                <a:gd name="G40" fmla="?: G6 G39 0"/>
+                <a:gd name="G41" fmla="?: G4 G32 21600"/>
+                <a:gd name="G42" fmla="?: G6 G41 G33"/>
+                <a:gd name="T12" fmla="*/ 10800 w 21600"/>
+                <a:gd name="T13" fmla="*/ 0 h 21600"/>
+                <a:gd name="T14" fmla="*/ 1331 w 21600"/>
+                <a:gd name="T15" fmla="*/ 10523 h 21600"/>
+                <a:gd name="T16" fmla="*/ 10800 w 21600"/>
+                <a:gd name="T17" fmla="*/ 2654 h 21600"/>
+                <a:gd name="T18" fmla="*/ 20269 w 21600"/>
+                <a:gd name="T19" fmla="*/ 10523 h 21600"/>
+                <a:gd name="T20" fmla="*/ G36 w 21600"/>
+                <a:gd name="T21" fmla="*/ G40 h 21600"/>
+                <a:gd name="T22" fmla="*/ G37 w 21600"/>
+                <a:gd name="T23" fmla="*/ G42 h 21600"/>
+              </a:gdLst>
+              <a:ahLst/>
+              <a:cxnLst>
+                <a:cxn ang="0">
+                  <a:pos x="T12" y="T13"/>
+                </a:cxn>
+                <a:cxn ang="0">
+                  <a:pos x="T14" y="T15"/>
+                </a:cxn>
+                <a:cxn ang="0">
+                  <a:pos x="T16" y="T17"/>
+                </a:cxn>
+                <a:cxn ang="0">
+                  <a:pos x="T18" y="T19"/>
+                </a:cxn>
+              </a:cxnLst>
+              <a:rect l="T20" t="T21" r="T22" b="T23"/>
+              <a:pathLst>
+                <a:path w="21600" h="21600">
+                  <a:moveTo>
+                    <a:pt x="2657" y="10562"/>
+                  </a:moveTo>
+                  <a:cubicBezTo>
+                    <a:pt x="2786" y="6157"/>
+                    <a:pt x="6393" y="2654"/>
+                    <a:pt x="10800" y="2654"/>
+                  </a:cubicBezTo>
+                  <a:cubicBezTo>
+                    <a:pt x="15206" y="2654"/>
+                    <a:pt x="18813" y="6157"/>
+                    <a:pt x="18942" y="10562"/>
+                  </a:cubicBezTo>
+                  <a:lnTo>
+                    <a:pt x="21595" y="10484"/>
+                  </a:lnTo>
+                  <a:cubicBezTo>
+                    <a:pt x="21424" y="4645"/>
+                    <a:pt x="16641" y="0"/>
+                    <a:pt x="10799" y="0"/>
+                  </a:cubicBezTo>
+                  <a:cubicBezTo>
+                    <a:pt x="4958" y="0"/>
+                    <a:pt x="175" y="4645"/>
+                    <a:pt x="4" y="10484"/>
+                  </a:cubicBezTo>
+                  <a:close/>
+                </a:path>
+              </a:pathLst>
+            </a:custGeom>
+            <a:solidFill>
+              <a:schemeClr val="tx1"/>
+            </a:solidFill>
+            <a:ln>
+              <a:noFill/>
+            </a:ln>
+            <a:effectLst/>
+            <a:extLst>
+              <a:ext uri="{91240B29-F687-4F45-9708-019B960494DF}">
+                <a14:hiddenLine xmlns:a14="http://schemas.microsoft.com/office/drawing/2010/main" w="9525">
+                  <a:solidFill>
+                    <a:srgbClr val="FF0000"/>
+                  </a:solidFill>
+                  <a:miter lim="800000"/>
+                  <a:headEnd/>
+                  <a:tailEnd/>
+                </a14:hiddenLine>
+              </a:ext>
+              <a:ext uri="{AF507438-7753-43E0-B8FC-AC1667EBCBE1}">
+                <a14:hiddenEffects xmlns:a14="http://schemas.microsoft.com/office/drawing/2010/main">
+                  <a:effectLst>
+                    <a:outerShdw dist="35921" dir="2700000" algn="ctr" rotWithShape="0">
+                      <a:schemeClr val="bg2"/>
+                    </a:outerShdw>
+                  </a:effectLst>
+                </a14:hiddenEffects>
+              </a:ext>
+            </a:extLst>
+          </p:spPr>
+          <p:txBody>
+            <a:bodyPr wrap="none" anchor="ctr"/>
+            <a:lstStyle/>
+            <a:p>
+              <a:endParaRPr lang="ja-JP" altLang="en-US"/>
+            </a:p>
+          </p:txBody>
+        </p:sp>
+      </p:grpSp>
       <p:sp>
         <p:nvSpPr>
-          <p:cNvPr id="3" name="テキスト プレースホルダー 2"/>
-          <p:cNvSpPr>
-            <a:spLocks noGrp="1"/>
-          </p:cNvSpPr>
-          <p:nvPr>
-            <p:ph type="body" sz="quarter" idx="10"/>
-          </p:nvPr>
+          <p:cNvPr id="20" name="正方形/長方形 19"/>
+          <p:cNvSpPr/>
+          <p:nvPr/>
         </p:nvSpPr>
-        <p:spPr/>
+        <p:spPr bwMode="auto">
+          <a:xfrm>
+            <a:off x="2255547" y="1051322"/>
+            <a:ext cx="4261005" cy="3593830"/>
+          </a:xfrm>
+          <a:prstGeom prst="rect">
+            <a:avLst/>
+          </a:prstGeom>
+          <a:noFill/>
+          <a:ln>
+            <a:solidFill>
+              <a:srgbClr val="C00000"/>
+            </a:solidFill>
+          </a:ln>
+          <a:effectLst/>
+          <a:extLst/>
+        </p:spPr>
         <p:txBody>
-          <a:bodyPr/>
+          <a:bodyPr rot="0" spcFirstLastPara="0" vertOverflow="overflow" horzOverflow="overflow" vert="horz" wrap="square" lIns="91440" tIns="45720" rIns="91440" bIns="45720" numCol="1" spcCol="0" rtlCol="0" fromWordArt="0" anchor="t" anchorCtr="0" forceAA="0" compatLnSpc="1">
+            <a:prstTxWarp prst="textNoShape">
+              <a:avLst/>
+            </a:prstTxWarp>
+            <a:noAutofit/>
+          </a:bodyPr>
           <a:lstStyle/>
           <a:p>
             <a:r>
-              <a:rPr lang="ja-JP" altLang="en-US" dirty="0"/>
-              <a:t>■請負作業の兼務</a:t>
-            </a:r>
-            <a:endParaRPr lang="en-US" altLang="ja-JP" dirty="0"/>
+              <a:rPr lang="ja-JP" altLang="en-US" b="1" dirty="0" smtClean="0">
+                <a:solidFill>
+                  <a:srgbClr val="FF0000"/>
+                </a:solidFill>
+                <a:latin typeface="+mj-ea"/>
+                <a:ea typeface="+mj-ea"/>
+              </a:rPr>
+              <a:t>厳しいスケジュールで、開発を順調に進めるため、開発者にインターフェースファイルを作ってあげたり、して、顧客にテスト仕様書とテストデータを提供してもらったり、した。</a:t>
+            </a:r>
+            <a:endParaRPr lang="en-US" altLang="ja-JP" b="1" dirty="0">
+              <a:solidFill>
+                <a:srgbClr val="FF0000"/>
+              </a:solidFill>
+              <a:latin typeface="+mj-ea"/>
+              <a:ea typeface="+mj-ea"/>
+            </a:endParaRPr>
           </a:p>
           <a:p>
             <a:r>
-              <a:rPr lang="ja-JP" altLang="en-US" dirty="0"/>
-              <a:t>　</a:t>
-            </a:r>
-            <a:r>
-              <a:rPr lang="en-US" altLang="ja-JP" dirty="0"/>
-              <a:t>【</a:t>
-            </a:r>
-            <a:r>
-              <a:rPr lang="ja-JP" altLang="en-US" dirty="0"/>
-              <a:t>官庁総合運用テスト支援ツール</a:t>
-            </a:r>
-            <a:r>
-              <a:rPr lang="en-US" altLang="ja-JP" dirty="0"/>
-              <a:t>】</a:t>
-            </a:r>
+              <a:rPr lang="ja-JP" altLang="en-US" b="1" dirty="0" smtClean="0">
+                <a:solidFill>
+                  <a:srgbClr val="FF0000"/>
+                </a:solidFill>
+                <a:latin typeface="+mj-ea"/>
+                <a:ea typeface="+mj-ea"/>
+              </a:rPr>
+              <a:t>パートナーさんがメールなどがないので、</a:t>
+            </a:r>
+            <a:r>
+              <a:rPr lang="en-US" altLang="ja-JP" b="1" dirty="0" smtClean="0">
+                <a:solidFill>
+                  <a:srgbClr val="FF0000"/>
+                </a:solidFill>
+                <a:latin typeface="+mj-ea"/>
+                <a:ea typeface="+mj-ea"/>
+              </a:rPr>
+              <a:t>WeChat</a:t>
+            </a:r>
+            <a:r>
+              <a:rPr lang="ja-JP" altLang="en-US" b="1" dirty="0" smtClean="0">
+                <a:solidFill>
+                  <a:srgbClr val="FF0000"/>
+                </a:solidFill>
+                <a:latin typeface="+mj-ea"/>
+                <a:ea typeface="+mj-ea"/>
+              </a:rPr>
+              <a:t>などを活用し、コミュニケーションを取った。</a:t>
+            </a:r>
+            <a:endParaRPr lang="en-US" altLang="ja-JP" b="1" dirty="0" smtClean="0">
+              <a:solidFill>
+                <a:srgbClr val="FF0000"/>
+              </a:solidFill>
+              <a:latin typeface="+mj-ea"/>
+              <a:ea typeface="+mj-ea"/>
+            </a:endParaRPr>
           </a:p>
           <a:p>
             <a:r>
-              <a:rPr lang="ja-JP" altLang="en-US" dirty="0"/>
-              <a:t>　　</a:t>
-            </a:r>
-            <a:r>
-              <a:rPr lang="ja-JP" altLang="en-US" dirty="0" smtClean="0"/>
-              <a:t>○顧客</a:t>
-            </a:r>
-            <a:r>
-              <a:rPr lang="ja-JP" altLang="en-US" dirty="0"/>
-              <a:t>と</a:t>
-            </a:r>
-            <a:r>
-              <a:rPr lang="ja-JP" altLang="en-US" dirty="0" smtClean="0"/>
-              <a:t>作業スケジュール調整</a:t>
-            </a:r>
-            <a:endParaRPr lang="en-US" altLang="ja-JP" dirty="0" smtClean="0"/>
+              <a:rPr lang="ja-JP" altLang="en-US" b="1" dirty="0" smtClean="0">
+                <a:solidFill>
+                  <a:srgbClr val="FF0000"/>
+                </a:solidFill>
+                <a:latin typeface="+mj-ea"/>
+                <a:ea typeface="+mj-ea"/>
+              </a:rPr>
+              <a:t>成果物をこちらで最終的にチェックと整理し、顧客に出した。</a:t>
+            </a:r>
+            <a:endParaRPr lang="en-US" altLang="ja-JP" b="1" dirty="0" smtClean="0">
+              <a:solidFill>
+                <a:srgbClr val="FF0000"/>
+              </a:solidFill>
+              <a:latin typeface="+mj-ea"/>
+              <a:ea typeface="+mj-ea"/>
+            </a:endParaRPr>
           </a:p>
           <a:p>
             <a:r>
-              <a:rPr lang="ja-JP" altLang="en-US" dirty="0"/>
-              <a:t>　</a:t>
-            </a:r>
-            <a:r>
-              <a:rPr lang="ja-JP" altLang="en-US" dirty="0" smtClean="0"/>
-              <a:t>　○顧客と仕様調整</a:t>
-            </a:r>
-            <a:endParaRPr lang="en-US" altLang="ja-JP" dirty="0"/>
+              <a:rPr lang="ja-JP" altLang="en-US" b="1" dirty="0" smtClean="0">
+                <a:solidFill>
+                  <a:srgbClr val="FF0000"/>
+                </a:solidFill>
+                <a:latin typeface="+mj-ea"/>
+                <a:ea typeface="+mj-ea"/>
+              </a:rPr>
+              <a:t>現場の作業をしながら、頭を切り替えながら、社内の開発作業を管理した。</a:t>
+            </a:r>
+            <a:endParaRPr lang="en-US" altLang="ja-JP" b="1" dirty="0" smtClean="0">
+              <a:solidFill>
+                <a:srgbClr val="FF0000"/>
+              </a:solidFill>
+              <a:latin typeface="+mj-ea"/>
+              <a:ea typeface="+mj-ea"/>
+            </a:endParaRPr>
           </a:p>
           <a:p>
-            <a:r>
-              <a:rPr lang="ja-JP" altLang="en-US" dirty="0"/>
-              <a:t>　　</a:t>
-            </a:r>
-            <a:r>
-              <a:rPr lang="ja-JP" altLang="en-US" dirty="0" smtClean="0"/>
-              <a:t>○社内</a:t>
-            </a:r>
-            <a:r>
-              <a:rPr lang="ja-JP" altLang="en-US" dirty="0"/>
-              <a:t>開発メンバの</a:t>
-            </a:r>
-            <a:r>
-              <a:rPr lang="ja-JP" altLang="en-US" dirty="0" smtClean="0"/>
-              <a:t>管理とフォロー</a:t>
-            </a:r>
-            <a:endParaRPr lang="en-US" altLang="ja-JP" dirty="0" smtClean="0"/>
+            <a:endParaRPr lang="en-US" altLang="ja-JP" b="1" dirty="0">
+              <a:solidFill>
+                <a:srgbClr val="FF0000"/>
+              </a:solidFill>
+              <a:latin typeface="+mj-ea"/>
+              <a:ea typeface="+mj-ea"/>
+            </a:endParaRPr>
           </a:p>
           <a:p>
-            <a:r>
-              <a:rPr lang="ja-JP" altLang="en-US" dirty="0"/>
-              <a:t>　</a:t>
-            </a:r>
-            <a:r>
-              <a:rPr lang="ja-JP" altLang="en-US" dirty="0" smtClean="0"/>
-              <a:t>　　・作業スケジュール管理</a:t>
-            </a:r>
-            <a:endParaRPr lang="en-US" altLang="ja-JP" dirty="0" smtClean="0"/>
+            <a:endParaRPr lang="en-US" altLang="ja-JP" b="1" dirty="0" smtClean="0">
+              <a:solidFill>
+                <a:srgbClr val="FF0000"/>
+              </a:solidFill>
+              <a:latin typeface="+mj-ea"/>
+              <a:ea typeface="+mj-ea"/>
+            </a:endParaRPr>
           </a:p>
           <a:p>
-            <a:r>
-              <a:rPr lang="ja-JP" altLang="en-US" dirty="0"/>
-              <a:t>　</a:t>
-            </a:r>
-            <a:r>
-              <a:rPr lang="ja-JP" altLang="en-US" dirty="0" smtClean="0"/>
-              <a:t>　　・作業の配分</a:t>
-            </a:r>
-            <a:endParaRPr lang="en-US" altLang="ja-JP" dirty="0" smtClean="0"/>
+            <a:endParaRPr lang="en-US" altLang="ja-JP" b="1" dirty="0" smtClean="0">
+              <a:solidFill>
+                <a:srgbClr val="FF0000"/>
+              </a:solidFill>
+              <a:latin typeface="+mj-ea"/>
+              <a:ea typeface="+mj-ea"/>
+            </a:endParaRPr>
           </a:p>
           <a:p>
-            <a:r>
-              <a:rPr lang="ja-JP" altLang="en-US" dirty="0"/>
-              <a:t>　</a:t>
-            </a:r>
-            <a:r>
-              <a:rPr lang="ja-JP" altLang="en-US" dirty="0" smtClean="0"/>
-              <a:t>　　・技術、仕様フォロー</a:t>
-            </a:r>
-            <a:endParaRPr lang="ja-JP" altLang="en-US" dirty="0"/>
+            <a:endParaRPr lang="en-US" altLang="ja-JP" b="1" dirty="0" smtClean="0">
+              <a:solidFill>
+                <a:srgbClr val="FF0000"/>
+              </a:solidFill>
+              <a:latin typeface="+mj-ea"/>
+              <a:ea typeface="+mj-ea"/>
+            </a:endParaRPr>
           </a:p>
           <a:p>
-            <a:endParaRPr kumimoji="1" lang="ja-JP" altLang="en-US" dirty="0"/>
+            <a:endParaRPr lang="en-US" altLang="ja-JP" b="1" dirty="0" smtClean="0">
+              <a:solidFill>
+                <a:srgbClr val="FF0000"/>
+              </a:solidFill>
+              <a:latin typeface="+mj-ea"/>
+              <a:ea typeface="+mj-ea"/>
+            </a:endParaRPr>
+          </a:p>
+          <a:p>
+            <a:endParaRPr lang="en-US" altLang="ja-JP" b="1" dirty="0" smtClean="0">
+              <a:solidFill>
+                <a:srgbClr val="FF0000"/>
+              </a:solidFill>
+              <a:latin typeface="+mj-ea"/>
+              <a:ea typeface="+mj-ea"/>
+            </a:endParaRPr>
+          </a:p>
+          <a:p>
+            <a:endParaRPr lang="en-US" altLang="ja-JP" b="1" dirty="0" smtClean="0">
+              <a:solidFill>
+                <a:srgbClr val="FF0000"/>
+              </a:solidFill>
+              <a:latin typeface="+mj-ea"/>
+              <a:ea typeface="+mj-ea"/>
+            </a:endParaRPr>
           </a:p>
         </p:txBody>
       </p:sp>
     </p:spTree>
     <p:extLst>
       <p:ext uri="{BB962C8B-B14F-4D97-AF65-F5344CB8AC3E}">
-        <p14:creationId xmlns:p14="http://schemas.microsoft.com/office/powerpoint/2010/main" val="2250337169"/>
+        <p14:creationId xmlns:p14="http://schemas.microsoft.com/office/powerpoint/2010/main" val="3094297179"/>
       </p:ext>
     </p:extLst>
   </p:cSld>
@@ -5900,7 +7623,19 @@
           <a:p>
             <a:r>
               <a:rPr kumimoji="1" lang="ja-JP" altLang="en-US" dirty="0" smtClean="0"/>
-              <a:t>・リーダーシップを発揮し、団結、即戦力ありのチームを作って、現場開拓に注力する。</a:t>
+              <a:t>・</a:t>
+            </a:r>
+            <a:r>
+              <a:rPr kumimoji="1" lang="en-US" altLang="ja-JP" dirty="0" smtClean="0"/>
+              <a:t>CRM</a:t>
+            </a:r>
+            <a:r>
+              <a:rPr kumimoji="1" lang="ja-JP" altLang="en-US" dirty="0" smtClean="0"/>
+              <a:t>や請負兼務でリーダーシップ</a:t>
+            </a:r>
+            <a:r>
+              <a:rPr kumimoji="1" lang="ja-JP" altLang="en-US" dirty="0" smtClean="0"/>
+              <a:t>を発揮し、団結、即戦力ありのチームを作って、現場開拓に注力する。</a:t>
             </a:r>
             <a:endParaRPr kumimoji="1" lang="en-US" altLang="ja-JP" dirty="0" smtClean="0"/>
           </a:p>
@@ -7138,7 +8873,7 @@
           <p:cNvPr id="4" name="Group 293">
             <a:extLst>
               <a:ext uri="{FF2B5EF4-FFF2-40B4-BE49-F238E27FC236}">
-                <a16:creationId xmlns="" xmlns:a16="http://schemas.microsoft.com/office/drawing/2014/main" id="{FFC370BA-08BF-4CCE-A67B-D347FD899DBA}"/>
+                <a16:creationId xmlns:a16="http://schemas.microsoft.com/office/drawing/2014/main" xmlns="" id="{FFC370BA-08BF-4CCE-A67B-D347FD899DBA}"/>
               </a:ext>
             </a:extLst>
           </p:cNvPr>
@@ -7160,7 +8895,7 @@
             <p:cNvPr id="5" name="Oval 50">
               <a:extLst>
                 <a:ext uri="{FF2B5EF4-FFF2-40B4-BE49-F238E27FC236}">
-                  <a16:creationId xmlns="" xmlns:a16="http://schemas.microsoft.com/office/drawing/2014/main" id="{A9838AB5-C094-4377-A802-21CD3E317274}"/>
+                  <a16:creationId xmlns:a16="http://schemas.microsoft.com/office/drawing/2014/main" xmlns="" id="{A9838AB5-C094-4377-A802-21CD3E317274}"/>
                 </a:ext>
               </a:extLst>
             </p:cNvPr>
@@ -7219,7 +8954,7 @@
             <p:cNvPr id="6" name="Oval 51">
               <a:extLst>
                 <a:ext uri="{FF2B5EF4-FFF2-40B4-BE49-F238E27FC236}">
-                  <a16:creationId xmlns="" xmlns:a16="http://schemas.microsoft.com/office/drawing/2014/main" id="{DD6D435C-0F60-4629-BD94-54821F2DE884}"/>
+                  <a16:creationId xmlns:a16="http://schemas.microsoft.com/office/drawing/2014/main" xmlns="" id="{DD6D435C-0F60-4629-BD94-54821F2DE884}"/>
                 </a:ext>
               </a:extLst>
             </p:cNvPr>
@@ -7292,7 +9027,7 @@
             <p:cNvPr id="7" name="Oval 52">
               <a:extLst>
                 <a:ext uri="{FF2B5EF4-FFF2-40B4-BE49-F238E27FC236}">
-                  <a16:creationId xmlns="" xmlns:a16="http://schemas.microsoft.com/office/drawing/2014/main" id="{2FF6B54B-606C-4B88-AD79-E1531E472EED}"/>
+                  <a16:creationId xmlns:a16="http://schemas.microsoft.com/office/drawing/2014/main" xmlns="" id="{2FF6B54B-606C-4B88-AD79-E1531E472EED}"/>
                 </a:ext>
               </a:extLst>
             </p:cNvPr>
@@ -7368,7 +9103,7 @@
             <p:cNvPr id="8" name="Freeform 54">
               <a:extLst>
                 <a:ext uri="{FF2B5EF4-FFF2-40B4-BE49-F238E27FC236}">
-                  <a16:creationId xmlns="" xmlns:a16="http://schemas.microsoft.com/office/drawing/2014/main" id="{11B4C9EE-AFBE-4B95-89C4-2D73C9A5311C}"/>
+                  <a16:creationId xmlns:a16="http://schemas.microsoft.com/office/drawing/2014/main" xmlns="" id="{11B4C9EE-AFBE-4B95-89C4-2D73C9A5311C}"/>
                 </a:ext>
               </a:extLst>
             </p:cNvPr>
@@ -7543,7 +9278,7 @@
             <p:cNvPr id="9" name="Freeform 55">
               <a:extLst>
                 <a:ext uri="{FF2B5EF4-FFF2-40B4-BE49-F238E27FC236}">
-                  <a16:creationId xmlns="" xmlns:a16="http://schemas.microsoft.com/office/drawing/2014/main" id="{61FD8900-59DC-4DF8-9E0F-FA65E3D087D7}"/>
+                  <a16:creationId xmlns:a16="http://schemas.microsoft.com/office/drawing/2014/main" xmlns="" id="{61FD8900-59DC-4DF8-9E0F-FA65E3D087D7}"/>
                 </a:ext>
               </a:extLst>
             </p:cNvPr>
@@ -7718,7 +9453,7 @@
             <p:cNvPr id="10" name="AutoShape 59">
               <a:extLst>
                 <a:ext uri="{FF2B5EF4-FFF2-40B4-BE49-F238E27FC236}">
-                  <a16:creationId xmlns="" xmlns:a16="http://schemas.microsoft.com/office/drawing/2014/main" id="{8725B85B-EFDB-41AA-BF87-5BA5E80973EF}"/>
+                  <a16:creationId xmlns:a16="http://schemas.microsoft.com/office/drawing/2014/main" xmlns="" id="{8725B85B-EFDB-41AA-BF87-5BA5E80973EF}"/>
                 </a:ext>
               </a:extLst>
             </p:cNvPr>
@@ -7780,7 +9515,7 @@
           <p:cNvPr id="11" name="Group 296">
             <a:extLst>
               <a:ext uri="{FF2B5EF4-FFF2-40B4-BE49-F238E27FC236}">
-                <a16:creationId xmlns="" xmlns:a16="http://schemas.microsoft.com/office/drawing/2014/main" id="{3842FC64-AB39-42D7-A48C-0FE49F99806C}"/>
+                <a16:creationId xmlns:a16="http://schemas.microsoft.com/office/drawing/2014/main" xmlns="" id="{3842FC64-AB39-42D7-A48C-0FE49F99806C}"/>
               </a:ext>
             </a:extLst>
           </p:cNvPr>
@@ -7802,7 +9537,7 @@
             <p:cNvPr id="12" name="Oval 2">
               <a:extLst>
                 <a:ext uri="{FF2B5EF4-FFF2-40B4-BE49-F238E27FC236}">
-                  <a16:creationId xmlns="" xmlns:a16="http://schemas.microsoft.com/office/drawing/2014/main" id="{9267EE0A-4BA4-4E94-8745-FFA9A06F71A9}"/>
+                  <a16:creationId xmlns:a16="http://schemas.microsoft.com/office/drawing/2014/main" xmlns="" id="{9267EE0A-4BA4-4E94-8745-FFA9A06F71A9}"/>
                 </a:ext>
               </a:extLst>
             </p:cNvPr>
@@ -7861,7 +9596,7 @@
             <p:cNvPr id="13" name="Oval 19">
               <a:extLst>
                 <a:ext uri="{FF2B5EF4-FFF2-40B4-BE49-F238E27FC236}">
-                  <a16:creationId xmlns="" xmlns:a16="http://schemas.microsoft.com/office/drawing/2014/main" id="{CC91C93B-224E-47BB-A4B4-F39EF6BD8070}"/>
+                  <a16:creationId xmlns:a16="http://schemas.microsoft.com/office/drawing/2014/main" xmlns="" id="{CC91C93B-224E-47BB-A4B4-F39EF6BD8070}"/>
                 </a:ext>
               </a:extLst>
             </p:cNvPr>
@@ -7934,7 +9669,7 @@
             <p:cNvPr id="14" name="Oval 20">
               <a:extLst>
                 <a:ext uri="{FF2B5EF4-FFF2-40B4-BE49-F238E27FC236}">
-                  <a16:creationId xmlns="" xmlns:a16="http://schemas.microsoft.com/office/drawing/2014/main" id="{9BD5F5FE-EFD9-4804-9B3B-C6D91AFF363C}"/>
+                  <a16:creationId xmlns:a16="http://schemas.microsoft.com/office/drawing/2014/main" xmlns="" id="{9BD5F5FE-EFD9-4804-9B3B-C6D91AFF363C}"/>
                 </a:ext>
               </a:extLst>
             </p:cNvPr>
@@ -8010,7 +9745,7 @@
             <p:cNvPr id="15" name="Group 21">
               <a:extLst>
                 <a:ext uri="{FF2B5EF4-FFF2-40B4-BE49-F238E27FC236}">
-                  <a16:creationId xmlns="" xmlns:a16="http://schemas.microsoft.com/office/drawing/2014/main" id="{7DB5FE9B-6714-4B4D-AB94-45F20F7D5C8E}"/>
+                  <a16:creationId xmlns:a16="http://schemas.microsoft.com/office/drawing/2014/main" xmlns="" id="{7DB5FE9B-6714-4B4D-AB94-45F20F7D5C8E}"/>
                 </a:ext>
               </a:extLst>
             </p:cNvPr>
@@ -8032,7 +9767,7 @@
               <p:cNvPr id="18" name="AutoShape 22">
                 <a:extLst>
                   <a:ext uri="{FF2B5EF4-FFF2-40B4-BE49-F238E27FC236}">
-                    <a16:creationId xmlns="" xmlns:a16="http://schemas.microsoft.com/office/drawing/2014/main" id="{4E5DF4CC-2B73-45EA-B083-30A68ED1FA2A}"/>
+                    <a16:creationId xmlns:a16="http://schemas.microsoft.com/office/drawing/2014/main" xmlns="" id="{4E5DF4CC-2B73-45EA-B083-30A68ED1FA2A}"/>
                   </a:ext>
                 </a:extLst>
               </p:cNvPr>
@@ -8101,7 +9836,7 @@
               <p:cNvPr id="19" name="Freeform 23">
                 <a:extLst>
                   <a:ext uri="{FF2B5EF4-FFF2-40B4-BE49-F238E27FC236}">
-                    <a16:creationId xmlns="" xmlns:a16="http://schemas.microsoft.com/office/drawing/2014/main" id="{A03184C6-4DC0-40F9-A025-A1F34226A187}"/>
+                    <a16:creationId xmlns:a16="http://schemas.microsoft.com/office/drawing/2014/main" xmlns="" id="{A03184C6-4DC0-40F9-A025-A1F34226A187}"/>
                   </a:ext>
                 </a:extLst>
               </p:cNvPr>
@@ -8233,7 +9968,7 @@
             <p:cNvPr id="16" name="AutoShape 36">
               <a:extLst>
                 <a:ext uri="{FF2B5EF4-FFF2-40B4-BE49-F238E27FC236}">
-                  <a16:creationId xmlns="" xmlns:a16="http://schemas.microsoft.com/office/drawing/2014/main" id="{C65C2922-0F06-4601-991B-D9188A55C388}"/>
+                  <a16:creationId xmlns:a16="http://schemas.microsoft.com/office/drawing/2014/main" xmlns="" id="{C65C2922-0F06-4601-991B-D9188A55C388}"/>
                 </a:ext>
               </a:extLst>
             </p:cNvPr>
@@ -8408,7 +10143,7 @@
             <p:cNvPr id="17" name="AutoShape 37">
               <a:extLst>
                 <a:ext uri="{FF2B5EF4-FFF2-40B4-BE49-F238E27FC236}">
-                  <a16:creationId xmlns="" xmlns:a16="http://schemas.microsoft.com/office/drawing/2014/main" id="{9028FBF9-F253-4134-8311-3707C3C5DB2F}"/>
+                  <a16:creationId xmlns:a16="http://schemas.microsoft.com/office/drawing/2014/main" xmlns="" id="{9028FBF9-F253-4134-8311-3707C3C5DB2F}"/>
                 </a:ext>
               </a:extLst>
             </p:cNvPr>
@@ -8670,17 +10405,7 @@
                 <a:latin typeface="+mj-ea"/>
                 <a:ea typeface="+mj-ea"/>
               </a:rPr>
-              <a:t>会社</a:t>
-            </a:r>
-            <a:r>
-              <a:rPr kumimoji="1" lang="ja-JP" altLang="en-US" b="1" dirty="0" smtClean="0">
-                <a:solidFill>
-                  <a:srgbClr val="FF0000"/>
-                </a:solidFill>
-                <a:latin typeface="+mj-ea"/>
-                <a:ea typeface="+mj-ea"/>
-              </a:rPr>
-              <a:t>の飲み会</a:t>
+              <a:t>会社の飲み会</a:t>
             </a:r>
             <a:endParaRPr kumimoji="1" lang="en-US" altLang="ja-JP" b="1" dirty="0" smtClean="0">
               <a:solidFill>
@@ -8703,7 +10428,7 @@
                 <a:latin typeface="+mj-ea"/>
                 <a:ea typeface="+mj-ea"/>
               </a:rPr>
-              <a:t>アジャイル</a:t>
+              <a:t>アジャイル開発社内</a:t>
             </a:r>
             <a:r>
               <a:rPr lang="ja-JP" altLang="en-US" b="1" dirty="0" smtClean="0">
@@ -8713,7 +10438,7 @@
                 <a:latin typeface="+mj-ea"/>
                 <a:ea typeface="+mj-ea"/>
               </a:rPr>
-              <a:t>社内研修</a:t>
+              <a:t>研修</a:t>
             </a:r>
             <a:endParaRPr lang="en-US" altLang="ja-JP" b="1" dirty="0" smtClean="0">
               <a:solidFill>
@@ -8759,17 +10484,7 @@
                 <a:latin typeface="+mj-ea"/>
                 <a:ea typeface="+mj-ea"/>
               </a:rPr>
-              <a:t>第二</a:t>
-            </a:r>
-            <a:r>
-              <a:rPr lang="ja-JP" altLang="en-US" b="1" dirty="0" smtClean="0">
-                <a:solidFill>
-                  <a:srgbClr val="FF0000"/>
-                </a:solidFill>
-                <a:latin typeface="+mj-ea"/>
-                <a:ea typeface="+mj-ea"/>
-              </a:rPr>
-              <a:t>シス部会（司会）</a:t>
+              <a:t>第二シス部会（司会）</a:t>
             </a:r>
             <a:endParaRPr kumimoji="1" lang="ja-JP" altLang="en-US" b="1" dirty="0">
               <a:solidFill>
@@ -8907,7 +10622,7 @@
           <p:cNvPr id="4" name="Group 293">
             <a:extLst>
               <a:ext uri="{FF2B5EF4-FFF2-40B4-BE49-F238E27FC236}">
-                <a16:creationId xmlns="" xmlns:a16="http://schemas.microsoft.com/office/drawing/2014/main" id="{FFC370BA-08BF-4CCE-A67B-D347FD899DBA}"/>
+                <a16:creationId xmlns:a16="http://schemas.microsoft.com/office/drawing/2014/main" xmlns="" id="{FFC370BA-08BF-4CCE-A67B-D347FD899DBA}"/>
               </a:ext>
             </a:extLst>
           </p:cNvPr>
@@ -8929,7 +10644,7 @@
             <p:cNvPr id="5" name="Oval 50">
               <a:extLst>
                 <a:ext uri="{FF2B5EF4-FFF2-40B4-BE49-F238E27FC236}">
-                  <a16:creationId xmlns="" xmlns:a16="http://schemas.microsoft.com/office/drawing/2014/main" id="{A9838AB5-C094-4377-A802-21CD3E317274}"/>
+                  <a16:creationId xmlns:a16="http://schemas.microsoft.com/office/drawing/2014/main" xmlns="" id="{A9838AB5-C094-4377-A802-21CD3E317274}"/>
                 </a:ext>
               </a:extLst>
             </p:cNvPr>
@@ -8988,7 +10703,7 @@
             <p:cNvPr id="6" name="Oval 51">
               <a:extLst>
                 <a:ext uri="{FF2B5EF4-FFF2-40B4-BE49-F238E27FC236}">
-                  <a16:creationId xmlns="" xmlns:a16="http://schemas.microsoft.com/office/drawing/2014/main" id="{DD6D435C-0F60-4629-BD94-54821F2DE884}"/>
+                  <a16:creationId xmlns:a16="http://schemas.microsoft.com/office/drawing/2014/main" xmlns="" id="{DD6D435C-0F60-4629-BD94-54821F2DE884}"/>
                 </a:ext>
               </a:extLst>
             </p:cNvPr>
@@ -9061,7 +10776,7 @@
             <p:cNvPr id="7" name="Oval 52">
               <a:extLst>
                 <a:ext uri="{FF2B5EF4-FFF2-40B4-BE49-F238E27FC236}">
-                  <a16:creationId xmlns="" xmlns:a16="http://schemas.microsoft.com/office/drawing/2014/main" id="{2FF6B54B-606C-4B88-AD79-E1531E472EED}"/>
+                  <a16:creationId xmlns:a16="http://schemas.microsoft.com/office/drawing/2014/main" xmlns="" id="{2FF6B54B-606C-4B88-AD79-E1531E472EED}"/>
                 </a:ext>
               </a:extLst>
             </p:cNvPr>
@@ -9137,7 +10852,7 @@
             <p:cNvPr id="8" name="Freeform 54">
               <a:extLst>
                 <a:ext uri="{FF2B5EF4-FFF2-40B4-BE49-F238E27FC236}">
-                  <a16:creationId xmlns="" xmlns:a16="http://schemas.microsoft.com/office/drawing/2014/main" id="{11B4C9EE-AFBE-4B95-89C4-2D73C9A5311C}"/>
+                  <a16:creationId xmlns:a16="http://schemas.microsoft.com/office/drawing/2014/main" xmlns="" id="{11B4C9EE-AFBE-4B95-89C4-2D73C9A5311C}"/>
                 </a:ext>
               </a:extLst>
             </p:cNvPr>
@@ -9312,7 +11027,7 @@
             <p:cNvPr id="9" name="Freeform 55">
               <a:extLst>
                 <a:ext uri="{FF2B5EF4-FFF2-40B4-BE49-F238E27FC236}">
-                  <a16:creationId xmlns="" xmlns:a16="http://schemas.microsoft.com/office/drawing/2014/main" id="{61FD8900-59DC-4DF8-9E0F-FA65E3D087D7}"/>
+                  <a16:creationId xmlns:a16="http://schemas.microsoft.com/office/drawing/2014/main" xmlns="" id="{61FD8900-59DC-4DF8-9E0F-FA65E3D087D7}"/>
                 </a:ext>
               </a:extLst>
             </p:cNvPr>
@@ -9487,7 +11202,7 @@
             <p:cNvPr id="10" name="AutoShape 59">
               <a:extLst>
                 <a:ext uri="{FF2B5EF4-FFF2-40B4-BE49-F238E27FC236}">
-                  <a16:creationId xmlns="" xmlns:a16="http://schemas.microsoft.com/office/drawing/2014/main" id="{8725B85B-EFDB-41AA-BF87-5BA5E80973EF}"/>
+                  <a16:creationId xmlns:a16="http://schemas.microsoft.com/office/drawing/2014/main" xmlns="" id="{8725B85B-EFDB-41AA-BF87-5BA5E80973EF}"/>
                 </a:ext>
               </a:extLst>
             </p:cNvPr>
@@ -9549,7 +11264,7 @@
           <p:cNvPr id="11" name="Group 296">
             <a:extLst>
               <a:ext uri="{FF2B5EF4-FFF2-40B4-BE49-F238E27FC236}">
-                <a16:creationId xmlns="" xmlns:a16="http://schemas.microsoft.com/office/drawing/2014/main" id="{3842FC64-AB39-42D7-A48C-0FE49F99806C}"/>
+                <a16:creationId xmlns:a16="http://schemas.microsoft.com/office/drawing/2014/main" xmlns="" id="{3842FC64-AB39-42D7-A48C-0FE49F99806C}"/>
               </a:ext>
             </a:extLst>
           </p:cNvPr>
@@ -9571,7 +11286,7 @@
             <p:cNvPr id="12" name="Oval 2">
               <a:extLst>
                 <a:ext uri="{FF2B5EF4-FFF2-40B4-BE49-F238E27FC236}">
-                  <a16:creationId xmlns="" xmlns:a16="http://schemas.microsoft.com/office/drawing/2014/main" id="{9267EE0A-4BA4-4E94-8745-FFA9A06F71A9}"/>
+                  <a16:creationId xmlns:a16="http://schemas.microsoft.com/office/drawing/2014/main" xmlns="" id="{9267EE0A-4BA4-4E94-8745-FFA9A06F71A9}"/>
                 </a:ext>
               </a:extLst>
             </p:cNvPr>
@@ -9630,7 +11345,7 @@
             <p:cNvPr id="13" name="Oval 19">
               <a:extLst>
                 <a:ext uri="{FF2B5EF4-FFF2-40B4-BE49-F238E27FC236}">
-                  <a16:creationId xmlns="" xmlns:a16="http://schemas.microsoft.com/office/drawing/2014/main" id="{CC91C93B-224E-47BB-A4B4-F39EF6BD8070}"/>
+                  <a16:creationId xmlns:a16="http://schemas.microsoft.com/office/drawing/2014/main" xmlns="" id="{CC91C93B-224E-47BB-A4B4-F39EF6BD8070}"/>
                 </a:ext>
               </a:extLst>
             </p:cNvPr>
@@ -9703,7 +11418,7 @@
             <p:cNvPr id="14" name="Oval 20">
               <a:extLst>
                 <a:ext uri="{FF2B5EF4-FFF2-40B4-BE49-F238E27FC236}">
-                  <a16:creationId xmlns="" xmlns:a16="http://schemas.microsoft.com/office/drawing/2014/main" id="{9BD5F5FE-EFD9-4804-9B3B-C6D91AFF363C}"/>
+                  <a16:creationId xmlns:a16="http://schemas.microsoft.com/office/drawing/2014/main" xmlns="" id="{9BD5F5FE-EFD9-4804-9B3B-C6D91AFF363C}"/>
                 </a:ext>
               </a:extLst>
             </p:cNvPr>
@@ -9779,7 +11494,7 @@
             <p:cNvPr id="15" name="Group 21">
               <a:extLst>
                 <a:ext uri="{FF2B5EF4-FFF2-40B4-BE49-F238E27FC236}">
-                  <a16:creationId xmlns="" xmlns:a16="http://schemas.microsoft.com/office/drawing/2014/main" id="{7DB5FE9B-6714-4B4D-AB94-45F20F7D5C8E}"/>
+                  <a16:creationId xmlns:a16="http://schemas.microsoft.com/office/drawing/2014/main" xmlns="" id="{7DB5FE9B-6714-4B4D-AB94-45F20F7D5C8E}"/>
                 </a:ext>
               </a:extLst>
             </p:cNvPr>
@@ -9801,7 +11516,7 @@
               <p:cNvPr id="18" name="AutoShape 22">
                 <a:extLst>
                   <a:ext uri="{FF2B5EF4-FFF2-40B4-BE49-F238E27FC236}">
-                    <a16:creationId xmlns="" xmlns:a16="http://schemas.microsoft.com/office/drawing/2014/main" id="{4E5DF4CC-2B73-45EA-B083-30A68ED1FA2A}"/>
+                    <a16:creationId xmlns:a16="http://schemas.microsoft.com/office/drawing/2014/main" xmlns="" id="{4E5DF4CC-2B73-45EA-B083-30A68ED1FA2A}"/>
                   </a:ext>
                 </a:extLst>
               </p:cNvPr>
@@ -9870,7 +11585,7 @@
               <p:cNvPr id="19" name="Freeform 23">
                 <a:extLst>
                   <a:ext uri="{FF2B5EF4-FFF2-40B4-BE49-F238E27FC236}">
-                    <a16:creationId xmlns="" xmlns:a16="http://schemas.microsoft.com/office/drawing/2014/main" id="{A03184C6-4DC0-40F9-A025-A1F34226A187}"/>
+                    <a16:creationId xmlns:a16="http://schemas.microsoft.com/office/drawing/2014/main" xmlns="" id="{A03184C6-4DC0-40F9-A025-A1F34226A187}"/>
                   </a:ext>
                 </a:extLst>
               </p:cNvPr>
@@ -10002,7 +11717,7 @@
             <p:cNvPr id="16" name="AutoShape 36">
               <a:extLst>
                 <a:ext uri="{FF2B5EF4-FFF2-40B4-BE49-F238E27FC236}">
-                  <a16:creationId xmlns="" xmlns:a16="http://schemas.microsoft.com/office/drawing/2014/main" id="{C65C2922-0F06-4601-991B-D9188A55C388}"/>
+                  <a16:creationId xmlns:a16="http://schemas.microsoft.com/office/drawing/2014/main" xmlns="" id="{C65C2922-0F06-4601-991B-D9188A55C388}"/>
                 </a:ext>
               </a:extLst>
             </p:cNvPr>
@@ -10177,7 +11892,7 @@
             <p:cNvPr id="17" name="AutoShape 37">
               <a:extLst>
                 <a:ext uri="{FF2B5EF4-FFF2-40B4-BE49-F238E27FC236}">
-                  <a16:creationId xmlns="" xmlns:a16="http://schemas.microsoft.com/office/drawing/2014/main" id="{9028FBF9-F253-4134-8311-3707C3C5DB2F}"/>
+                  <a16:creationId xmlns:a16="http://schemas.microsoft.com/office/drawing/2014/main" xmlns="" id="{9028FBF9-F253-4134-8311-3707C3C5DB2F}"/>
                 </a:ext>
               </a:extLst>
             </p:cNvPr>
@@ -10445,17 +12160,17 @@
                 <a:latin typeface="+mj-ea"/>
                 <a:ea typeface="+mj-ea"/>
               </a:rPr>
-              <a:t>自分の意見、アディアが積極的に言え</a:t>
-            </a:r>
-            <a:r>
-              <a:rPr lang="ja-JP" altLang="en-US" b="1" dirty="0">
+              <a:t>失敗を恐れず、自分</a:t>
+            </a:r>
+            <a:r>
+              <a:rPr kumimoji="1" lang="ja-JP" altLang="en-US" b="1" dirty="0" smtClean="0">
                 <a:solidFill>
                   <a:srgbClr val="FF0000"/>
                 </a:solidFill>
                 <a:latin typeface="+mj-ea"/>
                 <a:ea typeface="+mj-ea"/>
               </a:rPr>
-              <a:t>た</a:t>
+              <a:t>の意見、アディアが積極的に</a:t>
             </a:r>
             <a:r>
               <a:rPr kumimoji="1" lang="ja-JP" altLang="en-US" b="1" dirty="0" smtClean="0">
@@ -10465,7 +12180,7 @@
                 <a:latin typeface="+mj-ea"/>
                 <a:ea typeface="+mj-ea"/>
               </a:rPr>
-              <a:t>。</a:t>
+              <a:t>言った。</a:t>
             </a:r>
             <a:endParaRPr kumimoji="1" lang="en-US" altLang="ja-JP" b="1" dirty="0" smtClean="0">
               <a:solidFill>
@@ -10637,7 +12352,7 @@
           <p:cNvPr id="11" name="Group 296">
             <a:extLst>
               <a:ext uri="{FF2B5EF4-FFF2-40B4-BE49-F238E27FC236}">
-                <a16:creationId xmlns="" xmlns:a16="http://schemas.microsoft.com/office/drawing/2014/main" id="{3842FC64-AB39-42D7-A48C-0FE49F99806C}"/>
+                <a16:creationId xmlns:a16="http://schemas.microsoft.com/office/drawing/2014/main" xmlns="" id="{3842FC64-AB39-42D7-A48C-0FE49F99806C}"/>
               </a:ext>
             </a:extLst>
           </p:cNvPr>
@@ -10659,7 +12374,7 @@
             <p:cNvPr id="12" name="Oval 2">
               <a:extLst>
                 <a:ext uri="{FF2B5EF4-FFF2-40B4-BE49-F238E27FC236}">
-                  <a16:creationId xmlns="" xmlns:a16="http://schemas.microsoft.com/office/drawing/2014/main" id="{9267EE0A-4BA4-4E94-8745-FFA9A06F71A9}"/>
+                  <a16:creationId xmlns:a16="http://schemas.microsoft.com/office/drawing/2014/main" xmlns="" id="{9267EE0A-4BA4-4E94-8745-FFA9A06F71A9}"/>
                 </a:ext>
               </a:extLst>
             </p:cNvPr>
@@ -10718,7 +12433,7 @@
             <p:cNvPr id="13" name="Oval 19">
               <a:extLst>
                 <a:ext uri="{FF2B5EF4-FFF2-40B4-BE49-F238E27FC236}">
-                  <a16:creationId xmlns="" xmlns:a16="http://schemas.microsoft.com/office/drawing/2014/main" id="{CC91C93B-224E-47BB-A4B4-F39EF6BD8070}"/>
+                  <a16:creationId xmlns:a16="http://schemas.microsoft.com/office/drawing/2014/main" xmlns="" id="{CC91C93B-224E-47BB-A4B4-F39EF6BD8070}"/>
                 </a:ext>
               </a:extLst>
             </p:cNvPr>
@@ -10791,7 +12506,7 @@
             <p:cNvPr id="14" name="Oval 20">
               <a:extLst>
                 <a:ext uri="{FF2B5EF4-FFF2-40B4-BE49-F238E27FC236}">
-                  <a16:creationId xmlns="" xmlns:a16="http://schemas.microsoft.com/office/drawing/2014/main" id="{9BD5F5FE-EFD9-4804-9B3B-C6D91AFF363C}"/>
+                  <a16:creationId xmlns:a16="http://schemas.microsoft.com/office/drawing/2014/main" xmlns="" id="{9BD5F5FE-EFD9-4804-9B3B-C6D91AFF363C}"/>
                 </a:ext>
               </a:extLst>
             </p:cNvPr>
@@ -10867,7 +12582,7 @@
             <p:cNvPr id="15" name="Group 21">
               <a:extLst>
                 <a:ext uri="{FF2B5EF4-FFF2-40B4-BE49-F238E27FC236}">
-                  <a16:creationId xmlns="" xmlns:a16="http://schemas.microsoft.com/office/drawing/2014/main" id="{7DB5FE9B-6714-4B4D-AB94-45F20F7D5C8E}"/>
+                  <a16:creationId xmlns:a16="http://schemas.microsoft.com/office/drawing/2014/main" xmlns="" id="{7DB5FE9B-6714-4B4D-AB94-45F20F7D5C8E}"/>
                 </a:ext>
               </a:extLst>
             </p:cNvPr>
@@ -10889,7 +12604,7 @@
               <p:cNvPr id="18" name="AutoShape 22">
                 <a:extLst>
                   <a:ext uri="{FF2B5EF4-FFF2-40B4-BE49-F238E27FC236}">
-                    <a16:creationId xmlns="" xmlns:a16="http://schemas.microsoft.com/office/drawing/2014/main" id="{4E5DF4CC-2B73-45EA-B083-30A68ED1FA2A}"/>
+                    <a16:creationId xmlns:a16="http://schemas.microsoft.com/office/drawing/2014/main" xmlns="" id="{4E5DF4CC-2B73-45EA-B083-30A68ED1FA2A}"/>
                   </a:ext>
                 </a:extLst>
               </p:cNvPr>
@@ -10958,7 +12673,7 @@
               <p:cNvPr id="19" name="Freeform 23">
                 <a:extLst>
                   <a:ext uri="{FF2B5EF4-FFF2-40B4-BE49-F238E27FC236}">
-                    <a16:creationId xmlns="" xmlns:a16="http://schemas.microsoft.com/office/drawing/2014/main" id="{A03184C6-4DC0-40F9-A025-A1F34226A187}"/>
+                    <a16:creationId xmlns:a16="http://schemas.microsoft.com/office/drawing/2014/main" xmlns="" id="{A03184C6-4DC0-40F9-A025-A1F34226A187}"/>
                   </a:ext>
                 </a:extLst>
               </p:cNvPr>
@@ -11090,7 +12805,7 @@
             <p:cNvPr id="16" name="AutoShape 36">
               <a:extLst>
                 <a:ext uri="{FF2B5EF4-FFF2-40B4-BE49-F238E27FC236}">
-                  <a16:creationId xmlns="" xmlns:a16="http://schemas.microsoft.com/office/drawing/2014/main" id="{C65C2922-0F06-4601-991B-D9188A55C388}"/>
+                  <a16:creationId xmlns:a16="http://schemas.microsoft.com/office/drawing/2014/main" xmlns="" id="{C65C2922-0F06-4601-991B-D9188A55C388}"/>
                 </a:ext>
               </a:extLst>
             </p:cNvPr>
@@ -11265,7 +12980,7 @@
             <p:cNvPr id="17" name="AutoShape 37">
               <a:extLst>
                 <a:ext uri="{FF2B5EF4-FFF2-40B4-BE49-F238E27FC236}">
-                  <a16:creationId xmlns="" xmlns:a16="http://schemas.microsoft.com/office/drawing/2014/main" id="{9028FBF9-F253-4134-8311-3707C3C5DB2F}"/>
+                  <a16:creationId xmlns:a16="http://schemas.microsoft.com/office/drawing/2014/main" xmlns="" id="{9028FBF9-F253-4134-8311-3707C3C5DB2F}"/>
                 </a:ext>
               </a:extLst>
             </p:cNvPr>
@@ -11441,7 +13156,7 @@
           <p:cNvPr id="20" name="Group 293">
             <a:extLst>
               <a:ext uri="{FF2B5EF4-FFF2-40B4-BE49-F238E27FC236}">
-                <a16:creationId xmlns="" xmlns:a16="http://schemas.microsoft.com/office/drawing/2014/main" id="{FFC370BA-08BF-4CCE-A67B-D347FD899DBA}"/>
+                <a16:creationId xmlns:a16="http://schemas.microsoft.com/office/drawing/2014/main" xmlns="" id="{FFC370BA-08BF-4CCE-A67B-D347FD899DBA}"/>
               </a:ext>
             </a:extLst>
           </p:cNvPr>
@@ -11463,7 +13178,7 @@
             <p:cNvPr id="22" name="Oval 50">
               <a:extLst>
                 <a:ext uri="{FF2B5EF4-FFF2-40B4-BE49-F238E27FC236}">
-                  <a16:creationId xmlns="" xmlns:a16="http://schemas.microsoft.com/office/drawing/2014/main" id="{A9838AB5-C094-4377-A802-21CD3E317274}"/>
+                  <a16:creationId xmlns:a16="http://schemas.microsoft.com/office/drawing/2014/main" xmlns="" id="{A9838AB5-C094-4377-A802-21CD3E317274}"/>
                 </a:ext>
               </a:extLst>
             </p:cNvPr>
@@ -11522,7 +13237,7 @@
             <p:cNvPr id="23" name="Oval 51">
               <a:extLst>
                 <a:ext uri="{FF2B5EF4-FFF2-40B4-BE49-F238E27FC236}">
-                  <a16:creationId xmlns="" xmlns:a16="http://schemas.microsoft.com/office/drawing/2014/main" id="{DD6D435C-0F60-4629-BD94-54821F2DE884}"/>
+                  <a16:creationId xmlns:a16="http://schemas.microsoft.com/office/drawing/2014/main" xmlns="" id="{DD6D435C-0F60-4629-BD94-54821F2DE884}"/>
                 </a:ext>
               </a:extLst>
             </p:cNvPr>
@@ -11595,7 +13310,7 @@
             <p:cNvPr id="24" name="Oval 52">
               <a:extLst>
                 <a:ext uri="{FF2B5EF4-FFF2-40B4-BE49-F238E27FC236}">
-                  <a16:creationId xmlns="" xmlns:a16="http://schemas.microsoft.com/office/drawing/2014/main" id="{2FF6B54B-606C-4B88-AD79-E1531E472EED}"/>
+                  <a16:creationId xmlns:a16="http://schemas.microsoft.com/office/drawing/2014/main" xmlns="" id="{2FF6B54B-606C-4B88-AD79-E1531E472EED}"/>
                 </a:ext>
               </a:extLst>
             </p:cNvPr>
@@ -11671,7 +13386,7 @@
             <p:cNvPr id="25" name="Freeform 54">
               <a:extLst>
                 <a:ext uri="{FF2B5EF4-FFF2-40B4-BE49-F238E27FC236}">
-                  <a16:creationId xmlns="" xmlns:a16="http://schemas.microsoft.com/office/drawing/2014/main" id="{11B4C9EE-AFBE-4B95-89C4-2D73C9A5311C}"/>
+                  <a16:creationId xmlns:a16="http://schemas.microsoft.com/office/drawing/2014/main" xmlns="" id="{11B4C9EE-AFBE-4B95-89C4-2D73C9A5311C}"/>
                 </a:ext>
               </a:extLst>
             </p:cNvPr>
@@ -11846,7 +13561,7 @@
             <p:cNvPr id="26" name="Freeform 55">
               <a:extLst>
                 <a:ext uri="{FF2B5EF4-FFF2-40B4-BE49-F238E27FC236}">
-                  <a16:creationId xmlns="" xmlns:a16="http://schemas.microsoft.com/office/drawing/2014/main" id="{61FD8900-59DC-4DF8-9E0F-FA65E3D087D7}"/>
+                  <a16:creationId xmlns:a16="http://schemas.microsoft.com/office/drawing/2014/main" xmlns="" id="{61FD8900-59DC-4DF8-9E0F-FA65E3D087D7}"/>
                 </a:ext>
               </a:extLst>
             </p:cNvPr>
@@ -12021,7 +13736,7 @@
             <p:cNvPr id="27" name="AutoShape 59">
               <a:extLst>
                 <a:ext uri="{FF2B5EF4-FFF2-40B4-BE49-F238E27FC236}">
-                  <a16:creationId xmlns="" xmlns:a16="http://schemas.microsoft.com/office/drawing/2014/main" id="{8725B85B-EFDB-41AA-BF87-5BA5E80973EF}"/>
+                  <a16:creationId xmlns:a16="http://schemas.microsoft.com/office/drawing/2014/main" xmlns="" id="{8725B85B-EFDB-41AA-BF87-5BA5E80973EF}"/>
                 </a:ext>
               </a:extLst>
             </p:cNvPr>
@@ -12163,25 +13878,43 @@
                 </a:solidFill>
                 <a:latin typeface="+mj-ea"/>
               </a:rPr>
-              <a:t>自分から問題を発見し、ツールを作って、みんなを</a:t>
-            </a:r>
-            <a:r>
-              <a:rPr lang="ja-JP" altLang="en-US" b="1" dirty="0" err="1" smtClean="0">
+              <a:t>普段の仕事の中で、自らが問題や改善方法を</a:t>
+            </a:r>
+            <a:r>
+              <a:rPr lang="ja-JP" altLang="en-US" b="1" dirty="0" smtClean="0">
                 <a:solidFill>
                   <a:srgbClr val="FF0000"/>
                 </a:solidFill>
                 <a:latin typeface="+mj-ea"/>
               </a:rPr>
-              <a:t>楽させた</a:t>
-            </a:r>
-            <a:r>
-              <a:rPr lang="ja-JP" altLang="en-US" b="1" dirty="0">
+              <a:t>発見し、</a:t>
+            </a:r>
+            <a:r>
+              <a:rPr lang="ja-JP" altLang="en-US" b="1" dirty="0" smtClean="0">
                 <a:solidFill>
                   <a:srgbClr val="FF0000"/>
                 </a:solidFill>
                 <a:latin typeface="+mj-ea"/>
               </a:rPr>
-              <a:t>。</a:t>
+              <a:t>ツール</a:t>
+            </a:r>
+            <a:r>
+              <a:rPr lang="ja-JP" altLang="en-US" b="1" dirty="0" smtClean="0">
+                <a:solidFill>
+                  <a:srgbClr val="FF0000"/>
+                </a:solidFill>
+                <a:latin typeface="+mj-ea"/>
+              </a:rPr>
+              <a:t>化し</a:t>
+            </a:r>
+            <a:r>
+              <a:rPr lang="ja-JP" altLang="en-US" b="1" dirty="0" smtClean="0">
+                <a:solidFill>
+                  <a:srgbClr val="FF0000"/>
+                </a:solidFill>
+                <a:latin typeface="+mj-ea"/>
+              </a:rPr>
+              <a:t>、みんなに共有する。</a:t>
             </a:r>
             <a:endParaRPr lang="en-US" altLang="ja-JP" b="1" dirty="0">
               <a:solidFill>
@@ -12192,13 +13925,49 @@
           </a:p>
           <a:p>
             <a:r>
+              <a:rPr lang="ja-JP" altLang="en-US" b="1" dirty="0" smtClean="0">
+                <a:solidFill>
+                  <a:srgbClr val="FF0000"/>
+                </a:solidFill>
+                <a:latin typeface="+mj-ea"/>
+              </a:rPr>
+              <a:t>①集</a:t>
+            </a:r>
+            <a:r>
               <a:rPr lang="ja-JP" altLang="en-US" b="1" dirty="0">
                 <a:solidFill>
                   <a:srgbClr val="FF0000"/>
                 </a:solidFill>
                 <a:latin typeface="+mj-ea"/>
               </a:rPr>
-              <a:t>　事績：</a:t>
+              <a:t>信ファイル</a:t>
+            </a:r>
+            <a:r>
+              <a:rPr lang="ja-JP" altLang="en-US" b="1" dirty="0" smtClean="0">
+                <a:solidFill>
+                  <a:srgbClr val="FF0000"/>
+                </a:solidFill>
+                <a:latin typeface="+mj-ea"/>
+              </a:rPr>
+              <a:t>作成</a:t>
+            </a:r>
+            <a:r>
+              <a:rPr lang="ja-JP" altLang="en-US" b="1" dirty="0">
+                <a:solidFill>
+                  <a:srgbClr val="FF0000"/>
+                </a:solidFill>
+                <a:latin typeface="+mj-ea"/>
+              </a:rPr>
+              <a:t>ツール</a:t>
+            </a:r>
+            <a:r>
+              <a:rPr lang="en-US" altLang="ja-JP" b="1" dirty="0" smtClean="0">
+                <a:solidFill>
+                  <a:srgbClr val="FF0000"/>
+                </a:solidFill>
+                <a:latin typeface="+mj-ea"/>
+              </a:rPr>
+              <a:t>(Windows)</a:t>
             </a:r>
             <a:endParaRPr lang="en-US" altLang="ja-JP" b="1" dirty="0">
               <a:solidFill>
@@ -12209,13 +13978,40 @@
           </a:p>
           <a:p>
             <a:r>
+              <a:rPr lang="ja-JP" altLang="en-US" b="1" dirty="0" smtClean="0">
+                <a:solidFill>
+                  <a:srgbClr val="FF0000"/>
+                </a:solidFill>
+                <a:latin typeface="+mj-ea"/>
+              </a:rPr>
+              <a:t>②</a:t>
+            </a:r>
+            <a:r>
               <a:rPr lang="ja-JP" altLang="en-US" b="1" dirty="0">
                 <a:solidFill>
                   <a:srgbClr val="FF0000"/>
                 </a:solidFill>
                 <a:latin typeface="+mj-ea"/>
               </a:rPr>
-              <a:t>　 ①バッチ集信ファイル作成ツール</a:t>
+              <a:t>集計</a:t>
+            </a:r>
+            <a:r>
+              <a:rPr lang="ja-JP" altLang="en-US" b="1" dirty="0" smtClean="0">
+                <a:solidFill>
+                  <a:srgbClr val="FF0000"/>
+                </a:solidFill>
+                <a:latin typeface="+mj-ea"/>
+              </a:rPr>
+              <a:t>ツール</a:t>
+            </a:r>
+            <a:r>
+              <a:rPr lang="en-US" altLang="ja-JP" b="1" dirty="0" smtClean="0">
+                <a:solidFill>
+                  <a:srgbClr val="FF0000"/>
+                </a:solidFill>
+                <a:latin typeface="+mj-ea"/>
+              </a:rPr>
+              <a:t>(Linux)</a:t>
             </a:r>
             <a:endParaRPr lang="en-US" altLang="ja-JP" b="1" dirty="0">
               <a:solidFill>
@@ -12226,49 +14022,61 @@
           </a:p>
           <a:p>
             <a:r>
+              <a:rPr lang="ja-JP" altLang="en-US" b="1" dirty="0" smtClean="0">
+                <a:solidFill>
+                  <a:srgbClr val="FF0000"/>
+                </a:solidFill>
+                <a:latin typeface="+mj-ea"/>
+              </a:rPr>
+              <a:t>③メモリ</a:t>
+            </a:r>
+            <a:r>
               <a:rPr lang="ja-JP" altLang="en-US" b="1" dirty="0">
                 <a:solidFill>
                   <a:srgbClr val="FF0000"/>
                 </a:solidFill>
                 <a:latin typeface="+mj-ea"/>
               </a:rPr>
-              <a:t>　 ②集計ツール</a:t>
-            </a:r>
-            <a:endParaRPr lang="en-US" altLang="ja-JP" b="1" dirty="0">
-              <a:solidFill>
-                <a:srgbClr val="FF0000"/>
-              </a:solidFill>
-              <a:latin typeface="+mj-ea"/>
-            </a:endParaRPr>
+              <a:t>と</a:t>
+            </a:r>
+            <a:r>
+              <a:rPr lang="en-US" altLang="ja-JP" b="1" dirty="0">
+                <a:solidFill>
+                  <a:srgbClr val="FF0000"/>
+                </a:solidFill>
+                <a:latin typeface="+mj-ea"/>
+              </a:rPr>
+              <a:t>CPU</a:t>
+            </a:r>
+            <a:r>
+              <a:rPr lang="ja-JP" altLang="en-US" b="1" dirty="0">
+                <a:solidFill>
+                  <a:srgbClr val="FF0000"/>
+                </a:solidFill>
+                <a:latin typeface="+mj-ea"/>
+              </a:rPr>
+              <a:t>計測</a:t>
+            </a:r>
+            <a:r>
+              <a:rPr lang="ja-JP" altLang="en-US" b="1" dirty="0" smtClean="0">
+                <a:solidFill>
+                  <a:srgbClr val="FF0000"/>
+                </a:solidFill>
+                <a:latin typeface="+mj-ea"/>
+              </a:rPr>
+              <a:t>ツール</a:t>
+            </a:r>
+            <a:r>
+              <a:rPr lang="en-US" altLang="ja-JP" b="1" dirty="0" smtClean="0">
+                <a:solidFill>
+                  <a:srgbClr val="FF0000"/>
+                </a:solidFill>
+                <a:latin typeface="+mj-ea"/>
+              </a:rPr>
+              <a:t>(Linux)</a:t>
+            </a:r>
           </a:p>
           <a:p>
-            <a:r>
-              <a:rPr lang="ja-JP" altLang="en-US" b="1" dirty="0">
-                <a:solidFill>
-                  <a:srgbClr val="FF0000"/>
-                </a:solidFill>
-                <a:latin typeface="+mj-ea"/>
-              </a:rPr>
-              <a:t>　 ③性能測定メモリと</a:t>
-            </a:r>
-            <a:r>
-              <a:rPr lang="en-US" altLang="ja-JP" b="1" dirty="0">
-                <a:solidFill>
-                  <a:srgbClr val="FF0000"/>
-                </a:solidFill>
-                <a:latin typeface="+mj-ea"/>
-              </a:rPr>
-              <a:t>CPU</a:t>
-            </a:r>
-            <a:r>
-              <a:rPr lang="ja-JP" altLang="en-US" b="1" dirty="0">
-                <a:solidFill>
-                  <a:srgbClr val="FF0000"/>
-                </a:solidFill>
-                <a:latin typeface="+mj-ea"/>
-              </a:rPr>
-              <a:t>計測ツール</a:t>
-            </a:r>
             <a:endParaRPr lang="en-US" altLang="ja-JP" b="1" dirty="0">
               <a:solidFill>
                 <a:srgbClr val="FF0000"/>
@@ -12360,54 +14168,18 @@
           <a:lstStyle/>
           <a:p>
             <a:r>
-              <a:rPr lang="ja-JP" altLang="en-US" sz="2400" dirty="0">
-                <a:solidFill>
-                  <a:schemeClr val="accent6">
-                    <a:lumMod val="50000"/>
-                    <a:lumOff val="50000"/>
-                  </a:schemeClr>
-                </a:solidFill>
-                <a:latin typeface="+mn-ea"/>
-              </a:rPr>
-              <a:t>進化</a:t>
-            </a:r>
-            <a:r>
-              <a:rPr lang="ja-JP" altLang="en-US" sz="2400" dirty="0" smtClean="0">
-                <a:solidFill>
-                  <a:schemeClr val="accent6">
-                    <a:lumMod val="50000"/>
-                    <a:lumOff val="50000"/>
-                  </a:schemeClr>
-                </a:solidFill>
-                <a:latin typeface="+mn-ea"/>
-              </a:rPr>
-              <a:t>の自分</a:t>
-            </a:r>
-            <a:r>
-              <a:rPr lang="en-US" altLang="ja-JP" sz="2400" dirty="0" smtClean="0">
-                <a:solidFill>
-                  <a:schemeClr val="accent6">
-                    <a:lumMod val="50000"/>
-                    <a:lumOff val="50000"/>
-                  </a:schemeClr>
-                </a:solidFill>
-                <a:latin typeface="+mn-ea"/>
-              </a:rPr>
-              <a:t>-</a:t>
-            </a:r>
-            <a:r>
-              <a:rPr lang="ja-JP" altLang="en-US" sz="2400" dirty="0" smtClean="0">
-                <a:solidFill>
-                  <a:schemeClr val="accent6">
-                    <a:lumMod val="50000"/>
-                    <a:lumOff val="50000"/>
-                  </a:schemeClr>
-                </a:solidFill>
-                <a:latin typeface="+mn-ea"/>
-              </a:rPr>
-              <a:t>技術でみんながハッピー</a:t>
-            </a:r>
-            <a:endParaRPr kumimoji="1" lang="ja-JP" altLang="en-US" sz="2400" dirty="0"/>
+              <a:rPr kumimoji="1" lang="ja-JP" altLang="en-US" sz="2400" dirty="0" smtClean="0">
+                <a:solidFill>
+                  <a:srgbClr val="FF0000"/>
+                </a:solidFill>
+              </a:rPr>
+              <a:t>集信ファイル作成ツール</a:t>
+            </a:r>
+            <a:endParaRPr kumimoji="1" lang="ja-JP" altLang="en-US" sz="2400" dirty="0">
+              <a:solidFill>
+                <a:srgbClr val="FF0000"/>
+              </a:solidFill>
+            </a:endParaRPr>
           </a:p>
         </p:txBody>
       </p:sp>
@@ -12549,7 +14321,7 @@
           <p:cNvPr id="11" name="Group 296">
             <a:extLst>
               <a:ext uri="{FF2B5EF4-FFF2-40B4-BE49-F238E27FC236}">
-                <a16:creationId xmlns="" xmlns:a16="http://schemas.microsoft.com/office/drawing/2014/main" id="{3842FC64-AB39-42D7-A48C-0FE49F99806C}"/>
+                <a16:creationId xmlns:a16="http://schemas.microsoft.com/office/drawing/2014/main" xmlns="" id="{3842FC64-AB39-42D7-A48C-0FE49F99806C}"/>
               </a:ext>
             </a:extLst>
           </p:cNvPr>
@@ -12571,7 +14343,7 @@
             <p:cNvPr id="12" name="Oval 2">
               <a:extLst>
                 <a:ext uri="{FF2B5EF4-FFF2-40B4-BE49-F238E27FC236}">
-                  <a16:creationId xmlns="" xmlns:a16="http://schemas.microsoft.com/office/drawing/2014/main" id="{9267EE0A-4BA4-4E94-8745-FFA9A06F71A9}"/>
+                  <a16:creationId xmlns:a16="http://schemas.microsoft.com/office/drawing/2014/main" xmlns="" id="{9267EE0A-4BA4-4E94-8745-FFA9A06F71A9}"/>
                 </a:ext>
               </a:extLst>
             </p:cNvPr>
@@ -12630,7 +14402,7 @@
             <p:cNvPr id="13" name="Oval 19">
               <a:extLst>
                 <a:ext uri="{FF2B5EF4-FFF2-40B4-BE49-F238E27FC236}">
-                  <a16:creationId xmlns="" xmlns:a16="http://schemas.microsoft.com/office/drawing/2014/main" id="{CC91C93B-224E-47BB-A4B4-F39EF6BD8070}"/>
+                  <a16:creationId xmlns:a16="http://schemas.microsoft.com/office/drawing/2014/main" xmlns="" id="{CC91C93B-224E-47BB-A4B4-F39EF6BD8070}"/>
                 </a:ext>
               </a:extLst>
             </p:cNvPr>
@@ -12703,7 +14475,7 @@
             <p:cNvPr id="14" name="Oval 20">
               <a:extLst>
                 <a:ext uri="{FF2B5EF4-FFF2-40B4-BE49-F238E27FC236}">
-                  <a16:creationId xmlns="" xmlns:a16="http://schemas.microsoft.com/office/drawing/2014/main" id="{9BD5F5FE-EFD9-4804-9B3B-C6D91AFF363C}"/>
+                  <a16:creationId xmlns:a16="http://schemas.microsoft.com/office/drawing/2014/main" xmlns="" id="{9BD5F5FE-EFD9-4804-9B3B-C6D91AFF363C}"/>
                 </a:ext>
               </a:extLst>
             </p:cNvPr>
@@ -12779,7 +14551,7 @@
             <p:cNvPr id="15" name="Group 21">
               <a:extLst>
                 <a:ext uri="{FF2B5EF4-FFF2-40B4-BE49-F238E27FC236}">
-                  <a16:creationId xmlns="" xmlns:a16="http://schemas.microsoft.com/office/drawing/2014/main" id="{7DB5FE9B-6714-4B4D-AB94-45F20F7D5C8E}"/>
+                  <a16:creationId xmlns:a16="http://schemas.microsoft.com/office/drawing/2014/main" xmlns="" id="{7DB5FE9B-6714-4B4D-AB94-45F20F7D5C8E}"/>
                 </a:ext>
               </a:extLst>
             </p:cNvPr>
@@ -12801,7 +14573,7 @@
               <p:cNvPr id="18" name="AutoShape 22">
                 <a:extLst>
                   <a:ext uri="{FF2B5EF4-FFF2-40B4-BE49-F238E27FC236}">
-                    <a16:creationId xmlns="" xmlns:a16="http://schemas.microsoft.com/office/drawing/2014/main" id="{4E5DF4CC-2B73-45EA-B083-30A68ED1FA2A}"/>
+                    <a16:creationId xmlns:a16="http://schemas.microsoft.com/office/drawing/2014/main" xmlns="" id="{4E5DF4CC-2B73-45EA-B083-30A68ED1FA2A}"/>
                   </a:ext>
                 </a:extLst>
               </p:cNvPr>
@@ -12870,7 +14642,7 @@
               <p:cNvPr id="19" name="Freeform 23">
                 <a:extLst>
                   <a:ext uri="{FF2B5EF4-FFF2-40B4-BE49-F238E27FC236}">
-                    <a16:creationId xmlns="" xmlns:a16="http://schemas.microsoft.com/office/drawing/2014/main" id="{A03184C6-4DC0-40F9-A025-A1F34226A187}"/>
+                    <a16:creationId xmlns:a16="http://schemas.microsoft.com/office/drawing/2014/main" xmlns="" id="{A03184C6-4DC0-40F9-A025-A1F34226A187}"/>
                   </a:ext>
                 </a:extLst>
               </p:cNvPr>
@@ -13002,7 +14774,7 @@
             <p:cNvPr id="16" name="AutoShape 36">
               <a:extLst>
                 <a:ext uri="{FF2B5EF4-FFF2-40B4-BE49-F238E27FC236}">
-                  <a16:creationId xmlns="" xmlns:a16="http://schemas.microsoft.com/office/drawing/2014/main" id="{C65C2922-0F06-4601-991B-D9188A55C388}"/>
+                  <a16:creationId xmlns:a16="http://schemas.microsoft.com/office/drawing/2014/main" xmlns="" id="{C65C2922-0F06-4601-991B-D9188A55C388}"/>
                 </a:ext>
               </a:extLst>
             </p:cNvPr>
@@ -13177,7 +14949,7 @@
             <p:cNvPr id="17" name="AutoShape 37">
               <a:extLst>
                 <a:ext uri="{FF2B5EF4-FFF2-40B4-BE49-F238E27FC236}">
-                  <a16:creationId xmlns="" xmlns:a16="http://schemas.microsoft.com/office/drawing/2014/main" id="{9028FBF9-F253-4134-8311-3707C3C5DB2F}"/>
+                  <a16:creationId xmlns:a16="http://schemas.microsoft.com/office/drawing/2014/main" xmlns="" id="{9028FBF9-F253-4134-8311-3707C3C5DB2F}"/>
                 </a:ext>
               </a:extLst>
             </p:cNvPr>
@@ -13505,17 +15277,7 @@
                 <a:latin typeface="+mj-ea"/>
                 <a:ea typeface="+mj-ea"/>
               </a:rPr>
-              <a:t>バッチ</a:t>
-            </a:r>
-            <a:r>
-              <a:rPr lang="ja-JP" altLang="en-US" b="1" dirty="0" smtClean="0">
-                <a:solidFill>
-                  <a:srgbClr val="FF0000"/>
-                </a:solidFill>
-                <a:latin typeface="+mj-ea"/>
-                <a:ea typeface="+mj-ea"/>
-              </a:rPr>
-              <a:t>開発フル対応</a:t>
+              <a:t>バッチ開発フル対応</a:t>
             </a:r>
             <a:endParaRPr lang="en-US" altLang="ja-JP" b="1" dirty="0" smtClean="0">
               <a:solidFill>
@@ -13555,7 +15317,7 @@
           <p:cNvPr id="20" name="Group 293">
             <a:extLst>
               <a:ext uri="{FF2B5EF4-FFF2-40B4-BE49-F238E27FC236}">
-                <a16:creationId xmlns="" xmlns:a16="http://schemas.microsoft.com/office/drawing/2014/main" id="{FFC370BA-08BF-4CCE-A67B-D347FD899DBA}"/>
+                <a16:creationId xmlns:a16="http://schemas.microsoft.com/office/drawing/2014/main" xmlns="" id="{FFC370BA-08BF-4CCE-A67B-D347FD899DBA}"/>
               </a:ext>
             </a:extLst>
           </p:cNvPr>
@@ -13577,7 +15339,7 @@
             <p:cNvPr id="22" name="Oval 50">
               <a:extLst>
                 <a:ext uri="{FF2B5EF4-FFF2-40B4-BE49-F238E27FC236}">
-                  <a16:creationId xmlns="" xmlns:a16="http://schemas.microsoft.com/office/drawing/2014/main" id="{A9838AB5-C094-4377-A802-21CD3E317274}"/>
+                  <a16:creationId xmlns:a16="http://schemas.microsoft.com/office/drawing/2014/main" xmlns="" id="{A9838AB5-C094-4377-A802-21CD3E317274}"/>
                 </a:ext>
               </a:extLst>
             </p:cNvPr>
@@ -13636,7 +15398,7 @@
             <p:cNvPr id="23" name="Oval 51">
               <a:extLst>
                 <a:ext uri="{FF2B5EF4-FFF2-40B4-BE49-F238E27FC236}">
-                  <a16:creationId xmlns="" xmlns:a16="http://schemas.microsoft.com/office/drawing/2014/main" id="{DD6D435C-0F60-4629-BD94-54821F2DE884}"/>
+                  <a16:creationId xmlns:a16="http://schemas.microsoft.com/office/drawing/2014/main" xmlns="" id="{DD6D435C-0F60-4629-BD94-54821F2DE884}"/>
                 </a:ext>
               </a:extLst>
             </p:cNvPr>
@@ -13709,7 +15471,7 @@
             <p:cNvPr id="24" name="Oval 52">
               <a:extLst>
                 <a:ext uri="{FF2B5EF4-FFF2-40B4-BE49-F238E27FC236}">
-                  <a16:creationId xmlns="" xmlns:a16="http://schemas.microsoft.com/office/drawing/2014/main" id="{2FF6B54B-606C-4B88-AD79-E1531E472EED}"/>
+                  <a16:creationId xmlns:a16="http://schemas.microsoft.com/office/drawing/2014/main" xmlns="" id="{2FF6B54B-606C-4B88-AD79-E1531E472EED}"/>
                 </a:ext>
               </a:extLst>
             </p:cNvPr>
@@ -13785,7 +15547,7 @@
             <p:cNvPr id="25" name="Freeform 54">
               <a:extLst>
                 <a:ext uri="{FF2B5EF4-FFF2-40B4-BE49-F238E27FC236}">
-                  <a16:creationId xmlns="" xmlns:a16="http://schemas.microsoft.com/office/drawing/2014/main" id="{11B4C9EE-AFBE-4B95-89C4-2D73C9A5311C}"/>
+                  <a16:creationId xmlns:a16="http://schemas.microsoft.com/office/drawing/2014/main" xmlns="" id="{11B4C9EE-AFBE-4B95-89C4-2D73C9A5311C}"/>
                 </a:ext>
               </a:extLst>
             </p:cNvPr>
@@ -13960,7 +15722,7 @@
             <p:cNvPr id="26" name="Freeform 55">
               <a:extLst>
                 <a:ext uri="{FF2B5EF4-FFF2-40B4-BE49-F238E27FC236}">
-                  <a16:creationId xmlns="" xmlns:a16="http://schemas.microsoft.com/office/drawing/2014/main" id="{61FD8900-59DC-4DF8-9E0F-FA65E3D087D7}"/>
+                  <a16:creationId xmlns:a16="http://schemas.microsoft.com/office/drawing/2014/main" xmlns="" id="{61FD8900-59DC-4DF8-9E0F-FA65E3D087D7}"/>
                 </a:ext>
               </a:extLst>
             </p:cNvPr>
@@ -14135,7 +15897,7 @@
             <p:cNvPr id="27" name="AutoShape 59">
               <a:extLst>
                 <a:ext uri="{FF2B5EF4-FFF2-40B4-BE49-F238E27FC236}">
-                  <a16:creationId xmlns="" xmlns:a16="http://schemas.microsoft.com/office/drawing/2014/main" id="{8725B85B-EFDB-41AA-BF87-5BA5E80973EF}"/>
+                  <a16:creationId xmlns:a16="http://schemas.microsoft.com/office/drawing/2014/main" xmlns="" id="{8725B85B-EFDB-41AA-BF87-5BA5E80973EF}"/>
                 </a:ext>
               </a:extLst>
             </p:cNvPr>
@@ -14352,7 +16114,7 @@
           <p:cNvPr id="11" name="Group 296">
             <a:extLst>
               <a:ext uri="{FF2B5EF4-FFF2-40B4-BE49-F238E27FC236}">
-                <a16:creationId xmlns="" xmlns:a16="http://schemas.microsoft.com/office/drawing/2014/main" id="{3842FC64-AB39-42D7-A48C-0FE49F99806C}"/>
+                <a16:creationId xmlns:a16="http://schemas.microsoft.com/office/drawing/2014/main" xmlns="" id="{3842FC64-AB39-42D7-A48C-0FE49F99806C}"/>
               </a:ext>
             </a:extLst>
           </p:cNvPr>
@@ -14363,7 +16125,7 @@
         </p:nvGrpSpPr>
         <p:grpSpPr bwMode="auto">
           <a:xfrm>
-            <a:off x="1254710" y="2163149"/>
+            <a:off x="1241892" y="1056394"/>
             <a:ext cx="788463" cy="755574"/>
             <a:chOff x="336" y="601"/>
             <a:chExt cx="850" cy="850"/>
@@ -14374,7 +16136,7 @@
             <p:cNvPr id="12" name="Oval 2">
               <a:extLst>
                 <a:ext uri="{FF2B5EF4-FFF2-40B4-BE49-F238E27FC236}">
-                  <a16:creationId xmlns="" xmlns:a16="http://schemas.microsoft.com/office/drawing/2014/main" id="{9267EE0A-4BA4-4E94-8745-FFA9A06F71A9}"/>
+                  <a16:creationId xmlns:a16="http://schemas.microsoft.com/office/drawing/2014/main" xmlns="" id="{9267EE0A-4BA4-4E94-8745-FFA9A06F71A9}"/>
                 </a:ext>
               </a:extLst>
             </p:cNvPr>
@@ -14433,7 +16195,7 @@
             <p:cNvPr id="13" name="Oval 19">
               <a:extLst>
                 <a:ext uri="{FF2B5EF4-FFF2-40B4-BE49-F238E27FC236}">
-                  <a16:creationId xmlns="" xmlns:a16="http://schemas.microsoft.com/office/drawing/2014/main" id="{CC91C93B-224E-47BB-A4B4-F39EF6BD8070}"/>
+                  <a16:creationId xmlns:a16="http://schemas.microsoft.com/office/drawing/2014/main" xmlns="" id="{CC91C93B-224E-47BB-A4B4-F39EF6BD8070}"/>
                 </a:ext>
               </a:extLst>
             </p:cNvPr>
@@ -14506,7 +16268,7 @@
             <p:cNvPr id="14" name="Oval 20">
               <a:extLst>
                 <a:ext uri="{FF2B5EF4-FFF2-40B4-BE49-F238E27FC236}">
-                  <a16:creationId xmlns="" xmlns:a16="http://schemas.microsoft.com/office/drawing/2014/main" id="{9BD5F5FE-EFD9-4804-9B3B-C6D91AFF363C}"/>
+                  <a16:creationId xmlns:a16="http://schemas.microsoft.com/office/drawing/2014/main" xmlns="" id="{9BD5F5FE-EFD9-4804-9B3B-C6D91AFF363C}"/>
                 </a:ext>
               </a:extLst>
             </p:cNvPr>
@@ -14582,7 +16344,7 @@
             <p:cNvPr id="15" name="Group 21">
               <a:extLst>
                 <a:ext uri="{FF2B5EF4-FFF2-40B4-BE49-F238E27FC236}">
-                  <a16:creationId xmlns="" xmlns:a16="http://schemas.microsoft.com/office/drawing/2014/main" id="{7DB5FE9B-6714-4B4D-AB94-45F20F7D5C8E}"/>
+                  <a16:creationId xmlns:a16="http://schemas.microsoft.com/office/drawing/2014/main" xmlns="" id="{7DB5FE9B-6714-4B4D-AB94-45F20F7D5C8E}"/>
                 </a:ext>
               </a:extLst>
             </p:cNvPr>
@@ -14604,7 +16366,7 @@
               <p:cNvPr id="18" name="AutoShape 22">
                 <a:extLst>
                   <a:ext uri="{FF2B5EF4-FFF2-40B4-BE49-F238E27FC236}">
-                    <a16:creationId xmlns="" xmlns:a16="http://schemas.microsoft.com/office/drawing/2014/main" id="{4E5DF4CC-2B73-45EA-B083-30A68ED1FA2A}"/>
+                    <a16:creationId xmlns:a16="http://schemas.microsoft.com/office/drawing/2014/main" xmlns="" id="{4E5DF4CC-2B73-45EA-B083-30A68ED1FA2A}"/>
                   </a:ext>
                 </a:extLst>
               </p:cNvPr>
@@ -14673,7 +16435,7 @@
               <p:cNvPr id="19" name="Freeform 23">
                 <a:extLst>
                   <a:ext uri="{FF2B5EF4-FFF2-40B4-BE49-F238E27FC236}">
-                    <a16:creationId xmlns="" xmlns:a16="http://schemas.microsoft.com/office/drawing/2014/main" id="{A03184C6-4DC0-40F9-A025-A1F34226A187}"/>
+                    <a16:creationId xmlns:a16="http://schemas.microsoft.com/office/drawing/2014/main" xmlns="" id="{A03184C6-4DC0-40F9-A025-A1F34226A187}"/>
                   </a:ext>
                 </a:extLst>
               </p:cNvPr>
@@ -14805,7 +16567,7 @@
             <p:cNvPr id="16" name="AutoShape 36">
               <a:extLst>
                 <a:ext uri="{FF2B5EF4-FFF2-40B4-BE49-F238E27FC236}">
-                  <a16:creationId xmlns="" xmlns:a16="http://schemas.microsoft.com/office/drawing/2014/main" id="{C65C2922-0F06-4601-991B-D9188A55C388}"/>
+                  <a16:creationId xmlns:a16="http://schemas.microsoft.com/office/drawing/2014/main" xmlns="" id="{C65C2922-0F06-4601-991B-D9188A55C388}"/>
                 </a:ext>
               </a:extLst>
             </p:cNvPr>
@@ -14980,7 +16742,7 @@
             <p:cNvPr id="17" name="AutoShape 37">
               <a:extLst>
                 <a:ext uri="{FF2B5EF4-FFF2-40B4-BE49-F238E27FC236}">
-                  <a16:creationId xmlns="" xmlns:a16="http://schemas.microsoft.com/office/drawing/2014/main" id="{9028FBF9-F253-4134-8311-3707C3C5DB2F}"/>
+                  <a16:creationId xmlns:a16="http://schemas.microsoft.com/office/drawing/2014/main" xmlns="" id="{9028FBF9-F253-4134-8311-3707C3C5DB2F}"/>
                 </a:ext>
               </a:extLst>
             </p:cNvPr>
@@ -15159,7 +16921,7 @@
         </p:nvSpPr>
         <p:spPr bwMode="auto">
           <a:xfrm>
-            <a:off x="2378788" y="2119747"/>
+            <a:off x="2378788" y="993206"/>
             <a:ext cx="4261005" cy="2670463"/>
           </a:xfrm>
           <a:prstGeom prst="rect">
@@ -15347,6 +17109,45 @@
                 <a:latin typeface="+mj-ea"/>
                 <a:ea typeface="+mj-ea"/>
               </a:rPr>
+              <a:t>   </a:t>
+            </a:r>
+            <a:r>
+              <a:rPr lang="ja-JP" altLang="en-US" b="1" dirty="0" smtClean="0">
+                <a:solidFill>
+                  <a:srgbClr val="FF0000"/>
+                </a:solidFill>
+                <a:latin typeface="+mj-ea"/>
+                <a:ea typeface="+mj-ea"/>
+              </a:rPr>
+              <a:t>・性能改善</a:t>
+            </a:r>
+            <a:endParaRPr lang="en-US" altLang="ja-JP" b="1" dirty="0" smtClean="0">
+              <a:solidFill>
+                <a:srgbClr val="FF0000"/>
+              </a:solidFill>
+              <a:latin typeface="+mj-ea"/>
+              <a:ea typeface="+mj-ea"/>
+            </a:endParaRPr>
+          </a:p>
+          <a:p>
+            <a:r>
+              <a:rPr lang="en-US" altLang="ja-JP" b="1" dirty="0">
+                <a:solidFill>
+                  <a:srgbClr val="FF0000"/>
+                </a:solidFill>
+                <a:latin typeface="+mj-ea"/>
+                <a:ea typeface="+mj-ea"/>
+              </a:rPr>
+              <a:t> </a:t>
+            </a:r>
+            <a:r>
+              <a:rPr lang="en-US" altLang="ja-JP" b="1" dirty="0" smtClean="0">
+                <a:solidFill>
+                  <a:srgbClr val="FF0000"/>
+                </a:solidFill>
+                <a:latin typeface="+mj-ea"/>
+                <a:ea typeface="+mj-ea"/>
+              </a:rPr>
               <a:t>    </a:t>
             </a:r>
             <a:r>
@@ -15421,708 +17222,6 @@
               <a:solidFill>
                 <a:srgbClr val="FF0000"/>
               </a:solidFill>
-              <a:latin typeface="+mj-ea"/>
-              <a:ea typeface="+mj-ea"/>
-            </a:endParaRPr>
-          </a:p>
-        </p:txBody>
-      </p:sp>
-      <p:grpSp>
-        <p:nvGrpSpPr>
-          <p:cNvPr id="20" name="Group 293">
-            <a:extLst>
-              <a:ext uri="{FF2B5EF4-FFF2-40B4-BE49-F238E27FC236}">
-                <a16:creationId xmlns="" xmlns:a16="http://schemas.microsoft.com/office/drawing/2014/main" id="{FFC370BA-08BF-4CCE-A67B-D347FD899DBA}"/>
-              </a:ext>
-            </a:extLst>
-          </p:cNvPr>
-          <p:cNvGrpSpPr>
-            <a:grpSpLocks/>
-          </p:cNvGrpSpPr>
-          <p:nvPr/>
-        </p:nvGrpSpPr>
-        <p:grpSpPr bwMode="auto">
-          <a:xfrm>
-            <a:off x="1268158" y="984000"/>
-            <a:ext cx="758259" cy="758259"/>
-            <a:chOff x="5037" y="618"/>
-            <a:chExt cx="850" cy="850"/>
-          </a:xfrm>
-        </p:grpSpPr>
-        <p:sp>
-          <p:nvSpPr>
-            <p:cNvPr id="22" name="Oval 50">
-              <a:extLst>
-                <a:ext uri="{FF2B5EF4-FFF2-40B4-BE49-F238E27FC236}">
-                  <a16:creationId xmlns="" xmlns:a16="http://schemas.microsoft.com/office/drawing/2014/main" id="{A9838AB5-C094-4377-A802-21CD3E317274}"/>
-                </a:ext>
-              </a:extLst>
-            </p:cNvPr>
-            <p:cNvSpPr>
-              <a:spLocks noChangeArrowheads="1"/>
-            </p:cNvSpPr>
-            <p:nvPr/>
-          </p:nvSpPr>
-          <p:spPr bwMode="auto">
-            <a:xfrm>
-              <a:off x="5037" y="618"/>
-              <a:ext cx="850" cy="850"/>
-            </a:xfrm>
-            <a:prstGeom prst="ellipse">
-              <a:avLst/>
-            </a:prstGeom>
-            <a:solidFill>
-              <a:srgbClr val="333333"/>
-            </a:solidFill>
-            <a:ln>
-              <a:noFill/>
-            </a:ln>
-            <a:effectLst/>
-            <a:extLst>
-              <a:ext uri="{91240B29-F687-4F45-9708-019B960494DF}">
-                <a14:hiddenLine xmlns:a14="http://schemas.microsoft.com/office/drawing/2010/main" w="38100">
-                  <a:solidFill>
-                    <a:srgbClr val="333333"/>
-                  </a:solidFill>
-                  <a:round/>
-                  <a:headEnd/>
-                  <a:tailEnd/>
-                </a14:hiddenLine>
-              </a:ext>
-              <a:ext uri="{AF507438-7753-43E0-B8FC-AC1667EBCBE1}">
-                <a14:hiddenEffects xmlns:a14="http://schemas.microsoft.com/office/drawing/2010/main">
-                  <a:effectLst>
-                    <a:outerShdw dist="35921" dir="2700000" algn="ctr" rotWithShape="0">
-                      <a:schemeClr val="bg2"/>
-                    </a:outerShdw>
-                  </a:effectLst>
-                </a14:hiddenEffects>
-              </a:ext>
-            </a:extLst>
-          </p:spPr>
-          <p:txBody>
-            <a:bodyPr wrap="none" anchor="ctr"/>
-            <a:lstStyle/>
-            <a:p>
-              <a:endParaRPr lang="ja-JP" altLang="en-US"/>
-            </a:p>
-          </p:txBody>
-        </p:sp>
-        <p:sp>
-          <p:nvSpPr>
-            <p:cNvPr id="23" name="Oval 51">
-              <a:extLst>
-                <a:ext uri="{FF2B5EF4-FFF2-40B4-BE49-F238E27FC236}">
-                  <a16:creationId xmlns="" xmlns:a16="http://schemas.microsoft.com/office/drawing/2014/main" id="{DD6D435C-0F60-4629-BD94-54821F2DE884}"/>
-                </a:ext>
-              </a:extLst>
-            </p:cNvPr>
-            <p:cNvSpPr>
-              <a:spLocks noChangeArrowheads="1"/>
-            </p:cNvSpPr>
-            <p:nvPr/>
-          </p:nvSpPr>
-          <p:spPr bwMode="auto">
-            <a:xfrm>
-              <a:off x="5054" y="635"/>
-              <a:ext cx="817" cy="817"/>
-            </a:xfrm>
-            <a:prstGeom prst="ellipse">
-              <a:avLst/>
-            </a:prstGeom>
-            <a:gradFill rotWithShape="1">
-              <a:gsLst>
-                <a:gs pos="0">
-                  <a:srgbClr val="CC0099">
-                    <a:gamma/>
-                    <a:tint val="60392"/>
-                    <a:invGamma/>
-                  </a:srgbClr>
-                </a:gs>
-                <a:gs pos="100000">
-                  <a:srgbClr val="CC0099"/>
-                </a:gs>
-              </a:gsLst>
-              <a:path path="shape">
-                <a:fillToRect l="50000" t="50000" r="50000" b="50000"/>
-              </a:path>
-            </a:gradFill>
-            <a:ln>
-              <a:noFill/>
-            </a:ln>
-            <a:effectLst/>
-            <a:extLst>
-              <a:ext uri="{91240B29-F687-4F45-9708-019B960494DF}">
-                <a14:hiddenLine xmlns:a14="http://schemas.microsoft.com/office/drawing/2010/main" w="9525">
-                  <a:solidFill>
-                    <a:srgbClr val="FF0000"/>
-                  </a:solidFill>
-                  <a:round/>
-                  <a:headEnd/>
-                  <a:tailEnd/>
-                </a14:hiddenLine>
-              </a:ext>
-              <a:ext uri="{AF507438-7753-43E0-B8FC-AC1667EBCBE1}">
-                <a14:hiddenEffects xmlns:a14="http://schemas.microsoft.com/office/drawing/2010/main">
-                  <a:effectLst>
-                    <a:outerShdw dist="35921" dir="2700000" algn="ctr" rotWithShape="0">
-                      <a:schemeClr val="bg2"/>
-                    </a:outerShdw>
-                  </a:effectLst>
-                </a14:hiddenEffects>
-              </a:ext>
-            </a:extLst>
-          </p:spPr>
-          <p:txBody>
-            <a:bodyPr wrap="none" anchor="ctr"/>
-            <a:lstStyle/>
-            <a:p>
-              <a:endParaRPr lang="ja-JP" altLang="en-US"/>
-            </a:p>
-          </p:txBody>
-        </p:sp>
-        <p:sp>
-          <p:nvSpPr>
-            <p:cNvPr id="24" name="Oval 52">
-              <a:extLst>
-                <a:ext uri="{FF2B5EF4-FFF2-40B4-BE49-F238E27FC236}">
-                  <a16:creationId xmlns="" xmlns:a16="http://schemas.microsoft.com/office/drawing/2014/main" id="{2FF6B54B-606C-4B88-AD79-E1531E472EED}"/>
-                </a:ext>
-              </a:extLst>
-            </p:cNvPr>
-            <p:cNvSpPr>
-              <a:spLocks noChangeArrowheads="1"/>
-            </p:cNvSpPr>
-            <p:nvPr/>
-          </p:nvSpPr>
-          <p:spPr bwMode="auto">
-            <a:xfrm>
-              <a:off x="5326" y="680"/>
-              <a:ext cx="454" cy="454"/>
-            </a:xfrm>
-            <a:prstGeom prst="ellipse">
-              <a:avLst/>
-            </a:prstGeom>
-            <a:gradFill rotWithShape="1">
-              <a:gsLst>
-                <a:gs pos="0">
-                  <a:schemeClr val="bg1">
-                    <a:alpha val="60001"/>
-                  </a:schemeClr>
-                </a:gs>
-                <a:gs pos="100000">
-                  <a:schemeClr val="bg1">
-                    <a:gamma/>
-                    <a:shade val="46275"/>
-                    <a:invGamma/>
-                    <a:alpha val="0"/>
-                  </a:schemeClr>
-                </a:gs>
-              </a:gsLst>
-              <a:path path="shape">
-                <a:fillToRect l="50000" t="50000" r="50000" b="50000"/>
-              </a:path>
-            </a:gradFill>
-            <a:ln>
-              <a:noFill/>
-            </a:ln>
-            <a:effectLst/>
-            <a:extLst>
-              <a:ext uri="{91240B29-F687-4F45-9708-019B960494DF}">
-                <a14:hiddenLine xmlns:a14="http://schemas.microsoft.com/office/drawing/2010/main" w="9525">
-                  <a:solidFill>
-                    <a:srgbClr val="FF0000"/>
-                  </a:solidFill>
-                  <a:round/>
-                  <a:headEnd/>
-                  <a:tailEnd/>
-                </a14:hiddenLine>
-              </a:ext>
-              <a:ext uri="{AF507438-7753-43E0-B8FC-AC1667EBCBE1}">
-                <a14:hiddenEffects xmlns:a14="http://schemas.microsoft.com/office/drawing/2010/main">
-                  <a:effectLst>
-                    <a:outerShdw dist="35921" dir="2700000" algn="ctr" rotWithShape="0">
-                      <a:schemeClr val="bg2"/>
-                    </a:outerShdw>
-                  </a:effectLst>
-                </a14:hiddenEffects>
-              </a:ext>
-            </a:extLst>
-          </p:spPr>
-          <p:txBody>
-            <a:bodyPr wrap="none" anchor="ctr"/>
-            <a:lstStyle/>
-            <a:p>
-              <a:endParaRPr lang="ja-JP" altLang="en-US"/>
-            </a:p>
-          </p:txBody>
-        </p:sp>
-        <p:sp>
-          <p:nvSpPr>
-            <p:cNvPr id="25" name="Freeform 54">
-              <a:extLst>
-                <a:ext uri="{FF2B5EF4-FFF2-40B4-BE49-F238E27FC236}">
-                  <a16:creationId xmlns="" xmlns:a16="http://schemas.microsoft.com/office/drawing/2014/main" id="{11B4C9EE-AFBE-4B95-89C4-2D73C9A5311C}"/>
-                </a:ext>
-              </a:extLst>
-            </p:cNvPr>
-            <p:cNvSpPr>
-              <a:spLocks/>
-            </p:cNvSpPr>
-            <p:nvPr/>
-          </p:nvSpPr>
-          <p:spPr bwMode="auto">
-            <a:xfrm rot="2700000">
-              <a:off x="5207" y="935"/>
-              <a:ext cx="182" cy="182"/>
-            </a:xfrm>
-            <a:custGeom>
-              <a:avLst/>
-              <a:gdLst>
-                <a:gd name="T0" fmla="*/ 272 w 726"/>
-                <a:gd name="T1" fmla="*/ 0 h 726"/>
-                <a:gd name="T2" fmla="*/ 272 w 726"/>
-                <a:gd name="T3" fmla="*/ 272 h 726"/>
-                <a:gd name="T4" fmla="*/ 0 w 726"/>
-                <a:gd name="T5" fmla="*/ 272 h 726"/>
-                <a:gd name="T6" fmla="*/ 0 w 726"/>
-                <a:gd name="T7" fmla="*/ 453 h 726"/>
-                <a:gd name="T8" fmla="*/ 272 w 726"/>
-                <a:gd name="T9" fmla="*/ 453 h 726"/>
-                <a:gd name="T10" fmla="*/ 272 w 726"/>
-                <a:gd name="T11" fmla="*/ 726 h 726"/>
-                <a:gd name="T12" fmla="*/ 454 w 726"/>
-                <a:gd name="T13" fmla="*/ 726 h 726"/>
-                <a:gd name="T14" fmla="*/ 454 w 726"/>
-                <a:gd name="T15" fmla="*/ 453 h 726"/>
-                <a:gd name="T16" fmla="*/ 726 w 726"/>
-                <a:gd name="T17" fmla="*/ 453 h 726"/>
-                <a:gd name="T18" fmla="*/ 726 w 726"/>
-                <a:gd name="T19" fmla="*/ 272 h 726"/>
-                <a:gd name="T20" fmla="*/ 454 w 726"/>
-                <a:gd name="T21" fmla="*/ 272 h 726"/>
-                <a:gd name="T22" fmla="*/ 454 w 726"/>
-                <a:gd name="T23" fmla="*/ 0 h 726"/>
-                <a:gd name="T24" fmla="*/ 272 w 726"/>
-                <a:gd name="T25" fmla="*/ 0 h 726"/>
-              </a:gdLst>
-              <a:ahLst/>
-              <a:cxnLst>
-                <a:cxn ang="0">
-                  <a:pos x="T0" y="T1"/>
-                </a:cxn>
-                <a:cxn ang="0">
-                  <a:pos x="T2" y="T3"/>
-                </a:cxn>
-                <a:cxn ang="0">
-                  <a:pos x="T4" y="T5"/>
-                </a:cxn>
-                <a:cxn ang="0">
-                  <a:pos x="T6" y="T7"/>
-                </a:cxn>
-                <a:cxn ang="0">
-                  <a:pos x="T8" y="T9"/>
-                </a:cxn>
-                <a:cxn ang="0">
-                  <a:pos x="T10" y="T11"/>
-                </a:cxn>
-                <a:cxn ang="0">
-                  <a:pos x="T12" y="T13"/>
-                </a:cxn>
-                <a:cxn ang="0">
-                  <a:pos x="T14" y="T15"/>
-                </a:cxn>
-                <a:cxn ang="0">
-                  <a:pos x="T16" y="T17"/>
-                </a:cxn>
-                <a:cxn ang="0">
-                  <a:pos x="T18" y="T19"/>
-                </a:cxn>
-                <a:cxn ang="0">
-                  <a:pos x="T20" y="T21"/>
-                </a:cxn>
-                <a:cxn ang="0">
-                  <a:pos x="T22" y="T23"/>
-                </a:cxn>
-                <a:cxn ang="0">
-                  <a:pos x="T24" y="T25"/>
-                </a:cxn>
-              </a:cxnLst>
-              <a:rect l="0" t="0" r="r" b="b"/>
-              <a:pathLst>
-                <a:path w="726" h="726">
-                  <a:moveTo>
-                    <a:pt x="272" y="0"/>
-                  </a:moveTo>
-                  <a:lnTo>
-                    <a:pt x="272" y="272"/>
-                  </a:lnTo>
-                  <a:lnTo>
-                    <a:pt x="0" y="272"/>
-                  </a:lnTo>
-                  <a:lnTo>
-                    <a:pt x="0" y="453"/>
-                  </a:lnTo>
-                  <a:lnTo>
-                    <a:pt x="272" y="453"/>
-                  </a:lnTo>
-                  <a:lnTo>
-                    <a:pt x="272" y="726"/>
-                  </a:lnTo>
-                  <a:lnTo>
-                    <a:pt x="454" y="726"/>
-                  </a:lnTo>
-                  <a:lnTo>
-                    <a:pt x="454" y="453"/>
-                  </a:lnTo>
-                  <a:lnTo>
-                    <a:pt x="726" y="453"/>
-                  </a:lnTo>
-                  <a:lnTo>
-                    <a:pt x="726" y="272"/>
-                  </a:lnTo>
-                  <a:lnTo>
-                    <a:pt x="454" y="272"/>
-                  </a:lnTo>
-                  <a:lnTo>
-                    <a:pt x="454" y="0"/>
-                  </a:lnTo>
-                  <a:lnTo>
-                    <a:pt x="272" y="0"/>
-                  </a:lnTo>
-                  <a:close/>
-                </a:path>
-              </a:pathLst>
-            </a:custGeom>
-            <a:solidFill>
-              <a:schemeClr val="tx1"/>
-            </a:solidFill>
-            <a:ln>
-              <a:noFill/>
-            </a:ln>
-            <a:effectLst/>
-            <a:extLst>
-              <a:ext uri="{91240B29-F687-4F45-9708-019B960494DF}">
-                <a14:hiddenLine xmlns:a14="http://schemas.microsoft.com/office/drawing/2010/main" w="9525" cap="flat" cmpd="sng">
-                  <a:solidFill>
-                    <a:srgbClr val="FF0000"/>
-                  </a:solidFill>
-                  <a:prstDash val="solid"/>
-                  <a:round/>
-                  <a:headEnd/>
-                  <a:tailEnd/>
-                </a14:hiddenLine>
-              </a:ext>
-              <a:ext uri="{AF507438-7753-43E0-B8FC-AC1667EBCBE1}">
-                <a14:hiddenEffects xmlns:a14="http://schemas.microsoft.com/office/drawing/2010/main">
-                  <a:effectLst>
-                    <a:outerShdw dist="35921" dir="2700000" algn="ctr" rotWithShape="0">
-                      <a:schemeClr val="bg2"/>
-                    </a:outerShdw>
-                  </a:effectLst>
-                </a14:hiddenEffects>
-              </a:ext>
-            </a:extLst>
-          </p:spPr>
-          <p:txBody>
-            <a:bodyPr/>
-            <a:lstStyle/>
-            <a:p>
-              <a:endParaRPr lang="ja-JP" altLang="en-US"/>
-            </a:p>
-          </p:txBody>
-        </p:sp>
-        <p:sp>
-          <p:nvSpPr>
-            <p:cNvPr id="26" name="Freeform 55">
-              <a:extLst>
-                <a:ext uri="{FF2B5EF4-FFF2-40B4-BE49-F238E27FC236}">
-                  <a16:creationId xmlns="" xmlns:a16="http://schemas.microsoft.com/office/drawing/2014/main" id="{61FD8900-59DC-4DF8-9E0F-FA65E3D087D7}"/>
-                </a:ext>
-              </a:extLst>
-            </p:cNvPr>
-            <p:cNvSpPr>
-              <a:spLocks/>
-            </p:cNvSpPr>
-            <p:nvPr/>
-          </p:nvSpPr>
-          <p:spPr bwMode="auto">
-            <a:xfrm rot="2700000">
-              <a:off x="5524" y="935"/>
-              <a:ext cx="182" cy="182"/>
-            </a:xfrm>
-            <a:custGeom>
-              <a:avLst/>
-              <a:gdLst>
-                <a:gd name="T0" fmla="*/ 272 w 726"/>
-                <a:gd name="T1" fmla="*/ 0 h 726"/>
-                <a:gd name="T2" fmla="*/ 272 w 726"/>
-                <a:gd name="T3" fmla="*/ 272 h 726"/>
-                <a:gd name="T4" fmla="*/ 0 w 726"/>
-                <a:gd name="T5" fmla="*/ 272 h 726"/>
-                <a:gd name="T6" fmla="*/ 0 w 726"/>
-                <a:gd name="T7" fmla="*/ 453 h 726"/>
-                <a:gd name="T8" fmla="*/ 272 w 726"/>
-                <a:gd name="T9" fmla="*/ 453 h 726"/>
-                <a:gd name="T10" fmla="*/ 272 w 726"/>
-                <a:gd name="T11" fmla="*/ 726 h 726"/>
-                <a:gd name="T12" fmla="*/ 454 w 726"/>
-                <a:gd name="T13" fmla="*/ 726 h 726"/>
-                <a:gd name="T14" fmla="*/ 454 w 726"/>
-                <a:gd name="T15" fmla="*/ 453 h 726"/>
-                <a:gd name="T16" fmla="*/ 726 w 726"/>
-                <a:gd name="T17" fmla="*/ 453 h 726"/>
-                <a:gd name="T18" fmla="*/ 726 w 726"/>
-                <a:gd name="T19" fmla="*/ 272 h 726"/>
-                <a:gd name="T20" fmla="*/ 454 w 726"/>
-                <a:gd name="T21" fmla="*/ 272 h 726"/>
-                <a:gd name="T22" fmla="*/ 454 w 726"/>
-                <a:gd name="T23" fmla="*/ 0 h 726"/>
-                <a:gd name="T24" fmla="*/ 272 w 726"/>
-                <a:gd name="T25" fmla="*/ 0 h 726"/>
-              </a:gdLst>
-              <a:ahLst/>
-              <a:cxnLst>
-                <a:cxn ang="0">
-                  <a:pos x="T0" y="T1"/>
-                </a:cxn>
-                <a:cxn ang="0">
-                  <a:pos x="T2" y="T3"/>
-                </a:cxn>
-                <a:cxn ang="0">
-                  <a:pos x="T4" y="T5"/>
-                </a:cxn>
-                <a:cxn ang="0">
-                  <a:pos x="T6" y="T7"/>
-                </a:cxn>
-                <a:cxn ang="0">
-                  <a:pos x="T8" y="T9"/>
-                </a:cxn>
-                <a:cxn ang="0">
-                  <a:pos x="T10" y="T11"/>
-                </a:cxn>
-                <a:cxn ang="0">
-                  <a:pos x="T12" y="T13"/>
-                </a:cxn>
-                <a:cxn ang="0">
-                  <a:pos x="T14" y="T15"/>
-                </a:cxn>
-                <a:cxn ang="0">
-                  <a:pos x="T16" y="T17"/>
-                </a:cxn>
-                <a:cxn ang="0">
-                  <a:pos x="T18" y="T19"/>
-                </a:cxn>
-                <a:cxn ang="0">
-                  <a:pos x="T20" y="T21"/>
-                </a:cxn>
-                <a:cxn ang="0">
-                  <a:pos x="T22" y="T23"/>
-                </a:cxn>
-                <a:cxn ang="0">
-                  <a:pos x="T24" y="T25"/>
-                </a:cxn>
-              </a:cxnLst>
-              <a:rect l="0" t="0" r="r" b="b"/>
-              <a:pathLst>
-                <a:path w="726" h="726">
-                  <a:moveTo>
-                    <a:pt x="272" y="0"/>
-                  </a:moveTo>
-                  <a:lnTo>
-                    <a:pt x="272" y="272"/>
-                  </a:lnTo>
-                  <a:lnTo>
-                    <a:pt x="0" y="272"/>
-                  </a:lnTo>
-                  <a:lnTo>
-                    <a:pt x="0" y="453"/>
-                  </a:lnTo>
-                  <a:lnTo>
-                    <a:pt x="272" y="453"/>
-                  </a:lnTo>
-                  <a:lnTo>
-                    <a:pt x="272" y="726"/>
-                  </a:lnTo>
-                  <a:lnTo>
-                    <a:pt x="454" y="726"/>
-                  </a:lnTo>
-                  <a:lnTo>
-                    <a:pt x="454" y="453"/>
-                  </a:lnTo>
-                  <a:lnTo>
-                    <a:pt x="726" y="453"/>
-                  </a:lnTo>
-                  <a:lnTo>
-                    <a:pt x="726" y="272"/>
-                  </a:lnTo>
-                  <a:lnTo>
-                    <a:pt x="454" y="272"/>
-                  </a:lnTo>
-                  <a:lnTo>
-                    <a:pt x="454" y="0"/>
-                  </a:lnTo>
-                  <a:lnTo>
-                    <a:pt x="272" y="0"/>
-                  </a:lnTo>
-                  <a:close/>
-                </a:path>
-              </a:pathLst>
-            </a:custGeom>
-            <a:solidFill>
-              <a:schemeClr val="tx1"/>
-            </a:solidFill>
-            <a:ln>
-              <a:noFill/>
-            </a:ln>
-            <a:effectLst/>
-            <a:extLst>
-              <a:ext uri="{91240B29-F687-4F45-9708-019B960494DF}">
-                <a14:hiddenLine xmlns:a14="http://schemas.microsoft.com/office/drawing/2010/main" w="9525" cap="flat" cmpd="sng">
-                  <a:solidFill>
-                    <a:srgbClr val="FF0000"/>
-                  </a:solidFill>
-                  <a:prstDash val="solid"/>
-                  <a:round/>
-                  <a:headEnd/>
-                  <a:tailEnd/>
-                </a14:hiddenLine>
-              </a:ext>
-              <a:ext uri="{AF507438-7753-43E0-B8FC-AC1667EBCBE1}">
-                <a14:hiddenEffects xmlns:a14="http://schemas.microsoft.com/office/drawing/2010/main">
-                  <a:effectLst>
-                    <a:outerShdw dist="35921" dir="2700000" algn="ctr" rotWithShape="0">
-                      <a:schemeClr val="bg2"/>
-                    </a:outerShdw>
-                  </a:effectLst>
-                </a14:hiddenEffects>
-              </a:ext>
-            </a:extLst>
-          </p:spPr>
-          <p:txBody>
-            <a:bodyPr/>
-            <a:lstStyle/>
-            <a:p>
-              <a:endParaRPr lang="ja-JP" altLang="en-US"/>
-            </a:p>
-          </p:txBody>
-        </p:sp>
-        <p:sp>
-          <p:nvSpPr>
-            <p:cNvPr id="27" name="AutoShape 59">
-              <a:extLst>
-                <a:ext uri="{FF2B5EF4-FFF2-40B4-BE49-F238E27FC236}">
-                  <a16:creationId xmlns="" xmlns:a16="http://schemas.microsoft.com/office/drawing/2014/main" id="{8725B85B-EFDB-41AA-BF87-5BA5E80973EF}"/>
-                </a:ext>
-              </a:extLst>
-            </p:cNvPr>
-            <p:cNvSpPr>
-              <a:spLocks noChangeArrowheads="1"/>
-            </p:cNvSpPr>
-            <p:nvPr/>
-          </p:nvSpPr>
-          <p:spPr bwMode="auto">
-            <a:xfrm rot="27000000">
-              <a:off x="5456" y="1049"/>
-              <a:ext cx="45" cy="453"/>
-            </a:xfrm>
-            <a:prstGeom prst="moon">
-              <a:avLst>
-                <a:gd name="adj" fmla="val 33329"/>
-              </a:avLst>
-            </a:prstGeom>
-            <a:solidFill>
-              <a:srgbClr val="000000"/>
-            </a:solidFill>
-            <a:ln>
-              <a:noFill/>
-            </a:ln>
-            <a:effectLst/>
-            <a:extLst>
-              <a:ext uri="{91240B29-F687-4F45-9708-019B960494DF}">
-                <a14:hiddenLine xmlns:a14="http://schemas.microsoft.com/office/drawing/2010/main" w="9525">
-                  <a:solidFill>
-                    <a:srgbClr val="FF0000"/>
-                  </a:solidFill>
-                  <a:miter lim="800000"/>
-                  <a:headEnd/>
-                  <a:tailEnd/>
-                </a14:hiddenLine>
-              </a:ext>
-              <a:ext uri="{AF507438-7753-43E0-B8FC-AC1667EBCBE1}">
-                <a14:hiddenEffects xmlns:a14="http://schemas.microsoft.com/office/drawing/2010/main">
-                  <a:effectLst>
-                    <a:outerShdw dist="35921" dir="2700000" algn="ctr" rotWithShape="0">
-                      <a:schemeClr val="bg2"/>
-                    </a:outerShdw>
-                  </a:effectLst>
-                </a14:hiddenEffects>
-              </a:ext>
-            </a:extLst>
-          </p:spPr>
-          <p:txBody>
-            <a:bodyPr wrap="none" anchor="ctr"/>
-            <a:lstStyle/>
-            <a:p>
-              <a:endParaRPr lang="ja-JP" altLang="en-US"/>
-            </a:p>
-          </p:txBody>
-        </p:sp>
-      </p:grpSp>
-      <p:sp>
-        <p:nvSpPr>
-          <p:cNvPr id="28" name="正方形/長方形 27"/>
-          <p:cNvSpPr/>
-          <p:nvPr/>
-        </p:nvSpPr>
-        <p:spPr bwMode="auto">
-          <a:xfrm>
-            <a:off x="2348306" y="973609"/>
-            <a:ext cx="4291488" cy="702951"/>
-          </a:xfrm>
-          <a:prstGeom prst="rect">
-            <a:avLst/>
-          </a:prstGeom>
-          <a:noFill/>
-          <a:ln>
-            <a:solidFill>
-              <a:schemeClr val="accent1"/>
-            </a:solidFill>
-          </a:ln>
-          <a:effectLst/>
-          <a:extLst/>
-        </p:spPr>
-        <p:txBody>
-          <a:bodyPr rot="0" spcFirstLastPara="0" vertOverflow="overflow" horzOverflow="overflow" vert="horz" wrap="square" lIns="91440" tIns="45720" rIns="91440" bIns="45720" numCol="1" spcCol="0" rtlCol="0" fromWordArt="0" anchor="ctr" anchorCtr="0" forceAA="0" compatLnSpc="1">
-            <a:prstTxWarp prst="textNoShape">
-              <a:avLst/>
-            </a:prstTxWarp>
-            <a:noAutofit/>
-          </a:bodyPr>
-          <a:lstStyle/>
-          <a:p>
-            <a:r>
-              <a:rPr kumimoji="1" lang="ja-JP" altLang="en-US" b="1" dirty="0" smtClean="0">
-                <a:latin typeface="+mj-ea"/>
-                <a:ea typeface="+mj-ea"/>
-              </a:rPr>
-              <a:t>普通の</a:t>
-            </a:r>
-            <a:r>
-              <a:rPr kumimoji="1" lang="en-US" altLang="ja-JP" b="1" dirty="0" smtClean="0">
-                <a:latin typeface="+mj-ea"/>
-                <a:ea typeface="+mj-ea"/>
-              </a:rPr>
-              <a:t>SE</a:t>
-            </a:r>
-            <a:r>
-              <a:rPr kumimoji="1" lang="ja-JP" altLang="en-US" b="1" dirty="0" smtClean="0">
-                <a:latin typeface="+mj-ea"/>
-                <a:ea typeface="+mj-ea"/>
-              </a:rPr>
-              <a:t>で、</a:t>
-            </a:r>
-            <a:endParaRPr kumimoji="1" lang="ja-JP" altLang="en-US" b="1" dirty="0">
               <a:latin typeface="+mj-ea"/>
               <a:ea typeface="+mj-ea"/>
             </a:endParaRPr>
@@ -16243,7 +17342,7 @@
           <p:cNvPr id="11" name="Group 296">
             <a:extLst>
               <a:ext uri="{FF2B5EF4-FFF2-40B4-BE49-F238E27FC236}">
-                <a16:creationId xmlns="" xmlns:a16="http://schemas.microsoft.com/office/drawing/2014/main" id="{3842FC64-AB39-42D7-A48C-0FE49F99806C}"/>
+                <a16:creationId xmlns:a16="http://schemas.microsoft.com/office/drawing/2014/main" xmlns="" id="{3842FC64-AB39-42D7-A48C-0FE49F99806C}"/>
               </a:ext>
             </a:extLst>
           </p:cNvPr>
@@ -16265,7 +17364,7 @@
             <p:cNvPr id="12" name="Oval 2">
               <a:extLst>
                 <a:ext uri="{FF2B5EF4-FFF2-40B4-BE49-F238E27FC236}">
-                  <a16:creationId xmlns="" xmlns:a16="http://schemas.microsoft.com/office/drawing/2014/main" id="{9267EE0A-4BA4-4E94-8745-FFA9A06F71A9}"/>
+                  <a16:creationId xmlns:a16="http://schemas.microsoft.com/office/drawing/2014/main" xmlns="" id="{9267EE0A-4BA4-4E94-8745-FFA9A06F71A9}"/>
                 </a:ext>
               </a:extLst>
             </p:cNvPr>
@@ -16324,7 +17423,7 @@
             <p:cNvPr id="13" name="Oval 19">
               <a:extLst>
                 <a:ext uri="{FF2B5EF4-FFF2-40B4-BE49-F238E27FC236}">
-                  <a16:creationId xmlns="" xmlns:a16="http://schemas.microsoft.com/office/drawing/2014/main" id="{CC91C93B-224E-47BB-A4B4-F39EF6BD8070}"/>
+                  <a16:creationId xmlns:a16="http://schemas.microsoft.com/office/drawing/2014/main" xmlns="" id="{CC91C93B-224E-47BB-A4B4-F39EF6BD8070}"/>
                 </a:ext>
               </a:extLst>
             </p:cNvPr>
@@ -16397,7 +17496,7 @@
             <p:cNvPr id="14" name="Oval 20">
               <a:extLst>
                 <a:ext uri="{FF2B5EF4-FFF2-40B4-BE49-F238E27FC236}">
-                  <a16:creationId xmlns="" xmlns:a16="http://schemas.microsoft.com/office/drawing/2014/main" id="{9BD5F5FE-EFD9-4804-9B3B-C6D91AFF363C}"/>
+                  <a16:creationId xmlns:a16="http://schemas.microsoft.com/office/drawing/2014/main" xmlns="" id="{9BD5F5FE-EFD9-4804-9B3B-C6D91AFF363C}"/>
                 </a:ext>
               </a:extLst>
             </p:cNvPr>
@@ -16473,7 +17572,7 @@
             <p:cNvPr id="15" name="Group 21">
               <a:extLst>
                 <a:ext uri="{FF2B5EF4-FFF2-40B4-BE49-F238E27FC236}">
-                  <a16:creationId xmlns="" xmlns:a16="http://schemas.microsoft.com/office/drawing/2014/main" id="{7DB5FE9B-6714-4B4D-AB94-45F20F7D5C8E}"/>
+                  <a16:creationId xmlns:a16="http://schemas.microsoft.com/office/drawing/2014/main" xmlns="" id="{7DB5FE9B-6714-4B4D-AB94-45F20F7D5C8E}"/>
                 </a:ext>
               </a:extLst>
             </p:cNvPr>
@@ -16495,7 +17594,7 @@
               <p:cNvPr id="18" name="AutoShape 22">
                 <a:extLst>
                   <a:ext uri="{FF2B5EF4-FFF2-40B4-BE49-F238E27FC236}">
-                    <a16:creationId xmlns="" xmlns:a16="http://schemas.microsoft.com/office/drawing/2014/main" id="{4E5DF4CC-2B73-45EA-B083-30A68ED1FA2A}"/>
+                    <a16:creationId xmlns:a16="http://schemas.microsoft.com/office/drawing/2014/main" xmlns="" id="{4E5DF4CC-2B73-45EA-B083-30A68ED1FA2A}"/>
                   </a:ext>
                 </a:extLst>
               </p:cNvPr>
@@ -16564,7 +17663,7 @@
               <p:cNvPr id="19" name="Freeform 23">
                 <a:extLst>
                   <a:ext uri="{FF2B5EF4-FFF2-40B4-BE49-F238E27FC236}">
-                    <a16:creationId xmlns="" xmlns:a16="http://schemas.microsoft.com/office/drawing/2014/main" id="{A03184C6-4DC0-40F9-A025-A1F34226A187}"/>
+                    <a16:creationId xmlns:a16="http://schemas.microsoft.com/office/drawing/2014/main" xmlns="" id="{A03184C6-4DC0-40F9-A025-A1F34226A187}"/>
                   </a:ext>
                 </a:extLst>
               </p:cNvPr>
@@ -16696,7 +17795,7 @@
             <p:cNvPr id="16" name="AutoShape 36">
               <a:extLst>
                 <a:ext uri="{FF2B5EF4-FFF2-40B4-BE49-F238E27FC236}">
-                  <a16:creationId xmlns="" xmlns:a16="http://schemas.microsoft.com/office/drawing/2014/main" id="{C65C2922-0F06-4601-991B-D9188A55C388}"/>
+                  <a16:creationId xmlns:a16="http://schemas.microsoft.com/office/drawing/2014/main" xmlns="" id="{C65C2922-0F06-4601-991B-D9188A55C388}"/>
                 </a:ext>
               </a:extLst>
             </p:cNvPr>
@@ -16871,7 +17970,7 @@
             <p:cNvPr id="17" name="AutoShape 37">
               <a:extLst>
                 <a:ext uri="{FF2B5EF4-FFF2-40B4-BE49-F238E27FC236}">
-                  <a16:creationId xmlns="" xmlns:a16="http://schemas.microsoft.com/office/drawing/2014/main" id="{9028FBF9-F253-4134-8311-3707C3C5DB2F}"/>
+                  <a16:creationId xmlns:a16="http://schemas.microsoft.com/office/drawing/2014/main" xmlns="" id="{9028FBF9-F253-4134-8311-3707C3C5DB2F}"/>
                 </a:ext>
               </a:extLst>
             </p:cNvPr>
@@ -17114,8 +18213,206 @@
                 <a:latin typeface="+mj-ea"/>
                 <a:ea typeface="+mj-ea"/>
               </a:rPr>
-              <a:t>３人開発チームのリーダー</a:t>
-            </a:r>
+              <a:t>３人開発チームの</a:t>
+            </a:r>
+            <a:r>
+              <a:rPr lang="ja-JP" altLang="en-US" b="1" dirty="0" smtClean="0">
+                <a:solidFill>
+                  <a:srgbClr val="FF0000"/>
+                </a:solidFill>
+                <a:latin typeface="+mj-ea"/>
+                <a:ea typeface="+mj-ea"/>
+              </a:rPr>
+              <a:t>リーダー</a:t>
+            </a:r>
+            <a:endParaRPr lang="en-US" altLang="ja-JP" b="1" dirty="0" smtClean="0">
+              <a:solidFill>
+                <a:srgbClr val="FF0000"/>
+              </a:solidFill>
+              <a:latin typeface="+mj-ea"/>
+              <a:ea typeface="+mj-ea"/>
+            </a:endParaRPr>
+          </a:p>
+          <a:p>
+            <a:endParaRPr lang="en-US" altLang="ja-JP" b="1" dirty="0">
+              <a:solidFill>
+                <a:srgbClr val="FF0000"/>
+              </a:solidFill>
+              <a:latin typeface="+mj-ea"/>
+              <a:ea typeface="+mj-ea"/>
+            </a:endParaRPr>
+          </a:p>
+          <a:p>
+            <a:pPr marL="342900" indent="-342900">
+              <a:buFont typeface="+mj-lt"/>
+              <a:buAutoNum type="arabicPeriod"/>
+            </a:pPr>
+            <a:r>
+              <a:rPr lang="ja-JP" altLang="en-US" b="1" dirty="0">
+                <a:solidFill>
+                  <a:srgbClr val="FF0000"/>
+                </a:solidFill>
+                <a:latin typeface="+mj-ea"/>
+              </a:rPr>
+              <a:t>最後の納品日をしっかり守って、マイルストーンを設定し</a:t>
+            </a:r>
+            <a:r>
+              <a:rPr lang="ja-JP" altLang="en-US" b="1" dirty="0" smtClean="0">
+                <a:solidFill>
+                  <a:srgbClr val="FF0000"/>
+                </a:solidFill>
+                <a:latin typeface="+mj-ea"/>
+              </a:rPr>
+              <a:t>、</a:t>
+            </a:r>
+            <a:r>
+              <a:rPr lang="en-US" altLang="ja-JP" b="1" dirty="0" smtClean="0">
+                <a:solidFill>
+                  <a:srgbClr val="FF0000"/>
+                </a:solidFill>
+                <a:latin typeface="+mj-ea"/>
+                <a:ea typeface="+mj-ea"/>
+              </a:rPr>
+              <a:t>WBS</a:t>
+            </a:r>
+            <a:r>
+              <a:rPr lang="ja-JP" altLang="en-US" b="1" dirty="0" smtClean="0">
+                <a:solidFill>
+                  <a:srgbClr val="FF0000"/>
+                </a:solidFill>
+                <a:latin typeface="+mj-ea"/>
+                <a:ea typeface="+mj-ea"/>
+              </a:rPr>
+              <a:t>を作成した。タスクとスケジュール管理。</a:t>
+            </a:r>
+            <a:endParaRPr lang="en-US" altLang="ja-JP" b="1" dirty="0" smtClean="0">
+              <a:solidFill>
+                <a:srgbClr val="FF0000"/>
+              </a:solidFill>
+              <a:latin typeface="+mj-ea"/>
+              <a:ea typeface="+mj-ea"/>
+            </a:endParaRPr>
+          </a:p>
+          <a:p>
+            <a:pPr marL="342900" indent="-342900">
+              <a:buFont typeface="+mj-lt"/>
+              <a:buAutoNum type="arabicPeriod"/>
+            </a:pPr>
+            <a:r>
+              <a:rPr lang="ja-JP" altLang="en-US" b="1" dirty="0" smtClean="0">
+                <a:solidFill>
+                  <a:srgbClr val="FF0000"/>
+                </a:solidFill>
+                <a:latin typeface="+mj-ea"/>
+                <a:ea typeface="+mj-ea"/>
+              </a:rPr>
+              <a:t>週</a:t>
+            </a:r>
+            <a:r>
+              <a:rPr lang="en-US" altLang="ja-JP" b="1" dirty="0" smtClean="0">
+                <a:solidFill>
+                  <a:srgbClr val="FF0000"/>
+                </a:solidFill>
+                <a:latin typeface="+mj-ea"/>
+                <a:ea typeface="+mj-ea"/>
+              </a:rPr>
+              <a:t>1</a:t>
+            </a:r>
+            <a:r>
+              <a:rPr lang="ja-JP" altLang="en-US" b="1" dirty="0" smtClean="0">
+                <a:solidFill>
+                  <a:srgbClr val="FF0000"/>
+                </a:solidFill>
+                <a:latin typeface="+mj-ea"/>
+                <a:ea typeface="+mj-ea"/>
+              </a:rPr>
+              <a:t>回進捗</a:t>
+            </a:r>
+            <a:r>
+              <a:rPr lang="en-US" altLang="ja-JP" b="1" dirty="0" smtClean="0">
+                <a:solidFill>
+                  <a:srgbClr val="FF0000"/>
+                </a:solidFill>
+                <a:latin typeface="+mj-ea"/>
+                <a:ea typeface="+mj-ea"/>
+              </a:rPr>
+              <a:t>MTG</a:t>
+            </a:r>
+            <a:r>
+              <a:rPr lang="ja-JP" altLang="en-US" b="1" dirty="0" smtClean="0">
+                <a:solidFill>
+                  <a:srgbClr val="FF0000"/>
+                </a:solidFill>
+                <a:latin typeface="+mj-ea"/>
+                <a:ea typeface="+mj-ea"/>
+              </a:rPr>
+              <a:t>を設定し、各自の作業進捗や問題点を確認した。</a:t>
+            </a:r>
+            <a:endParaRPr lang="en-US" altLang="ja-JP" b="1" dirty="0" smtClean="0">
+              <a:solidFill>
+                <a:srgbClr val="FF0000"/>
+              </a:solidFill>
+              <a:latin typeface="+mj-ea"/>
+              <a:ea typeface="+mj-ea"/>
+            </a:endParaRPr>
+          </a:p>
+          <a:p>
+            <a:pPr marL="342900" indent="-342900">
+              <a:buFont typeface="+mj-lt"/>
+              <a:buAutoNum type="arabicPeriod"/>
+            </a:pPr>
+            <a:r>
+              <a:rPr lang="ja-JP" altLang="en-US" b="1" dirty="0" smtClean="0">
+                <a:solidFill>
+                  <a:srgbClr val="FF0000"/>
+                </a:solidFill>
+                <a:latin typeface="+mj-ea"/>
+                <a:ea typeface="+mj-ea"/>
+              </a:rPr>
+              <a:t>移行インターフェースが多いですので、一本一本作るのは時間がかかるので、</a:t>
+            </a:r>
+            <a:r>
+              <a:rPr lang="ja-JP" altLang="en-US" b="1" dirty="0" smtClean="0">
+                <a:solidFill>
+                  <a:srgbClr val="FF0000"/>
+                </a:solidFill>
+                <a:latin typeface="+mj-ea"/>
+                <a:ea typeface="+mj-ea"/>
+              </a:rPr>
+              <a:t>標準的な移行プログラムの設計を行った。</a:t>
+            </a:r>
+            <a:r>
+              <a:rPr lang="en-US" altLang="ja-JP" b="1" dirty="0" smtClean="0">
+                <a:solidFill>
+                  <a:srgbClr val="FF0000"/>
+                </a:solidFill>
+                <a:latin typeface="+mj-ea"/>
+                <a:ea typeface="+mj-ea"/>
+              </a:rPr>
+              <a:t>Input</a:t>
+            </a:r>
+            <a:r>
+              <a:rPr lang="ja-JP" altLang="en-US" b="1" dirty="0" smtClean="0">
+                <a:solidFill>
+                  <a:srgbClr val="FF0000"/>
+                </a:solidFill>
+                <a:latin typeface="+mj-ea"/>
+                <a:ea typeface="+mj-ea"/>
+              </a:rPr>
+              <a:t>→標準プログラム→</a:t>
+            </a:r>
+            <a:r>
+              <a:rPr lang="en-US" altLang="ja-JP" b="1" dirty="0" smtClean="0">
+                <a:solidFill>
+                  <a:srgbClr val="FF0000"/>
+                </a:solidFill>
+                <a:latin typeface="+mj-ea"/>
+                <a:ea typeface="+mj-ea"/>
+              </a:rPr>
+              <a:t>output</a:t>
+            </a:r>
+          </a:p>
+          <a:p>
             <a:endParaRPr lang="en-US" altLang="ja-JP" b="1" dirty="0" smtClean="0">
               <a:solidFill>
                 <a:srgbClr val="FF0000"/>

--- a/昇格プレゼン(徐洋)_new.pptx
+++ b/昇格プレゼン(徐洋)_new.pptx
@@ -5,10 +5,10 @@
     <p:sldMasterId id="2147483657" r:id="rId1"/>
   </p:sldMasterIdLst>
   <p:notesMasterIdLst>
-    <p:notesMasterId r:id="rId14"/>
+    <p:notesMasterId r:id="rId15"/>
   </p:notesMasterIdLst>
   <p:handoutMasterIdLst>
-    <p:handoutMasterId r:id="rId15"/>
+    <p:handoutMasterId r:id="rId16"/>
   </p:handoutMasterIdLst>
   <p:sldIdLst>
     <p:sldId id="322" r:id="rId2"/>
@@ -16,13 +16,14 @@
     <p:sldId id="369" r:id="rId4"/>
     <p:sldId id="370" r:id="rId5"/>
     <p:sldId id="371" r:id="rId6"/>
-    <p:sldId id="357" r:id="rId7"/>
-    <p:sldId id="365" r:id="rId8"/>
-    <p:sldId id="363" r:id="rId9"/>
-    <p:sldId id="364" r:id="rId10"/>
-    <p:sldId id="368" r:id="rId11"/>
-    <p:sldId id="350" r:id="rId12"/>
-    <p:sldId id="336" r:id="rId13"/>
+    <p:sldId id="372" r:id="rId7"/>
+    <p:sldId id="357" r:id="rId8"/>
+    <p:sldId id="365" r:id="rId9"/>
+    <p:sldId id="363" r:id="rId10"/>
+    <p:sldId id="364" r:id="rId11"/>
+    <p:sldId id="368" r:id="rId12"/>
+    <p:sldId id="350" r:id="rId13"/>
+    <p:sldId id="336" r:id="rId14"/>
   </p:sldIdLst>
   <p:sldSz cx="6858000" cy="5143500"/>
   <p:notesSz cx="6735763" cy="9866313"/>
@@ -1005,6 +1006,96 @@
     <p:extLst>
       <p:ext uri="{BB962C8B-B14F-4D97-AF65-F5344CB8AC3E}">
         <p14:creationId xmlns:p14="http://schemas.microsoft.com/office/powerpoint/2010/main" val="1456612193"/>
+      </p:ext>
+    </p:extLst>
+  </p:cSld>
+  <p:clrMapOvr>
+    <a:masterClrMapping/>
+  </p:clrMapOvr>
+</p:notes>
+</file>
+
+<file path=ppt/notesSlides/notesSlide4.xml><?xml version="1.0" encoding="utf-8"?>
+<p:notes xmlns:a="http://schemas.openxmlformats.org/drawingml/2006/main" xmlns:r="http://schemas.openxmlformats.org/officeDocument/2006/relationships" xmlns:p="http://schemas.openxmlformats.org/presentationml/2006/main">
+  <p:cSld>
+    <p:spTree>
+      <p:nvGrpSpPr>
+        <p:cNvPr id="1" name=""/>
+        <p:cNvGrpSpPr/>
+        <p:nvPr/>
+      </p:nvGrpSpPr>
+      <p:grpSpPr>
+        <a:xfrm>
+          <a:off x="0" y="0"/>
+          <a:ext cx="0" cy="0"/>
+          <a:chOff x="0" y="0"/>
+          <a:chExt cx="0" cy="0"/>
+        </a:xfrm>
+      </p:grpSpPr>
+      <p:sp>
+        <p:nvSpPr>
+          <p:cNvPr id="2" name="スライド イメージ プレースホルダー 1"/>
+          <p:cNvSpPr>
+            <a:spLocks noGrp="1" noRot="1" noChangeAspect="1"/>
+          </p:cNvSpPr>
+          <p:nvPr>
+            <p:ph type="sldImg"/>
+          </p:nvPr>
+        </p:nvSpPr>
+        <p:spPr/>
+      </p:sp>
+      <p:sp>
+        <p:nvSpPr>
+          <p:cNvPr id="3" name="ノート プレースホルダー 2"/>
+          <p:cNvSpPr>
+            <a:spLocks noGrp="1"/>
+          </p:cNvSpPr>
+          <p:nvPr>
+            <p:ph type="body" idx="1"/>
+          </p:nvPr>
+        </p:nvSpPr>
+        <p:spPr/>
+        <p:txBody>
+          <a:bodyPr/>
+          <a:lstStyle/>
+          <a:p>
+            <a:endParaRPr kumimoji="1" lang="ja-JP" altLang="en-US"/>
+          </a:p>
+        </p:txBody>
+      </p:sp>
+      <p:sp>
+        <p:nvSpPr>
+          <p:cNvPr id="4" name="スライド番号プレースホルダー 3"/>
+          <p:cNvSpPr>
+            <a:spLocks noGrp="1"/>
+          </p:cNvSpPr>
+          <p:nvPr>
+            <p:ph type="sldNum" sz="quarter" idx="10"/>
+          </p:nvPr>
+        </p:nvSpPr>
+        <p:spPr/>
+        <p:txBody>
+          <a:bodyPr/>
+          <a:lstStyle/>
+          <a:p>
+            <a:pPr>
+              <a:defRPr/>
+            </a:pPr>
+            <a:fld id="{7BC3A1C2-1D22-4C94-A83E-60ADE77BBC94}" type="slidenum">
+              <a:rPr lang="en-US" altLang="ja-JP" smtClean="0"/>
+              <a:pPr>
+                <a:defRPr/>
+              </a:pPr>
+              <a:t>6</a:t>
+            </a:fld>
+            <a:endParaRPr lang="en-US" altLang="ja-JP"/>
+          </a:p>
+        </p:txBody>
+      </p:sp>
+    </p:spTree>
+    <p:extLst>
+      <p:ext uri="{BB962C8B-B14F-4D97-AF65-F5344CB8AC3E}">
+        <p14:creationId xmlns:p14="http://schemas.microsoft.com/office/powerpoint/2010/main" val="2488613195"/>
       </p:ext>
     </p:extLst>
   </p:cSld>
@@ -4491,6 +4582,1240 @@
             <p:ph type="title"/>
           </p:nvPr>
         </p:nvSpPr>
+        <p:spPr>
+          <a:xfrm>
+            <a:off x="1052735" y="481728"/>
+            <a:ext cx="5670000" cy="313350"/>
+          </a:xfrm>
+        </p:spPr>
+        <p:txBody>
+          <a:bodyPr/>
+          <a:lstStyle/>
+          <a:p>
+            <a:r>
+              <a:rPr lang="ja-JP" altLang="en-US" dirty="0">
+                <a:solidFill>
+                  <a:schemeClr val="accent6">
+                    <a:lumMod val="50000"/>
+                    <a:lumOff val="50000"/>
+                  </a:schemeClr>
+                </a:solidFill>
+                <a:latin typeface="+mn-ea"/>
+              </a:rPr>
+              <a:t>進化</a:t>
+            </a:r>
+            <a:r>
+              <a:rPr lang="ja-JP" altLang="en-US" dirty="0" smtClean="0">
+                <a:solidFill>
+                  <a:schemeClr val="accent6">
+                    <a:lumMod val="50000"/>
+                    <a:lumOff val="50000"/>
+                  </a:schemeClr>
+                </a:solidFill>
+                <a:latin typeface="+mn-ea"/>
+              </a:rPr>
+              <a:t>の自分</a:t>
+            </a:r>
+            <a:r>
+              <a:rPr lang="en-US" altLang="ja-JP" dirty="0" smtClean="0">
+                <a:solidFill>
+                  <a:schemeClr val="accent6">
+                    <a:lumMod val="50000"/>
+                    <a:lumOff val="50000"/>
+                  </a:schemeClr>
+                </a:solidFill>
+                <a:latin typeface="+mn-ea"/>
+              </a:rPr>
+              <a:t>-</a:t>
+            </a:r>
+            <a:r>
+              <a:rPr lang="ja-JP" altLang="en-US" dirty="0" smtClean="0">
+                <a:solidFill>
+                  <a:schemeClr val="accent6">
+                    <a:lumMod val="50000"/>
+                    <a:lumOff val="50000"/>
+                  </a:schemeClr>
+                </a:solidFill>
+                <a:latin typeface="+mn-ea"/>
+              </a:rPr>
+              <a:t>現場以外の業務の兼務</a:t>
+            </a:r>
+            <a:endParaRPr kumimoji="1" lang="ja-JP" altLang="en-US" dirty="0"/>
+          </a:p>
+        </p:txBody>
+      </p:sp>
+      <p:grpSp>
+        <p:nvGrpSpPr>
+          <p:cNvPr id="11" name="Group 296">
+            <a:extLst>
+              <a:ext uri="{FF2B5EF4-FFF2-40B4-BE49-F238E27FC236}">
+                <a16:creationId xmlns="" xmlns:a16="http://schemas.microsoft.com/office/drawing/2014/main" id="{3842FC64-AB39-42D7-A48C-0FE49F99806C}"/>
+              </a:ext>
+            </a:extLst>
+          </p:cNvPr>
+          <p:cNvGrpSpPr>
+            <a:grpSpLocks/>
+          </p:cNvGrpSpPr>
+          <p:nvPr/>
+        </p:nvGrpSpPr>
+        <p:grpSpPr bwMode="auto">
+          <a:xfrm>
+            <a:off x="1214776" y="1036692"/>
+            <a:ext cx="788463" cy="755574"/>
+            <a:chOff x="336" y="601"/>
+            <a:chExt cx="850" cy="850"/>
+          </a:xfrm>
+        </p:grpSpPr>
+        <p:sp>
+          <p:nvSpPr>
+            <p:cNvPr id="12" name="Oval 2">
+              <a:extLst>
+                <a:ext uri="{FF2B5EF4-FFF2-40B4-BE49-F238E27FC236}">
+                  <a16:creationId xmlns="" xmlns:a16="http://schemas.microsoft.com/office/drawing/2014/main" id="{9267EE0A-4BA4-4E94-8745-FFA9A06F71A9}"/>
+                </a:ext>
+              </a:extLst>
+            </p:cNvPr>
+            <p:cNvSpPr>
+              <a:spLocks noChangeArrowheads="1"/>
+            </p:cNvSpPr>
+            <p:nvPr/>
+          </p:nvSpPr>
+          <p:spPr bwMode="auto">
+            <a:xfrm>
+              <a:off x="336" y="601"/>
+              <a:ext cx="850" cy="850"/>
+            </a:xfrm>
+            <a:prstGeom prst="ellipse">
+              <a:avLst/>
+            </a:prstGeom>
+            <a:solidFill>
+              <a:srgbClr val="333333"/>
+            </a:solidFill>
+            <a:ln>
+              <a:noFill/>
+            </a:ln>
+            <a:effectLst/>
+            <a:extLst>
+              <a:ext uri="{91240B29-F687-4F45-9708-019B960494DF}">
+                <a14:hiddenLine xmlns:a14="http://schemas.microsoft.com/office/drawing/2010/main" w="38100">
+                  <a:solidFill>
+                    <a:srgbClr val="333333"/>
+                  </a:solidFill>
+                  <a:round/>
+                  <a:headEnd/>
+                  <a:tailEnd/>
+                </a14:hiddenLine>
+              </a:ext>
+              <a:ext uri="{AF507438-7753-43E0-B8FC-AC1667EBCBE1}">
+                <a14:hiddenEffects xmlns:a14="http://schemas.microsoft.com/office/drawing/2010/main">
+                  <a:effectLst>
+                    <a:outerShdw dist="35921" dir="2700000" algn="ctr" rotWithShape="0">
+                      <a:schemeClr val="bg2"/>
+                    </a:outerShdw>
+                  </a:effectLst>
+                </a14:hiddenEffects>
+              </a:ext>
+            </a:extLst>
+          </p:spPr>
+          <p:txBody>
+            <a:bodyPr wrap="none" anchor="ctr"/>
+            <a:lstStyle/>
+            <a:p>
+              <a:endParaRPr lang="ja-JP" altLang="en-US"/>
+            </a:p>
+          </p:txBody>
+        </p:sp>
+        <p:sp>
+          <p:nvSpPr>
+            <p:cNvPr id="13" name="Oval 19">
+              <a:extLst>
+                <a:ext uri="{FF2B5EF4-FFF2-40B4-BE49-F238E27FC236}">
+                  <a16:creationId xmlns="" xmlns:a16="http://schemas.microsoft.com/office/drawing/2014/main" id="{CC91C93B-224E-47BB-A4B4-F39EF6BD8070}"/>
+                </a:ext>
+              </a:extLst>
+            </p:cNvPr>
+            <p:cNvSpPr>
+              <a:spLocks noChangeArrowheads="1"/>
+            </p:cNvSpPr>
+            <p:nvPr/>
+          </p:nvSpPr>
+          <p:spPr bwMode="auto">
+            <a:xfrm>
+              <a:off x="353" y="618"/>
+              <a:ext cx="817" cy="817"/>
+            </a:xfrm>
+            <a:prstGeom prst="ellipse">
+              <a:avLst/>
+            </a:prstGeom>
+            <a:gradFill rotWithShape="1">
+              <a:gsLst>
+                <a:gs pos="0">
+                  <a:srgbClr val="FF0000">
+                    <a:gamma/>
+                    <a:tint val="60392"/>
+                    <a:invGamma/>
+                  </a:srgbClr>
+                </a:gs>
+                <a:gs pos="100000">
+                  <a:srgbClr val="FF0000"/>
+                </a:gs>
+              </a:gsLst>
+              <a:path path="shape">
+                <a:fillToRect l="50000" t="50000" r="50000" b="50000"/>
+              </a:path>
+            </a:gradFill>
+            <a:ln>
+              <a:noFill/>
+            </a:ln>
+            <a:effectLst/>
+            <a:extLst>
+              <a:ext uri="{91240B29-F687-4F45-9708-019B960494DF}">
+                <a14:hiddenLine xmlns:a14="http://schemas.microsoft.com/office/drawing/2010/main" w="9525">
+                  <a:solidFill>
+                    <a:srgbClr val="FF0000"/>
+                  </a:solidFill>
+                  <a:round/>
+                  <a:headEnd/>
+                  <a:tailEnd/>
+                </a14:hiddenLine>
+              </a:ext>
+              <a:ext uri="{AF507438-7753-43E0-B8FC-AC1667EBCBE1}">
+                <a14:hiddenEffects xmlns:a14="http://schemas.microsoft.com/office/drawing/2010/main">
+                  <a:effectLst>
+                    <a:outerShdw dist="35921" dir="2700000" algn="ctr" rotWithShape="0">
+                      <a:schemeClr val="bg2"/>
+                    </a:outerShdw>
+                  </a:effectLst>
+                </a14:hiddenEffects>
+              </a:ext>
+            </a:extLst>
+          </p:spPr>
+          <p:txBody>
+            <a:bodyPr wrap="none" anchor="ctr"/>
+            <a:lstStyle/>
+            <a:p>
+              <a:endParaRPr lang="ja-JP" altLang="en-US"/>
+            </a:p>
+          </p:txBody>
+        </p:sp>
+        <p:sp>
+          <p:nvSpPr>
+            <p:cNvPr id="14" name="Oval 20">
+              <a:extLst>
+                <a:ext uri="{FF2B5EF4-FFF2-40B4-BE49-F238E27FC236}">
+                  <a16:creationId xmlns="" xmlns:a16="http://schemas.microsoft.com/office/drawing/2014/main" id="{9BD5F5FE-EFD9-4804-9B3B-C6D91AFF363C}"/>
+                </a:ext>
+              </a:extLst>
+            </p:cNvPr>
+            <p:cNvSpPr>
+              <a:spLocks noChangeArrowheads="1"/>
+            </p:cNvSpPr>
+            <p:nvPr/>
+          </p:nvSpPr>
+          <p:spPr bwMode="auto">
+            <a:xfrm>
+              <a:off x="625" y="663"/>
+              <a:ext cx="454" cy="454"/>
+            </a:xfrm>
+            <a:prstGeom prst="ellipse">
+              <a:avLst/>
+            </a:prstGeom>
+            <a:gradFill rotWithShape="1">
+              <a:gsLst>
+                <a:gs pos="0">
+                  <a:schemeClr val="bg1">
+                    <a:alpha val="60001"/>
+                  </a:schemeClr>
+                </a:gs>
+                <a:gs pos="100000">
+                  <a:schemeClr val="bg1">
+                    <a:gamma/>
+                    <a:shade val="46275"/>
+                    <a:invGamma/>
+                    <a:alpha val="0"/>
+                  </a:schemeClr>
+                </a:gs>
+              </a:gsLst>
+              <a:path path="shape">
+                <a:fillToRect l="50000" t="50000" r="50000" b="50000"/>
+              </a:path>
+            </a:gradFill>
+            <a:ln>
+              <a:noFill/>
+            </a:ln>
+            <a:effectLst/>
+            <a:extLst>
+              <a:ext uri="{91240B29-F687-4F45-9708-019B960494DF}">
+                <a14:hiddenLine xmlns:a14="http://schemas.microsoft.com/office/drawing/2010/main" w="9525">
+                  <a:solidFill>
+                    <a:srgbClr val="FF0000"/>
+                  </a:solidFill>
+                  <a:round/>
+                  <a:headEnd/>
+                  <a:tailEnd/>
+                </a14:hiddenLine>
+              </a:ext>
+              <a:ext uri="{AF507438-7753-43E0-B8FC-AC1667EBCBE1}">
+                <a14:hiddenEffects xmlns:a14="http://schemas.microsoft.com/office/drawing/2010/main">
+                  <a:effectLst>
+                    <a:outerShdw dist="35921" dir="2700000" algn="ctr" rotWithShape="0">
+                      <a:schemeClr val="bg2"/>
+                    </a:outerShdw>
+                  </a:effectLst>
+                </a14:hiddenEffects>
+              </a:ext>
+            </a:extLst>
+          </p:spPr>
+          <p:txBody>
+            <a:bodyPr wrap="none" anchor="ctr"/>
+            <a:lstStyle/>
+            <a:p>
+              <a:endParaRPr lang="ja-JP" altLang="en-US"/>
+            </a:p>
+          </p:txBody>
+        </p:sp>
+        <p:grpSp>
+          <p:nvGrpSpPr>
+            <p:cNvPr id="15" name="Group 21">
+              <a:extLst>
+                <a:ext uri="{FF2B5EF4-FFF2-40B4-BE49-F238E27FC236}">
+                  <a16:creationId xmlns="" xmlns:a16="http://schemas.microsoft.com/office/drawing/2014/main" id="{7DB5FE9B-6714-4B4D-AB94-45F20F7D5C8E}"/>
+                </a:ext>
+              </a:extLst>
+            </p:cNvPr>
+            <p:cNvGrpSpPr>
+              <a:grpSpLocks/>
+            </p:cNvGrpSpPr>
+            <p:nvPr/>
+          </p:nvGrpSpPr>
+          <p:grpSpPr bwMode="auto">
+            <a:xfrm>
+              <a:off x="535" y="1177"/>
+              <a:ext cx="453" cy="212"/>
+              <a:chOff x="580" y="1207"/>
+              <a:chExt cx="363" cy="182"/>
+            </a:xfrm>
+          </p:grpSpPr>
+          <p:sp>
+            <p:nvSpPr>
+              <p:cNvPr id="18" name="AutoShape 22">
+                <a:extLst>
+                  <a:ext uri="{FF2B5EF4-FFF2-40B4-BE49-F238E27FC236}">
+                    <a16:creationId xmlns="" xmlns:a16="http://schemas.microsoft.com/office/drawing/2014/main" id="{4E5DF4CC-2B73-45EA-B083-30A68ED1FA2A}"/>
+                  </a:ext>
+                </a:extLst>
+              </p:cNvPr>
+              <p:cNvSpPr>
+                <a:spLocks noChangeArrowheads="1"/>
+              </p:cNvSpPr>
+              <p:nvPr/>
+            </p:nvSpPr>
+            <p:spPr bwMode="auto">
+              <a:xfrm rot="16200000">
+                <a:off x="671" y="1116"/>
+                <a:ext cx="182" cy="363"/>
+              </a:xfrm>
+              <a:prstGeom prst="moon">
+                <a:avLst>
+                  <a:gd name="adj" fmla="val 87500"/>
+                </a:avLst>
+              </a:prstGeom>
+              <a:gradFill rotWithShape="1">
+                <a:gsLst>
+                  <a:gs pos="0">
+                    <a:srgbClr val="FF99CC"/>
+                  </a:gs>
+                  <a:gs pos="100000">
+                    <a:srgbClr val="CC0000"/>
+                  </a:gs>
+                </a:gsLst>
+                <a:lin ang="0" scaled="1"/>
+              </a:gradFill>
+              <a:ln>
+                <a:noFill/>
+              </a:ln>
+              <a:effectLst/>
+              <a:extLst>
+                <a:ext uri="{91240B29-F687-4F45-9708-019B960494DF}">
+                  <a14:hiddenLine xmlns:a14="http://schemas.microsoft.com/office/drawing/2010/main" w="3175">
+                    <a:solidFill>
+                      <a:srgbClr val="333333"/>
+                    </a:solidFill>
+                    <a:miter lim="800000"/>
+                    <a:headEnd/>
+                    <a:tailEnd/>
+                  </a14:hiddenLine>
+                </a:ext>
+                <a:ext uri="{AF507438-7753-43E0-B8FC-AC1667EBCBE1}">
+                  <a14:hiddenEffects xmlns:a14="http://schemas.microsoft.com/office/drawing/2010/main">
+                    <a:effectLst>
+                      <a:outerShdw dist="35921" dir="2700000" algn="ctr" rotWithShape="0">
+                        <a:schemeClr val="bg2"/>
+                      </a:outerShdw>
+                    </a:effectLst>
+                  </a14:hiddenEffects>
+                </a:ext>
+              </a:extLst>
+            </p:spPr>
+            <p:txBody>
+              <a:bodyPr wrap="none" anchor="ctr"/>
+              <a:lstStyle/>
+              <a:p>
+                <a:endParaRPr lang="ja-JP" altLang="en-US"/>
+              </a:p>
+            </p:txBody>
+          </p:sp>
+          <p:sp>
+            <p:nvSpPr>
+              <p:cNvPr id="19" name="Freeform 23">
+                <a:extLst>
+                  <a:ext uri="{FF2B5EF4-FFF2-40B4-BE49-F238E27FC236}">
+                    <a16:creationId xmlns="" xmlns:a16="http://schemas.microsoft.com/office/drawing/2014/main" id="{A03184C6-4DC0-40F9-A025-A1F34226A187}"/>
+                  </a:ext>
+                </a:extLst>
+              </p:cNvPr>
+              <p:cNvSpPr>
+                <a:spLocks/>
+              </p:cNvSpPr>
+              <p:nvPr/>
+            </p:nvSpPr>
+            <p:spPr bwMode="auto">
+              <a:xfrm>
+                <a:off x="625" y="1298"/>
+                <a:ext cx="272" cy="91"/>
+              </a:xfrm>
+              <a:custGeom>
+                <a:avLst/>
+                <a:gdLst>
+                  <a:gd name="T0" fmla="*/ 136 w 272"/>
+                  <a:gd name="T1" fmla="*/ 136 h 136"/>
+                  <a:gd name="T2" fmla="*/ 0 w 272"/>
+                  <a:gd name="T3" fmla="*/ 45 h 136"/>
+                  <a:gd name="T4" fmla="*/ 136 w 272"/>
+                  <a:gd name="T5" fmla="*/ 0 h 136"/>
+                  <a:gd name="T6" fmla="*/ 272 w 272"/>
+                  <a:gd name="T7" fmla="*/ 45 h 136"/>
+                  <a:gd name="T8" fmla="*/ 136 w 272"/>
+                  <a:gd name="T9" fmla="*/ 136 h 136"/>
+                </a:gdLst>
+                <a:ahLst/>
+                <a:cxnLst>
+                  <a:cxn ang="0">
+                    <a:pos x="T0" y="T1"/>
+                  </a:cxn>
+                  <a:cxn ang="0">
+                    <a:pos x="T2" y="T3"/>
+                  </a:cxn>
+                  <a:cxn ang="0">
+                    <a:pos x="T4" y="T5"/>
+                  </a:cxn>
+                  <a:cxn ang="0">
+                    <a:pos x="T6" y="T7"/>
+                  </a:cxn>
+                  <a:cxn ang="0">
+                    <a:pos x="T8" y="T9"/>
+                  </a:cxn>
+                </a:cxnLst>
+                <a:rect l="0" t="0" r="r" b="b"/>
+                <a:pathLst>
+                  <a:path w="272" h="136">
+                    <a:moveTo>
+                      <a:pt x="136" y="136"/>
+                    </a:moveTo>
+                    <a:cubicBezTo>
+                      <a:pt x="91" y="136"/>
+                      <a:pt x="0" y="68"/>
+                      <a:pt x="0" y="45"/>
+                    </a:cubicBezTo>
+                    <a:cubicBezTo>
+                      <a:pt x="0" y="22"/>
+                      <a:pt x="91" y="0"/>
+                      <a:pt x="136" y="0"/>
+                    </a:cubicBezTo>
+                    <a:cubicBezTo>
+                      <a:pt x="181" y="0"/>
+                      <a:pt x="272" y="22"/>
+                      <a:pt x="272" y="45"/>
+                    </a:cubicBezTo>
+                    <a:cubicBezTo>
+                      <a:pt x="272" y="68"/>
+                      <a:pt x="181" y="136"/>
+                      <a:pt x="136" y="136"/>
+                    </a:cubicBezTo>
+                    <a:close/>
+                  </a:path>
+                </a:pathLst>
+              </a:custGeom>
+              <a:gradFill rotWithShape="1">
+                <a:gsLst>
+                  <a:gs pos="0">
+                    <a:srgbClr val="FF0000">
+                      <a:gamma/>
+                      <a:shade val="46275"/>
+                      <a:invGamma/>
+                    </a:srgbClr>
+                  </a:gs>
+                  <a:gs pos="100000">
+                    <a:srgbClr val="FF0000"/>
+                  </a:gs>
+                </a:gsLst>
+                <a:lin ang="5400000" scaled="1"/>
+              </a:gradFill>
+              <a:ln>
+                <a:noFill/>
+              </a:ln>
+              <a:effectLst/>
+              <a:extLst>
+                <a:ext uri="{91240B29-F687-4F45-9708-019B960494DF}">
+                  <a14:hiddenLine xmlns:a14="http://schemas.microsoft.com/office/drawing/2010/main" w="9525" cap="flat" cmpd="sng">
+                    <a:solidFill>
+                      <a:srgbClr val="FF0000"/>
+                    </a:solidFill>
+                    <a:prstDash val="solid"/>
+                    <a:round/>
+                    <a:headEnd/>
+                    <a:tailEnd/>
+                  </a14:hiddenLine>
+                </a:ext>
+                <a:ext uri="{AF507438-7753-43E0-B8FC-AC1667EBCBE1}">
+                  <a14:hiddenEffects xmlns:a14="http://schemas.microsoft.com/office/drawing/2010/main">
+                    <a:effectLst>
+                      <a:outerShdw dist="35921" dir="2700000" algn="ctr" rotWithShape="0">
+                        <a:schemeClr val="bg2"/>
+                      </a:outerShdw>
+                    </a:effectLst>
+                  </a14:hiddenEffects>
+                </a:ext>
+              </a:extLst>
+            </p:spPr>
+            <p:txBody>
+              <a:bodyPr/>
+              <a:lstStyle/>
+              <a:p>
+                <a:endParaRPr lang="ja-JP" altLang="en-US"/>
+              </a:p>
+            </p:txBody>
+          </p:sp>
+        </p:grpSp>
+        <p:sp>
+          <p:nvSpPr>
+            <p:cNvPr id="16" name="AutoShape 36">
+              <a:extLst>
+                <a:ext uri="{FF2B5EF4-FFF2-40B4-BE49-F238E27FC236}">
+                  <a16:creationId xmlns="" xmlns:a16="http://schemas.microsoft.com/office/drawing/2014/main" id="{C65C2922-0F06-4601-991B-D9188A55C388}"/>
+                </a:ext>
+              </a:extLst>
+            </p:cNvPr>
+            <p:cNvSpPr>
+              <a:spLocks noChangeArrowheads="1"/>
+            </p:cNvSpPr>
+            <p:nvPr/>
+          </p:nvSpPr>
+          <p:spPr bwMode="auto">
+            <a:xfrm>
+              <a:off x="444" y="890"/>
+              <a:ext cx="272" cy="272"/>
+            </a:xfrm>
+            <a:custGeom>
+              <a:avLst/>
+              <a:gdLst>
+                <a:gd name="G0" fmla="+- 8146 0 0"/>
+                <a:gd name="G1" fmla="+- -11686764 0 0"/>
+                <a:gd name="G2" fmla="+- 0 0 -11686764"/>
+                <a:gd name="T0" fmla="*/ 0 256 1"/>
+                <a:gd name="T1" fmla="*/ 180 256 1"/>
+                <a:gd name="G3" fmla="+- -11686764 T0 T1"/>
+                <a:gd name="T2" fmla="*/ 0 256 1"/>
+                <a:gd name="T3" fmla="*/ 90 256 1"/>
+                <a:gd name="G4" fmla="+- -11686764 T2 T3"/>
+                <a:gd name="G5" fmla="*/ G4 2 1"/>
+                <a:gd name="T4" fmla="*/ 90 256 1"/>
+                <a:gd name="T5" fmla="*/ 0 256 1"/>
+                <a:gd name="G6" fmla="+- -11686764 T4 T5"/>
+                <a:gd name="G7" fmla="*/ G6 2 1"/>
+                <a:gd name="G8" fmla="abs -11686764"/>
+                <a:gd name="T6" fmla="*/ 0 256 1"/>
+                <a:gd name="T7" fmla="*/ 90 256 1"/>
+                <a:gd name="G9" fmla="+- G8 T6 T7"/>
+                <a:gd name="G10" fmla="?: G9 G7 G5"/>
+                <a:gd name="T8" fmla="*/ 0 256 1"/>
+                <a:gd name="T9" fmla="*/ 360 256 1"/>
+                <a:gd name="G11" fmla="+- G10 T8 T9"/>
+                <a:gd name="G12" fmla="?: G10 G11 G10"/>
+                <a:gd name="T10" fmla="*/ 0 256 1"/>
+                <a:gd name="T11" fmla="*/ 360 256 1"/>
+                <a:gd name="G13" fmla="+- G12 T10 T11"/>
+                <a:gd name="G14" fmla="?: G12 G13 G12"/>
+                <a:gd name="G15" fmla="+- 0 0 G14"/>
+                <a:gd name="G16" fmla="+- 10800 0 0"/>
+                <a:gd name="G17" fmla="+- 10800 0 8146"/>
+                <a:gd name="G18" fmla="*/ 8146 1 2"/>
+                <a:gd name="G19" fmla="+- G18 5400 0"/>
+                <a:gd name="G20" fmla="cos G19 -11686764"/>
+                <a:gd name="G21" fmla="sin G19 -11686764"/>
+                <a:gd name="G22" fmla="+- G20 10800 0"/>
+                <a:gd name="G23" fmla="+- G21 10800 0"/>
+                <a:gd name="G24" fmla="+- 10800 0 G20"/>
+                <a:gd name="G25" fmla="+- 8146 10800 0"/>
+                <a:gd name="G26" fmla="?: G9 G17 G25"/>
+                <a:gd name="G27" fmla="?: G9 0 21600"/>
+                <a:gd name="G28" fmla="cos 10800 -11686764"/>
+                <a:gd name="G29" fmla="sin 10800 -11686764"/>
+                <a:gd name="G30" fmla="sin 8146 -11686764"/>
+                <a:gd name="G31" fmla="+- G28 10800 0"/>
+                <a:gd name="G32" fmla="+- G29 10800 0"/>
+                <a:gd name="G33" fmla="+- G30 10800 0"/>
+                <a:gd name="G34" fmla="?: G4 0 G31"/>
+                <a:gd name="G35" fmla="?: -11686764 G34 0"/>
+                <a:gd name="G36" fmla="?: G6 G35 G31"/>
+                <a:gd name="G37" fmla="+- 21600 0 G36"/>
+                <a:gd name="G38" fmla="?: G4 0 G33"/>
+                <a:gd name="G39" fmla="?: -11686764 G38 G32"/>
+                <a:gd name="G40" fmla="?: G6 G39 0"/>
+                <a:gd name="G41" fmla="?: G4 G32 21600"/>
+                <a:gd name="G42" fmla="?: G6 G41 G33"/>
+                <a:gd name="T12" fmla="*/ 10800 w 21600"/>
+                <a:gd name="T13" fmla="*/ 0 h 21600"/>
+                <a:gd name="T14" fmla="*/ 1331 w 21600"/>
+                <a:gd name="T15" fmla="*/ 10523 h 21600"/>
+                <a:gd name="T16" fmla="*/ 10800 w 21600"/>
+                <a:gd name="T17" fmla="*/ 2654 h 21600"/>
+                <a:gd name="T18" fmla="*/ 20269 w 21600"/>
+                <a:gd name="T19" fmla="*/ 10523 h 21600"/>
+                <a:gd name="T20" fmla="*/ G36 w 21600"/>
+                <a:gd name="T21" fmla="*/ G40 h 21600"/>
+                <a:gd name="T22" fmla="*/ G37 w 21600"/>
+                <a:gd name="T23" fmla="*/ G42 h 21600"/>
+              </a:gdLst>
+              <a:ahLst/>
+              <a:cxnLst>
+                <a:cxn ang="0">
+                  <a:pos x="T12" y="T13"/>
+                </a:cxn>
+                <a:cxn ang="0">
+                  <a:pos x="T14" y="T15"/>
+                </a:cxn>
+                <a:cxn ang="0">
+                  <a:pos x="T16" y="T17"/>
+                </a:cxn>
+                <a:cxn ang="0">
+                  <a:pos x="T18" y="T19"/>
+                </a:cxn>
+              </a:cxnLst>
+              <a:rect l="T20" t="T21" r="T22" b="T23"/>
+              <a:pathLst>
+                <a:path w="21600" h="21600">
+                  <a:moveTo>
+                    <a:pt x="2657" y="10562"/>
+                  </a:moveTo>
+                  <a:cubicBezTo>
+                    <a:pt x="2786" y="6157"/>
+                    <a:pt x="6393" y="2654"/>
+                    <a:pt x="10800" y="2654"/>
+                  </a:cubicBezTo>
+                  <a:cubicBezTo>
+                    <a:pt x="15206" y="2654"/>
+                    <a:pt x="18813" y="6157"/>
+                    <a:pt x="18942" y="10562"/>
+                  </a:cubicBezTo>
+                  <a:lnTo>
+                    <a:pt x="21595" y="10484"/>
+                  </a:lnTo>
+                  <a:cubicBezTo>
+                    <a:pt x="21424" y="4645"/>
+                    <a:pt x="16641" y="0"/>
+                    <a:pt x="10799" y="0"/>
+                  </a:cubicBezTo>
+                  <a:cubicBezTo>
+                    <a:pt x="4958" y="0"/>
+                    <a:pt x="175" y="4645"/>
+                    <a:pt x="4" y="10484"/>
+                  </a:cubicBezTo>
+                  <a:close/>
+                </a:path>
+              </a:pathLst>
+            </a:custGeom>
+            <a:solidFill>
+              <a:schemeClr val="tx1"/>
+            </a:solidFill>
+            <a:ln>
+              <a:noFill/>
+            </a:ln>
+            <a:effectLst/>
+            <a:extLst>
+              <a:ext uri="{91240B29-F687-4F45-9708-019B960494DF}">
+                <a14:hiddenLine xmlns:a14="http://schemas.microsoft.com/office/drawing/2010/main" w="9525">
+                  <a:solidFill>
+                    <a:srgbClr val="FF0000"/>
+                  </a:solidFill>
+                  <a:miter lim="800000"/>
+                  <a:headEnd/>
+                  <a:tailEnd/>
+                </a14:hiddenLine>
+              </a:ext>
+              <a:ext uri="{AF507438-7753-43E0-B8FC-AC1667EBCBE1}">
+                <a14:hiddenEffects xmlns:a14="http://schemas.microsoft.com/office/drawing/2010/main">
+                  <a:effectLst>
+                    <a:outerShdw dist="35921" dir="2700000" algn="ctr" rotWithShape="0">
+                      <a:schemeClr val="bg2"/>
+                    </a:outerShdw>
+                  </a:effectLst>
+                </a14:hiddenEffects>
+              </a:ext>
+            </a:extLst>
+          </p:spPr>
+          <p:txBody>
+            <a:bodyPr wrap="none" anchor="ctr"/>
+            <a:lstStyle/>
+            <a:p>
+              <a:endParaRPr lang="ja-JP" altLang="en-US"/>
+            </a:p>
+          </p:txBody>
+        </p:sp>
+        <p:sp>
+          <p:nvSpPr>
+            <p:cNvPr id="17" name="AutoShape 37">
+              <a:extLst>
+                <a:ext uri="{FF2B5EF4-FFF2-40B4-BE49-F238E27FC236}">
+                  <a16:creationId xmlns="" xmlns:a16="http://schemas.microsoft.com/office/drawing/2014/main" id="{9028FBF9-F253-4134-8311-3707C3C5DB2F}"/>
+                </a:ext>
+              </a:extLst>
+            </p:cNvPr>
+            <p:cNvSpPr>
+              <a:spLocks noChangeArrowheads="1"/>
+            </p:cNvSpPr>
+            <p:nvPr/>
+          </p:nvSpPr>
+          <p:spPr bwMode="auto">
+            <a:xfrm>
+              <a:off x="807" y="890"/>
+              <a:ext cx="272" cy="272"/>
+            </a:xfrm>
+            <a:custGeom>
+              <a:avLst/>
+              <a:gdLst>
+                <a:gd name="G0" fmla="+- 8146 0 0"/>
+                <a:gd name="G1" fmla="+- -11686764 0 0"/>
+                <a:gd name="G2" fmla="+- 0 0 -11686764"/>
+                <a:gd name="T0" fmla="*/ 0 256 1"/>
+                <a:gd name="T1" fmla="*/ 180 256 1"/>
+                <a:gd name="G3" fmla="+- -11686764 T0 T1"/>
+                <a:gd name="T2" fmla="*/ 0 256 1"/>
+                <a:gd name="T3" fmla="*/ 90 256 1"/>
+                <a:gd name="G4" fmla="+- -11686764 T2 T3"/>
+                <a:gd name="G5" fmla="*/ G4 2 1"/>
+                <a:gd name="T4" fmla="*/ 90 256 1"/>
+                <a:gd name="T5" fmla="*/ 0 256 1"/>
+                <a:gd name="G6" fmla="+- -11686764 T4 T5"/>
+                <a:gd name="G7" fmla="*/ G6 2 1"/>
+                <a:gd name="G8" fmla="abs -11686764"/>
+                <a:gd name="T6" fmla="*/ 0 256 1"/>
+                <a:gd name="T7" fmla="*/ 90 256 1"/>
+                <a:gd name="G9" fmla="+- G8 T6 T7"/>
+                <a:gd name="G10" fmla="?: G9 G7 G5"/>
+                <a:gd name="T8" fmla="*/ 0 256 1"/>
+                <a:gd name="T9" fmla="*/ 360 256 1"/>
+                <a:gd name="G11" fmla="+- G10 T8 T9"/>
+                <a:gd name="G12" fmla="?: G10 G11 G10"/>
+                <a:gd name="T10" fmla="*/ 0 256 1"/>
+                <a:gd name="T11" fmla="*/ 360 256 1"/>
+                <a:gd name="G13" fmla="+- G12 T10 T11"/>
+                <a:gd name="G14" fmla="?: G12 G13 G12"/>
+                <a:gd name="G15" fmla="+- 0 0 G14"/>
+                <a:gd name="G16" fmla="+- 10800 0 0"/>
+                <a:gd name="G17" fmla="+- 10800 0 8146"/>
+                <a:gd name="G18" fmla="*/ 8146 1 2"/>
+                <a:gd name="G19" fmla="+- G18 5400 0"/>
+                <a:gd name="G20" fmla="cos G19 -11686764"/>
+                <a:gd name="G21" fmla="sin G19 -11686764"/>
+                <a:gd name="G22" fmla="+- G20 10800 0"/>
+                <a:gd name="G23" fmla="+- G21 10800 0"/>
+                <a:gd name="G24" fmla="+- 10800 0 G20"/>
+                <a:gd name="G25" fmla="+- 8146 10800 0"/>
+                <a:gd name="G26" fmla="?: G9 G17 G25"/>
+                <a:gd name="G27" fmla="?: G9 0 21600"/>
+                <a:gd name="G28" fmla="cos 10800 -11686764"/>
+                <a:gd name="G29" fmla="sin 10800 -11686764"/>
+                <a:gd name="G30" fmla="sin 8146 -11686764"/>
+                <a:gd name="G31" fmla="+- G28 10800 0"/>
+                <a:gd name="G32" fmla="+- G29 10800 0"/>
+                <a:gd name="G33" fmla="+- G30 10800 0"/>
+                <a:gd name="G34" fmla="?: G4 0 G31"/>
+                <a:gd name="G35" fmla="?: -11686764 G34 0"/>
+                <a:gd name="G36" fmla="?: G6 G35 G31"/>
+                <a:gd name="G37" fmla="+- 21600 0 G36"/>
+                <a:gd name="G38" fmla="?: G4 0 G33"/>
+                <a:gd name="G39" fmla="?: -11686764 G38 G32"/>
+                <a:gd name="G40" fmla="?: G6 G39 0"/>
+                <a:gd name="G41" fmla="?: G4 G32 21600"/>
+                <a:gd name="G42" fmla="?: G6 G41 G33"/>
+                <a:gd name="T12" fmla="*/ 10800 w 21600"/>
+                <a:gd name="T13" fmla="*/ 0 h 21600"/>
+                <a:gd name="T14" fmla="*/ 1331 w 21600"/>
+                <a:gd name="T15" fmla="*/ 10523 h 21600"/>
+                <a:gd name="T16" fmla="*/ 10800 w 21600"/>
+                <a:gd name="T17" fmla="*/ 2654 h 21600"/>
+                <a:gd name="T18" fmla="*/ 20269 w 21600"/>
+                <a:gd name="T19" fmla="*/ 10523 h 21600"/>
+                <a:gd name="T20" fmla="*/ G36 w 21600"/>
+                <a:gd name="T21" fmla="*/ G40 h 21600"/>
+                <a:gd name="T22" fmla="*/ G37 w 21600"/>
+                <a:gd name="T23" fmla="*/ G42 h 21600"/>
+              </a:gdLst>
+              <a:ahLst/>
+              <a:cxnLst>
+                <a:cxn ang="0">
+                  <a:pos x="T12" y="T13"/>
+                </a:cxn>
+                <a:cxn ang="0">
+                  <a:pos x="T14" y="T15"/>
+                </a:cxn>
+                <a:cxn ang="0">
+                  <a:pos x="T16" y="T17"/>
+                </a:cxn>
+                <a:cxn ang="0">
+                  <a:pos x="T18" y="T19"/>
+                </a:cxn>
+              </a:cxnLst>
+              <a:rect l="T20" t="T21" r="T22" b="T23"/>
+              <a:pathLst>
+                <a:path w="21600" h="21600">
+                  <a:moveTo>
+                    <a:pt x="2657" y="10562"/>
+                  </a:moveTo>
+                  <a:cubicBezTo>
+                    <a:pt x="2786" y="6157"/>
+                    <a:pt x="6393" y="2654"/>
+                    <a:pt x="10800" y="2654"/>
+                  </a:cubicBezTo>
+                  <a:cubicBezTo>
+                    <a:pt x="15206" y="2654"/>
+                    <a:pt x="18813" y="6157"/>
+                    <a:pt x="18942" y="10562"/>
+                  </a:cubicBezTo>
+                  <a:lnTo>
+                    <a:pt x="21595" y="10484"/>
+                  </a:lnTo>
+                  <a:cubicBezTo>
+                    <a:pt x="21424" y="4645"/>
+                    <a:pt x="16641" y="0"/>
+                    <a:pt x="10799" y="0"/>
+                  </a:cubicBezTo>
+                  <a:cubicBezTo>
+                    <a:pt x="4958" y="0"/>
+                    <a:pt x="175" y="4645"/>
+                    <a:pt x="4" y="10484"/>
+                  </a:cubicBezTo>
+                  <a:close/>
+                </a:path>
+              </a:pathLst>
+            </a:custGeom>
+            <a:solidFill>
+              <a:schemeClr val="tx1"/>
+            </a:solidFill>
+            <a:ln>
+              <a:noFill/>
+            </a:ln>
+            <a:effectLst/>
+            <a:extLst>
+              <a:ext uri="{91240B29-F687-4F45-9708-019B960494DF}">
+                <a14:hiddenLine xmlns:a14="http://schemas.microsoft.com/office/drawing/2010/main" w="9525">
+                  <a:solidFill>
+                    <a:srgbClr val="FF0000"/>
+                  </a:solidFill>
+                  <a:miter lim="800000"/>
+                  <a:headEnd/>
+                  <a:tailEnd/>
+                </a14:hiddenLine>
+              </a:ext>
+              <a:ext uri="{AF507438-7753-43E0-B8FC-AC1667EBCBE1}">
+                <a14:hiddenEffects xmlns:a14="http://schemas.microsoft.com/office/drawing/2010/main">
+                  <a:effectLst>
+                    <a:outerShdw dist="35921" dir="2700000" algn="ctr" rotWithShape="0">
+                      <a:schemeClr val="bg2"/>
+                    </a:outerShdw>
+                  </a:effectLst>
+                </a14:hiddenEffects>
+              </a:ext>
+            </a:extLst>
+          </p:spPr>
+          <p:txBody>
+            <a:bodyPr wrap="none" anchor="ctr"/>
+            <a:lstStyle/>
+            <a:p>
+              <a:endParaRPr lang="ja-JP" altLang="en-US"/>
+            </a:p>
+          </p:txBody>
+        </p:sp>
+      </p:grpSp>
+      <p:sp>
+        <p:nvSpPr>
+          <p:cNvPr id="20" name="正方形/長方形 19"/>
+          <p:cNvSpPr/>
+          <p:nvPr/>
+        </p:nvSpPr>
+        <p:spPr bwMode="auto">
+          <a:xfrm>
+            <a:off x="2255547" y="1051322"/>
+            <a:ext cx="4261005" cy="3593830"/>
+          </a:xfrm>
+          <a:prstGeom prst="rect">
+            <a:avLst/>
+          </a:prstGeom>
+          <a:noFill/>
+          <a:ln>
+            <a:solidFill>
+              <a:srgbClr val="C00000"/>
+            </a:solidFill>
+          </a:ln>
+          <a:effectLst/>
+          <a:extLst/>
+        </p:spPr>
+        <p:txBody>
+          <a:bodyPr rot="0" spcFirstLastPara="0" vertOverflow="overflow" horzOverflow="overflow" vert="horz" wrap="square" lIns="91440" tIns="45720" rIns="91440" bIns="45720" numCol="1" spcCol="0" rtlCol="0" fromWordArt="0" anchor="t" anchorCtr="0" forceAA="0" compatLnSpc="1">
+            <a:prstTxWarp prst="textNoShape">
+              <a:avLst/>
+            </a:prstTxWarp>
+            <a:noAutofit/>
+          </a:bodyPr>
+          <a:lstStyle/>
+          <a:p>
+            <a:r>
+              <a:rPr lang="en-US" altLang="ja-JP" dirty="0">
+                <a:solidFill>
+                  <a:srgbClr val="00B050"/>
+                </a:solidFill>
+                <a:latin typeface="+mj-ea"/>
+              </a:rPr>
+              <a:t>【</a:t>
+            </a:r>
+            <a:r>
+              <a:rPr lang="ja-JP" altLang="en-US" dirty="0">
+                <a:solidFill>
+                  <a:srgbClr val="00B050"/>
+                </a:solidFill>
+                <a:latin typeface="+mj-ea"/>
+              </a:rPr>
+              <a:t>官庁総合運用テスト支援ツール</a:t>
+            </a:r>
+            <a:r>
+              <a:rPr lang="en-US" altLang="ja-JP" dirty="0">
+                <a:solidFill>
+                  <a:srgbClr val="00B050"/>
+                </a:solidFill>
+                <a:latin typeface="+mj-ea"/>
+              </a:rPr>
+              <a:t>】</a:t>
+            </a:r>
+          </a:p>
+          <a:p>
+            <a:r>
+              <a:rPr lang="ja-JP" altLang="en-US" dirty="0">
+                <a:solidFill>
+                  <a:srgbClr val="00B050"/>
+                </a:solidFill>
+                <a:latin typeface="+mj-ea"/>
+              </a:rPr>
+              <a:t>社内で２名開発メンバーの</a:t>
+            </a:r>
+            <a:r>
+              <a:rPr lang="ja-JP" altLang="en-US" dirty="0" smtClean="0">
+                <a:solidFill>
+                  <a:srgbClr val="00B050"/>
+                </a:solidFill>
+                <a:latin typeface="+mj-ea"/>
+              </a:rPr>
+              <a:t>リーダー</a:t>
+            </a:r>
+            <a:endParaRPr lang="en-US" altLang="ja-JP" dirty="0" smtClean="0">
+              <a:solidFill>
+                <a:srgbClr val="FF0000"/>
+              </a:solidFill>
+              <a:latin typeface="+mj-ea"/>
+              <a:ea typeface="+mj-ea"/>
+            </a:endParaRPr>
+          </a:p>
+          <a:p>
+            <a:endParaRPr lang="en-US" altLang="ja-JP" dirty="0" smtClean="0">
+              <a:solidFill>
+                <a:srgbClr val="FF0000"/>
+              </a:solidFill>
+              <a:latin typeface="+mj-ea"/>
+              <a:ea typeface="+mj-ea"/>
+            </a:endParaRPr>
+          </a:p>
+          <a:p>
+            <a:pPr marL="285750" indent="-285750">
+              <a:buFont typeface="Arial" panose="020B0604020202020204" pitchFamily="34" charset="0"/>
+              <a:buChar char="•"/>
+            </a:pPr>
+            <a:r>
+              <a:rPr lang="ja-JP" altLang="en-US" dirty="0" smtClean="0">
+                <a:solidFill>
+                  <a:srgbClr val="FF0000"/>
+                </a:solidFill>
+                <a:latin typeface="+mj-ea"/>
+                <a:ea typeface="+mj-ea"/>
+              </a:rPr>
+              <a:t>厳しいスケジュールで、顧客と調整し、二段階納品。</a:t>
+            </a:r>
+            <a:endParaRPr lang="en-US" altLang="ja-JP" dirty="0">
+              <a:solidFill>
+                <a:srgbClr val="FF0000"/>
+              </a:solidFill>
+              <a:latin typeface="+mj-ea"/>
+              <a:ea typeface="+mj-ea"/>
+            </a:endParaRPr>
+          </a:p>
+          <a:p>
+            <a:endParaRPr lang="en-US" altLang="ja-JP" dirty="0">
+              <a:solidFill>
+                <a:srgbClr val="FF0000"/>
+              </a:solidFill>
+              <a:latin typeface="+mj-ea"/>
+              <a:ea typeface="+mj-ea"/>
+            </a:endParaRPr>
+          </a:p>
+          <a:p>
+            <a:pPr marL="285750" indent="-285750">
+              <a:buFont typeface="Arial" panose="020B0604020202020204" pitchFamily="34" charset="0"/>
+              <a:buChar char="•"/>
+            </a:pPr>
+            <a:r>
+              <a:rPr lang="ja-JP" altLang="en-US" dirty="0" smtClean="0">
+                <a:solidFill>
+                  <a:srgbClr val="FF0000"/>
+                </a:solidFill>
+                <a:latin typeface="+mj-ea"/>
+                <a:ea typeface="+mj-ea"/>
+              </a:rPr>
+              <a:t>パートナーさんがメールなどがない</a:t>
+            </a:r>
+            <a:r>
+              <a:rPr lang="ja-JP" altLang="en-US" dirty="0">
+                <a:solidFill>
+                  <a:srgbClr val="FF0000"/>
+                </a:solidFill>
+                <a:latin typeface="+mj-ea"/>
+                <a:ea typeface="+mj-ea"/>
+              </a:rPr>
+              <a:t>ので、</a:t>
+            </a:r>
+            <a:r>
+              <a:rPr lang="en-US" altLang="ja-JP" dirty="0">
+                <a:solidFill>
+                  <a:srgbClr val="FF0000"/>
+                </a:solidFill>
+                <a:latin typeface="+mj-ea"/>
+                <a:ea typeface="+mj-ea"/>
+              </a:rPr>
+              <a:t>WeChat</a:t>
+            </a:r>
+            <a:r>
+              <a:rPr lang="ja-JP" altLang="en-US" dirty="0">
+                <a:solidFill>
+                  <a:srgbClr val="FF0000"/>
+                </a:solidFill>
+                <a:latin typeface="+mj-ea"/>
+                <a:ea typeface="+mj-ea"/>
+              </a:rPr>
+              <a:t>などを活用し、コミュニケーションを取った</a:t>
+            </a:r>
+            <a:r>
+              <a:rPr lang="ja-JP" altLang="en-US" dirty="0" smtClean="0">
+                <a:solidFill>
+                  <a:srgbClr val="FF0000"/>
+                </a:solidFill>
+                <a:latin typeface="+mj-ea"/>
+                <a:ea typeface="+mj-ea"/>
+              </a:rPr>
+              <a:t>。</a:t>
+            </a:r>
+            <a:endParaRPr lang="en-US" altLang="ja-JP" dirty="0" smtClean="0">
+              <a:solidFill>
+                <a:srgbClr val="FF0000"/>
+              </a:solidFill>
+              <a:latin typeface="+mj-ea"/>
+              <a:ea typeface="+mj-ea"/>
+            </a:endParaRPr>
+          </a:p>
+          <a:p>
+            <a:pPr marL="285750" indent="-285750">
+              <a:buFont typeface="Arial" panose="020B0604020202020204" pitchFamily="34" charset="0"/>
+              <a:buChar char="•"/>
+            </a:pPr>
+            <a:endParaRPr lang="en-US" altLang="ja-JP" dirty="0">
+              <a:solidFill>
+                <a:srgbClr val="FF0000"/>
+              </a:solidFill>
+              <a:latin typeface="+mj-ea"/>
+              <a:ea typeface="+mj-ea"/>
+            </a:endParaRPr>
+          </a:p>
+          <a:p>
+            <a:pPr marL="285750" indent="-285750">
+              <a:buFont typeface="Arial" panose="020B0604020202020204" pitchFamily="34" charset="0"/>
+              <a:buChar char="•"/>
+            </a:pPr>
+            <a:r>
+              <a:rPr lang="ja-JP" altLang="en-US" dirty="0" smtClean="0">
+                <a:solidFill>
+                  <a:srgbClr val="FF0000"/>
+                </a:solidFill>
+                <a:latin typeface="+mj-ea"/>
+                <a:ea typeface="+mj-ea"/>
+              </a:rPr>
+              <a:t>成果物を最終的にチェックと整理し、顧客に</a:t>
+            </a:r>
+            <a:r>
+              <a:rPr lang="ja-JP" altLang="en-US" dirty="0">
+                <a:solidFill>
+                  <a:srgbClr val="FF0000"/>
+                </a:solidFill>
+                <a:latin typeface="+mj-ea"/>
+                <a:ea typeface="+mj-ea"/>
+              </a:rPr>
+              <a:t>提出</a:t>
+            </a:r>
+            <a:r>
+              <a:rPr lang="ja-JP" altLang="en-US" dirty="0" smtClean="0">
+                <a:solidFill>
+                  <a:srgbClr val="FF0000"/>
+                </a:solidFill>
+                <a:latin typeface="+mj-ea"/>
+                <a:ea typeface="+mj-ea"/>
+              </a:rPr>
+              <a:t>。</a:t>
+            </a:r>
+            <a:endParaRPr lang="en-US" altLang="ja-JP" dirty="0" smtClean="0">
+              <a:solidFill>
+                <a:srgbClr val="FF0000"/>
+              </a:solidFill>
+              <a:latin typeface="+mj-ea"/>
+              <a:ea typeface="+mj-ea"/>
+            </a:endParaRPr>
+          </a:p>
+          <a:p>
+            <a:endParaRPr lang="en-US" altLang="ja-JP" dirty="0" smtClean="0">
+              <a:solidFill>
+                <a:srgbClr val="FF0000"/>
+              </a:solidFill>
+              <a:latin typeface="+mj-ea"/>
+              <a:ea typeface="+mj-ea"/>
+            </a:endParaRPr>
+          </a:p>
+          <a:p>
+            <a:endParaRPr lang="en-US" altLang="ja-JP" dirty="0">
+              <a:solidFill>
+                <a:srgbClr val="FF0000"/>
+              </a:solidFill>
+              <a:latin typeface="+mj-ea"/>
+              <a:ea typeface="+mj-ea"/>
+            </a:endParaRPr>
+          </a:p>
+          <a:p>
+            <a:endParaRPr lang="en-US" altLang="ja-JP" dirty="0" smtClean="0">
+              <a:solidFill>
+                <a:srgbClr val="FF0000"/>
+              </a:solidFill>
+              <a:latin typeface="+mj-ea"/>
+              <a:ea typeface="+mj-ea"/>
+            </a:endParaRPr>
+          </a:p>
+          <a:p>
+            <a:endParaRPr lang="en-US" altLang="ja-JP" dirty="0" smtClean="0">
+              <a:solidFill>
+                <a:srgbClr val="FF0000"/>
+              </a:solidFill>
+              <a:latin typeface="+mj-ea"/>
+              <a:ea typeface="+mj-ea"/>
+            </a:endParaRPr>
+          </a:p>
+          <a:p>
+            <a:endParaRPr lang="en-US" altLang="ja-JP" dirty="0" smtClean="0">
+              <a:solidFill>
+                <a:srgbClr val="FF0000"/>
+              </a:solidFill>
+              <a:latin typeface="+mj-ea"/>
+              <a:ea typeface="+mj-ea"/>
+            </a:endParaRPr>
+          </a:p>
+          <a:p>
+            <a:endParaRPr lang="en-US" altLang="ja-JP" dirty="0" smtClean="0">
+              <a:solidFill>
+                <a:srgbClr val="FF0000"/>
+              </a:solidFill>
+              <a:latin typeface="+mj-ea"/>
+              <a:ea typeface="+mj-ea"/>
+            </a:endParaRPr>
+          </a:p>
+          <a:p>
+            <a:endParaRPr lang="en-US" altLang="ja-JP" dirty="0" smtClean="0">
+              <a:solidFill>
+                <a:srgbClr val="FF0000"/>
+              </a:solidFill>
+              <a:latin typeface="+mj-ea"/>
+              <a:ea typeface="+mj-ea"/>
+            </a:endParaRPr>
+          </a:p>
+          <a:p>
+            <a:endParaRPr lang="en-US" altLang="ja-JP" dirty="0" smtClean="0">
+              <a:solidFill>
+                <a:srgbClr val="FF0000"/>
+              </a:solidFill>
+              <a:latin typeface="+mj-ea"/>
+              <a:ea typeface="+mj-ea"/>
+            </a:endParaRPr>
+          </a:p>
+        </p:txBody>
+      </p:sp>
+    </p:spTree>
+    <p:extLst>
+      <p:ext uri="{BB962C8B-B14F-4D97-AF65-F5344CB8AC3E}">
+        <p14:creationId xmlns:p14="http://schemas.microsoft.com/office/powerpoint/2010/main" val="3094297179"/>
+      </p:ext>
+    </p:extLst>
+  </p:cSld>
+  <p:clrMapOvr>
+    <a:masterClrMapping/>
+  </p:clrMapOvr>
+  <p:timing>
+    <p:tnLst>
+      <p:par>
+        <p:cTn id="1" dur="indefinite" restart="never" nodeType="tmRoot"/>
+      </p:par>
+    </p:tnLst>
+  </p:timing>
+</p:sld>
+</file>
+
+<file path=ppt/slides/slide11.xml><?xml version="1.0" encoding="utf-8"?>
+<p:sld xmlns:a="http://schemas.openxmlformats.org/drawingml/2006/main" xmlns:r="http://schemas.openxmlformats.org/officeDocument/2006/relationships" xmlns:p="http://schemas.openxmlformats.org/presentationml/2006/main">
+  <p:cSld>
+    <p:spTree>
+      <p:nvGrpSpPr>
+        <p:cNvPr id="1" name=""/>
+        <p:cNvGrpSpPr/>
+        <p:nvPr/>
+      </p:nvGrpSpPr>
+      <p:grpSpPr>
+        <a:xfrm>
+          <a:off x="0" y="0"/>
+          <a:ext cx="0" cy="0"/>
+          <a:chOff x="0" y="0"/>
+          <a:chExt cx="0" cy="0"/>
+        </a:xfrm>
+      </p:grpSpPr>
+      <p:sp>
+        <p:nvSpPr>
+          <p:cNvPr id="2" name="タイトル 1"/>
+          <p:cNvSpPr>
+            <a:spLocks noGrp="1"/>
+          </p:cNvSpPr>
+          <p:nvPr>
+            <p:ph type="title"/>
+          </p:nvPr>
+        </p:nvSpPr>
         <p:spPr/>
         <p:txBody>
           <a:bodyPr/>
@@ -4568,7 +5893,7 @@
 </p:sld>
 </file>
 
-<file path=ppt/slides/slide11.xml><?xml version="1.0" encoding="utf-8"?>
+<file path=ppt/slides/slide12.xml><?xml version="1.0" encoding="utf-8"?>
 <p:sld xmlns:a="http://schemas.openxmlformats.org/drawingml/2006/main" xmlns:r="http://schemas.openxmlformats.org/officeDocument/2006/relationships" xmlns:p="http://schemas.openxmlformats.org/presentationml/2006/main">
   <p:cSld>
     <p:spTree>
@@ -4773,7 +6098,7 @@
 </p:sld>
 </file>
 
-<file path=ppt/slides/slide12.xml><?xml version="1.0" encoding="utf-8"?>
+<file path=ppt/slides/slide13.xml><?xml version="1.0" encoding="utf-8"?>
 <p:sld xmlns:a="http://schemas.openxmlformats.org/drawingml/2006/main" xmlns:r="http://schemas.openxmlformats.org/officeDocument/2006/relationships" xmlns:p="http://schemas.openxmlformats.org/presentationml/2006/main">
   <p:cSld>
     <p:spTree>
@@ -5067,14 +6392,7 @@
                 <a:latin typeface="+mn-ea"/>
                 <a:ea typeface="+mn-ea"/>
               </a:rPr>
-              <a:t>．履歴紹介（省略</a:t>
-            </a:r>
-            <a:r>
-              <a:rPr lang="ja-JP" altLang="en-US" sz="1600" dirty="0" smtClean="0">
-                <a:latin typeface="+mn-ea"/>
-                <a:ea typeface="+mn-ea"/>
-              </a:rPr>
-              <a:t>）</a:t>
+              <a:t>．履歴紹介（省略）</a:t>
             </a:r>
             <a:endParaRPr lang="en-US" altLang="ja-JP" sz="1600" dirty="0" smtClean="0">
               <a:latin typeface="+mn-ea"/>
@@ -5212,21 +6530,7 @@
                 <a:latin typeface="+mn-ea"/>
                 <a:ea typeface="+mn-ea"/>
               </a:rPr>
-              <a:t>　</a:t>
-            </a:r>
-            <a:r>
-              <a:rPr lang="ja-JP" altLang="en-US" sz="1600" dirty="0" smtClean="0">
-                <a:latin typeface="+mn-ea"/>
-                <a:ea typeface="+mn-ea"/>
-              </a:rPr>
-              <a:t>進化</a:t>
-            </a:r>
-            <a:r>
-              <a:rPr lang="ja-JP" altLang="en-US" sz="1600" dirty="0" smtClean="0">
-                <a:latin typeface="+mn-ea"/>
-                <a:ea typeface="+mn-ea"/>
-              </a:rPr>
-              <a:t>の自分</a:t>
+              <a:t>　進化の自分</a:t>
             </a:r>
             <a:r>
               <a:rPr lang="en-US" altLang="ja-JP" sz="1600" dirty="0" smtClean="0">
@@ -5270,21 +6574,7 @@
                 <a:latin typeface="+mn-ea"/>
                 <a:ea typeface="+mn-ea"/>
               </a:rPr>
-              <a:t>　</a:t>
-            </a:r>
-            <a:r>
-              <a:rPr lang="ja-JP" altLang="en-US" sz="1600" dirty="0" smtClean="0">
-                <a:latin typeface="+mn-ea"/>
-                <a:ea typeface="+mn-ea"/>
-              </a:rPr>
-              <a:t>進化</a:t>
-            </a:r>
-            <a:r>
-              <a:rPr lang="ja-JP" altLang="en-US" sz="1600" dirty="0" smtClean="0">
-                <a:latin typeface="+mn-ea"/>
-                <a:ea typeface="+mn-ea"/>
-              </a:rPr>
-              <a:t>の自分</a:t>
+              <a:t>　進化の自分</a:t>
             </a:r>
             <a:r>
               <a:rPr lang="en-US" altLang="ja-JP" sz="1600" dirty="0" smtClean="0">
@@ -5661,15 +6951,14 @@
             </a:endParaRPr>
           </a:p>
           <a:p>
-            <a:pPr>
+            <a:pPr marL="0" indent="0">
               <a:spcBef>
                 <a:spcPts val="450"/>
               </a:spcBef>
               <a:buClr>
                 <a:srgbClr val="00B4A0"/>
               </a:buClr>
-              <a:buFont typeface="Arial" charset="0"/>
-              <a:buChar char="▌"/>
+              <a:buNone/>
               <a:defRPr/>
             </a:pPr>
             <a:endParaRPr lang="en-US" altLang="ja-JP" sz="2800" dirty="0">
@@ -6062,19 +7351,7 @@
                 <a:latin typeface="+mj-lt"/>
                 <a:ea typeface="HGP創英角ｺﾞｼｯｸUB"/>
               </a:rPr>
-              <a:t>自己</a:t>
-            </a:r>
-            <a:r>
-              <a:rPr lang="ja-JP" altLang="en-US" sz="2800" dirty="0" smtClean="0">
-                <a:solidFill>
-                  <a:schemeClr val="bg1">
-                    <a:lumMod val="50000"/>
-                  </a:schemeClr>
-                </a:solidFill>
-                <a:latin typeface="+mj-lt"/>
-                <a:ea typeface="HGP創英角ｺﾞｼｯｸUB"/>
-              </a:rPr>
-              <a:t>ペースで、会社のイベントを無関心で、社内メンバと交流が少なかった。</a:t>
+              <a:t>自己ペースで、会社のイベントを無関心で、社内メンバと交流が少なかった。</a:t>
             </a:r>
             <a:endParaRPr lang="en-US" altLang="ja-JP" sz="2800" dirty="0" smtClean="0">
               <a:solidFill>
@@ -6129,7 +7406,31 @@
                 <a:latin typeface="+mj-lt"/>
                 <a:ea typeface="HGP創英角ｺﾞｼｯｸUB"/>
               </a:rPr>
-              <a:t>自分の作業を優先し、定時ダッシュだった。技術しか興味持ってなかった。</a:t>
+              <a:t>自分の作業を優先し、定時</a:t>
+            </a:r>
+            <a:r>
+              <a:rPr lang="ja-JP" altLang="en-US" sz="2800" dirty="0" smtClean="0">
+                <a:solidFill>
+                  <a:schemeClr val="bg1">
+                    <a:lumMod val="50000"/>
+                  </a:schemeClr>
+                </a:solidFill>
+                <a:latin typeface="+mj-lt"/>
+                <a:ea typeface="HGP創英角ｺﾞｼｯｸUB"/>
+              </a:rPr>
+              <a:t>ダッシュ。</a:t>
+            </a:r>
+            <a:r>
+              <a:rPr lang="ja-JP" altLang="en-US" sz="2800" dirty="0" smtClean="0">
+                <a:solidFill>
+                  <a:schemeClr val="bg1">
+                    <a:lumMod val="50000"/>
+                  </a:schemeClr>
+                </a:solidFill>
+                <a:latin typeface="+mj-lt"/>
+                <a:ea typeface="HGP創英角ｺﾞｼｯｸUB"/>
+              </a:rPr>
+              <a:t>技術しか興味持ってなかった。</a:t>
             </a:r>
             <a:endParaRPr lang="en-US" altLang="ja-JP" sz="1500" dirty="0">
               <a:solidFill>
@@ -6206,7 +7507,7 @@
           <p:cNvPr id="4" name="Group 293">
             <a:extLst>
               <a:ext uri="{FF2B5EF4-FFF2-40B4-BE49-F238E27FC236}">
-                <a16:creationId xmlns:a16="http://schemas.microsoft.com/office/drawing/2014/main" xmlns="" id="{FFC370BA-08BF-4CCE-A67B-D347FD899DBA}"/>
+                <a16:creationId xmlns="" xmlns:a16="http://schemas.microsoft.com/office/drawing/2014/main" id="{FFC370BA-08BF-4CCE-A67B-D347FD899DBA}"/>
               </a:ext>
             </a:extLst>
           </p:cNvPr>
@@ -6228,7 +7529,7 @@
             <p:cNvPr id="6" name="Oval 50">
               <a:extLst>
                 <a:ext uri="{FF2B5EF4-FFF2-40B4-BE49-F238E27FC236}">
-                  <a16:creationId xmlns:a16="http://schemas.microsoft.com/office/drawing/2014/main" xmlns="" id="{A9838AB5-C094-4377-A802-21CD3E317274}"/>
+                  <a16:creationId xmlns="" xmlns:a16="http://schemas.microsoft.com/office/drawing/2014/main" id="{A9838AB5-C094-4377-A802-21CD3E317274}"/>
                 </a:ext>
               </a:extLst>
             </p:cNvPr>
@@ -6287,7 +7588,7 @@
             <p:cNvPr id="7" name="Oval 51">
               <a:extLst>
                 <a:ext uri="{FF2B5EF4-FFF2-40B4-BE49-F238E27FC236}">
-                  <a16:creationId xmlns:a16="http://schemas.microsoft.com/office/drawing/2014/main" xmlns="" id="{DD6D435C-0F60-4629-BD94-54821F2DE884}"/>
+                  <a16:creationId xmlns="" xmlns:a16="http://schemas.microsoft.com/office/drawing/2014/main" id="{DD6D435C-0F60-4629-BD94-54821F2DE884}"/>
                 </a:ext>
               </a:extLst>
             </p:cNvPr>
@@ -6360,7 +7661,7 @@
             <p:cNvPr id="8" name="Oval 52">
               <a:extLst>
                 <a:ext uri="{FF2B5EF4-FFF2-40B4-BE49-F238E27FC236}">
-                  <a16:creationId xmlns:a16="http://schemas.microsoft.com/office/drawing/2014/main" xmlns="" id="{2FF6B54B-606C-4B88-AD79-E1531E472EED}"/>
+                  <a16:creationId xmlns="" xmlns:a16="http://schemas.microsoft.com/office/drawing/2014/main" id="{2FF6B54B-606C-4B88-AD79-E1531E472EED}"/>
                 </a:ext>
               </a:extLst>
             </p:cNvPr>
@@ -6436,7 +7737,7 @@
             <p:cNvPr id="9" name="Freeform 54">
               <a:extLst>
                 <a:ext uri="{FF2B5EF4-FFF2-40B4-BE49-F238E27FC236}">
-                  <a16:creationId xmlns:a16="http://schemas.microsoft.com/office/drawing/2014/main" xmlns="" id="{11B4C9EE-AFBE-4B95-89C4-2D73C9A5311C}"/>
+                  <a16:creationId xmlns="" xmlns:a16="http://schemas.microsoft.com/office/drawing/2014/main" id="{11B4C9EE-AFBE-4B95-89C4-2D73C9A5311C}"/>
                 </a:ext>
               </a:extLst>
             </p:cNvPr>
@@ -6611,7 +7912,7 @@
             <p:cNvPr id="10" name="Freeform 55">
               <a:extLst>
                 <a:ext uri="{FF2B5EF4-FFF2-40B4-BE49-F238E27FC236}">
-                  <a16:creationId xmlns:a16="http://schemas.microsoft.com/office/drawing/2014/main" xmlns="" id="{61FD8900-59DC-4DF8-9E0F-FA65E3D087D7}"/>
+                  <a16:creationId xmlns="" xmlns:a16="http://schemas.microsoft.com/office/drawing/2014/main" id="{61FD8900-59DC-4DF8-9E0F-FA65E3D087D7}"/>
                 </a:ext>
               </a:extLst>
             </p:cNvPr>
@@ -6786,7 +8087,7 @@
             <p:cNvPr id="11" name="AutoShape 59">
               <a:extLst>
                 <a:ext uri="{FF2B5EF4-FFF2-40B4-BE49-F238E27FC236}">
-                  <a16:creationId xmlns:a16="http://schemas.microsoft.com/office/drawing/2014/main" xmlns="" id="{8725B85B-EFDB-41AA-BF87-5BA5E80973EF}"/>
+                  <a16:creationId xmlns="" xmlns:a16="http://schemas.microsoft.com/office/drawing/2014/main" id="{8725B85B-EFDB-41AA-BF87-5BA5E80973EF}"/>
                 </a:ext>
               </a:extLst>
             </p:cNvPr>
@@ -6936,8 +8237,8 @@
         </p:nvSpPr>
         <p:spPr bwMode="auto">
           <a:xfrm>
-            <a:off x="1433944" y="846168"/>
-            <a:ext cx="5155391" cy="2416046"/>
+            <a:off x="1159510" y="846168"/>
+            <a:ext cx="5429826" cy="3716402"/>
           </a:xfrm>
           <a:prstGeom prst="rect">
             <a:avLst/>
@@ -7118,16 +8419,16 @@
                 <a:latin typeface="+mj-lt"/>
                 <a:ea typeface="HGP創英角ｺﾞｼｯｸUB"/>
               </a:rPr>
-              <a:t>会社</a:t>
+              <a:t>会社の</a:t>
             </a:r>
             <a:r>
               <a:rPr lang="ja-JP" altLang="en-US" sz="1800" dirty="0" smtClean="0">
                 <a:latin typeface="+mj-lt"/>
                 <a:ea typeface="HGP創英角ｺﾞｼｯｸUB"/>
               </a:rPr>
-              <a:t>の飲み会（両期のキックオフ、年末納会）</a:t>
-            </a:r>
-            <a:endParaRPr lang="en-US" altLang="ja-JP" sz="1800" dirty="0" smtClean="0">
+              <a:t>飲み会</a:t>
+            </a:r>
+            <a:endParaRPr lang="en-US" altLang="ja-JP" sz="1800" dirty="0">
               <a:latin typeface="+mj-lt"/>
               <a:ea typeface="HGP創英角ｺﾞｼｯｸUB"/>
             </a:endParaRPr>
@@ -7144,6 +8445,13 @@
               <a:defRPr/>
             </a:pPr>
             <a:r>
+              <a:rPr lang="ja-JP" altLang="en-US" sz="1800" dirty="0" smtClean="0">
+                <a:latin typeface="+mj-lt"/>
+                <a:ea typeface="HGP創英角ｺﾞｼｯｸUB"/>
+              </a:rPr>
+              <a:t>　</a:t>
+            </a:r>
+            <a:r>
               <a:rPr lang="ja-JP" altLang="en-US" sz="1800" dirty="0">
                 <a:latin typeface="+mj-lt"/>
                 <a:ea typeface="HGP創英角ｺﾞｼｯｸUB"/>
@@ -7152,16 +8460,110 @@
             </a:r>
             <a:r>
               <a:rPr lang="ja-JP" altLang="en-US" sz="1800" dirty="0" smtClean="0">
-                <a:latin typeface="+mj-lt"/>
+                <a:latin typeface="+mn-lt"/>
                 <a:ea typeface="HGP創英角ｺﾞｼｯｸUB"/>
               </a:rPr>
-              <a:t>普段仕事上で</a:t>
-            </a:r>
-            <a:endParaRPr lang="en-US" altLang="ja-JP" sz="1800" dirty="0">
+              <a:t>・</a:t>
+            </a:r>
+            <a:r>
+              <a:rPr lang="ja-JP" altLang="en-US" sz="1400" dirty="0" smtClean="0">
+                <a:latin typeface="+mn-lt"/>
+                <a:ea typeface="HGP創英角ｺﾞｼｯｸUB"/>
+              </a:rPr>
+              <a:t>両期</a:t>
+            </a:r>
+            <a:r>
+              <a:rPr lang="ja-JP" altLang="en-US" sz="1400" dirty="0">
+                <a:latin typeface="+mn-lt"/>
+                <a:ea typeface="HGP創英角ｺﾞｼｯｸUB"/>
+              </a:rPr>
+              <a:t>の</a:t>
+            </a:r>
+            <a:r>
+              <a:rPr lang="ja-JP" altLang="en-US" sz="1400" dirty="0" smtClean="0">
+                <a:latin typeface="+mn-lt"/>
+                <a:ea typeface="HGP創英角ｺﾞｼｯｸUB"/>
+              </a:rPr>
+              <a:t>キックオフ</a:t>
+            </a:r>
+            <a:endParaRPr lang="en-US" altLang="ja-JP" sz="1400" dirty="0">
+              <a:latin typeface="+mn-lt"/>
+              <a:ea typeface="HGP創英角ｺﾞｼｯｸUB"/>
+            </a:endParaRPr>
+          </a:p>
+          <a:p>
+            <a:pPr marL="0" indent="0">
+              <a:spcBef>
+                <a:spcPts val="450"/>
+              </a:spcBef>
+              <a:buClr>
+                <a:srgbClr val="4CB3C0"/>
+              </a:buClr>
+              <a:buNone/>
+              <a:defRPr/>
+            </a:pPr>
+            <a:r>
+              <a:rPr lang="ja-JP" altLang="en-US" sz="1800" dirty="0" smtClean="0">
+                <a:latin typeface="+mn-lt"/>
+                <a:ea typeface="HGP創英角ｺﾞｼｯｸUB"/>
+              </a:rPr>
+              <a:t>　　・</a:t>
+            </a:r>
+            <a:r>
+              <a:rPr lang="ja-JP" altLang="en-US" sz="1400" dirty="0" smtClean="0">
+                <a:latin typeface="+mn-lt"/>
+                <a:ea typeface="HGP創英角ｺﾞｼｯｸUB"/>
+              </a:rPr>
+              <a:t>忘年会</a:t>
+            </a:r>
+            <a:endParaRPr lang="en-US" altLang="ja-JP" sz="1400" dirty="0" smtClean="0">
+              <a:latin typeface="+mn-lt"/>
+              <a:ea typeface="HGP創英角ｺﾞｼｯｸUB"/>
+            </a:endParaRPr>
+          </a:p>
+          <a:p>
+            <a:pPr marL="0" indent="0">
+              <a:spcBef>
+                <a:spcPts val="450"/>
+              </a:spcBef>
+              <a:buClr>
+                <a:srgbClr val="4CB3C0"/>
+              </a:buClr>
+              <a:buNone/>
+              <a:defRPr/>
+            </a:pPr>
+            <a:r>
+              <a:rPr lang="ja-JP" altLang="en-US" sz="1800" dirty="0">
+                <a:solidFill>
+                  <a:srgbClr val="000000"/>
+                </a:solidFill>
+                <a:latin typeface="+mn-lt"/>
+                <a:ea typeface="HGP創英角ｺﾞｼｯｸUB"/>
+              </a:rPr>
+              <a:t>　</a:t>
+            </a:r>
+            <a:r>
+              <a:rPr lang="ja-JP" altLang="en-US" sz="1800" dirty="0" smtClean="0">
+                <a:solidFill>
+                  <a:srgbClr val="000000"/>
+                </a:solidFill>
+                <a:latin typeface="+mn-lt"/>
+                <a:ea typeface="HGP創英角ｺﾞｼｯｸUB"/>
+              </a:rPr>
+              <a:t>　・</a:t>
+            </a:r>
+            <a:r>
+              <a:rPr lang="ja-JP" altLang="en-US" sz="1400" dirty="0" smtClean="0">
+                <a:latin typeface="+mn-lt"/>
+                <a:ea typeface="HGP創英角ｺﾞｼｯｸUB"/>
+              </a:rPr>
+              <a:t>年末納会</a:t>
+            </a:r>
+            <a:endParaRPr lang="en-US" altLang="ja-JP" sz="1400" dirty="0">
               <a:solidFill>
                 <a:srgbClr val="000000"/>
               </a:solidFill>
-              <a:latin typeface="+mj-lt"/>
+              <a:latin typeface="+mn-lt"/>
               <a:ea typeface="HGP創英角ｺﾞｼｯｸUB"/>
             </a:endParaRPr>
           </a:p>
@@ -7225,7 +8627,27 @@
                 <a:latin typeface="+mj-lt"/>
                 <a:ea typeface="HGP創英角ｺﾞｼｯｸUB"/>
               </a:rPr>
-              <a:t>シス部会・懇談会</a:t>
+              <a:t>シス</a:t>
+            </a:r>
+            <a:r>
+              <a:rPr lang="ja-JP" altLang="en-US" sz="1800" dirty="0" smtClean="0">
+                <a:solidFill>
+                  <a:srgbClr val="000000"/>
+                </a:solidFill>
+                <a:latin typeface="+mj-lt"/>
+                <a:ea typeface="HGP創英角ｺﾞｼｯｸUB"/>
+              </a:rPr>
+              <a:t>部会</a:t>
+            </a:r>
+            <a:r>
+              <a:rPr lang="ja-JP" altLang="en-US" sz="1800" dirty="0" smtClean="0">
+                <a:solidFill>
+                  <a:srgbClr val="000000"/>
+                </a:solidFill>
+                <a:latin typeface="+mj-lt"/>
+                <a:ea typeface="HGP創英角ｺﾞｼｯｸUB"/>
+              </a:rPr>
+              <a:t>（司会）</a:t>
             </a:r>
             <a:endParaRPr lang="en-US" altLang="ja-JP" sz="1800" dirty="0" smtClean="0">
               <a:solidFill>
@@ -7286,17 +8708,75 @@
             </a:endParaRPr>
           </a:p>
           <a:p>
-            <a:pPr>
+            <a:pPr marL="0" indent="0">
               <a:spcBef>
                 <a:spcPts val="450"/>
               </a:spcBef>
               <a:buClr>
                 <a:srgbClr val="00B4A0"/>
               </a:buClr>
-              <a:buFont typeface="Arial" charset="0"/>
-              <a:buChar char="▌"/>
+              <a:buNone/>
               <a:defRPr/>
             </a:pPr>
+            <a:endParaRPr lang="en-US" altLang="ja-JP" sz="1800" dirty="0">
+              <a:solidFill>
+                <a:srgbClr val="000000"/>
+              </a:solidFill>
+              <a:latin typeface="+mj-lt"/>
+              <a:ea typeface="HGP創英角ｺﾞｼｯｸUB"/>
+            </a:endParaRPr>
+          </a:p>
+          <a:p>
+            <a:pPr marL="0" indent="0">
+              <a:spcBef>
+                <a:spcPts val="450"/>
+              </a:spcBef>
+              <a:buClr>
+                <a:srgbClr val="00B4A0"/>
+              </a:buClr>
+              <a:buNone/>
+              <a:defRPr/>
+            </a:pPr>
+            <a:r>
+              <a:rPr lang="ja-JP" altLang="en-US" sz="1800" dirty="0" smtClean="0">
+                <a:solidFill>
+                  <a:srgbClr val="000000"/>
+                </a:solidFill>
+                <a:latin typeface="+mj-lt"/>
+                <a:ea typeface="HGP創英角ｺﾞｼｯｸUB"/>
+              </a:rPr>
+              <a:t>普段に違う現場、違う部署の方々と交流し、相手</a:t>
+            </a:r>
+            <a:r>
+              <a:rPr lang="ja-JP" altLang="en-US" sz="1800" dirty="0" smtClean="0">
+                <a:solidFill>
+                  <a:srgbClr val="000000"/>
+                </a:solidFill>
+                <a:latin typeface="+mj-lt"/>
+                <a:ea typeface="HGP創英角ｺﾞｼｯｸUB"/>
+              </a:rPr>
+              <a:t>はどう</a:t>
+            </a:r>
+            <a:r>
+              <a:rPr lang="ja-JP" altLang="en-US" sz="1800" dirty="0" err="1" smtClean="0">
+                <a:solidFill>
+                  <a:srgbClr val="000000"/>
+                </a:solidFill>
+                <a:latin typeface="+mj-lt"/>
+                <a:ea typeface="HGP創英角ｺﾞｼｯｸUB"/>
+              </a:rPr>
+              <a:t>な</a:t>
+            </a:r>
+            <a:r>
+              <a:rPr lang="ja-JP" altLang="en-US" sz="1800" dirty="0" smtClean="0">
+                <a:solidFill>
+                  <a:srgbClr val="000000"/>
+                </a:solidFill>
+                <a:latin typeface="+mj-lt"/>
+                <a:ea typeface="HGP創英角ｺﾞｼｯｸUB"/>
+              </a:rPr>
+              <a:t>仕事をしているか、どんな悩みを持っているか、</a:t>
+            </a:r>
             <a:endParaRPr lang="en-US" altLang="ja-JP" sz="1800" dirty="0">
               <a:solidFill>
                 <a:srgbClr val="000000"/>
@@ -7332,7 +8812,7 @@
           <p:cNvPr id="12" name="Group 296">
             <a:extLst>
               <a:ext uri="{FF2B5EF4-FFF2-40B4-BE49-F238E27FC236}">
-                <a16:creationId xmlns:a16="http://schemas.microsoft.com/office/drawing/2014/main" xmlns="" id="{3842FC64-AB39-42D7-A48C-0FE49F99806C}"/>
+                <a16:creationId xmlns="" xmlns:a16="http://schemas.microsoft.com/office/drawing/2014/main" id="{3842FC64-AB39-42D7-A48C-0FE49F99806C}"/>
               </a:ext>
             </a:extLst>
           </p:cNvPr>
@@ -7354,7 +8834,7 @@
             <p:cNvPr id="13" name="Oval 2">
               <a:extLst>
                 <a:ext uri="{FF2B5EF4-FFF2-40B4-BE49-F238E27FC236}">
-                  <a16:creationId xmlns:a16="http://schemas.microsoft.com/office/drawing/2014/main" xmlns="" id="{9267EE0A-4BA4-4E94-8745-FFA9A06F71A9}"/>
+                  <a16:creationId xmlns="" xmlns:a16="http://schemas.microsoft.com/office/drawing/2014/main" id="{9267EE0A-4BA4-4E94-8745-FFA9A06F71A9}"/>
                 </a:ext>
               </a:extLst>
             </p:cNvPr>
@@ -7413,7 +8893,7 @@
             <p:cNvPr id="14" name="Oval 19">
               <a:extLst>
                 <a:ext uri="{FF2B5EF4-FFF2-40B4-BE49-F238E27FC236}">
-                  <a16:creationId xmlns:a16="http://schemas.microsoft.com/office/drawing/2014/main" xmlns="" id="{CC91C93B-224E-47BB-A4B4-F39EF6BD8070}"/>
+                  <a16:creationId xmlns="" xmlns:a16="http://schemas.microsoft.com/office/drawing/2014/main" id="{CC91C93B-224E-47BB-A4B4-F39EF6BD8070}"/>
                 </a:ext>
               </a:extLst>
             </p:cNvPr>
@@ -7486,7 +8966,7 @@
             <p:cNvPr id="15" name="Oval 20">
               <a:extLst>
                 <a:ext uri="{FF2B5EF4-FFF2-40B4-BE49-F238E27FC236}">
-                  <a16:creationId xmlns:a16="http://schemas.microsoft.com/office/drawing/2014/main" xmlns="" id="{9BD5F5FE-EFD9-4804-9B3B-C6D91AFF363C}"/>
+                  <a16:creationId xmlns="" xmlns:a16="http://schemas.microsoft.com/office/drawing/2014/main" id="{9BD5F5FE-EFD9-4804-9B3B-C6D91AFF363C}"/>
                 </a:ext>
               </a:extLst>
             </p:cNvPr>
@@ -7562,7 +9042,7 @@
             <p:cNvPr id="16" name="Group 21">
               <a:extLst>
                 <a:ext uri="{FF2B5EF4-FFF2-40B4-BE49-F238E27FC236}">
-                  <a16:creationId xmlns:a16="http://schemas.microsoft.com/office/drawing/2014/main" xmlns="" id="{7DB5FE9B-6714-4B4D-AB94-45F20F7D5C8E}"/>
+                  <a16:creationId xmlns="" xmlns:a16="http://schemas.microsoft.com/office/drawing/2014/main" id="{7DB5FE9B-6714-4B4D-AB94-45F20F7D5C8E}"/>
                 </a:ext>
               </a:extLst>
             </p:cNvPr>
@@ -7584,7 +9064,7 @@
               <p:cNvPr id="19" name="AutoShape 22">
                 <a:extLst>
                   <a:ext uri="{FF2B5EF4-FFF2-40B4-BE49-F238E27FC236}">
-                    <a16:creationId xmlns:a16="http://schemas.microsoft.com/office/drawing/2014/main" xmlns="" id="{4E5DF4CC-2B73-45EA-B083-30A68ED1FA2A}"/>
+                    <a16:creationId xmlns="" xmlns:a16="http://schemas.microsoft.com/office/drawing/2014/main" id="{4E5DF4CC-2B73-45EA-B083-30A68ED1FA2A}"/>
                   </a:ext>
                 </a:extLst>
               </p:cNvPr>
@@ -7653,7 +9133,7 @@
               <p:cNvPr id="20" name="Freeform 23">
                 <a:extLst>
                   <a:ext uri="{FF2B5EF4-FFF2-40B4-BE49-F238E27FC236}">
-                    <a16:creationId xmlns:a16="http://schemas.microsoft.com/office/drawing/2014/main" xmlns="" id="{A03184C6-4DC0-40F9-A025-A1F34226A187}"/>
+                    <a16:creationId xmlns="" xmlns:a16="http://schemas.microsoft.com/office/drawing/2014/main" id="{A03184C6-4DC0-40F9-A025-A1F34226A187}"/>
                   </a:ext>
                 </a:extLst>
               </p:cNvPr>
@@ -7785,7 +9265,7 @@
             <p:cNvPr id="17" name="AutoShape 36">
               <a:extLst>
                 <a:ext uri="{FF2B5EF4-FFF2-40B4-BE49-F238E27FC236}">
-                  <a16:creationId xmlns:a16="http://schemas.microsoft.com/office/drawing/2014/main" xmlns="" id="{C65C2922-0F06-4601-991B-D9188A55C388}"/>
+                  <a16:creationId xmlns="" xmlns:a16="http://schemas.microsoft.com/office/drawing/2014/main" id="{C65C2922-0F06-4601-991B-D9188A55C388}"/>
                 </a:ext>
               </a:extLst>
             </p:cNvPr>
@@ -7960,7 +9440,7 @@
             <p:cNvPr id="18" name="AutoShape 37">
               <a:extLst>
                 <a:ext uri="{FF2B5EF4-FFF2-40B4-BE49-F238E27FC236}">
-                  <a16:creationId xmlns:a16="http://schemas.microsoft.com/office/drawing/2014/main" xmlns="" id="{9028FBF9-F253-4134-8311-3707C3C5DB2F}"/>
+                  <a16:creationId xmlns="" xmlns:a16="http://schemas.microsoft.com/office/drawing/2014/main" id="{9028FBF9-F253-4134-8311-3707C3C5DB2F}"/>
                 </a:ext>
               </a:extLst>
             </p:cNvPr>
@@ -8180,6 +9660,1182 @@
         </p:nvSpPr>
         <p:spPr>
           <a:xfrm>
+            <a:off x="35575" y="78780"/>
+            <a:ext cx="6588000" cy="351000"/>
+          </a:xfrm>
+        </p:spPr>
+        <p:txBody>
+          <a:bodyPr>
+            <a:noAutofit/>
+          </a:bodyPr>
+          <a:lstStyle/>
+          <a:p>
+            <a:r>
+              <a:rPr lang="ja-JP" altLang="en-US" sz="2400" b="1" dirty="0" smtClean="0">
+                <a:ea typeface="HGP創英角ｺﾞｼｯｸUB" panose="020B0900000000000000" pitchFamily="50" charset="-128"/>
+              </a:rPr>
+              <a:t>進化の自分</a:t>
+            </a:r>
+            <a:r>
+              <a:rPr lang="en-US" altLang="ja-JP" sz="2400" b="1" dirty="0" smtClean="0">
+                <a:ea typeface="HGP創英角ｺﾞｼｯｸUB" panose="020B0900000000000000" pitchFamily="50" charset="-128"/>
+              </a:rPr>
+              <a:t>-</a:t>
+            </a:r>
+            <a:r>
+              <a:rPr lang="ja-JP" altLang="en-US" sz="2400" b="1" dirty="0" smtClean="0">
+                <a:ea typeface="HGP創英角ｺﾞｼｯｸUB" panose="020B0900000000000000" pitchFamily="50" charset="-128"/>
+              </a:rPr>
+              <a:t>チームリーダー</a:t>
+            </a:r>
+            <a:endParaRPr lang="ja-JP" altLang="en-US" sz="2400" b="1" dirty="0">
+              <a:ea typeface="HGP創英角ｺﾞｼｯｸUB" panose="020B0900000000000000" pitchFamily="50" charset="-128"/>
+            </a:endParaRPr>
+          </a:p>
+        </p:txBody>
+      </p:sp>
+      <p:sp>
+        <p:nvSpPr>
+          <p:cNvPr id="5" name="テキスト ボックス 2"/>
+          <p:cNvSpPr txBox="1">
+            <a:spLocks noChangeArrowheads="1"/>
+          </p:cNvSpPr>
+          <p:nvPr/>
+        </p:nvSpPr>
+        <p:spPr bwMode="auto">
+          <a:xfrm>
+            <a:off x="1159510" y="846168"/>
+            <a:ext cx="5429826" cy="1733808"/>
+          </a:xfrm>
+          <a:prstGeom prst="rect">
+            <a:avLst/>
+          </a:prstGeom>
+          <a:noFill/>
+          <a:ln>
+            <a:noFill/>
+          </a:ln>
+          <a:extLst>
+            <a:ext uri="{909E8E84-426E-40DD-AFC4-6F175D3DCCD1}">
+              <a14:hiddenFill xmlns:a14="http://schemas.microsoft.com/office/drawing/2010/main">
+                <a:solidFill>
+                  <a:srgbClr val="FFFFFF"/>
+                </a:solidFill>
+              </a14:hiddenFill>
+            </a:ext>
+            <a:ext uri="{91240B29-F687-4F45-9708-019B960494DF}">
+              <a14:hiddenLine xmlns:a14="http://schemas.microsoft.com/office/drawing/2010/main" w="9525">
+                <a:solidFill>
+                  <a:srgbClr val="000000"/>
+                </a:solidFill>
+                <a:miter lim="800000"/>
+                <a:headEnd/>
+                <a:tailEnd/>
+              </a14:hiddenLine>
+            </a:ext>
+          </a:extLst>
+        </p:spPr>
+        <p:txBody>
+          <a:bodyPr wrap="square">
+            <a:spAutoFit/>
+          </a:bodyPr>
+          <a:lstStyle>
+            <a:lvl1pPr marL="174625" indent="-174625">
+              <a:spcBef>
+                <a:spcPct val="20000"/>
+              </a:spcBef>
+              <a:buChar char="•"/>
+              <a:defRPr kumimoji="1" sz="3200">
+                <a:solidFill>
+                  <a:schemeClr val="tx1"/>
+                </a:solidFill>
+                <a:latin typeface="Arial" charset="0"/>
+                <a:ea typeface="ＭＳ Ｐゴシック" charset="-128"/>
+              </a:defRPr>
+            </a:lvl1pPr>
+            <a:lvl2pPr marL="742950" indent="-285750">
+              <a:spcBef>
+                <a:spcPct val="20000"/>
+              </a:spcBef>
+              <a:buChar char="–"/>
+              <a:defRPr kumimoji="1" sz="2800">
+                <a:solidFill>
+                  <a:schemeClr val="tx1"/>
+                </a:solidFill>
+                <a:latin typeface="Arial" charset="0"/>
+                <a:ea typeface="ＭＳ Ｐゴシック" charset="-128"/>
+              </a:defRPr>
+            </a:lvl2pPr>
+            <a:lvl3pPr marL="1143000" indent="-228600">
+              <a:spcBef>
+                <a:spcPct val="20000"/>
+              </a:spcBef>
+              <a:buChar char="•"/>
+              <a:defRPr kumimoji="1" sz="2400">
+                <a:solidFill>
+                  <a:schemeClr val="tx1"/>
+                </a:solidFill>
+                <a:latin typeface="Arial" charset="0"/>
+                <a:ea typeface="ＭＳ Ｐゴシック" charset="-128"/>
+              </a:defRPr>
+            </a:lvl3pPr>
+            <a:lvl4pPr marL="1600200" indent="-228600">
+              <a:spcBef>
+                <a:spcPct val="20000"/>
+              </a:spcBef>
+              <a:buChar char="–"/>
+              <a:defRPr kumimoji="1" sz="2000">
+                <a:solidFill>
+                  <a:schemeClr val="tx1"/>
+                </a:solidFill>
+                <a:latin typeface="Arial" charset="0"/>
+                <a:ea typeface="ＭＳ Ｐゴシック" charset="-128"/>
+              </a:defRPr>
+            </a:lvl4pPr>
+            <a:lvl5pPr marL="2057400" indent="-228600">
+              <a:spcBef>
+                <a:spcPct val="20000"/>
+              </a:spcBef>
+              <a:buChar char="»"/>
+              <a:defRPr kumimoji="1" sz="2000">
+                <a:solidFill>
+                  <a:schemeClr val="tx1"/>
+                </a:solidFill>
+                <a:latin typeface="Arial" charset="0"/>
+                <a:ea typeface="ＭＳ Ｐゴシック" charset="-128"/>
+              </a:defRPr>
+            </a:lvl5pPr>
+            <a:lvl6pPr marL="2514600" indent="-228600" fontAlgn="base">
+              <a:spcBef>
+                <a:spcPct val="20000"/>
+              </a:spcBef>
+              <a:spcAft>
+                <a:spcPct val="0"/>
+              </a:spcAft>
+              <a:buChar char="»"/>
+              <a:defRPr kumimoji="1" sz="2000">
+                <a:solidFill>
+                  <a:schemeClr val="tx1"/>
+                </a:solidFill>
+                <a:latin typeface="Arial" charset="0"/>
+                <a:ea typeface="ＭＳ Ｐゴシック" charset="-128"/>
+              </a:defRPr>
+            </a:lvl6pPr>
+            <a:lvl7pPr marL="2971800" indent="-228600" fontAlgn="base">
+              <a:spcBef>
+                <a:spcPct val="20000"/>
+              </a:spcBef>
+              <a:spcAft>
+                <a:spcPct val="0"/>
+              </a:spcAft>
+              <a:buChar char="»"/>
+              <a:defRPr kumimoji="1" sz="2000">
+                <a:solidFill>
+                  <a:schemeClr val="tx1"/>
+                </a:solidFill>
+                <a:latin typeface="Arial" charset="0"/>
+                <a:ea typeface="ＭＳ Ｐゴシック" charset="-128"/>
+              </a:defRPr>
+            </a:lvl7pPr>
+            <a:lvl8pPr marL="3429000" indent="-228600" fontAlgn="base">
+              <a:spcBef>
+                <a:spcPct val="20000"/>
+              </a:spcBef>
+              <a:spcAft>
+                <a:spcPct val="0"/>
+              </a:spcAft>
+              <a:buChar char="»"/>
+              <a:defRPr kumimoji="1" sz="2000">
+                <a:solidFill>
+                  <a:schemeClr val="tx1"/>
+                </a:solidFill>
+                <a:latin typeface="Arial" charset="0"/>
+                <a:ea typeface="ＭＳ Ｐゴシック" charset="-128"/>
+              </a:defRPr>
+            </a:lvl8pPr>
+            <a:lvl9pPr marL="3886200" indent="-228600" fontAlgn="base">
+              <a:spcBef>
+                <a:spcPct val="20000"/>
+              </a:spcBef>
+              <a:spcAft>
+                <a:spcPct val="0"/>
+              </a:spcAft>
+              <a:buChar char="»"/>
+              <a:defRPr kumimoji="1" sz="2000">
+                <a:solidFill>
+                  <a:schemeClr val="tx1"/>
+                </a:solidFill>
+                <a:latin typeface="Arial" charset="0"/>
+                <a:ea typeface="ＭＳ Ｐゴシック" charset="-128"/>
+              </a:defRPr>
+            </a:lvl9pPr>
+          </a:lstStyle>
+          <a:p>
+            <a:pPr>
+              <a:spcBef>
+                <a:spcPts val="450"/>
+              </a:spcBef>
+              <a:buClr>
+                <a:srgbClr val="4CB3C0"/>
+              </a:buClr>
+              <a:buFont typeface="Arial" charset="0"/>
+              <a:buChar char="▌"/>
+              <a:defRPr/>
+            </a:pPr>
+            <a:r>
+              <a:rPr lang="en-US" altLang="ja-JP" sz="1800" dirty="0" smtClean="0">
+                <a:latin typeface="+mj-lt"/>
+                <a:ea typeface="HGP創英角ｺﾞｼｯｸUB"/>
+              </a:rPr>
+              <a:t>CRM</a:t>
+            </a:r>
+            <a:r>
+              <a:rPr lang="ja-JP" altLang="en-US" sz="1800" dirty="0" smtClean="0">
+                <a:latin typeface="+mj-lt"/>
+                <a:ea typeface="HGP創英角ｺﾞｼｯｸUB"/>
+              </a:rPr>
+              <a:t>移行プロジェクト対応</a:t>
+            </a:r>
+            <a:endParaRPr lang="en-US" altLang="ja-JP" sz="1800" dirty="0" smtClean="0">
+              <a:latin typeface="+mj-lt"/>
+              <a:ea typeface="HGP創英角ｺﾞｼｯｸUB"/>
+            </a:endParaRPr>
+          </a:p>
+          <a:p>
+            <a:pPr marL="0" indent="0">
+              <a:spcBef>
+                <a:spcPts val="450"/>
+              </a:spcBef>
+              <a:buClr>
+                <a:srgbClr val="4CB3C0"/>
+              </a:buClr>
+              <a:buNone/>
+              <a:defRPr/>
+            </a:pPr>
+            <a:r>
+              <a:rPr lang="ja-JP" altLang="en-US" sz="1800" dirty="0" smtClean="0">
+                <a:latin typeface="+mj-lt"/>
+                <a:ea typeface="HGP創英角ｺﾞｼｯｸUB"/>
+              </a:rPr>
+              <a:t>　チーム人数：３人</a:t>
+            </a:r>
+            <a:endParaRPr lang="en-US" altLang="ja-JP" sz="1800" dirty="0" smtClean="0">
+              <a:latin typeface="+mj-lt"/>
+              <a:ea typeface="HGP創英角ｺﾞｼｯｸUB"/>
+            </a:endParaRPr>
+          </a:p>
+          <a:p>
+            <a:pPr marL="0" indent="0">
+              <a:spcBef>
+                <a:spcPts val="450"/>
+              </a:spcBef>
+              <a:buClr>
+                <a:srgbClr val="4CB3C0"/>
+              </a:buClr>
+              <a:buNone/>
+              <a:defRPr/>
+            </a:pPr>
+            <a:endParaRPr lang="en-US" altLang="ja-JP" sz="1800" dirty="0">
+              <a:latin typeface="+mj-lt"/>
+              <a:ea typeface="HGP創英角ｺﾞｼｯｸUB"/>
+            </a:endParaRPr>
+          </a:p>
+          <a:p>
+            <a:pPr marL="0" indent="0">
+              <a:spcBef>
+                <a:spcPts val="450"/>
+              </a:spcBef>
+              <a:buClr>
+                <a:srgbClr val="4CB3C0"/>
+              </a:buClr>
+              <a:buNone/>
+              <a:defRPr/>
+            </a:pPr>
+            <a:r>
+              <a:rPr lang="ja-JP" altLang="en-US" sz="1800" dirty="0" smtClean="0">
+                <a:latin typeface="+mj-lt"/>
+                <a:ea typeface="HGP創英角ｺﾞｼｯｸUB"/>
+              </a:rPr>
+              <a:t>　</a:t>
+            </a:r>
+            <a:endParaRPr lang="en-US" altLang="ja-JP" sz="1800" dirty="0">
+              <a:latin typeface="+mj-lt"/>
+              <a:ea typeface="HGP創英角ｺﾞｼｯｸUB"/>
+            </a:endParaRPr>
+          </a:p>
+          <a:p>
+            <a:pPr marL="0" indent="0">
+              <a:spcBef>
+                <a:spcPts val="450"/>
+              </a:spcBef>
+              <a:buClr>
+                <a:srgbClr val="00B4A0"/>
+              </a:buClr>
+              <a:buNone/>
+              <a:defRPr/>
+            </a:pPr>
+            <a:endParaRPr lang="ja-JP" altLang="en-US" sz="1800" dirty="0" smtClean="0">
+              <a:solidFill>
+                <a:srgbClr val="000000"/>
+              </a:solidFill>
+              <a:latin typeface="+mj-lt"/>
+              <a:ea typeface="HGP創英角ｺﾞｼｯｸUB"/>
+            </a:endParaRPr>
+          </a:p>
+        </p:txBody>
+      </p:sp>
+      <p:grpSp>
+        <p:nvGrpSpPr>
+          <p:cNvPr id="12" name="Group 296">
+            <a:extLst>
+              <a:ext uri="{FF2B5EF4-FFF2-40B4-BE49-F238E27FC236}">
+                <a16:creationId xmlns="" xmlns:a16="http://schemas.microsoft.com/office/drawing/2014/main" id="{3842FC64-AB39-42D7-A48C-0FE49F99806C}"/>
+              </a:ext>
+            </a:extLst>
+          </p:cNvPr>
+          <p:cNvGrpSpPr>
+            <a:grpSpLocks/>
+          </p:cNvGrpSpPr>
+          <p:nvPr/>
+        </p:nvGrpSpPr>
+        <p:grpSpPr bwMode="auto">
+          <a:xfrm>
+            <a:off x="203150" y="767976"/>
+            <a:ext cx="788463" cy="755574"/>
+            <a:chOff x="336" y="601"/>
+            <a:chExt cx="850" cy="850"/>
+          </a:xfrm>
+        </p:grpSpPr>
+        <p:sp>
+          <p:nvSpPr>
+            <p:cNvPr id="13" name="Oval 2">
+              <a:extLst>
+                <a:ext uri="{FF2B5EF4-FFF2-40B4-BE49-F238E27FC236}">
+                  <a16:creationId xmlns="" xmlns:a16="http://schemas.microsoft.com/office/drawing/2014/main" id="{9267EE0A-4BA4-4E94-8745-FFA9A06F71A9}"/>
+                </a:ext>
+              </a:extLst>
+            </p:cNvPr>
+            <p:cNvSpPr>
+              <a:spLocks noChangeArrowheads="1"/>
+            </p:cNvSpPr>
+            <p:nvPr/>
+          </p:nvSpPr>
+          <p:spPr bwMode="auto">
+            <a:xfrm>
+              <a:off x="336" y="601"/>
+              <a:ext cx="850" cy="850"/>
+            </a:xfrm>
+            <a:prstGeom prst="ellipse">
+              <a:avLst/>
+            </a:prstGeom>
+            <a:solidFill>
+              <a:srgbClr val="333333"/>
+            </a:solidFill>
+            <a:ln>
+              <a:noFill/>
+            </a:ln>
+            <a:effectLst/>
+            <a:extLst>
+              <a:ext uri="{91240B29-F687-4F45-9708-019B960494DF}">
+                <a14:hiddenLine xmlns:a14="http://schemas.microsoft.com/office/drawing/2010/main" w="38100">
+                  <a:solidFill>
+                    <a:srgbClr val="333333"/>
+                  </a:solidFill>
+                  <a:round/>
+                  <a:headEnd/>
+                  <a:tailEnd/>
+                </a14:hiddenLine>
+              </a:ext>
+              <a:ext uri="{AF507438-7753-43E0-B8FC-AC1667EBCBE1}">
+                <a14:hiddenEffects xmlns:a14="http://schemas.microsoft.com/office/drawing/2010/main">
+                  <a:effectLst>
+                    <a:outerShdw dist="35921" dir="2700000" algn="ctr" rotWithShape="0">
+                      <a:schemeClr val="bg2"/>
+                    </a:outerShdw>
+                  </a:effectLst>
+                </a14:hiddenEffects>
+              </a:ext>
+            </a:extLst>
+          </p:spPr>
+          <p:txBody>
+            <a:bodyPr wrap="none" anchor="ctr"/>
+            <a:lstStyle/>
+            <a:p>
+              <a:endParaRPr lang="ja-JP" altLang="en-US"/>
+            </a:p>
+          </p:txBody>
+        </p:sp>
+        <p:sp>
+          <p:nvSpPr>
+            <p:cNvPr id="14" name="Oval 19">
+              <a:extLst>
+                <a:ext uri="{FF2B5EF4-FFF2-40B4-BE49-F238E27FC236}">
+                  <a16:creationId xmlns="" xmlns:a16="http://schemas.microsoft.com/office/drawing/2014/main" id="{CC91C93B-224E-47BB-A4B4-F39EF6BD8070}"/>
+                </a:ext>
+              </a:extLst>
+            </p:cNvPr>
+            <p:cNvSpPr>
+              <a:spLocks noChangeArrowheads="1"/>
+            </p:cNvSpPr>
+            <p:nvPr/>
+          </p:nvSpPr>
+          <p:spPr bwMode="auto">
+            <a:xfrm>
+              <a:off x="353" y="618"/>
+              <a:ext cx="817" cy="817"/>
+            </a:xfrm>
+            <a:prstGeom prst="ellipse">
+              <a:avLst/>
+            </a:prstGeom>
+            <a:gradFill rotWithShape="1">
+              <a:gsLst>
+                <a:gs pos="0">
+                  <a:srgbClr val="FF0000">
+                    <a:gamma/>
+                    <a:tint val="60392"/>
+                    <a:invGamma/>
+                  </a:srgbClr>
+                </a:gs>
+                <a:gs pos="100000">
+                  <a:srgbClr val="FF0000"/>
+                </a:gs>
+              </a:gsLst>
+              <a:path path="shape">
+                <a:fillToRect l="50000" t="50000" r="50000" b="50000"/>
+              </a:path>
+            </a:gradFill>
+            <a:ln>
+              <a:noFill/>
+            </a:ln>
+            <a:effectLst/>
+            <a:extLst>
+              <a:ext uri="{91240B29-F687-4F45-9708-019B960494DF}">
+                <a14:hiddenLine xmlns:a14="http://schemas.microsoft.com/office/drawing/2010/main" w="9525">
+                  <a:solidFill>
+                    <a:srgbClr val="FF0000"/>
+                  </a:solidFill>
+                  <a:round/>
+                  <a:headEnd/>
+                  <a:tailEnd/>
+                </a14:hiddenLine>
+              </a:ext>
+              <a:ext uri="{AF507438-7753-43E0-B8FC-AC1667EBCBE1}">
+                <a14:hiddenEffects xmlns:a14="http://schemas.microsoft.com/office/drawing/2010/main">
+                  <a:effectLst>
+                    <a:outerShdw dist="35921" dir="2700000" algn="ctr" rotWithShape="0">
+                      <a:schemeClr val="bg2"/>
+                    </a:outerShdw>
+                  </a:effectLst>
+                </a14:hiddenEffects>
+              </a:ext>
+            </a:extLst>
+          </p:spPr>
+          <p:txBody>
+            <a:bodyPr wrap="none" anchor="ctr"/>
+            <a:lstStyle/>
+            <a:p>
+              <a:endParaRPr lang="ja-JP" altLang="en-US"/>
+            </a:p>
+          </p:txBody>
+        </p:sp>
+        <p:sp>
+          <p:nvSpPr>
+            <p:cNvPr id="15" name="Oval 20">
+              <a:extLst>
+                <a:ext uri="{FF2B5EF4-FFF2-40B4-BE49-F238E27FC236}">
+                  <a16:creationId xmlns="" xmlns:a16="http://schemas.microsoft.com/office/drawing/2014/main" id="{9BD5F5FE-EFD9-4804-9B3B-C6D91AFF363C}"/>
+                </a:ext>
+              </a:extLst>
+            </p:cNvPr>
+            <p:cNvSpPr>
+              <a:spLocks noChangeArrowheads="1"/>
+            </p:cNvSpPr>
+            <p:nvPr/>
+          </p:nvSpPr>
+          <p:spPr bwMode="auto">
+            <a:xfrm>
+              <a:off x="625" y="663"/>
+              <a:ext cx="454" cy="454"/>
+            </a:xfrm>
+            <a:prstGeom prst="ellipse">
+              <a:avLst/>
+            </a:prstGeom>
+            <a:gradFill rotWithShape="1">
+              <a:gsLst>
+                <a:gs pos="0">
+                  <a:schemeClr val="bg1">
+                    <a:alpha val="60001"/>
+                  </a:schemeClr>
+                </a:gs>
+                <a:gs pos="100000">
+                  <a:schemeClr val="bg1">
+                    <a:gamma/>
+                    <a:shade val="46275"/>
+                    <a:invGamma/>
+                    <a:alpha val="0"/>
+                  </a:schemeClr>
+                </a:gs>
+              </a:gsLst>
+              <a:path path="shape">
+                <a:fillToRect l="50000" t="50000" r="50000" b="50000"/>
+              </a:path>
+            </a:gradFill>
+            <a:ln>
+              <a:noFill/>
+            </a:ln>
+            <a:effectLst/>
+            <a:extLst>
+              <a:ext uri="{91240B29-F687-4F45-9708-019B960494DF}">
+                <a14:hiddenLine xmlns:a14="http://schemas.microsoft.com/office/drawing/2010/main" w="9525">
+                  <a:solidFill>
+                    <a:srgbClr val="FF0000"/>
+                  </a:solidFill>
+                  <a:round/>
+                  <a:headEnd/>
+                  <a:tailEnd/>
+                </a14:hiddenLine>
+              </a:ext>
+              <a:ext uri="{AF507438-7753-43E0-B8FC-AC1667EBCBE1}">
+                <a14:hiddenEffects xmlns:a14="http://schemas.microsoft.com/office/drawing/2010/main">
+                  <a:effectLst>
+                    <a:outerShdw dist="35921" dir="2700000" algn="ctr" rotWithShape="0">
+                      <a:schemeClr val="bg2"/>
+                    </a:outerShdw>
+                  </a:effectLst>
+                </a14:hiddenEffects>
+              </a:ext>
+            </a:extLst>
+          </p:spPr>
+          <p:txBody>
+            <a:bodyPr wrap="none" anchor="ctr"/>
+            <a:lstStyle/>
+            <a:p>
+              <a:endParaRPr lang="ja-JP" altLang="en-US"/>
+            </a:p>
+          </p:txBody>
+        </p:sp>
+        <p:grpSp>
+          <p:nvGrpSpPr>
+            <p:cNvPr id="16" name="Group 21">
+              <a:extLst>
+                <a:ext uri="{FF2B5EF4-FFF2-40B4-BE49-F238E27FC236}">
+                  <a16:creationId xmlns="" xmlns:a16="http://schemas.microsoft.com/office/drawing/2014/main" id="{7DB5FE9B-6714-4B4D-AB94-45F20F7D5C8E}"/>
+                </a:ext>
+              </a:extLst>
+            </p:cNvPr>
+            <p:cNvGrpSpPr>
+              <a:grpSpLocks/>
+            </p:cNvGrpSpPr>
+            <p:nvPr/>
+          </p:nvGrpSpPr>
+          <p:grpSpPr bwMode="auto">
+            <a:xfrm>
+              <a:off x="535" y="1177"/>
+              <a:ext cx="453" cy="212"/>
+              <a:chOff x="580" y="1207"/>
+              <a:chExt cx="363" cy="182"/>
+            </a:xfrm>
+          </p:grpSpPr>
+          <p:sp>
+            <p:nvSpPr>
+              <p:cNvPr id="19" name="AutoShape 22">
+                <a:extLst>
+                  <a:ext uri="{FF2B5EF4-FFF2-40B4-BE49-F238E27FC236}">
+                    <a16:creationId xmlns="" xmlns:a16="http://schemas.microsoft.com/office/drawing/2014/main" id="{4E5DF4CC-2B73-45EA-B083-30A68ED1FA2A}"/>
+                  </a:ext>
+                </a:extLst>
+              </p:cNvPr>
+              <p:cNvSpPr>
+                <a:spLocks noChangeArrowheads="1"/>
+              </p:cNvSpPr>
+              <p:nvPr/>
+            </p:nvSpPr>
+            <p:spPr bwMode="auto">
+              <a:xfrm rot="16200000">
+                <a:off x="671" y="1116"/>
+                <a:ext cx="182" cy="363"/>
+              </a:xfrm>
+              <a:prstGeom prst="moon">
+                <a:avLst>
+                  <a:gd name="adj" fmla="val 87500"/>
+                </a:avLst>
+              </a:prstGeom>
+              <a:gradFill rotWithShape="1">
+                <a:gsLst>
+                  <a:gs pos="0">
+                    <a:srgbClr val="FF99CC"/>
+                  </a:gs>
+                  <a:gs pos="100000">
+                    <a:srgbClr val="CC0000"/>
+                  </a:gs>
+                </a:gsLst>
+                <a:lin ang="0" scaled="1"/>
+              </a:gradFill>
+              <a:ln>
+                <a:noFill/>
+              </a:ln>
+              <a:effectLst/>
+              <a:extLst>
+                <a:ext uri="{91240B29-F687-4F45-9708-019B960494DF}">
+                  <a14:hiddenLine xmlns:a14="http://schemas.microsoft.com/office/drawing/2010/main" w="3175">
+                    <a:solidFill>
+                      <a:srgbClr val="333333"/>
+                    </a:solidFill>
+                    <a:miter lim="800000"/>
+                    <a:headEnd/>
+                    <a:tailEnd/>
+                  </a14:hiddenLine>
+                </a:ext>
+                <a:ext uri="{AF507438-7753-43E0-B8FC-AC1667EBCBE1}">
+                  <a14:hiddenEffects xmlns:a14="http://schemas.microsoft.com/office/drawing/2010/main">
+                    <a:effectLst>
+                      <a:outerShdw dist="35921" dir="2700000" algn="ctr" rotWithShape="0">
+                        <a:schemeClr val="bg2"/>
+                      </a:outerShdw>
+                    </a:effectLst>
+                  </a14:hiddenEffects>
+                </a:ext>
+              </a:extLst>
+            </p:spPr>
+            <p:txBody>
+              <a:bodyPr wrap="none" anchor="ctr"/>
+              <a:lstStyle/>
+              <a:p>
+                <a:endParaRPr lang="ja-JP" altLang="en-US"/>
+              </a:p>
+            </p:txBody>
+          </p:sp>
+          <p:sp>
+            <p:nvSpPr>
+              <p:cNvPr id="20" name="Freeform 23">
+                <a:extLst>
+                  <a:ext uri="{FF2B5EF4-FFF2-40B4-BE49-F238E27FC236}">
+                    <a16:creationId xmlns="" xmlns:a16="http://schemas.microsoft.com/office/drawing/2014/main" id="{A03184C6-4DC0-40F9-A025-A1F34226A187}"/>
+                  </a:ext>
+                </a:extLst>
+              </p:cNvPr>
+              <p:cNvSpPr>
+                <a:spLocks/>
+              </p:cNvSpPr>
+              <p:nvPr/>
+            </p:nvSpPr>
+            <p:spPr bwMode="auto">
+              <a:xfrm>
+                <a:off x="625" y="1298"/>
+                <a:ext cx="272" cy="91"/>
+              </a:xfrm>
+              <a:custGeom>
+                <a:avLst/>
+                <a:gdLst>
+                  <a:gd name="T0" fmla="*/ 136 w 272"/>
+                  <a:gd name="T1" fmla="*/ 136 h 136"/>
+                  <a:gd name="T2" fmla="*/ 0 w 272"/>
+                  <a:gd name="T3" fmla="*/ 45 h 136"/>
+                  <a:gd name="T4" fmla="*/ 136 w 272"/>
+                  <a:gd name="T5" fmla="*/ 0 h 136"/>
+                  <a:gd name="T6" fmla="*/ 272 w 272"/>
+                  <a:gd name="T7" fmla="*/ 45 h 136"/>
+                  <a:gd name="T8" fmla="*/ 136 w 272"/>
+                  <a:gd name="T9" fmla="*/ 136 h 136"/>
+                </a:gdLst>
+                <a:ahLst/>
+                <a:cxnLst>
+                  <a:cxn ang="0">
+                    <a:pos x="T0" y="T1"/>
+                  </a:cxn>
+                  <a:cxn ang="0">
+                    <a:pos x="T2" y="T3"/>
+                  </a:cxn>
+                  <a:cxn ang="0">
+                    <a:pos x="T4" y="T5"/>
+                  </a:cxn>
+                  <a:cxn ang="0">
+                    <a:pos x="T6" y="T7"/>
+                  </a:cxn>
+                  <a:cxn ang="0">
+                    <a:pos x="T8" y="T9"/>
+                  </a:cxn>
+                </a:cxnLst>
+                <a:rect l="0" t="0" r="r" b="b"/>
+                <a:pathLst>
+                  <a:path w="272" h="136">
+                    <a:moveTo>
+                      <a:pt x="136" y="136"/>
+                    </a:moveTo>
+                    <a:cubicBezTo>
+                      <a:pt x="91" y="136"/>
+                      <a:pt x="0" y="68"/>
+                      <a:pt x="0" y="45"/>
+                    </a:cubicBezTo>
+                    <a:cubicBezTo>
+                      <a:pt x="0" y="22"/>
+                      <a:pt x="91" y="0"/>
+                      <a:pt x="136" y="0"/>
+                    </a:cubicBezTo>
+                    <a:cubicBezTo>
+                      <a:pt x="181" y="0"/>
+                      <a:pt x="272" y="22"/>
+                      <a:pt x="272" y="45"/>
+                    </a:cubicBezTo>
+                    <a:cubicBezTo>
+                      <a:pt x="272" y="68"/>
+                      <a:pt x="181" y="136"/>
+                      <a:pt x="136" y="136"/>
+                    </a:cubicBezTo>
+                    <a:close/>
+                  </a:path>
+                </a:pathLst>
+              </a:custGeom>
+              <a:gradFill rotWithShape="1">
+                <a:gsLst>
+                  <a:gs pos="0">
+                    <a:srgbClr val="FF0000">
+                      <a:gamma/>
+                      <a:shade val="46275"/>
+                      <a:invGamma/>
+                    </a:srgbClr>
+                  </a:gs>
+                  <a:gs pos="100000">
+                    <a:srgbClr val="FF0000"/>
+                  </a:gs>
+                </a:gsLst>
+                <a:lin ang="5400000" scaled="1"/>
+              </a:gradFill>
+              <a:ln>
+                <a:noFill/>
+              </a:ln>
+              <a:effectLst/>
+              <a:extLst>
+                <a:ext uri="{91240B29-F687-4F45-9708-019B960494DF}">
+                  <a14:hiddenLine xmlns:a14="http://schemas.microsoft.com/office/drawing/2010/main" w="9525" cap="flat" cmpd="sng">
+                    <a:solidFill>
+                      <a:srgbClr val="FF0000"/>
+                    </a:solidFill>
+                    <a:prstDash val="solid"/>
+                    <a:round/>
+                    <a:headEnd/>
+                    <a:tailEnd/>
+                  </a14:hiddenLine>
+                </a:ext>
+                <a:ext uri="{AF507438-7753-43E0-B8FC-AC1667EBCBE1}">
+                  <a14:hiddenEffects xmlns:a14="http://schemas.microsoft.com/office/drawing/2010/main">
+                    <a:effectLst>
+                      <a:outerShdw dist="35921" dir="2700000" algn="ctr" rotWithShape="0">
+                        <a:schemeClr val="bg2"/>
+                      </a:outerShdw>
+                    </a:effectLst>
+                  </a14:hiddenEffects>
+                </a:ext>
+              </a:extLst>
+            </p:spPr>
+            <p:txBody>
+              <a:bodyPr/>
+              <a:lstStyle/>
+              <a:p>
+                <a:endParaRPr lang="ja-JP" altLang="en-US"/>
+              </a:p>
+            </p:txBody>
+          </p:sp>
+        </p:grpSp>
+        <p:sp>
+          <p:nvSpPr>
+            <p:cNvPr id="17" name="AutoShape 36">
+              <a:extLst>
+                <a:ext uri="{FF2B5EF4-FFF2-40B4-BE49-F238E27FC236}">
+                  <a16:creationId xmlns="" xmlns:a16="http://schemas.microsoft.com/office/drawing/2014/main" id="{C65C2922-0F06-4601-991B-D9188A55C388}"/>
+                </a:ext>
+              </a:extLst>
+            </p:cNvPr>
+            <p:cNvSpPr>
+              <a:spLocks noChangeArrowheads="1"/>
+            </p:cNvSpPr>
+            <p:nvPr/>
+          </p:nvSpPr>
+          <p:spPr bwMode="auto">
+            <a:xfrm>
+              <a:off x="444" y="890"/>
+              <a:ext cx="272" cy="272"/>
+            </a:xfrm>
+            <a:custGeom>
+              <a:avLst/>
+              <a:gdLst>
+                <a:gd name="G0" fmla="+- 8146 0 0"/>
+                <a:gd name="G1" fmla="+- -11686764 0 0"/>
+                <a:gd name="G2" fmla="+- 0 0 -11686764"/>
+                <a:gd name="T0" fmla="*/ 0 256 1"/>
+                <a:gd name="T1" fmla="*/ 180 256 1"/>
+                <a:gd name="G3" fmla="+- -11686764 T0 T1"/>
+                <a:gd name="T2" fmla="*/ 0 256 1"/>
+                <a:gd name="T3" fmla="*/ 90 256 1"/>
+                <a:gd name="G4" fmla="+- -11686764 T2 T3"/>
+                <a:gd name="G5" fmla="*/ G4 2 1"/>
+                <a:gd name="T4" fmla="*/ 90 256 1"/>
+                <a:gd name="T5" fmla="*/ 0 256 1"/>
+                <a:gd name="G6" fmla="+- -11686764 T4 T5"/>
+                <a:gd name="G7" fmla="*/ G6 2 1"/>
+                <a:gd name="G8" fmla="abs -11686764"/>
+                <a:gd name="T6" fmla="*/ 0 256 1"/>
+                <a:gd name="T7" fmla="*/ 90 256 1"/>
+                <a:gd name="G9" fmla="+- G8 T6 T7"/>
+                <a:gd name="G10" fmla="?: G9 G7 G5"/>
+                <a:gd name="T8" fmla="*/ 0 256 1"/>
+                <a:gd name="T9" fmla="*/ 360 256 1"/>
+                <a:gd name="G11" fmla="+- G10 T8 T9"/>
+                <a:gd name="G12" fmla="?: G10 G11 G10"/>
+                <a:gd name="T10" fmla="*/ 0 256 1"/>
+                <a:gd name="T11" fmla="*/ 360 256 1"/>
+                <a:gd name="G13" fmla="+- G12 T10 T11"/>
+                <a:gd name="G14" fmla="?: G12 G13 G12"/>
+                <a:gd name="G15" fmla="+- 0 0 G14"/>
+                <a:gd name="G16" fmla="+- 10800 0 0"/>
+                <a:gd name="G17" fmla="+- 10800 0 8146"/>
+                <a:gd name="G18" fmla="*/ 8146 1 2"/>
+                <a:gd name="G19" fmla="+- G18 5400 0"/>
+                <a:gd name="G20" fmla="cos G19 -11686764"/>
+                <a:gd name="G21" fmla="sin G19 -11686764"/>
+                <a:gd name="G22" fmla="+- G20 10800 0"/>
+                <a:gd name="G23" fmla="+- G21 10800 0"/>
+                <a:gd name="G24" fmla="+- 10800 0 G20"/>
+                <a:gd name="G25" fmla="+- 8146 10800 0"/>
+                <a:gd name="G26" fmla="?: G9 G17 G25"/>
+                <a:gd name="G27" fmla="?: G9 0 21600"/>
+                <a:gd name="G28" fmla="cos 10800 -11686764"/>
+                <a:gd name="G29" fmla="sin 10800 -11686764"/>
+                <a:gd name="G30" fmla="sin 8146 -11686764"/>
+                <a:gd name="G31" fmla="+- G28 10800 0"/>
+                <a:gd name="G32" fmla="+- G29 10800 0"/>
+                <a:gd name="G33" fmla="+- G30 10800 0"/>
+                <a:gd name="G34" fmla="?: G4 0 G31"/>
+                <a:gd name="G35" fmla="?: -11686764 G34 0"/>
+                <a:gd name="G36" fmla="?: G6 G35 G31"/>
+                <a:gd name="G37" fmla="+- 21600 0 G36"/>
+                <a:gd name="G38" fmla="?: G4 0 G33"/>
+                <a:gd name="G39" fmla="?: -11686764 G38 G32"/>
+                <a:gd name="G40" fmla="?: G6 G39 0"/>
+                <a:gd name="G41" fmla="?: G4 G32 21600"/>
+                <a:gd name="G42" fmla="?: G6 G41 G33"/>
+                <a:gd name="T12" fmla="*/ 10800 w 21600"/>
+                <a:gd name="T13" fmla="*/ 0 h 21600"/>
+                <a:gd name="T14" fmla="*/ 1331 w 21600"/>
+                <a:gd name="T15" fmla="*/ 10523 h 21600"/>
+                <a:gd name="T16" fmla="*/ 10800 w 21600"/>
+                <a:gd name="T17" fmla="*/ 2654 h 21600"/>
+                <a:gd name="T18" fmla="*/ 20269 w 21600"/>
+                <a:gd name="T19" fmla="*/ 10523 h 21600"/>
+                <a:gd name="T20" fmla="*/ G36 w 21600"/>
+                <a:gd name="T21" fmla="*/ G40 h 21600"/>
+                <a:gd name="T22" fmla="*/ G37 w 21600"/>
+                <a:gd name="T23" fmla="*/ G42 h 21600"/>
+              </a:gdLst>
+              <a:ahLst/>
+              <a:cxnLst>
+                <a:cxn ang="0">
+                  <a:pos x="T12" y="T13"/>
+                </a:cxn>
+                <a:cxn ang="0">
+                  <a:pos x="T14" y="T15"/>
+                </a:cxn>
+                <a:cxn ang="0">
+                  <a:pos x="T16" y="T17"/>
+                </a:cxn>
+                <a:cxn ang="0">
+                  <a:pos x="T18" y="T19"/>
+                </a:cxn>
+              </a:cxnLst>
+              <a:rect l="T20" t="T21" r="T22" b="T23"/>
+              <a:pathLst>
+                <a:path w="21600" h="21600">
+                  <a:moveTo>
+                    <a:pt x="2657" y="10562"/>
+                  </a:moveTo>
+                  <a:cubicBezTo>
+                    <a:pt x="2786" y="6157"/>
+                    <a:pt x="6393" y="2654"/>
+                    <a:pt x="10800" y="2654"/>
+                  </a:cubicBezTo>
+                  <a:cubicBezTo>
+                    <a:pt x="15206" y="2654"/>
+                    <a:pt x="18813" y="6157"/>
+                    <a:pt x="18942" y="10562"/>
+                  </a:cubicBezTo>
+                  <a:lnTo>
+                    <a:pt x="21595" y="10484"/>
+                  </a:lnTo>
+                  <a:cubicBezTo>
+                    <a:pt x="21424" y="4645"/>
+                    <a:pt x="16641" y="0"/>
+                    <a:pt x="10799" y="0"/>
+                  </a:cubicBezTo>
+                  <a:cubicBezTo>
+                    <a:pt x="4958" y="0"/>
+                    <a:pt x="175" y="4645"/>
+                    <a:pt x="4" y="10484"/>
+                  </a:cubicBezTo>
+                  <a:close/>
+                </a:path>
+              </a:pathLst>
+            </a:custGeom>
+            <a:solidFill>
+              <a:schemeClr val="tx1"/>
+            </a:solidFill>
+            <a:ln>
+              <a:noFill/>
+            </a:ln>
+            <a:effectLst/>
+            <a:extLst>
+              <a:ext uri="{91240B29-F687-4F45-9708-019B960494DF}">
+                <a14:hiddenLine xmlns:a14="http://schemas.microsoft.com/office/drawing/2010/main" w="9525">
+                  <a:solidFill>
+                    <a:srgbClr val="FF0000"/>
+                  </a:solidFill>
+                  <a:miter lim="800000"/>
+                  <a:headEnd/>
+                  <a:tailEnd/>
+                </a14:hiddenLine>
+              </a:ext>
+              <a:ext uri="{AF507438-7753-43E0-B8FC-AC1667EBCBE1}">
+                <a14:hiddenEffects xmlns:a14="http://schemas.microsoft.com/office/drawing/2010/main">
+                  <a:effectLst>
+                    <a:outerShdw dist="35921" dir="2700000" algn="ctr" rotWithShape="0">
+                      <a:schemeClr val="bg2"/>
+                    </a:outerShdw>
+                  </a:effectLst>
+                </a14:hiddenEffects>
+              </a:ext>
+            </a:extLst>
+          </p:spPr>
+          <p:txBody>
+            <a:bodyPr wrap="none" anchor="ctr"/>
+            <a:lstStyle/>
+            <a:p>
+              <a:endParaRPr lang="ja-JP" altLang="en-US"/>
+            </a:p>
+          </p:txBody>
+        </p:sp>
+        <p:sp>
+          <p:nvSpPr>
+            <p:cNvPr id="18" name="AutoShape 37">
+              <a:extLst>
+                <a:ext uri="{FF2B5EF4-FFF2-40B4-BE49-F238E27FC236}">
+                  <a16:creationId xmlns="" xmlns:a16="http://schemas.microsoft.com/office/drawing/2014/main" id="{9028FBF9-F253-4134-8311-3707C3C5DB2F}"/>
+                </a:ext>
+              </a:extLst>
+            </p:cNvPr>
+            <p:cNvSpPr>
+              <a:spLocks noChangeArrowheads="1"/>
+            </p:cNvSpPr>
+            <p:nvPr/>
+          </p:nvSpPr>
+          <p:spPr bwMode="auto">
+            <a:xfrm>
+              <a:off x="807" y="890"/>
+              <a:ext cx="272" cy="272"/>
+            </a:xfrm>
+            <a:custGeom>
+              <a:avLst/>
+              <a:gdLst>
+                <a:gd name="G0" fmla="+- 8146 0 0"/>
+                <a:gd name="G1" fmla="+- -11686764 0 0"/>
+                <a:gd name="G2" fmla="+- 0 0 -11686764"/>
+                <a:gd name="T0" fmla="*/ 0 256 1"/>
+                <a:gd name="T1" fmla="*/ 180 256 1"/>
+                <a:gd name="G3" fmla="+- -11686764 T0 T1"/>
+                <a:gd name="T2" fmla="*/ 0 256 1"/>
+                <a:gd name="T3" fmla="*/ 90 256 1"/>
+                <a:gd name="G4" fmla="+- -11686764 T2 T3"/>
+                <a:gd name="G5" fmla="*/ G4 2 1"/>
+                <a:gd name="T4" fmla="*/ 90 256 1"/>
+                <a:gd name="T5" fmla="*/ 0 256 1"/>
+                <a:gd name="G6" fmla="+- -11686764 T4 T5"/>
+                <a:gd name="G7" fmla="*/ G6 2 1"/>
+                <a:gd name="G8" fmla="abs -11686764"/>
+                <a:gd name="T6" fmla="*/ 0 256 1"/>
+                <a:gd name="T7" fmla="*/ 90 256 1"/>
+                <a:gd name="G9" fmla="+- G8 T6 T7"/>
+                <a:gd name="G10" fmla="?: G9 G7 G5"/>
+                <a:gd name="T8" fmla="*/ 0 256 1"/>
+                <a:gd name="T9" fmla="*/ 360 256 1"/>
+                <a:gd name="G11" fmla="+- G10 T8 T9"/>
+                <a:gd name="G12" fmla="?: G10 G11 G10"/>
+                <a:gd name="T10" fmla="*/ 0 256 1"/>
+                <a:gd name="T11" fmla="*/ 360 256 1"/>
+                <a:gd name="G13" fmla="+- G12 T10 T11"/>
+                <a:gd name="G14" fmla="?: G12 G13 G12"/>
+                <a:gd name="G15" fmla="+- 0 0 G14"/>
+                <a:gd name="G16" fmla="+- 10800 0 0"/>
+                <a:gd name="G17" fmla="+- 10800 0 8146"/>
+                <a:gd name="G18" fmla="*/ 8146 1 2"/>
+                <a:gd name="G19" fmla="+- G18 5400 0"/>
+                <a:gd name="G20" fmla="cos G19 -11686764"/>
+                <a:gd name="G21" fmla="sin G19 -11686764"/>
+                <a:gd name="G22" fmla="+- G20 10800 0"/>
+                <a:gd name="G23" fmla="+- G21 10800 0"/>
+                <a:gd name="G24" fmla="+- 10800 0 G20"/>
+                <a:gd name="G25" fmla="+- 8146 10800 0"/>
+                <a:gd name="G26" fmla="?: G9 G17 G25"/>
+                <a:gd name="G27" fmla="?: G9 0 21600"/>
+                <a:gd name="G28" fmla="cos 10800 -11686764"/>
+                <a:gd name="G29" fmla="sin 10800 -11686764"/>
+                <a:gd name="G30" fmla="sin 8146 -11686764"/>
+                <a:gd name="G31" fmla="+- G28 10800 0"/>
+                <a:gd name="G32" fmla="+- G29 10800 0"/>
+                <a:gd name="G33" fmla="+- G30 10800 0"/>
+                <a:gd name="G34" fmla="?: G4 0 G31"/>
+                <a:gd name="G35" fmla="?: -11686764 G34 0"/>
+                <a:gd name="G36" fmla="?: G6 G35 G31"/>
+                <a:gd name="G37" fmla="+- 21600 0 G36"/>
+                <a:gd name="G38" fmla="?: G4 0 G33"/>
+                <a:gd name="G39" fmla="?: -11686764 G38 G32"/>
+                <a:gd name="G40" fmla="?: G6 G39 0"/>
+                <a:gd name="G41" fmla="?: G4 G32 21600"/>
+                <a:gd name="G42" fmla="?: G6 G41 G33"/>
+                <a:gd name="T12" fmla="*/ 10800 w 21600"/>
+                <a:gd name="T13" fmla="*/ 0 h 21600"/>
+                <a:gd name="T14" fmla="*/ 1331 w 21600"/>
+                <a:gd name="T15" fmla="*/ 10523 h 21600"/>
+                <a:gd name="T16" fmla="*/ 10800 w 21600"/>
+                <a:gd name="T17" fmla="*/ 2654 h 21600"/>
+                <a:gd name="T18" fmla="*/ 20269 w 21600"/>
+                <a:gd name="T19" fmla="*/ 10523 h 21600"/>
+                <a:gd name="T20" fmla="*/ G36 w 21600"/>
+                <a:gd name="T21" fmla="*/ G40 h 21600"/>
+                <a:gd name="T22" fmla="*/ G37 w 21600"/>
+                <a:gd name="T23" fmla="*/ G42 h 21600"/>
+              </a:gdLst>
+              <a:ahLst/>
+              <a:cxnLst>
+                <a:cxn ang="0">
+                  <a:pos x="T12" y="T13"/>
+                </a:cxn>
+                <a:cxn ang="0">
+                  <a:pos x="T14" y="T15"/>
+                </a:cxn>
+                <a:cxn ang="0">
+                  <a:pos x="T16" y="T17"/>
+                </a:cxn>
+                <a:cxn ang="0">
+                  <a:pos x="T18" y="T19"/>
+                </a:cxn>
+              </a:cxnLst>
+              <a:rect l="T20" t="T21" r="T22" b="T23"/>
+              <a:pathLst>
+                <a:path w="21600" h="21600">
+                  <a:moveTo>
+                    <a:pt x="2657" y="10562"/>
+                  </a:moveTo>
+                  <a:cubicBezTo>
+                    <a:pt x="2786" y="6157"/>
+                    <a:pt x="6393" y="2654"/>
+                    <a:pt x="10800" y="2654"/>
+                  </a:cubicBezTo>
+                  <a:cubicBezTo>
+                    <a:pt x="15206" y="2654"/>
+                    <a:pt x="18813" y="6157"/>
+                    <a:pt x="18942" y="10562"/>
+                  </a:cubicBezTo>
+                  <a:lnTo>
+                    <a:pt x="21595" y="10484"/>
+                  </a:lnTo>
+                  <a:cubicBezTo>
+                    <a:pt x="21424" y="4645"/>
+                    <a:pt x="16641" y="0"/>
+                    <a:pt x="10799" y="0"/>
+                  </a:cubicBezTo>
+                  <a:cubicBezTo>
+                    <a:pt x="4958" y="0"/>
+                    <a:pt x="175" y="4645"/>
+                    <a:pt x="4" y="10484"/>
+                  </a:cubicBezTo>
+                  <a:close/>
+                </a:path>
+              </a:pathLst>
+            </a:custGeom>
+            <a:solidFill>
+              <a:schemeClr val="tx1"/>
+            </a:solidFill>
+            <a:ln>
+              <a:noFill/>
+            </a:ln>
+            <a:effectLst/>
+            <a:extLst>
+              <a:ext uri="{91240B29-F687-4F45-9708-019B960494DF}">
+                <a14:hiddenLine xmlns:a14="http://schemas.microsoft.com/office/drawing/2010/main" w="9525">
+                  <a:solidFill>
+                    <a:srgbClr val="FF0000"/>
+                  </a:solidFill>
+                  <a:miter lim="800000"/>
+                  <a:headEnd/>
+                  <a:tailEnd/>
+                </a14:hiddenLine>
+              </a:ext>
+              <a:ext uri="{AF507438-7753-43E0-B8FC-AC1667EBCBE1}">
+                <a14:hiddenEffects xmlns:a14="http://schemas.microsoft.com/office/drawing/2010/main">
+                  <a:effectLst>
+                    <a:outerShdw dist="35921" dir="2700000" algn="ctr" rotWithShape="0">
+                      <a:schemeClr val="bg2"/>
+                    </a:outerShdw>
+                  </a:effectLst>
+                </a14:hiddenEffects>
+              </a:ext>
+            </a:extLst>
+          </p:spPr>
+          <p:txBody>
+            <a:bodyPr wrap="none" anchor="ctr"/>
+            <a:lstStyle/>
+            <a:p>
+              <a:endParaRPr lang="ja-JP" altLang="en-US"/>
+            </a:p>
+          </p:txBody>
+        </p:sp>
+      </p:grpSp>
+    </p:spTree>
+    <p:extLst>
+      <p:ext uri="{BB962C8B-B14F-4D97-AF65-F5344CB8AC3E}">
+        <p14:creationId xmlns:p14="http://schemas.microsoft.com/office/powerpoint/2010/main" val="1940728637"/>
+      </p:ext>
+    </p:extLst>
+  </p:cSld>
+  <p:clrMapOvr>
+    <a:masterClrMapping/>
+  </p:clrMapOvr>
+  <p:timing>
+    <p:tnLst>
+      <p:par>
+        <p:cTn id="1" dur="indefinite" restart="never" nodeType="tmRoot"/>
+      </p:par>
+    </p:tnLst>
+  </p:timing>
+</p:sld>
+</file>
+
+<file path=ppt/slides/slide7.xml><?xml version="1.0" encoding="utf-8"?>
+<p:sld xmlns:a="http://schemas.openxmlformats.org/drawingml/2006/main" xmlns:r="http://schemas.openxmlformats.org/officeDocument/2006/relationships" xmlns:p="http://schemas.openxmlformats.org/presentationml/2006/main">
+  <p:cSld>
+    <p:spTree>
+      <p:nvGrpSpPr>
+        <p:cNvPr id="1" name=""/>
+        <p:cNvGrpSpPr/>
+        <p:nvPr/>
+      </p:nvGrpSpPr>
+      <p:grpSpPr>
+        <a:xfrm>
+          <a:off x="0" y="0"/>
+          <a:ext cx="0" cy="0"/>
+          <a:chOff x="0" y="0"/>
+          <a:chExt cx="0" cy="0"/>
+        </a:xfrm>
+      </p:grpSpPr>
+      <p:sp>
+        <p:nvSpPr>
+          <p:cNvPr id="2" name="タイトル 1"/>
+          <p:cNvSpPr>
+            <a:spLocks noGrp="1"/>
+          </p:cNvSpPr>
+          <p:nvPr>
+            <p:ph type="title"/>
+          </p:nvPr>
+        </p:nvSpPr>
+        <p:spPr>
+          <a:xfrm>
             <a:off x="1052735" y="481728"/>
             <a:ext cx="5670000" cy="313350"/>
           </a:xfrm>
@@ -8245,7 +10901,7 @@
           <p:cNvPr id="11" name="Group 296">
             <a:extLst>
               <a:ext uri="{FF2B5EF4-FFF2-40B4-BE49-F238E27FC236}">
-                <a16:creationId xmlns:a16="http://schemas.microsoft.com/office/drawing/2014/main" xmlns="" id="{3842FC64-AB39-42D7-A48C-0FE49F99806C}"/>
+                <a16:creationId xmlns="" xmlns:a16="http://schemas.microsoft.com/office/drawing/2014/main" id="{3842FC64-AB39-42D7-A48C-0FE49F99806C}"/>
               </a:ext>
             </a:extLst>
           </p:cNvPr>
@@ -8267,7 +10923,7 @@
             <p:cNvPr id="12" name="Oval 2">
               <a:extLst>
                 <a:ext uri="{FF2B5EF4-FFF2-40B4-BE49-F238E27FC236}">
-                  <a16:creationId xmlns:a16="http://schemas.microsoft.com/office/drawing/2014/main" xmlns="" id="{9267EE0A-4BA4-4E94-8745-FFA9A06F71A9}"/>
+                  <a16:creationId xmlns="" xmlns:a16="http://schemas.microsoft.com/office/drawing/2014/main" id="{9267EE0A-4BA4-4E94-8745-FFA9A06F71A9}"/>
                 </a:ext>
               </a:extLst>
             </p:cNvPr>
@@ -8326,7 +10982,7 @@
             <p:cNvPr id="13" name="Oval 19">
               <a:extLst>
                 <a:ext uri="{FF2B5EF4-FFF2-40B4-BE49-F238E27FC236}">
-                  <a16:creationId xmlns:a16="http://schemas.microsoft.com/office/drawing/2014/main" xmlns="" id="{CC91C93B-224E-47BB-A4B4-F39EF6BD8070}"/>
+                  <a16:creationId xmlns="" xmlns:a16="http://schemas.microsoft.com/office/drawing/2014/main" id="{CC91C93B-224E-47BB-A4B4-F39EF6BD8070}"/>
                 </a:ext>
               </a:extLst>
             </p:cNvPr>
@@ -8399,7 +11055,7 @@
             <p:cNvPr id="14" name="Oval 20">
               <a:extLst>
                 <a:ext uri="{FF2B5EF4-FFF2-40B4-BE49-F238E27FC236}">
-                  <a16:creationId xmlns:a16="http://schemas.microsoft.com/office/drawing/2014/main" xmlns="" id="{9BD5F5FE-EFD9-4804-9B3B-C6D91AFF363C}"/>
+                  <a16:creationId xmlns="" xmlns:a16="http://schemas.microsoft.com/office/drawing/2014/main" id="{9BD5F5FE-EFD9-4804-9B3B-C6D91AFF363C}"/>
                 </a:ext>
               </a:extLst>
             </p:cNvPr>
@@ -8475,7 +11131,7 @@
             <p:cNvPr id="15" name="Group 21">
               <a:extLst>
                 <a:ext uri="{FF2B5EF4-FFF2-40B4-BE49-F238E27FC236}">
-                  <a16:creationId xmlns:a16="http://schemas.microsoft.com/office/drawing/2014/main" xmlns="" id="{7DB5FE9B-6714-4B4D-AB94-45F20F7D5C8E}"/>
+                  <a16:creationId xmlns="" xmlns:a16="http://schemas.microsoft.com/office/drawing/2014/main" id="{7DB5FE9B-6714-4B4D-AB94-45F20F7D5C8E}"/>
                 </a:ext>
               </a:extLst>
             </p:cNvPr>
@@ -8497,7 +11153,7 @@
               <p:cNvPr id="18" name="AutoShape 22">
                 <a:extLst>
                   <a:ext uri="{FF2B5EF4-FFF2-40B4-BE49-F238E27FC236}">
-                    <a16:creationId xmlns:a16="http://schemas.microsoft.com/office/drawing/2014/main" xmlns="" id="{4E5DF4CC-2B73-45EA-B083-30A68ED1FA2A}"/>
+                    <a16:creationId xmlns="" xmlns:a16="http://schemas.microsoft.com/office/drawing/2014/main" id="{4E5DF4CC-2B73-45EA-B083-30A68ED1FA2A}"/>
                   </a:ext>
                 </a:extLst>
               </p:cNvPr>
@@ -8566,7 +11222,7 @@
               <p:cNvPr id="19" name="Freeform 23">
                 <a:extLst>
                   <a:ext uri="{FF2B5EF4-FFF2-40B4-BE49-F238E27FC236}">
-                    <a16:creationId xmlns:a16="http://schemas.microsoft.com/office/drawing/2014/main" xmlns="" id="{A03184C6-4DC0-40F9-A025-A1F34226A187}"/>
+                    <a16:creationId xmlns="" xmlns:a16="http://schemas.microsoft.com/office/drawing/2014/main" id="{A03184C6-4DC0-40F9-A025-A1F34226A187}"/>
                   </a:ext>
                 </a:extLst>
               </p:cNvPr>
@@ -8698,7 +11354,7 @@
             <p:cNvPr id="16" name="AutoShape 36">
               <a:extLst>
                 <a:ext uri="{FF2B5EF4-FFF2-40B4-BE49-F238E27FC236}">
-                  <a16:creationId xmlns:a16="http://schemas.microsoft.com/office/drawing/2014/main" xmlns="" id="{C65C2922-0F06-4601-991B-D9188A55C388}"/>
+                  <a16:creationId xmlns="" xmlns:a16="http://schemas.microsoft.com/office/drawing/2014/main" id="{C65C2922-0F06-4601-991B-D9188A55C388}"/>
                 </a:ext>
               </a:extLst>
             </p:cNvPr>
@@ -8873,7 +11529,7 @@
             <p:cNvPr id="17" name="AutoShape 37">
               <a:extLst>
                 <a:ext uri="{FF2B5EF4-FFF2-40B4-BE49-F238E27FC236}">
-                  <a16:creationId xmlns:a16="http://schemas.microsoft.com/office/drawing/2014/main" xmlns="" id="{9028FBF9-F253-4134-8311-3707C3C5DB2F}"/>
+                  <a16:creationId xmlns="" xmlns:a16="http://schemas.microsoft.com/office/drawing/2014/main" id="{9028FBF9-F253-4134-8311-3707C3C5DB2F}"/>
                 </a:ext>
               </a:extLst>
             </p:cNvPr>
@@ -9312,7 +11968,7 @@
 </p:sld>
 </file>
 
-<file path=ppt/slides/slide7.xml><?xml version="1.0" encoding="utf-8"?>
+<file path=ppt/slides/slide8.xml><?xml version="1.0" encoding="utf-8"?>
 <p:sld xmlns:a="http://schemas.openxmlformats.org/drawingml/2006/main" xmlns:r="http://schemas.openxmlformats.org/officeDocument/2006/relationships" xmlns:p="http://schemas.openxmlformats.org/presentationml/2006/main">
   <p:cSld>
     <p:spTree>
@@ -9406,7 +12062,7 @@
           <p:cNvPr id="11" name="Group 296">
             <a:extLst>
               <a:ext uri="{FF2B5EF4-FFF2-40B4-BE49-F238E27FC236}">
-                <a16:creationId xmlns:a16="http://schemas.microsoft.com/office/drawing/2014/main" xmlns="" id="{3842FC64-AB39-42D7-A48C-0FE49F99806C}"/>
+                <a16:creationId xmlns="" xmlns:a16="http://schemas.microsoft.com/office/drawing/2014/main" id="{3842FC64-AB39-42D7-A48C-0FE49F99806C}"/>
               </a:ext>
             </a:extLst>
           </p:cNvPr>
@@ -9428,7 +12084,7 @@
             <p:cNvPr id="12" name="Oval 2">
               <a:extLst>
                 <a:ext uri="{FF2B5EF4-FFF2-40B4-BE49-F238E27FC236}">
-                  <a16:creationId xmlns:a16="http://schemas.microsoft.com/office/drawing/2014/main" xmlns="" id="{9267EE0A-4BA4-4E94-8745-FFA9A06F71A9}"/>
+                  <a16:creationId xmlns="" xmlns:a16="http://schemas.microsoft.com/office/drawing/2014/main" id="{9267EE0A-4BA4-4E94-8745-FFA9A06F71A9}"/>
                 </a:ext>
               </a:extLst>
             </p:cNvPr>
@@ -9487,7 +12143,7 @@
             <p:cNvPr id="13" name="Oval 19">
               <a:extLst>
                 <a:ext uri="{FF2B5EF4-FFF2-40B4-BE49-F238E27FC236}">
-                  <a16:creationId xmlns:a16="http://schemas.microsoft.com/office/drawing/2014/main" xmlns="" id="{CC91C93B-224E-47BB-A4B4-F39EF6BD8070}"/>
+                  <a16:creationId xmlns="" xmlns:a16="http://schemas.microsoft.com/office/drawing/2014/main" id="{CC91C93B-224E-47BB-A4B4-F39EF6BD8070}"/>
                 </a:ext>
               </a:extLst>
             </p:cNvPr>
@@ -9560,7 +12216,7 @@
             <p:cNvPr id="14" name="Oval 20">
               <a:extLst>
                 <a:ext uri="{FF2B5EF4-FFF2-40B4-BE49-F238E27FC236}">
-                  <a16:creationId xmlns:a16="http://schemas.microsoft.com/office/drawing/2014/main" xmlns="" id="{9BD5F5FE-EFD9-4804-9B3B-C6D91AFF363C}"/>
+                  <a16:creationId xmlns="" xmlns:a16="http://schemas.microsoft.com/office/drawing/2014/main" id="{9BD5F5FE-EFD9-4804-9B3B-C6D91AFF363C}"/>
                 </a:ext>
               </a:extLst>
             </p:cNvPr>
@@ -9636,7 +12292,7 @@
             <p:cNvPr id="15" name="Group 21">
               <a:extLst>
                 <a:ext uri="{FF2B5EF4-FFF2-40B4-BE49-F238E27FC236}">
-                  <a16:creationId xmlns:a16="http://schemas.microsoft.com/office/drawing/2014/main" xmlns="" id="{7DB5FE9B-6714-4B4D-AB94-45F20F7D5C8E}"/>
+                  <a16:creationId xmlns="" xmlns:a16="http://schemas.microsoft.com/office/drawing/2014/main" id="{7DB5FE9B-6714-4B4D-AB94-45F20F7D5C8E}"/>
                 </a:ext>
               </a:extLst>
             </p:cNvPr>
@@ -9658,7 +12314,7 @@
               <p:cNvPr id="18" name="AutoShape 22">
                 <a:extLst>
                   <a:ext uri="{FF2B5EF4-FFF2-40B4-BE49-F238E27FC236}">
-                    <a16:creationId xmlns:a16="http://schemas.microsoft.com/office/drawing/2014/main" xmlns="" id="{4E5DF4CC-2B73-45EA-B083-30A68ED1FA2A}"/>
+                    <a16:creationId xmlns="" xmlns:a16="http://schemas.microsoft.com/office/drawing/2014/main" id="{4E5DF4CC-2B73-45EA-B083-30A68ED1FA2A}"/>
                   </a:ext>
                 </a:extLst>
               </p:cNvPr>
@@ -9727,7 +12383,7 @@
               <p:cNvPr id="19" name="Freeform 23">
                 <a:extLst>
                   <a:ext uri="{FF2B5EF4-FFF2-40B4-BE49-F238E27FC236}">
-                    <a16:creationId xmlns:a16="http://schemas.microsoft.com/office/drawing/2014/main" xmlns="" id="{A03184C6-4DC0-40F9-A025-A1F34226A187}"/>
+                    <a16:creationId xmlns="" xmlns:a16="http://schemas.microsoft.com/office/drawing/2014/main" id="{A03184C6-4DC0-40F9-A025-A1F34226A187}"/>
                   </a:ext>
                 </a:extLst>
               </p:cNvPr>
@@ -9859,7 +12515,7 @@
             <p:cNvPr id="16" name="AutoShape 36">
               <a:extLst>
                 <a:ext uri="{FF2B5EF4-FFF2-40B4-BE49-F238E27FC236}">
-                  <a16:creationId xmlns:a16="http://schemas.microsoft.com/office/drawing/2014/main" xmlns="" id="{C65C2922-0F06-4601-991B-D9188A55C388}"/>
+                  <a16:creationId xmlns="" xmlns:a16="http://schemas.microsoft.com/office/drawing/2014/main" id="{C65C2922-0F06-4601-991B-D9188A55C388}"/>
                 </a:ext>
               </a:extLst>
             </p:cNvPr>
@@ -10034,7 +12690,7 @@
             <p:cNvPr id="17" name="AutoShape 37">
               <a:extLst>
                 <a:ext uri="{FF2B5EF4-FFF2-40B4-BE49-F238E27FC236}">
-                  <a16:creationId xmlns:a16="http://schemas.microsoft.com/office/drawing/2014/main" xmlns="" id="{9028FBF9-F253-4134-8311-3707C3C5DB2F}"/>
+                  <a16:creationId xmlns="" xmlns:a16="http://schemas.microsoft.com/office/drawing/2014/main" id="{9028FBF9-F253-4134-8311-3707C3C5DB2F}"/>
                 </a:ext>
               </a:extLst>
             </p:cNvPr>
@@ -10373,7 +13029,7 @@
 </p:sld>
 </file>
 
-<file path=ppt/slides/slide8.xml><?xml version="1.0" encoding="utf-8"?>
+<file path=ppt/slides/slide9.xml><?xml version="1.0" encoding="utf-8"?>
 <p:sld xmlns:a="http://schemas.openxmlformats.org/drawingml/2006/main" xmlns:r="http://schemas.openxmlformats.org/officeDocument/2006/relationships" xmlns:p="http://schemas.openxmlformats.org/presentationml/2006/main">
   <p:cSld>
     <p:spTree>
@@ -10467,7 +13123,7 @@
           <p:cNvPr id="11" name="Group 296">
             <a:extLst>
               <a:ext uri="{FF2B5EF4-FFF2-40B4-BE49-F238E27FC236}">
-                <a16:creationId xmlns:a16="http://schemas.microsoft.com/office/drawing/2014/main" xmlns="" id="{3842FC64-AB39-42D7-A48C-0FE49F99806C}"/>
+                <a16:creationId xmlns="" xmlns:a16="http://schemas.microsoft.com/office/drawing/2014/main" id="{3842FC64-AB39-42D7-A48C-0FE49F99806C}"/>
               </a:ext>
             </a:extLst>
           </p:cNvPr>
@@ -10489,7 +13145,7 @@
             <p:cNvPr id="12" name="Oval 2">
               <a:extLst>
                 <a:ext uri="{FF2B5EF4-FFF2-40B4-BE49-F238E27FC236}">
-                  <a16:creationId xmlns:a16="http://schemas.microsoft.com/office/drawing/2014/main" xmlns="" id="{9267EE0A-4BA4-4E94-8745-FFA9A06F71A9}"/>
+                  <a16:creationId xmlns="" xmlns:a16="http://schemas.microsoft.com/office/drawing/2014/main" id="{9267EE0A-4BA4-4E94-8745-FFA9A06F71A9}"/>
                 </a:ext>
               </a:extLst>
             </p:cNvPr>
@@ -10548,7 +13204,7 @@
             <p:cNvPr id="13" name="Oval 19">
               <a:extLst>
                 <a:ext uri="{FF2B5EF4-FFF2-40B4-BE49-F238E27FC236}">
-                  <a16:creationId xmlns:a16="http://schemas.microsoft.com/office/drawing/2014/main" xmlns="" id="{CC91C93B-224E-47BB-A4B4-F39EF6BD8070}"/>
+                  <a16:creationId xmlns="" xmlns:a16="http://schemas.microsoft.com/office/drawing/2014/main" id="{CC91C93B-224E-47BB-A4B4-F39EF6BD8070}"/>
                 </a:ext>
               </a:extLst>
             </p:cNvPr>
@@ -10621,7 +13277,7 @@
             <p:cNvPr id="14" name="Oval 20">
               <a:extLst>
                 <a:ext uri="{FF2B5EF4-FFF2-40B4-BE49-F238E27FC236}">
-                  <a16:creationId xmlns:a16="http://schemas.microsoft.com/office/drawing/2014/main" xmlns="" id="{9BD5F5FE-EFD9-4804-9B3B-C6D91AFF363C}"/>
+                  <a16:creationId xmlns="" xmlns:a16="http://schemas.microsoft.com/office/drawing/2014/main" id="{9BD5F5FE-EFD9-4804-9B3B-C6D91AFF363C}"/>
                 </a:ext>
               </a:extLst>
             </p:cNvPr>
@@ -10697,7 +13353,7 @@
             <p:cNvPr id="15" name="Group 21">
               <a:extLst>
                 <a:ext uri="{FF2B5EF4-FFF2-40B4-BE49-F238E27FC236}">
-                  <a16:creationId xmlns:a16="http://schemas.microsoft.com/office/drawing/2014/main" xmlns="" id="{7DB5FE9B-6714-4B4D-AB94-45F20F7D5C8E}"/>
+                  <a16:creationId xmlns="" xmlns:a16="http://schemas.microsoft.com/office/drawing/2014/main" id="{7DB5FE9B-6714-4B4D-AB94-45F20F7D5C8E}"/>
                 </a:ext>
               </a:extLst>
             </p:cNvPr>
@@ -10719,7 +13375,7 @@
               <p:cNvPr id="18" name="AutoShape 22">
                 <a:extLst>
                   <a:ext uri="{FF2B5EF4-FFF2-40B4-BE49-F238E27FC236}">
-                    <a16:creationId xmlns:a16="http://schemas.microsoft.com/office/drawing/2014/main" xmlns="" id="{4E5DF4CC-2B73-45EA-B083-30A68ED1FA2A}"/>
+                    <a16:creationId xmlns="" xmlns:a16="http://schemas.microsoft.com/office/drawing/2014/main" id="{4E5DF4CC-2B73-45EA-B083-30A68ED1FA2A}"/>
                   </a:ext>
                 </a:extLst>
               </p:cNvPr>
@@ -10788,7 +13444,7 @@
               <p:cNvPr id="19" name="Freeform 23">
                 <a:extLst>
                   <a:ext uri="{FF2B5EF4-FFF2-40B4-BE49-F238E27FC236}">
-                    <a16:creationId xmlns:a16="http://schemas.microsoft.com/office/drawing/2014/main" xmlns="" id="{A03184C6-4DC0-40F9-A025-A1F34226A187}"/>
+                    <a16:creationId xmlns="" xmlns:a16="http://schemas.microsoft.com/office/drawing/2014/main" id="{A03184C6-4DC0-40F9-A025-A1F34226A187}"/>
                   </a:ext>
                 </a:extLst>
               </p:cNvPr>
@@ -10920,7 +13576,7 @@
             <p:cNvPr id="16" name="AutoShape 36">
               <a:extLst>
                 <a:ext uri="{FF2B5EF4-FFF2-40B4-BE49-F238E27FC236}">
-                  <a16:creationId xmlns:a16="http://schemas.microsoft.com/office/drawing/2014/main" xmlns="" id="{C65C2922-0F06-4601-991B-D9188A55C388}"/>
+                  <a16:creationId xmlns="" xmlns:a16="http://schemas.microsoft.com/office/drawing/2014/main" id="{C65C2922-0F06-4601-991B-D9188A55C388}"/>
                 </a:ext>
               </a:extLst>
             </p:cNvPr>
@@ -11095,7 +13751,7 @@
             <p:cNvPr id="17" name="AutoShape 37">
               <a:extLst>
                 <a:ext uri="{FF2B5EF4-FFF2-40B4-BE49-F238E27FC236}">
-                  <a16:creationId xmlns:a16="http://schemas.microsoft.com/office/drawing/2014/main" xmlns="" id="{9028FBF9-F253-4134-8311-3707C3C5DB2F}"/>
+                  <a16:creationId xmlns="" xmlns:a16="http://schemas.microsoft.com/office/drawing/2014/main" id="{9028FBF9-F253-4134-8311-3707C3C5DB2F}"/>
                 </a:ext>
               </a:extLst>
             </p:cNvPr>
@@ -11539,1240 +14195,6 @@
     <p:extLst>
       <p:ext uri="{BB962C8B-B14F-4D97-AF65-F5344CB8AC3E}">
         <p14:creationId xmlns:p14="http://schemas.microsoft.com/office/powerpoint/2010/main" val="3983564355"/>
-      </p:ext>
-    </p:extLst>
-  </p:cSld>
-  <p:clrMapOvr>
-    <a:masterClrMapping/>
-  </p:clrMapOvr>
-  <p:timing>
-    <p:tnLst>
-      <p:par>
-        <p:cTn id="1" dur="indefinite" restart="never" nodeType="tmRoot"/>
-      </p:par>
-    </p:tnLst>
-  </p:timing>
-</p:sld>
-</file>
-
-<file path=ppt/slides/slide9.xml><?xml version="1.0" encoding="utf-8"?>
-<p:sld xmlns:a="http://schemas.openxmlformats.org/drawingml/2006/main" xmlns:r="http://schemas.openxmlformats.org/officeDocument/2006/relationships" xmlns:p="http://schemas.openxmlformats.org/presentationml/2006/main">
-  <p:cSld>
-    <p:spTree>
-      <p:nvGrpSpPr>
-        <p:cNvPr id="1" name=""/>
-        <p:cNvGrpSpPr/>
-        <p:nvPr/>
-      </p:nvGrpSpPr>
-      <p:grpSpPr>
-        <a:xfrm>
-          <a:off x="0" y="0"/>
-          <a:ext cx="0" cy="0"/>
-          <a:chOff x="0" y="0"/>
-          <a:chExt cx="0" cy="0"/>
-        </a:xfrm>
-      </p:grpSpPr>
-      <p:sp>
-        <p:nvSpPr>
-          <p:cNvPr id="2" name="タイトル 1"/>
-          <p:cNvSpPr>
-            <a:spLocks noGrp="1"/>
-          </p:cNvSpPr>
-          <p:nvPr>
-            <p:ph type="title"/>
-          </p:nvPr>
-        </p:nvSpPr>
-        <p:spPr>
-          <a:xfrm>
-            <a:off x="1052735" y="481728"/>
-            <a:ext cx="5670000" cy="313350"/>
-          </a:xfrm>
-        </p:spPr>
-        <p:txBody>
-          <a:bodyPr/>
-          <a:lstStyle/>
-          <a:p>
-            <a:r>
-              <a:rPr lang="ja-JP" altLang="en-US" dirty="0">
-                <a:solidFill>
-                  <a:schemeClr val="accent6">
-                    <a:lumMod val="50000"/>
-                    <a:lumOff val="50000"/>
-                  </a:schemeClr>
-                </a:solidFill>
-                <a:latin typeface="+mn-ea"/>
-              </a:rPr>
-              <a:t>進化</a:t>
-            </a:r>
-            <a:r>
-              <a:rPr lang="ja-JP" altLang="en-US" dirty="0" smtClean="0">
-                <a:solidFill>
-                  <a:schemeClr val="accent6">
-                    <a:lumMod val="50000"/>
-                    <a:lumOff val="50000"/>
-                  </a:schemeClr>
-                </a:solidFill>
-                <a:latin typeface="+mn-ea"/>
-              </a:rPr>
-              <a:t>の自分</a:t>
-            </a:r>
-            <a:r>
-              <a:rPr lang="en-US" altLang="ja-JP" dirty="0" smtClean="0">
-                <a:solidFill>
-                  <a:schemeClr val="accent6">
-                    <a:lumMod val="50000"/>
-                    <a:lumOff val="50000"/>
-                  </a:schemeClr>
-                </a:solidFill>
-                <a:latin typeface="+mn-ea"/>
-              </a:rPr>
-              <a:t>-</a:t>
-            </a:r>
-            <a:r>
-              <a:rPr lang="ja-JP" altLang="en-US" dirty="0" smtClean="0">
-                <a:solidFill>
-                  <a:schemeClr val="accent6">
-                    <a:lumMod val="50000"/>
-                    <a:lumOff val="50000"/>
-                  </a:schemeClr>
-                </a:solidFill>
-                <a:latin typeface="+mn-ea"/>
-              </a:rPr>
-              <a:t>現場以外の業務の兼務</a:t>
-            </a:r>
-            <a:endParaRPr kumimoji="1" lang="ja-JP" altLang="en-US" dirty="0"/>
-          </a:p>
-        </p:txBody>
-      </p:sp>
-      <p:grpSp>
-        <p:nvGrpSpPr>
-          <p:cNvPr id="11" name="Group 296">
-            <a:extLst>
-              <a:ext uri="{FF2B5EF4-FFF2-40B4-BE49-F238E27FC236}">
-                <a16:creationId xmlns:a16="http://schemas.microsoft.com/office/drawing/2014/main" xmlns="" id="{3842FC64-AB39-42D7-A48C-0FE49F99806C}"/>
-              </a:ext>
-            </a:extLst>
-          </p:cNvPr>
-          <p:cNvGrpSpPr>
-            <a:grpSpLocks/>
-          </p:cNvGrpSpPr>
-          <p:nvPr/>
-        </p:nvGrpSpPr>
-        <p:grpSpPr bwMode="auto">
-          <a:xfrm>
-            <a:off x="1214776" y="1036692"/>
-            <a:ext cx="788463" cy="755574"/>
-            <a:chOff x="336" y="601"/>
-            <a:chExt cx="850" cy="850"/>
-          </a:xfrm>
-        </p:grpSpPr>
-        <p:sp>
-          <p:nvSpPr>
-            <p:cNvPr id="12" name="Oval 2">
-              <a:extLst>
-                <a:ext uri="{FF2B5EF4-FFF2-40B4-BE49-F238E27FC236}">
-                  <a16:creationId xmlns:a16="http://schemas.microsoft.com/office/drawing/2014/main" xmlns="" id="{9267EE0A-4BA4-4E94-8745-FFA9A06F71A9}"/>
-                </a:ext>
-              </a:extLst>
-            </p:cNvPr>
-            <p:cNvSpPr>
-              <a:spLocks noChangeArrowheads="1"/>
-            </p:cNvSpPr>
-            <p:nvPr/>
-          </p:nvSpPr>
-          <p:spPr bwMode="auto">
-            <a:xfrm>
-              <a:off x="336" y="601"/>
-              <a:ext cx="850" cy="850"/>
-            </a:xfrm>
-            <a:prstGeom prst="ellipse">
-              <a:avLst/>
-            </a:prstGeom>
-            <a:solidFill>
-              <a:srgbClr val="333333"/>
-            </a:solidFill>
-            <a:ln>
-              <a:noFill/>
-            </a:ln>
-            <a:effectLst/>
-            <a:extLst>
-              <a:ext uri="{91240B29-F687-4F45-9708-019B960494DF}">
-                <a14:hiddenLine xmlns:a14="http://schemas.microsoft.com/office/drawing/2010/main" w="38100">
-                  <a:solidFill>
-                    <a:srgbClr val="333333"/>
-                  </a:solidFill>
-                  <a:round/>
-                  <a:headEnd/>
-                  <a:tailEnd/>
-                </a14:hiddenLine>
-              </a:ext>
-              <a:ext uri="{AF507438-7753-43E0-B8FC-AC1667EBCBE1}">
-                <a14:hiddenEffects xmlns:a14="http://schemas.microsoft.com/office/drawing/2010/main">
-                  <a:effectLst>
-                    <a:outerShdw dist="35921" dir="2700000" algn="ctr" rotWithShape="0">
-                      <a:schemeClr val="bg2"/>
-                    </a:outerShdw>
-                  </a:effectLst>
-                </a14:hiddenEffects>
-              </a:ext>
-            </a:extLst>
-          </p:spPr>
-          <p:txBody>
-            <a:bodyPr wrap="none" anchor="ctr"/>
-            <a:lstStyle/>
-            <a:p>
-              <a:endParaRPr lang="ja-JP" altLang="en-US"/>
-            </a:p>
-          </p:txBody>
-        </p:sp>
-        <p:sp>
-          <p:nvSpPr>
-            <p:cNvPr id="13" name="Oval 19">
-              <a:extLst>
-                <a:ext uri="{FF2B5EF4-FFF2-40B4-BE49-F238E27FC236}">
-                  <a16:creationId xmlns:a16="http://schemas.microsoft.com/office/drawing/2014/main" xmlns="" id="{CC91C93B-224E-47BB-A4B4-F39EF6BD8070}"/>
-                </a:ext>
-              </a:extLst>
-            </p:cNvPr>
-            <p:cNvSpPr>
-              <a:spLocks noChangeArrowheads="1"/>
-            </p:cNvSpPr>
-            <p:nvPr/>
-          </p:nvSpPr>
-          <p:spPr bwMode="auto">
-            <a:xfrm>
-              <a:off x="353" y="618"/>
-              <a:ext cx="817" cy="817"/>
-            </a:xfrm>
-            <a:prstGeom prst="ellipse">
-              <a:avLst/>
-            </a:prstGeom>
-            <a:gradFill rotWithShape="1">
-              <a:gsLst>
-                <a:gs pos="0">
-                  <a:srgbClr val="FF0000">
-                    <a:gamma/>
-                    <a:tint val="60392"/>
-                    <a:invGamma/>
-                  </a:srgbClr>
-                </a:gs>
-                <a:gs pos="100000">
-                  <a:srgbClr val="FF0000"/>
-                </a:gs>
-              </a:gsLst>
-              <a:path path="shape">
-                <a:fillToRect l="50000" t="50000" r="50000" b="50000"/>
-              </a:path>
-            </a:gradFill>
-            <a:ln>
-              <a:noFill/>
-            </a:ln>
-            <a:effectLst/>
-            <a:extLst>
-              <a:ext uri="{91240B29-F687-4F45-9708-019B960494DF}">
-                <a14:hiddenLine xmlns:a14="http://schemas.microsoft.com/office/drawing/2010/main" w="9525">
-                  <a:solidFill>
-                    <a:srgbClr val="FF0000"/>
-                  </a:solidFill>
-                  <a:round/>
-                  <a:headEnd/>
-                  <a:tailEnd/>
-                </a14:hiddenLine>
-              </a:ext>
-              <a:ext uri="{AF507438-7753-43E0-B8FC-AC1667EBCBE1}">
-                <a14:hiddenEffects xmlns:a14="http://schemas.microsoft.com/office/drawing/2010/main">
-                  <a:effectLst>
-                    <a:outerShdw dist="35921" dir="2700000" algn="ctr" rotWithShape="0">
-                      <a:schemeClr val="bg2"/>
-                    </a:outerShdw>
-                  </a:effectLst>
-                </a14:hiddenEffects>
-              </a:ext>
-            </a:extLst>
-          </p:spPr>
-          <p:txBody>
-            <a:bodyPr wrap="none" anchor="ctr"/>
-            <a:lstStyle/>
-            <a:p>
-              <a:endParaRPr lang="ja-JP" altLang="en-US"/>
-            </a:p>
-          </p:txBody>
-        </p:sp>
-        <p:sp>
-          <p:nvSpPr>
-            <p:cNvPr id="14" name="Oval 20">
-              <a:extLst>
-                <a:ext uri="{FF2B5EF4-FFF2-40B4-BE49-F238E27FC236}">
-                  <a16:creationId xmlns:a16="http://schemas.microsoft.com/office/drawing/2014/main" xmlns="" id="{9BD5F5FE-EFD9-4804-9B3B-C6D91AFF363C}"/>
-                </a:ext>
-              </a:extLst>
-            </p:cNvPr>
-            <p:cNvSpPr>
-              <a:spLocks noChangeArrowheads="1"/>
-            </p:cNvSpPr>
-            <p:nvPr/>
-          </p:nvSpPr>
-          <p:spPr bwMode="auto">
-            <a:xfrm>
-              <a:off x="625" y="663"/>
-              <a:ext cx="454" cy="454"/>
-            </a:xfrm>
-            <a:prstGeom prst="ellipse">
-              <a:avLst/>
-            </a:prstGeom>
-            <a:gradFill rotWithShape="1">
-              <a:gsLst>
-                <a:gs pos="0">
-                  <a:schemeClr val="bg1">
-                    <a:alpha val="60001"/>
-                  </a:schemeClr>
-                </a:gs>
-                <a:gs pos="100000">
-                  <a:schemeClr val="bg1">
-                    <a:gamma/>
-                    <a:shade val="46275"/>
-                    <a:invGamma/>
-                    <a:alpha val="0"/>
-                  </a:schemeClr>
-                </a:gs>
-              </a:gsLst>
-              <a:path path="shape">
-                <a:fillToRect l="50000" t="50000" r="50000" b="50000"/>
-              </a:path>
-            </a:gradFill>
-            <a:ln>
-              <a:noFill/>
-            </a:ln>
-            <a:effectLst/>
-            <a:extLst>
-              <a:ext uri="{91240B29-F687-4F45-9708-019B960494DF}">
-                <a14:hiddenLine xmlns:a14="http://schemas.microsoft.com/office/drawing/2010/main" w="9525">
-                  <a:solidFill>
-                    <a:srgbClr val="FF0000"/>
-                  </a:solidFill>
-                  <a:round/>
-                  <a:headEnd/>
-                  <a:tailEnd/>
-                </a14:hiddenLine>
-              </a:ext>
-              <a:ext uri="{AF507438-7753-43E0-B8FC-AC1667EBCBE1}">
-                <a14:hiddenEffects xmlns:a14="http://schemas.microsoft.com/office/drawing/2010/main">
-                  <a:effectLst>
-                    <a:outerShdw dist="35921" dir="2700000" algn="ctr" rotWithShape="0">
-                      <a:schemeClr val="bg2"/>
-                    </a:outerShdw>
-                  </a:effectLst>
-                </a14:hiddenEffects>
-              </a:ext>
-            </a:extLst>
-          </p:spPr>
-          <p:txBody>
-            <a:bodyPr wrap="none" anchor="ctr"/>
-            <a:lstStyle/>
-            <a:p>
-              <a:endParaRPr lang="ja-JP" altLang="en-US"/>
-            </a:p>
-          </p:txBody>
-        </p:sp>
-        <p:grpSp>
-          <p:nvGrpSpPr>
-            <p:cNvPr id="15" name="Group 21">
-              <a:extLst>
-                <a:ext uri="{FF2B5EF4-FFF2-40B4-BE49-F238E27FC236}">
-                  <a16:creationId xmlns:a16="http://schemas.microsoft.com/office/drawing/2014/main" xmlns="" id="{7DB5FE9B-6714-4B4D-AB94-45F20F7D5C8E}"/>
-                </a:ext>
-              </a:extLst>
-            </p:cNvPr>
-            <p:cNvGrpSpPr>
-              <a:grpSpLocks/>
-            </p:cNvGrpSpPr>
-            <p:nvPr/>
-          </p:nvGrpSpPr>
-          <p:grpSpPr bwMode="auto">
-            <a:xfrm>
-              <a:off x="535" y="1177"/>
-              <a:ext cx="453" cy="212"/>
-              <a:chOff x="580" y="1207"/>
-              <a:chExt cx="363" cy="182"/>
-            </a:xfrm>
-          </p:grpSpPr>
-          <p:sp>
-            <p:nvSpPr>
-              <p:cNvPr id="18" name="AutoShape 22">
-                <a:extLst>
-                  <a:ext uri="{FF2B5EF4-FFF2-40B4-BE49-F238E27FC236}">
-                    <a16:creationId xmlns:a16="http://schemas.microsoft.com/office/drawing/2014/main" xmlns="" id="{4E5DF4CC-2B73-45EA-B083-30A68ED1FA2A}"/>
-                  </a:ext>
-                </a:extLst>
-              </p:cNvPr>
-              <p:cNvSpPr>
-                <a:spLocks noChangeArrowheads="1"/>
-              </p:cNvSpPr>
-              <p:nvPr/>
-            </p:nvSpPr>
-            <p:spPr bwMode="auto">
-              <a:xfrm rot="16200000">
-                <a:off x="671" y="1116"/>
-                <a:ext cx="182" cy="363"/>
-              </a:xfrm>
-              <a:prstGeom prst="moon">
-                <a:avLst>
-                  <a:gd name="adj" fmla="val 87500"/>
-                </a:avLst>
-              </a:prstGeom>
-              <a:gradFill rotWithShape="1">
-                <a:gsLst>
-                  <a:gs pos="0">
-                    <a:srgbClr val="FF99CC"/>
-                  </a:gs>
-                  <a:gs pos="100000">
-                    <a:srgbClr val="CC0000"/>
-                  </a:gs>
-                </a:gsLst>
-                <a:lin ang="0" scaled="1"/>
-              </a:gradFill>
-              <a:ln>
-                <a:noFill/>
-              </a:ln>
-              <a:effectLst/>
-              <a:extLst>
-                <a:ext uri="{91240B29-F687-4F45-9708-019B960494DF}">
-                  <a14:hiddenLine xmlns:a14="http://schemas.microsoft.com/office/drawing/2010/main" w="3175">
-                    <a:solidFill>
-                      <a:srgbClr val="333333"/>
-                    </a:solidFill>
-                    <a:miter lim="800000"/>
-                    <a:headEnd/>
-                    <a:tailEnd/>
-                  </a14:hiddenLine>
-                </a:ext>
-                <a:ext uri="{AF507438-7753-43E0-B8FC-AC1667EBCBE1}">
-                  <a14:hiddenEffects xmlns:a14="http://schemas.microsoft.com/office/drawing/2010/main">
-                    <a:effectLst>
-                      <a:outerShdw dist="35921" dir="2700000" algn="ctr" rotWithShape="0">
-                        <a:schemeClr val="bg2"/>
-                      </a:outerShdw>
-                    </a:effectLst>
-                  </a14:hiddenEffects>
-                </a:ext>
-              </a:extLst>
-            </p:spPr>
-            <p:txBody>
-              <a:bodyPr wrap="none" anchor="ctr"/>
-              <a:lstStyle/>
-              <a:p>
-                <a:endParaRPr lang="ja-JP" altLang="en-US"/>
-              </a:p>
-            </p:txBody>
-          </p:sp>
-          <p:sp>
-            <p:nvSpPr>
-              <p:cNvPr id="19" name="Freeform 23">
-                <a:extLst>
-                  <a:ext uri="{FF2B5EF4-FFF2-40B4-BE49-F238E27FC236}">
-                    <a16:creationId xmlns:a16="http://schemas.microsoft.com/office/drawing/2014/main" xmlns="" id="{A03184C6-4DC0-40F9-A025-A1F34226A187}"/>
-                  </a:ext>
-                </a:extLst>
-              </p:cNvPr>
-              <p:cNvSpPr>
-                <a:spLocks/>
-              </p:cNvSpPr>
-              <p:nvPr/>
-            </p:nvSpPr>
-            <p:spPr bwMode="auto">
-              <a:xfrm>
-                <a:off x="625" y="1298"/>
-                <a:ext cx="272" cy="91"/>
-              </a:xfrm>
-              <a:custGeom>
-                <a:avLst/>
-                <a:gdLst>
-                  <a:gd name="T0" fmla="*/ 136 w 272"/>
-                  <a:gd name="T1" fmla="*/ 136 h 136"/>
-                  <a:gd name="T2" fmla="*/ 0 w 272"/>
-                  <a:gd name="T3" fmla="*/ 45 h 136"/>
-                  <a:gd name="T4" fmla="*/ 136 w 272"/>
-                  <a:gd name="T5" fmla="*/ 0 h 136"/>
-                  <a:gd name="T6" fmla="*/ 272 w 272"/>
-                  <a:gd name="T7" fmla="*/ 45 h 136"/>
-                  <a:gd name="T8" fmla="*/ 136 w 272"/>
-                  <a:gd name="T9" fmla="*/ 136 h 136"/>
-                </a:gdLst>
-                <a:ahLst/>
-                <a:cxnLst>
-                  <a:cxn ang="0">
-                    <a:pos x="T0" y="T1"/>
-                  </a:cxn>
-                  <a:cxn ang="0">
-                    <a:pos x="T2" y="T3"/>
-                  </a:cxn>
-                  <a:cxn ang="0">
-                    <a:pos x="T4" y="T5"/>
-                  </a:cxn>
-                  <a:cxn ang="0">
-                    <a:pos x="T6" y="T7"/>
-                  </a:cxn>
-                  <a:cxn ang="0">
-                    <a:pos x="T8" y="T9"/>
-                  </a:cxn>
-                </a:cxnLst>
-                <a:rect l="0" t="0" r="r" b="b"/>
-                <a:pathLst>
-                  <a:path w="272" h="136">
-                    <a:moveTo>
-                      <a:pt x="136" y="136"/>
-                    </a:moveTo>
-                    <a:cubicBezTo>
-                      <a:pt x="91" y="136"/>
-                      <a:pt x="0" y="68"/>
-                      <a:pt x="0" y="45"/>
-                    </a:cubicBezTo>
-                    <a:cubicBezTo>
-                      <a:pt x="0" y="22"/>
-                      <a:pt x="91" y="0"/>
-                      <a:pt x="136" y="0"/>
-                    </a:cubicBezTo>
-                    <a:cubicBezTo>
-                      <a:pt x="181" y="0"/>
-                      <a:pt x="272" y="22"/>
-                      <a:pt x="272" y="45"/>
-                    </a:cubicBezTo>
-                    <a:cubicBezTo>
-                      <a:pt x="272" y="68"/>
-                      <a:pt x="181" y="136"/>
-                      <a:pt x="136" y="136"/>
-                    </a:cubicBezTo>
-                    <a:close/>
-                  </a:path>
-                </a:pathLst>
-              </a:custGeom>
-              <a:gradFill rotWithShape="1">
-                <a:gsLst>
-                  <a:gs pos="0">
-                    <a:srgbClr val="FF0000">
-                      <a:gamma/>
-                      <a:shade val="46275"/>
-                      <a:invGamma/>
-                    </a:srgbClr>
-                  </a:gs>
-                  <a:gs pos="100000">
-                    <a:srgbClr val="FF0000"/>
-                  </a:gs>
-                </a:gsLst>
-                <a:lin ang="5400000" scaled="1"/>
-              </a:gradFill>
-              <a:ln>
-                <a:noFill/>
-              </a:ln>
-              <a:effectLst/>
-              <a:extLst>
-                <a:ext uri="{91240B29-F687-4F45-9708-019B960494DF}">
-                  <a14:hiddenLine xmlns:a14="http://schemas.microsoft.com/office/drawing/2010/main" w="9525" cap="flat" cmpd="sng">
-                    <a:solidFill>
-                      <a:srgbClr val="FF0000"/>
-                    </a:solidFill>
-                    <a:prstDash val="solid"/>
-                    <a:round/>
-                    <a:headEnd/>
-                    <a:tailEnd/>
-                  </a14:hiddenLine>
-                </a:ext>
-                <a:ext uri="{AF507438-7753-43E0-B8FC-AC1667EBCBE1}">
-                  <a14:hiddenEffects xmlns:a14="http://schemas.microsoft.com/office/drawing/2010/main">
-                    <a:effectLst>
-                      <a:outerShdw dist="35921" dir="2700000" algn="ctr" rotWithShape="0">
-                        <a:schemeClr val="bg2"/>
-                      </a:outerShdw>
-                    </a:effectLst>
-                  </a14:hiddenEffects>
-                </a:ext>
-              </a:extLst>
-            </p:spPr>
-            <p:txBody>
-              <a:bodyPr/>
-              <a:lstStyle/>
-              <a:p>
-                <a:endParaRPr lang="ja-JP" altLang="en-US"/>
-              </a:p>
-            </p:txBody>
-          </p:sp>
-        </p:grpSp>
-        <p:sp>
-          <p:nvSpPr>
-            <p:cNvPr id="16" name="AutoShape 36">
-              <a:extLst>
-                <a:ext uri="{FF2B5EF4-FFF2-40B4-BE49-F238E27FC236}">
-                  <a16:creationId xmlns:a16="http://schemas.microsoft.com/office/drawing/2014/main" xmlns="" id="{C65C2922-0F06-4601-991B-D9188A55C388}"/>
-                </a:ext>
-              </a:extLst>
-            </p:cNvPr>
-            <p:cNvSpPr>
-              <a:spLocks noChangeArrowheads="1"/>
-            </p:cNvSpPr>
-            <p:nvPr/>
-          </p:nvSpPr>
-          <p:spPr bwMode="auto">
-            <a:xfrm>
-              <a:off x="444" y="890"/>
-              <a:ext cx="272" cy="272"/>
-            </a:xfrm>
-            <a:custGeom>
-              <a:avLst/>
-              <a:gdLst>
-                <a:gd name="G0" fmla="+- 8146 0 0"/>
-                <a:gd name="G1" fmla="+- -11686764 0 0"/>
-                <a:gd name="G2" fmla="+- 0 0 -11686764"/>
-                <a:gd name="T0" fmla="*/ 0 256 1"/>
-                <a:gd name="T1" fmla="*/ 180 256 1"/>
-                <a:gd name="G3" fmla="+- -11686764 T0 T1"/>
-                <a:gd name="T2" fmla="*/ 0 256 1"/>
-                <a:gd name="T3" fmla="*/ 90 256 1"/>
-                <a:gd name="G4" fmla="+- -11686764 T2 T3"/>
-                <a:gd name="G5" fmla="*/ G4 2 1"/>
-                <a:gd name="T4" fmla="*/ 90 256 1"/>
-                <a:gd name="T5" fmla="*/ 0 256 1"/>
-                <a:gd name="G6" fmla="+- -11686764 T4 T5"/>
-                <a:gd name="G7" fmla="*/ G6 2 1"/>
-                <a:gd name="G8" fmla="abs -11686764"/>
-                <a:gd name="T6" fmla="*/ 0 256 1"/>
-                <a:gd name="T7" fmla="*/ 90 256 1"/>
-                <a:gd name="G9" fmla="+- G8 T6 T7"/>
-                <a:gd name="G10" fmla="?: G9 G7 G5"/>
-                <a:gd name="T8" fmla="*/ 0 256 1"/>
-                <a:gd name="T9" fmla="*/ 360 256 1"/>
-                <a:gd name="G11" fmla="+- G10 T8 T9"/>
-                <a:gd name="G12" fmla="?: G10 G11 G10"/>
-                <a:gd name="T10" fmla="*/ 0 256 1"/>
-                <a:gd name="T11" fmla="*/ 360 256 1"/>
-                <a:gd name="G13" fmla="+- G12 T10 T11"/>
-                <a:gd name="G14" fmla="?: G12 G13 G12"/>
-                <a:gd name="G15" fmla="+- 0 0 G14"/>
-                <a:gd name="G16" fmla="+- 10800 0 0"/>
-                <a:gd name="G17" fmla="+- 10800 0 8146"/>
-                <a:gd name="G18" fmla="*/ 8146 1 2"/>
-                <a:gd name="G19" fmla="+- G18 5400 0"/>
-                <a:gd name="G20" fmla="cos G19 -11686764"/>
-                <a:gd name="G21" fmla="sin G19 -11686764"/>
-                <a:gd name="G22" fmla="+- G20 10800 0"/>
-                <a:gd name="G23" fmla="+- G21 10800 0"/>
-                <a:gd name="G24" fmla="+- 10800 0 G20"/>
-                <a:gd name="G25" fmla="+- 8146 10800 0"/>
-                <a:gd name="G26" fmla="?: G9 G17 G25"/>
-                <a:gd name="G27" fmla="?: G9 0 21600"/>
-                <a:gd name="G28" fmla="cos 10800 -11686764"/>
-                <a:gd name="G29" fmla="sin 10800 -11686764"/>
-                <a:gd name="G30" fmla="sin 8146 -11686764"/>
-                <a:gd name="G31" fmla="+- G28 10800 0"/>
-                <a:gd name="G32" fmla="+- G29 10800 0"/>
-                <a:gd name="G33" fmla="+- G30 10800 0"/>
-                <a:gd name="G34" fmla="?: G4 0 G31"/>
-                <a:gd name="G35" fmla="?: -11686764 G34 0"/>
-                <a:gd name="G36" fmla="?: G6 G35 G31"/>
-                <a:gd name="G37" fmla="+- 21600 0 G36"/>
-                <a:gd name="G38" fmla="?: G4 0 G33"/>
-                <a:gd name="G39" fmla="?: -11686764 G38 G32"/>
-                <a:gd name="G40" fmla="?: G6 G39 0"/>
-                <a:gd name="G41" fmla="?: G4 G32 21600"/>
-                <a:gd name="G42" fmla="?: G6 G41 G33"/>
-                <a:gd name="T12" fmla="*/ 10800 w 21600"/>
-                <a:gd name="T13" fmla="*/ 0 h 21600"/>
-                <a:gd name="T14" fmla="*/ 1331 w 21600"/>
-                <a:gd name="T15" fmla="*/ 10523 h 21600"/>
-                <a:gd name="T16" fmla="*/ 10800 w 21600"/>
-                <a:gd name="T17" fmla="*/ 2654 h 21600"/>
-                <a:gd name="T18" fmla="*/ 20269 w 21600"/>
-                <a:gd name="T19" fmla="*/ 10523 h 21600"/>
-                <a:gd name="T20" fmla="*/ G36 w 21600"/>
-                <a:gd name="T21" fmla="*/ G40 h 21600"/>
-                <a:gd name="T22" fmla="*/ G37 w 21600"/>
-                <a:gd name="T23" fmla="*/ G42 h 21600"/>
-              </a:gdLst>
-              <a:ahLst/>
-              <a:cxnLst>
-                <a:cxn ang="0">
-                  <a:pos x="T12" y="T13"/>
-                </a:cxn>
-                <a:cxn ang="0">
-                  <a:pos x="T14" y="T15"/>
-                </a:cxn>
-                <a:cxn ang="0">
-                  <a:pos x="T16" y="T17"/>
-                </a:cxn>
-                <a:cxn ang="0">
-                  <a:pos x="T18" y="T19"/>
-                </a:cxn>
-              </a:cxnLst>
-              <a:rect l="T20" t="T21" r="T22" b="T23"/>
-              <a:pathLst>
-                <a:path w="21600" h="21600">
-                  <a:moveTo>
-                    <a:pt x="2657" y="10562"/>
-                  </a:moveTo>
-                  <a:cubicBezTo>
-                    <a:pt x="2786" y="6157"/>
-                    <a:pt x="6393" y="2654"/>
-                    <a:pt x="10800" y="2654"/>
-                  </a:cubicBezTo>
-                  <a:cubicBezTo>
-                    <a:pt x="15206" y="2654"/>
-                    <a:pt x="18813" y="6157"/>
-                    <a:pt x="18942" y="10562"/>
-                  </a:cubicBezTo>
-                  <a:lnTo>
-                    <a:pt x="21595" y="10484"/>
-                  </a:lnTo>
-                  <a:cubicBezTo>
-                    <a:pt x="21424" y="4645"/>
-                    <a:pt x="16641" y="0"/>
-                    <a:pt x="10799" y="0"/>
-                  </a:cubicBezTo>
-                  <a:cubicBezTo>
-                    <a:pt x="4958" y="0"/>
-                    <a:pt x="175" y="4645"/>
-                    <a:pt x="4" y="10484"/>
-                  </a:cubicBezTo>
-                  <a:close/>
-                </a:path>
-              </a:pathLst>
-            </a:custGeom>
-            <a:solidFill>
-              <a:schemeClr val="tx1"/>
-            </a:solidFill>
-            <a:ln>
-              <a:noFill/>
-            </a:ln>
-            <a:effectLst/>
-            <a:extLst>
-              <a:ext uri="{91240B29-F687-4F45-9708-019B960494DF}">
-                <a14:hiddenLine xmlns:a14="http://schemas.microsoft.com/office/drawing/2010/main" w="9525">
-                  <a:solidFill>
-                    <a:srgbClr val="FF0000"/>
-                  </a:solidFill>
-                  <a:miter lim="800000"/>
-                  <a:headEnd/>
-                  <a:tailEnd/>
-                </a14:hiddenLine>
-              </a:ext>
-              <a:ext uri="{AF507438-7753-43E0-B8FC-AC1667EBCBE1}">
-                <a14:hiddenEffects xmlns:a14="http://schemas.microsoft.com/office/drawing/2010/main">
-                  <a:effectLst>
-                    <a:outerShdw dist="35921" dir="2700000" algn="ctr" rotWithShape="0">
-                      <a:schemeClr val="bg2"/>
-                    </a:outerShdw>
-                  </a:effectLst>
-                </a14:hiddenEffects>
-              </a:ext>
-            </a:extLst>
-          </p:spPr>
-          <p:txBody>
-            <a:bodyPr wrap="none" anchor="ctr"/>
-            <a:lstStyle/>
-            <a:p>
-              <a:endParaRPr lang="ja-JP" altLang="en-US"/>
-            </a:p>
-          </p:txBody>
-        </p:sp>
-        <p:sp>
-          <p:nvSpPr>
-            <p:cNvPr id="17" name="AutoShape 37">
-              <a:extLst>
-                <a:ext uri="{FF2B5EF4-FFF2-40B4-BE49-F238E27FC236}">
-                  <a16:creationId xmlns:a16="http://schemas.microsoft.com/office/drawing/2014/main" xmlns="" id="{9028FBF9-F253-4134-8311-3707C3C5DB2F}"/>
-                </a:ext>
-              </a:extLst>
-            </p:cNvPr>
-            <p:cNvSpPr>
-              <a:spLocks noChangeArrowheads="1"/>
-            </p:cNvSpPr>
-            <p:nvPr/>
-          </p:nvSpPr>
-          <p:spPr bwMode="auto">
-            <a:xfrm>
-              <a:off x="807" y="890"/>
-              <a:ext cx="272" cy="272"/>
-            </a:xfrm>
-            <a:custGeom>
-              <a:avLst/>
-              <a:gdLst>
-                <a:gd name="G0" fmla="+- 8146 0 0"/>
-                <a:gd name="G1" fmla="+- -11686764 0 0"/>
-                <a:gd name="G2" fmla="+- 0 0 -11686764"/>
-                <a:gd name="T0" fmla="*/ 0 256 1"/>
-                <a:gd name="T1" fmla="*/ 180 256 1"/>
-                <a:gd name="G3" fmla="+- -11686764 T0 T1"/>
-                <a:gd name="T2" fmla="*/ 0 256 1"/>
-                <a:gd name="T3" fmla="*/ 90 256 1"/>
-                <a:gd name="G4" fmla="+- -11686764 T2 T3"/>
-                <a:gd name="G5" fmla="*/ G4 2 1"/>
-                <a:gd name="T4" fmla="*/ 90 256 1"/>
-                <a:gd name="T5" fmla="*/ 0 256 1"/>
-                <a:gd name="G6" fmla="+- -11686764 T4 T5"/>
-                <a:gd name="G7" fmla="*/ G6 2 1"/>
-                <a:gd name="G8" fmla="abs -11686764"/>
-                <a:gd name="T6" fmla="*/ 0 256 1"/>
-                <a:gd name="T7" fmla="*/ 90 256 1"/>
-                <a:gd name="G9" fmla="+- G8 T6 T7"/>
-                <a:gd name="G10" fmla="?: G9 G7 G5"/>
-                <a:gd name="T8" fmla="*/ 0 256 1"/>
-                <a:gd name="T9" fmla="*/ 360 256 1"/>
-                <a:gd name="G11" fmla="+- G10 T8 T9"/>
-                <a:gd name="G12" fmla="?: G10 G11 G10"/>
-                <a:gd name="T10" fmla="*/ 0 256 1"/>
-                <a:gd name="T11" fmla="*/ 360 256 1"/>
-                <a:gd name="G13" fmla="+- G12 T10 T11"/>
-                <a:gd name="G14" fmla="?: G12 G13 G12"/>
-                <a:gd name="G15" fmla="+- 0 0 G14"/>
-                <a:gd name="G16" fmla="+- 10800 0 0"/>
-                <a:gd name="G17" fmla="+- 10800 0 8146"/>
-                <a:gd name="G18" fmla="*/ 8146 1 2"/>
-                <a:gd name="G19" fmla="+- G18 5400 0"/>
-                <a:gd name="G20" fmla="cos G19 -11686764"/>
-                <a:gd name="G21" fmla="sin G19 -11686764"/>
-                <a:gd name="G22" fmla="+- G20 10800 0"/>
-                <a:gd name="G23" fmla="+- G21 10800 0"/>
-                <a:gd name="G24" fmla="+- 10800 0 G20"/>
-                <a:gd name="G25" fmla="+- 8146 10800 0"/>
-                <a:gd name="G26" fmla="?: G9 G17 G25"/>
-                <a:gd name="G27" fmla="?: G9 0 21600"/>
-                <a:gd name="G28" fmla="cos 10800 -11686764"/>
-                <a:gd name="G29" fmla="sin 10800 -11686764"/>
-                <a:gd name="G30" fmla="sin 8146 -11686764"/>
-                <a:gd name="G31" fmla="+- G28 10800 0"/>
-                <a:gd name="G32" fmla="+- G29 10800 0"/>
-                <a:gd name="G33" fmla="+- G30 10800 0"/>
-                <a:gd name="G34" fmla="?: G4 0 G31"/>
-                <a:gd name="G35" fmla="?: -11686764 G34 0"/>
-                <a:gd name="G36" fmla="?: G6 G35 G31"/>
-                <a:gd name="G37" fmla="+- 21600 0 G36"/>
-                <a:gd name="G38" fmla="?: G4 0 G33"/>
-                <a:gd name="G39" fmla="?: -11686764 G38 G32"/>
-                <a:gd name="G40" fmla="?: G6 G39 0"/>
-                <a:gd name="G41" fmla="?: G4 G32 21600"/>
-                <a:gd name="G42" fmla="?: G6 G41 G33"/>
-                <a:gd name="T12" fmla="*/ 10800 w 21600"/>
-                <a:gd name="T13" fmla="*/ 0 h 21600"/>
-                <a:gd name="T14" fmla="*/ 1331 w 21600"/>
-                <a:gd name="T15" fmla="*/ 10523 h 21600"/>
-                <a:gd name="T16" fmla="*/ 10800 w 21600"/>
-                <a:gd name="T17" fmla="*/ 2654 h 21600"/>
-                <a:gd name="T18" fmla="*/ 20269 w 21600"/>
-                <a:gd name="T19" fmla="*/ 10523 h 21600"/>
-                <a:gd name="T20" fmla="*/ G36 w 21600"/>
-                <a:gd name="T21" fmla="*/ G40 h 21600"/>
-                <a:gd name="T22" fmla="*/ G37 w 21600"/>
-                <a:gd name="T23" fmla="*/ G42 h 21600"/>
-              </a:gdLst>
-              <a:ahLst/>
-              <a:cxnLst>
-                <a:cxn ang="0">
-                  <a:pos x="T12" y="T13"/>
-                </a:cxn>
-                <a:cxn ang="0">
-                  <a:pos x="T14" y="T15"/>
-                </a:cxn>
-                <a:cxn ang="0">
-                  <a:pos x="T16" y="T17"/>
-                </a:cxn>
-                <a:cxn ang="0">
-                  <a:pos x="T18" y="T19"/>
-                </a:cxn>
-              </a:cxnLst>
-              <a:rect l="T20" t="T21" r="T22" b="T23"/>
-              <a:pathLst>
-                <a:path w="21600" h="21600">
-                  <a:moveTo>
-                    <a:pt x="2657" y="10562"/>
-                  </a:moveTo>
-                  <a:cubicBezTo>
-                    <a:pt x="2786" y="6157"/>
-                    <a:pt x="6393" y="2654"/>
-                    <a:pt x="10800" y="2654"/>
-                  </a:cubicBezTo>
-                  <a:cubicBezTo>
-                    <a:pt x="15206" y="2654"/>
-                    <a:pt x="18813" y="6157"/>
-                    <a:pt x="18942" y="10562"/>
-                  </a:cubicBezTo>
-                  <a:lnTo>
-                    <a:pt x="21595" y="10484"/>
-                  </a:lnTo>
-                  <a:cubicBezTo>
-                    <a:pt x="21424" y="4645"/>
-                    <a:pt x="16641" y="0"/>
-                    <a:pt x="10799" y="0"/>
-                  </a:cubicBezTo>
-                  <a:cubicBezTo>
-                    <a:pt x="4958" y="0"/>
-                    <a:pt x="175" y="4645"/>
-                    <a:pt x="4" y="10484"/>
-                  </a:cubicBezTo>
-                  <a:close/>
-                </a:path>
-              </a:pathLst>
-            </a:custGeom>
-            <a:solidFill>
-              <a:schemeClr val="tx1"/>
-            </a:solidFill>
-            <a:ln>
-              <a:noFill/>
-            </a:ln>
-            <a:effectLst/>
-            <a:extLst>
-              <a:ext uri="{91240B29-F687-4F45-9708-019B960494DF}">
-                <a14:hiddenLine xmlns:a14="http://schemas.microsoft.com/office/drawing/2010/main" w="9525">
-                  <a:solidFill>
-                    <a:srgbClr val="FF0000"/>
-                  </a:solidFill>
-                  <a:miter lim="800000"/>
-                  <a:headEnd/>
-                  <a:tailEnd/>
-                </a14:hiddenLine>
-              </a:ext>
-              <a:ext uri="{AF507438-7753-43E0-B8FC-AC1667EBCBE1}">
-                <a14:hiddenEffects xmlns:a14="http://schemas.microsoft.com/office/drawing/2010/main">
-                  <a:effectLst>
-                    <a:outerShdw dist="35921" dir="2700000" algn="ctr" rotWithShape="0">
-                      <a:schemeClr val="bg2"/>
-                    </a:outerShdw>
-                  </a:effectLst>
-                </a14:hiddenEffects>
-              </a:ext>
-            </a:extLst>
-          </p:spPr>
-          <p:txBody>
-            <a:bodyPr wrap="none" anchor="ctr"/>
-            <a:lstStyle/>
-            <a:p>
-              <a:endParaRPr lang="ja-JP" altLang="en-US"/>
-            </a:p>
-          </p:txBody>
-        </p:sp>
-      </p:grpSp>
-      <p:sp>
-        <p:nvSpPr>
-          <p:cNvPr id="20" name="正方形/長方形 19"/>
-          <p:cNvSpPr/>
-          <p:nvPr/>
-        </p:nvSpPr>
-        <p:spPr bwMode="auto">
-          <a:xfrm>
-            <a:off x="2255547" y="1051322"/>
-            <a:ext cx="4261005" cy="3593830"/>
-          </a:xfrm>
-          <a:prstGeom prst="rect">
-            <a:avLst/>
-          </a:prstGeom>
-          <a:noFill/>
-          <a:ln>
-            <a:solidFill>
-              <a:srgbClr val="C00000"/>
-            </a:solidFill>
-          </a:ln>
-          <a:effectLst/>
-          <a:extLst/>
-        </p:spPr>
-        <p:txBody>
-          <a:bodyPr rot="0" spcFirstLastPara="0" vertOverflow="overflow" horzOverflow="overflow" vert="horz" wrap="square" lIns="91440" tIns="45720" rIns="91440" bIns="45720" numCol="1" spcCol="0" rtlCol="0" fromWordArt="0" anchor="t" anchorCtr="0" forceAA="0" compatLnSpc="1">
-            <a:prstTxWarp prst="textNoShape">
-              <a:avLst/>
-            </a:prstTxWarp>
-            <a:noAutofit/>
-          </a:bodyPr>
-          <a:lstStyle/>
-          <a:p>
-            <a:r>
-              <a:rPr lang="en-US" altLang="ja-JP" dirty="0">
-                <a:solidFill>
-                  <a:srgbClr val="00B050"/>
-                </a:solidFill>
-                <a:latin typeface="+mj-ea"/>
-              </a:rPr>
-              <a:t>【</a:t>
-            </a:r>
-            <a:r>
-              <a:rPr lang="ja-JP" altLang="en-US" dirty="0">
-                <a:solidFill>
-                  <a:srgbClr val="00B050"/>
-                </a:solidFill>
-                <a:latin typeface="+mj-ea"/>
-              </a:rPr>
-              <a:t>官庁総合運用テスト支援ツール</a:t>
-            </a:r>
-            <a:r>
-              <a:rPr lang="en-US" altLang="ja-JP" dirty="0">
-                <a:solidFill>
-                  <a:srgbClr val="00B050"/>
-                </a:solidFill>
-                <a:latin typeface="+mj-ea"/>
-              </a:rPr>
-              <a:t>】</a:t>
-            </a:r>
-          </a:p>
-          <a:p>
-            <a:r>
-              <a:rPr lang="ja-JP" altLang="en-US" dirty="0">
-                <a:solidFill>
-                  <a:srgbClr val="00B050"/>
-                </a:solidFill>
-                <a:latin typeface="+mj-ea"/>
-              </a:rPr>
-              <a:t>社内で２名開発メンバーの</a:t>
-            </a:r>
-            <a:r>
-              <a:rPr lang="ja-JP" altLang="en-US" dirty="0" smtClean="0">
-                <a:solidFill>
-                  <a:srgbClr val="00B050"/>
-                </a:solidFill>
-                <a:latin typeface="+mj-ea"/>
-              </a:rPr>
-              <a:t>リーダー</a:t>
-            </a:r>
-            <a:endParaRPr lang="en-US" altLang="ja-JP" dirty="0" smtClean="0">
-              <a:solidFill>
-                <a:srgbClr val="FF0000"/>
-              </a:solidFill>
-              <a:latin typeface="+mj-ea"/>
-              <a:ea typeface="+mj-ea"/>
-            </a:endParaRPr>
-          </a:p>
-          <a:p>
-            <a:endParaRPr lang="en-US" altLang="ja-JP" dirty="0" smtClean="0">
-              <a:solidFill>
-                <a:srgbClr val="FF0000"/>
-              </a:solidFill>
-              <a:latin typeface="+mj-ea"/>
-              <a:ea typeface="+mj-ea"/>
-            </a:endParaRPr>
-          </a:p>
-          <a:p>
-            <a:pPr marL="285750" indent="-285750">
-              <a:buFont typeface="Arial" panose="020B0604020202020204" pitchFamily="34" charset="0"/>
-              <a:buChar char="•"/>
-            </a:pPr>
-            <a:r>
-              <a:rPr lang="ja-JP" altLang="en-US" dirty="0" smtClean="0">
-                <a:solidFill>
-                  <a:srgbClr val="FF0000"/>
-                </a:solidFill>
-                <a:latin typeface="+mj-ea"/>
-                <a:ea typeface="+mj-ea"/>
-              </a:rPr>
-              <a:t>厳しいスケジュールで、顧客と調整し、二段階納品。</a:t>
-            </a:r>
-            <a:endParaRPr lang="en-US" altLang="ja-JP" dirty="0">
-              <a:solidFill>
-                <a:srgbClr val="FF0000"/>
-              </a:solidFill>
-              <a:latin typeface="+mj-ea"/>
-              <a:ea typeface="+mj-ea"/>
-            </a:endParaRPr>
-          </a:p>
-          <a:p>
-            <a:endParaRPr lang="en-US" altLang="ja-JP" dirty="0">
-              <a:solidFill>
-                <a:srgbClr val="FF0000"/>
-              </a:solidFill>
-              <a:latin typeface="+mj-ea"/>
-              <a:ea typeface="+mj-ea"/>
-            </a:endParaRPr>
-          </a:p>
-          <a:p>
-            <a:pPr marL="285750" indent="-285750">
-              <a:buFont typeface="Arial" panose="020B0604020202020204" pitchFamily="34" charset="0"/>
-              <a:buChar char="•"/>
-            </a:pPr>
-            <a:r>
-              <a:rPr lang="ja-JP" altLang="en-US" dirty="0" smtClean="0">
-                <a:solidFill>
-                  <a:srgbClr val="FF0000"/>
-                </a:solidFill>
-                <a:latin typeface="+mj-ea"/>
-                <a:ea typeface="+mj-ea"/>
-              </a:rPr>
-              <a:t>パートナーさんがメールなどがない</a:t>
-            </a:r>
-            <a:r>
-              <a:rPr lang="ja-JP" altLang="en-US" dirty="0">
-                <a:solidFill>
-                  <a:srgbClr val="FF0000"/>
-                </a:solidFill>
-                <a:latin typeface="+mj-ea"/>
-                <a:ea typeface="+mj-ea"/>
-              </a:rPr>
-              <a:t>ので、</a:t>
-            </a:r>
-            <a:r>
-              <a:rPr lang="en-US" altLang="ja-JP" dirty="0">
-                <a:solidFill>
-                  <a:srgbClr val="FF0000"/>
-                </a:solidFill>
-                <a:latin typeface="+mj-ea"/>
-                <a:ea typeface="+mj-ea"/>
-              </a:rPr>
-              <a:t>WeChat</a:t>
-            </a:r>
-            <a:r>
-              <a:rPr lang="ja-JP" altLang="en-US" dirty="0">
-                <a:solidFill>
-                  <a:srgbClr val="FF0000"/>
-                </a:solidFill>
-                <a:latin typeface="+mj-ea"/>
-                <a:ea typeface="+mj-ea"/>
-              </a:rPr>
-              <a:t>などを活用し、コミュニケーションを取った</a:t>
-            </a:r>
-            <a:r>
-              <a:rPr lang="ja-JP" altLang="en-US" dirty="0" smtClean="0">
-                <a:solidFill>
-                  <a:srgbClr val="FF0000"/>
-                </a:solidFill>
-                <a:latin typeface="+mj-ea"/>
-                <a:ea typeface="+mj-ea"/>
-              </a:rPr>
-              <a:t>。</a:t>
-            </a:r>
-            <a:endParaRPr lang="en-US" altLang="ja-JP" dirty="0" smtClean="0">
-              <a:solidFill>
-                <a:srgbClr val="FF0000"/>
-              </a:solidFill>
-              <a:latin typeface="+mj-ea"/>
-              <a:ea typeface="+mj-ea"/>
-            </a:endParaRPr>
-          </a:p>
-          <a:p>
-            <a:pPr marL="285750" indent="-285750">
-              <a:buFont typeface="Arial" panose="020B0604020202020204" pitchFamily="34" charset="0"/>
-              <a:buChar char="•"/>
-            </a:pPr>
-            <a:endParaRPr lang="en-US" altLang="ja-JP" dirty="0">
-              <a:solidFill>
-                <a:srgbClr val="FF0000"/>
-              </a:solidFill>
-              <a:latin typeface="+mj-ea"/>
-              <a:ea typeface="+mj-ea"/>
-            </a:endParaRPr>
-          </a:p>
-          <a:p>
-            <a:pPr marL="285750" indent="-285750">
-              <a:buFont typeface="Arial" panose="020B0604020202020204" pitchFamily="34" charset="0"/>
-              <a:buChar char="•"/>
-            </a:pPr>
-            <a:r>
-              <a:rPr lang="ja-JP" altLang="en-US" dirty="0" smtClean="0">
-                <a:solidFill>
-                  <a:srgbClr val="FF0000"/>
-                </a:solidFill>
-                <a:latin typeface="+mj-ea"/>
-                <a:ea typeface="+mj-ea"/>
-              </a:rPr>
-              <a:t>成果物を最終的にチェックと整理し、顧客に</a:t>
-            </a:r>
-            <a:r>
-              <a:rPr lang="ja-JP" altLang="en-US" dirty="0">
-                <a:solidFill>
-                  <a:srgbClr val="FF0000"/>
-                </a:solidFill>
-                <a:latin typeface="+mj-ea"/>
-                <a:ea typeface="+mj-ea"/>
-              </a:rPr>
-              <a:t>提出</a:t>
-            </a:r>
-            <a:r>
-              <a:rPr lang="ja-JP" altLang="en-US" dirty="0" smtClean="0">
-                <a:solidFill>
-                  <a:srgbClr val="FF0000"/>
-                </a:solidFill>
-                <a:latin typeface="+mj-ea"/>
-                <a:ea typeface="+mj-ea"/>
-              </a:rPr>
-              <a:t>。</a:t>
-            </a:r>
-            <a:endParaRPr lang="en-US" altLang="ja-JP" dirty="0" smtClean="0">
-              <a:solidFill>
-                <a:srgbClr val="FF0000"/>
-              </a:solidFill>
-              <a:latin typeface="+mj-ea"/>
-              <a:ea typeface="+mj-ea"/>
-            </a:endParaRPr>
-          </a:p>
-          <a:p>
-            <a:endParaRPr lang="en-US" altLang="ja-JP" dirty="0" smtClean="0">
-              <a:solidFill>
-                <a:srgbClr val="FF0000"/>
-              </a:solidFill>
-              <a:latin typeface="+mj-ea"/>
-              <a:ea typeface="+mj-ea"/>
-            </a:endParaRPr>
-          </a:p>
-          <a:p>
-            <a:endParaRPr lang="en-US" altLang="ja-JP" dirty="0">
-              <a:solidFill>
-                <a:srgbClr val="FF0000"/>
-              </a:solidFill>
-              <a:latin typeface="+mj-ea"/>
-              <a:ea typeface="+mj-ea"/>
-            </a:endParaRPr>
-          </a:p>
-          <a:p>
-            <a:endParaRPr lang="en-US" altLang="ja-JP" dirty="0" smtClean="0">
-              <a:solidFill>
-                <a:srgbClr val="FF0000"/>
-              </a:solidFill>
-              <a:latin typeface="+mj-ea"/>
-              <a:ea typeface="+mj-ea"/>
-            </a:endParaRPr>
-          </a:p>
-          <a:p>
-            <a:endParaRPr lang="en-US" altLang="ja-JP" dirty="0" smtClean="0">
-              <a:solidFill>
-                <a:srgbClr val="FF0000"/>
-              </a:solidFill>
-              <a:latin typeface="+mj-ea"/>
-              <a:ea typeface="+mj-ea"/>
-            </a:endParaRPr>
-          </a:p>
-          <a:p>
-            <a:endParaRPr lang="en-US" altLang="ja-JP" dirty="0" smtClean="0">
-              <a:solidFill>
-                <a:srgbClr val="FF0000"/>
-              </a:solidFill>
-              <a:latin typeface="+mj-ea"/>
-              <a:ea typeface="+mj-ea"/>
-            </a:endParaRPr>
-          </a:p>
-          <a:p>
-            <a:endParaRPr lang="en-US" altLang="ja-JP" dirty="0" smtClean="0">
-              <a:solidFill>
-                <a:srgbClr val="FF0000"/>
-              </a:solidFill>
-              <a:latin typeface="+mj-ea"/>
-              <a:ea typeface="+mj-ea"/>
-            </a:endParaRPr>
-          </a:p>
-          <a:p>
-            <a:endParaRPr lang="en-US" altLang="ja-JP" dirty="0" smtClean="0">
-              <a:solidFill>
-                <a:srgbClr val="FF0000"/>
-              </a:solidFill>
-              <a:latin typeface="+mj-ea"/>
-              <a:ea typeface="+mj-ea"/>
-            </a:endParaRPr>
-          </a:p>
-          <a:p>
-            <a:endParaRPr lang="en-US" altLang="ja-JP" dirty="0" smtClean="0">
-              <a:solidFill>
-                <a:srgbClr val="FF0000"/>
-              </a:solidFill>
-              <a:latin typeface="+mj-ea"/>
-              <a:ea typeface="+mj-ea"/>
-            </a:endParaRPr>
-          </a:p>
-        </p:txBody>
-      </p:sp>
-    </p:spTree>
-    <p:extLst>
-      <p:ext uri="{BB962C8B-B14F-4D97-AF65-F5344CB8AC3E}">
-        <p14:creationId xmlns:p14="http://schemas.microsoft.com/office/powerpoint/2010/main" val="3094297179"/>
       </p:ext>
     </p:extLst>
   </p:cSld>

--- a/昇格プレゼン(徐洋)_new.pptx
+++ b/昇格プレゼン(徐洋)_new.pptx
@@ -17,12 +17,12 @@
     <p:sldId id="370" r:id="rId5"/>
     <p:sldId id="371" r:id="rId6"/>
     <p:sldId id="372" r:id="rId7"/>
-    <p:sldId id="357" r:id="rId8"/>
-    <p:sldId id="365" r:id="rId9"/>
-    <p:sldId id="363" r:id="rId10"/>
-    <p:sldId id="364" r:id="rId11"/>
-    <p:sldId id="368" r:id="rId12"/>
-    <p:sldId id="350" r:id="rId13"/>
+    <p:sldId id="373" r:id="rId8"/>
+    <p:sldId id="374" r:id="rId9"/>
+    <p:sldId id="375" r:id="rId10"/>
+    <p:sldId id="376" r:id="rId11"/>
+    <p:sldId id="377" r:id="rId12"/>
+    <p:sldId id="378" r:id="rId13"/>
     <p:sldId id="336" r:id="rId14"/>
   </p:sldIdLst>
   <p:sldSz cx="6858000" cy="5143500"/>
@@ -835,6 +835,96 @@
 </p:notes>
 </file>
 
+<file path=ppt/notesSlides/notesSlide10.xml><?xml version="1.0" encoding="utf-8"?>
+<p:notes xmlns:a="http://schemas.openxmlformats.org/drawingml/2006/main" xmlns:r="http://schemas.openxmlformats.org/officeDocument/2006/relationships" xmlns:p="http://schemas.openxmlformats.org/presentationml/2006/main">
+  <p:cSld>
+    <p:spTree>
+      <p:nvGrpSpPr>
+        <p:cNvPr id="1" name=""/>
+        <p:cNvGrpSpPr/>
+        <p:nvPr/>
+      </p:nvGrpSpPr>
+      <p:grpSpPr>
+        <a:xfrm>
+          <a:off x="0" y="0"/>
+          <a:ext cx="0" cy="0"/>
+          <a:chOff x="0" y="0"/>
+          <a:chExt cx="0" cy="0"/>
+        </a:xfrm>
+      </p:grpSpPr>
+      <p:sp>
+        <p:nvSpPr>
+          <p:cNvPr id="2" name="スライド イメージ プレースホルダー 1"/>
+          <p:cNvSpPr>
+            <a:spLocks noGrp="1" noRot="1" noChangeAspect="1"/>
+          </p:cNvSpPr>
+          <p:nvPr>
+            <p:ph type="sldImg"/>
+          </p:nvPr>
+        </p:nvSpPr>
+        <p:spPr/>
+      </p:sp>
+      <p:sp>
+        <p:nvSpPr>
+          <p:cNvPr id="3" name="ノート プレースホルダー 2"/>
+          <p:cNvSpPr>
+            <a:spLocks noGrp="1"/>
+          </p:cNvSpPr>
+          <p:nvPr>
+            <p:ph type="body" idx="1"/>
+          </p:nvPr>
+        </p:nvSpPr>
+        <p:spPr/>
+        <p:txBody>
+          <a:bodyPr/>
+          <a:lstStyle/>
+          <a:p>
+            <a:endParaRPr kumimoji="1" lang="ja-JP" altLang="en-US"/>
+          </a:p>
+        </p:txBody>
+      </p:sp>
+      <p:sp>
+        <p:nvSpPr>
+          <p:cNvPr id="4" name="スライド番号プレースホルダー 3"/>
+          <p:cNvSpPr>
+            <a:spLocks noGrp="1"/>
+          </p:cNvSpPr>
+          <p:nvPr>
+            <p:ph type="sldNum" sz="quarter" idx="10"/>
+          </p:nvPr>
+        </p:nvSpPr>
+        <p:spPr/>
+        <p:txBody>
+          <a:bodyPr/>
+          <a:lstStyle/>
+          <a:p>
+            <a:pPr>
+              <a:defRPr/>
+            </a:pPr>
+            <a:fld id="{7BC3A1C2-1D22-4C94-A83E-60ADE77BBC94}" type="slidenum">
+              <a:rPr lang="en-US" altLang="ja-JP" smtClean="0"/>
+              <a:pPr>
+                <a:defRPr/>
+              </a:pPr>
+              <a:t>12</a:t>
+            </a:fld>
+            <a:endParaRPr lang="en-US" altLang="ja-JP"/>
+          </a:p>
+        </p:txBody>
+      </p:sp>
+    </p:spTree>
+    <p:extLst>
+      <p:ext uri="{BB962C8B-B14F-4D97-AF65-F5344CB8AC3E}">
+        <p14:creationId xmlns:p14="http://schemas.microsoft.com/office/powerpoint/2010/main" val="3171452798"/>
+      </p:ext>
+    </p:extLst>
+  </p:cSld>
+  <p:clrMapOvr>
+    <a:masterClrMapping/>
+  </p:clrMapOvr>
+</p:notes>
+</file>
+
 <file path=ppt/notesSlides/notesSlide2.xml><?xml version="1.0" encoding="utf-8"?>
 <p:notes xmlns:a="http://schemas.openxmlformats.org/drawingml/2006/main" xmlns:r="http://schemas.openxmlformats.org/officeDocument/2006/relationships" xmlns:p="http://schemas.openxmlformats.org/presentationml/2006/main">
   <p:cSld>
@@ -1096,6 +1186,456 @@
     <p:extLst>
       <p:ext uri="{BB962C8B-B14F-4D97-AF65-F5344CB8AC3E}">
         <p14:creationId xmlns:p14="http://schemas.microsoft.com/office/powerpoint/2010/main" val="2488613195"/>
+      </p:ext>
+    </p:extLst>
+  </p:cSld>
+  <p:clrMapOvr>
+    <a:masterClrMapping/>
+  </p:clrMapOvr>
+</p:notes>
+</file>
+
+<file path=ppt/notesSlides/notesSlide5.xml><?xml version="1.0" encoding="utf-8"?>
+<p:notes xmlns:a="http://schemas.openxmlformats.org/drawingml/2006/main" xmlns:r="http://schemas.openxmlformats.org/officeDocument/2006/relationships" xmlns:p="http://schemas.openxmlformats.org/presentationml/2006/main">
+  <p:cSld>
+    <p:spTree>
+      <p:nvGrpSpPr>
+        <p:cNvPr id="1" name=""/>
+        <p:cNvGrpSpPr/>
+        <p:nvPr/>
+      </p:nvGrpSpPr>
+      <p:grpSpPr>
+        <a:xfrm>
+          <a:off x="0" y="0"/>
+          <a:ext cx="0" cy="0"/>
+          <a:chOff x="0" y="0"/>
+          <a:chExt cx="0" cy="0"/>
+        </a:xfrm>
+      </p:grpSpPr>
+      <p:sp>
+        <p:nvSpPr>
+          <p:cNvPr id="2" name="スライド イメージ プレースホルダー 1"/>
+          <p:cNvSpPr>
+            <a:spLocks noGrp="1" noRot="1" noChangeAspect="1"/>
+          </p:cNvSpPr>
+          <p:nvPr>
+            <p:ph type="sldImg"/>
+          </p:nvPr>
+        </p:nvSpPr>
+        <p:spPr/>
+      </p:sp>
+      <p:sp>
+        <p:nvSpPr>
+          <p:cNvPr id="3" name="ノート プレースホルダー 2"/>
+          <p:cNvSpPr>
+            <a:spLocks noGrp="1"/>
+          </p:cNvSpPr>
+          <p:nvPr>
+            <p:ph type="body" idx="1"/>
+          </p:nvPr>
+        </p:nvSpPr>
+        <p:spPr/>
+        <p:txBody>
+          <a:bodyPr/>
+          <a:lstStyle/>
+          <a:p>
+            <a:endParaRPr kumimoji="1" lang="ja-JP" altLang="en-US"/>
+          </a:p>
+        </p:txBody>
+      </p:sp>
+      <p:sp>
+        <p:nvSpPr>
+          <p:cNvPr id="4" name="スライド番号プレースホルダー 3"/>
+          <p:cNvSpPr>
+            <a:spLocks noGrp="1"/>
+          </p:cNvSpPr>
+          <p:nvPr>
+            <p:ph type="sldNum" sz="quarter" idx="10"/>
+          </p:nvPr>
+        </p:nvSpPr>
+        <p:spPr/>
+        <p:txBody>
+          <a:bodyPr/>
+          <a:lstStyle/>
+          <a:p>
+            <a:pPr>
+              <a:defRPr/>
+            </a:pPr>
+            <a:fld id="{7BC3A1C2-1D22-4C94-A83E-60ADE77BBC94}" type="slidenum">
+              <a:rPr lang="en-US" altLang="ja-JP" smtClean="0"/>
+              <a:pPr>
+                <a:defRPr/>
+              </a:pPr>
+              <a:t>7</a:t>
+            </a:fld>
+            <a:endParaRPr lang="en-US" altLang="ja-JP"/>
+          </a:p>
+        </p:txBody>
+      </p:sp>
+    </p:spTree>
+    <p:extLst>
+      <p:ext uri="{BB962C8B-B14F-4D97-AF65-F5344CB8AC3E}">
+        <p14:creationId xmlns:p14="http://schemas.microsoft.com/office/powerpoint/2010/main" val="1117264061"/>
+      </p:ext>
+    </p:extLst>
+  </p:cSld>
+  <p:clrMapOvr>
+    <a:masterClrMapping/>
+  </p:clrMapOvr>
+</p:notes>
+</file>
+
+<file path=ppt/notesSlides/notesSlide6.xml><?xml version="1.0" encoding="utf-8"?>
+<p:notes xmlns:a="http://schemas.openxmlformats.org/drawingml/2006/main" xmlns:r="http://schemas.openxmlformats.org/officeDocument/2006/relationships" xmlns:p="http://schemas.openxmlformats.org/presentationml/2006/main">
+  <p:cSld>
+    <p:spTree>
+      <p:nvGrpSpPr>
+        <p:cNvPr id="1" name=""/>
+        <p:cNvGrpSpPr/>
+        <p:nvPr/>
+      </p:nvGrpSpPr>
+      <p:grpSpPr>
+        <a:xfrm>
+          <a:off x="0" y="0"/>
+          <a:ext cx="0" cy="0"/>
+          <a:chOff x="0" y="0"/>
+          <a:chExt cx="0" cy="0"/>
+        </a:xfrm>
+      </p:grpSpPr>
+      <p:sp>
+        <p:nvSpPr>
+          <p:cNvPr id="2" name="スライド イメージ プレースホルダー 1"/>
+          <p:cNvSpPr>
+            <a:spLocks noGrp="1" noRot="1" noChangeAspect="1"/>
+          </p:cNvSpPr>
+          <p:nvPr>
+            <p:ph type="sldImg"/>
+          </p:nvPr>
+        </p:nvSpPr>
+        <p:spPr/>
+      </p:sp>
+      <p:sp>
+        <p:nvSpPr>
+          <p:cNvPr id="3" name="ノート プレースホルダー 2"/>
+          <p:cNvSpPr>
+            <a:spLocks noGrp="1"/>
+          </p:cNvSpPr>
+          <p:nvPr>
+            <p:ph type="body" idx="1"/>
+          </p:nvPr>
+        </p:nvSpPr>
+        <p:spPr/>
+        <p:txBody>
+          <a:bodyPr/>
+          <a:lstStyle/>
+          <a:p>
+            <a:endParaRPr kumimoji="1" lang="ja-JP" altLang="en-US"/>
+          </a:p>
+        </p:txBody>
+      </p:sp>
+      <p:sp>
+        <p:nvSpPr>
+          <p:cNvPr id="4" name="スライド番号プレースホルダー 3"/>
+          <p:cNvSpPr>
+            <a:spLocks noGrp="1"/>
+          </p:cNvSpPr>
+          <p:nvPr>
+            <p:ph type="sldNum" sz="quarter" idx="10"/>
+          </p:nvPr>
+        </p:nvSpPr>
+        <p:spPr/>
+        <p:txBody>
+          <a:bodyPr/>
+          <a:lstStyle/>
+          <a:p>
+            <a:pPr>
+              <a:defRPr/>
+            </a:pPr>
+            <a:fld id="{7BC3A1C2-1D22-4C94-A83E-60ADE77BBC94}" type="slidenum">
+              <a:rPr lang="en-US" altLang="ja-JP" smtClean="0"/>
+              <a:pPr>
+                <a:defRPr/>
+              </a:pPr>
+              <a:t>8</a:t>
+            </a:fld>
+            <a:endParaRPr lang="en-US" altLang="ja-JP"/>
+          </a:p>
+        </p:txBody>
+      </p:sp>
+    </p:spTree>
+    <p:extLst>
+      <p:ext uri="{BB962C8B-B14F-4D97-AF65-F5344CB8AC3E}">
+        <p14:creationId xmlns:p14="http://schemas.microsoft.com/office/powerpoint/2010/main" val="2555447594"/>
+      </p:ext>
+    </p:extLst>
+  </p:cSld>
+  <p:clrMapOvr>
+    <a:masterClrMapping/>
+  </p:clrMapOvr>
+</p:notes>
+</file>
+
+<file path=ppt/notesSlides/notesSlide7.xml><?xml version="1.0" encoding="utf-8"?>
+<p:notes xmlns:a="http://schemas.openxmlformats.org/drawingml/2006/main" xmlns:r="http://schemas.openxmlformats.org/officeDocument/2006/relationships" xmlns:p="http://schemas.openxmlformats.org/presentationml/2006/main">
+  <p:cSld>
+    <p:spTree>
+      <p:nvGrpSpPr>
+        <p:cNvPr id="1" name=""/>
+        <p:cNvGrpSpPr/>
+        <p:nvPr/>
+      </p:nvGrpSpPr>
+      <p:grpSpPr>
+        <a:xfrm>
+          <a:off x="0" y="0"/>
+          <a:ext cx="0" cy="0"/>
+          <a:chOff x="0" y="0"/>
+          <a:chExt cx="0" cy="0"/>
+        </a:xfrm>
+      </p:grpSpPr>
+      <p:sp>
+        <p:nvSpPr>
+          <p:cNvPr id="2" name="スライド イメージ プレースホルダー 1"/>
+          <p:cNvSpPr>
+            <a:spLocks noGrp="1" noRot="1" noChangeAspect="1"/>
+          </p:cNvSpPr>
+          <p:nvPr>
+            <p:ph type="sldImg"/>
+          </p:nvPr>
+        </p:nvSpPr>
+        <p:spPr/>
+      </p:sp>
+      <p:sp>
+        <p:nvSpPr>
+          <p:cNvPr id="3" name="ノート プレースホルダー 2"/>
+          <p:cNvSpPr>
+            <a:spLocks noGrp="1"/>
+          </p:cNvSpPr>
+          <p:nvPr>
+            <p:ph type="body" idx="1"/>
+          </p:nvPr>
+        </p:nvSpPr>
+        <p:spPr/>
+        <p:txBody>
+          <a:bodyPr/>
+          <a:lstStyle/>
+          <a:p>
+            <a:endParaRPr kumimoji="1" lang="ja-JP" altLang="en-US"/>
+          </a:p>
+        </p:txBody>
+      </p:sp>
+      <p:sp>
+        <p:nvSpPr>
+          <p:cNvPr id="4" name="スライド番号プレースホルダー 3"/>
+          <p:cNvSpPr>
+            <a:spLocks noGrp="1"/>
+          </p:cNvSpPr>
+          <p:nvPr>
+            <p:ph type="sldNum" sz="quarter" idx="10"/>
+          </p:nvPr>
+        </p:nvSpPr>
+        <p:spPr/>
+        <p:txBody>
+          <a:bodyPr/>
+          <a:lstStyle/>
+          <a:p>
+            <a:pPr>
+              <a:defRPr/>
+            </a:pPr>
+            <a:fld id="{7BC3A1C2-1D22-4C94-A83E-60ADE77BBC94}" type="slidenum">
+              <a:rPr lang="en-US" altLang="ja-JP" smtClean="0"/>
+              <a:pPr>
+                <a:defRPr/>
+              </a:pPr>
+              <a:t>9</a:t>
+            </a:fld>
+            <a:endParaRPr lang="en-US" altLang="ja-JP"/>
+          </a:p>
+        </p:txBody>
+      </p:sp>
+    </p:spTree>
+    <p:extLst>
+      <p:ext uri="{BB962C8B-B14F-4D97-AF65-F5344CB8AC3E}">
+        <p14:creationId xmlns:p14="http://schemas.microsoft.com/office/powerpoint/2010/main" val="3642760464"/>
+      </p:ext>
+    </p:extLst>
+  </p:cSld>
+  <p:clrMapOvr>
+    <a:masterClrMapping/>
+  </p:clrMapOvr>
+</p:notes>
+</file>
+
+<file path=ppt/notesSlides/notesSlide8.xml><?xml version="1.0" encoding="utf-8"?>
+<p:notes xmlns:a="http://schemas.openxmlformats.org/drawingml/2006/main" xmlns:r="http://schemas.openxmlformats.org/officeDocument/2006/relationships" xmlns:p="http://schemas.openxmlformats.org/presentationml/2006/main">
+  <p:cSld>
+    <p:spTree>
+      <p:nvGrpSpPr>
+        <p:cNvPr id="1" name=""/>
+        <p:cNvGrpSpPr/>
+        <p:nvPr/>
+      </p:nvGrpSpPr>
+      <p:grpSpPr>
+        <a:xfrm>
+          <a:off x="0" y="0"/>
+          <a:ext cx="0" cy="0"/>
+          <a:chOff x="0" y="0"/>
+          <a:chExt cx="0" cy="0"/>
+        </a:xfrm>
+      </p:grpSpPr>
+      <p:sp>
+        <p:nvSpPr>
+          <p:cNvPr id="2" name="スライド イメージ プレースホルダー 1"/>
+          <p:cNvSpPr>
+            <a:spLocks noGrp="1" noRot="1" noChangeAspect="1"/>
+          </p:cNvSpPr>
+          <p:nvPr>
+            <p:ph type="sldImg"/>
+          </p:nvPr>
+        </p:nvSpPr>
+        <p:spPr/>
+      </p:sp>
+      <p:sp>
+        <p:nvSpPr>
+          <p:cNvPr id="3" name="ノート プレースホルダー 2"/>
+          <p:cNvSpPr>
+            <a:spLocks noGrp="1"/>
+          </p:cNvSpPr>
+          <p:nvPr>
+            <p:ph type="body" idx="1"/>
+          </p:nvPr>
+        </p:nvSpPr>
+        <p:spPr/>
+        <p:txBody>
+          <a:bodyPr/>
+          <a:lstStyle/>
+          <a:p>
+            <a:endParaRPr kumimoji="1" lang="ja-JP" altLang="en-US"/>
+          </a:p>
+        </p:txBody>
+      </p:sp>
+      <p:sp>
+        <p:nvSpPr>
+          <p:cNvPr id="4" name="スライド番号プレースホルダー 3"/>
+          <p:cNvSpPr>
+            <a:spLocks noGrp="1"/>
+          </p:cNvSpPr>
+          <p:nvPr>
+            <p:ph type="sldNum" sz="quarter" idx="10"/>
+          </p:nvPr>
+        </p:nvSpPr>
+        <p:spPr/>
+        <p:txBody>
+          <a:bodyPr/>
+          <a:lstStyle/>
+          <a:p>
+            <a:pPr>
+              <a:defRPr/>
+            </a:pPr>
+            <a:fld id="{7BC3A1C2-1D22-4C94-A83E-60ADE77BBC94}" type="slidenum">
+              <a:rPr lang="en-US" altLang="ja-JP" smtClean="0"/>
+              <a:pPr>
+                <a:defRPr/>
+              </a:pPr>
+              <a:t>10</a:t>
+            </a:fld>
+            <a:endParaRPr lang="en-US" altLang="ja-JP"/>
+          </a:p>
+        </p:txBody>
+      </p:sp>
+    </p:spTree>
+    <p:extLst>
+      <p:ext uri="{BB962C8B-B14F-4D97-AF65-F5344CB8AC3E}">
+        <p14:creationId xmlns:p14="http://schemas.microsoft.com/office/powerpoint/2010/main" val="4037510831"/>
+      </p:ext>
+    </p:extLst>
+  </p:cSld>
+  <p:clrMapOvr>
+    <a:masterClrMapping/>
+  </p:clrMapOvr>
+</p:notes>
+</file>
+
+<file path=ppt/notesSlides/notesSlide9.xml><?xml version="1.0" encoding="utf-8"?>
+<p:notes xmlns:a="http://schemas.openxmlformats.org/drawingml/2006/main" xmlns:r="http://schemas.openxmlformats.org/officeDocument/2006/relationships" xmlns:p="http://schemas.openxmlformats.org/presentationml/2006/main">
+  <p:cSld>
+    <p:spTree>
+      <p:nvGrpSpPr>
+        <p:cNvPr id="1" name=""/>
+        <p:cNvGrpSpPr/>
+        <p:nvPr/>
+      </p:nvGrpSpPr>
+      <p:grpSpPr>
+        <a:xfrm>
+          <a:off x="0" y="0"/>
+          <a:ext cx="0" cy="0"/>
+          <a:chOff x="0" y="0"/>
+          <a:chExt cx="0" cy="0"/>
+        </a:xfrm>
+      </p:grpSpPr>
+      <p:sp>
+        <p:nvSpPr>
+          <p:cNvPr id="2" name="スライド イメージ プレースホルダー 1"/>
+          <p:cNvSpPr>
+            <a:spLocks noGrp="1" noRot="1" noChangeAspect="1"/>
+          </p:cNvSpPr>
+          <p:nvPr>
+            <p:ph type="sldImg"/>
+          </p:nvPr>
+        </p:nvSpPr>
+        <p:spPr/>
+      </p:sp>
+      <p:sp>
+        <p:nvSpPr>
+          <p:cNvPr id="3" name="ノート プレースホルダー 2"/>
+          <p:cNvSpPr>
+            <a:spLocks noGrp="1"/>
+          </p:cNvSpPr>
+          <p:nvPr>
+            <p:ph type="body" idx="1"/>
+          </p:nvPr>
+        </p:nvSpPr>
+        <p:spPr/>
+        <p:txBody>
+          <a:bodyPr/>
+          <a:lstStyle/>
+          <a:p>
+            <a:endParaRPr kumimoji="1" lang="ja-JP" altLang="en-US"/>
+          </a:p>
+        </p:txBody>
+      </p:sp>
+      <p:sp>
+        <p:nvSpPr>
+          <p:cNvPr id="4" name="スライド番号プレースホルダー 3"/>
+          <p:cNvSpPr>
+            <a:spLocks noGrp="1"/>
+          </p:cNvSpPr>
+          <p:nvPr>
+            <p:ph type="sldNum" sz="quarter" idx="10"/>
+          </p:nvPr>
+        </p:nvSpPr>
+        <p:spPr/>
+        <p:txBody>
+          <a:bodyPr/>
+          <a:lstStyle/>
+          <a:p>
+            <a:pPr>
+              <a:defRPr/>
+            </a:pPr>
+            <a:fld id="{7BC3A1C2-1D22-4C94-A83E-60ADE77BBC94}" type="slidenum">
+              <a:rPr lang="en-US" altLang="ja-JP" smtClean="0"/>
+              <a:pPr>
+                <a:defRPr/>
+              </a:pPr>
+              <a:t>11</a:t>
+            </a:fld>
+            <a:endParaRPr lang="en-US" altLang="ja-JP"/>
+          </a:p>
+        </p:txBody>
+      </p:sp>
+    </p:spTree>
+    <p:extLst>
+      <p:ext uri="{BB962C8B-B14F-4D97-AF65-F5344CB8AC3E}">
+        <p14:creationId xmlns:p14="http://schemas.microsoft.com/office/powerpoint/2010/main" val="34173837"/>
       </p:ext>
     </p:extLst>
   </p:cSld>
@@ -4584,72 +5124,405 @@
         </p:nvSpPr>
         <p:spPr>
           <a:xfrm>
-            <a:off x="1052735" y="481728"/>
-            <a:ext cx="5670000" cy="313350"/>
+            <a:off x="35575" y="78780"/>
+            <a:ext cx="6588000" cy="351000"/>
           </a:xfrm>
         </p:spPr>
         <p:txBody>
-          <a:bodyPr/>
+          <a:bodyPr>
+            <a:noAutofit/>
+          </a:bodyPr>
           <a:lstStyle/>
           <a:p>
             <a:r>
-              <a:rPr lang="ja-JP" altLang="en-US" dirty="0">
-                <a:solidFill>
-                  <a:schemeClr val="accent6">
-                    <a:lumMod val="50000"/>
-                    <a:lumOff val="50000"/>
-                  </a:schemeClr>
-                </a:solidFill>
-                <a:latin typeface="+mn-ea"/>
+              <a:rPr lang="ja-JP" altLang="en-US" sz="2400" b="1" dirty="0" smtClean="0">
+                <a:ea typeface="HGP創英角ｺﾞｼｯｸUB" panose="020B0900000000000000" pitchFamily="50" charset="-128"/>
               </a:rPr>
-              <a:t>進化</a:t>
-            </a:r>
-            <a:r>
-              <a:rPr lang="ja-JP" altLang="en-US" dirty="0" smtClean="0">
-                <a:solidFill>
-                  <a:schemeClr val="accent6">
-                    <a:lumMod val="50000"/>
-                    <a:lumOff val="50000"/>
-                  </a:schemeClr>
-                </a:solidFill>
-                <a:latin typeface="+mn-ea"/>
-              </a:rPr>
-              <a:t>の自分</a:t>
-            </a:r>
-            <a:r>
-              <a:rPr lang="en-US" altLang="ja-JP" dirty="0" smtClean="0">
-                <a:solidFill>
-                  <a:schemeClr val="accent6">
-                    <a:lumMod val="50000"/>
-                    <a:lumOff val="50000"/>
-                  </a:schemeClr>
-                </a:solidFill>
-                <a:latin typeface="+mn-ea"/>
+              <a:t>進化の自分</a:t>
+            </a:r>
+            <a:r>
+              <a:rPr lang="en-US" altLang="ja-JP" sz="2400" b="1" dirty="0" smtClean="0">
+                <a:ea typeface="HGP創英角ｺﾞｼｯｸUB" panose="020B0900000000000000" pitchFamily="50" charset="-128"/>
               </a:rPr>
               <a:t>-</a:t>
             </a:r>
             <a:r>
-              <a:rPr lang="ja-JP" altLang="en-US" dirty="0" smtClean="0">
-                <a:solidFill>
-                  <a:schemeClr val="accent6">
-                    <a:lumMod val="50000"/>
-                    <a:lumOff val="50000"/>
-                  </a:schemeClr>
-                </a:solidFill>
-                <a:latin typeface="+mn-ea"/>
+              <a:rPr lang="ja-JP" altLang="en-US" sz="2400" b="1" dirty="0" smtClean="0">
+                <a:ea typeface="HGP創英角ｺﾞｼｯｸUB" panose="020B0900000000000000" pitchFamily="50" charset="-128"/>
               </a:rPr>
-              <a:t>現場以外の業務の兼務</a:t>
-            </a:r>
-            <a:endParaRPr kumimoji="1" lang="ja-JP" altLang="en-US" dirty="0"/>
+              <a:t>現場以外の作業の兼務</a:t>
+            </a:r>
+            <a:endParaRPr lang="ja-JP" altLang="en-US" sz="2400" b="1" dirty="0">
+              <a:ea typeface="HGP創英角ｺﾞｼｯｸUB" panose="020B0900000000000000" pitchFamily="50" charset="-128"/>
+            </a:endParaRPr>
+          </a:p>
+        </p:txBody>
+      </p:sp>
+      <p:sp>
+        <p:nvSpPr>
+          <p:cNvPr id="5" name="テキスト ボックス 2"/>
+          <p:cNvSpPr txBox="1">
+            <a:spLocks noChangeArrowheads="1"/>
+          </p:cNvSpPr>
+          <p:nvPr/>
+        </p:nvSpPr>
+        <p:spPr bwMode="auto">
+          <a:xfrm>
+            <a:off x="1159510" y="846168"/>
+            <a:ext cx="5429826" cy="3341941"/>
+          </a:xfrm>
+          <a:prstGeom prst="rect">
+            <a:avLst/>
+          </a:prstGeom>
+          <a:noFill/>
+          <a:ln>
+            <a:noFill/>
+          </a:ln>
+          <a:extLst>
+            <a:ext uri="{909E8E84-426E-40DD-AFC4-6F175D3DCCD1}">
+              <a14:hiddenFill xmlns:a14="http://schemas.microsoft.com/office/drawing/2010/main">
+                <a:solidFill>
+                  <a:srgbClr val="FFFFFF"/>
+                </a:solidFill>
+              </a14:hiddenFill>
+            </a:ext>
+            <a:ext uri="{91240B29-F687-4F45-9708-019B960494DF}">
+              <a14:hiddenLine xmlns:a14="http://schemas.microsoft.com/office/drawing/2010/main" w="9525">
+                <a:solidFill>
+                  <a:srgbClr val="000000"/>
+                </a:solidFill>
+                <a:miter lim="800000"/>
+                <a:headEnd/>
+                <a:tailEnd/>
+              </a14:hiddenLine>
+            </a:ext>
+          </a:extLst>
+        </p:spPr>
+        <p:txBody>
+          <a:bodyPr wrap="square">
+            <a:spAutoFit/>
+          </a:bodyPr>
+          <a:lstStyle>
+            <a:lvl1pPr marL="174625" indent="-174625">
+              <a:spcBef>
+                <a:spcPct val="20000"/>
+              </a:spcBef>
+              <a:buChar char="•"/>
+              <a:defRPr kumimoji="1" sz="3200">
+                <a:solidFill>
+                  <a:schemeClr val="tx1"/>
+                </a:solidFill>
+                <a:latin typeface="Arial" charset="0"/>
+                <a:ea typeface="ＭＳ Ｐゴシック" charset="-128"/>
+              </a:defRPr>
+            </a:lvl1pPr>
+            <a:lvl2pPr marL="742950" indent="-285750">
+              <a:spcBef>
+                <a:spcPct val="20000"/>
+              </a:spcBef>
+              <a:buChar char="–"/>
+              <a:defRPr kumimoji="1" sz="2800">
+                <a:solidFill>
+                  <a:schemeClr val="tx1"/>
+                </a:solidFill>
+                <a:latin typeface="Arial" charset="0"/>
+                <a:ea typeface="ＭＳ Ｐゴシック" charset="-128"/>
+              </a:defRPr>
+            </a:lvl2pPr>
+            <a:lvl3pPr marL="1143000" indent="-228600">
+              <a:spcBef>
+                <a:spcPct val="20000"/>
+              </a:spcBef>
+              <a:buChar char="•"/>
+              <a:defRPr kumimoji="1" sz="2400">
+                <a:solidFill>
+                  <a:schemeClr val="tx1"/>
+                </a:solidFill>
+                <a:latin typeface="Arial" charset="0"/>
+                <a:ea typeface="ＭＳ Ｐゴシック" charset="-128"/>
+              </a:defRPr>
+            </a:lvl3pPr>
+            <a:lvl4pPr marL="1600200" indent="-228600">
+              <a:spcBef>
+                <a:spcPct val="20000"/>
+              </a:spcBef>
+              <a:buChar char="–"/>
+              <a:defRPr kumimoji="1" sz="2000">
+                <a:solidFill>
+                  <a:schemeClr val="tx1"/>
+                </a:solidFill>
+                <a:latin typeface="Arial" charset="0"/>
+                <a:ea typeface="ＭＳ Ｐゴシック" charset="-128"/>
+              </a:defRPr>
+            </a:lvl4pPr>
+            <a:lvl5pPr marL="2057400" indent="-228600">
+              <a:spcBef>
+                <a:spcPct val="20000"/>
+              </a:spcBef>
+              <a:buChar char="»"/>
+              <a:defRPr kumimoji="1" sz="2000">
+                <a:solidFill>
+                  <a:schemeClr val="tx1"/>
+                </a:solidFill>
+                <a:latin typeface="Arial" charset="0"/>
+                <a:ea typeface="ＭＳ Ｐゴシック" charset="-128"/>
+              </a:defRPr>
+            </a:lvl5pPr>
+            <a:lvl6pPr marL="2514600" indent="-228600" fontAlgn="base">
+              <a:spcBef>
+                <a:spcPct val="20000"/>
+              </a:spcBef>
+              <a:spcAft>
+                <a:spcPct val="0"/>
+              </a:spcAft>
+              <a:buChar char="»"/>
+              <a:defRPr kumimoji="1" sz="2000">
+                <a:solidFill>
+                  <a:schemeClr val="tx1"/>
+                </a:solidFill>
+                <a:latin typeface="Arial" charset="0"/>
+                <a:ea typeface="ＭＳ Ｐゴシック" charset="-128"/>
+              </a:defRPr>
+            </a:lvl6pPr>
+            <a:lvl7pPr marL="2971800" indent="-228600" fontAlgn="base">
+              <a:spcBef>
+                <a:spcPct val="20000"/>
+              </a:spcBef>
+              <a:spcAft>
+                <a:spcPct val="0"/>
+              </a:spcAft>
+              <a:buChar char="»"/>
+              <a:defRPr kumimoji="1" sz="2000">
+                <a:solidFill>
+                  <a:schemeClr val="tx1"/>
+                </a:solidFill>
+                <a:latin typeface="Arial" charset="0"/>
+                <a:ea typeface="ＭＳ Ｐゴシック" charset="-128"/>
+              </a:defRPr>
+            </a:lvl7pPr>
+            <a:lvl8pPr marL="3429000" indent="-228600" fontAlgn="base">
+              <a:spcBef>
+                <a:spcPct val="20000"/>
+              </a:spcBef>
+              <a:spcAft>
+                <a:spcPct val="0"/>
+              </a:spcAft>
+              <a:buChar char="»"/>
+              <a:defRPr kumimoji="1" sz="2000">
+                <a:solidFill>
+                  <a:schemeClr val="tx1"/>
+                </a:solidFill>
+                <a:latin typeface="Arial" charset="0"/>
+                <a:ea typeface="ＭＳ Ｐゴシック" charset="-128"/>
+              </a:defRPr>
+            </a:lvl8pPr>
+            <a:lvl9pPr marL="3886200" indent="-228600" fontAlgn="base">
+              <a:spcBef>
+                <a:spcPct val="20000"/>
+              </a:spcBef>
+              <a:spcAft>
+                <a:spcPct val="0"/>
+              </a:spcAft>
+              <a:buChar char="»"/>
+              <a:defRPr kumimoji="1" sz="2000">
+                <a:solidFill>
+                  <a:schemeClr val="tx1"/>
+                </a:solidFill>
+                <a:latin typeface="Arial" charset="0"/>
+                <a:ea typeface="ＭＳ Ｐゴシック" charset="-128"/>
+              </a:defRPr>
+            </a:lvl9pPr>
+          </a:lstStyle>
+          <a:p>
+            <a:pPr>
+              <a:spcBef>
+                <a:spcPts val="450"/>
+              </a:spcBef>
+              <a:buClr>
+                <a:srgbClr val="4CB3C0"/>
+              </a:buClr>
+              <a:buFont typeface="Arial" charset="0"/>
+              <a:buChar char="▌"/>
+              <a:defRPr/>
+            </a:pPr>
+            <a:r>
+              <a:rPr lang="ja-JP" altLang="en-US" sz="2000" dirty="0">
+                <a:ea typeface="HGP創英角ｺﾞｼｯｸUB"/>
+              </a:rPr>
+              <a:t>官庁総合運用テスト支援ツール</a:t>
+            </a:r>
+            <a:endParaRPr lang="en-US" altLang="ja-JP" sz="2000" dirty="0">
+              <a:ea typeface="HGP創英角ｺﾞｼｯｸUB"/>
+            </a:endParaRPr>
+          </a:p>
+          <a:p>
+            <a:pPr marL="0" indent="0">
+              <a:spcBef>
+                <a:spcPts val="450"/>
+              </a:spcBef>
+              <a:buClr>
+                <a:srgbClr val="4CB3C0"/>
+              </a:buClr>
+              <a:buNone/>
+              <a:defRPr/>
+            </a:pPr>
+            <a:r>
+              <a:rPr lang="ja-JP" altLang="en-US" sz="1800" dirty="0" smtClean="0">
+                <a:latin typeface="+mj-lt"/>
+                <a:ea typeface="HGP創英角ｺﾞｼｯｸUB"/>
+              </a:rPr>
+              <a:t>　</a:t>
+            </a:r>
+            <a:endParaRPr lang="en-US" altLang="ja-JP" sz="1800" dirty="0">
+              <a:latin typeface="+mj-lt"/>
+              <a:ea typeface="HGP創英角ｺﾞｼｯｸUB"/>
+            </a:endParaRPr>
+          </a:p>
+          <a:p>
+            <a:pPr>
+              <a:spcBef>
+                <a:spcPts val="450"/>
+              </a:spcBef>
+              <a:buClr>
+                <a:srgbClr val="4CB3C0"/>
+              </a:buClr>
+              <a:buFont typeface="Wingdings" panose="05000000000000000000" pitchFamily="2" charset="2"/>
+              <a:buChar char="u"/>
+              <a:defRPr/>
+            </a:pPr>
+            <a:r>
+              <a:rPr lang="ja-JP" altLang="en-US" sz="1800" dirty="0" smtClean="0">
+                <a:latin typeface="+mj-lt"/>
+                <a:ea typeface="HGP創英角ｺﾞｼｯｸUB"/>
+              </a:rPr>
+              <a:t>成果物を最終的にチェックと整理し、顧客に提出。</a:t>
+            </a:r>
+            <a:endParaRPr lang="en-US" altLang="ja-JP" sz="1800" dirty="0" smtClean="0">
+              <a:latin typeface="+mj-lt"/>
+              <a:ea typeface="HGP創英角ｺﾞｼｯｸUB"/>
+            </a:endParaRPr>
+          </a:p>
+          <a:p>
+            <a:pPr>
+              <a:spcBef>
+                <a:spcPts val="450"/>
+              </a:spcBef>
+              <a:buClr>
+                <a:srgbClr val="4CB3C0"/>
+              </a:buClr>
+              <a:buFont typeface="Wingdings" panose="05000000000000000000" pitchFamily="2" charset="2"/>
+              <a:buChar char="u"/>
+              <a:defRPr/>
+            </a:pPr>
+            <a:endParaRPr lang="en-US" altLang="ja-JP" sz="1800" dirty="0">
+              <a:latin typeface="+mj-lt"/>
+              <a:ea typeface="HGP創英角ｺﾞｼｯｸUB"/>
+            </a:endParaRPr>
+          </a:p>
+          <a:p>
+            <a:pPr>
+              <a:spcBef>
+                <a:spcPts val="450"/>
+              </a:spcBef>
+              <a:buClr>
+                <a:srgbClr val="4CB3C0"/>
+              </a:buClr>
+              <a:buFont typeface="Wingdings" panose="05000000000000000000" pitchFamily="2" charset="2"/>
+              <a:buChar char="u"/>
+              <a:defRPr/>
+            </a:pPr>
+            <a:r>
+              <a:rPr lang="ja-JP" altLang="en-US" sz="1800" dirty="0" smtClean="0">
+                <a:latin typeface="+mj-lt"/>
+                <a:ea typeface="HGP創英角ｺﾞｼｯｸUB"/>
+              </a:rPr>
+              <a:t>一番大変なのは、現場の作業と</a:t>
+            </a:r>
+            <a:r>
+              <a:rPr lang="en-US" altLang="ja-JP" sz="1800" dirty="0" smtClean="0">
+                <a:latin typeface="+mj-lt"/>
+                <a:ea typeface="HGP創英角ｺﾞｼｯｸUB"/>
+              </a:rPr>
+              <a:t>NES</a:t>
+            </a:r>
+            <a:r>
+              <a:rPr lang="ja-JP" altLang="en-US" sz="1800" dirty="0" smtClean="0">
+                <a:latin typeface="+mj-lt"/>
+                <a:ea typeface="HGP創英角ｺﾞｼｯｸUB"/>
+              </a:rPr>
+              <a:t>からの質問と社内開発メンバの課題同時殺到したとき、頭がいっぱいだったが、迅速的に切り替える必要があった。</a:t>
+            </a:r>
+            <a:endParaRPr lang="en-US" altLang="ja-JP" sz="1800" dirty="0">
+              <a:latin typeface="+mj-lt"/>
+              <a:ea typeface="HGP創英角ｺﾞｼｯｸUB"/>
+            </a:endParaRPr>
+          </a:p>
+          <a:p>
+            <a:pPr marL="0" indent="0">
+              <a:spcBef>
+                <a:spcPts val="450"/>
+              </a:spcBef>
+              <a:buClr>
+                <a:srgbClr val="4CB3C0"/>
+              </a:buClr>
+              <a:buNone/>
+              <a:defRPr/>
+            </a:pPr>
+            <a:endParaRPr lang="en-US" altLang="ja-JP" sz="1800" dirty="0" smtClean="0">
+              <a:latin typeface="+mj-lt"/>
+              <a:ea typeface="HGP創英角ｺﾞｼｯｸUB"/>
+            </a:endParaRPr>
+          </a:p>
+          <a:p>
+            <a:pPr marL="0" indent="0">
+              <a:spcBef>
+                <a:spcPts val="450"/>
+              </a:spcBef>
+              <a:buClr>
+                <a:srgbClr val="4CB3C0"/>
+              </a:buClr>
+              <a:buNone/>
+              <a:defRPr/>
+            </a:pPr>
+            <a:r>
+              <a:rPr lang="ja-JP" altLang="en-US" sz="1800" dirty="0" smtClean="0">
+                <a:latin typeface="+mj-lt"/>
+                <a:ea typeface="HGP創英角ｺﾞｼｯｸUB"/>
+              </a:rPr>
+              <a:t>　</a:t>
+            </a:r>
+            <a:endParaRPr lang="en-US" altLang="ja-JP" sz="1800" dirty="0">
+              <a:latin typeface="+mj-lt"/>
+              <a:ea typeface="HGP創英角ｺﾞｼｯｸUB"/>
+            </a:endParaRPr>
+          </a:p>
+          <a:p>
+            <a:pPr marL="0" indent="0">
+              <a:spcBef>
+                <a:spcPts val="450"/>
+              </a:spcBef>
+              <a:buClr>
+                <a:srgbClr val="00B4A0"/>
+              </a:buClr>
+              <a:buNone/>
+              <a:defRPr/>
+            </a:pPr>
+            <a:endParaRPr lang="ja-JP" altLang="en-US" sz="1800" dirty="0" smtClean="0">
+              <a:solidFill>
+                <a:srgbClr val="000000"/>
+              </a:solidFill>
+              <a:latin typeface="+mj-lt"/>
+              <a:ea typeface="HGP創英角ｺﾞｼｯｸUB"/>
+            </a:endParaRPr>
           </a:p>
         </p:txBody>
       </p:sp>
       <p:grpSp>
         <p:nvGrpSpPr>
-          <p:cNvPr id="11" name="Group 296">
+          <p:cNvPr id="12" name="Group 296">
             <a:extLst>
               <a:ext uri="{FF2B5EF4-FFF2-40B4-BE49-F238E27FC236}">
-                <a16:creationId xmlns="" xmlns:a16="http://schemas.microsoft.com/office/drawing/2014/main" id="{3842FC64-AB39-42D7-A48C-0FE49F99806C}"/>
+                <a16:creationId xmlns:a16="http://schemas.microsoft.com/office/drawing/2014/main" xmlns="" id="{3842FC64-AB39-42D7-A48C-0FE49F99806C}"/>
               </a:ext>
             </a:extLst>
           </p:cNvPr>
@@ -4660,7 +5533,7 @@
         </p:nvGrpSpPr>
         <p:grpSpPr bwMode="auto">
           <a:xfrm>
-            <a:off x="1214776" y="1036692"/>
+            <a:off x="203150" y="767976"/>
             <a:ext cx="788463" cy="755574"/>
             <a:chOff x="336" y="601"/>
             <a:chExt cx="850" cy="850"/>
@@ -4668,10 +5541,10 @@
         </p:grpSpPr>
         <p:sp>
           <p:nvSpPr>
-            <p:cNvPr id="12" name="Oval 2">
+            <p:cNvPr id="13" name="Oval 2">
               <a:extLst>
                 <a:ext uri="{FF2B5EF4-FFF2-40B4-BE49-F238E27FC236}">
-                  <a16:creationId xmlns="" xmlns:a16="http://schemas.microsoft.com/office/drawing/2014/main" id="{9267EE0A-4BA4-4E94-8745-FFA9A06F71A9}"/>
+                  <a16:creationId xmlns:a16="http://schemas.microsoft.com/office/drawing/2014/main" xmlns="" id="{9267EE0A-4BA4-4E94-8745-FFA9A06F71A9}"/>
                 </a:ext>
               </a:extLst>
             </p:cNvPr>
@@ -4727,10 +5600,10 @@
         </p:sp>
         <p:sp>
           <p:nvSpPr>
-            <p:cNvPr id="13" name="Oval 19">
+            <p:cNvPr id="14" name="Oval 19">
               <a:extLst>
                 <a:ext uri="{FF2B5EF4-FFF2-40B4-BE49-F238E27FC236}">
-                  <a16:creationId xmlns="" xmlns:a16="http://schemas.microsoft.com/office/drawing/2014/main" id="{CC91C93B-224E-47BB-A4B4-F39EF6BD8070}"/>
+                  <a16:creationId xmlns:a16="http://schemas.microsoft.com/office/drawing/2014/main" xmlns="" id="{CC91C93B-224E-47BB-A4B4-F39EF6BD8070}"/>
                 </a:ext>
               </a:extLst>
             </p:cNvPr>
@@ -4800,10 +5673,10 @@
         </p:sp>
         <p:sp>
           <p:nvSpPr>
-            <p:cNvPr id="14" name="Oval 20">
+            <p:cNvPr id="15" name="Oval 20">
               <a:extLst>
                 <a:ext uri="{FF2B5EF4-FFF2-40B4-BE49-F238E27FC236}">
-                  <a16:creationId xmlns="" xmlns:a16="http://schemas.microsoft.com/office/drawing/2014/main" id="{9BD5F5FE-EFD9-4804-9B3B-C6D91AFF363C}"/>
+                  <a16:creationId xmlns:a16="http://schemas.microsoft.com/office/drawing/2014/main" xmlns="" id="{9BD5F5FE-EFD9-4804-9B3B-C6D91AFF363C}"/>
                 </a:ext>
               </a:extLst>
             </p:cNvPr>
@@ -4876,10 +5749,10 @@
         </p:sp>
         <p:grpSp>
           <p:nvGrpSpPr>
-            <p:cNvPr id="15" name="Group 21">
+            <p:cNvPr id="16" name="Group 21">
               <a:extLst>
                 <a:ext uri="{FF2B5EF4-FFF2-40B4-BE49-F238E27FC236}">
-                  <a16:creationId xmlns="" xmlns:a16="http://schemas.microsoft.com/office/drawing/2014/main" id="{7DB5FE9B-6714-4B4D-AB94-45F20F7D5C8E}"/>
+                  <a16:creationId xmlns:a16="http://schemas.microsoft.com/office/drawing/2014/main" xmlns="" id="{7DB5FE9B-6714-4B4D-AB94-45F20F7D5C8E}"/>
                 </a:ext>
               </a:extLst>
             </p:cNvPr>
@@ -4898,10 +5771,10 @@
           </p:grpSpPr>
           <p:sp>
             <p:nvSpPr>
-              <p:cNvPr id="18" name="AutoShape 22">
+              <p:cNvPr id="19" name="AutoShape 22">
                 <a:extLst>
                   <a:ext uri="{FF2B5EF4-FFF2-40B4-BE49-F238E27FC236}">
-                    <a16:creationId xmlns="" xmlns:a16="http://schemas.microsoft.com/office/drawing/2014/main" id="{4E5DF4CC-2B73-45EA-B083-30A68ED1FA2A}"/>
+                    <a16:creationId xmlns:a16="http://schemas.microsoft.com/office/drawing/2014/main" xmlns="" id="{4E5DF4CC-2B73-45EA-B083-30A68ED1FA2A}"/>
                   </a:ext>
                 </a:extLst>
               </p:cNvPr>
@@ -4967,10 +5840,10 @@
           </p:sp>
           <p:sp>
             <p:nvSpPr>
-              <p:cNvPr id="19" name="Freeform 23">
+              <p:cNvPr id="20" name="Freeform 23">
                 <a:extLst>
                   <a:ext uri="{FF2B5EF4-FFF2-40B4-BE49-F238E27FC236}">
-                    <a16:creationId xmlns="" xmlns:a16="http://schemas.microsoft.com/office/drawing/2014/main" id="{A03184C6-4DC0-40F9-A025-A1F34226A187}"/>
+                    <a16:creationId xmlns:a16="http://schemas.microsoft.com/office/drawing/2014/main" xmlns="" id="{A03184C6-4DC0-40F9-A025-A1F34226A187}"/>
                   </a:ext>
                 </a:extLst>
               </p:cNvPr>
@@ -5099,10 +5972,10 @@
         </p:grpSp>
         <p:sp>
           <p:nvSpPr>
-            <p:cNvPr id="16" name="AutoShape 36">
+            <p:cNvPr id="17" name="AutoShape 36">
               <a:extLst>
                 <a:ext uri="{FF2B5EF4-FFF2-40B4-BE49-F238E27FC236}">
-                  <a16:creationId xmlns="" xmlns:a16="http://schemas.microsoft.com/office/drawing/2014/main" id="{C65C2922-0F06-4601-991B-D9188A55C388}"/>
+                  <a16:creationId xmlns:a16="http://schemas.microsoft.com/office/drawing/2014/main" xmlns="" id="{C65C2922-0F06-4601-991B-D9188A55C388}"/>
                 </a:ext>
               </a:extLst>
             </p:cNvPr>
@@ -5274,10 +6147,10 @@
         </p:sp>
         <p:sp>
           <p:nvSpPr>
-            <p:cNvPr id="17" name="AutoShape 37">
+            <p:cNvPr id="18" name="AutoShape 37">
               <a:extLst>
                 <a:ext uri="{FF2B5EF4-FFF2-40B4-BE49-F238E27FC236}">
-                  <a16:creationId xmlns="" xmlns:a16="http://schemas.microsoft.com/office/drawing/2014/main" id="{9028FBF9-F253-4134-8311-3707C3C5DB2F}"/>
+                  <a16:creationId xmlns:a16="http://schemas.microsoft.com/office/drawing/2014/main" xmlns="" id="{9028FBF9-F253-4134-8311-3707C3C5DB2F}"/>
                 </a:ext>
               </a:extLst>
             </p:cNvPr>
@@ -5448,331 +6321,10 @@
           </p:txBody>
         </p:sp>
       </p:grpSp>
-      <p:sp>
-        <p:nvSpPr>
-          <p:cNvPr id="20" name="正方形/長方形 19"/>
-          <p:cNvSpPr/>
-          <p:nvPr/>
-        </p:nvSpPr>
-        <p:spPr bwMode="auto">
-          <a:xfrm>
-            <a:off x="2255547" y="1051322"/>
-            <a:ext cx="4261005" cy="3593830"/>
-          </a:xfrm>
-          <a:prstGeom prst="rect">
-            <a:avLst/>
-          </a:prstGeom>
-          <a:noFill/>
-          <a:ln>
-            <a:solidFill>
-              <a:srgbClr val="C00000"/>
-            </a:solidFill>
-          </a:ln>
-          <a:effectLst/>
-          <a:extLst/>
-        </p:spPr>
-        <p:txBody>
-          <a:bodyPr rot="0" spcFirstLastPara="0" vertOverflow="overflow" horzOverflow="overflow" vert="horz" wrap="square" lIns="91440" tIns="45720" rIns="91440" bIns="45720" numCol="1" spcCol="0" rtlCol="0" fromWordArt="0" anchor="t" anchorCtr="0" forceAA="0" compatLnSpc="1">
-            <a:prstTxWarp prst="textNoShape">
-              <a:avLst/>
-            </a:prstTxWarp>
-            <a:noAutofit/>
-          </a:bodyPr>
-          <a:lstStyle/>
-          <a:p>
-            <a:r>
-              <a:rPr lang="en-US" altLang="ja-JP" dirty="0">
-                <a:solidFill>
-                  <a:srgbClr val="00B050"/>
-                </a:solidFill>
-                <a:latin typeface="+mj-ea"/>
-              </a:rPr>
-              <a:t>【</a:t>
-            </a:r>
-            <a:r>
-              <a:rPr lang="ja-JP" altLang="en-US" dirty="0">
-                <a:solidFill>
-                  <a:srgbClr val="00B050"/>
-                </a:solidFill>
-                <a:latin typeface="+mj-ea"/>
-              </a:rPr>
-              <a:t>官庁総合運用テスト支援ツール</a:t>
-            </a:r>
-            <a:r>
-              <a:rPr lang="en-US" altLang="ja-JP" dirty="0">
-                <a:solidFill>
-                  <a:srgbClr val="00B050"/>
-                </a:solidFill>
-                <a:latin typeface="+mj-ea"/>
-              </a:rPr>
-              <a:t>】</a:t>
-            </a:r>
-          </a:p>
-          <a:p>
-            <a:r>
-              <a:rPr lang="ja-JP" altLang="en-US" dirty="0">
-                <a:solidFill>
-                  <a:srgbClr val="00B050"/>
-                </a:solidFill>
-                <a:latin typeface="+mj-ea"/>
-              </a:rPr>
-              <a:t>社内で２名開発メンバーの</a:t>
-            </a:r>
-            <a:r>
-              <a:rPr lang="ja-JP" altLang="en-US" dirty="0" smtClean="0">
-                <a:solidFill>
-                  <a:srgbClr val="00B050"/>
-                </a:solidFill>
-                <a:latin typeface="+mj-ea"/>
-              </a:rPr>
-              <a:t>リーダー</a:t>
-            </a:r>
-            <a:endParaRPr lang="en-US" altLang="ja-JP" dirty="0" smtClean="0">
-              <a:solidFill>
-                <a:srgbClr val="FF0000"/>
-              </a:solidFill>
-              <a:latin typeface="+mj-ea"/>
-              <a:ea typeface="+mj-ea"/>
-            </a:endParaRPr>
-          </a:p>
-          <a:p>
-            <a:endParaRPr lang="en-US" altLang="ja-JP" dirty="0" smtClean="0">
-              <a:solidFill>
-                <a:srgbClr val="FF0000"/>
-              </a:solidFill>
-              <a:latin typeface="+mj-ea"/>
-              <a:ea typeface="+mj-ea"/>
-            </a:endParaRPr>
-          </a:p>
-          <a:p>
-            <a:pPr marL="285750" indent="-285750">
-              <a:buFont typeface="Arial" panose="020B0604020202020204" pitchFamily="34" charset="0"/>
-              <a:buChar char="•"/>
-            </a:pPr>
-            <a:r>
-              <a:rPr lang="ja-JP" altLang="en-US" dirty="0" smtClean="0">
-                <a:solidFill>
-                  <a:srgbClr val="FF0000"/>
-                </a:solidFill>
-                <a:latin typeface="+mj-ea"/>
-                <a:ea typeface="+mj-ea"/>
-              </a:rPr>
-              <a:t>厳しいスケジュールで、顧客と調整し、二段階納品。</a:t>
-            </a:r>
-            <a:endParaRPr lang="en-US" altLang="ja-JP" dirty="0">
-              <a:solidFill>
-                <a:srgbClr val="FF0000"/>
-              </a:solidFill>
-              <a:latin typeface="+mj-ea"/>
-              <a:ea typeface="+mj-ea"/>
-            </a:endParaRPr>
-          </a:p>
-          <a:p>
-            <a:endParaRPr lang="en-US" altLang="ja-JP" dirty="0">
-              <a:solidFill>
-                <a:srgbClr val="FF0000"/>
-              </a:solidFill>
-              <a:latin typeface="+mj-ea"/>
-              <a:ea typeface="+mj-ea"/>
-            </a:endParaRPr>
-          </a:p>
-          <a:p>
-            <a:pPr marL="285750" indent="-285750">
-              <a:buFont typeface="Arial" panose="020B0604020202020204" pitchFamily="34" charset="0"/>
-              <a:buChar char="•"/>
-            </a:pPr>
-            <a:r>
-              <a:rPr lang="ja-JP" altLang="en-US" dirty="0" smtClean="0">
-                <a:solidFill>
-                  <a:srgbClr val="FF0000"/>
-                </a:solidFill>
-                <a:latin typeface="+mj-ea"/>
-                <a:ea typeface="+mj-ea"/>
-              </a:rPr>
-              <a:t>パートナーさんがメールなどがない</a:t>
-            </a:r>
-            <a:r>
-              <a:rPr lang="ja-JP" altLang="en-US" dirty="0">
-                <a:solidFill>
-                  <a:srgbClr val="FF0000"/>
-                </a:solidFill>
-                <a:latin typeface="+mj-ea"/>
-                <a:ea typeface="+mj-ea"/>
-              </a:rPr>
-              <a:t>ので、</a:t>
-            </a:r>
-            <a:r>
-              <a:rPr lang="en-US" altLang="ja-JP" dirty="0">
-                <a:solidFill>
-                  <a:srgbClr val="FF0000"/>
-                </a:solidFill>
-                <a:latin typeface="+mj-ea"/>
-                <a:ea typeface="+mj-ea"/>
-              </a:rPr>
-              <a:t>WeChat</a:t>
-            </a:r>
-            <a:r>
-              <a:rPr lang="ja-JP" altLang="en-US" dirty="0">
-                <a:solidFill>
-                  <a:srgbClr val="FF0000"/>
-                </a:solidFill>
-                <a:latin typeface="+mj-ea"/>
-                <a:ea typeface="+mj-ea"/>
-              </a:rPr>
-              <a:t>などを活用し、コミュニケーションを取った</a:t>
-            </a:r>
-            <a:r>
-              <a:rPr lang="ja-JP" altLang="en-US" dirty="0" smtClean="0">
-                <a:solidFill>
-                  <a:srgbClr val="FF0000"/>
-                </a:solidFill>
-                <a:latin typeface="+mj-ea"/>
-                <a:ea typeface="+mj-ea"/>
-              </a:rPr>
-              <a:t>。</a:t>
-            </a:r>
-            <a:endParaRPr lang="en-US" altLang="ja-JP" dirty="0" smtClean="0">
-              <a:solidFill>
-                <a:srgbClr val="FF0000"/>
-              </a:solidFill>
-              <a:latin typeface="+mj-ea"/>
-              <a:ea typeface="+mj-ea"/>
-            </a:endParaRPr>
-          </a:p>
-          <a:p>
-            <a:pPr marL="285750" indent="-285750">
-              <a:buFont typeface="Arial" panose="020B0604020202020204" pitchFamily="34" charset="0"/>
-              <a:buChar char="•"/>
-            </a:pPr>
-            <a:endParaRPr lang="en-US" altLang="ja-JP" dirty="0">
-              <a:solidFill>
-                <a:srgbClr val="FF0000"/>
-              </a:solidFill>
-              <a:latin typeface="+mj-ea"/>
-              <a:ea typeface="+mj-ea"/>
-            </a:endParaRPr>
-          </a:p>
-          <a:p>
-            <a:pPr marL="285750" indent="-285750">
-              <a:buFont typeface="Arial" panose="020B0604020202020204" pitchFamily="34" charset="0"/>
-              <a:buChar char="•"/>
-            </a:pPr>
-            <a:r>
-              <a:rPr lang="ja-JP" altLang="en-US" dirty="0" smtClean="0">
-                <a:solidFill>
-                  <a:srgbClr val="FF0000"/>
-                </a:solidFill>
-                <a:latin typeface="+mj-ea"/>
-                <a:ea typeface="+mj-ea"/>
-              </a:rPr>
-              <a:t>成果物を最終的にチェックと整理し、顧客に</a:t>
-            </a:r>
-            <a:r>
-              <a:rPr lang="ja-JP" altLang="en-US" dirty="0">
-                <a:solidFill>
-                  <a:srgbClr val="FF0000"/>
-                </a:solidFill>
-                <a:latin typeface="+mj-ea"/>
-                <a:ea typeface="+mj-ea"/>
-              </a:rPr>
-              <a:t>提出</a:t>
-            </a:r>
-            <a:r>
-              <a:rPr lang="ja-JP" altLang="en-US" dirty="0" smtClean="0">
-                <a:solidFill>
-                  <a:srgbClr val="FF0000"/>
-                </a:solidFill>
-                <a:latin typeface="+mj-ea"/>
-                <a:ea typeface="+mj-ea"/>
-              </a:rPr>
-              <a:t>。</a:t>
-            </a:r>
-            <a:endParaRPr lang="en-US" altLang="ja-JP" dirty="0" smtClean="0">
-              <a:solidFill>
-                <a:srgbClr val="FF0000"/>
-              </a:solidFill>
-              <a:latin typeface="+mj-ea"/>
-              <a:ea typeface="+mj-ea"/>
-            </a:endParaRPr>
-          </a:p>
-          <a:p>
-            <a:endParaRPr lang="en-US" altLang="ja-JP" dirty="0" smtClean="0">
-              <a:solidFill>
-                <a:srgbClr val="FF0000"/>
-              </a:solidFill>
-              <a:latin typeface="+mj-ea"/>
-              <a:ea typeface="+mj-ea"/>
-            </a:endParaRPr>
-          </a:p>
-          <a:p>
-            <a:endParaRPr lang="en-US" altLang="ja-JP" dirty="0">
-              <a:solidFill>
-                <a:srgbClr val="FF0000"/>
-              </a:solidFill>
-              <a:latin typeface="+mj-ea"/>
-              <a:ea typeface="+mj-ea"/>
-            </a:endParaRPr>
-          </a:p>
-          <a:p>
-            <a:endParaRPr lang="en-US" altLang="ja-JP" dirty="0" smtClean="0">
-              <a:solidFill>
-                <a:srgbClr val="FF0000"/>
-              </a:solidFill>
-              <a:latin typeface="+mj-ea"/>
-              <a:ea typeface="+mj-ea"/>
-            </a:endParaRPr>
-          </a:p>
-          <a:p>
-            <a:endParaRPr lang="en-US" altLang="ja-JP" dirty="0" smtClean="0">
-              <a:solidFill>
-                <a:srgbClr val="FF0000"/>
-              </a:solidFill>
-              <a:latin typeface="+mj-ea"/>
-              <a:ea typeface="+mj-ea"/>
-            </a:endParaRPr>
-          </a:p>
-          <a:p>
-            <a:endParaRPr lang="en-US" altLang="ja-JP" dirty="0" smtClean="0">
-              <a:solidFill>
-                <a:srgbClr val="FF0000"/>
-              </a:solidFill>
-              <a:latin typeface="+mj-ea"/>
-              <a:ea typeface="+mj-ea"/>
-            </a:endParaRPr>
-          </a:p>
-          <a:p>
-            <a:endParaRPr lang="en-US" altLang="ja-JP" dirty="0" smtClean="0">
-              <a:solidFill>
-                <a:srgbClr val="FF0000"/>
-              </a:solidFill>
-              <a:latin typeface="+mj-ea"/>
-              <a:ea typeface="+mj-ea"/>
-            </a:endParaRPr>
-          </a:p>
-          <a:p>
-            <a:endParaRPr lang="en-US" altLang="ja-JP" dirty="0" smtClean="0">
-              <a:solidFill>
-                <a:srgbClr val="FF0000"/>
-              </a:solidFill>
-              <a:latin typeface="+mj-ea"/>
-              <a:ea typeface="+mj-ea"/>
-            </a:endParaRPr>
-          </a:p>
-          <a:p>
-            <a:endParaRPr lang="en-US" altLang="ja-JP" dirty="0" smtClean="0">
-              <a:solidFill>
-                <a:srgbClr val="FF0000"/>
-              </a:solidFill>
-              <a:latin typeface="+mj-ea"/>
-              <a:ea typeface="+mj-ea"/>
-            </a:endParaRPr>
-          </a:p>
-        </p:txBody>
-      </p:sp>
     </p:spTree>
     <p:extLst>
       <p:ext uri="{BB962C8B-B14F-4D97-AF65-F5344CB8AC3E}">
-        <p14:creationId xmlns:p14="http://schemas.microsoft.com/office/powerpoint/2010/main" val="3094297179"/>
+        <p14:creationId xmlns:p14="http://schemas.microsoft.com/office/powerpoint/2010/main" val="2480072155"/>
       </p:ext>
     </p:extLst>
   </p:cSld>
@@ -5816,80 +6368,349 @@
             <p:ph type="title"/>
           </p:nvPr>
         </p:nvSpPr>
-        <p:spPr/>
+        <p:spPr>
+          <a:xfrm>
+            <a:off x="35575" y="78780"/>
+            <a:ext cx="6588000" cy="351000"/>
+          </a:xfrm>
+        </p:spPr>
         <p:txBody>
-          <a:bodyPr/>
+          <a:bodyPr>
+            <a:noAutofit/>
+          </a:bodyPr>
           <a:lstStyle/>
           <a:p>
             <a:r>
-              <a:rPr kumimoji="1" lang="ja-JP" altLang="en-US" dirty="0" smtClean="0"/>
+              <a:rPr lang="ja-JP" altLang="en-US" sz="2400" b="1" dirty="0" smtClean="0">
+                <a:ea typeface="HGP創英角ｺﾞｼｯｸUB" panose="020B0900000000000000" pitchFamily="50" charset="-128"/>
+              </a:rPr>
               <a:t>成長</a:t>
             </a:r>
-            <a:endParaRPr kumimoji="1" lang="ja-JP" altLang="en-US" dirty="0"/>
+            <a:endParaRPr lang="ja-JP" altLang="en-US" sz="2400" b="1" dirty="0">
+              <a:ea typeface="HGP創英角ｺﾞｼｯｸUB" panose="020B0900000000000000" pitchFamily="50" charset="-128"/>
+            </a:endParaRPr>
           </a:p>
         </p:txBody>
       </p:sp>
       <p:sp>
         <p:nvSpPr>
-          <p:cNvPr id="3" name="テキスト プレースホルダー 2"/>
-          <p:cNvSpPr>
-            <a:spLocks noGrp="1"/>
+          <p:cNvPr id="5" name="テキスト ボックス 2"/>
+          <p:cNvSpPr txBox="1">
+            <a:spLocks noChangeArrowheads="1"/>
           </p:cNvSpPr>
-          <p:nvPr>
-            <p:ph type="body" sz="quarter" idx="10"/>
-          </p:nvPr>
+          <p:nvPr/>
         </p:nvSpPr>
-        <p:spPr/>
+        <p:spPr bwMode="auto">
+          <a:xfrm>
+            <a:off x="270662" y="846168"/>
+            <a:ext cx="6318674" cy="2010807"/>
+          </a:xfrm>
+          <a:prstGeom prst="rect">
+            <a:avLst/>
+          </a:prstGeom>
+          <a:noFill/>
+          <a:ln>
+            <a:noFill/>
+          </a:ln>
+          <a:extLst>
+            <a:ext uri="{909E8E84-426E-40DD-AFC4-6F175D3DCCD1}">
+              <a14:hiddenFill xmlns:a14="http://schemas.microsoft.com/office/drawing/2010/main">
+                <a:solidFill>
+                  <a:srgbClr val="FFFFFF"/>
+                </a:solidFill>
+              </a14:hiddenFill>
+            </a:ext>
+            <a:ext uri="{91240B29-F687-4F45-9708-019B960494DF}">
+              <a14:hiddenLine xmlns:a14="http://schemas.microsoft.com/office/drawing/2010/main" w="9525">
+                <a:solidFill>
+                  <a:srgbClr val="000000"/>
+                </a:solidFill>
+                <a:miter lim="800000"/>
+                <a:headEnd/>
+                <a:tailEnd/>
+              </a14:hiddenLine>
+            </a:ext>
+          </a:extLst>
+        </p:spPr>
         <p:txBody>
-          <a:bodyPr/>
-          <a:lstStyle/>
-          <a:p>
-            <a:r>
-              <a:rPr lang="ja-JP" altLang="en-US" dirty="0"/>
-              <a:t>技術があり、業務ノウハウの吸収も早い、長年高生産性、高品質的作業対応により</a:t>
-            </a:r>
-            <a:r>
-              <a:rPr lang="en-US" altLang="ja-JP" dirty="0"/>
+          <a:bodyPr wrap="square">
+            <a:spAutoFit/>
+          </a:bodyPr>
+          <a:lstStyle>
+            <a:lvl1pPr marL="174625" indent="-174625">
+              <a:spcBef>
+                <a:spcPct val="20000"/>
+              </a:spcBef>
+              <a:buChar char="•"/>
+              <a:defRPr kumimoji="1" sz="3200">
+                <a:solidFill>
+                  <a:schemeClr val="tx1"/>
+                </a:solidFill>
+                <a:latin typeface="Arial" charset="0"/>
+                <a:ea typeface="ＭＳ Ｐゴシック" charset="-128"/>
+              </a:defRPr>
+            </a:lvl1pPr>
+            <a:lvl2pPr marL="742950" indent="-285750">
+              <a:spcBef>
+                <a:spcPct val="20000"/>
+              </a:spcBef>
+              <a:buChar char="–"/>
+              <a:defRPr kumimoji="1" sz="2800">
+                <a:solidFill>
+                  <a:schemeClr val="tx1"/>
+                </a:solidFill>
+                <a:latin typeface="Arial" charset="0"/>
+                <a:ea typeface="ＭＳ Ｐゴシック" charset="-128"/>
+              </a:defRPr>
+            </a:lvl2pPr>
+            <a:lvl3pPr marL="1143000" indent="-228600">
+              <a:spcBef>
+                <a:spcPct val="20000"/>
+              </a:spcBef>
+              <a:buChar char="•"/>
+              <a:defRPr kumimoji="1" sz="2400">
+                <a:solidFill>
+                  <a:schemeClr val="tx1"/>
+                </a:solidFill>
+                <a:latin typeface="Arial" charset="0"/>
+                <a:ea typeface="ＭＳ Ｐゴシック" charset="-128"/>
+              </a:defRPr>
+            </a:lvl3pPr>
+            <a:lvl4pPr marL="1600200" indent="-228600">
+              <a:spcBef>
+                <a:spcPct val="20000"/>
+              </a:spcBef>
+              <a:buChar char="–"/>
+              <a:defRPr kumimoji="1" sz="2000">
+                <a:solidFill>
+                  <a:schemeClr val="tx1"/>
+                </a:solidFill>
+                <a:latin typeface="Arial" charset="0"/>
+                <a:ea typeface="ＭＳ Ｐゴシック" charset="-128"/>
+              </a:defRPr>
+            </a:lvl4pPr>
+            <a:lvl5pPr marL="2057400" indent="-228600">
+              <a:spcBef>
+                <a:spcPct val="20000"/>
+              </a:spcBef>
+              <a:buChar char="»"/>
+              <a:defRPr kumimoji="1" sz="2000">
+                <a:solidFill>
+                  <a:schemeClr val="tx1"/>
+                </a:solidFill>
+                <a:latin typeface="Arial" charset="0"/>
+                <a:ea typeface="ＭＳ Ｐゴシック" charset="-128"/>
+              </a:defRPr>
+            </a:lvl5pPr>
+            <a:lvl6pPr marL="2514600" indent="-228600" fontAlgn="base">
+              <a:spcBef>
+                <a:spcPct val="20000"/>
+              </a:spcBef>
+              <a:spcAft>
+                <a:spcPct val="0"/>
+              </a:spcAft>
+              <a:buChar char="»"/>
+              <a:defRPr kumimoji="1" sz="2000">
+                <a:solidFill>
+                  <a:schemeClr val="tx1"/>
+                </a:solidFill>
+                <a:latin typeface="Arial" charset="0"/>
+                <a:ea typeface="ＭＳ Ｐゴシック" charset="-128"/>
+              </a:defRPr>
+            </a:lvl6pPr>
+            <a:lvl7pPr marL="2971800" indent="-228600" fontAlgn="base">
+              <a:spcBef>
+                <a:spcPct val="20000"/>
+              </a:spcBef>
+              <a:spcAft>
+                <a:spcPct val="0"/>
+              </a:spcAft>
+              <a:buChar char="»"/>
+              <a:defRPr kumimoji="1" sz="2000">
+                <a:solidFill>
+                  <a:schemeClr val="tx1"/>
+                </a:solidFill>
+                <a:latin typeface="Arial" charset="0"/>
+                <a:ea typeface="ＭＳ Ｐゴシック" charset="-128"/>
+              </a:defRPr>
+            </a:lvl7pPr>
+            <a:lvl8pPr marL="3429000" indent="-228600" fontAlgn="base">
+              <a:spcBef>
+                <a:spcPct val="20000"/>
+              </a:spcBef>
+              <a:spcAft>
+                <a:spcPct val="0"/>
+              </a:spcAft>
+              <a:buChar char="»"/>
+              <a:defRPr kumimoji="1" sz="2000">
+                <a:solidFill>
+                  <a:schemeClr val="tx1"/>
+                </a:solidFill>
+                <a:latin typeface="Arial" charset="0"/>
+                <a:ea typeface="ＭＳ Ｐゴシック" charset="-128"/>
+              </a:defRPr>
+            </a:lvl8pPr>
+            <a:lvl9pPr marL="3886200" indent="-228600" fontAlgn="base">
+              <a:spcBef>
+                <a:spcPct val="20000"/>
+              </a:spcBef>
+              <a:spcAft>
+                <a:spcPct val="0"/>
+              </a:spcAft>
+              <a:buChar char="»"/>
+              <a:defRPr kumimoji="1" sz="2000">
+                <a:solidFill>
+                  <a:schemeClr val="tx1"/>
+                </a:solidFill>
+                <a:latin typeface="Arial" charset="0"/>
+                <a:ea typeface="ＭＳ Ｐゴシック" charset="-128"/>
+              </a:defRPr>
+            </a:lvl9pPr>
+          </a:lstStyle>
+          <a:p>
+            <a:pPr marL="0" indent="0">
+              <a:spcBef>
+                <a:spcPts val="450"/>
+              </a:spcBef>
+              <a:buClr>
+                <a:srgbClr val="4CB3C0"/>
+              </a:buClr>
+              <a:buNone/>
+              <a:defRPr/>
+            </a:pPr>
+            <a:r>
+              <a:rPr lang="ja-JP" altLang="en-US" sz="1800" dirty="0" smtClean="0">
+                <a:latin typeface="+mj-lt"/>
+                <a:ea typeface="HGP創英角ｺﾞｼｯｸUB"/>
+              </a:rPr>
+              <a:t>この一年チームリーダーとして、やってきました。現場の作業調整などマネジメント能力</a:t>
+            </a:r>
+            <a:endParaRPr lang="en-US" altLang="ja-JP" sz="1800" dirty="0" smtClean="0">
+              <a:latin typeface="+mj-lt"/>
+              <a:ea typeface="HGP創英角ｺﾞｼｯｸUB"/>
+            </a:endParaRPr>
+          </a:p>
+          <a:p>
+            <a:pPr marL="0" indent="0">
+              <a:spcBef>
+                <a:spcPts val="450"/>
+              </a:spcBef>
+              <a:buClr>
+                <a:srgbClr val="4CB3C0"/>
+              </a:buClr>
+              <a:buNone/>
+              <a:defRPr/>
+            </a:pPr>
+            <a:r>
+              <a:rPr lang="ja-JP" altLang="en-US" sz="1800" dirty="0" smtClean="0">
+                <a:latin typeface="+mj-lt"/>
+                <a:ea typeface="HGP創英角ｺﾞｼｯｸUB"/>
+              </a:rPr>
+              <a:t>自分の現場以外の業務にも兼務できようになっており。</a:t>
+            </a:r>
+            <a:endParaRPr lang="en-US" altLang="ja-JP" sz="1800" dirty="0" smtClean="0">
+              <a:latin typeface="+mj-lt"/>
+              <a:ea typeface="HGP創英角ｺﾞｼｯｸUB"/>
+            </a:endParaRPr>
+          </a:p>
+          <a:p>
+            <a:pPr marL="0" indent="0">
+              <a:spcBef>
+                <a:spcPts val="450"/>
+              </a:spcBef>
+              <a:buClr>
+                <a:srgbClr val="4CB3C0"/>
+              </a:buClr>
+              <a:buNone/>
+              <a:defRPr/>
+            </a:pPr>
+            <a:r>
+              <a:rPr lang="ja-JP" altLang="en-US" sz="1800" dirty="0" smtClean="0">
+                <a:latin typeface="+mj-lt"/>
+                <a:ea typeface="HGP創英角ｺﾞｼｯｸUB"/>
+              </a:rPr>
+              <a:t>高生産性と高品質的対応により、</a:t>
+            </a:r>
+            <a:r>
+              <a:rPr lang="en-US" altLang="ja-JP" sz="1800" dirty="0" smtClean="0">
+                <a:latin typeface="+mj-lt"/>
+                <a:ea typeface="HGP創英角ｺﾞｼｯｸUB"/>
+              </a:rPr>
               <a:t>NCJ</a:t>
             </a:r>
             <a:r>
-              <a:rPr lang="ja-JP" altLang="en-US" dirty="0"/>
+              <a:rPr lang="ja-JP" altLang="en-US" sz="1800" dirty="0" smtClean="0">
+                <a:latin typeface="+mj-lt"/>
+                <a:ea typeface="HGP創英角ｺﾞｼｯｸUB"/>
+              </a:rPr>
               <a:t>の評価に繋がった。</a:t>
             </a:r>
-          </a:p>
-          <a:p>
-            <a:r>
-              <a:rPr lang="ja-JP" altLang="en-US" dirty="0"/>
-              <a:t>この一年チームリーダーとしての現場作業調整等マネジメント能力も備えており、</a:t>
-            </a:r>
-          </a:p>
-          <a:p>
-            <a:r>
-              <a:rPr lang="ja-JP" altLang="en-US" dirty="0"/>
-              <a:t>自分現場以外の業務にも兼務できるようになっており、</a:t>
-            </a:r>
-            <a:r>
-              <a:rPr lang="en-US" altLang="ja-JP" dirty="0"/>
-              <a:t>NCJ</a:t>
-            </a:r>
-            <a:r>
-              <a:rPr lang="ja-JP" altLang="en-US" dirty="0"/>
-              <a:t>の業務拡大、現場開拓に力になっている。</a:t>
-            </a:r>
-            <a:endParaRPr kumimoji="1" lang="ja-JP" altLang="en-US" dirty="0"/>
+            <a:endParaRPr lang="en-US" altLang="ja-JP" sz="1800" dirty="0" smtClean="0">
+              <a:latin typeface="+mj-lt"/>
+              <a:ea typeface="HGP創英角ｺﾞｼｯｸUB"/>
+            </a:endParaRPr>
+          </a:p>
+          <a:p>
+            <a:pPr marL="0" indent="0">
+              <a:spcBef>
+                <a:spcPts val="450"/>
+              </a:spcBef>
+              <a:buClr>
+                <a:srgbClr val="4CB3C0"/>
+              </a:buClr>
+              <a:buNone/>
+              <a:defRPr/>
+            </a:pPr>
+            <a:r>
+              <a:rPr lang="ja-JP" altLang="en-US" sz="1800" dirty="0" smtClean="0">
+                <a:latin typeface="+mj-lt"/>
+                <a:ea typeface="HGP創英角ｺﾞｼｯｸUB"/>
+              </a:rPr>
+              <a:t>　</a:t>
+            </a:r>
+            <a:endParaRPr lang="en-US" altLang="ja-JP" sz="1800" dirty="0">
+              <a:latin typeface="+mj-lt"/>
+              <a:ea typeface="HGP創英角ｺﾞｼｯｸUB"/>
+            </a:endParaRPr>
+          </a:p>
+          <a:p>
+            <a:pPr marL="0" indent="0">
+              <a:spcBef>
+                <a:spcPts val="450"/>
+              </a:spcBef>
+              <a:buClr>
+                <a:srgbClr val="00B4A0"/>
+              </a:buClr>
+              <a:buNone/>
+              <a:defRPr/>
+            </a:pPr>
+            <a:endParaRPr lang="ja-JP" altLang="en-US" sz="1800" dirty="0" smtClean="0">
+              <a:solidFill>
+                <a:srgbClr val="000000"/>
+              </a:solidFill>
+              <a:latin typeface="+mj-lt"/>
+              <a:ea typeface="HGP創英角ｺﾞｼｯｸUB"/>
+            </a:endParaRPr>
           </a:p>
         </p:txBody>
       </p:sp>
     </p:spTree>
     <p:extLst>
       <p:ext uri="{BB962C8B-B14F-4D97-AF65-F5344CB8AC3E}">
-        <p14:creationId xmlns:p14="http://schemas.microsoft.com/office/powerpoint/2010/main" val="3672819245"/>
+        <p14:creationId xmlns:p14="http://schemas.microsoft.com/office/powerpoint/2010/main" val="2387971730"/>
       </p:ext>
     </p:extLst>
   </p:cSld>
   <p:clrMapOvr>
     <a:masterClrMapping/>
   </p:clrMapOvr>
+  <p:timing>
+    <p:tnLst>
+      <p:par>
+        <p:cTn id="1" dur="indefinite" restart="never" nodeType="tmRoot"/>
+      </p:par>
+    </p:tnLst>
+  </p:timing>
 </p:sld>
 </file>
 
@@ -5922,158 +6743,282 @@
         </p:nvSpPr>
         <p:spPr>
           <a:xfrm>
-            <a:off x="1052735" y="389395"/>
-            <a:ext cx="5670000" cy="405683"/>
+            <a:off x="35575" y="78780"/>
+            <a:ext cx="6588000" cy="351000"/>
           </a:xfrm>
         </p:spPr>
         <p:txBody>
-          <a:bodyPr/>
+          <a:bodyPr>
+            <a:noAutofit/>
+          </a:bodyPr>
           <a:lstStyle/>
           <a:p>
             <a:r>
-              <a:rPr kumimoji="1" lang="ja-JP" altLang="en-US" sz="2400" dirty="0" smtClean="0">
-                <a:solidFill>
-                  <a:srgbClr val="00B0F0"/>
-                </a:solidFill>
+              <a:rPr lang="ja-JP" altLang="en-US" sz="2400" b="1" dirty="0" smtClean="0">
+                <a:ea typeface="HGP創英角ｺﾞｼｯｸUB" panose="020B0900000000000000" pitchFamily="50" charset="-128"/>
               </a:rPr>
-              <a:t>これから</a:t>
-            </a:r>
-            <a:endParaRPr kumimoji="1" lang="ja-JP" altLang="en-US" sz="2400" dirty="0">
-              <a:solidFill>
-                <a:srgbClr val="00B0F0"/>
-              </a:solidFill>
+              <a:t>今後の目標</a:t>
+            </a:r>
+            <a:endParaRPr lang="ja-JP" altLang="en-US" sz="2400" b="1" dirty="0">
+              <a:ea typeface="HGP創英角ｺﾞｼｯｸUB" panose="020B0900000000000000" pitchFamily="50" charset="-128"/>
             </a:endParaRPr>
           </a:p>
         </p:txBody>
       </p:sp>
       <p:sp>
         <p:nvSpPr>
-          <p:cNvPr id="3" name="テキスト プレースホルダー 2"/>
-          <p:cNvSpPr>
-            <a:spLocks noGrp="1"/>
+          <p:cNvPr id="5" name="テキスト ボックス 2"/>
+          <p:cNvSpPr txBox="1">
+            <a:spLocks noChangeArrowheads="1"/>
           </p:cNvSpPr>
-          <p:nvPr>
-            <p:ph type="body" sz="quarter" idx="10"/>
-          </p:nvPr>
+          <p:nvPr/>
         </p:nvSpPr>
-        <p:spPr/>
+        <p:spPr bwMode="auto">
+          <a:xfrm>
+            <a:off x="270662" y="846168"/>
+            <a:ext cx="6318674" cy="1882567"/>
+          </a:xfrm>
+          <a:prstGeom prst="rect">
+            <a:avLst/>
+          </a:prstGeom>
+          <a:noFill/>
+          <a:ln>
+            <a:noFill/>
+          </a:ln>
+          <a:extLst>
+            <a:ext uri="{909E8E84-426E-40DD-AFC4-6F175D3DCCD1}">
+              <a14:hiddenFill xmlns:a14="http://schemas.microsoft.com/office/drawing/2010/main">
+                <a:solidFill>
+                  <a:srgbClr val="FFFFFF"/>
+                </a:solidFill>
+              </a14:hiddenFill>
+            </a:ext>
+            <a:ext uri="{91240B29-F687-4F45-9708-019B960494DF}">
+              <a14:hiddenLine xmlns:a14="http://schemas.microsoft.com/office/drawing/2010/main" w="9525">
+                <a:solidFill>
+                  <a:srgbClr val="000000"/>
+                </a:solidFill>
+                <a:miter lim="800000"/>
+                <a:headEnd/>
+                <a:tailEnd/>
+              </a14:hiddenLine>
+            </a:ext>
+          </a:extLst>
+        </p:spPr>
         <p:txBody>
-          <a:bodyPr/>
-          <a:lstStyle/>
-          <a:p>
-            <a:r>
-              <a:rPr kumimoji="1" lang="ja-JP" altLang="en-US" sz="1800" b="1" dirty="0" smtClean="0">
-                <a:solidFill>
-                  <a:srgbClr val="0000CC"/>
-                </a:solidFill>
-              </a:rPr>
-              <a:t>・</a:t>
-            </a:r>
-            <a:r>
-              <a:rPr kumimoji="1" lang="en-US" altLang="ja-JP" sz="1800" b="1" dirty="0" smtClean="0">
-                <a:solidFill>
-                  <a:srgbClr val="0000CC"/>
-                </a:solidFill>
+          <a:bodyPr wrap="square">
+            <a:spAutoFit/>
+          </a:bodyPr>
+          <a:lstStyle>
+            <a:lvl1pPr marL="174625" indent="-174625">
+              <a:spcBef>
+                <a:spcPct val="20000"/>
+              </a:spcBef>
+              <a:buChar char="•"/>
+              <a:defRPr kumimoji="1" sz="3200">
+                <a:solidFill>
+                  <a:schemeClr val="tx1"/>
+                </a:solidFill>
+                <a:latin typeface="Arial" charset="0"/>
+                <a:ea typeface="ＭＳ Ｐゴシック" charset="-128"/>
+              </a:defRPr>
+            </a:lvl1pPr>
+            <a:lvl2pPr marL="742950" indent="-285750">
+              <a:spcBef>
+                <a:spcPct val="20000"/>
+              </a:spcBef>
+              <a:buChar char="–"/>
+              <a:defRPr kumimoji="1" sz="2800">
+                <a:solidFill>
+                  <a:schemeClr val="tx1"/>
+                </a:solidFill>
+                <a:latin typeface="Arial" charset="0"/>
+                <a:ea typeface="ＭＳ Ｐゴシック" charset="-128"/>
+              </a:defRPr>
+            </a:lvl2pPr>
+            <a:lvl3pPr marL="1143000" indent="-228600">
+              <a:spcBef>
+                <a:spcPct val="20000"/>
+              </a:spcBef>
+              <a:buChar char="•"/>
+              <a:defRPr kumimoji="1" sz="2400">
+                <a:solidFill>
+                  <a:schemeClr val="tx1"/>
+                </a:solidFill>
+                <a:latin typeface="Arial" charset="0"/>
+                <a:ea typeface="ＭＳ Ｐゴシック" charset="-128"/>
+              </a:defRPr>
+            </a:lvl3pPr>
+            <a:lvl4pPr marL="1600200" indent="-228600">
+              <a:spcBef>
+                <a:spcPct val="20000"/>
+              </a:spcBef>
+              <a:buChar char="–"/>
+              <a:defRPr kumimoji="1" sz="2000">
+                <a:solidFill>
+                  <a:schemeClr val="tx1"/>
+                </a:solidFill>
+                <a:latin typeface="Arial" charset="0"/>
+                <a:ea typeface="ＭＳ Ｐゴシック" charset="-128"/>
+              </a:defRPr>
+            </a:lvl4pPr>
+            <a:lvl5pPr marL="2057400" indent="-228600">
+              <a:spcBef>
+                <a:spcPct val="20000"/>
+              </a:spcBef>
+              <a:buChar char="»"/>
+              <a:defRPr kumimoji="1" sz="2000">
+                <a:solidFill>
+                  <a:schemeClr val="tx1"/>
+                </a:solidFill>
+                <a:latin typeface="Arial" charset="0"/>
+                <a:ea typeface="ＭＳ Ｐゴシック" charset="-128"/>
+              </a:defRPr>
+            </a:lvl5pPr>
+            <a:lvl6pPr marL="2514600" indent="-228600" fontAlgn="base">
+              <a:spcBef>
+                <a:spcPct val="20000"/>
+              </a:spcBef>
+              <a:spcAft>
+                <a:spcPct val="0"/>
+              </a:spcAft>
+              <a:buChar char="»"/>
+              <a:defRPr kumimoji="1" sz="2000">
+                <a:solidFill>
+                  <a:schemeClr val="tx1"/>
+                </a:solidFill>
+                <a:latin typeface="Arial" charset="0"/>
+                <a:ea typeface="ＭＳ Ｐゴシック" charset="-128"/>
+              </a:defRPr>
+            </a:lvl6pPr>
+            <a:lvl7pPr marL="2971800" indent="-228600" fontAlgn="base">
+              <a:spcBef>
+                <a:spcPct val="20000"/>
+              </a:spcBef>
+              <a:spcAft>
+                <a:spcPct val="0"/>
+              </a:spcAft>
+              <a:buChar char="»"/>
+              <a:defRPr kumimoji="1" sz="2000">
+                <a:solidFill>
+                  <a:schemeClr val="tx1"/>
+                </a:solidFill>
+                <a:latin typeface="Arial" charset="0"/>
+                <a:ea typeface="ＭＳ Ｐゴシック" charset="-128"/>
+              </a:defRPr>
+            </a:lvl7pPr>
+            <a:lvl8pPr marL="3429000" indent="-228600" fontAlgn="base">
+              <a:spcBef>
+                <a:spcPct val="20000"/>
+              </a:spcBef>
+              <a:spcAft>
+                <a:spcPct val="0"/>
+              </a:spcAft>
+              <a:buChar char="»"/>
+              <a:defRPr kumimoji="1" sz="2000">
+                <a:solidFill>
+                  <a:schemeClr val="tx1"/>
+                </a:solidFill>
+                <a:latin typeface="Arial" charset="0"/>
+                <a:ea typeface="ＭＳ Ｐゴシック" charset="-128"/>
+              </a:defRPr>
+            </a:lvl8pPr>
+            <a:lvl9pPr marL="3886200" indent="-228600" fontAlgn="base">
+              <a:spcBef>
+                <a:spcPct val="20000"/>
+              </a:spcBef>
+              <a:spcAft>
+                <a:spcPct val="0"/>
+              </a:spcAft>
+              <a:buChar char="»"/>
+              <a:defRPr kumimoji="1" sz="2000">
+                <a:solidFill>
+                  <a:schemeClr val="tx1"/>
+                </a:solidFill>
+                <a:latin typeface="Arial" charset="0"/>
+                <a:ea typeface="ＭＳ Ｐゴシック" charset="-128"/>
+              </a:defRPr>
+            </a:lvl9pPr>
+          </a:lstStyle>
+          <a:p>
+            <a:pPr>
+              <a:spcBef>
+                <a:spcPts val="450"/>
+              </a:spcBef>
+              <a:buClr>
+                <a:srgbClr val="4CB3C0"/>
+              </a:buClr>
+              <a:buFont typeface="Wingdings" panose="05000000000000000000" pitchFamily="2" charset="2"/>
+              <a:buChar char="Ø"/>
+              <a:defRPr/>
+            </a:pPr>
+            <a:r>
+              <a:rPr lang="en-US" altLang="ja-JP" sz="1800" dirty="0" smtClean="0">
+                <a:latin typeface="+mj-lt"/>
+                <a:ea typeface="HGP創英角ｺﾞｼｯｸUB"/>
               </a:rPr>
               <a:t>CRM</a:t>
             </a:r>
             <a:r>
-              <a:rPr kumimoji="1" lang="ja-JP" altLang="en-US" sz="1800" b="1" dirty="0" smtClean="0">
-                <a:solidFill>
-                  <a:srgbClr val="0000CC"/>
-                </a:solidFill>
+              <a:rPr lang="ja-JP" altLang="en-US" sz="1800" dirty="0" smtClean="0">
+                <a:latin typeface="+mj-lt"/>
+                <a:ea typeface="HGP創英角ｺﾞｼｯｸUB"/>
               </a:rPr>
-              <a:t>で育て来た技術力とマネジメント力を生かして、２</a:t>
-            </a:r>
-            <a:r>
-              <a:rPr lang="ja-JP" altLang="en-US" sz="1800" b="1" dirty="0" smtClean="0">
-                <a:solidFill>
-                  <a:srgbClr val="0000CC"/>
-                </a:solidFill>
+              <a:t>や社内請負作業で育てきた技術力とマネジメント力を生かして、会社の業務拡大には、新現場に一歩踏み込んで、現場開拓に力を注力する。</a:t>
+            </a:r>
+            <a:endParaRPr lang="en-US" altLang="ja-JP" sz="1800" dirty="0" smtClean="0">
+              <a:latin typeface="+mj-lt"/>
+              <a:ea typeface="HGP創英角ｺﾞｼｯｸUB"/>
+            </a:endParaRPr>
+          </a:p>
+          <a:p>
+            <a:pPr>
+              <a:spcBef>
+                <a:spcPts val="450"/>
+              </a:spcBef>
+              <a:buClr>
+                <a:srgbClr val="4CB3C0"/>
+              </a:buClr>
+              <a:buFont typeface="Wingdings" panose="05000000000000000000" pitchFamily="2" charset="2"/>
+              <a:buChar char="Ø"/>
+              <a:defRPr/>
+            </a:pPr>
+            <a:endParaRPr lang="en-US" altLang="ja-JP" sz="1800" dirty="0">
+              <a:solidFill>
+                <a:srgbClr val="000000"/>
+              </a:solidFill>
+              <a:latin typeface="+mj-lt"/>
+              <a:ea typeface="HGP創英角ｺﾞｼｯｸUB"/>
+            </a:endParaRPr>
+          </a:p>
+          <a:p>
+            <a:pPr>
+              <a:spcBef>
+                <a:spcPts val="450"/>
+              </a:spcBef>
+              <a:buClr>
+                <a:srgbClr val="4CB3C0"/>
+              </a:buClr>
+              <a:buFont typeface="Wingdings" panose="05000000000000000000" pitchFamily="2" charset="2"/>
+              <a:buChar char="Ø"/>
+              <a:defRPr/>
+            </a:pPr>
+            <a:r>
+              <a:rPr lang="ja-JP" altLang="en-US" sz="1800" dirty="0" smtClean="0">
+                <a:solidFill>
+                  <a:srgbClr val="000000"/>
+                </a:solidFill>
+                <a:latin typeface="+mj-lt"/>
+                <a:ea typeface="HGP創英角ｺﾞｼｯｸUB"/>
               </a:rPr>
-              <a:t>、３人のチームリーダーになって</a:t>
-            </a:r>
-            <a:r>
-              <a:rPr kumimoji="1" lang="ja-JP" altLang="en-US" sz="1800" b="1" dirty="0" smtClean="0">
-                <a:solidFill>
-                  <a:srgbClr val="0000CC"/>
-                </a:solidFill>
-              </a:rPr>
-              <a:t>、</a:t>
-            </a:r>
-            <a:r>
-              <a:rPr lang="ja-JP" altLang="en-US" sz="1800" b="1" dirty="0">
-                <a:solidFill>
-                  <a:srgbClr val="0000CC"/>
-                </a:solidFill>
-              </a:rPr>
-              <a:t>会社</a:t>
-            </a:r>
-            <a:r>
-              <a:rPr kumimoji="1" lang="ja-JP" altLang="en-US" sz="1800" b="1" dirty="0" smtClean="0">
-                <a:solidFill>
-                  <a:srgbClr val="0000CC"/>
-                </a:solidFill>
-              </a:rPr>
-              <a:t>に今まで、また携わってない領域に一歩を踏み込んで、現場開拓に注力する。</a:t>
-            </a:r>
-            <a:endParaRPr lang="en-US" altLang="zh-CN" sz="1800" dirty="0">
+              <a:t>アジャイル開発の新しい手法による請負にもチャレンジし、社内開発への会社方針実現に注力する。</a:t>
+            </a:r>
+            <a:endParaRPr lang="ja-JP" altLang="en-US" sz="1800" dirty="0" smtClean="0">
               <a:solidFill>
-                <a:srgbClr val="0000CC"/>
+                <a:srgbClr val="000000"/>
               </a:solidFill>
-            </a:endParaRPr>
-          </a:p>
-          <a:p>
-            <a:endParaRPr lang="en-US" altLang="zh-CN" sz="1800" dirty="0">
-              <a:solidFill>
-                <a:srgbClr val="0000CC"/>
-              </a:solidFill>
-            </a:endParaRPr>
-          </a:p>
-          <a:p>
-            <a:r>
-              <a:rPr kumimoji="1" lang="ja-JP" altLang="en-US" sz="1800" b="1" dirty="0" smtClean="0">
-                <a:solidFill>
-                  <a:srgbClr val="0000CC"/>
-                </a:solidFill>
-              </a:rPr>
-              <a:t>・アジャイルなどの新しい手法による請負にもチャレンジし、</a:t>
-            </a:r>
-            <a:r>
-              <a:rPr lang="ja-JP" altLang="en-US" sz="1800" b="1" dirty="0" smtClean="0">
-                <a:solidFill>
-                  <a:srgbClr val="0000CC"/>
-                </a:solidFill>
-              </a:rPr>
-              <a:t>社内開発への会社方針実現に</a:t>
-            </a:r>
-            <a:r>
-              <a:rPr lang="ja-JP" altLang="en-US" sz="1800" b="1" dirty="0">
-                <a:solidFill>
-                  <a:srgbClr val="0000CC"/>
-                </a:solidFill>
-              </a:rPr>
-              <a:t>注力する</a:t>
-            </a:r>
-            <a:r>
-              <a:rPr lang="ja-JP" altLang="en-US" sz="1800" b="1" dirty="0" smtClean="0">
-                <a:solidFill>
-                  <a:srgbClr val="0000CC"/>
-                </a:solidFill>
-              </a:rPr>
-              <a:t>。</a:t>
-            </a:r>
-            <a:endParaRPr lang="en-US" altLang="ja-JP" sz="1800" b="1" dirty="0" smtClean="0">
-              <a:solidFill>
-                <a:srgbClr val="0000CC"/>
-              </a:solidFill>
-            </a:endParaRPr>
-          </a:p>
-          <a:p>
-            <a:endParaRPr lang="en-US" altLang="zh-CN" sz="1800" dirty="0">
-              <a:solidFill>
-                <a:srgbClr val="0000CC"/>
-              </a:solidFill>
+              <a:latin typeface="+mj-lt"/>
+              <a:ea typeface="HGP創英角ｺﾞｼｯｸUB"/>
             </a:endParaRPr>
           </a:p>
         </p:txBody>
@@ -6081,7 +7026,7 @@
     </p:spTree>
     <p:extLst>
       <p:ext uri="{BB962C8B-B14F-4D97-AF65-F5344CB8AC3E}">
-        <p14:creationId xmlns:p14="http://schemas.microsoft.com/office/powerpoint/2010/main" val="1945258717"/>
+        <p14:creationId xmlns:p14="http://schemas.microsoft.com/office/powerpoint/2010/main" val="2297613245"/>
       </p:ext>
     </p:extLst>
   </p:cSld>
@@ -6472,14 +7417,21 @@
                 <a:latin typeface="+mn-ea"/>
                 <a:ea typeface="+mn-ea"/>
               </a:rPr>
-              <a:t>２</a:t>
+              <a:t>４</a:t>
             </a:r>
             <a:r>
               <a:rPr lang="ja-JP" altLang="en-US" sz="1600" dirty="0" smtClean="0">
                 <a:latin typeface="+mn-ea"/>
                 <a:ea typeface="+mn-ea"/>
               </a:rPr>
-              <a:t>．進化の自分</a:t>
+              <a:t>．</a:t>
+            </a:r>
+            <a:r>
+              <a:rPr lang="ja-JP" altLang="en-US" sz="1600" dirty="0" smtClean="0">
+                <a:latin typeface="+mn-ea"/>
+                <a:ea typeface="+mn-ea"/>
+              </a:rPr>
+              <a:t>進化の自分</a:t>
             </a:r>
             <a:r>
               <a:rPr lang="en-US" altLang="ja-JP" sz="1600" dirty="0" smtClean="0">
@@ -6607,11 +7559,25 @@
               <a:buNone/>
             </a:pPr>
             <a:r>
+              <a:rPr lang="ja-JP" altLang="en-US" sz="1600" dirty="0">
+                <a:latin typeface="+mn-ea"/>
+                <a:ea typeface="+mn-ea"/>
+              </a:rPr>
+              <a:t>５</a:t>
+            </a:r>
+            <a:r>
               <a:rPr lang="ja-JP" altLang="en-US" sz="1600" dirty="0" smtClean="0">
                 <a:latin typeface="+mn-ea"/>
                 <a:ea typeface="+mn-ea"/>
               </a:rPr>
-              <a:t>９．これから</a:t>
+              <a:t>．</a:t>
+            </a:r>
+            <a:r>
+              <a:rPr lang="ja-JP" altLang="en-US" sz="1600" dirty="0" smtClean="0">
+                <a:latin typeface="+mn-ea"/>
+                <a:ea typeface="+mn-ea"/>
+              </a:rPr>
+              <a:t>これから</a:t>
             </a:r>
             <a:endParaRPr lang="en-US" altLang="ja-JP" sz="1400" dirty="0">
               <a:latin typeface="+mn-ea"/>
@@ -6755,8 +7721,8 @@
         </p:nvSpPr>
         <p:spPr bwMode="auto">
           <a:xfrm>
-            <a:off x="270620" y="814995"/>
-            <a:ext cx="6318716" cy="3985706"/>
+            <a:off x="270620" y="1041762"/>
+            <a:ext cx="6318716" cy="3434273"/>
           </a:xfrm>
           <a:prstGeom prst="rect">
             <a:avLst/>
@@ -6933,7 +7899,7 @@
               <a:defRPr/>
             </a:pPr>
             <a:r>
-              <a:rPr lang="ja-JP" altLang="en-US" sz="2800" dirty="0" smtClean="0">
+              <a:rPr lang="ja-JP" altLang="en-US" sz="2400" dirty="0" smtClean="0">
                 <a:solidFill>
                   <a:srgbClr val="000000"/>
                 </a:solidFill>
@@ -6942,6 +7908,25 @@
               </a:rPr>
               <a:t>会社のイベントを積極的に参加し、コンミュニケーション力と認知度を高め、人脈を広げる。</a:t>
             </a:r>
+            <a:endParaRPr lang="en-US" altLang="ja-JP" sz="2400" dirty="0" smtClean="0">
+              <a:solidFill>
+                <a:srgbClr val="000000"/>
+              </a:solidFill>
+              <a:latin typeface="+mj-lt"/>
+              <a:ea typeface="HGP創英角ｺﾞｼｯｸUB"/>
+            </a:endParaRPr>
+          </a:p>
+          <a:p>
+            <a:pPr marL="0" indent="0">
+              <a:spcBef>
+                <a:spcPts val="450"/>
+              </a:spcBef>
+              <a:buClr>
+                <a:srgbClr val="00B4A0"/>
+              </a:buClr>
+              <a:buNone/>
+              <a:defRPr/>
+            </a:pPr>
             <a:endParaRPr lang="en-US" altLang="ja-JP" sz="2800" dirty="0" smtClean="0">
               <a:solidFill>
                 <a:srgbClr val="000000"/>
@@ -6982,16 +7967,26 @@
               <a:defRPr/>
             </a:pPr>
             <a:r>
-              <a:rPr lang="ja-JP" altLang="en-US" sz="2800" dirty="0" smtClean="0">
+              <a:rPr lang="ja-JP" altLang="en-US" sz="2400" dirty="0" smtClean="0">
                 <a:solidFill>
                   <a:srgbClr val="000000"/>
                 </a:solidFill>
                 <a:latin typeface="+mj-lt"/>
                 <a:ea typeface="HGP創英角ｺﾞｼｯｸUB"/>
               </a:rPr>
-              <a:t>チームリーダになって、マネジメント力を高める。</a:t>
-            </a:r>
-            <a:endParaRPr lang="en-US" altLang="ja-JP" sz="2800" dirty="0" smtClean="0">
+              <a:t>チームリーダーに</a:t>
+            </a:r>
+            <a:r>
+              <a:rPr lang="ja-JP" altLang="en-US" sz="2400" dirty="0" smtClean="0">
+                <a:solidFill>
+                  <a:srgbClr val="000000"/>
+                </a:solidFill>
+                <a:latin typeface="+mj-lt"/>
+                <a:ea typeface="HGP創英角ｺﾞｼｯｸUB"/>
+              </a:rPr>
+              <a:t>なって、マネジメント力を高める。</a:t>
+            </a:r>
+            <a:endParaRPr lang="en-US" altLang="ja-JP" sz="2400" dirty="0" smtClean="0">
               <a:solidFill>
                 <a:srgbClr val="000000"/>
               </a:solidFill>
@@ -7406,31 +8401,7 @@
                 <a:latin typeface="+mj-lt"/>
                 <a:ea typeface="HGP創英角ｺﾞｼｯｸUB"/>
               </a:rPr>
-              <a:t>自分の作業を優先し、定時</a:t>
-            </a:r>
-            <a:r>
-              <a:rPr lang="ja-JP" altLang="en-US" sz="2800" dirty="0" smtClean="0">
-                <a:solidFill>
-                  <a:schemeClr val="bg1">
-                    <a:lumMod val="50000"/>
-                  </a:schemeClr>
-                </a:solidFill>
-                <a:latin typeface="+mj-lt"/>
-                <a:ea typeface="HGP創英角ｺﾞｼｯｸUB"/>
-              </a:rPr>
-              <a:t>ダッシュ。</a:t>
-            </a:r>
-            <a:r>
-              <a:rPr lang="ja-JP" altLang="en-US" sz="2800" dirty="0" smtClean="0">
-                <a:solidFill>
-                  <a:schemeClr val="bg1">
-                    <a:lumMod val="50000"/>
-                  </a:schemeClr>
-                </a:solidFill>
-                <a:latin typeface="+mj-lt"/>
-                <a:ea typeface="HGP創英角ｺﾞｼｯｸUB"/>
-              </a:rPr>
-              <a:t>技術しか興味持ってなかった。</a:t>
+              <a:t>自分の作業を優先し、定時ダッシュ。技術しか興味持ってなかった。</a:t>
             </a:r>
             <a:endParaRPr lang="en-US" altLang="ja-JP" sz="1500" dirty="0">
               <a:solidFill>
@@ -7507,7 +8478,7 @@
           <p:cNvPr id="4" name="Group 293">
             <a:extLst>
               <a:ext uri="{FF2B5EF4-FFF2-40B4-BE49-F238E27FC236}">
-                <a16:creationId xmlns="" xmlns:a16="http://schemas.microsoft.com/office/drawing/2014/main" id="{FFC370BA-08BF-4CCE-A67B-D347FD899DBA}"/>
+                <a16:creationId xmlns:a16="http://schemas.microsoft.com/office/drawing/2014/main" xmlns="" id="{FFC370BA-08BF-4CCE-A67B-D347FD899DBA}"/>
               </a:ext>
             </a:extLst>
           </p:cNvPr>
@@ -7529,7 +8500,7 @@
             <p:cNvPr id="6" name="Oval 50">
               <a:extLst>
                 <a:ext uri="{FF2B5EF4-FFF2-40B4-BE49-F238E27FC236}">
-                  <a16:creationId xmlns="" xmlns:a16="http://schemas.microsoft.com/office/drawing/2014/main" id="{A9838AB5-C094-4377-A802-21CD3E317274}"/>
+                  <a16:creationId xmlns:a16="http://schemas.microsoft.com/office/drawing/2014/main" xmlns="" id="{A9838AB5-C094-4377-A802-21CD3E317274}"/>
                 </a:ext>
               </a:extLst>
             </p:cNvPr>
@@ -7588,7 +8559,7 @@
             <p:cNvPr id="7" name="Oval 51">
               <a:extLst>
                 <a:ext uri="{FF2B5EF4-FFF2-40B4-BE49-F238E27FC236}">
-                  <a16:creationId xmlns="" xmlns:a16="http://schemas.microsoft.com/office/drawing/2014/main" id="{DD6D435C-0F60-4629-BD94-54821F2DE884}"/>
+                  <a16:creationId xmlns:a16="http://schemas.microsoft.com/office/drawing/2014/main" xmlns="" id="{DD6D435C-0F60-4629-BD94-54821F2DE884}"/>
                 </a:ext>
               </a:extLst>
             </p:cNvPr>
@@ -7661,7 +8632,7 @@
             <p:cNvPr id="8" name="Oval 52">
               <a:extLst>
                 <a:ext uri="{FF2B5EF4-FFF2-40B4-BE49-F238E27FC236}">
-                  <a16:creationId xmlns="" xmlns:a16="http://schemas.microsoft.com/office/drawing/2014/main" id="{2FF6B54B-606C-4B88-AD79-E1531E472EED}"/>
+                  <a16:creationId xmlns:a16="http://schemas.microsoft.com/office/drawing/2014/main" xmlns="" id="{2FF6B54B-606C-4B88-AD79-E1531E472EED}"/>
                 </a:ext>
               </a:extLst>
             </p:cNvPr>
@@ -7737,7 +8708,7 @@
             <p:cNvPr id="9" name="Freeform 54">
               <a:extLst>
                 <a:ext uri="{FF2B5EF4-FFF2-40B4-BE49-F238E27FC236}">
-                  <a16:creationId xmlns="" xmlns:a16="http://schemas.microsoft.com/office/drawing/2014/main" id="{11B4C9EE-AFBE-4B95-89C4-2D73C9A5311C}"/>
+                  <a16:creationId xmlns:a16="http://schemas.microsoft.com/office/drawing/2014/main" xmlns="" id="{11B4C9EE-AFBE-4B95-89C4-2D73C9A5311C}"/>
                 </a:ext>
               </a:extLst>
             </p:cNvPr>
@@ -7912,7 +8883,7 @@
             <p:cNvPr id="10" name="Freeform 55">
               <a:extLst>
                 <a:ext uri="{FF2B5EF4-FFF2-40B4-BE49-F238E27FC236}">
-                  <a16:creationId xmlns="" xmlns:a16="http://schemas.microsoft.com/office/drawing/2014/main" id="{61FD8900-59DC-4DF8-9E0F-FA65E3D087D7}"/>
+                  <a16:creationId xmlns:a16="http://schemas.microsoft.com/office/drawing/2014/main" xmlns="" id="{61FD8900-59DC-4DF8-9E0F-FA65E3D087D7}"/>
                 </a:ext>
               </a:extLst>
             </p:cNvPr>
@@ -8087,7 +9058,7 @@
             <p:cNvPr id="11" name="AutoShape 59">
               <a:extLst>
                 <a:ext uri="{FF2B5EF4-FFF2-40B4-BE49-F238E27FC236}">
-                  <a16:creationId xmlns="" xmlns:a16="http://schemas.microsoft.com/office/drawing/2014/main" id="{8725B85B-EFDB-41AA-BF87-5BA5E80973EF}"/>
+                  <a16:creationId xmlns:a16="http://schemas.microsoft.com/office/drawing/2014/main" xmlns="" id="{8725B85B-EFDB-41AA-BF87-5BA5E80973EF}"/>
                 </a:ext>
               </a:extLst>
             </p:cNvPr>
@@ -8419,14 +9390,7 @@
                 <a:latin typeface="+mj-lt"/>
                 <a:ea typeface="HGP創英角ｺﾞｼｯｸUB"/>
               </a:rPr>
-              <a:t>会社の</a:t>
-            </a:r>
-            <a:r>
-              <a:rPr lang="ja-JP" altLang="en-US" sz="1800" dirty="0" smtClean="0">
-                <a:latin typeface="+mj-lt"/>
-                <a:ea typeface="HGP創英角ｺﾞｼｯｸUB"/>
-              </a:rPr>
-              <a:t>飲み会</a:t>
+              <a:t>会社の飲み会</a:t>
             </a:r>
             <a:endParaRPr lang="en-US" altLang="ja-JP" sz="1800" dirty="0">
               <a:latin typeface="+mj-lt"/>
@@ -8627,27 +9591,7 @@
                 <a:latin typeface="+mj-lt"/>
                 <a:ea typeface="HGP創英角ｺﾞｼｯｸUB"/>
               </a:rPr>
-              <a:t>シス</a:t>
-            </a:r>
-            <a:r>
-              <a:rPr lang="ja-JP" altLang="en-US" sz="1800" dirty="0" smtClean="0">
-                <a:solidFill>
-                  <a:srgbClr val="000000"/>
-                </a:solidFill>
-                <a:latin typeface="+mj-lt"/>
-                <a:ea typeface="HGP創英角ｺﾞｼｯｸUB"/>
-              </a:rPr>
-              <a:t>部会</a:t>
-            </a:r>
-            <a:r>
-              <a:rPr lang="ja-JP" altLang="en-US" sz="1800" dirty="0" smtClean="0">
-                <a:solidFill>
-                  <a:srgbClr val="000000"/>
-                </a:solidFill>
-                <a:latin typeface="+mj-lt"/>
-                <a:ea typeface="HGP創英角ｺﾞｼｯｸUB"/>
-              </a:rPr>
-              <a:t>（司会）</a:t>
+              <a:t>シス部会（司会）</a:t>
             </a:r>
             <a:endParaRPr lang="en-US" altLang="ja-JP" sz="1800" dirty="0" smtClean="0">
               <a:solidFill>
@@ -8745,17 +9689,7 @@
                 <a:latin typeface="+mj-lt"/>
                 <a:ea typeface="HGP創英角ｺﾞｼｯｸUB"/>
               </a:rPr>
-              <a:t>普段に違う現場、違う部署の方々と交流し、相手</a:t>
-            </a:r>
-            <a:r>
-              <a:rPr lang="ja-JP" altLang="en-US" sz="1800" dirty="0" smtClean="0">
-                <a:solidFill>
-                  <a:srgbClr val="000000"/>
-                </a:solidFill>
-                <a:latin typeface="+mj-lt"/>
-                <a:ea typeface="HGP創英角ｺﾞｼｯｸUB"/>
-              </a:rPr>
-              <a:t>はどう</a:t>
+              <a:t>普段に違う現場、違う部署の方々と交流し、相手はどう</a:t>
             </a:r>
             <a:r>
               <a:rPr lang="ja-JP" altLang="en-US" sz="1800" dirty="0" err="1" smtClean="0">
@@ -8812,7 +9746,7 @@
           <p:cNvPr id="12" name="Group 296">
             <a:extLst>
               <a:ext uri="{FF2B5EF4-FFF2-40B4-BE49-F238E27FC236}">
-                <a16:creationId xmlns="" xmlns:a16="http://schemas.microsoft.com/office/drawing/2014/main" id="{3842FC64-AB39-42D7-A48C-0FE49F99806C}"/>
+                <a16:creationId xmlns:a16="http://schemas.microsoft.com/office/drawing/2014/main" xmlns="" id="{3842FC64-AB39-42D7-A48C-0FE49F99806C}"/>
               </a:ext>
             </a:extLst>
           </p:cNvPr>
@@ -8834,7 +9768,7 @@
             <p:cNvPr id="13" name="Oval 2">
               <a:extLst>
                 <a:ext uri="{FF2B5EF4-FFF2-40B4-BE49-F238E27FC236}">
-                  <a16:creationId xmlns="" xmlns:a16="http://schemas.microsoft.com/office/drawing/2014/main" id="{9267EE0A-4BA4-4E94-8745-FFA9A06F71A9}"/>
+                  <a16:creationId xmlns:a16="http://schemas.microsoft.com/office/drawing/2014/main" xmlns="" id="{9267EE0A-4BA4-4E94-8745-FFA9A06F71A9}"/>
                 </a:ext>
               </a:extLst>
             </p:cNvPr>
@@ -8893,7 +9827,7 @@
             <p:cNvPr id="14" name="Oval 19">
               <a:extLst>
                 <a:ext uri="{FF2B5EF4-FFF2-40B4-BE49-F238E27FC236}">
-                  <a16:creationId xmlns="" xmlns:a16="http://schemas.microsoft.com/office/drawing/2014/main" id="{CC91C93B-224E-47BB-A4B4-F39EF6BD8070}"/>
+                  <a16:creationId xmlns:a16="http://schemas.microsoft.com/office/drawing/2014/main" xmlns="" id="{CC91C93B-224E-47BB-A4B4-F39EF6BD8070}"/>
                 </a:ext>
               </a:extLst>
             </p:cNvPr>
@@ -8966,7 +9900,7 @@
             <p:cNvPr id="15" name="Oval 20">
               <a:extLst>
                 <a:ext uri="{FF2B5EF4-FFF2-40B4-BE49-F238E27FC236}">
-                  <a16:creationId xmlns="" xmlns:a16="http://schemas.microsoft.com/office/drawing/2014/main" id="{9BD5F5FE-EFD9-4804-9B3B-C6D91AFF363C}"/>
+                  <a16:creationId xmlns:a16="http://schemas.microsoft.com/office/drawing/2014/main" xmlns="" id="{9BD5F5FE-EFD9-4804-9B3B-C6D91AFF363C}"/>
                 </a:ext>
               </a:extLst>
             </p:cNvPr>
@@ -9042,7 +9976,7 @@
             <p:cNvPr id="16" name="Group 21">
               <a:extLst>
                 <a:ext uri="{FF2B5EF4-FFF2-40B4-BE49-F238E27FC236}">
-                  <a16:creationId xmlns="" xmlns:a16="http://schemas.microsoft.com/office/drawing/2014/main" id="{7DB5FE9B-6714-4B4D-AB94-45F20F7D5C8E}"/>
+                  <a16:creationId xmlns:a16="http://schemas.microsoft.com/office/drawing/2014/main" xmlns="" id="{7DB5FE9B-6714-4B4D-AB94-45F20F7D5C8E}"/>
                 </a:ext>
               </a:extLst>
             </p:cNvPr>
@@ -9064,7 +9998,7 @@
               <p:cNvPr id="19" name="AutoShape 22">
                 <a:extLst>
                   <a:ext uri="{FF2B5EF4-FFF2-40B4-BE49-F238E27FC236}">
-                    <a16:creationId xmlns="" xmlns:a16="http://schemas.microsoft.com/office/drawing/2014/main" id="{4E5DF4CC-2B73-45EA-B083-30A68ED1FA2A}"/>
+                    <a16:creationId xmlns:a16="http://schemas.microsoft.com/office/drawing/2014/main" xmlns="" id="{4E5DF4CC-2B73-45EA-B083-30A68ED1FA2A}"/>
                   </a:ext>
                 </a:extLst>
               </p:cNvPr>
@@ -9133,7 +10067,7 @@
               <p:cNvPr id="20" name="Freeform 23">
                 <a:extLst>
                   <a:ext uri="{FF2B5EF4-FFF2-40B4-BE49-F238E27FC236}">
-                    <a16:creationId xmlns="" xmlns:a16="http://schemas.microsoft.com/office/drawing/2014/main" id="{A03184C6-4DC0-40F9-A025-A1F34226A187}"/>
+                    <a16:creationId xmlns:a16="http://schemas.microsoft.com/office/drawing/2014/main" xmlns="" id="{A03184C6-4DC0-40F9-A025-A1F34226A187}"/>
                   </a:ext>
                 </a:extLst>
               </p:cNvPr>
@@ -9265,7 +10199,7 @@
             <p:cNvPr id="17" name="AutoShape 36">
               <a:extLst>
                 <a:ext uri="{FF2B5EF4-FFF2-40B4-BE49-F238E27FC236}">
-                  <a16:creationId xmlns="" xmlns:a16="http://schemas.microsoft.com/office/drawing/2014/main" id="{C65C2922-0F06-4601-991B-D9188A55C388}"/>
+                  <a16:creationId xmlns:a16="http://schemas.microsoft.com/office/drawing/2014/main" xmlns="" id="{C65C2922-0F06-4601-991B-D9188A55C388}"/>
                 </a:ext>
               </a:extLst>
             </p:cNvPr>
@@ -9440,7 +10374,7 @@
             <p:cNvPr id="18" name="AutoShape 37">
               <a:extLst>
                 <a:ext uri="{FF2B5EF4-FFF2-40B4-BE49-F238E27FC236}">
-                  <a16:creationId xmlns="" xmlns:a16="http://schemas.microsoft.com/office/drawing/2014/main" id="{9028FBF9-F253-4134-8311-3707C3C5DB2F}"/>
+                  <a16:creationId xmlns:a16="http://schemas.microsoft.com/office/drawing/2014/main" xmlns="" id="{9028FBF9-F253-4134-8311-3707C3C5DB2F}"/>
                 </a:ext>
               </a:extLst>
             </p:cNvPr>
@@ -9705,7 +10639,7 @@
         <p:spPr bwMode="auto">
           <a:xfrm>
             <a:off x="1159510" y="846168"/>
-            <a:ext cx="5429826" cy="1733808"/>
+            <a:ext cx="5429826" cy="4952638"/>
           </a:xfrm>
           <a:prstGeom prst="rect">
             <a:avLst/>
@@ -9882,20 +10816,20 @@
               <a:defRPr/>
             </a:pPr>
             <a:r>
-              <a:rPr lang="en-US" altLang="ja-JP" sz="1800" dirty="0" smtClean="0">
+              <a:rPr lang="en-US" altLang="ja-JP" sz="2000" b="1" dirty="0" smtClean="0">
                 <a:latin typeface="+mj-lt"/>
                 <a:ea typeface="HGP創英角ｺﾞｼｯｸUB"/>
               </a:rPr>
               <a:t>CRM</a:t>
             </a:r>
             <a:r>
-              <a:rPr lang="ja-JP" altLang="en-US" sz="1800" dirty="0" smtClean="0">
+              <a:rPr lang="ja-JP" altLang="en-US" sz="2000" b="1" dirty="0" smtClean="0">
                 <a:latin typeface="+mj-lt"/>
                 <a:ea typeface="HGP創英角ｺﾞｼｯｸUB"/>
               </a:rPr>
               <a:t>移行プロジェクト対応</a:t>
             </a:r>
-            <a:endParaRPr lang="en-US" altLang="ja-JP" sz="1800" dirty="0" smtClean="0">
+            <a:endParaRPr lang="en-US" altLang="ja-JP" sz="2000" b="1" dirty="0" smtClean="0">
               <a:latin typeface="+mj-lt"/>
               <a:ea typeface="HGP創英角ｺﾞｼｯｸUB"/>
             </a:endParaRPr>
@@ -9916,7 +10850,199 @@
                 <a:latin typeface="+mj-lt"/>
                 <a:ea typeface="HGP創英角ｺﾞｼｯｸUB"/>
               </a:rPr>
-              <a:t>　チーム人数：３人</a:t>
+              <a:t>　</a:t>
+            </a:r>
+            <a:r>
+              <a:rPr lang="ja-JP" altLang="en-US" sz="1800" dirty="0" smtClean="0">
+                <a:latin typeface="+mj-lt"/>
+                <a:ea typeface="HGP創英角ｺﾞｼｯｸUB"/>
+              </a:rPr>
+              <a:t>役割：チームリーダー　チーム</a:t>
+            </a:r>
+            <a:r>
+              <a:rPr lang="ja-JP" altLang="en-US" sz="1800" dirty="0" smtClean="0">
+                <a:latin typeface="+mj-lt"/>
+                <a:ea typeface="HGP創英角ｺﾞｼｯｸUB"/>
+              </a:rPr>
+              <a:t>人数：３人</a:t>
+            </a:r>
+            <a:endParaRPr lang="en-US" altLang="ja-JP" sz="1800" dirty="0" smtClean="0">
+              <a:latin typeface="+mj-lt"/>
+              <a:ea typeface="HGP創英角ｺﾞｼｯｸUB"/>
+            </a:endParaRPr>
+          </a:p>
+          <a:p>
+            <a:pPr marL="0" indent="0">
+              <a:spcBef>
+                <a:spcPts val="450"/>
+              </a:spcBef>
+              <a:buClr>
+                <a:srgbClr val="4CB3C0"/>
+              </a:buClr>
+              <a:buNone/>
+              <a:defRPr/>
+            </a:pPr>
+            <a:endParaRPr lang="en-US" altLang="ja-JP" sz="1800" dirty="0" smtClean="0">
+              <a:latin typeface="+mj-lt"/>
+              <a:ea typeface="HGP創英角ｺﾞｼｯｸUB"/>
+            </a:endParaRPr>
+          </a:p>
+          <a:p>
+            <a:pPr>
+              <a:spcBef>
+                <a:spcPts val="450"/>
+              </a:spcBef>
+              <a:buClr>
+                <a:srgbClr val="4CB3C0"/>
+              </a:buClr>
+              <a:buFont typeface="Wingdings" panose="05000000000000000000" pitchFamily="2" charset="2"/>
+              <a:buChar char="u"/>
+              <a:defRPr/>
+            </a:pPr>
+            <a:r>
+              <a:rPr lang="ja-JP" altLang="en-US" sz="1800" dirty="0" smtClean="0">
+                <a:latin typeface="+mj-lt"/>
+                <a:ea typeface="HGP創英角ｺﾞｼｯｸUB"/>
+              </a:rPr>
+              <a:t>納品日をしっかり守って</a:t>
+            </a:r>
+            <a:r>
+              <a:rPr lang="ja-JP" altLang="en-US" sz="1800" dirty="0">
+                <a:latin typeface="+mj-lt"/>
+                <a:ea typeface="HGP創英角ｺﾞｼｯｸUB"/>
+              </a:rPr>
+              <a:t>、</a:t>
+            </a:r>
+            <a:r>
+              <a:rPr lang="ja-JP" altLang="en-US" sz="1800" dirty="0" smtClean="0">
+                <a:latin typeface="+mj-lt"/>
+                <a:ea typeface="HGP創英角ｺﾞｼｯｸUB"/>
+              </a:rPr>
+              <a:t>マイルストーンを設定し、</a:t>
+            </a:r>
+            <a:r>
+              <a:rPr lang="en-US" altLang="ja-JP" sz="1800" dirty="0" smtClean="0">
+                <a:latin typeface="+mj-lt"/>
+                <a:ea typeface="HGP創英角ｺﾞｼｯｸUB"/>
+              </a:rPr>
+              <a:t>WBS</a:t>
+            </a:r>
+            <a:r>
+              <a:rPr lang="ja-JP" altLang="en-US" sz="1800" dirty="0" smtClean="0">
+                <a:latin typeface="+mj-lt"/>
+                <a:ea typeface="HGP創英角ｺﾞｼｯｸUB"/>
+              </a:rPr>
+              <a:t>を作成し、タスクとスケジュール管理。</a:t>
+            </a:r>
+            <a:endParaRPr lang="en-US" altLang="ja-JP" sz="1800" dirty="0" smtClean="0">
+              <a:latin typeface="+mj-lt"/>
+              <a:ea typeface="HGP創英角ｺﾞｼｯｸUB"/>
+            </a:endParaRPr>
+          </a:p>
+          <a:p>
+            <a:pPr>
+              <a:spcBef>
+                <a:spcPts val="450"/>
+              </a:spcBef>
+              <a:buClr>
+                <a:srgbClr val="4CB3C0"/>
+              </a:buClr>
+              <a:buFont typeface="Wingdings" panose="05000000000000000000" pitchFamily="2" charset="2"/>
+              <a:buChar char="u"/>
+              <a:defRPr/>
+            </a:pPr>
+            <a:endParaRPr lang="en-US" altLang="ja-JP" sz="1800" dirty="0" smtClean="0">
+              <a:latin typeface="+mj-lt"/>
+              <a:ea typeface="HGP創英角ｺﾞｼｯｸUB"/>
+            </a:endParaRPr>
+          </a:p>
+          <a:p>
+            <a:pPr>
+              <a:spcBef>
+                <a:spcPts val="450"/>
+              </a:spcBef>
+              <a:buClr>
+                <a:srgbClr val="4CB3C0"/>
+              </a:buClr>
+              <a:buFont typeface="Wingdings" panose="05000000000000000000" pitchFamily="2" charset="2"/>
+              <a:buChar char="u"/>
+              <a:defRPr/>
+            </a:pPr>
+            <a:r>
+              <a:rPr lang="ja-JP" altLang="en-US" sz="1800" dirty="0" smtClean="0">
+                <a:latin typeface="+mj-lt"/>
+                <a:ea typeface="HGP創英角ｺﾞｼｯｸUB"/>
+              </a:rPr>
+              <a:t>要件定義者と仕様を確認と調整し、実現方式、作業ルール、命名規則を決め。</a:t>
+            </a:r>
+            <a:endParaRPr lang="en-US" altLang="ja-JP" sz="1800" dirty="0" smtClean="0">
+              <a:latin typeface="+mj-lt"/>
+              <a:ea typeface="HGP創英角ｺﾞｼｯｸUB"/>
+            </a:endParaRPr>
+          </a:p>
+          <a:p>
+            <a:pPr>
+              <a:spcBef>
+                <a:spcPts val="450"/>
+              </a:spcBef>
+              <a:buClr>
+                <a:srgbClr val="4CB3C0"/>
+              </a:buClr>
+              <a:buFont typeface="Wingdings" panose="05000000000000000000" pitchFamily="2" charset="2"/>
+              <a:buChar char="u"/>
+              <a:defRPr/>
+            </a:pPr>
+            <a:endParaRPr lang="en-US" altLang="ja-JP" sz="1800" dirty="0" smtClean="0">
+              <a:latin typeface="+mj-lt"/>
+              <a:ea typeface="HGP創英角ｺﾞｼｯｸUB"/>
+            </a:endParaRPr>
+          </a:p>
+          <a:p>
+            <a:pPr>
+              <a:spcBef>
+                <a:spcPts val="450"/>
+              </a:spcBef>
+              <a:buClr>
+                <a:srgbClr val="4CB3C0"/>
+              </a:buClr>
+              <a:buFont typeface="Wingdings" panose="05000000000000000000" pitchFamily="2" charset="2"/>
+              <a:buChar char="u"/>
+              <a:defRPr/>
+            </a:pPr>
+            <a:r>
+              <a:rPr lang="ja-JP" altLang="en-US" sz="1800" dirty="0" smtClean="0">
+                <a:latin typeface="+mj-lt"/>
+                <a:ea typeface="HGP創英角ｺﾞｼｯｸUB"/>
+              </a:rPr>
+              <a:t>週</a:t>
+            </a:r>
+            <a:r>
+              <a:rPr lang="en-US" altLang="ja-JP" sz="1800" dirty="0" smtClean="0">
+                <a:latin typeface="+mj-lt"/>
+                <a:ea typeface="HGP創英角ｺﾞｼｯｸUB"/>
+              </a:rPr>
+              <a:t>1</a:t>
+            </a:r>
+            <a:r>
+              <a:rPr lang="ja-JP" altLang="en-US" sz="1800" dirty="0" smtClean="0">
+                <a:latin typeface="+mj-lt"/>
+                <a:ea typeface="HGP創英角ｺﾞｼｯｸUB"/>
+              </a:rPr>
+              <a:t>回進捗</a:t>
+            </a:r>
+            <a:r>
+              <a:rPr lang="en-US" altLang="ja-JP" sz="1800" dirty="0" smtClean="0">
+                <a:latin typeface="+mj-lt"/>
+                <a:ea typeface="HGP創英角ｺﾞｼｯｸUB"/>
+              </a:rPr>
+              <a:t>MTG</a:t>
+            </a:r>
+            <a:r>
+              <a:rPr lang="ja-JP" altLang="en-US" sz="1800" dirty="0" smtClean="0">
+                <a:latin typeface="+mj-lt"/>
+                <a:ea typeface="HGP創英角ｺﾞｼｯｸUB"/>
+              </a:rPr>
+              <a:t>を設定し、各自の作業進捗や問題点を確認と解決。</a:t>
             </a:r>
             <a:endParaRPr lang="en-US" altLang="ja-JP" sz="1800" dirty="0" smtClean="0">
               <a:latin typeface="+mj-lt"/>
@@ -9935,6 +11061,22 @@
               <a:defRPr/>
             </a:pPr>
             <a:endParaRPr lang="en-US" altLang="ja-JP" sz="1800" dirty="0">
+              <a:latin typeface="+mj-lt"/>
+              <a:ea typeface="HGP創英角ｺﾞｼｯｸUB"/>
+            </a:endParaRPr>
+          </a:p>
+          <a:p>
+            <a:pPr marL="0" indent="0">
+              <a:spcBef>
+                <a:spcPts val="450"/>
+              </a:spcBef>
+              <a:buClr>
+                <a:srgbClr val="4CB3C0"/>
+              </a:buClr>
+              <a:buNone/>
+              <a:defRPr/>
+            </a:pPr>
+            <a:endParaRPr lang="en-US" altLang="ja-JP" sz="1800" dirty="0" smtClean="0">
               <a:latin typeface="+mj-lt"/>
               <a:ea typeface="HGP創英角ｺﾞｼｯｸUB"/>
             </a:endParaRPr>
@@ -9988,7 +11130,7 @@
           <p:cNvPr id="12" name="Group 296">
             <a:extLst>
               <a:ext uri="{FF2B5EF4-FFF2-40B4-BE49-F238E27FC236}">
-                <a16:creationId xmlns="" xmlns:a16="http://schemas.microsoft.com/office/drawing/2014/main" id="{3842FC64-AB39-42D7-A48C-0FE49F99806C}"/>
+                <a16:creationId xmlns:a16="http://schemas.microsoft.com/office/drawing/2014/main" xmlns="" id="{3842FC64-AB39-42D7-A48C-0FE49F99806C}"/>
               </a:ext>
             </a:extLst>
           </p:cNvPr>
@@ -10010,7 +11152,7 @@
             <p:cNvPr id="13" name="Oval 2">
               <a:extLst>
                 <a:ext uri="{FF2B5EF4-FFF2-40B4-BE49-F238E27FC236}">
-                  <a16:creationId xmlns="" xmlns:a16="http://schemas.microsoft.com/office/drawing/2014/main" id="{9267EE0A-4BA4-4E94-8745-FFA9A06F71A9}"/>
+                  <a16:creationId xmlns:a16="http://schemas.microsoft.com/office/drawing/2014/main" xmlns="" id="{9267EE0A-4BA4-4E94-8745-FFA9A06F71A9}"/>
                 </a:ext>
               </a:extLst>
             </p:cNvPr>
@@ -10069,7 +11211,7 @@
             <p:cNvPr id="14" name="Oval 19">
               <a:extLst>
                 <a:ext uri="{FF2B5EF4-FFF2-40B4-BE49-F238E27FC236}">
-                  <a16:creationId xmlns="" xmlns:a16="http://schemas.microsoft.com/office/drawing/2014/main" id="{CC91C93B-224E-47BB-A4B4-F39EF6BD8070}"/>
+                  <a16:creationId xmlns:a16="http://schemas.microsoft.com/office/drawing/2014/main" xmlns="" id="{CC91C93B-224E-47BB-A4B4-F39EF6BD8070}"/>
                 </a:ext>
               </a:extLst>
             </p:cNvPr>
@@ -10142,7 +11284,7 @@
             <p:cNvPr id="15" name="Oval 20">
               <a:extLst>
                 <a:ext uri="{FF2B5EF4-FFF2-40B4-BE49-F238E27FC236}">
-                  <a16:creationId xmlns="" xmlns:a16="http://schemas.microsoft.com/office/drawing/2014/main" id="{9BD5F5FE-EFD9-4804-9B3B-C6D91AFF363C}"/>
+                  <a16:creationId xmlns:a16="http://schemas.microsoft.com/office/drawing/2014/main" xmlns="" id="{9BD5F5FE-EFD9-4804-9B3B-C6D91AFF363C}"/>
                 </a:ext>
               </a:extLst>
             </p:cNvPr>
@@ -10218,7 +11360,7 @@
             <p:cNvPr id="16" name="Group 21">
               <a:extLst>
                 <a:ext uri="{FF2B5EF4-FFF2-40B4-BE49-F238E27FC236}">
-                  <a16:creationId xmlns="" xmlns:a16="http://schemas.microsoft.com/office/drawing/2014/main" id="{7DB5FE9B-6714-4B4D-AB94-45F20F7D5C8E}"/>
+                  <a16:creationId xmlns:a16="http://schemas.microsoft.com/office/drawing/2014/main" xmlns="" id="{7DB5FE9B-6714-4B4D-AB94-45F20F7D5C8E}"/>
                 </a:ext>
               </a:extLst>
             </p:cNvPr>
@@ -10240,7 +11382,7 @@
               <p:cNvPr id="19" name="AutoShape 22">
                 <a:extLst>
                   <a:ext uri="{FF2B5EF4-FFF2-40B4-BE49-F238E27FC236}">
-                    <a16:creationId xmlns="" xmlns:a16="http://schemas.microsoft.com/office/drawing/2014/main" id="{4E5DF4CC-2B73-45EA-B083-30A68ED1FA2A}"/>
+                    <a16:creationId xmlns:a16="http://schemas.microsoft.com/office/drawing/2014/main" xmlns="" id="{4E5DF4CC-2B73-45EA-B083-30A68ED1FA2A}"/>
                   </a:ext>
                 </a:extLst>
               </p:cNvPr>
@@ -10309,7 +11451,7 @@
               <p:cNvPr id="20" name="Freeform 23">
                 <a:extLst>
                   <a:ext uri="{FF2B5EF4-FFF2-40B4-BE49-F238E27FC236}">
-                    <a16:creationId xmlns="" xmlns:a16="http://schemas.microsoft.com/office/drawing/2014/main" id="{A03184C6-4DC0-40F9-A025-A1F34226A187}"/>
+                    <a16:creationId xmlns:a16="http://schemas.microsoft.com/office/drawing/2014/main" xmlns="" id="{A03184C6-4DC0-40F9-A025-A1F34226A187}"/>
                   </a:ext>
                 </a:extLst>
               </p:cNvPr>
@@ -10441,7 +11583,7 @@
             <p:cNvPr id="17" name="AutoShape 36">
               <a:extLst>
                 <a:ext uri="{FF2B5EF4-FFF2-40B4-BE49-F238E27FC236}">
-                  <a16:creationId xmlns="" xmlns:a16="http://schemas.microsoft.com/office/drawing/2014/main" id="{C65C2922-0F06-4601-991B-D9188A55C388}"/>
+                  <a16:creationId xmlns:a16="http://schemas.microsoft.com/office/drawing/2014/main" xmlns="" id="{C65C2922-0F06-4601-991B-D9188A55C388}"/>
                 </a:ext>
               </a:extLst>
             </p:cNvPr>
@@ -10616,7 +11758,7 @@
             <p:cNvPr id="18" name="AutoShape 37">
               <a:extLst>
                 <a:ext uri="{FF2B5EF4-FFF2-40B4-BE49-F238E27FC236}">
-                  <a16:creationId xmlns="" xmlns:a16="http://schemas.microsoft.com/office/drawing/2014/main" id="{9028FBF9-F253-4134-8311-3707C3C5DB2F}"/>
+                  <a16:creationId xmlns:a16="http://schemas.microsoft.com/office/drawing/2014/main" xmlns="" id="{9028FBF9-F253-4134-8311-3707C3C5DB2F}"/>
                 </a:ext>
               </a:extLst>
             </p:cNvPr>
@@ -10836,72 +11978,526 @@
         </p:nvSpPr>
         <p:spPr>
           <a:xfrm>
-            <a:off x="1052735" y="481728"/>
-            <a:ext cx="5670000" cy="313350"/>
+            <a:off x="35575" y="78780"/>
+            <a:ext cx="6588000" cy="351000"/>
           </a:xfrm>
         </p:spPr>
         <p:txBody>
-          <a:bodyPr/>
+          <a:bodyPr>
+            <a:noAutofit/>
+          </a:bodyPr>
           <a:lstStyle/>
           <a:p>
             <a:r>
-              <a:rPr lang="ja-JP" altLang="en-US" dirty="0">
-                <a:solidFill>
-                  <a:schemeClr val="accent6">
-                    <a:lumMod val="50000"/>
-                    <a:lumOff val="50000"/>
-                  </a:schemeClr>
-                </a:solidFill>
-                <a:latin typeface="+mn-ea"/>
+              <a:rPr lang="ja-JP" altLang="en-US" sz="2400" b="1" dirty="0" smtClean="0">
+                <a:ea typeface="HGP創英角ｺﾞｼｯｸUB" panose="020B0900000000000000" pitchFamily="50" charset="-128"/>
               </a:rPr>
-              <a:t>進化</a:t>
-            </a:r>
-            <a:r>
-              <a:rPr lang="ja-JP" altLang="en-US" dirty="0" smtClean="0">
-                <a:solidFill>
-                  <a:schemeClr val="accent6">
-                    <a:lumMod val="50000"/>
-                    <a:lumOff val="50000"/>
-                  </a:schemeClr>
-                </a:solidFill>
-                <a:latin typeface="+mn-ea"/>
-              </a:rPr>
-              <a:t>の自分</a:t>
-            </a:r>
-            <a:r>
-              <a:rPr lang="en-US" altLang="ja-JP" dirty="0" smtClean="0">
-                <a:solidFill>
-                  <a:schemeClr val="accent6">
-                    <a:lumMod val="50000"/>
-                    <a:lumOff val="50000"/>
-                  </a:schemeClr>
-                </a:solidFill>
-                <a:latin typeface="+mn-ea"/>
+              <a:t>進化の自分</a:t>
+            </a:r>
+            <a:r>
+              <a:rPr lang="en-US" altLang="ja-JP" sz="2400" b="1" dirty="0" smtClean="0">
+                <a:ea typeface="HGP創英角ｺﾞｼｯｸUB" panose="020B0900000000000000" pitchFamily="50" charset="-128"/>
               </a:rPr>
               <a:t>-</a:t>
             </a:r>
             <a:r>
-              <a:rPr lang="ja-JP" altLang="en-US" dirty="0" smtClean="0">
-                <a:solidFill>
-                  <a:schemeClr val="accent6">
-                    <a:lumMod val="50000"/>
-                    <a:lumOff val="50000"/>
-                  </a:schemeClr>
-                </a:solidFill>
-                <a:latin typeface="+mn-ea"/>
+              <a:rPr lang="ja-JP" altLang="en-US" sz="2400" b="1" dirty="0" smtClean="0">
+                <a:ea typeface="HGP創英角ｺﾞｼｯｸUB" panose="020B0900000000000000" pitchFamily="50" charset="-128"/>
               </a:rPr>
               <a:t>チームリーダー</a:t>
             </a:r>
-            <a:endParaRPr kumimoji="1" lang="ja-JP" altLang="en-US" dirty="0"/>
+            <a:endParaRPr lang="ja-JP" altLang="en-US" sz="2400" b="1" dirty="0">
+              <a:ea typeface="HGP創英角ｺﾞｼｯｸUB" panose="020B0900000000000000" pitchFamily="50" charset="-128"/>
+            </a:endParaRPr>
+          </a:p>
+        </p:txBody>
+      </p:sp>
+      <p:sp>
+        <p:nvSpPr>
+          <p:cNvPr id="5" name="テキスト ボックス 2"/>
+          <p:cNvSpPr txBox="1">
+            <a:spLocks noChangeArrowheads="1"/>
+          </p:cNvSpPr>
+          <p:nvPr/>
+        </p:nvSpPr>
+        <p:spPr bwMode="auto">
+          <a:xfrm>
+            <a:off x="1159510" y="810506"/>
+            <a:ext cx="5429826" cy="4611519"/>
+          </a:xfrm>
+          <a:prstGeom prst="rect">
+            <a:avLst/>
+          </a:prstGeom>
+          <a:noFill/>
+          <a:ln>
+            <a:noFill/>
+          </a:ln>
+          <a:extLst>
+            <a:ext uri="{909E8E84-426E-40DD-AFC4-6F175D3DCCD1}">
+              <a14:hiddenFill xmlns:a14="http://schemas.microsoft.com/office/drawing/2010/main">
+                <a:solidFill>
+                  <a:srgbClr val="FFFFFF"/>
+                </a:solidFill>
+              </a14:hiddenFill>
+            </a:ext>
+            <a:ext uri="{91240B29-F687-4F45-9708-019B960494DF}">
+              <a14:hiddenLine xmlns:a14="http://schemas.microsoft.com/office/drawing/2010/main" w="9525">
+                <a:solidFill>
+                  <a:srgbClr val="000000"/>
+                </a:solidFill>
+                <a:miter lim="800000"/>
+                <a:headEnd/>
+                <a:tailEnd/>
+              </a14:hiddenLine>
+            </a:ext>
+          </a:extLst>
+        </p:spPr>
+        <p:txBody>
+          <a:bodyPr wrap="square">
+            <a:spAutoFit/>
+          </a:bodyPr>
+          <a:lstStyle>
+            <a:lvl1pPr marL="174625" indent="-174625">
+              <a:spcBef>
+                <a:spcPct val="20000"/>
+              </a:spcBef>
+              <a:buChar char="•"/>
+              <a:defRPr kumimoji="1" sz="3200">
+                <a:solidFill>
+                  <a:schemeClr val="tx1"/>
+                </a:solidFill>
+                <a:latin typeface="Arial" charset="0"/>
+                <a:ea typeface="ＭＳ Ｐゴシック" charset="-128"/>
+              </a:defRPr>
+            </a:lvl1pPr>
+            <a:lvl2pPr marL="742950" indent="-285750">
+              <a:spcBef>
+                <a:spcPct val="20000"/>
+              </a:spcBef>
+              <a:buChar char="–"/>
+              <a:defRPr kumimoji="1" sz="2800">
+                <a:solidFill>
+                  <a:schemeClr val="tx1"/>
+                </a:solidFill>
+                <a:latin typeface="Arial" charset="0"/>
+                <a:ea typeface="ＭＳ Ｐゴシック" charset="-128"/>
+              </a:defRPr>
+            </a:lvl2pPr>
+            <a:lvl3pPr marL="1143000" indent="-228600">
+              <a:spcBef>
+                <a:spcPct val="20000"/>
+              </a:spcBef>
+              <a:buChar char="•"/>
+              <a:defRPr kumimoji="1" sz="2400">
+                <a:solidFill>
+                  <a:schemeClr val="tx1"/>
+                </a:solidFill>
+                <a:latin typeface="Arial" charset="0"/>
+                <a:ea typeface="ＭＳ Ｐゴシック" charset="-128"/>
+              </a:defRPr>
+            </a:lvl3pPr>
+            <a:lvl4pPr marL="1600200" indent="-228600">
+              <a:spcBef>
+                <a:spcPct val="20000"/>
+              </a:spcBef>
+              <a:buChar char="–"/>
+              <a:defRPr kumimoji="1" sz="2000">
+                <a:solidFill>
+                  <a:schemeClr val="tx1"/>
+                </a:solidFill>
+                <a:latin typeface="Arial" charset="0"/>
+                <a:ea typeface="ＭＳ Ｐゴシック" charset="-128"/>
+              </a:defRPr>
+            </a:lvl4pPr>
+            <a:lvl5pPr marL="2057400" indent="-228600">
+              <a:spcBef>
+                <a:spcPct val="20000"/>
+              </a:spcBef>
+              <a:buChar char="»"/>
+              <a:defRPr kumimoji="1" sz="2000">
+                <a:solidFill>
+                  <a:schemeClr val="tx1"/>
+                </a:solidFill>
+                <a:latin typeface="Arial" charset="0"/>
+                <a:ea typeface="ＭＳ Ｐゴシック" charset="-128"/>
+              </a:defRPr>
+            </a:lvl5pPr>
+            <a:lvl6pPr marL="2514600" indent="-228600" fontAlgn="base">
+              <a:spcBef>
+                <a:spcPct val="20000"/>
+              </a:spcBef>
+              <a:spcAft>
+                <a:spcPct val="0"/>
+              </a:spcAft>
+              <a:buChar char="»"/>
+              <a:defRPr kumimoji="1" sz="2000">
+                <a:solidFill>
+                  <a:schemeClr val="tx1"/>
+                </a:solidFill>
+                <a:latin typeface="Arial" charset="0"/>
+                <a:ea typeface="ＭＳ Ｐゴシック" charset="-128"/>
+              </a:defRPr>
+            </a:lvl6pPr>
+            <a:lvl7pPr marL="2971800" indent="-228600" fontAlgn="base">
+              <a:spcBef>
+                <a:spcPct val="20000"/>
+              </a:spcBef>
+              <a:spcAft>
+                <a:spcPct val="0"/>
+              </a:spcAft>
+              <a:buChar char="»"/>
+              <a:defRPr kumimoji="1" sz="2000">
+                <a:solidFill>
+                  <a:schemeClr val="tx1"/>
+                </a:solidFill>
+                <a:latin typeface="Arial" charset="0"/>
+                <a:ea typeface="ＭＳ Ｐゴシック" charset="-128"/>
+              </a:defRPr>
+            </a:lvl7pPr>
+            <a:lvl8pPr marL="3429000" indent="-228600" fontAlgn="base">
+              <a:spcBef>
+                <a:spcPct val="20000"/>
+              </a:spcBef>
+              <a:spcAft>
+                <a:spcPct val="0"/>
+              </a:spcAft>
+              <a:buChar char="»"/>
+              <a:defRPr kumimoji="1" sz="2000">
+                <a:solidFill>
+                  <a:schemeClr val="tx1"/>
+                </a:solidFill>
+                <a:latin typeface="Arial" charset="0"/>
+                <a:ea typeface="ＭＳ Ｐゴシック" charset="-128"/>
+              </a:defRPr>
+            </a:lvl8pPr>
+            <a:lvl9pPr marL="3886200" indent="-228600" fontAlgn="base">
+              <a:spcBef>
+                <a:spcPct val="20000"/>
+              </a:spcBef>
+              <a:spcAft>
+                <a:spcPct val="0"/>
+              </a:spcAft>
+              <a:buChar char="»"/>
+              <a:defRPr kumimoji="1" sz="2000">
+                <a:solidFill>
+                  <a:schemeClr val="tx1"/>
+                </a:solidFill>
+                <a:latin typeface="Arial" charset="0"/>
+                <a:ea typeface="ＭＳ Ｐゴシック" charset="-128"/>
+              </a:defRPr>
+            </a:lvl9pPr>
+          </a:lstStyle>
+          <a:p>
+            <a:pPr marL="0" indent="0">
+              <a:spcBef>
+                <a:spcPts val="450"/>
+              </a:spcBef>
+              <a:buClr>
+                <a:srgbClr val="4CB3C0"/>
+              </a:buClr>
+              <a:buNone/>
+              <a:defRPr/>
+            </a:pPr>
+            <a:r>
+              <a:rPr lang="en-US" altLang="ja-JP" sz="2000" b="1" dirty="0">
+                <a:ea typeface="HGP創英角ｺﾞｼｯｸUB"/>
+              </a:rPr>
+              <a:t>CRM</a:t>
+            </a:r>
+            <a:r>
+              <a:rPr lang="ja-JP" altLang="en-US" sz="2000" b="1" dirty="0">
+                <a:ea typeface="HGP創英角ｺﾞｼｯｸUB"/>
+              </a:rPr>
+              <a:t>移行プロジェクト</a:t>
+            </a:r>
+            <a:r>
+              <a:rPr lang="ja-JP" altLang="en-US" sz="2000" b="1" dirty="0" smtClean="0">
+                <a:ea typeface="HGP創英角ｺﾞｼｯｸUB"/>
+              </a:rPr>
+              <a:t>対応</a:t>
+            </a:r>
+            <a:endParaRPr lang="en-US" altLang="ja-JP" sz="2000" dirty="0" smtClean="0">
+              <a:latin typeface="+mj-lt"/>
+              <a:ea typeface="HGP創英角ｺﾞｼｯｸUB"/>
+            </a:endParaRPr>
+          </a:p>
+          <a:p>
+            <a:pPr>
+              <a:spcBef>
+                <a:spcPts val="450"/>
+              </a:spcBef>
+              <a:buClr>
+                <a:srgbClr val="4CB3C0"/>
+              </a:buClr>
+              <a:buFont typeface="Wingdings" panose="05000000000000000000" pitchFamily="2" charset="2"/>
+              <a:buChar char="u"/>
+              <a:defRPr/>
+            </a:pPr>
+            <a:r>
+              <a:rPr lang="ja-JP" altLang="en-US" sz="1800" dirty="0" smtClean="0">
+                <a:latin typeface="+mj-lt"/>
+                <a:ea typeface="HGP創英角ｺﾞｼｯｸUB"/>
+              </a:rPr>
+              <a:t>困難で、やりにくい作業に対して、逃げずに、率先的に技術を検討し、効率化方法を調査、実現し、</a:t>
+            </a:r>
+            <a:r>
+              <a:rPr lang="ja-JP" altLang="en-US" sz="1800" dirty="0" smtClean="0">
+                <a:latin typeface="+mj-lt"/>
+                <a:ea typeface="HGP創英角ｺﾞｼｯｸUB"/>
+              </a:rPr>
+              <a:t>メンバに展開。</a:t>
+            </a:r>
+            <a:endParaRPr lang="en-US" altLang="ja-JP" sz="1800" dirty="0" smtClean="0">
+              <a:latin typeface="+mj-lt"/>
+              <a:ea typeface="HGP創英角ｺﾞｼｯｸUB"/>
+            </a:endParaRPr>
+          </a:p>
+          <a:p>
+            <a:pPr marL="0" indent="0">
+              <a:spcBef>
+                <a:spcPts val="450"/>
+              </a:spcBef>
+              <a:buClr>
+                <a:srgbClr val="4CB3C0"/>
+              </a:buClr>
+              <a:buNone/>
+              <a:defRPr/>
+            </a:pPr>
+            <a:r>
+              <a:rPr lang="ja-JP" altLang="en-US" sz="1800" dirty="0" smtClean="0">
+                <a:latin typeface="+mj-lt"/>
+                <a:ea typeface="HGP創英角ｺﾞｼｯｸUB"/>
+              </a:rPr>
+              <a:t>　　・ファイル集計ツール</a:t>
+            </a:r>
+            <a:r>
+              <a:rPr lang="en-US" altLang="ja-JP" sz="1800" dirty="0" smtClean="0">
+                <a:latin typeface="+mj-lt"/>
+                <a:ea typeface="HGP創英角ｺﾞｼｯｸUB"/>
+              </a:rPr>
+              <a:t>(</a:t>
+            </a:r>
+            <a:r>
+              <a:rPr lang="en-US" altLang="ja-JP" sz="1800" dirty="0" err="1" smtClean="0">
+                <a:latin typeface="+mj-lt"/>
+                <a:ea typeface="HGP創英角ｺﾞｼｯｸUB"/>
+              </a:rPr>
+              <a:t>linux</a:t>
+            </a:r>
+            <a:r>
+              <a:rPr lang="en-US" altLang="ja-JP" sz="1800" dirty="0" smtClean="0">
+                <a:latin typeface="+mj-lt"/>
+                <a:ea typeface="HGP創英角ｺﾞｼｯｸUB"/>
+              </a:rPr>
+              <a:t>)</a:t>
+            </a:r>
+          </a:p>
+          <a:p>
+            <a:pPr marL="0" indent="0">
+              <a:spcBef>
+                <a:spcPts val="450"/>
+              </a:spcBef>
+              <a:buClr>
+                <a:srgbClr val="4CB3C0"/>
+              </a:buClr>
+              <a:buNone/>
+              <a:defRPr/>
+            </a:pPr>
+            <a:r>
+              <a:rPr lang="en-US" altLang="ja-JP" sz="1800" dirty="0">
+                <a:latin typeface="+mj-lt"/>
+                <a:ea typeface="HGP創英角ｺﾞｼｯｸUB"/>
+              </a:rPr>
+              <a:t> </a:t>
+            </a:r>
+            <a:r>
+              <a:rPr lang="en-US" altLang="ja-JP" sz="1800" dirty="0" smtClean="0">
+                <a:latin typeface="+mj-lt"/>
+                <a:ea typeface="HGP創英角ｺﾞｼｯｸUB"/>
+              </a:rPr>
+              <a:t>   </a:t>
+            </a:r>
+            <a:r>
+              <a:rPr lang="ja-JP" altLang="en-US" sz="1800" dirty="0" smtClean="0">
+                <a:latin typeface="+mj-lt"/>
+                <a:ea typeface="HGP創英角ｺﾞｼｯｸUB"/>
+              </a:rPr>
+              <a:t>・</a:t>
+            </a:r>
+            <a:r>
+              <a:rPr lang="en-US" altLang="ja-JP" sz="1800" dirty="0" smtClean="0">
+                <a:latin typeface="+mj-lt"/>
+                <a:ea typeface="HGP創英角ｺﾞｼｯｸUB"/>
+              </a:rPr>
+              <a:t>CPU</a:t>
+            </a:r>
+            <a:r>
+              <a:rPr lang="ja-JP" altLang="en-US" sz="1800" dirty="0" smtClean="0">
+                <a:latin typeface="+mj-lt"/>
+                <a:ea typeface="HGP創英角ｺﾞｼｯｸUB"/>
+              </a:rPr>
+              <a:t>とメモリ計測ツール</a:t>
+            </a:r>
+            <a:r>
+              <a:rPr lang="en-US" altLang="ja-JP" sz="1800" dirty="0" smtClean="0">
+                <a:latin typeface="+mj-lt"/>
+                <a:ea typeface="HGP創英角ｺﾞｼｯｸUB"/>
+              </a:rPr>
+              <a:t>(</a:t>
+            </a:r>
+            <a:r>
+              <a:rPr lang="en-US" altLang="ja-JP" sz="1800" dirty="0" err="1" smtClean="0">
+                <a:latin typeface="+mj-lt"/>
+                <a:ea typeface="HGP創英角ｺﾞｼｯｸUB"/>
+              </a:rPr>
+              <a:t>linux</a:t>
+            </a:r>
+            <a:r>
+              <a:rPr lang="en-US" altLang="ja-JP" sz="1800" dirty="0" smtClean="0">
+                <a:latin typeface="+mj-lt"/>
+                <a:ea typeface="HGP創英角ｺﾞｼｯｸUB"/>
+              </a:rPr>
+              <a:t>)</a:t>
+            </a:r>
+          </a:p>
+          <a:p>
+            <a:pPr marL="0" indent="0">
+              <a:spcBef>
+                <a:spcPts val="450"/>
+              </a:spcBef>
+              <a:buClr>
+                <a:srgbClr val="4CB3C0"/>
+              </a:buClr>
+              <a:buNone/>
+              <a:defRPr/>
+            </a:pPr>
+            <a:endParaRPr lang="en-US" altLang="ja-JP" sz="1800" dirty="0">
+              <a:latin typeface="+mj-lt"/>
+              <a:ea typeface="HGP創英角ｺﾞｼｯｸUB"/>
+            </a:endParaRPr>
+          </a:p>
+          <a:p>
+            <a:pPr>
+              <a:spcBef>
+                <a:spcPts val="450"/>
+              </a:spcBef>
+              <a:buClr>
+                <a:srgbClr val="4CB3C0"/>
+              </a:buClr>
+              <a:buFont typeface="Wingdings" panose="05000000000000000000" pitchFamily="2" charset="2"/>
+              <a:buChar char="u"/>
+              <a:defRPr/>
+            </a:pPr>
+            <a:r>
+              <a:rPr lang="ja-JP" altLang="en-US" sz="1800" dirty="0" smtClean="0">
+                <a:latin typeface="+mj-lt"/>
+                <a:ea typeface="HGP創英角ｺﾞｼｯｸUB"/>
+              </a:rPr>
+              <a:t>主導者として、本番作業タイムチャートと作業手順書を作成し、作業メンバに展開。</a:t>
+            </a:r>
+            <a:endParaRPr lang="en-US" altLang="ja-JP" sz="1800" dirty="0" smtClean="0">
+              <a:latin typeface="+mj-lt"/>
+              <a:ea typeface="HGP創英角ｺﾞｼｯｸUB"/>
+            </a:endParaRPr>
+          </a:p>
+          <a:p>
+            <a:pPr marL="0" indent="0">
+              <a:spcBef>
+                <a:spcPts val="450"/>
+              </a:spcBef>
+              <a:buClr>
+                <a:srgbClr val="4CB3C0"/>
+              </a:buClr>
+              <a:buNone/>
+              <a:defRPr/>
+            </a:pPr>
+            <a:endParaRPr lang="en-US" altLang="ja-JP" sz="1800" dirty="0" smtClean="0">
+              <a:latin typeface="+mj-lt"/>
+              <a:ea typeface="HGP創英角ｺﾞｼｯｸUB"/>
+            </a:endParaRPr>
+          </a:p>
+          <a:p>
+            <a:pPr marL="0" indent="0">
+              <a:spcBef>
+                <a:spcPts val="450"/>
+              </a:spcBef>
+              <a:buClr>
+                <a:srgbClr val="4CB3C0"/>
+              </a:buClr>
+              <a:buNone/>
+              <a:defRPr/>
+            </a:pPr>
+            <a:endParaRPr lang="en-US" altLang="ja-JP" sz="1800" dirty="0">
+              <a:latin typeface="+mj-lt"/>
+              <a:ea typeface="HGP創英角ｺﾞｼｯｸUB"/>
+            </a:endParaRPr>
+          </a:p>
+          <a:p>
+            <a:pPr marL="0" indent="0">
+              <a:spcBef>
+                <a:spcPts val="450"/>
+              </a:spcBef>
+              <a:buClr>
+                <a:srgbClr val="4CB3C0"/>
+              </a:buClr>
+              <a:buNone/>
+              <a:defRPr/>
+            </a:pPr>
+            <a:endParaRPr lang="en-US" altLang="ja-JP" sz="1800" dirty="0" smtClean="0">
+              <a:latin typeface="+mj-lt"/>
+              <a:ea typeface="HGP創英角ｺﾞｼｯｸUB"/>
+            </a:endParaRPr>
+          </a:p>
+          <a:p>
+            <a:pPr marL="0" indent="0">
+              <a:spcBef>
+                <a:spcPts val="450"/>
+              </a:spcBef>
+              <a:buClr>
+                <a:srgbClr val="4CB3C0"/>
+              </a:buClr>
+              <a:buNone/>
+              <a:defRPr/>
+            </a:pPr>
+            <a:r>
+              <a:rPr lang="ja-JP" altLang="en-US" sz="1800" dirty="0" smtClean="0">
+                <a:latin typeface="+mj-lt"/>
+                <a:ea typeface="HGP創英角ｺﾞｼｯｸUB"/>
+              </a:rPr>
+              <a:t>　</a:t>
+            </a:r>
+            <a:endParaRPr lang="en-US" altLang="ja-JP" sz="1800" dirty="0">
+              <a:latin typeface="+mj-lt"/>
+              <a:ea typeface="HGP創英角ｺﾞｼｯｸUB"/>
+            </a:endParaRPr>
+          </a:p>
+          <a:p>
+            <a:pPr marL="0" indent="0">
+              <a:spcBef>
+                <a:spcPts val="450"/>
+              </a:spcBef>
+              <a:buClr>
+                <a:srgbClr val="00B4A0"/>
+              </a:buClr>
+              <a:buNone/>
+              <a:defRPr/>
+            </a:pPr>
+            <a:endParaRPr lang="ja-JP" altLang="en-US" sz="1800" dirty="0" smtClean="0">
+              <a:solidFill>
+                <a:srgbClr val="000000"/>
+              </a:solidFill>
+              <a:latin typeface="+mj-lt"/>
+              <a:ea typeface="HGP創英角ｺﾞｼｯｸUB"/>
+            </a:endParaRPr>
           </a:p>
         </p:txBody>
       </p:sp>
       <p:grpSp>
         <p:nvGrpSpPr>
-          <p:cNvPr id="11" name="Group 296">
+          <p:cNvPr id="12" name="Group 296">
             <a:extLst>
               <a:ext uri="{FF2B5EF4-FFF2-40B4-BE49-F238E27FC236}">
-                <a16:creationId xmlns="" xmlns:a16="http://schemas.microsoft.com/office/drawing/2014/main" id="{3842FC64-AB39-42D7-A48C-0FE49F99806C}"/>
+                <a16:creationId xmlns:a16="http://schemas.microsoft.com/office/drawing/2014/main" xmlns="" id="{3842FC64-AB39-42D7-A48C-0FE49F99806C}"/>
               </a:ext>
             </a:extLst>
           </p:cNvPr>
@@ -10912,7 +12508,7 @@
         </p:nvGrpSpPr>
         <p:grpSpPr bwMode="auto">
           <a:xfrm>
-            <a:off x="1214776" y="988976"/>
+            <a:off x="203150" y="767976"/>
             <a:ext cx="788463" cy="755574"/>
             <a:chOff x="336" y="601"/>
             <a:chExt cx="850" cy="850"/>
@@ -10920,10 +12516,10 @@
         </p:grpSpPr>
         <p:sp>
           <p:nvSpPr>
-            <p:cNvPr id="12" name="Oval 2">
+            <p:cNvPr id="13" name="Oval 2">
               <a:extLst>
                 <a:ext uri="{FF2B5EF4-FFF2-40B4-BE49-F238E27FC236}">
-                  <a16:creationId xmlns="" xmlns:a16="http://schemas.microsoft.com/office/drawing/2014/main" id="{9267EE0A-4BA4-4E94-8745-FFA9A06F71A9}"/>
+                  <a16:creationId xmlns:a16="http://schemas.microsoft.com/office/drawing/2014/main" xmlns="" id="{9267EE0A-4BA4-4E94-8745-FFA9A06F71A9}"/>
                 </a:ext>
               </a:extLst>
             </p:cNvPr>
@@ -10979,10 +12575,10 @@
         </p:sp>
         <p:sp>
           <p:nvSpPr>
-            <p:cNvPr id="13" name="Oval 19">
+            <p:cNvPr id="14" name="Oval 19">
               <a:extLst>
                 <a:ext uri="{FF2B5EF4-FFF2-40B4-BE49-F238E27FC236}">
-                  <a16:creationId xmlns="" xmlns:a16="http://schemas.microsoft.com/office/drawing/2014/main" id="{CC91C93B-224E-47BB-A4B4-F39EF6BD8070}"/>
+                  <a16:creationId xmlns:a16="http://schemas.microsoft.com/office/drawing/2014/main" xmlns="" id="{CC91C93B-224E-47BB-A4B4-F39EF6BD8070}"/>
                 </a:ext>
               </a:extLst>
             </p:cNvPr>
@@ -11052,10 +12648,10 @@
         </p:sp>
         <p:sp>
           <p:nvSpPr>
-            <p:cNvPr id="14" name="Oval 20">
+            <p:cNvPr id="15" name="Oval 20">
               <a:extLst>
                 <a:ext uri="{FF2B5EF4-FFF2-40B4-BE49-F238E27FC236}">
-                  <a16:creationId xmlns="" xmlns:a16="http://schemas.microsoft.com/office/drawing/2014/main" id="{9BD5F5FE-EFD9-4804-9B3B-C6D91AFF363C}"/>
+                  <a16:creationId xmlns:a16="http://schemas.microsoft.com/office/drawing/2014/main" xmlns="" id="{9BD5F5FE-EFD9-4804-9B3B-C6D91AFF363C}"/>
                 </a:ext>
               </a:extLst>
             </p:cNvPr>
@@ -11128,10 +12724,10 @@
         </p:sp>
         <p:grpSp>
           <p:nvGrpSpPr>
-            <p:cNvPr id="15" name="Group 21">
+            <p:cNvPr id="16" name="Group 21">
               <a:extLst>
                 <a:ext uri="{FF2B5EF4-FFF2-40B4-BE49-F238E27FC236}">
-                  <a16:creationId xmlns="" xmlns:a16="http://schemas.microsoft.com/office/drawing/2014/main" id="{7DB5FE9B-6714-4B4D-AB94-45F20F7D5C8E}"/>
+                  <a16:creationId xmlns:a16="http://schemas.microsoft.com/office/drawing/2014/main" xmlns="" id="{7DB5FE9B-6714-4B4D-AB94-45F20F7D5C8E}"/>
                 </a:ext>
               </a:extLst>
             </p:cNvPr>
@@ -11150,10 +12746,10 @@
           </p:grpSpPr>
           <p:sp>
             <p:nvSpPr>
-              <p:cNvPr id="18" name="AutoShape 22">
+              <p:cNvPr id="19" name="AutoShape 22">
                 <a:extLst>
                   <a:ext uri="{FF2B5EF4-FFF2-40B4-BE49-F238E27FC236}">
-                    <a16:creationId xmlns="" xmlns:a16="http://schemas.microsoft.com/office/drawing/2014/main" id="{4E5DF4CC-2B73-45EA-B083-30A68ED1FA2A}"/>
+                    <a16:creationId xmlns:a16="http://schemas.microsoft.com/office/drawing/2014/main" xmlns="" id="{4E5DF4CC-2B73-45EA-B083-30A68ED1FA2A}"/>
                   </a:ext>
                 </a:extLst>
               </p:cNvPr>
@@ -11219,10 +12815,10 @@
           </p:sp>
           <p:sp>
             <p:nvSpPr>
-              <p:cNvPr id="19" name="Freeform 23">
+              <p:cNvPr id="20" name="Freeform 23">
                 <a:extLst>
                   <a:ext uri="{FF2B5EF4-FFF2-40B4-BE49-F238E27FC236}">
-                    <a16:creationId xmlns="" xmlns:a16="http://schemas.microsoft.com/office/drawing/2014/main" id="{A03184C6-4DC0-40F9-A025-A1F34226A187}"/>
+                    <a16:creationId xmlns:a16="http://schemas.microsoft.com/office/drawing/2014/main" xmlns="" id="{A03184C6-4DC0-40F9-A025-A1F34226A187}"/>
                   </a:ext>
                 </a:extLst>
               </p:cNvPr>
@@ -11351,10 +12947,10 @@
         </p:grpSp>
         <p:sp>
           <p:nvSpPr>
-            <p:cNvPr id="16" name="AutoShape 36">
+            <p:cNvPr id="17" name="AutoShape 36">
               <a:extLst>
                 <a:ext uri="{FF2B5EF4-FFF2-40B4-BE49-F238E27FC236}">
-                  <a16:creationId xmlns="" xmlns:a16="http://schemas.microsoft.com/office/drawing/2014/main" id="{C65C2922-0F06-4601-991B-D9188A55C388}"/>
+                  <a16:creationId xmlns:a16="http://schemas.microsoft.com/office/drawing/2014/main" xmlns="" id="{C65C2922-0F06-4601-991B-D9188A55C388}"/>
                 </a:ext>
               </a:extLst>
             </p:cNvPr>
@@ -11526,10 +13122,1271 @@
         </p:sp>
         <p:sp>
           <p:nvSpPr>
-            <p:cNvPr id="17" name="AutoShape 37">
+            <p:cNvPr id="18" name="AutoShape 37">
               <a:extLst>
                 <a:ext uri="{FF2B5EF4-FFF2-40B4-BE49-F238E27FC236}">
-                  <a16:creationId xmlns="" xmlns:a16="http://schemas.microsoft.com/office/drawing/2014/main" id="{9028FBF9-F253-4134-8311-3707C3C5DB2F}"/>
+                  <a16:creationId xmlns:a16="http://schemas.microsoft.com/office/drawing/2014/main" xmlns="" id="{9028FBF9-F253-4134-8311-3707C3C5DB2F}"/>
+                </a:ext>
+              </a:extLst>
+            </p:cNvPr>
+            <p:cNvSpPr>
+              <a:spLocks noChangeArrowheads="1"/>
+            </p:cNvSpPr>
+            <p:nvPr/>
+          </p:nvSpPr>
+          <p:spPr bwMode="auto">
+            <a:xfrm>
+              <a:off x="807" y="890"/>
+              <a:ext cx="272" cy="272"/>
+            </a:xfrm>
+            <a:custGeom>
+              <a:avLst/>
+              <a:gdLst>
+                <a:gd name="G0" fmla="+- 8146 0 0"/>
+                <a:gd name="G1" fmla="+- -11686764 0 0"/>
+                <a:gd name="G2" fmla="+- 0 0 -11686764"/>
+                <a:gd name="T0" fmla="*/ 0 256 1"/>
+                <a:gd name="T1" fmla="*/ 180 256 1"/>
+                <a:gd name="G3" fmla="+- -11686764 T0 T1"/>
+                <a:gd name="T2" fmla="*/ 0 256 1"/>
+                <a:gd name="T3" fmla="*/ 90 256 1"/>
+                <a:gd name="G4" fmla="+- -11686764 T2 T3"/>
+                <a:gd name="G5" fmla="*/ G4 2 1"/>
+                <a:gd name="T4" fmla="*/ 90 256 1"/>
+                <a:gd name="T5" fmla="*/ 0 256 1"/>
+                <a:gd name="G6" fmla="+- -11686764 T4 T5"/>
+                <a:gd name="G7" fmla="*/ G6 2 1"/>
+                <a:gd name="G8" fmla="abs -11686764"/>
+                <a:gd name="T6" fmla="*/ 0 256 1"/>
+                <a:gd name="T7" fmla="*/ 90 256 1"/>
+                <a:gd name="G9" fmla="+- G8 T6 T7"/>
+                <a:gd name="G10" fmla="?: G9 G7 G5"/>
+                <a:gd name="T8" fmla="*/ 0 256 1"/>
+                <a:gd name="T9" fmla="*/ 360 256 1"/>
+                <a:gd name="G11" fmla="+- G10 T8 T9"/>
+                <a:gd name="G12" fmla="?: G10 G11 G10"/>
+                <a:gd name="T10" fmla="*/ 0 256 1"/>
+                <a:gd name="T11" fmla="*/ 360 256 1"/>
+                <a:gd name="G13" fmla="+- G12 T10 T11"/>
+                <a:gd name="G14" fmla="?: G12 G13 G12"/>
+                <a:gd name="G15" fmla="+- 0 0 G14"/>
+                <a:gd name="G16" fmla="+- 10800 0 0"/>
+                <a:gd name="G17" fmla="+- 10800 0 8146"/>
+                <a:gd name="G18" fmla="*/ 8146 1 2"/>
+                <a:gd name="G19" fmla="+- G18 5400 0"/>
+                <a:gd name="G20" fmla="cos G19 -11686764"/>
+                <a:gd name="G21" fmla="sin G19 -11686764"/>
+                <a:gd name="G22" fmla="+- G20 10800 0"/>
+                <a:gd name="G23" fmla="+- G21 10800 0"/>
+                <a:gd name="G24" fmla="+- 10800 0 G20"/>
+                <a:gd name="G25" fmla="+- 8146 10800 0"/>
+                <a:gd name="G26" fmla="?: G9 G17 G25"/>
+                <a:gd name="G27" fmla="?: G9 0 21600"/>
+                <a:gd name="G28" fmla="cos 10800 -11686764"/>
+                <a:gd name="G29" fmla="sin 10800 -11686764"/>
+                <a:gd name="G30" fmla="sin 8146 -11686764"/>
+                <a:gd name="G31" fmla="+- G28 10800 0"/>
+                <a:gd name="G32" fmla="+- G29 10800 0"/>
+                <a:gd name="G33" fmla="+- G30 10800 0"/>
+                <a:gd name="G34" fmla="?: G4 0 G31"/>
+                <a:gd name="G35" fmla="?: -11686764 G34 0"/>
+                <a:gd name="G36" fmla="?: G6 G35 G31"/>
+                <a:gd name="G37" fmla="+- 21600 0 G36"/>
+                <a:gd name="G38" fmla="?: G4 0 G33"/>
+                <a:gd name="G39" fmla="?: -11686764 G38 G32"/>
+                <a:gd name="G40" fmla="?: G6 G39 0"/>
+                <a:gd name="G41" fmla="?: G4 G32 21600"/>
+                <a:gd name="G42" fmla="?: G6 G41 G33"/>
+                <a:gd name="T12" fmla="*/ 10800 w 21600"/>
+                <a:gd name="T13" fmla="*/ 0 h 21600"/>
+                <a:gd name="T14" fmla="*/ 1331 w 21600"/>
+                <a:gd name="T15" fmla="*/ 10523 h 21600"/>
+                <a:gd name="T16" fmla="*/ 10800 w 21600"/>
+                <a:gd name="T17" fmla="*/ 2654 h 21600"/>
+                <a:gd name="T18" fmla="*/ 20269 w 21600"/>
+                <a:gd name="T19" fmla="*/ 10523 h 21600"/>
+                <a:gd name="T20" fmla="*/ G36 w 21600"/>
+                <a:gd name="T21" fmla="*/ G40 h 21600"/>
+                <a:gd name="T22" fmla="*/ G37 w 21600"/>
+                <a:gd name="T23" fmla="*/ G42 h 21600"/>
+              </a:gdLst>
+              <a:ahLst/>
+              <a:cxnLst>
+                <a:cxn ang="0">
+                  <a:pos x="T12" y="T13"/>
+                </a:cxn>
+                <a:cxn ang="0">
+                  <a:pos x="T14" y="T15"/>
+                </a:cxn>
+                <a:cxn ang="0">
+                  <a:pos x="T16" y="T17"/>
+                </a:cxn>
+                <a:cxn ang="0">
+                  <a:pos x="T18" y="T19"/>
+                </a:cxn>
+              </a:cxnLst>
+              <a:rect l="T20" t="T21" r="T22" b="T23"/>
+              <a:pathLst>
+                <a:path w="21600" h="21600">
+                  <a:moveTo>
+                    <a:pt x="2657" y="10562"/>
+                  </a:moveTo>
+                  <a:cubicBezTo>
+                    <a:pt x="2786" y="6157"/>
+                    <a:pt x="6393" y="2654"/>
+                    <a:pt x="10800" y="2654"/>
+                  </a:cubicBezTo>
+                  <a:cubicBezTo>
+                    <a:pt x="15206" y="2654"/>
+                    <a:pt x="18813" y="6157"/>
+                    <a:pt x="18942" y="10562"/>
+                  </a:cubicBezTo>
+                  <a:lnTo>
+                    <a:pt x="21595" y="10484"/>
+                  </a:lnTo>
+                  <a:cubicBezTo>
+                    <a:pt x="21424" y="4645"/>
+                    <a:pt x="16641" y="0"/>
+                    <a:pt x="10799" y="0"/>
+                  </a:cubicBezTo>
+                  <a:cubicBezTo>
+                    <a:pt x="4958" y="0"/>
+                    <a:pt x="175" y="4645"/>
+                    <a:pt x="4" y="10484"/>
+                  </a:cubicBezTo>
+                  <a:close/>
+                </a:path>
+              </a:pathLst>
+            </a:custGeom>
+            <a:solidFill>
+              <a:schemeClr val="tx1"/>
+            </a:solidFill>
+            <a:ln>
+              <a:noFill/>
+            </a:ln>
+            <a:effectLst/>
+            <a:extLst>
+              <a:ext uri="{91240B29-F687-4F45-9708-019B960494DF}">
+                <a14:hiddenLine xmlns:a14="http://schemas.microsoft.com/office/drawing/2010/main" w="9525">
+                  <a:solidFill>
+                    <a:srgbClr val="FF0000"/>
+                  </a:solidFill>
+                  <a:miter lim="800000"/>
+                  <a:headEnd/>
+                  <a:tailEnd/>
+                </a14:hiddenLine>
+              </a:ext>
+              <a:ext uri="{AF507438-7753-43E0-B8FC-AC1667EBCBE1}">
+                <a14:hiddenEffects xmlns:a14="http://schemas.microsoft.com/office/drawing/2010/main">
+                  <a:effectLst>
+                    <a:outerShdw dist="35921" dir="2700000" algn="ctr" rotWithShape="0">
+                      <a:schemeClr val="bg2"/>
+                    </a:outerShdw>
+                  </a:effectLst>
+                </a14:hiddenEffects>
+              </a:ext>
+            </a:extLst>
+          </p:spPr>
+          <p:txBody>
+            <a:bodyPr wrap="none" anchor="ctr"/>
+            <a:lstStyle/>
+            <a:p>
+              <a:endParaRPr lang="ja-JP" altLang="en-US"/>
+            </a:p>
+          </p:txBody>
+        </p:sp>
+      </p:grpSp>
+    </p:spTree>
+    <p:extLst>
+      <p:ext uri="{BB962C8B-B14F-4D97-AF65-F5344CB8AC3E}">
+        <p14:creationId xmlns:p14="http://schemas.microsoft.com/office/powerpoint/2010/main" val="288322948"/>
+      </p:ext>
+    </p:extLst>
+  </p:cSld>
+  <p:clrMapOvr>
+    <a:masterClrMapping/>
+  </p:clrMapOvr>
+  <p:timing>
+    <p:tnLst>
+      <p:par>
+        <p:cTn id="1" dur="indefinite" restart="never" nodeType="tmRoot"/>
+      </p:par>
+    </p:tnLst>
+  </p:timing>
+</p:sld>
+</file>
+
+<file path=ppt/slides/slide8.xml><?xml version="1.0" encoding="utf-8"?>
+<p:sld xmlns:a="http://schemas.openxmlformats.org/drawingml/2006/main" xmlns:r="http://schemas.openxmlformats.org/officeDocument/2006/relationships" xmlns:p="http://schemas.openxmlformats.org/presentationml/2006/main">
+  <p:cSld>
+    <p:spTree>
+      <p:nvGrpSpPr>
+        <p:cNvPr id="1" name=""/>
+        <p:cNvGrpSpPr/>
+        <p:nvPr/>
+      </p:nvGrpSpPr>
+      <p:grpSpPr>
+        <a:xfrm>
+          <a:off x="0" y="0"/>
+          <a:ext cx="0" cy="0"/>
+          <a:chOff x="0" y="0"/>
+          <a:chExt cx="0" cy="0"/>
+        </a:xfrm>
+      </p:grpSpPr>
+      <p:sp>
+        <p:nvSpPr>
+          <p:cNvPr id="2" name="タイトル 1"/>
+          <p:cNvSpPr>
+            <a:spLocks noGrp="1"/>
+          </p:cNvSpPr>
+          <p:nvPr>
+            <p:ph type="title"/>
+          </p:nvPr>
+        </p:nvSpPr>
+        <p:spPr>
+          <a:xfrm>
+            <a:off x="35575" y="78780"/>
+            <a:ext cx="6588000" cy="351000"/>
+          </a:xfrm>
+        </p:spPr>
+        <p:txBody>
+          <a:bodyPr>
+            <a:noAutofit/>
+          </a:bodyPr>
+          <a:lstStyle/>
+          <a:p>
+            <a:r>
+              <a:rPr lang="ja-JP" altLang="en-US" sz="2400" b="1" dirty="0" smtClean="0">
+                <a:ea typeface="HGP創英角ｺﾞｼｯｸUB" panose="020B0900000000000000" pitchFamily="50" charset="-128"/>
+              </a:rPr>
+              <a:t>進化の自分</a:t>
+            </a:r>
+            <a:r>
+              <a:rPr lang="en-US" altLang="ja-JP" sz="2400" b="1" dirty="0" smtClean="0">
+                <a:ea typeface="HGP創英角ｺﾞｼｯｸUB" panose="020B0900000000000000" pitchFamily="50" charset="-128"/>
+              </a:rPr>
+              <a:t>-</a:t>
+            </a:r>
+            <a:r>
+              <a:rPr lang="ja-JP" altLang="en-US" sz="2400" b="1" dirty="0" smtClean="0">
+                <a:ea typeface="HGP創英角ｺﾞｼｯｸUB" panose="020B0900000000000000" pitchFamily="50" charset="-128"/>
+              </a:rPr>
+              <a:t>現場以外の作業の兼務</a:t>
+            </a:r>
+            <a:endParaRPr lang="ja-JP" altLang="en-US" sz="2400" b="1" dirty="0">
+              <a:ea typeface="HGP創英角ｺﾞｼｯｸUB" panose="020B0900000000000000" pitchFamily="50" charset="-128"/>
+            </a:endParaRPr>
+          </a:p>
+        </p:txBody>
+      </p:sp>
+      <p:sp>
+        <p:nvSpPr>
+          <p:cNvPr id="5" name="テキスト ボックス 2"/>
+          <p:cNvSpPr txBox="1">
+            <a:spLocks noChangeArrowheads="1"/>
+          </p:cNvSpPr>
+          <p:nvPr/>
+        </p:nvSpPr>
+        <p:spPr bwMode="auto">
+          <a:xfrm>
+            <a:off x="1159510" y="846168"/>
+            <a:ext cx="5429826" cy="3129062"/>
+          </a:xfrm>
+          <a:prstGeom prst="rect">
+            <a:avLst/>
+          </a:prstGeom>
+          <a:noFill/>
+          <a:ln>
+            <a:noFill/>
+          </a:ln>
+          <a:extLst>
+            <a:ext uri="{909E8E84-426E-40DD-AFC4-6F175D3DCCD1}">
+              <a14:hiddenFill xmlns:a14="http://schemas.microsoft.com/office/drawing/2010/main">
+                <a:solidFill>
+                  <a:srgbClr val="FFFFFF"/>
+                </a:solidFill>
+              </a14:hiddenFill>
+            </a:ext>
+            <a:ext uri="{91240B29-F687-4F45-9708-019B960494DF}">
+              <a14:hiddenLine xmlns:a14="http://schemas.microsoft.com/office/drawing/2010/main" w="9525">
+                <a:solidFill>
+                  <a:srgbClr val="000000"/>
+                </a:solidFill>
+                <a:miter lim="800000"/>
+                <a:headEnd/>
+                <a:tailEnd/>
+              </a14:hiddenLine>
+            </a:ext>
+          </a:extLst>
+        </p:spPr>
+        <p:txBody>
+          <a:bodyPr wrap="square">
+            <a:spAutoFit/>
+          </a:bodyPr>
+          <a:lstStyle>
+            <a:lvl1pPr marL="174625" indent="-174625">
+              <a:spcBef>
+                <a:spcPct val="20000"/>
+              </a:spcBef>
+              <a:buChar char="•"/>
+              <a:defRPr kumimoji="1" sz="3200">
+                <a:solidFill>
+                  <a:schemeClr val="tx1"/>
+                </a:solidFill>
+                <a:latin typeface="Arial" charset="0"/>
+                <a:ea typeface="ＭＳ Ｐゴシック" charset="-128"/>
+              </a:defRPr>
+            </a:lvl1pPr>
+            <a:lvl2pPr marL="742950" indent="-285750">
+              <a:spcBef>
+                <a:spcPct val="20000"/>
+              </a:spcBef>
+              <a:buChar char="–"/>
+              <a:defRPr kumimoji="1" sz="2800">
+                <a:solidFill>
+                  <a:schemeClr val="tx1"/>
+                </a:solidFill>
+                <a:latin typeface="Arial" charset="0"/>
+                <a:ea typeface="ＭＳ Ｐゴシック" charset="-128"/>
+              </a:defRPr>
+            </a:lvl2pPr>
+            <a:lvl3pPr marL="1143000" indent="-228600">
+              <a:spcBef>
+                <a:spcPct val="20000"/>
+              </a:spcBef>
+              <a:buChar char="•"/>
+              <a:defRPr kumimoji="1" sz="2400">
+                <a:solidFill>
+                  <a:schemeClr val="tx1"/>
+                </a:solidFill>
+                <a:latin typeface="Arial" charset="0"/>
+                <a:ea typeface="ＭＳ Ｐゴシック" charset="-128"/>
+              </a:defRPr>
+            </a:lvl3pPr>
+            <a:lvl4pPr marL="1600200" indent="-228600">
+              <a:spcBef>
+                <a:spcPct val="20000"/>
+              </a:spcBef>
+              <a:buChar char="–"/>
+              <a:defRPr kumimoji="1" sz="2000">
+                <a:solidFill>
+                  <a:schemeClr val="tx1"/>
+                </a:solidFill>
+                <a:latin typeface="Arial" charset="0"/>
+                <a:ea typeface="ＭＳ Ｐゴシック" charset="-128"/>
+              </a:defRPr>
+            </a:lvl4pPr>
+            <a:lvl5pPr marL="2057400" indent="-228600">
+              <a:spcBef>
+                <a:spcPct val="20000"/>
+              </a:spcBef>
+              <a:buChar char="»"/>
+              <a:defRPr kumimoji="1" sz="2000">
+                <a:solidFill>
+                  <a:schemeClr val="tx1"/>
+                </a:solidFill>
+                <a:latin typeface="Arial" charset="0"/>
+                <a:ea typeface="ＭＳ Ｐゴシック" charset="-128"/>
+              </a:defRPr>
+            </a:lvl5pPr>
+            <a:lvl6pPr marL="2514600" indent="-228600" fontAlgn="base">
+              <a:spcBef>
+                <a:spcPct val="20000"/>
+              </a:spcBef>
+              <a:spcAft>
+                <a:spcPct val="0"/>
+              </a:spcAft>
+              <a:buChar char="»"/>
+              <a:defRPr kumimoji="1" sz="2000">
+                <a:solidFill>
+                  <a:schemeClr val="tx1"/>
+                </a:solidFill>
+                <a:latin typeface="Arial" charset="0"/>
+                <a:ea typeface="ＭＳ Ｐゴシック" charset="-128"/>
+              </a:defRPr>
+            </a:lvl6pPr>
+            <a:lvl7pPr marL="2971800" indent="-228600" fontAlgn="base">
+              <a:spcBef>
+                <a:spcPct val="20000"/>
+              </a:spcBef>
+              <a:spcAft>
+                <a:spcPct val="0"/>
+              </a:spcAft>
+              <a:buChar char="»"/>
+              <a:defRPr kumimoji="1" sz="2000">
+                <a:solidFill>
+                  <a:schemeClr val="tx1"/>
+                </a:solidFill>
+                <a:latin typeface="Arial" charset="0"/>
+                <a:ea typeface="ＭＳ Ｐゴシック" charset="-128"/>
+              </a:defRPr>
+            </a:lvl7pPr>
+            <a:lvl8pPr marL="3429000" indent="-228600" fontAlgn="base">
+              <a:spcBef>
+                <a:spcPct val="20000"/>
+              </a:spcBef>
+              <a:spcAft>
+                <a:spcPct val="0"/>
+              </a:spcAft>
+              <a:buChar char="»"/>
+              <a:defRPr kumimoji="1" sz="2000">
+                <a:solidFill>
+                  <a:schemeClr val="tx1"/>
+                </a:solidFill>
+                <a:latin typeface="Arial" charset="0"/>
+                <a:ea typeface="ＭＳ Ｐゴシック" charset="-128"/>
+              </a:defRPr>
+            </a:lvl8pPr>
+            <a:lvl9pPr marL="3886200" indent="-228600" fontAlgn="base">
+              <a:spcBef>
+                <a:spcPct val="20000"/>
+              </a:spcBef>
+              <a:spcAft>
+                <a:spcPct val="0"/>
+              </a:spcAft>
+              <a:buChar char="»"/>
+              <a:defRPr kumimoji="1" sz="2000">
+                <a:solidFill>
+                  <a:schemeClr val="tx1"/>
+                </a:solidFill>
+                <a:latin typeface="Arial" charset="0"/>
+                <a:ea typeface="ＭＳ Ｐゴシック" charset="-128"/>
+              </a:defRPr>
+            </a:lvl9pPr>
+          </a:lstStyle>
+          <a:p>
+            <a:pPr>
+              <a:spcBef>
+                <a:spcPts val="450"/>
+              </a:spcBef>
+              <a:buClr>
+                <a:srgbClr val="4CB3C0"/>
+              </a:buClr>
+              <a:buFont typeface="Arial" charset="0"/>
+              <a:buChar char="▌"/>
+              <a:defRPr/>
+            </a:pPr>
+            <a:r>
+              <a:rPr lang="ja-JP" altLang="en-US" sz="2000" dirty="0" smtClean="0">
+                <a:latin typeface="+mj-lt"/>
+                <a:ea typeface="HGP創英角ｺﾞｼｯｸUB"/>
+              </a:rPr>
+              <a:t>官庁総合運用テスト支援ツール</a:t>
+            </a:r>
+            <a:endParaRPr lang="en-US" altLang="ja-JP" sz="2000" dirty="0" smtClean="0">
+              <a:latin typeface="+mj-lt"/>
+              <a:ea typeface="HGP創英角ｺﾞｼｯｸUB"/>
+            </a:endParaRPr>
+          </a:p>
+          <a:p>
+            <a:pPr marL="0" indent="0">
+              <a:spcBef>
+                <a:spcPts val="450"/>
+              </a:spcBef>
+              <a:buClr>
+                <a:srgbClr val="4CB3C0"/>
+              </a:buClr>
+              <a:buNone/>
+              <a:defRPr/>
+            </a:pPr>
+            <a:r>
+              <a:rPr lang="ja-JP" altLang="en-US" sz="1800" dirty="0" smtClean="0">
+                <a:latin typeface="+mj-lt"/>
+                <a:ea typeface="HGP創英角ｺﾞｼｯｸUB"/>
+              </a:rPr>
+              <a:t>　</a:t>
+            </a:r>
+            <a:r>
+              <a:rPr lang="ja-JP" altLang="en-US" sz="1800" dirty="0" smtClean="0">
+                <a:latin typeface="+mj-lt"/>
+                <a:ea typeface="HGP創英角ｺﾞｼｯｸUB"/>
+              </a:rPr>
+              <a:t>役割：サブリーダー　</a:t>
+            </a:r>
+            <a:r>
+              <a:rPr lang="ja-JP" altLang="en-US" sz="1800" dirty="0" smtClean="0">
+                <a:latin typeface="+mj-lt"/>
+                <a:ea typeface="HGP創英角ｺﾞｼｯｸUB"/>
+              </a:rPr>
+              <a:t>チーム人数：</a:t>
+            </a:r>
+            <a:r>
+              <a:rPr lang="en-US" altLang="ja-JP" sz="1800" dirty="0" smtClean="0">
+                <a:latin typeface="+mj-lt"/>
+                <a:ea typeface="HGP創英角ｺﾞｼｯｸUB"/>
+              </a:rPr>
+              <a:t>4</a:t>
+            </a:r>
+            <a:r>
+              <a:rPr lang="ja-JP" altLang="en-US" sz="1800" dirty="0" smtClean="0">
+                <a:latin typeface="+mj-lt"/>
+                <a:ea typeface="HGP創英角ｺﾞｼｯｸUB"/>
+              </a:rPr>
+              <a:t>人</a:t>
+            </a:r>
+            <a:endParaRPr lang="en-US" altLang="ja-JP" sz="1800" dirty="0" smtClean="0">
+              <a:latin typeface="+mj-lt"/>
+              <a:ea typeface="HGP創英角ｺﾞｼｯｸUB"/>
+            </a:endParaRPr>
+          </a:p>
+          <a:p>
+            <a:pPr marL="0" indent="0">
+              <a:spcBef>
+                <a:spcPts val="450"/>
+              </a:spcBef>
+              <a:buClr>
+                <a:srgbClr val="4CB3C0"/>
+              </a:buClr>
+              <a:buNone/>
+              <a:defRPr/>
+            </a:pPr>
+            <a:endParaRPr lang="en-US" altLang="ja-JP" sz="1800" dirty="0" smtClean="0">
+              <a:latin typeface="+mj-lt"/>
+              <a:ea typeface="HGP創英角ｺﾞｼｯｸUB"/>
+            </a:endParaRPr>
+          </a:p>
+          <a:p>
+            <a:pPr marL="0" indent="0">
+              <a:spcBef>
+                <a:spcPts val="450"/>
+              </a:spcBef>
+              <a:buClr>
+                <a:srgbClr val="4CB3C0"/>
+              </a:buClr>
+              <a:buNone/>
+              <a:defRPr/>
+            </a:pPr>
+            <a:endParaRPr lang="en-US" altLang="ja-JP" sz="1800" dirty="0" smtClean="0">
+              <a:latin typeface="+mj-lt"/>
+              <a:ea typeface="HGP創英角ｺﾞｼｯｸUB"/>
+            </a:endParaRPr>
+          </a:p>
+          <a:p>
+            <a:pPr marL="0" indent="0">
+              <a:spcBef>
+                <a:spcPts val="450"/>
+              </a:spcBef>
+              <a:buClr>
+                <a:srgbClr val="4CB3C0"/>
+              </a:buClr>
+              <a:buNone/>
+              <a:defRPr/>
+            </a:pPr>
+            <a:endParaRPr lang="en-US" altLang="ja-JP" sz="1800" dirty="0" smtClean="0">
+              <a:latin typeface="+mj-lt"/>
+              <a:ea typeface="HGP創英角ｺﾞｼｯｸUB"/>
+            </a:endParaRPr>
+          </a:p>
+          <a:p>
+            <a:pPr marL="0" indent="0">
+              <a:spcBef>
+                <a:spcPts val="450"/>
+              </a:spcBef>
+              <a:buClr>
+                <a:srgbClr val="4CB3C0"/>
+              </a:buClr>
+              <a:buNone/>
+              <a:defRPr/>
+            </a:pPr>
+            <a:endParaRPr lang="en-US" altLang="ja-JP" sz="1800" dirty="0">
+              <a:latin typeface="+mj-lt"/>
+              <a:ea typeface="HGP創英角ｺﾞｼｯｸUB"/>
+            </a:endParaRPr>
+          </a:p>
+          <a:p>
+            <a:pPr marL="0" indent="0">
+              <a:spcBef>
+                <a:spcPts val="450"/>
+              </a:spcBef>
+              <a:buClr>
+                <a:srgbClr val="4CB3C0"/>
+              </a:buClr>
+              <a:buNone/>
+              <a:defRPr/>
+            </a:pPr>
+            <a:endParaRPr lang="en-US" altLang="ja-JP" sz="1800" dirty="0" smtClean="0">
+              <a:latin typeface="+mj-lt"/>
+              <a:ea typeface="HGP創英角ｺﾞｼｯｸUB"/>
+            </a:endParaRPr>
+          </a:p>
+          <a:p>
+            <a:pPr marL="0" indent="0">
+              <a:spcBef>
+                <a:spcPts val="450"/>
+              </a:spcBef>
+              <a:buClr>
+                <a:srgbClr val="4CB3C0"/>
+              </a:buClr>
+              <a:buNone/>
+              <a:defRPr/>
+            </a:pPr>
+            <a:r>
+              <a:rPr lang="ja-JP" altLang="en-US" sz="1800" dirty="0" smtClean="0">
+                <a:latin typeface="+mj-lt"/>
+                <a:ea typeface="HGP創英角ｺﾞｼｯｸUB"/>
+              </a:rPr>
+              <a:t>　</a:t>
+            </a:r>
+            <a:endParaRPr lang="en-US" altLang="ja-JP" sz="1800" dirty="0">
+              <a:latin typeface="+mj-lt"/>
+              <a:ea typeface="HGP創英角ｺﾞｼｯｸUB"/>
+            </a:endParaRPr>
+          </a:p>
+          <a:p>
+            <a:pPr marL="0" indent="0">
+              <a:spcBef>
+                <a:spcPts val="450"/>
+              </a:spcBef>
+              <a:buClr>
+                <a:srgbClr val="00B4A0"/>
+              </a:buClr>
+              <a:buNone/>
+              <a:defRPr/>
+            </a:pPr>
+            <a:endParaRPr lang="ja-JP" altLang="en-US" sz="1800" dirty="0" smtClean="0">
+              <a:solidFill>
+                <a:srgbClr val="000000"/>
+              </a:solidFill>
+              <a:latin typeface="+mj-lt"/>
+              <a:ea typeface="HGP創英角ｺﾞｼｯｸUB"/>
+            </a:endParaRPr>
+          </a:p>
+        </p:txBody>
+      </p:sp>
+      <p:grpSp>
+        <p:nvGrpSpPr>
+          <p:cNvPr id="12" name="Group 296">
+            <a:extLst>
+              <a:ext uri="{FF2B5EF4-FFF2-40B4-BE49-F238E27FC236}">
+                <a16:creationId xmlns:a16="http://schemas.microsoft.com/office/drawing/2014/main" xmlns="" id="{3842FC64-AB39-42D7-A48C-0FE49F99806C}"/>
+              </a:ext>
+            </a:extLst>
+          </p:cNvPr>
+          <p:cNvGrpSpPr>
+            <a:grpSpLocks/>
+          </p:cNvGrpSpPr>
+          <p:nvPr/>
+        </p:nvGrpSpPr>
+        <p:grpSpPr bwMode="auto">
+          <a:xfrm>
+            <a:off x="203150" y="767976"/>
+            <a:ext cx="788463" cy="755574"/>
+            <a:chOff x="336" y="601"/>
+            <a:chExt cx="850" cy="850"/>
+          </a:xfrm>
+        </p:grpSpPr>
+        <p:sp>
+          <p:nvSpPr>
+            <p:cNvPr id="13" name="Oval 2">
+              <a:extLst>
+                <a:ext uri="{FF2B5EF4-FFF2-40B4-BE49-F238E27FC236}">
+                  <a16:creationId xmlns:a16="http://schemas.microsoft.com/office/drawing/2014/main" xmlns="" id="{9267EE0A-4BA4-4E94-8745-FFA9A06F71A9}"/>
+                </a:ext>
+              </a:extLst>
+            </p:cNvPr>
+            <p:cNvSpPr>
+              <a:spLocks noChangeArrowheads="1"/>
+            </p:cNvSpPr>
+            <p:nvPr/>
+          </p:nvSpPr>
+          <p:spPr bwMode="auto">
+            <a:xfrm>
+              <a:off x="336" y="601"/>
+              <a:ext cx="850" cy="850"/>
+            </a:xfrm>
+            <a:prstGeom prst="ellipse">
+              <a:avLst/>
+            </a:prstGeom>
+            <a:solidFill>
+              <a:srgbClr val="333333"/>
+            </a:solidFill>
+            <a:ln>
+              <a:noFill/>
+            </a:ln>
+            <a:effectLst/>
+            <a:extLst>
+              <a:ext uri="{91240B29-F687-4F45-9708-019B960494DF}">
+                <a14:hiddenLine xmlns:a14="http://schemas.microsoft.com/office/drawing/2010/main" w="38100">
+                  <a:solidFill>
+                    <a:srgbClr val="333333"/>
+                  </a:solidFill>
+                  <a:round/>
+                  <a:headEnd/>
+                  <a:tailEnd/>
+                </a14:hiddenLine>
+              </a:ext>
+              <a:ext uri="{AF507438-7753-43E0-B8FC-AC1667EBCBE1}">
+                <a14:hiddenEffects xmlns:a14="http://schemas.microsoft.com/office/drawing/2010/main">
+                  <a:effectLst>
+                    <a:outerShdw dist="35921" dir="2700000" algn="ctr" rotWithShape="0">
+                      <a:schemeClr val="bg2"/>
+                    </a:outerShdw>
+                  </a:effectLst>
+                </a14:hiddenEffects>
+              </a:ext>
+            </a:extLst>
+          </p:spPr>
+          <p:txBody>
+            <a:bodyPr wrap="none" anchor="ctr"/>
+            <a:lstStyle/>
+            <a:p>
+              <a:endParaRPr lang="ja-JP" altLang="en-US"/>
+            </a:p>
+          </p:txBody>
+        </p:sp>
+        <p:sp>
+          <p:nvSpPr>
+            <p:cNvPr id="14" name="Oval 19">
+              <a:extLst>
+                <a:ext uri="{FF2B5EF4-FFF2-40B4-BE49-F238E27FC236}">
+                  <a16:creationId xmlns:a16="http://schemas.microsoft.com/office/drawing/2014/main" xmlns="" id="{CC91C93B-224E-47BB-A4B4-F39EF6BD8070}"/>
+                </a:ext>
+              </a:extLst>
+            </p:cNvPr>
+            <p:cNvSpPr>
+              <a:spLocks noChangeArrowheads="1"/>
+            </p:cNvSpPr>
+            <p:nvPr/>
+          </p:nvSpPr>
+          <p:spPr bwMode="auto">
+            <a:xfrm>
+              <a:off x="353" y="618"/>
+              <a:ext cx="817" cy="817"/>
+            </a:xfrm>
+            <a:prstGeom prst="ellipse">
+              <a:avLst/>
+            </a:prstGeom>
+            <a:gradFill rotWithShape="1">
+              <a:gsLst>
+                <a:gs pos="0">
+                  <a:srgbClr val="FF0000">
+                    <a:gamma/>
+                    <a:tint val="60392"/>
+                    <a:invGamma/>
+                  </a:srgbClr>
+                </a:gs>
+                <a:gs pos="100000">
+                  <a:srgbClr val="FF0000"/>
+                </a:gs>
+              </a:gsLst>
+              <a:path path="shape">
+                <a:fillToRect l="50000" t="50000" r="50000" b="50000"/>
+              </a:path>
+            </a:gradFill>
+            <a:ln>
+              <a:noFill/>
+            </a:ln>
+            <a:effectLst/>
+            <a:extLst>
+              <a:ext uri="{91240B29-F687-4F45-9708-019B960494DF}">
+                <a14:hiddenLine xmlns:a14="http://schemas.microsoft.com/office/drawing/2010/main" w="9525">
+                  <a:solidFill>
+                    <a:srgbClr val="FF0000"/>
+                  </a:solidFill>
+                  <a:round/>
+                  <a:headEnd/>
+                  <a:tailEnd/>
+                </a14:hiddenLine>
+              </a:ext>
+              <a:ext uri="{AF507438-7753-43E0-B8FC-AC1667EBCBE1}">
+                <a14:hiddenEffects xmlns:a14="http://schemas.microsoft.com/office/drawing/2010/main">
+                  <a:effectLst>
+                    <a:outerShdw dist="35921" dir="2700000" algn="ctr" rotWithShape="0">
+                      <a:schemeClr val="bg2"/>
+                    </a:outerShdw>
+                  </a:effectLst>
+                </a14:hiddenEffects>
+              </a:ext>
+            </a:extLst>
+          </p:spPr>
+          <p:txBody>
+            <a:bodyPr wrap="none" anchor="ctr"/>
+            <a:lstStyle/>
+            <a:p>
+              <a:endParaRPr lang="ja-JP" altLang="en-US"/>
+            </a:p>
+          </p:txBody>
+        </p:sp>
+        <p:sp>
+          <p:nvSpPr>
+            <p:cNvPr id="15" name="Oval 20">
+              <a:extLst>
+                <a:ext uri="{FF2B5EF4-FFF2-40B4-BE49-F238E27FC236}">
+                  <a16:creationId xmlns:a16="http://schemas.microsoft.com/office/drawing/2014/main" xmlns="" id="{9BD5F5FE-EFD9-4804-9B3B-C6D91AFF363C}"/>
+                </a:ext>
+              </a:extLst>
+            </p:cNvPr>
+            <p:cNvSpPr>
+              <a:spLocks noChangeArrowheads="1"/>
+            </p:cNvSpPr>
+            <p:nvPr/>
+          </p:nvSpPr>
+          <p:spPr bwMode="auto">
+            <a:xfrm>
+              <a:off x="625" y="663"/>
+              <a:ext cx="454" cy="454"/>
+            </a:xfrm>
+            <a:prstGeom prst="ellipse">
+              <a:avLst/>
+            </a:prstGeom>
+            <a:gradFill rotWithShape="1">
+              <a:gsLst>
+                <a:gs pos="0">
+                  <a:schemeClr val="bg1">
+                    <a:alpha val="60001"/>
+                  </a:schemeClr>
+                </a:gs>
+                <a:gs pos="100000">
+                  <a:schemeClr val="bg1">
+                    <a:gamma/>
+                    <a:shade val="46275"/>
+                    <a:invGamma/>
+                    <a:alpha val="0"/>
+                  </a:schemeClr>
+                </a:gs>
+              </a:gsLst>
+              <a:path path="shape">
+                <a:fillToRect l="50000" t="50000" r="50000" b="50000"/>
+              </a:path>
+            </a:gradFill>
+            <a:ln>
+              <a:noFill/>
+            </a:ln>
+            <a:effectLst/>
+            <a:extLst>
+              <a:ext uri="{91240B29-F687-4F45-9708-019B960494DF}">
+                <a14:hiddenLine xmlns:a14="http://schemas.microsoft.com/office/drawing/2010/main" w="9525">
+                  <a:solidFill>
+                    <a:srgbClr val="FF0000"/>
+                  </a:solidFill>
+                  <a:round/>
+                  <a:headEnd/>
+                  <a:tailEnd/>
+                </a14:hiddenLine>
+              </a:ext>
+              <a:ext uri="{AF507438-7753-43E0-B8FC-AC1667EBCBE1}">
+                <a14:hiddenEffects xmlns:a14="http://schemas.microsoft.com/office/drawing/2010/main">
+                  <a:effectLst>
+                    <a:outerShdw dist="35921" dir="2700000" algn="ctr" rotWithShape="0">
+                      <a:schemeClr val="bg2"/>
+                    </a:outerShdw>
+                  </a:effectLst>
+                </a14:hiddenEffects>
+              </a:ext>
+            </a:extLst>
+          </p:spPr>
+          <p:txBody>
+            <a:bodyPr wrap="none" anchor="ctr"/>
+            <a:lstStyle/>
+            <a:p>
+              <a:endParaRPr lang="ja-JP" altLang="en-US"/>
+            </a:p>
+          </p:txBody>
+        </p:sp>
+        <p:grpSp>
+          <p:nvGrpSpPr>
+            <p:cNvPr id="16" name="Group 21">
+              <a:extLst>
+                <a:ext uri="{FF2B5EF4-FFF2-40B4-BE49-F238E27FC236}">
+                  <a16:creationId xmlns:a16="http://schemas.microsoft.com/office/drawing/2014/main" xmlns="" id="{7DB5FE9B-6714-4B4D-AB94-45F20F7D5C8E}"/>
+                </a:ext>
+              </a:extLst>
+            </p:cNvPr>
+            <p:cNvGrpSpPr>
+              <a:grpSpLocks/>
+            </p:cNvGrpSpPr>
+            <p:nvPr/>
+          </p:nvGrpSpPr>
+          <p:grpSpPr bwMode="auto">
+            <a:xfrm>
+              <a:off x="535" y="1177"/>
+              <a:ext cx="453" cy="212"/>
+              <a:chOff x="580" y="1207"/>
+              <a:chExt cx="363" cy="182"/>
+            </a:xfrm>
+          </p:grpSpPr>
+          <p:sp>
+            <p:nvSpPr>
+              <p:cNvPr id="19" name="AutoShape 22">
+                <a:extLst>
+                  <a:ext uri="{FF2B5EF4-FFF2-40B4-BE49-F238E27FC236}">
+                    <a16:creationId xmlns:a16="http://schemas.microsoft.com/office/drawing/2014/main" xmlns="" id="{4E5DF4CC-2B73-45EA-B083-30A68ED1FA2A}"/>
+                  </a:ext>
+                </a:extLst>
+              </p:cNvPr>
+              <p:cNvSpPr>
+                <a:spLocks noChangeArrowheads="1"/>
+              </p:cNvSpPr>
+              <p:nvPr/>
+            </p:nvSpPr>
+            <p:spPr bwMode="auto">
+              <a:xfrm rot="16200000">
+                <a:off x="671" y="1116"/>
+                <a:ext cx="182" cy="363"/>
+              </a:xfrm>
+              <a:prstGeom prst="moon">
+                <a:avLst>
+                  <a:gd name="adj" fmla="val 87500"/>
+                </a:avLst>
+              </a:prstGeom>
+              <a:gradFill rotWithShape="1">
+                <a:gsLst>
+                  <a:gs pos="0">
+                    <a:srgbClr val="FF99CC"/>
+                  </a:gs>
+                  <a:gs pos="100000">
+                    <a:srgbClr val="CC0000"/>
+                  </a:gs>
+                </a:gsLst>
+                <a:lin ang="0" scaled="1"/>
+              </a:gradFill>
+              <a:ln>
+                <a:noFill/>
+              </a:ln>
+              <a:effectLst/>
+              <a:extLst>
+                <a:ext uri="{91240B29-F687-4F45-9708-019B960494DF}">
+                  <a14:hiddenLine xmlns:a14="http://schemas.microsoft.com/office/drawing/2010/main" w="3175">
+                    <a:solidFill>
+                      <a:srgbClr val="333333"/>
+                    </a:solidFill>
+                    <a:miter lim="800000"/>
+                    <a:headEnd/>
+                    <a:tailEnd/>
+                  </a14:hiddenLine>
+                </a:ext>
+                <a:ext uri="{AF507438-7753-43E0-B8FC-AC1667EBCBE1}">
+                  <a14:hiddenEffects xmlns:a14="http://schemas.microsoft.com/office/drawing/2010/main">
+                    <a:effectLst>
+                      <a:outerShdw dist="35921" dir="2700000" algn="ctr" rotWithShape="0">
+                        <a:schemeClr val="bg2"/>
+                      </a:outerShdw>
+                    </a:effectLst>
+                  </a14:hiddenEffects>
+                </a:ext>
+              </a:extLst>
+            </p:spPr>
+            <p:txBody>
+              <a:bodyPr wrap="none" anchor="ctr"/>
+              <a:lstStyle/>
+              <a:p>
+                <a:endParaRPr lang="ja-JP" altLang="en-US"/>
+              </a:p>
+            </p:txBody>
+          </p:sp>
+          <p:sp>
+            <p:nvSpPr>
+              <p:cNvPr id="20" name="Freeform 23">
+                <a:extLst>
+                  <a:ext uri="{FF2B5EF4-FFF2-40B4-BE49-F238E27FC236}">
+                    <a16:creationId xmlns:a16="http://schemas.microsoft.com/office/drawing/2014/main" xmlns="" id="{A03184C6-4DC0-40F9-A025-A1F34226A187}"/>
+                  </a:ext>
+                </a:extLst>
+              </p:cNvPr>
+              <p:cNvSpPr>
+                <a:spLocks/>
+              </p:cNvSpPr>
+              <p:nvPr/>
+            </p:nvSpPr>
+            <p:spPr bwMode="auto">
+              <a:xfrm>
+                <a:off x="625" y="1298"/>
+                <a:ext cx="272" cy="91"/>
+              </a:xfrm>
+              <a:custGeom>
+                <a:avLst/>
+                <a:gdLst>
+                  <a:gd name="T0" fmla="*/ 136 w 272"/>
+                  <a:gd name="T1" fmla="*/ 136 h 136"/>
+                  <a:gd name="T2" fmla="*/ 0 w 272"/>
+                  <a:gd name="T3" fmla="*/ 45 h 136"/>
+                  <a:gd name="T4" fmla="*/ 136 w 272"/>
+                  <a:gd name="T5" fmla="*/ 0 h 136"/>
+                  <a:gd name="T6" fmla="*/ 272 w 272"/>
+                  <a:gd name="T7" fmla="*/ 45 h 136"/>
+                  <a:gd name="T8" fmla="*/ 136 w 272"/>
+                  <a:gd name="T9" fmla="*/ 136 h 136"/>
+                </a:gdLst>
+                <a:ahLst/>
+                <a:cxnLst>
+                  <a:cxn ang="0">
+                    <a:pos x="T0" y="T1"/>
+                  </a:cxn>
+                  <a:cxn ang="0">
+                    <a:pos x="T2" y="T3"/>
+                  </a:cxn>
+                  <a:cxn ang="0">
+                    <a:pos x="T4" y="T5"/>
+                  </a:cxn>
+                  <a:cxn ang="0">
+                    <a:pos x="T6" y="T7"/>
+                  </a:cxn>
+                  <a:cxn ang="0">
+                    <a:pos x="T8" y="T9"/>
+                  </a:cxn>
+                </a:cxnLst>
+                <a:rect l="0" t="0" r="r" b="b"/>
+                <a:pathLst>
+                  <a:path w="272" h="136">
+                    <a:moveTo>
+                      <a:pt x="136" y="136"/>
+                    </a:moveTo>
+                    <a:cubicBezTo>
+                      <a:pt x="91" y="136"/>
+                      <a:pt x="0" y="68"/>
+                      <a:pt x="0" y="45"/>
+                    </a:cubicBezTo>
+                    <a:cubicBezTo>
+                      <a:pt x="0" y="22"/>
+                      <a:pt x="91" y="0"/>
+                      <a:pt x="136" y="0"/>
+                    </a:cubicBezTo>
+                    <a:cubicBezTo>
+                      <a:pt x="181" y="0"/>
+                      <a:pt x="272" y="22"/>
+                      <a:pt x="272" y="45"/>
+                    </a:cubicBezTo>
+                    <a:cubicBezTo>
+                      <a:pt x="272" y="68"/>
+                      <a:pt x="181" y="136"/>
+                      <a:pt x="136" y="136"/>
+                    </a:cubicBezTo>
+                    <a:close/>
+                  </a:path>
+                </a:pathLst>
+              </a:custGeom>
+              <a:gradFill rotWithShape="1">
+                <a:gsLst>
+                  <a:gs pos="0">
+                    <a:srgbClr val="FF0000">
+                      <a:gamma/>
+                      <a:shade val="46275"/>
+                      <a:invGamma/>
+                    </a:srgbClr>
+                  </a:gs>
+                  <a:gs pos="100000">
+                    <a:srgbClr val="FF0000"/>
+                  </a:gs>
+                </a:gsLst>
+                <a:lin ang="5400000" scaled="1"/>
+              </a:gradFill>
+              <a:ln>
+                <a:noFill/>
+              </a:ln>
+              <a:effectLst/>
+              <a:extLst>
+                <a:ext uri="{91240B29-F687-4F45-9708-019B960494DF}">
+                  <a14:hiddenLine xmlns:a14="http://schemas.microsoft.com/office/drawing/2010/main" w="9525" cap="flat" cmpd="sng">
+                    <a:solidFill>
+                      <a:srgbClr val="FF0000"/>
+                    </a:solidFill>
+                    <a:prstDash val="solid"/>
+                    <a:round/>
+                    <a:headEnd/>
+                    <a:tailEnd/>
+                  </a14:hiddenLine>
+                </a:ext>
+                <a:ext uri="{AF507438-7753-43E0-B8FC-AC1667EBCBE1}">
+                  <a14:hiddenEffects xmlns:a14="http://schemas.microsoft.com/office/drawing/2010/main">
+                    <a:effectLst>
+                      <a:outerShdw dist="35921" dir="2700000" algn="ctr" rotWithShape="0">
+                        <a:schemeClr val="bg2"/>
+                      </a:outerShdw>
+                    </a:effectLst>
+                  </a14:hiddenEffects>
+                </a:ext>
+              </a:extLst>
+            </p:spPr>
+            <p:txBody>
+              <a:bodyPr/>
+              <a:lstStyle/>
+              <a:p>
+                <a:endParaRPr lang="ja-JP" altLang="en-US"/>
+              </a:p>
+            </p:txBody>
+          </p:sp>
+        </p:grpSp>
+        <p:sp>
+          <p:nvSpPr>
+            <p:cNvPr id="17" name="AutoShape 36">
+              <a:extLst>
+                <a:ext uri="{FF2B5EF4-FFF2-40B4-BE49-F238E27FC236}">
+                  <a16:creationId xmlns:a16="http://schemas.microsoft.com/office/drawing/2014/main" xmlns="" id="{C65C2922-0F06-4601-991B-D9188A55C388}"/>
+                </a:ext>
+              </a:extLst>
+            </p:cNvPr>
+            <p:cNvSpPr>
+              <a:spLocks noChangeArrowheads="1"/>
+            </p:cNvSpPr>
+            <p:nvPr/>
+          </p:nvSpPr>
+          <p:spPr bwMode="auto">
+            <a:xfrm>
+              <a:off x="444" y="890"/>
+              <a:ext cx="272" cy="272"/>
+            </a:xfrm>
+            <a:custGeom>
+              <a:avLst/>
+              <a:gdLst>
+                <a:gd name="G0" fmla="+- 8146 0 0"/>
+                <a:gd name="G1" fmla="+- -11686764 0 0"/>
+                <a:gd name="G2" fmla="+- 0 0 -11686764"/>
+                <a:gd name="T0" fmla="*/ 0 256 1"/>
+                <a:gd name="T1" fmla="*/ 180 256 1"/>
+                <a:gd name="G3" fmla="+- -11686764 T0 T1"/>
+                <a:gd name="T2" fmla="*/ 0 256 1"/>
+                <a:gd name="T3" fmla="*/ 90 256 1"/>
+                <a:gd name="G4" fmla="+- -11686764 T2 T3"/>
+                <a:gd name="G5" fmla="*/ G4 2 1"/>
+                <a:gd name="T4" fmla="*/ 90 256 1"/>
+                <a:gd name="T5" fmla="*/ 0 256 1"/>
+                <a:gd name="G6" fmla="+- -11686764 T4 T5"/>
+                <a:gd name="G7" fmla="*/ G6 2 1"/>
+                <a:gd name="G8" fmla="abs -11686764"/>
+                <a:gd name="T6" fmla="*/ 0 256 1"/>
+                <a:gd name="T7" fmla="*/ 90 256 1"/>
+                <a:gd name="G9" fmla="+- G8 T6 T7"/>
+                <a:gd name="G10" fmla="?: G9 G7 G5"/>
+                <a:gd name="T8" fmla="*/ 0 256 1"/>
+                <a:gd name="T9" fmla="*/ 360 256 1"/>
+                <a:gd name="G11" fmla="+- G10 T8 T9"/>
+                <a:gd name="G12" fmla="?: G10 G11 G10"/>
+                <a:gd name="T10" fmla="*/ 0 256 1"/>
+                <a:gd name="T11" fmla="*/ 360 256 1"/>
+                <a:gd name="G13" fmla="+- G12 T10 T11"/>
+                <a:gd name="G14" fmla="?: G12 G13 G12"/>
+                <a:gd name="G15" fmla="+- 0 0 G14"/>
+                <a:gd name="G16" fmla="+- 10800 0 0"/>
+                <a:gd name="G17" fmla="+- 10800 0 8146"/>
+                <a:gd name="G18" fmla="*/ 8146 1 2"/>
+                <a:gd name="G19" fmla="+- G18 5400 0"/>
+                <a:gd name="G20" fmla="cos G19 -11686764"/>
+                <a:gd name="G21" fmla="sin G19 -11686764"/>
+                <a:gd name="G22" fmla="+- G20 10800 0"/>
+                <a:gd name="G23" fmla="+- G21 10800 0"/>
+                <a:gd name="G24" fmla="+- 10800 0 G20"/>
+                <a:gd name="G25" fmla="+- 8146 10800 0"/>
+                <a:gd name="G26" fmla="?: G9 G17 G25"/>
+                <a:gd name="G27" fmla="?: G9 0 21600"/>
+                <a:gd name="G28" fmla="cos 10800 -11686764"/>
+                <a:gd name="G29" fmla="sin 10800 -11686764"/>
+                <a:gd name="G30" fmla="sin 8146 -11686764"/>
+                <a:gd name="G31" fmla="+- G28 10800 0"/>
+                <a:gd name="G32" fmla="+- G29 10800 0"/>
+                <a:gd name="G33" fmla="+- G30 10800 0"/>
+                <a:gd name="G34" fmla="?: G4 0 G31"/>
+                <a:gd name="G35" fmla="?: -11686764 G34 0"/>
+                <a:gd name="G36" fmla="?: G6 G35 G31"/>
+                <a:gd name="G37" fmla="+- 21600 0 G36"/>
+                <a:gd name="G38" fmla="?: G4 0 G33"/>
+                <a:gd name="G39" fmla="?: -11686764 G38 G32"/>
+                <a:gd name="G40" fmla="?: G6 G39 0"/>
+                <a:gd name="G41" fmla="?: G4 G32 21600"/>
+                <a:gd name="G42" fmla="?: G6 G41 G33"/>
+                <a:gd name="T12" fmla="*/ 10800 w 21600"/>
+                <a:gd name="T13" fmla="*/ 0 h 21600"/>
+                <a:gd name="T14" fmla="*/ 1331 w 21600"/>
+                <a:gd name="T15" fmla="*/ 10523 h 21600"/>
+                <a:gd name="T16" fmla="*/ 10800 w 21600"/>
+                <a:gd name="T17" fmla="*/ 2654 h 21600"/>
+                <a:gd name="T18" fmla="*/ 20269 w 21600"/>
+                <a:gd name="T19" fmla="*/ 10523 h 21600"/>
+                <a:gd name="T20" fmla="*/ G36 w 21600"/>
+                <a:gd name="T21" fmla="*/ G40 h 21600"/>
+                <a:gd name="T22" fmla="*/ G37 w 21600"/>
+                <a:gd name="T23" fmla="*/ G42 h 21600"/>
+              </a:gdLst>
+              <a:ahLst/>
+              <a:cxnLst>
+                <a:cxn ang="0">
+                  <a:pos x="T12" y="T13"/>
+                </a:cxn>
+                <a:cxn ang="0">
+                  <a:pos x="T14" y="T15"/>
+                </a:cxn>
+                <a:cxn ang="0">
+                  <a:pos x="T16" y="T17"/>
+                </a:cxn>
+                <a:cxn ang="0">
+                  <a:pos x="T18" y="T19"/>
+                </a:cxn>
+              </a:cxnLst>
+              <a:rect l="T20" t="T21" r="T22" b="T23"/>
+              <a:pathLst>
+                <a:path w="21600" h="21600">
+                  <a:moveTo>
+                    <a:pt x="2657" y="10562"/>
+                  </a:moveTo>
+                  <a:cubicBezTo>
+                    <a:pt x="2786" y="6157"/>
+                    <a:pt x="6393" y="2654"/>
+                    <a:pt x="10800" y="2654"/>
+                  </a:cubicBezTo>
+                  <a:cubicBezTo>
+                    <a:pt x="15206" y="2654"/>
+                    <a:pt x="18813" y="6157"/>
+                    <a:pt x="18942" y="10562"/>
+                  </a:cubicBezTo>
+                  <a:lnTo>
+                    <a:pt x="21595" y="10484"/>
+                  </a:lnTo>
+                  <a:cubicBezTo>
+                    <a:pt x="21424" y="4645"/>
+                    <a:pt x="16641" y="0"/>
+                    <a:pt x="10799" y="0"/>
+                  </a:cubicBezTo>
+                  <a:cubicBezTo>
+                    <a:pt x="4958" y="0"/>
+                    <a:pt x="175" y="4645"/>
+                    <a:pt x="4" y="10484"/>
+                  </a:cubicBezTo>
+                  <a:close/>
+                </a:path>
+              </a:pathLst>
+            </a:custGeom>
+            <a:solidFill>
+              <a:schemeClr val="tx1"/>
+            </a:solidFill>
+            <a:ln>
+              <a:noFill/>
+            </a:ln>
+            <a:effectLst/>
+            <a:extLst>
+              <a:ext uri="{91240B29-F687-4F45-9708-019B960494DF}">
+                <a14:hiddenLine xmlns:a14="http://schemas.microsoft.com/office/drawing/2010/main" w="9525">
+                  <a:solidFill>
+                    <a:srgbClr val="FF0000"/>
+                  </a:solidFill>
+                  <a:miter lim="800000"/>
+                  <a:headEnd/>
+                  <a:tailEnd/>
+                </a14:hiddenLine>
+              </a:ext>
+              <a:ext uri="{AF507438-7753-43E0-B8FC-AC1667EBCBE1}">
+                <a14:hiddenEffects xmlns:a14="http://schemas.microsoft.com/office/drawing/2010/main">
+                  <a:effectLst>
+                    <a:outerShdw dist="35921" dir="2700000" algn="ctr" rotWithShape="0">
+                      <a:schemeClr val="bg2"/>
+                    </a:outerShdw>
+                  </a:effectLst>
+                </a14:hiddenEffects>
+              </a:ext>
+            </a:extLst>
+          </p:spPr>
+          <p:txBody>
+            <a:bodyPr wrap="none" anchor="ctr"/>
+            <a:lstStyle/>
+            <a:p>
+              <a:endParaRPr lang="ja-JP" altLang="en-US"/>
+            </a:p>
+          </p:txBody>
+        </p:sp>
+        <p:sp>
+          <p:nvSpPr>
+            <p:cNvPr id="18" name="AutoShape 37">
+              <a:extLst>
+                <a:ext uri="{FF2B5EF4-FFF2-40B4-BE49-F238E27FC236}">
+                  <a16:creationId xmlns:a16="http://schemas.microsoft.com/office/drawing/2014/main" xmlns="" id="{9028FBF9-F253-4134-8311-3707C3C5DB2F}"/>
                 </a:ext>
               </a:extLst>
             </p:cNvPr>
@@ -11702,256 +14559,950 @@
       </p:grpSp>
       <p:sp>
         <p:nvSpPr>
-          <p:cNvPr id="20" name="正方形/長方形 19"/>
+          <p:cNvPr id="21" name="角丸四角形 20"/>
           <p:cNvSpPr/>
           <p:nvPr/>
         </p:nvSpPr>
         <p:spPr bwMode="auto">
           <a:xfrm>
-            <a:off x="2255547" y="885065"/>
-            <a:ext cx="4261005" cy="3863579"/>
+            <a:off x="4776824" y="2045960"/>
+            <a:ext cx="1538106" cy="1328320"/>
+          </a:xfrm>
+          <a:prstGeom prst="roundRect">
+            <a:avLst/>
+          </a:prstGeom>
+          <a:ln/>
+          <a:extLst/>
+        </p:spPr>
+        <p:style>
+          <a:lnRef idx="0">
+            <a:schemeClr val="accent1"/>
+          </a:lnRef>
+          <a:fillRef idx="3">
+            <a:schemeClr val="accent1"/>
+          </a:fillRef>
+          <a:effectRef idx="3">
+            <a:schemeClr val="accent1"/>
+          </a:effectRef>
+          <a:fontRef idx="minor">
+            <a:schemeClr val="lt1"/>
+          </a:fontRef>
+        </p:style>
+        <p:txBody>
+          <a:bodyPr rot="0" spcFirstLastPara="0" vert="horz" wrap="square" lIns="68580" tIns="34290" rIns="68580" bIns="34290" numCol="1" spcCol="0" rtlCol="0" fromWordArt="0" anchor="ctr" anchorCtr="0" forceAA="0" compatLnSpc="1">
+            <a:prstTxWarp prst="textNoShape">
+              <a:avLst/>
+            </a:prstTxWarp>
+            <a:noAutofit/>
+          </a:bodyPr>
+          <a:lstStyle>
+            <a:defPPr>
+              <a:defRPr lang="ja-JP"/>
+            </a:defPPr>
+            <a:lvl1pPr marL="0" algn="l" defTabSz="914400" rtl="0" eaLnBrk="1" latinLnBrk="0" hangingPunct="1">
+              <a:defRPr kumimoji="1" sz="1800" kern="1200">
+                <a:solidFill>
+                  <a:schemeClr val="lt1"/>
+                </a:solidFill>
+                <a:latin typeface="+mn-lt"/>
+                <a:ea typeface="+mn-ea"/>
+                <a:cs typeface="+mn-cs"/>
+              </a:defRPr>
+            </a:lvl1pPr>
+            <a:lvl2pPr marL="457200" algn="l" defTabSz="914400" rtl="0" eaLnBrk="1" latinLnBrk="0" hangingPunct="1">
+              <a:defRPr kumimoji="1" sz="1800" kern="1200">
+                <a:solidFill>
+                  <a:schemeClr val="lt1"/>
+                </a:solidFill>
+                <a:latin typeface="+mn-lt"/>
+                <a:ea typeface="+mn-ea"/>
+                <a:cs typeface="+mn-cs"/>
+              </a:defRPr>
+            </a:lvl2pPr>
+            <a:lvl3pPr marL="914400" algn="l" defTabSz="914400" rtl="0" eaLnBrk="1" latinLnBrk="0" hangingPunct="1">
+              <a:defRPr kumimoji="1" sz="1800" kern="1200">
+                <a:solidFill>
+                  <a:schemeClr val="lt1"/>
+                </a:solidFill>
+                <a:latin typeface="+mn-lt"/>
+                <a:ea typeface="+mn-ea"/>
+                <a:cs typeface="+mn-cs"/>
+              </a:defRPr>
+            </a:lvl3pPr>
+            <a:lvl4pPr marL="1371600" algn="l" defTabSz="914400" rtl="0" eaLnBrk="1" latinLnBrk="0" hangingPunct="1">
+              <a:defRPr kumimoji="1" sz="1800" kern="1200">
+                <a:solidFill>
+                  <a:schemeClr val="lt1"/>
+                </a:solidFill>
+                <a:latin typeface="+mn-lt"/>
+                <a:ea typeface="+mn-ea"/>
+                <a:cs typeface="+mn-cs"/>
+              </a:defRPr>
+            </a:lvl4pPr>
+            <a:lvl5pPr marL="1828800" algn="l" defTabSz="914400" rtl="0" eaLnBrk="1" latinLnBrk="0" hangingPunct="1">
+              <a:defRPr kumimoji="1" sz="1800" kern="1200">
+                <a:solidFill>
+                  <a:schemeClr val="lt1"/>
+                </a:solidFill>
+                <a:latin typeface="+mn-lt"/>
+                <a:ea typeface="+mn-ea"/>
+                <a:cs typeface="+mn-cs"/>
+              </a:defRPr>
+            </a:lvl5pPr>
+            <a:lvl6pPr marL="2286000" algn="l" defTabSz="914400" rtl="0" eaLnBrk="1" latinLnBrk="0" hangingPunct="1">
+              <a:defRPr kumimoji="1" sz="1800" kern="1200">
+                <a:solidFill>
+                  <a:schemeClr val="lt1"/>
+                </a:solidFill>
+                <a:latin typeface="+mn-lt"/>
+                <a:ea typeface="+mn-ea"/>
+                <a:cs typeface="+mn-cs"/>
+              </a:defRPr>
+            </a:lvl6pPr>
+            <a:lvl7pPr marL="2743200" algn="l" defTabSz="914400" rtl="0" eaLnBrk="1" latinLnBrk="0" hangingPunct="1">
+              <a:defRPr kumimoji="1" sz="1800" kern="1200">
+                <a:solidFill>
+                  <a:schemeClr val="lt1"/>
+                </a:solidFill>
+                <a:latin typeface="+mn-lt"/>
+                <a:ea typeface="+mn-ea"/>
+                <a:cs typeface="+mn-cs"/>
+              </a:defRPr>
+            </a:lvl7pPr>
+            <a:lvl8pPr marL="3200400" algn="l" defTabSz="914400" rtl="0" eaLnBrk="1" latinLnBrk="0" hangingPunct="1">
+              <a:defRPr kumimoji="1" sz="1800" kern="1200">
+                <a:solidFill>
+                  <a:schemeClr val="lt1"/>
+                </a:solidFill>
+                <a:latin typeface="+mn-lt"/>
+                <a:ea typeface="+mn-ea"/>
+                <a:cs typeface="+mn-cs"/>
+              </a:defRPr>
+            </a:lvl8pPr>
+            <a:lvl9pPr marL="3657600" algn="l" defTabSz="914400" rtl="0" eaLnBrk="1" latinLnBrk="0" hangingPunct="1">
+              <a:defRPr kumimoji="1" sz="1800" kern="1200">
+                <a:solidFill>
+                  <a:schemeClr val="lt1"/>
+                </a:solidFill>
+                <a:latin typeface="+mn-lt"/>
+                <a:ea typeface="+mn-ea"/>
+                <a:cs typeface="+mn-cs"/>
+              </a:defRPr>
+            </a:lvl9pPr>
+          </a:lstStyle>
+          <a:p>
+            <a:pPr algn="ctr"/>
+            <a:r>
+              <a:rPr lang="en-US" altLang="ja-JP" sz="1500" b="1" dirty="0" smtClean="0">
+                <a:solidFill>
+                  <a:schemeClr val="bg1"/>
+                </a:solidFill>
+                <a:effectLst>
+                  <a:outerShdw blurRad="38100" dist="38100" dir="2700000" algn="tl">
+                    <a:srgbClr val="000000">
+                      <a:alpha val="43137"/>
+                    </a:srgbClr>
+                  </a:outerShdw>
+                </a:effectLst>
+                <a:latin typeface="+mn-ea"/>
+              </a:rPr>
+              <a:t>NCJ</a:t>
+            </a:r>
+            <a:r>
+              <a:rPr lang="ja-JP" altLang="en-US" sz="1500" b="1" dirty="0" smtClean="0">
+                <a:solidFill>
+                  <a:schemeClr val="bg1"/>
+                </a:solidFill>
+                <a:effectLst>
+                  <a:outerShdw blurRad="38100" dist="38100" dir="2700000" algn="tl">
+                    <a:srgbClr val="000000">
+                      <a:alpha val="43137"/>
+                    </a:srgbClr>
+                  </a:outerShdw>
+                </a:effectLst>
+                <a:latin typeface="+mn-ea"/>
+              </a:rPr>
+              <a:t>社内開発</a:t>
+            </a:r>
+            <a:endParaRPr lang="en-US" altLang="ja-JP" sz="1500" b="1" dirty="0" smtClean="0">
+              <a:solidFill>
+                <a:schemeClr val="bg1"/>
+              </a:solidFill>
+              <a:effectLst>
+                <a:outerShdw blurRad="38100" dist="38100" dir="2700000" algn="tl">
+                  <a:srgbClr val="000000">
+                    <a:alpha val="43137"/>
+                  </a:srgbClr>
+                </a:outerShdw>
+              </a:effectLst>
+              <a:latin typeface="+mn-ea"/>
+            </a:endParaRPr>
+          </a:p>
+          <a:p>
+            <a:pPr algn="ctr"/>
+            <a:r>
+              <a:rPr lang="ja-JP" altLang="en-US" sz="1500" b="1" dirty="0" smtClean="0">
+                <a:solidFill>
+                  <a:schemeClr val="bg1"/>
+                </a:solidFill>
+                <a:effectLst>
+                  <a:outerShdw blurRad="38100" dist="38100" dir="2700000" algn="tl">
+                    <a:srgbClr val="000000">
+                      <a:alpha val="43137"/>
+                    </a:srgbClr>
+                  </a:outerShdw>
+                </a:effectLst>
+                <a:latin typeface="+mn-ea"/>
+              </a:rPr>
+              <a:t>（</a:t>
+            </a:r>
+            <a:r>
+              <a:rPr lang="en-US" altLang="ja-JP" sz="1500" b="1" dirty="0" smtClean="0">
+                <a:solidFill>
+                  <a:schemeClr val="bg1"/>
+                </a:solidFill>
+                <a:effectLst>
+                  <a:outerShdw blurRad="38100" dist="38100" dir="2700000" algn="tl">
+                    <a:srgbClr val="000000">
+                      <a:alpha val="43137"/>
+                    </a:srgbClr>
+                  </a:outerShdw>
+                </a:effectLst>
+                <a:latin typeface="+mn-ea"/>
+              </a:rPr>
+              <a:t>2</a:t>
+            </a:r>
+            <a:r>
+              <a:rPr lang="ja-JP" altLang="en-US" sz="1500" b="1" dirty="0" smtClean="0">
+                <a:solidFill>
+                  <a:schemeClr val="bg1"/>
+                </a:solidFill>
+                <a:effectLst>
+                  <a:outerShdw blurRad="38100" dist="38100" dir="2700000" algn="tl">
+                    <a:srgbClr val="000000">
+                      <a:alpha val="43137"/>
+                    </a:srgbClr>
+                  </a:outerShdw>
+                </a:effectLst>
+                <a:latin typeface="+mn-ea"/>
+              </a:rPr>
+              <a:t>名）</a:t>
+            </a:r>
+            <a:endParaRPr lang="ja-JP" altLang="en-US" sz="1500" b="1" dirty="0">
+              <a:solidFill>
+                <a:schemeClr val="bg1"/>
+              </a:solidFill>
+              <a:effectLst>
+                <a:outerShdw blurRad="38100" dist="38100" dir="2700000" algn="tl">
+                  <a:srgbClr val="000000">
+                    <a:alpha val="43137"/>
+                  </a:srgbClr>
+                </a:outerShdw>
+              </a:effectLst>
+              <a:latin typeface="+mn-ea"/>
+            </a:endParaRPr>
+          </a:p>
+        </p:txBody>
+      </p:sp>
+      <p:sp>
+        <p:nvSpPr>
+          <p:cNvPr id="22" name="角丸四角形 21"/>
+          <p:cNvSpPr/>
+          <p:nvPr/>
+        </p:nvSpPr>
+        <p:spPr bwMode="auto">
+          <a:xfrm>
+            <a:off x="1346145" y="2008480"/>
+            <a:ext cx="988949" cy="1442150"/>
+          </a:xfrm>
+          <a:prstGeom prst="roundRect">
+            <a:avLst/>
+          </a:prstGeom>
+          <a:ln/>
+          <a:extLst/>
+        </p:spPr>
+        <p:style>
+          <a:lnRef idx="0">
+            <a:schemeClr val="accent3"/>
+          </a:lnRef>
+          <a:fillRef idx="3">
+            <a:schemeClr val="accent3"/>
+          </a:fillRef>
+          <a:effectRef idx="3">
+            <a:schemeClr val="accent3"/>
+          </a:effectRef>
+          <a:fontRef idx="minor">
+            <a:schemeClr val="lt1"/>
+          </a:fontRef>
+        </p:style>
+        <p:txBody>
+          <a:bodyPr rot="0" spcFirstLastPara="0" vert="eaVert" wrap="square" lIns="68580" tIns="34290" rIns="68580" bIns="34290" numCol="1" spcCol="0" rtlCol="0" fromWordArt="0" anchor="ctr" anchorCtr="0" forceAA="0" compatLnSpc="1">
+            <a:prstTxWarp prst="textNoShape">
+              <a:avLst/>
+            </a:prstTxWarp>
+            <a:noAutofit/>
+          </a:bodyPr>
+          <a:lstStyle>
+            <a:defPPr>
+              <a:defRPr lang="ja-JP"/>
+            </a:defPPr>
+            <a:lvl1pPr marL="0" algn="l" defTabSz="914400" rtl="0" eaLnBrk="1" latinLnBrk="0" hangingPunct="1">
+              <a:defRPr kumimoji="1" sz="1800" kern="1200">
+                <a:solidFill>
+                  <a:schemeClr val="lt1"/>
+                </a:solidFill>
+                <a:latin typeface="+mn-lt"/>
+                <a:ea typeface="+mn-ea"/>
+                <a:cs typeface="+mn-cs"/>
+              </a:defRPr>
+            </a:lvl1pPr>
+            <a:lvl2pPr marL="457200" algn="l" defTabSz="914400" rtl="0" eaLnBrk="1" latinLnBrk="0" hangingPunct="1">
+              <a:defRPr kumimoji="1" sz="1800" kern="1200">
+                <a:solidFill>
+                  <a:schemeClr val="lt1"/>
+                </a:solidFill>
+                <a:latin typeface="+mn-lt"/>
+                <a:ea typeface="+mn-ea"/>
+                <a:cs typeface="+mn-cs"/>
+              </a:defRPr>
+            </a:lvl2pPr>
+            <a:lvl3pPr marL="914400" algn="l" defTabSz="914400" rtl="0" eaLnBrk="1" latinLnBrk="0" hangingPunct="1">
+              <a:defRPr kumimoji="1" sz="1800" kern="1200">
+                <a:solidFill>
+                  <a:schemeClr val="lt1"/>
+                </a:solidFill>
+                <a:latin typeface="+mn-lt"/>
+                <a:ea typeface="+mn-ea"/>
+                <a:cs typeface="+mn-cs"/>
+              </a:defRPr>
+            </a:lvl3pPr>
+            <a:lvl4pPr marL="1371600" algn="l" defTabSz="914400" rtl="0" eaLnBrk="1" latinLnBrk="0" hangingPunct="1">
+              <a:defRPr kumimoji="1" sz="1800" kern="1200">
+                <a:solidFill>
+                  <a:schemeClr val="lt1"/>
+                </a:solidFill>
+                <a:latin typeface="+mn-lt"/>
+                <a:ea typeface="+mn-ea"/>
+                <a:cs typeface="+mn-cs"/>
+              </a:defRPr>
+            </a:lvl4pPr>
+            <a:lvl5pPr marL="1828800" algn="l" defTabSz="914400" rtl="0" eaLnBrk="1" latinLnBrk="0" hangingPunct="1">
+              <a:defRPr kumimoji="1" sz="1800" kern="1200">
+                <a:solidFill>
+                  <a:schemeClr val="lt1"/>
+                </a:solidFill>
+                <a:latin typeface="+mn-lt"/>
+                <a:ea typeface="+mn-ea"/>
+                <a:cs typeface="+mn-cs"/>
+              </a:defRPr>
+            </a:lvl5pPr>
+            <a:lvl6pPr marL="2286000" algn="l" defTabSz="914400" rtl="0" eaLnBrk="1" latinLnBrk="0" hangingPunct="1">
+              <a:defRPr kumimoji="1" sz="1800" kern="1200">
+                <a:solidFill>
+                  <a:schemeClr val="lt1"/>
+                </a:solidFill>
+                <a:latin typeface="+mn-lt"/>
+                <a:ea typeface="+mn-ea"/>
+                <a:cs typeface="+mn-cs"/>
+              </a:defRPr>
+            </a:lvl6pPr>
+            <a:lvl7pPr marL="2743200" algn="l" defTabSz="914400" rtl="0" eaLnBrk="1" latinLnBrk="0" hangingPunct="1">
+              <a:defRPr kumimoji="1" sz="1800" kern="1200">
+                <a:solidFill>
+                  <a:schemeClr val="lt1"/>
+                </a:solidFill>
+                <a:latin typeface="+mn-lt"/>
+                <a:ea typeface="+mn-ea"/>
+                <a:cs typeface="+mn-cs"/>
+              </a:defRPr>
+            </a:lvl7pPr>
+            <a:lvl8pPr marL="3200400" algn="l" defTabSz="914400" rtl="0" eaLnBrk="1" latinLnBrk="0" hangingPunct="1">
+              <a:defRPr kumimoji="1" sz="1800" kern="1200">
+                <a:solidFill>
+                  <a:schemeClr val="lt1"/>
+                </a:solidFill>
+                <a:latin typeface="+mn-lt"/>
+                <a:ea typeface="+mn-ea"/>
+                <a:cs typeface="+mn-cs"/>
+              </a:defRPr>
+            </a:lvl8pPr>
+            <a:lvl9pPr marL="3657600" algn="l" defTabSz="914400" rtl="0" eaLnBrk="1" latinLnBrk="0" hangingPunct="1">
+              <a:defRPr kumimoji="1" sz="1800" kern="1200">
+                <a:solidFill>
+                  <a:schemeClr val="lt1"/>
+                </a:solidFill>
+                <a:latin typeface="+mn-lt"/>
+                <a:ea typeface="+mn-ea"/>
+                <a:cs typeface="+mn-cs"/>
+              </a:defRPr>
+            </a:lvl9pPr>
+          </a:lstStyle>
+          <a:p>
+            <a:pPr algn="ctr"/>
+            <a:r>
+              <a:rPr lang="ja-JP" altLang="en-US" sz="1500" b="1" dirty="0">
+                <a:solidFill>
+                  <a:schemeClr val="bg1"/>
+                </a:solidFill>
+                <a:effectLst>
+                  <a:outerShdw blurRad="38100" dist="38100" dir="2700000" algn="tl">
+                    <a:srgbClr val="000000">
+                      <a:alpha val="43137"/>
+                    </a:srgbClr>
+                  </a:outerShdw>
+                </a:effectLst>
+                <a:latin typeface="+mn-ea"/>
+              </a:rPr>
+              <a:t>ＮＥＳ</a:t>
+            </a:r>
+          </a:p>
+        </p:txBody>
+      </p:sp>
+      <p:sp>
+        <p:nvSpPr>
+          <p:cNvPr id="23" name="角丸四角形 22"/>
+          <p:cNvSpPr/>
+          <p:nvPr/>
+        </p:nvSpPr>
+        <p:spPr bwMode="auto">
+          <a:xfrm>
+            <a:off x="3170341" y="2026310"/>
+            <a:ext cx="801814" cy="1406490"/>
+          </a:xfrm>
+          <a:prstGeom prst="roundRect">
+            <a:avLst/>
+          </a:prstGeom>
+          <a:ln/>
+          <a:extLst/>
+        </p:spPr>
+        <p:style>
+          <a:lnRef idx="0">
+            <a:schemeClr val="accent6"/>
+          </a:lnRef>
+          <a:fillRef idx="3">
+            <a:schemeClr val="accent6"/>
+          </a:fillRef>
+          <a:effectRef idx="3">
+            <a:schemeClr val="accent6"/>
+          </a:effectRef>
+          <a:fontRef idx="minor">
+            <a:schemeClr val="lt1"/>
+          </a:fontRef>
+        </p:style>
+        <p:txBody>
+          <a:bodyPr rot="0" spcFirstLastPara="0" vert="eaVert" wrap="square" lIns="68580" tIns="34290" rIns="68580" bIns="34290" numCol="1" spcCol="0" rtlCol="0" fromWordArt="0" anchor="ctr" anchorCtr="0" forceAA="0" compatLnSpc="1">
+            <a:prstTxWarp prst="textNoShape">
+              <a:avLst/>
+            </a:prstTxWarp>
+            <a:noAutofit/>
+          </a:bodyPr>
+          <a:lstStyle>
+            <a:defPPr>
+              <a:defRPr lang="ja-JP"/>
+            </a:defPPr>
+            <a:lvl1pPr marL="0" algn="l" defTabSz="914400" rtl="0" eaLnBrk="1" latinLnBrk="0" hangingPunct="1">
+              <a:defRPr kumimoji="1" sz="1800" kern="1200">
+                <a:solidFill>
+                  <a:schemeClr val="lt1"/>
+                </a:solidFill>
+                <a:latin typeface="+mn-lt"/>
+                <a:ea typeface="+mn-ea"/>
+                <a:cs typeface="+mn-cs"/>
+              </a:defRPr>
+            </a:lvl1pPr>
+            <a:lvl2pPr marL="457200" algn="l" defTabSz="914400" rtl="0" eaLnBrk="1" latinLnBrk="0" hangingPunct="1">
+              <a:defRPr kumimoji="1" sz="1800" kern="1200">
+                <a:solidFill>
+                  <a:schemeClr val="lt1"/>
+                </a:solidFill>
+                <a:latin typeface="+mn-lt"/>
+                <a:ea typeface="+mn-ea"/>
+                <a:cs typeface="+mn-cs"/>
+              </a:defRPr>
+            </a:lvl2pPr>
+            <a:lvl3pPr marL="914400" algn="l" defTabSz="914400" rtl="0" eaLnBrk="1" latinLnBrk="0" hangingPunct="1">
+              <a:defRPr kumimoji="1" sz="1800" kern="1200">
+                <a:solidFill>
+                  <a:schemeClr val="lt1"/>
+                </a:solidFill>
+                <a:latin typeface="+mn-lt"/>
+                <a:ea typeface="+mn-ea"/>
+                <a:cs typeface="+mn-cs"/>
+              </a:defRPr>
+            </a:lvl3pPr>
+            <a:lvl4pPr marL="1371600" algn="l" defTabSz="914400" rtl="0" eaLnBrk="1" latinLnBrk="0" hangingPunct="1">
+              <a:defRPr kumimoji="1" sz="1800" kern="1200">
+                <a:solidFill>
+                  <a:schemeClr val="lt1"/>
+                </a:solidFill>
+                <a:latin typeface="+mn-lt"/>
+                <a:ea typeface="+mn-ea"/>
+                <a:cs typeface="+mn-cs"/>
+              </a:defRPr>
+            </a:lvl4pPr>
+            <a:lvl5pPr marL="1828800" algn="l" defTabSz="914400" rtl="0" eaLnBrk="1" latinLnBrk="0" hangingPunct="1">
+              <a:defRPr kumimoji="1" sz="1800" kern="1200">
+                <a:solidFill>
+                  <a:schemeClr val="lt1"/>
+                </a:solidFill>
+                <a:latin typeface="+mn-lt"/>
+                <a:ea typeface="+mn-ea"/>
+                <a:cs typeface="+mn-cs"/>
+              </a:defRPr>
+            </a:lvl5pPr>
+            <a:lvl6pPr marL="2286000" algn="l" defTabSz="914400" rtl="0" eaLnBrk="1" latinLnBrk="0" hangingPunct="1">
+              <a:defRPr kumimoji="1" sz="1800" kern="1200">
+                <a:solidFill>
+                  <a:schemeClr val="lt1"/>
+                </a:solidFill>
+                <a:latin typeface="+mn-lt"/>
+                <a:ea typeface="+mn-ea"/>
+                <a:cs typeface="+mn-cs"/>
+              </a:defRPr>
+            </a:lvl6pPr>
+            <a:lvl7pPr marL="2743200" algn="l" defTabSz="914400" rtl="0" eaLnBrk="1" latinLnBrk="0" hangingPunct="1">
+              <a:defRPr kumimoji="1" sz="1800" kern="1200">
+                <a:solidFill>
+                  <a:schemeClr val="lt1"/>
+                </a:solidFill>
+                <a:latin typeface="+mn-lt"/>
+                <a:ea typeface="+mn-ea"/>
+                <a:cs typeface="+mn-cs"/>
+              </a:defRPr>
+            </a:lvl7pPr>
+            <a:lvl8pPr marL="3200400" algn="l" defTabSz="914400" rtl="0" eaLnBrk="1" latinLnBrk="0" hangingPunct="1">
+              <a:defRPr kumimoji="1" sz="1800" kern="1200">
+                <a:solidFill>
+                  <a:schemeClr val="lt1"/>
+                </a:solidFill>
+                <a:latin typeface="+mn-lt"/>
+                <a:ea typeface="+mn-ea"/>
+                <a:cs typeface="+mn-cs"/>
+              </a:defRPr>
+            </a:lvl8pPr>
+            <a:lvl9pPr marL="3657600" algn="l" defTabSz="914400" rtl="0" eaLnBrk="1" latinLnBrk="0" hangingPunct="1">
+              <a:defRPr kumimoji="1" sz="1800" kern="1200">
+                <a:solidFill>
+                  <a:schemeClr val="lt1"/>
+                </a:solidFill>
+                <a:latin typeface="+mn-lt"/>
+                <a:ea typeface="+mn-ea"/>
+                <a:cs typeface="+mn-cs"/>
+              </a:defRPr>
+            </a:lvl9pPr>
+          </a:lstStyle>
+          <a:p>
+            <a:pPr algn="ctr"/>
+            <a:r>
+              <a:rPr kumimoji="0" lang="ja-JP" altLang="en-US" sz="1600" b="1" kern="0" dirty="0" smtClean="0">
+                <a:solidFill>
+                  <a:schemeClr val="bg1"/>
+                </a:solidFill>
+                <a:effectLst>
+                  <a:outerShdw blurRad="38100" dist="38100" dir="2700000" algn="tl">
+                    <a:srgbClr val="000000">
+                      <a:alpha val="43137"/>
+                    </a:srgbClr>
+                  </a:outerShdw>
+                </a:effectLst>
+                <a:latin typeface="+mn-ea"/>
+              </a:rPr>
+              <a:t>兪・徐</a:t>
+            </a:r>
+            <a:endParaRPr lang="ja-JP" altLang="en-US" sz="1500" b="1" dirty="0">
+              <a:solidFill>
+                <a:schemeClr val="bg1"/>
+              </a:solidFill>
+              <a:effectLst>
+                <a:outerShdw blurRad="38100" dist="38100" dir="2700000" algn="tl">
+                  <a:srgbClr val="000000">
+                    <a:alpha val="43137"/>
+                  </a:srgbClr>
+                </a:outerShdw>
+              </a:effectLst>
+              <a:latin typeface="+mn-ea"/>
+            </a:endParaRPr>
+          </a:p>
+        </p:txBody>
+      </p:sp>
+      <p:sp>
+        <p:nvSpPr>
+          <p:cNvPr id="24" name="テキスト ボックス 23"/>
+          <p:cNvSpPr txBox="1"/>
+          <p:nvPr/>
+        </p:nvSpPr>
+        <p:spPr>
+          <a:xfrm>
+            <a:off x="2521729" y="2479288"/>
+            <a:ext cx="415498" cy="230832"/>
           </a:xfrm>
           <a:prstGeom prst="rect">
             <a:avLst/>
           </a:prstGeom>
           <a:noFill/>
-          <a:ln>
+        </p:spPr>
+        <p:txBody>
+          <a:bodyPr wrap="none" rtlCol="0">
+            <a:spAutoFit/>
+          </a:bodyPr>
+          <a:lstStyle>
+            <a:defPPr>
+              <a:defRPr lang="ja-JP"/>
+            </a:defPPr>
+            <a:lvl1pPr marL="0" algn="l" defTabSz="914400" rtl="0" eaLnBrk="1" latinLnBrk="0" hangingPunct="1">
+              <a:defRPr kumimoji="1" sz="1800" kern="1200">
+                <a:solidFill>
+                  <a:schemeClr val="tx1"/>
+                </a:solidFill>
+                <a:latin typeface="+mn-lt"/>
+                <a:ea typeface="+mn-ea"/>
+                <a:cs typeface="+mn-cs"/>
+              </a:defRPr>
+            </a:lvl1pPr>
+            <a:lvl2pPr marL="457200" algn="l" defTabSz="914400" rtl="0" eaLnBrk="1" latinLnBrk="0" hangingPunct="1">
+              <a:defRPr kumimoji="1" sz="1800" kern="1200">
+                <a:solidFill>
+                  <a:schemeClr val="tx1"/>
+                </a:solidFill>
+                <a:latin typeface="+mn-lt"/>
+                <a:ea typeface="+mn-ea"/>
+                <a:cs typeface="+mn-cs"/>
+              </a:defRPr>
+            </a:lvl2pPr>
+            <a:lvl3pPr marL="914400" algn="l" defTabSz="914400" rtl="0" eaLnBrk="1" latinLnBrk="0" hangingPunct="1">
+              <a:defRPr kumimoji="1" sz="1800" kern="1200">
+                <a:solidFill>
+                  <a:schemeClr val="tx1"/>
+                </a:solidFill>
+                <a:latin typeface="+mn-lt"/>
+                <a:ea typeface="+mn-ea"/>
+                <a:cs typeface="+mn-cs"/>
+              </a:defRPr>
+            </a:lvl3pPr>
+            <a:lvl4pPr marL="1371600" algn="l" defTabSz="914400" rtl="0" eaLnBrk="1" latinLnBrk="0" hangingPunct="1">
+              <a:defRPr kumimoji="1" sz="1800" kern="1200">
+                <a:solidFill>
+                  <a:schemeClr val="tx1"/>
+                </a:solidFill>
+                <a:latin typeface="+mn-lt"/>
+                <a:ea typeface="+mn-ea"/>
+                <a:cs typeface="+mn-cs"/>
+              </a:defRPr>
+            </a:lvl4pPr>
+            <a:lvl5pPr marL="1828800" algn="l" defTabSz="914400" rtl="0" eaLnBrk="1" latinLnBrk="0" hangingPunct="1">
+              <a:defRPr kumimoji="1" sz="1800" kern="1200">
+                <a:solidFill>
+                  <a:schemeClr val="tx1"/>
+                </a:solidFill>
+                <a:latin typeface="+mn-lt"/>
+                <a:ea typeface="+mn-ea"/>
+                <a:cs typeface="+mn-cs"/>
+              </a:defRPr>
+            </a:lvl5pPr>
+            <a:lvl6pPr marL="2286000" algn="l" defTabSz="914400" rtl="0" eaLnBrk="1" latinLnBrk="0" hangingPunct="1">
+              <a:defRPr kumimoji="1" sz="1800" kern="1200">
+                <a:solidFill>
+                  <a:schemeClr val="tx1"/>
+                </a:solidFill>
+                <a:latin typeface="+mn-lt"/>
+                <a:ea typeface="+mn-ea"/>
+                <a:cs typeface="+mn-cs"/>
+              </a:defRPr>
+            </a:lvl6pPr>
+            <a:lvl7pPr marL="2743200" algn="l" defTabSz="914400" rtl="0" eaLnBrk="1" latinLnBrk="0" hangingPunct="1">
+              <a:defRPr kumimoji="1" sz="1800" kern="1200">
+                <a:solidFill>
+                  <a:schemeClr val="tx1"/>
+                </a:solidFill>
+                <a:latin typeface="+mn-lt"/>
+                <a:ea typeface="+mn-ea"/>
+                <a:cs typeface="+mn-cs"/>
+              </a:defRPr>
+            </a:lvl7pPr>
+            <a:lvl8pPr marL="3200400" algn="l" defTabSz="914400" rtl="0" eaLnBrk="1" latinLnBrk="0" hangingPunct="1">
+              <a:defRPr kumimoji="1" sz="1800" kern="1200">
+                <a:solidFill>
+                  <a:schemeClr val="tx1"/>
+                </a:solidFill>
+                <a:latin typeface="+mn-lt"/>
+                <a:ea typeface="+mn-ea"/>
+                <a:cs typeface="+mn-cs"/>
+              </a:defRPr>
+            </a:lvl8pPr>
+            <a:lvl9pPr marL="3657600" algn="l" defTabSz="914400" rtl="0" eaLnBrk="1" latinLnBrk="0" hangingPunct="1">
+              <a:defRPr kumimoji="1" sz="1800" kern="1200">
+                <a:solidFill>
+                  <a:schemeClr val="tx1"/>
+                </a:solidFill>
+                <a:latin typeface="+mn-lt"/>
+                <a:ea typeface="+mn-ea"/>
+                <a:cs typeface="+mn-cs"/>
+              </a:defRPr>
+            </a:lvl9pPr>
+          </a:lstStyle>
+          <a:p>
+            <a:r>
+              <a:rPr lang="ja-JP" altLang="en-US" sz="900" b="1" dirty="0">
+                <a:effectLst>
+                  <a:outerShdw blurRad="38100" dist="38100" dir="2700000" algn="tl">
+                    <a:srgbClr val="000000">
+                      <a:alpha val="43137"/>
+                    </a:srgbClr>
+                  </a:outerShdw>
+                </a:effectLst>
+                <a:latin typeface="+mn-ea"/>
+              </a:rPr>
+              <a:t>依頼</a:t>
+            </a:r>
+            <a:endParaRPr lang="ja-JP" altLang="en-US" sz="900" b="1" dirty="0">
+              <a:effectLst>
+                <a:outerShdw blurRad="38100" dist="38100" dir="2700000" algn="tl">
+                  <a:srgbClr val="000000">
+                    <a:alpha val="43137"/>
+                  </a:srgbClr>
+                </a:outerShdw>
+              </a:effectLst>
+              <a:latin typeface="+mn-ea"/>
+            </a:endParaRPr>
+          </a:p>
+        </p:txBody>
+      </p:sp>
+      <p:sp>
+        <p:nvSpPr>
+          <p:cNvPr id="25" name="テキスト ボックス 24"/>
+          <p:cNvSpPr txBox="1"/>
+          <p:nvPr/>
+        </p:nvSpPr>
+        <p:spPr>
+          <a:xfrm>
+            <a:off x="4166169" y="2479799"/>
+            <a:ext cx="415498" cy="230832"/>
+          </a:xfrm>
+          <a:prstGeom prst="rect">
+            <a:avLst/>
+          </a:prstGeom>
+          <a:noFill/>
+        </p:spPr>
+        <p:txBody>
+          <a:bodyPr wrap="none" rtlCol="0">
+            <a:spAutoFit/>
+          </a:bodyPr>
+          <a:lstStyle>
+            <a:defPPr>
+              <a:defRPr lang="ja-JP"/>
+            </a:defPPr>
+            <a:lvl1pPr marL="0" algn="l" defTabSz="914400" rtl="0" eaLnBrk="1" latinLnBrk="0" hangingPunct="1">
+              <a:defRPr kumimoji="1" sz="1800" kern="1200">
+                <a:solidFill>
+                  <a:schemeClr val="tx1"/>
+                </a:solidFill>
+                <a:latin typeface="+mn-lt"/>
+                <a:ea typeface="+mn-ea"/>
+                <a:cs typeface="+mn-cs"/>
+              </a:defRPr>
+            </a:lvl1pPr>
+            <a:lvl2pPr marL="457200" algn="l" defTabSz="914400" rtl="0" eaLnBrk="1" latinLnBrk="0" hangingPunct="1">
+              <a:defRPr kumimoji="1" sz="1800" kern="1200">
+                <a:solidFill>
+                  <a:schemeClr val="tx1"/>
+                </a:solidFill>
+                <a:latin typeface="+mn-lt"/>
+                <a:ea typeface="+mn-ea"/>
+                <a:cs typeface="+mn-cs"/>
+              </a:defRPr>
+            </a:lvl2pPr>
+            <a:lvl3pPr marL="914400" algn="l" defTabSz="914400" rtl="0" eaLnBrk="1" latinLnBrk="0" hangingPunct="1">
+              <a:defRPr kumimoji="1" sz="1800" kern="1200">
+                <a:solidFill>
+                  <a:schemeClr val="tx1"/>
+                </a:solidFill>
+                <a:latin typeface="+mn-lt"/>
+                <a:ea typeface="+mn-ea"/>
+                <a:cs typeface="+mn-cs"/>
+              </a:defRPr>
+            </a:lvl3pPr>
+            <a:lvl4pPr marL="1371600" algn="l" defTabSz="914400" rtl="0" eaLnBrk="1" latinLnBrk="0" hangingPunct="1">
+              <a:defRPr kumimoji="1" sz="1800" kern="1200">
+                <a:solidFill>
+                  <a:schemeClr val="tx1"/>
+                </a:solidFill>
+                <a:latin typeface="+mn-lt"/>
+                <a:ea typeface="+mn-ea"/>
+                <a:cs typeface="+mn-cs"/>
+              </a:defRPr>
+            </a:lvl4pPr>
+            <a:lvl5pPr marL="1828800" algn="l" defTabSz="914400" rtl="0" eaLnBrk="1" latinLnBrk="0" hangingPunct="1">
+              <a:defRPr kumimoji="1" sz="1800" kern="1200">
+                <a:solidFill>
+                  <a:schemeClr val="tx1"/>
+                </a:solidFill>
+                <a:latin typeface="+mn-lt"/>
+                <a:ea typeface="+mn-ea"/>
+                <a:cs typeface="+mn-cs"/>
+              </a:defRPr>
+            </a:lvl5pPr>
+            <a:lvl6pPr marL="2286000" algn="l" defTabSz="914400" rtl="0" eaLnBrk="1" latinLnBrk="0" hangingPunct="1">
+              <a:defRPr kumimoji="1" sz="1800" kern="1200">
+                <a:solidFill>
+                  <a:schemeClr val="tx1"/>
+                </a:solidFill>
+                <a:latin typeface="+mn-lt"/>
+                <a:ea typeface="+mn-ea"/>
+                <a:cs typeface="+mn-cs"/>
+              </a:defRPr>
+            </a:lvl6pPr>
+            <a:lvl7pPr marL="2743200" algn="l" defTabSz="914400" rtl="0" eaLnBrk="1" latinLnBrk="0" hangingPunct="1">
+              <a:defRPr kumimoji="1" sz="1800" kern="1200">
+                <a:solidFill>
+                  <a:schemeClr val="tx1"/>
+                </a:solidFill>
+                <a:latin typeface="+mn-lt"/>
+                <a:ea typeface="+mn-ea"/>
+                <a:cs typeface="+mn-cs"/>
+              </a:defRPr>
+            </a:lvl7pPr>
+            <a:lvl8pPr marL="3200400" algn="l" defTabSz="914400" rtl="0" eaLnBrk="1" latinLnBrk="0" hangingPunct="1">
+              <a:defRPr kumimoji="1" sz="1800" kern="1200">
+                <a:solidFill>
+                  <a:schemeClr val="tx1"/>
+                </a:solidFill>
+                <a:latin typeface="+mn-lt"/>
+                <a:ea typeface="+mn-ea"/>
+                <a:cs typeface="+mn-cs"/>
+              </a:defRPr>
+            </a:lvl8pPr>
+            <a:lvl9pPr marL="3657600" algn="l" defTabSz="914400" rtl="0" eaLnBrk="1" latinLnBrk="0" hangingPunct="1">
+              <a:defRPr kumimoji="1" sz="1800" kern="1200">
+                <a:solidFill>
+                  <a:schemeClr val="tx1"/>
+                </a:solidFill>
+                <a:latin typeface="+mn-lt"/>
+                <a:ea typeface="+mn-ea"/>
+                <a:cs typeface="+mn-cs"/>
+              </a:defRPr>
+            </a:lvl9pPr>
+          </a:lstStyle>
+          <a:p>
+            <a:r>
+              <a:rPr lang="ja-JP" altLang="en-US" sz="900" b="1" dirty="0">
+                <a:effectLst>
+                  <a:outerShdw blurRad="38100" dist="38100" dir="2700000" algn="tl">
+                    <a:srgbClr val="000000">
+                      <a:alpha val="43137"/>
+                    </a:srgbClr>
+                  </a:outerShdw>
+                </a:effectLst>
+                <a:latin typeface="+mn-ea"/>
+              </a:rPr>
+              <a:t>依頼</a:t>
+            </a:r>
+            <a:endParaRPr lang="ja-JP" altLang="en-US" sz="900" b="1" dirty="0">
+              <a:effectLst>
+                <a:outerShdw blurRad="38100" dist="38100" dir="2700000" algn="tl">
+                  <a:srgbClr val="000000">
+                    <a:alpha val="43137"/>
+                  </a:srgbClr>
+                </a:outerShdw>
+              </a:effectLst>
+              <a:latin typeface="+mn-ea"/>
+            </a:endParaRPr>
+          </a:p>
+        </p:txBody>
+      </p:sp>
+      <p:cxnSp>
+        <p:nvCxnSpPr>
+          <p:cNvPr id="26" name="直線矢印コネクタ 25"/>
+          <p:cNvCxnSpPr/>
+          <p:nvPr/>
+        </p:nvCxnSpPr>
+        <p:spPr bwMode="auto">
+          <a:xfrm>
+            <a:off x="2593653" y="2729555"/>
+            <a:ext cx="412844" cy="0"/>
+          </a:xfrm>
+          <a:prstGeom prst="straightConnector1">
+            <a:avLst/>
+          </a:prstGeom>
+          <a:solidFill>
+            <a:schemeClr val="bg1"/>
+          </a:solidFill>
+          <a:ln w="57150" cap="flat" cmpd="sng" algn="ctr">
             <a:solidFill>
-              <a:srgbClr val="C00000"/>
+              <a:schemeClr val="accent6">
+                <a:lumMod val="75000"/>
+                <a:lumOff val="25000"/>
+              </a:schemeClr>
             </a:solidFill>
+            <a:prstDash val="solid"/>
+            <a:round/>
+            <a:headEnd type="none" w="med" len="med"/>
+            <a:tailEnd type="triangle" w="med" len="med"/>
           </a:ln>
           <a:effectLst/>
-          <a:extLst/>
+          <a:extLst>
+            <a:ext uri="{AF507438-7753-43E0-B8FC-AC1667EBCBE1}">
+              <a14:hiddenEffects xmlns:a14="http://schemas.microsoft.com/office/drawing/2010/main">
+                <a:effectLst>
+                  <a:outerShdw dist="35921" dir="2700000" algn="ctr" rotWithShape="0">
+                    <a:schemeClr val="tx1">
+                      <a:alpha val="50000"/>
+                    </a:schemeClr>
+                  </a:outerShdw>
+                </a:effectLst>
+              </a14:hiddenEffects>
+            </a:ext>
+          </a:extLst>
         </p:spPr>
-        <p:txBody>
-          <a:bodyPr rot="0" spcFirstLastPara="0" vertOverflow="overflow" horzOverflow="overflow" vert="horz" wrap="square" lIns="91440" tIns="45720" rIns="91440" bIns="45720" numCol="1" spcCol="0" rtlCol="0" fromWordArt="0" anchor="t" anchorCtr="0" forceAA="0" compatLnSpc="1">
-            <a:prstTxWarp prst="textNoShape">
-              <a:avLst/>
-            </a:prstTxWarp>
-            <a:noAutofit/>
-          </a:bodyPr>
-          <a:lstStyle/>
-          <a:p>
-            <a:r>
-              <a:rPr lang="en-US" altLang="ja-JP" dirty="0" smtClean="0">
-                <a:solidFill>
-                  <a:srgbClr val="00B050"/>
-                </a:solidFill>
-                <a:latin typeface="+mj-ea"/>
-                <a:ea typeface="+mj-ea"/>
-              </a:rPr>
-              <a:t>【CRM</a:t>
-            </a:r>
-            <a:r>
-              <a:rPr lang="ja-JP" altLang="en-US" dirty="0" smtClean="0">
-                <a:solidFill>
-                  <a:srgbClr val="00B050"/>
-                </a:solidFill>
-                <a:latin typeface="+mj-ea"/>
-                <a:ea typeface="+mj-ea"/>
-              </a:rPr>
-              <a:t>プロジェクト移行対応</a:t>
-            </a:r>
-            <a:r>
-              <a:rPr lang="en-US" altLang="ja-JP" dirty="0" smtClean="0">
-                <a:solidFill>
-                  <a:srgbClr val="00B050"/>
-                </a:solidFill>
-                <a:latin typeface="+mj-ea"/>
-                <a:ea typeface="+mj-ea"/>
-              </a:rPr>
-              <a:t>】</a:t>
-            </a:r>
-          </a:p>
-          <a:p>
-            <a:r>
-              <a:rPr lang="ja-JP" altLang="en-US" dirty="0" smtClean="0">
-                <a:solidFill>
-                  <a:srgbClr val="00B050"/>
-                </a:solidFill>
-                <a:latin typeface="+mj-ea"/>
-                <a:ea typeface="+mj-ea"/>
-              </a:rPr>
-              <a:t>３人開発チームのリーダー</a:t>
-            </a:r>
-            <a:endParaRPr lang="en-US" altLang="ja-JP" dirty="0" smtClean="0">
-              <a:solidFill>
-                <a:srgbClr val="00B050"/>
-              </a:solidFill>
-              <a:latin typeface="+mj-ea"/>
-              <a:ea typeface="+mj-ea"/>
-            </a:endParaRPr>
-          </a:p>
-          <a:p>
-            <a:endParaRPr lang="en-US" altLang="ja-JP" dirty="0">
-              <a:solidFill>
-                <a:srgbClr val="FF0000"/>
-              </a:solidFill>
-              <a:latin typeface="+mj-ea"/>
-              <a:ea typeface="+mj-ea"/>
-            </a:endParaRPr>
-          </a:p>
-          <a:p>
-            <a:pPr marL="285750" indent="-285750">
-              <a:buFont typeface="Arial" panose="020B0604020202020204" pitchFamily="34" charset="0"/>
-              <a:buChar char="•"/>
-            </a:pPr>
-            <a:r>
-              <a:rPr lang="ja-JP" altLang="en-US" dirty="0">
-                <a:solidFill>
-                  <a:srgbClr val="FF0000"/>
-                </a:solidFill>
-                <a:latin typeface="+mj-ea"/>
-              </a:rPr>
-              <a:t>最後の納品日をしっかり守って、マイルストーンを設定し</a:t>
-            </a:r>
-            <a:r>
-              <a:rPr lang="ja-JP" altLang="en-US" dirty="0" smtClean="0">
-                <a:solidFill>
-                  <a:srgbClr val="FF0000"/>
-                </a:solidFill>
-                <a:latin typeface="+mj-ea"/>
-              </a:rPr>
-              <a:t>、</a:t>
-            </a:r>
-            <a:r>
-              <a:rPr lang="en-US" altLang="ja-JP" dirty="0" smtClean="0">
-                <a:solidFill>
-                  <a:srgbClr val="FF0000"/>
-                </a:solidFill>
-                <a:latin typeface="+mj-ea"/>
-                <a:ea typeface="+mj-ea"/>
-              </a:rPr>
-              <a:t>WBS</a:t>
-            </a:r>
-            <a:r>
-              <a:rPr lang="ja-JP" altLang="en-US" dirty="0" smtClean="0">
-                <a:solidFill>
-                  <a:srgbClr val="FF0000"/>
-                </a:solidFill>
-                <a:latin typeface="+mj-ea"/>
-                <a:ea typeface="+mj-ea"/>
-              </a:rPr>
-              <a:t>を作成した。タスクとスケジュール管理。</a:t>
-            </a:r>
-            <a:endParaRPr lang="en-US" altLang="ja-JP" dirty="0" smtClean="0">
-              <a:solidFill>
-                <a:srgbClr val="FF0000"/>
-              </a:solidFill>
-              <a:latin typeface="+mj-ea"/>
-              <a:ea typeface="+mj-ea"/>
-            </a:endParaRPr>
-          </a:p>
-          <a:p>
-            <a:endParaRPr lang="en-US" altLang="ja-JP" dirty="0" smtClean="0">
-              <a:solidFill>
-                <a:srgbClr val="FF0000"/>
-              </a:solidFill>
-              <a:latin typeface="+mj-ea"/>
-              <a:ea typeface="+mj-ea"/>
-            </a:endParaRPr>
-          </a:p>
-          <a:p>
-            <a:pPr marL="285750" indent="-285750">
-              <a:buFont typeface="Arial" panose="020B0604020202020204" pitchFamily="34" charset="0"/>
-              <a:buChar char="•"/>
-            </a:pPr>
-            <a:r>
-              <a:rPr lang="ja-JP" altLang="en-US" dirty="0" smtClean="0">
-                <a:solidFill>
-                  <a:srgbClr val="FF0000"/>
-                </a:solidFill>
-                <a:latin typeface="+mj-ea"/>
-                <a:ea typeface="+mj-ea"/>
-              </a:rPr>
-              <a:t>週</a:t>
-            </a:r>
-            <a:r>
-              <a:rPr lang="en-US" altLang="ja-JP" dirty="0" smtClean="0">
-                <a:solidFill>
-                  <a:srgbClr val="FF0000"/>
-                </a:solidFill>
-                <a:latin typeface="+mj-ea"/>
-                <a:ea typeface="+mj-ea"/>
-              </a:rPr>
-              <a:t>1</a:t>
-            </a:r>
-            <a:r>
-              <a:rPr lang="ja-JP" altLang="en-US" dirty="0" smtClean="0">
-                <a:solidFill>
-                  <a:srgbClr val="FF0000"/>
-                </a:solidFill>
-                <a:latin typeface="+mj-ea"/>
-                <a:ea typeface="+mj-ea"/>
-              </a:rPr>
-              <a:t>回進捗</a:t>
-            </a:r>
-            <a:r>
-              <a:rPr lang="en-US" altLang="ja-JP" dirty="0" smtClean="0">
-                <a:solidFill>
-                  <a:srgbClr val="FF0000"/>
-                </a:solidFill>
-                <a:latin typeface="+mj-ea"/>
-                <a:ea typeface="+mj-ea"/>
-              </a:rPr>
-              <a:t>MTG</a:t>
-            </a:r>
-            <a:r>
-              <a:rPr lang="ja-JP" altLang="en-US" dirty="0" smtClean="0">
-                <a:solidFill>
-                  <a:srgbClr val="FF0000"/>
-                </a:solidFill>
-                <a:latin typeface="+mj-ea"/>
-                <a:ea typeface="+mj-ea"/>
-              </a:rPr>
-              <a:t>を設定し、各自の作業進捗や問題点を確認。</a:t>
-            </a:r>
-            <a:endParaRPr lang="en-US" altLang="ja-JP" dirty="0" smtClean="0">
-              <a:solidFill>
-                <a:srgbClr val="FF0000"/>
-              </a:solidFill>
-              <a:latin typeface="+mj-ea"/>
-              <a:ea typeface="+mj-ea"/>
-            </a:endParaRPr>
-          </a:p>
-          <a:p>
-            <a:endParaRPr lang="en-US" altLang="ja-JP" dirty="0" smtClean="0">
-              <a:solidFill>
-                <a:srgbClr val="FF0000"/>
-              </a:solidFill>
-              <a:latin typeface="+mj-ea"/>
-              <a:ea typeface="+mj-ea"/>
-            </a:endParaRPr>
-          </a:p>
-          <a:p>
-            <a:pPr marL="285750" indent="-285750">
-              <a:buFont typeface="Arial" panose="020B0604020202020204" pitchFamily="34" charset="0"/>
-              <a:buChar char="•"/>
-            </a:pPr>
-            <a:r>
-              <a:rPr lang="ja-JP" altLang="en-US" dirty="0" smtClean="0">
-                <a:solidFill>
-                  <a:srgbClr val="FF0000"/>
-                </a:solidFill>
-                <a:latin typeface="+mj-ea"/>
-                <a:ea typeface="+mj-ea"/>
-              </a:rPr>
-              <a:t>率先的に技術検討、多数の移行インターフェースによって、標準的な移行プログラムの設計を行って、作業効率をアップ。</a:t>
-            </a:r>
-            <a:endParaRPr lang="en-US" altLang="ja-JP" dirty="0" smtClean="0">
-              <a:solidFill>
-                <a:srgbClr val="FF0000"/>
-              </a:solidFill>
-              <a:latin typeface="+mj-ea"/>
-              <a:ea typeface="+mj-ea"/>
-            </a:endParaRPr>
-          </a:p>
-        </p:txBody>
-      </p:sp>
+      </p:cxnSp>
+      <p:cxnSp>
+        <p:nvCxnSpPr>
+          <p:cNvPr id="27" name="直線矢印コネクタ 26"/>
+          <p:cNvCxnSpPr/>
+          <p:nvPr/>
+        </p:nvCxnSpPr>
+        <p:spPr bwMode="auto">
+          <a:xfrm>
+            <a:off x="4238354" y="2729555"/>
+            <a:ext cx="412844" cy="0"/>
+          </a:xfrm>
+          <a:prstGeom prst="straightConnector1">
+            <a:avLst/>
+          </a:prstGeom>
+          <a:solidFill>
+            <a:schemeClr val="bg1"/>
+          </a:solidFill>
+          <a:ln w="57150" cap="flat" cmpd="sng" algn="ctr">
+            <a:solidFill>
+              <a:schemeClr val="accent6">
+                <a:lumMod val="75000"/>
+                <a:lumOff val="25000"/>
+              </a:schemeClr>
+            </a:solidFill>
+            <a:prstDash val="solid"/>
+            <a:round/>
+            <a:headEnd type="none" w="med" len="med"/>
+            <a:tailEnd type="triangle" w="med" len="med"/>
+          </a:ln>
+          <a:effectLst/>
+          <a:extLst>
+            <a:ext uri="{AF507438-7753-43E0-B8FC-AC1667EBCBE1}">
+              <a14:hiddenEffects xmlns:a14="http://schemas.microsoft.com/office/drawing/2010/main">
+                <a:effectLst>
+                  <a:outerShdw dist="35921" dir="2700000" algn="ctr" rotWithShape="0">
+                    <a:schemeClr val="tx1">
+                      <a:alpha val="50000"/>
+                    </a:schemeClr>
+                  </a:outerShdw>
+                </a:effectLst>
+              </a14:hiddenEffects>
+            </a:ext>
+          </a:extLst>
+        </p:spPr>
+      </p:cxnSp>
     </p:spTree>
     <p:extLst>
       <p:ext uri="{BB962C8B-B14F-4D97-AF65-F5344CB8AC3E}">
-        <p14:creationId xmlns:p14="http://schemas.microsoft.com/office/powerpoint/2010/main" val="3340378941"/>
+        <p14:creationId xmlns:p14="http://schemas.microsoft.com/office/powerpoint/2010/main" val="1746917785"/>
       </p:ext>
     </p:extLst>
   </p:cSld>
@@ -11968,7 +15519,7 @@
 </p:sld>
 </file>
 
-<file path=ppt/slides/slide8.xml><?xml version="1.0" encoding="utf-8"?>
+<file path=ppt/slides/slide9.xml><?xml version="1.0" encoding="utf-8"?>
 <p:sld xmlns:a="http://schemas.openxmlformats.org/drawingml/2006/main" xmlns:r="http://schemas.openxmlformats.org/officeDocument/2006/relationships" xmlns:p="http://schemas.openxmlformats.org/presentationml/2006/main">
   <p:cSld>
     <p:spTree>
@@ -11997,72 +15548,453 @@
         </p:nvSpPr>
         <p:spPr>
           <a:xfrm>
-            <a:off x="1052735" y="481728"/>
-            <a:ext cx="5670000" cy="313350"/>
+            <a:off x="35575" y="78780"/>
+            <a:ext cx="6588000" cy="351000"/>
           </a:xfrm>
         </p:spPr>
         <p:txBody>
-          <a:bodyPr/>
+          <a:bodyPr>
+            <a:noAutofit/>
+          </a:bodyPr>
           <a:lstStyle/>
           <a:p>
             <a:r>
-              <a:rPr lang="ja-JP" altLang="en-US" dirty="0">
-                <a:solidFill>
-                  <a:schemeClr val="accent6">
-                    <a:lumMod val="50000"/>
-                    <a:lumOff val="50000"/>
-                  </a:schemeClr>
-                </a:solidFill>
-                <a:latin typeface="+mn-ea"/>
+              <a:rPr lang="ja-JP" altLang="en-US" sz="2400" b="1" dirty="0" smtClean="0">
+                <a:ea typeface="HGP創英角ｺﾞｼｯｸUB" panose="020B0900000000000000" pitchFamily="50" charset="-128"/>
               </a:rPr>
-              <a:t>進化</a:t>
-            </a:r>
-            <a:r>
-              <a:rPr lang="ja-JP" altLang="en-US" dirty="0" smtClean="0">
-                <a:solidFill>
-                  <a:schemeClr val="accent6">
-                    <a:lumMod val="50000"/>
-                    <a:lumOff val="50000"/>
-                  </a:schemeClr>
-                </a:solidFill>
-                <a:latin typeface="+mn-ea"/>
-              </a:rPr>
-              <a:t>の自分</a:t>
-            </a:r>
-            <a:r>
-              <a:rPr lang="en-US" altLang="ja-JP" dirty="0" smtClean="0">
-                <a:solidFill>
-                  <a:schemeClr val="accent6">
-                    <a:lumMod val="50000"/>
-                    <a:lumOff val="50000"/>
-                  </a:schemeClr>
-                </a:solidFill>
-                <a:latin typeface="+mn-ea"/>
+              <a:t>進化の自分</a:t>
+            </a:r>
+            <a:r>
+              <a:rPr lang="en-US" altLang="ja-JP" sz="2400" b="1" dirty="0" smtClean="0">
+                <a:ea typeface="HGP創英角ｺﾞｼｯｸUB" panose="020B0900000000000000" pitchFamily="50" charset="-128"/>
               </a:rPr>
               <a:t>-</a:t>
             </a:r>
             <a:r>
-              <a:rPr lang="ja-JP" altLang="en-US" dirty="0" smtClean="0">
-                <a:solidFill>
-                  <a:schemeClr val="accent6">
-                    <a:lumMod val="50000"/>
-                    <a:lumOff val="50000"/>
-                  </a:schemeClr>
-                </a:solidFill>
-                <a:latin typeface="+mn-ea"/>
+              <a:rPr lang="ja-JP" altLang="en-US" sz="2400" b="1" dirty="0" smtClean="0">
+                <a:ea typeface="HGP創英角ｺﾞｼｯｸUB" panose="020B0900000000000000" pitchFamily="50" charset="-128"/>
               </a:rPr>
-              <a:t>チームリーダー</a:t>
-            </a:r>
-            <a:endParaRPr kumimoji="1" lang="ja-JP" altLang="en-US" dirty="0"/>
+              <a:t>現場以外の作業の兼務</a:t>
+            </a:r>
+            <a:endParaRPr lang="ja-JP" altLang="en-US" sz="2400" b="1" dirty="0">
+              <a:ea typeface="HGP創英角ｺﾞｼｯｸUB" panose="020B0900000000000000" pitchFamily="50" charset="-128"/>
+            </a:endParaRPr>
+          </a:p>
+        </p:txBody>
+      </p:sp>
+      <p:sp>
+        <p:nvSpPr>
+          <p:cNvPr id="5" name="テキスト ボックス 2"/>
+          <p:cNvSpPr txBox="1">
+            <a:spLocks noChangeArrowheads="1"/>
+          </p:cNvSpPr>
+          <p:nvPr/>
+        </p:nvSpPr>
+        <p:spPr bwMode="auto">
+          <a:xfrm>
+            <a:off x="1159510" y="846168"/>
+            <a:ext cx="5429826" cy="4578176"/>
+          </a:xfrm>
+          <a:prstGeom prst="rect">
+            <a:avLst/>
+          </a:prstGeom>
+          <a:noFill/>
+          <a:ln>
+            <a:noFill/>
+          </a:ln>
+          <a:extLst>
+            <a:ext uri="{909E8E84-426E-40DD-AFC4-6F175D3DCCD1}">
+              <a14:hiddenFill xmlns:a14="http://schemas.microsoft.com/office/drawing/2010/main">
+                <a:solidFill>
+                  <a:srgbClr val="FFFFFF"/>
+                </a:solidFill>
+              </a14:hiddenFill>
+            </a:ext>
+            <a:ext uri="{91240B29-F687-4F45-9708-019B960494DF}">
+              <a14:hiddenLine xmlns:a14="http://schemas.microsoft.com/office/drawing/2010/main" w="9525">
+                <a:solidFill>
+                  <a:srgbClr val="000000"/>
+                </a:solidFill>
+                <a:miter lim="800000"/>
+                <a:headEnd/>
+                <a:tailEnd/>
+              </a14:hiddenLine>
+            </a:ext>
+          </a:extLst>
+        </p:spPr>
+        <p:txBody>
+          <a:bodyPr wrap="square">
+            <a:spAutoFit/>
+          </a:bodyPr>
+          <a:lstStyle>
+            <a:lvl1pPr marL="174625" indent="-174625">
+              <a:spcBef>
+                <a:spcPct val="20000"/>
+              </a:spcBef>
+              <a:buChar char="•"/>
+              <a:defRPr kumimoji="1" sz="3200">
+                <a:solidFill>
+                  <a:schemeClr val="tx1"/>
+                </a:solidFill>
+                <a:latin typeface="Arial" charset="0"/>
+                <a:ea typeface="ＭＳ Ｐゴシック" charset="-128"/>
+              </a:defRPr>
+            </a:lvl1pPr>
+            <a:lvl2pPr marL="742950" indent="-285750">
+              <a:spcBef>
+                <a:spcPct val="20000"/>
+              </a:spcBef>
+              <a:buChar char="–"/>
+              <a:defRPr kumimoji="1" sz="2800">
+                <a:solidFill>
+                  <a:schemeClr val="tx1"/>
+                </a:solidFill>
+                <a:latin typeface="Arial" charset="0"/>
+                <a:ea typeface="ＭＳ Ｐゴシック" charset="-128"/>
+              </a:defRPr>
+            </a:lvl2pPr>
+            <a:lvl3pPr marL="1143000" indent="-228600">
+              <a:spcBef>
+                <a:spcPct val="20000"/>
+              </a:spcBef>
+              <a:buChar char="•"/>
+              <a:defRPr kumimoji="1" sz="2400">
+                <a:solidFill>
+                  <a:schemeClr val="tx1"/>
+                </a:solidFill>
+                <a:latin typeface="Arial" charset="0"/>
+                <a:ea typeface="ＭＳ Ｐゴシック" charset="-128"/>
+              </a:defRPr>
+            </a:lvl3pPr>
+            <a:lvl4pPr marL="1600200" indent="-228600">
+              <a:spcBef>
+                <a:spcPct val="20000"/>
+              </a:spcBef>
+              <a:buChar char="–"/>
+              <a:defRPr kumimoji="1" sz="2000">
+                <a:solidFill>
+                  <a:schemeClr val="tx1"/>
+                </a:solidFill>
+                <a:latin typeface="Arial" charset="0"/>
+                <a:ea typeface="ＭＳ Ｐゴシック" charset="-128"/>
+              </a:defRPr>
+            </a:lvl4pPr>
+            <a:lvl5pPr marL="2057400" indent="-228600">
+              <a:spcBef>
+                <a:spcPct val="20000"/>
+              </a:spcBef>
+              <a:buChar char="»"/>
+              <a:defRPr kumimoji="1" sz="2000">
+                <a:solidFill>
+                  <a:schemeClr val="tx1"/>
+                </a:solidFill>
+                <a:latin typeface="Arial" charset="0"/>
+                <a:ea typeface="ＭＳ Ｐゴシック" charset="-128"/>
+              </a:defRPr>
+            </a:lvl5pPr>
+            <a:lvl6pPr marL="2514600" indent="-228600" fontAlgn="base">
+              <a:spcBef>
+                <a:spcPct val="20000"/>
+              </a:spcBef>
+              <a:spcAft>
+                <a:spcPct val="0"/>
+              </a:spcAft>
+              <a:buChar char="»"/>
+              <a:defRPr kumimoji="1" sz="2000">
+                <a:solidFill>
+                  <a:schemeClr val="tx1"/>
+                </a:solidFill>
+                <a:latin typeface="Arial" charset="0"/>
+                <a:ea typeface="ＭＳ Ｐゴシック" charset="-128"/>
+              </a:defRPr>
+            </a:lvl6pPr>
+            <a:lvl7pPr marL="2971800" indent="-228600" fontAlgn="base">
+              <a:spcBef>
+                <a:spcPct val="20000"/>
+              </a:spcBef>
+              <a:spcAft>
+                <a:spcPct val="0"/>
+              </a:spcAft>
+              <a:buChar char="»"/>
+              <a:defRPr kumimoji="1" sz="2000">
+                <a:solidFill>
+                  <a:schemeClr val="tx1"/>
+                </a:solidFill>
+                <a:latin typeface="Arial" charset="0"/>
+                <a:ea typeface="ＭＳ Ｐゴシック" charset="-128"/>
+              </a:defRPr>
+            </a:lvl7pPr>
+            <a:lvl8pPr marL="3429000" indent="-228600" fontAlgn="base">
+              <a:spcBef>
+                <a:spcPct val="20000"/>
+              </a:spcBef>
+              <a:spcAft>
+                <a:spcPct val="0"/>
+              </a:spcAft>
+              <a:buChar char="»"/>
+              <a:defRPr kumimoji="1" sz="2000">
+                <a:solidFill>
+                  <a:schemeClr val="tx1"/>
+                </a:solidFill>
+                <a:latin typeface="Arial" charset="0"/>
+                <a:ea typeface="ＭＳ Ｐゴシック" charset="-128"/>
+              </a:defRPr>
+            </a:lvl8pPr>
+            <a:lvl9pPr marL="3886200" indent="-228600" fontAlgn="base">
+              <a:spcBef>
+                <a:spcPct val="20000"/>
+              </a:spcBef>
+              <a:spcAft>
+                <a:spcPct val="0"/>
+              </a:spcAft>
+              <a:buChar char="»"/>
+              <a:defRPr kumimoji="1" sz="2000">
+                <a:solidFill>
+                  <a:schemeClr val="tx1"/>
+                </a:solidFill>
+                <a:latin typeface="Arial" charset="0"/>
+                <a:ea typeface="ＭＳ Ｐゴシック" charset="-128"/>
+              </a:defRPr>
+            </a:lvl9pPr>
+          </a:lstStyle>
+          <a:p>
+            <a:pPr>
+              <a:spcBef>
+                <a:spcPts val="450"/>
+              </a:spcBef>
+              <a:buClr>
+                <a:srgbClr val="4CB3C0"/>
+              </a:buClr>
+              <a:buFont typeface="Arial" charset="0"/>
+              <a:buChar char="▌"/>
+              <a:defRPr/>
+            </a:pPr>
+            <a:r>
+              <a:rPr lang="ja-JP" altLang="en-US" sz="2000" dirty="0">
+                <a:ea typeface="HGP創英角ｺﾞｼｯｸUB"/>
+              </a:rPr>
+              <a:t>官庁総合運用テスト支援ツール</a:t>
+            </a:r>
+            <a:endParaRPr lang="en-US" altLang="ja-JP" sz="2000" dirty="0">
+              <a:ea typeface="HGP創英角ｺﾞｼｯｸUB"/>
+            </a:endParaRPr>
+          </a:p>
+          <a:p>
+            <a:pPr marL="0" indent="0">
+              <a:spcBef>
+                <a:spcPts val="450"/>
+              </a:spcBef>
+              <a:buClr>
+                <a:srgbClr val="4CB3C0"/>
+              </a:buClr>
+              <a:buNone/>
+              <a:defRPr/>
+            </a:pPr>
+            <a:r>
+              <a:rPr lang="ja-JP" altLang="en-US" sz="1800" dirty="0" smtClean="0">
+                <a:latin typeface="+mj-lt"/>
+                <a:ea typeface="HGP創英角ｺﾞｼｯｸUB"/>
+              </a:rPr>
+              <a:t>　</a:t>
+            </a:r>
+            <a:endParaRPr lang="en-US" altLang="ja-JP" sz="1800" dirty="0" smtClean="0">
+              <a:latin typeface="+mj-lt"/>
+              <a:ea typeface="HGP創英角ｺﾞｼｯｸUB"/>
+            </a:endParaRPr>
+          </a:p>
+          <a:p>
+            <a:pPr>
+              <a:spcBef>
+                <a:spcPts val="450"/>
+              </a:spcBef>
+              <a:buClr>
+                <a:srgbClr val="4CB3C0"/>
+              </a:buClr>
+              <a:buFont typeface="Wingdings" panose="05000000000000000000" pitchFamily="2" charset="2"/>
+              <a:buChar char="u"/>
+              <a:defRPr/>
+            </a:pPr>
+            <a:r>
+              <a:rPr lang="ja-JP" altLang="en-US" sz="1800" dirty="0" smtClean="0">
+                <a:latin typeface="+mj-lt"/>
+                <a:ea typeface="HGP創英角ｺﾞｼｯｸUB"/>
+              </a:rPr>
+              <a:t>毎日社内の開発メンバに作業進捗を確認し、を顧客に報告。</a:t>
+            </a:r>
+            <a:endParaRPr lang="en-US" altLang="ja-JP" sz="1800" dirty="0" smtClean="0">
+              <a:latin typeface="+mj-lt"/>
+              <a:ea typeface="HGP創英角ｺﾞｼｯｸUB"/>
+            </a:endParaRPr>
+          </a:p>
+          <a:p>
+            <a:pPr>
+              <a:spcBef>
+                <a:spcPts val="450"/>
+              </a:spcBef>
+              <a:buClr>
+                <a:srgbClr val="4CB3C0"/>
+              </a:buClr>
+              <a:buFont typeface="Wingdings" panose="05000000000000000000" pitchFamily="2" charset="2"/>
+              <a:buChar char="u"/>
+              <a:defRPr/>
+            </a:pPr>
+            <a:endParaRPr lang="en-US" altLang="ja-JP" sz="1800" dirty="0">
+              <a:latin typeface="+mj-lt"/>
+              <a:ea typeface="HGP創英角ｺﾞｼｯｸUB"/>
+            </a:endParaRPr>
+          </a:p>
+          <a:p>
+            <a:pPr>
+              <a:spcBef>
+                <a:spcPts val="450"/>
+              </a:spcBef>
+              <a:buClr>
+                <a:srgbClr val="4CB3C0"/>
+              </a:buClr>
+              <a:buFont typeface="Wingdings" panose="05000000000000000000" pitchFamily="2" charset="2"/>
+              <a:buChar char="u"/>
+              <a:defRPr/>
+            </a:pPr>
+            <a:r>
+              <a:rPr lang="ja-JP" altLang="en-US" sz="1800" dirty="0" smtClean="0">
+                <a:latin typeface="+mj-lt"/>
+                <a:ea typeface="HGP創英角ｺﾞｼｯｸUB"/>
+              </a:rPr>
+              <a:t>週</a:t>
+            </a:r>
+            <a:r>
+              <a:rPr lang="en-US" altLang="ja-JP" sz="1800" dirty="0" smtClean="0">
+                <a:latin typeface="+mj-lt"/>
+                <a:ea typeface="HGP創英角ｺﾞｼｯｸUB"/>
+              </a:rPr>
+              <a:t>1</a:t>
+            </a:r>
+            <a:r>
+              <a:rPr lang="ja-JP" altLang="en-US" sz="1800" dirty="0" smtClean="0">
+                <a:latin typeface="+mj-lt"/>
+                <a:ea typeface="HGP創英角ｺﾞｼｯｸUB"/>
+              </a:rPr>
+              <a:t>回で客先で仕様確認、作業スケジュール、作業優先順位を調整。</a:t>
+            </a:r>
+            <a:endParaRPr lang="en-US" altLang="ja-JP" sz="1800" dirty="0" smtClean="0">
+              <a:latin typeface="+mj-lt"/>
+              <a:ea typeface="HGP創英角ｺﾞｼｯｸUB"/>
+            </a:endParaRPr>
+          </a:p>
+          <a:p>
+            <a:pPr>
+              <a:spcBef>
+                <a:spcPts val="450"/>
+              </a:spcBef>
+              <a:buClr>
+                <a:srgbClr val="4CB3C0"/>
+              </a:buClr>
+              <a:buFont typeface="Wingdings" panose="05000000000000000000" pitchFamily="2" charset="2"/>
+              <a:buChar char="u"/>
+              <a:defRPr/>
+            </a:pPr>
+            <a:endParaRPr lang="en-US" altLang="ja-JP" sz="1800" dirty="0">
+              <a:latin typeface="+mj-lt"/>
+              <a:ea typeface="HGP創英角ｺﾞｼｯｸUB"/>
+            </a:endParaRPr>
+          </a:p>
+          <a:p>
+            <a:pPr>
+              <a:spcBef>
+                <a:spcPts val="450"/>
+              </a:spcBef>
+              <a:buClr>
+                <a:srgbClr val="4CB3C0"/>
+              </a:buClr>
+              <a:buFont typeface="Wingdings" panose="05000000000000000000" pitchFamily="2" charset="2"/>
+              <a:buChar char="u"/>
+              <a:defRPr/>
+            </a:pPr>
+            <a:r>
+              <a:rPr lang="en-US" altLang="ja-JP" sz="1800" dirty="0" smtClean="0">
+                <a:latin typeface="+mj-lt"/>
+                <a:ea typeface="HGP創英角ｺﾞｼｯｸUB"/>
+              </a:rPr>
+              <a:t>WeChat+</a:t>
+            </a:r>
+            <a:r>
+              <a:rPr lang="ja-JP" altLang="en-US" sz="1800" dirty="0" smtClean="0">
+                <a:latin typeface="+mj-lt"/>
+                <a:ea typeface="HGP創英角ｺﾞｼｯｸUB"/>
+              </a:rPr>
+              <a:t>課題台帳で社内開発メンバとコミュニケーション、説明しきれない場合、現場と調整し、帰社して説明。</a:t>
+            </a:r>
+            <a:endParaRPr lang="en-US" altLang="ja-JP" sz="1800" dirty="0">
+              <a:latin typeface="+mj-lt"/>
+              <a:ea typeface="HGP創英角ｺﾞｼｯｸUB"/>
+            </a:endParaRPr>
+          </a:p>
+          <a:p>
+            <a:pPr marL="0" indent="0">
+              <a:spcBef>
+                <a:spcPts val="450"/>
+              </a:spcBef>
+              <a:buClr>
+                <a:srgbClr val="4CB3C0"/>
+              </a:buClr>
+              <a:buNone/>
+              <a:defRPr/>
+            </a:pPr>
+            <a:endParaRPr lang="en-US" altLang="ja-JP" sz="1800" dirty="0" smtClean="0">
+              <a:latin typeface="+mj-lt"/>
+              <a:ea typeface="HGP創英角ｺﾞｼｯｸUB"/>
+            </a:endParaRPr>
+          </a:p>
+          <a:p>
+            <a:pPr marL="0" indent="0">
+              <a:spcBef>
+                <a:spcPts val="450"/>
+              </a:spcBef>
+              <a:buClr>
+                <a:srgbClr val="4CB3C0"/>
+              </a:buClr>
+              <a:buNone/>
+              <a:defRPr/>
+            </a:pPr>
+            <a:r>
+              <a:rPr lang="ja-JP" altLang="en-US" sz="1800" dirty="0" smtClean="0">
+                <a:latin typeface="+mj-lt"/>
+                <a:ea typeface="HGP創英角ｺﾞｼｯｸUB"/>
+              </a:rPr>
+              <a:t>　</a:t>
+            </a:r>
+            <a:endParaRPr lang="en-US" altLang="ja-JP" sz="1800" dirty="0">
+              <a:latin typeface="+mj-lt"/>
+              <a:ea typeface="HGP創英角ｺﾞｼｯｸUB"/>
+            </a:endParaRPr>
+          </a:p>
+          <a:p>
+            <a:pPr marL="0" indent="0">
+              <a:spcBef>
+                <a:spcPts val="450"/>
+              </a:spcBef>
+              <a:buClr>
+                <a:srgbClr val="00B4A0"/>
+              </a:buClr>
+              <a:buNone/>
+              <a:defRPr/>
+            </a:pPr>
+            <a:endParaRPr lang="ja-JP" altLang="en-US" sz="1800" dirty="0" smtClean="0">
+              <a:solidFill>
+                <a:srgbClr val="000000"/>
+              </a:solidFill>
+              <a:latin typeface="+mj-lt"/>
+              <a:ea typeface="HGP創英角ｺﾞｼｯｸUB"/>
+            </a:endParaRPr>
           </a:p>
         </p:txBody>
       </p:sp>
       <p:grpSp>
         <p:nvGrpSpPr>
-          <p:cNvPr id="11" name="Group 296">
+          <p:cNvPr id="12" name="Group 296">
             <a:extLst>
               <a:ext uri="{FF2B5EF4-FFF2-40B4-BE49-F238E27FC236}">
-                <a16:creationId xmlns="" xmlns:a16="http://schemas.microsoft.com/office/drawing/2014/main" id="{3842FC64-AB39-42D7-A48C-0FE49F99806C}"/>
+                <a16:creationId xmlns:a16="http://schemas.microsoft.com/office/drawing/2014/main" xmlns="" id="{3842FC64-AB39-42D7-A48C-0FE49F99806C}"/>
               </a:ext>
             </a:extLst>
           </p:cNvPr>
@@ -12073,7 +16005,7 @@
         </p:nvGrpSpPr>
         <p:grpSpPr bwMode="auto">
           <a:xfrm>
-            <a:off x="1214776" y="1051322"/>
+            <a:off x="203150" y="767976"/>
             <a:ext cx="788463" cy="755574"/>
             <a:chOff x="336" y="601"/>
             <a:chExt cx="850" cy="850"/>
@@ -12081,10 +16013,10 @@
         </p:grpSpPr>
         <p:sp>
           <p:nvSpPr>
-            <p:cNvPr id="12" name="Oval 2">
+            <p:cNvPr id="13" name="Oval 2">
               <a:extLst>
                 <a:ext uri="{FF2B5EF4-FFF2-40B4-BE49-F238E27FC236}">
-                  <a16:creationId xmlns="" xmlns:a16="http://schemas.microsoft.com/office/drawing/2014/main" id="{9267EE0A-4BA4-4E94-8745-FFA9A06F71A9}"/>
+                  <a16:creationId xmlns:a16="http://schemas.microsoft.com/office/drawing/2014/main" xmlns="" id="{9267EE0A-4BA4-4E94-8745-FFA9A06F71A9}"/>
                 </a:ext>
               </a:extLst>
             </p:cNvPr>
@@ -12140,10 +16072,10 @@
         </p:sp>
         <p:sp>
           <p:nvSpPr>
-            <p:cNvPr id="13" name="Oval 19">
+            <p:cNvPr id="14" name="Oval 19">
               <a:extLst>
                 <a:ext uri="{FF2B5EF4-FFF2-40B4-BE49-F238E27FC236}">
-                  <a16:creationId xmlns="" xmlns:a16="http://schemas.microsoft.com/office/drawing/2014/main" id="{CC91C93B-224E-47BB-A4B4-F39EF6BD8070}"/>
+                  <a16:creationId xmlns:a16="http://schemas.microsoft.com/office/drawing/2014/main" xmlns="" id="{CC91C93B-224E-47BB-A4B4-F39EF6BD8070}"/>
                 </a:ext>
               </a:extLst>
             </p:cNvPr>
@@ -12213,10 +16145,10 @@
         </p:sp>
         <p:sp>
           <p:nvSpPr>
-            <p:cNvPr id="14" name="Oval 20">
+            <p:cNvPr id="15" name="Oval 20">
               <a:extLst>
                 <a:ext uri="{FF2B5EF4-FFF2-40B4-BE49-F238E27FC236}">
-                  <a16:creationId xmlns="" xmlns:a16="http://schemas.microsoft.com/office/drawing/2014/main" id="{9BD5F5FE-EFD9-4804-9B3B-C6D91AFF363C}"/>
+                  <a16:creationId xmlns:a16="http://schemas.microsoft.com/office/drawing/2014/main" xmlns="" id="{9BD5F5FE-EFD9-4804-9B3B-C6D91AFF363C}"/>
                 </a:ext>
               </a:extLst>
             </p:cNvPr>
@@ -12289,10 +16221,10 @@
         </p:sp>
         <p:grpSp>
           <p:nvGrpSpPr>
-            <p:cNvPr id="15" name="Group 21">
+            <p:cNvPr id="16" name="Group 21">
               <a:extLst>
                 <a:ext uri="{FF2B5EF4-FFF2-40B4-BE49-F238E27FC236}">
-                  <a16:creationId xmlns="" xmlns:a16="http://schemas.microsoft.com/office/drawing/2014/main" id="{7DB5FE9B-6714-4B4D-AB94-45F20F7D5C8E}"/>
+                  <a16:creationId xmlns:a16="http://schemas.microsoft.com/office/drawing/2014/main" xmlns="" id="{7DB5FE9B-6714-4B4D-AB94-45F20F7D5C8E}"/>
                 </a:ext>
               </a:extLst>
             </p:cNvPr>
@@ -12311,10 +16243,10 @@
           </p:grpSpPr>
           <p:sp>
             <p:nvSpPr>
-              <p:cNvPr id="18" name="AutoShape 22">
+              <p:cNvPr id="19" name="AutoShape 22">
                 <a:extLst>
                   <a:ext uri="{FF2B5EF4-FFF2-40B4-BE49-F238E27FC236}">
-                    <a16:creationId xmlns="" xmlns:a16="http://schemas.microsoft.com/office/drawing/2014/main" id="{4E5DF4CC-2B73-45EA-B083-30A68ED1FA2A}"/>
+                    <a16:creationId xmlns:a16="http://schemas.microsoft.com/office/drawing/2014/main" xmlns="" id="{4E5DF4CC-2B73-45EA-B083-30A68ED1FA2A}"/>
                   </a:ext>
                 </a:extLst>
               </p:cNvPr>
@@ -12380,10 +16312,10 @@
           </p:sp>
           <p:sp>
             <p:nvSpPr>
-              <p:cNvPr id="19" name="Freeform 23">
+              <p:cNvPr id="20" name="Freeform 23">
                 <a:extLst>
                   <a:ext uri="{FF2B5EF4-FFF2-40B4-BE49-F238E27FC236}">
-                    <a16:creationId xmlns="" xmlns:a16="http://schemas.microsoft.com/office/drawing/2014/main" id="{A03184C6-4DC0-40F9-A025-A1F34226A187}"/>
+                    <a16:creationId xmlns:a16="http://schemas.microsoft.com/office/drawing/2014/main" xmlns="" id="{A03184C6-4DC0-40F9-A025-A1F34226A187}"/>
                   </a:ext>
                 </a:extLst>
               </p:cNvPr>
@@ -12512,10 +16444,10 @@
         </p:grpSp>
         <p:sp>
           <p:nvSpPr>
-            <p:cNvPr id="16" name="AutoShape 36">
+            <p:cNvPr id="17" name="AutoShape 36">
               <a:extLst>
                 <a:ext uri="{FF2B5EF4-FFF2-40B4-BE49-F238E27FC236}">
-                  <a16:creationId xmlns="" xmlns:a16="http://schemas.microsoft.com/office/drawing/2014/main" id="{C65C2922-0F06-4601-991B-D9188A55C388}"/>
+                  <a16:creationId xmlns:a16="http://schemas.microsoft.com/office/drawing/2014/main" xmlns="" id="{C65C2922-0F06-4601-991B-D9188A55C388}"/>
                 </a:ext>
               </a:extLst>
             </p:cNvPr>
@@ -12687,10 +16619,10 @@
         </p:sp>
         <p:sp>
           <p:nvSpPr>
-            <p:cNvPr id="17" name="AutoShape 37">
+            <p:cNvPr id="18" name="AutoShape 37">
               <a:extLst>
                 <a:ext uri="{FF2B5EF4-FFF2-40B4-BE49-F238E27FC236}">
-                  <a16:creationId xmlns="" xmlns:a16="http://schemas.microsoft.com/office/drawing/2014/main" id="{9028FBF9-F253-4134-8311-3707C3C5DB2F}"/>
+                  <a16:creationId xmlns:a16="http://schemas.microsoft.com/office/drawing/2014/main" xmlns="" id="{9028FBF9-F253-4134-8311-3707C3C5DB2F}"/>
                 </a:ext>
               </a:extLst>
             </p:cNvPr>
@@ -12861,1340 +16793,10 @@
           </p:txBody>
         </p:sp>
       </p:grpSp>
-      <p:sp>
-        <p:nvSpPr>
-          <p:cNvPr id="20" name="正方形/長方形 19"/>
-          <p:cNvSpPr/>
-          <p:nvPr/>
-        </p:nvSpPr>
-        <p:spPr bwMode="auto">
-          <a:xfrm>
-            <a:off x="2255547" y="1051322"/>
-            <a:ext cx="4261005" cy="3593830"/>
-          </a:xfrm>
-          <a:prstGeom prst="rect">
-            <a:avLst/>
-          </a:prstGeom>
-          <a:noFill/>
-          <a:ln>
-            <a:solidFill>
-              <a:srgbClr val="C00000"/>
-            </a:solidFill>
-          </a:ln>
-          <a:effectLst/>
-          <a:extLst/>
-        </p:spPr>
-        <p:txBody>
-          <a:bodyPr rot="0" spcFirstLastPara="0" vertOverflow="overflow" horzOverflow="overflow" vert="horz" wrap="square" lIns="91440" tIns="45720" rIns="91440" bIns="45720" numCol="1" spcCol="0" rtlCol="0" fromWordArt="0" anchor="t" anchorCtr="0" forceAA="0" compatLnSpc="1">
-            <a:prstTxWarp prst="textNoShape">
-              <a:avLst/>
-            </a:prstTxWarp>
-            <a:noAutofit/>
-          </a:bodyPr>
-          <a:lstStyle/>
-          <a:p>
-            <a:r>
-              <a:rPr lang="en-US" altLang="ja-JP" dirty="0" smtClean="0">
-                <a:solidFill>
-                  <a:srgbClr val="00B050"/>
-                </a:solidFill>
-                <a:latin typeface="+mj-ea"/>
-                <a:ea typeface="+mj-ea"/>
-              </a:rPr>
-              <a:t>【CRM</a:t>
-            </a:r>
-            <a:r>
-              <a:rPr lang="ja-JP" altLang="en-US" dirty="0" smtClean="0">
-                <a:solidFill>
-                  <a:srgbClr val="00B050"/>
-                </a:solidFill>
-                <a:latin typeface="+mj-ea"/>
-                <a:ea typeface="+mj-ea"/>
-              </a:rPr>
-              <a:t>プロジェクト移行対応</a:t>
-            </a:r>
-            <a:r>
-              <a:rPr lang="en-US" altLang="ja-JP" dirty="0" smtClean="0">
-                <a:solidFill>
-                  <a:srgbClr val="00B050"/>
-                </a:solidFill>
-                <a:latin typeface="+mj-ea"/>
-                <a:ea typeface="+mj-ea"/>
-              </a:rPr>
-              <a:t>】</a:t>
-            </a:r>
-          </a:p>
-          <a:p>
-            <a:r>
-              <a:rPr lang="ja-JP" altLang="en-US" dirty="0" smtClean="0">
-                <a:solidFill>
-                  <a:srgbClr val="00B050"/>
-                </a:solidFill>
-                <a:latin typeface="+mj-ea"/>
-                <a:ea typeface="+mj-ea"/>
-              </a:rPr>
-              <a:t>３人開発チームのリーダー</a:t>
-            </a:r>
-            <a:endParaRPr lang="en-US" altLang="ja-JP" dirty="0" smtClean="0">
-              <a:solidFill>
-                <a:srgbClr val="00B050"/>
-              </a:solidFill>
-              <a:latin typeface="+mj-ea"/>
-              <a:ea typeface="+mj-ea"/>
-            </a:endParaRPr>
-          </a:p>
-          <a:p>
-            <a:endParaRPr lang="en-US" altLang="ja-JP" dirty="0">
-              <a:solidFill>
-                <a:srgbClr val="FF0000"/>
-              </a:solidFill>
-              <a:latin typeface="+mj-ea"/>
-              <a:ea typeface="+mj-ea"/>
-            </a:endParaRPr>
-          </a:p>
-          <a:p>
-            <a:pPr marL="285750" indent="-285750">
-              <a:buFont typeface="Arial" panose="020B0604020202020204" pitchFamily="34" charset="0"/>
-              <a:buChar char="•"/>
-            </a:pPr>
-            <a:r>
-              <a:rPr lang="ja-JP" altLang="en-US" dirty="0" smtClean="0">
-                <a:solidFill>
-                  <a:srgbClr val="FF0000"/>
-                </a:solidFill>
-                <a:latin typeface="+mj-ea"/>
-                <a:ea typeface="+mj-ea"/>
-              </a:rPr>
-              <a:t>開発中にメンバーのフォロー、実現方法の調査、アドバイスを与え、全体の作業を円滑に進行させる。</a:t>
-            </a:r>
-            <a:endParaRPr lang="en-US" altLang="ja-JP" dirty="0" smtClean="0">
-              <a:solidFill>
-                <a:srgbClr val="FF0000"/>
-              </a:solidFill>
-              <a:latin typeface="+mj-ea"/>
-              <a:ea typeface="+mj-ea"/>
-            </a:endParaRPr>
-          </a:p>
-          <a:p>
-            <a:endParaRPr lang="en-US" altLang="ja-JP" dirty="0" smtClean="0">
-              <a:solidFill>
-                <a:srgbClr val="FF0000"/>
-              </a:solidFill>
-              <a:latin typeface="+mj-ea"/>
-              <a:ea typeface="+mj-ea"/>
-            </a:endParaRPr>
-          </a:p>
-          <a:p>
-            <a:pPr marL="285750" indent="-285750">
-              <a:buFont typeface="Arial" panose="020B0604020202020204" pitchFamily="34" charset="0"/>
-              <a:buChar char="•"/>
-            </a:pPr>
-            <a:r>
-              <a:rPr lang="ja-JP" altLang="en-US" dirty="0" smtClean="0">
-                <a:solidFill>
-                  <a:srgbClr val="FF0000"/>
-                </a:solidFill>
-                <a:latin typeface="+mj-ea"/>
-                <a:ea typeface="+mj-ea"/>
-              </a:rPr>
-              <a:t>移行の主導者として、本番作業タイムチャートと作業手順書の作成とメンバに展開。</a:t>
-            </a:r>
-            <a:endParaRPr lang="en-US" altLang="ja-JP" dirty="0" smtClean="0">
-              <a:solidFill>
-                <a:srgbClr val="FF0000"/>
-              </a:solidFill>
-              <a:latin typeface="+mj-ea"/>
-              <a:ea typeface="+mj-ea"/>
-            </a:endParaRPr>
-          </a:p>
-        </p:txBody>
-      </p:sp>
     </p:spTree>
     <p:extLst>
       <p:ext uri="{BB962C8B-B14F-4D97-AF65-F5344CB8AC3E}">
-        <p14:creationId xmlns:p14="http://schemas.microsoft.com/office/powerpoint/2010/main" val="3189261441"/>
-      </p:ext>
-    </p:extLst>
-  </p:cSld>
-  <p:clrMapOvr>
-    <a:masterClrMapping/>
-  </p:clrMapOvr>
-  <p:timing>
-    <p:tnLst>
-      <p:par>
-        <p:cTn id="1" dur="indefinite" restart="never" nodeType="tmRoot"/>
-      </p:par>
-    </p:tnLst>
-  </p:timing>
-</p:sld>
-</file>
-
-<file path=ppt/slides/slide9.xml><?xml version="1.0" encoding="utf-8"?>
-<p:sld xmlns:a="http://schemas.openxmlformats.org/drawingml/2006/main" xmlns:r="http://schemas.openxmlformats.org/officeDocument/2006/relationships" xmlns:p="http://schemas.openxmlformats.org/presentationml/2006/main">
-  <p:cSld>
-    <p:spTree>
-      <p:nvGrpSpPr>
-        <p:cNvPr id="1" name=""/>
-        <p:cNvGrpSpPr/>
-        <p:nvPr/>
-      </p:nvGrpSpPr>
-      <p:grpSpPr>
-        <a:xfrm>
-          <a:off x="0" y="0"/>
-          <a:ext cx="0" cy="0"/>
-          <a:chOff x="0" y="0"/>
-          <a:chExt cx="0" cy="0"/>
-        </a:xfrm>
-      </p:grpSpPr>
-      <p:sp>
-        <p:nvSpPr>
-          <p:cNvPr id="2" name="タイトル 1"/>
-          <p:cNvSpPr>
-            <a:spLocks noGrp="1"/>
-          </p:cNvSpPr>
-          <p:nvPr>
-            <p:ph type="title"/>
-          </p:nvPr>
-        </p:nvSpPr>
-        <p:spPr>
-          <a:xfrm>
-            <a:off x="1052735" y="481728"/>
-            <a:ext cx="5670000" cy="313350"/>
-          </a:xfrm>
-        </p:spPr>
-        <p:txBody>
-          <a:bodyPr/>
-          <a:lstStyle/>
-          <a:p>
-            <a:r>
-              <a:rPr lang="ja-JP" altLang="en-US" dirty="0">
-                <a:solidFill>
-                  <a:schemeClr val="accent6">
-                    <a:lumMod val="50000"/>
-                    <a:lumOff val="50000"/>
-                  </a:schemeClr>
-                </a:solidFill>
-                <a:latin typeface="+mn-ea"/>
-              </a:rPr>
-              <a:t>進化</a:t>
-            </a:r>
-            <a:r>
-              <a:rPr lang="ja-JP" altLang="en-US" dirty="0" smtClean="0">
-                <a:solidFill>
-                  <a:schemeClr val="accent6">
-                    <a:lumMod val="50000"/>
-                    <a:lumOff val="50000"/>
-                  </a:schemeClr>
-                </a:solidFill>
-                <a:latin typeface="+mn-ea"/>
-              </a:rPr>
-              <a:t>の自分</a:t>
-            </a:r>
-            <a:r>
-              <a:rPr lang="en-US" altLang="ja-JP" dirty="0" smtClean="0">
-                <a:solidFill>
-                  <a:schemeClr val="accent6">
-                    <a:lumMod val="50000"/>
-                    <a:lumOff val="50000"/>
-                  </a:schemeClr>
-                </a:solidFill>
-                <a:latin typeface="+mn-ea"/>
-              </a:rPr>
-              <a:t>-</a:t>
-            </a:r>
-            <a:r>
-              <a:rPr lang="ja-JP" altLang="en-US" dirty="0" smtClean="0">
-                <a:solidFill>
-                  <a:schemeClr val="accent6">
-                    <a:lumMod val="50000"/>
-                    <a:lumOff val="50000"/>
-                  </a:schemeClr>
-                </a:solidFill>
-                <a:latin typeface="+mn-ea"/>
-              </a:rPr>
-              <a:t>現場以外の業務の兼務</a:t>
-            </a:r>
-            <a:endParaRPr kumimoji="1" lang="ja-JP" altLang="en-US" dirty="0"/>
-          </a:p>
-        </p:txBody>
-      </p:sp>
-      <p:grpSp>
-        <p:nvGrpSpPr>
-          <p:cNvPr id="11" name="Group 296">
-            <a:extLst>
-              <a:ext uri="{FF2B5EF4-FFF2-40B4-BE49-F238E27FC236}">
-                <a16:creationId xmlns="" xmlns:a16="http://schemas.microsoft.com/office/drawing/2014/main" id="{3842FC64-AB39-42D7-A48C-0FE49F99806C}"/>
-              </a:ext>
-            </a:extLst>
-          </p:cNvPr>
-          <p:cNvGrpSpPr>
-            <a:grpSpLocks/>
-          </p:cNvGrpSpPr>
-          <p:nvPr/>
-        </p:nvGrpSpPr>
-        <p:grpSpPr bwMode="auto">
-          <a:xfrm>
-            <a:off x="1214776" y="1036692"/>
-            <a:ext cx="788463" cy="755574"/>
-            <a:chOff x="336" y="601"/>
-            <a:chExt cx="850" cy="850"/>
-          </a:xfrm>
-        </p:grpSpPr>
-        <p:sp>
-          <p:nvSpPr>
-            <p:cNvPr id="12" name="Oval 2">
-              <a:extLst>
-                <a:ext uri="{FF2B5EF4-FFF2-40B4-BE49-F238E27FC236}">
-                  <a16:creationId xmlns="" xmlns:a16="http://schemas.microsoft.com/office/drawing/2014/main" id="{9267EE0A-4BA4-4E94-8745-FFA9A06F71A9}"/>
-                </a:ext>
-              </a:extLst>
-            </p:cNvPr>
-            <p:cNvSpPr>
-              <a:spLocks noChangeArrowheads="1"/>
-            </p:cNvSpPr>
-            <p:nvPr/>
-          </p:nvSpPr>
-          <p:spPr bwMode="auto">
-            <a:xfrm>
-              <a:off x="336" y="601"/>
-              <a:ext cx="850" cy="850"/>
-            </a:xfrm>
-            <a:prstGeom prst="ellipse">
-              <a:avLst/>
-            </a:prstGeom>
-            <a:solidFill>
-              <a:srgbClr val="333333"/>
-            </a:solidFill>
-            <a:ln>
-              <a:noFill/>
-            </a:ln>
-            <a:effectLst/>
-            <a:extLst>
-              <a:ext uri="{91240B29-F687-4F45-9708-019B960494DF}">
-                <a14:hiddenLine xmlns:a14="http://schemas.microsoft.com/office/drawing/2010/main" w="38100">
-                  <a:solidFill>
-                    <a:srgbClr val="333333"/>
-                  </a:solidFill>
-                  <a:round/>
-                  <a:headEnd/>
-                  <a:tailEnd/>
-                </a14:hiddenLine>
-              </a:ext>
-              <a:ext uri="{AF507438-7753-43E0-B8FC-AC1667EBCBE1}">
-                <a14:hiddenEffects xmlns:a14="http://schemas.microsoft.com/office/drawing/2010/main">
-                  <a:effectLst>
-                    <a:outerShdw dist="35921" dir="2700000" algn="ctr" rotWithShape="0">
-                      <a:schemeClr val="bg2"/>
-                    </a:outerShdw>
-                  </a:effectLst>
-                </a14:hiddenEffects>
-              </a:ext>
-            </a:extLst>
-          </p:spPr>
-          <p:txBody>
-            <a:bodyPr wrap="none" anchor="ctr"/>
-            <a:lstStyle/>
-            <a:p>
-              <a:endParaRPr lang="ja-JP" altLang="en-US"/>
-            </a:p>
-          </p:txBody>
-        </p:sp>
-        <p:sp>
-          <p:nvSpPr>
-            <p:cNvPr id="13" name="Oval 19">
-              <a:extLst>
-                <a:ext uri="{FF2B5EF4-FFF2-40B4-BE49-F238E27FC236}">
-                  <a16:creationId xmlns="" xmlns:a16="http://schemas.microsoft.com/office/drawing/2014/main" id="{CC91C93B-224E-47BB-A4B4-F39EF6BD8070}"/>
-                </a:ext>
-              </a:extLst>
-            </p:cNvPr>
-            <p:cNvSpPr>
-              <a:spLocks noChangeArrowheads="1"/>
-            </p:cNvSpPr>
-            <p:nvPr/>
-          </p:nvSpPr>
-          <p:spPr bwMode="auto">
-            <a:xfrm>
-              <a:off x="353" y="618"/>
-              <a:ext cx="817" cy="817"/>
-            </a:xfrm>
-            <a:prstGeom prst="ellipse">
-              <a:avLst/>
-            </a:prstGeom>
-            <a:gradFill rotWithShape="1">
-              <a:gsLst>
-                <a:gs pos="0">
-                  <a:srgbClr val="FF0000">
-                    <a:gamma/>
-                    <a:tint val="60392"/>
-                    <a:invGamma/>
-                  </a:srgbClr>
-                </a:gs>
-                <a:gs pos="100000">
-                  <a:srgbClr val="FF0000"/>
-                </a:gs>
-              </a:gsLst>
-              <a:path path="shape">
-                <a:fillToRect l="50000" t="50000" r="50000" b="50000"/>
-              </a:path>
-            </a:gradFill>
-            <a:ln>
-              <a:noFill/>
-            </a:ln>
-            <a:effectLst/>
-            <a:extLst>
-              <a:ext uri="{91240B29-F687-4F45-9708-019B960494DF}">
-                <a14:hiddenLine xmlns:a14="http://schemas.microsoft.com/office/drawing/2010/main" w="9525">
-                  <a:solidFill>
-                    <a:srgbClr val="FF0000"/>
-                  </a:solidFill>
-                  <a:round/>
-                  <a:headEnd/>
-                  <a:tailEnd/>
-                </a14:hiddenLine>
-              </a:ext>
-              <a:ext uri="{AF507438-7753-43E0-B8FC-AC1667EBCBE1}">
-                <a14:hiddenEffects xmlns:a14="http://schemas.microsoft.com/office/drawing/2010/main">
-                  <a:effectLst>
-                    <a:outerShdw dist="35921" dir="2700000" algn="ctr" rotWithShape="0">
-                      <a:schemeClr val="bg2"/>
-                    </a:outerShdw>
-                  </a:effectLst>
-                </a14:hiddenEffects>
-              </a:ext>
-            </a:extLst>
-          </p:spPr>
-          <p:txBody>
-            <a:bodyPr wrap="none" anchor="ctr"/>
-            <a:lstStyle/>
-            <a:p>
-              <a:endParaRPr lang="ja-JP" altLang="en-US"/>
-            </a:p>
-          </p:txBody>
-        </p:sp>
-        <p:sp>
-          <p:nvSpPr>
-            <p:cNvPr id="14" name="Oval 20">
-              <a:extLst>
-                <a:ext uri="{FF2B5EF4-FFF2-40B4-BE49-F238E27FC236}">
-                  <a16:creationId xmlns="" xmlns:a16="http://schemas.microsoft.com/office/drawing/2014/main" id="{9BD5F5FE-EFD9-4804-9B3B-C6D91AFF363C}"/>
-                </a:ext>
-              </a:extLst>
-            </p:cNvPr>
-            <p:cNvSpPr>
-              <a:spLocks noChangeArrowheads="1"/>
-            </p:cNvSpPr>
-            <p:nvPr/>
-          </p:nvSpPr>
-          <p:spPr bwMode="auto">
-            <a:xfrm>
-              <a:off x="625" y="663"/>
-              <a:ext cx="454" cy="454"/>
-            </a:xfrm>
-            <a:prstGeom prst="ellipse">
-              <a:avLst/>
-            </a:prstGeom>
-            <a:gradFill rotWithShape="1">
-              <a:gsLst>
-                <a:gs pos="0">
-                  <a:schemeClr val="bg1">
-                    <a:alpha val="60001"/>
-                  </a:schemeClr>
-                </a:gs>
-                <a:gs pos="100000">
-                  <a:schemeClr val="bg1">
-                    <a:gamma/>
-                    <a:shade val="46275"/>
-                    <a:invGamma/>
-                    <a:alpha val="0"/>
-                  </a:schemeClr>
-                </a:gs>
-              </a:gsLst>
-              <a:path path="shape">
-                <a:fillToRect l="50000" t="50000" r="50000" b="50000"/>
-              </a:path>
-            </a:gradFill>
-            <a:ln>
-              <a:noFill/>
-            </a:ln>
-            <a:effectLst/>
-            <a:extLst>
-              <a:ext uri="{91240B29-F687-4F45-9708-019B960494DF}">
-                <a14:hiddenLine xmlns:a14="http://schemas.microsoft.com/office/drawing/2010/main" w="9525">
-                  <a:solidFill>
-                    <a:srgbClr val="FF0000"/>
-                  </a:solidFill>
-                  <a:round/>
-                  <a:headEnd/>
-                  <a:tailEnd/>
-                </a14:hiddenLine>
-              </a:ext>
-              <a:ext uri="{AF507438-7753-43E0-B8FC-AC1667EBCBE1}">
-                <a14:hiddenEffects xmlns:a14="http://schemas.microsoft.com/office/drawing/2010/main">
-                  <a:effectLst>
-                    <a:outerShdw dist="35921" dir="2700000" algn="ctr" rotWithShape="0">
-                      <a:schemeClr val="bg2"/>
-                    </a:outerShdw>
-                  </a:effectLst>
-                </a14:hiddenEffects>
-              </a:ext>
-            </a:extLst>
-          </p:spPr>
-          <p:txBody>
-            <a:bodyPr wrap="none" anchor="ctr"/>
-            <a:lstStyle/>
-            <a:p>
-              <a:endParaRPr lang="ja-JP" altLang="en-US"/>
-            </a:p>
-          </p:txBody>
-        </p:sp>
-        <p:grpSp>
-          <p:nvGrpSpPr>
-            <p:cNvPr id="15" name="Group 21">
-              <a:extLst>
-                <a:ext uri="{FF2B5EF4-FFF2-40B4-BE49-F238E27FC236}">
-                  <a16:creationId xmlns="" xmlns:a16="http://schemas.microsoft.com/office/drawing/2014/main" id="{7DB5FE9B-6714-4B4D-AB94-45F20F7D5C8E}"/>
-                </a:ext>
-              </a:extLst>
-            </p:cNvPr>
-            <p:cNvGrpSpPr>
-              <a:grpSpLocks/>
-            </p:cNvGrpSpPr>
-            <p:nvPr/>
-          </p:nvGrpSpPr>
-          <p:grpSpPr bwMode="auto">
-            <a:xfrm>
-              <a:off x="535" y="1177"/>
-              <a:ext cx="453" cy="212"/>
-              <a:chOff x="580" y="1207"/>
-              <a:chExt cx="363" cy="182"/>
-            </a:xfrm>
-          </p:grpSpPr>
-          <p:sp>
-            <p:nvSpPr>
-              <p:cNvPr id="18" name="AutoShape 22">
-                <a:extLst>
-                  <a:ext uri="{FF2B5EF4-FFF2-40B4-BE49-F238E27FC236}">
-                    <a16:creationId xmlns="" xmlns:a16="http://schemas.microsoft.com/office/drawing/2014/main" id="{4E5DF4CC-2B73-45EA-B083-30A68ED1FA2A}"/>
-                  </a:ext>
-                </a:extLst>
-              </p:cNvPr>
-              <p:cNvSpPr>
-                <a:spLocks noChangeArrowheads="1"/>
-              </p:cNvSpPr>
-              <p:nvPr/>
-            </p:nvSpPr>
-            <p:spPr bwMode="auto">
-              <a:xfrm rot="16200000">
-                <a:off x="671" y="1116"/>
-                <a:ext cx="182" cy="363"/>
-              </a:xfrm>
-              <a:prstGeom prst="moon">
-                <a:avLst>
-                  <a:gd name="adj" fmla="val 87500"/>
-                </a:avLst>
-              </a:prstGeom>
-              <a:gradFill rotWithShape="1">
-                <a:gsLst>
-                  <a:gs pos="0">
-                    <a:srgbClr val="FF99CC"/>
-                  </a:gs>
-                  <a:gs pos="100000">
-                    <a:srgbClr val="CC0000"/>
-                  </a:gs>
-                </a:gsLst>
-                <a:lin ang="0" scaled="1"/>
-              </a:gradFill>
-              <a:ln>
-                <a:noFill/>
-              </a:ln>
-              <a:effectLst/>
-              <a:extLst>
-                <a:ext uri="{91240B29-F687-4F45-9708-019B960494DF}">
-                  <a14:hiddenLine xmlns:a14="http://schemas.microsoft.com/office/drawing/2010/main" w="3175">
-                    <a:solidFill>
-                      <a:srgbClr val="333333"/>
-                    </a:solidFill>
-                    <a:miter lim="800000"/>
-                    <a:headEnd/>
-                    <a:tailEnd/>
-                  </a14:hiddenLine>
-                </a:ext>
-                <a:ext uri="{AF507438-7753-43E0-B8FC-AC1667EBCBE1}">
-                  <a14:hiddenEffects xmlns:a14="http://schemas.microsoft.com/office/drawing/2010/main">
-                    <a:effectLst>
-                      <a:outerShdw dist="35921" dir="2700000" algn="ctr" rotWithShape="0">
-                        <a:schemeClr val="bg2"/>
-                      </a:outerShdw>
-                    </a:effectLst>
-                  </a14:hiddenEffects>
-                </a:ext>
-              </a:extLst>
-            </p:spPr>
-            <p:txBody>
-              <a:bodyPr wrap="none" anchor="ctr"/>
-              <a:lstStyle/>
-              <a:p>
-                <a:endParaRPr lang="ja-JP" altLang="en-US"/>
-              </a:p>
-            </p:txBody>
-          </p:sp>
-          <p:sp>
-            <p:nvSpPr>
-              <p:cNvPr id="19" name="Freeform 23">
-                <a:extLst>
-                  <a:ext uri="{FF2B5EF4-FFF2-40B4-BE49-F238E27FC236}">
-                    <a16:creationId xmlns="" xmlns:a16="http://schemas.microsoft.com/office/drawing/2014/main" id="{A03184C6-4DC0-40F9-A025-A1F34226A187}"/>
-                  </a:ext>
-                </a:extLst>
-              </p:cNvPr>
-              <p:cNvSpPr>
-                <a:spLocks/>
-              </p:cNvSpPr>
-              <p:nvPr/>
-            </p:nvSpPr>
-            <p:spPr bwMode="auto">
-              <a:xfrm>
-                <a:off x="625" y="1298"/>
-                <a:ext cx="272" cy="91"/>
-              </a:xfrm>
-              <a:custGeom>
-                <a:avLst/>
-                <a:gdLst>
-                  <a:gd name="T0" fmla="*/ 136 w 272"/>
-                  <a:gd name="T1" fmla="*/ 136 h 136"/>
-                  <a:gd name="T2" fmla="*/ 0 w 272"/>
-                  <a:gd name="T3" fmla="*/ 45 h 136"/>
-                  <a:gd name="T4" fmla="*/ 136 w 272"/>
-                  <a:gd name="T5" fmla="*/ 0 h 136"/>
-                  <a:gd name="T6" fmla="*/ 272 w 272"/>
-                  <a:gd name="T7" fmla="*/ 45 h 136"/>
-                  <a:gd name="T8" fmla="*/ 136 w 272"/>
-                  <a:gd name="T9" fmla="*/ 136 h 136"/>
-                </a:gdLst>
-                <a:ahLst/>
-                <a:cxnLst>
-                  <a:cxn ang="0">
-                    <a:pos x="T0" y="T1"/>
-                  </a:cxn>
-                  <a:cxn ang="0">
-                    <a:pos x="T2" y="T3"/>
-                  </a:cxn>
-                  <a:cxn ang="0">
-                    <a:pos x="T4" y="T5"/>
-                  </a:cxn>
-                  <a:cxn ang="0">
-                    <a:pos x="T6" y="T7"/>
-                  </a:cxn>
-                  <a:cxn ang="0">
-                    <a:pos x="T8" y="T9"/>
-                  </a:cxn>
-                </a:cxnLst>
-                <a:rect l="0" t="0" r="r" b="b"/>
-                <a:pathLst>
-                  <a:path w="272" h="136">
-                    <a:moveTo>
-                      <a:pt x="136" y="136"/>
-                    </a:moveTo>
-                    <a:cubicBezTo>
-                      <a:pt x="91" y="136"/>
-                      <a:pt x="0" y="68"/>
-                      <a:pt x="0" y="45"/>
-                    </a:cubicBezTo>
-                    <a:cubicBezTo>
-                      <a:pt x="0" y="22"/>
-                      <a:pt x="91" y="0"/>
-                      <a:pt x="136" y="0"/>
-                    </a:cubicBezTo>
-                    <a:cubicBezTo>
-                      <a:pt x="181" y="0"/>
-                      <a:pt x="272" y="22"/>
-                      <a:pt x="272" y="45"/>
-                    </a:cubicBezTo>
-                    <a:cubicBezTo>
-                      <a:pt x="272" y="68"/>
-                      <a:pt x="181" y="136"/>
-                      <a:pt x="136" y="136"/>
-                    </a:cubicBezTo>
-                    <a:close/>
-                  </a:path>
-                </a:pathLst>
-              </a:custGeom>
-              <a:gradFill rotWithShape="1">
-                <a:gsLst>
-                  <a:gs pos="0">
-                    <a:srgbClr val="FF0000">
-                      <a:gamma/>
-                      <a:shade val="46275"/>
-                      <a:invGamma/>
-                    </a:srgbClr>
-                  </a:gs>
-                  <a:gs pos="100000">
-                    <a:srgbClr val="FF0000"/>
-                  </a:gs>
-                </a:gsLst>
-                <a:lin ang="5400000" scaled="1"/>
-              </a:gradFill>
-              <a:ln>
-                <a:noFill/>
-              </a:ln>
-              <a:effectLst/>
-              <a:extLst>
-                <a:ext uri="{91240B29-F687-4F45-9708-019B960494DF}">
-                  <a14:hiddenLine xmlns:a14="http://schemas.microsoft.com/office/drawing/2010/main" w="9525" cap="flat" cmpd="sng">
-                    <a:solidFill>
-                      <a:srgbClr val="FF0000"/>
-                    </a:solidFill>
-                    <a:prstDash val="solid"/>
-                    <a:round/>
-                    <a:headEnd/>
-                    <a:tailEnd/>
-                  </a14:hiddenLine>
-                </a:ext>
-                <a:ext uri="{AF507438-7753-43E0-B8FC-AC1667EBCBE1}">
-                  <a14:hiddenEffects xmlns:a14="http://schemas.microsoft.com/office/drawing/2010/main">
-                    <a:effectLst>
-                      <a:outerShdw dist="35921" dir="2700000" algn="ctr" rotWithShape="0">
-                        <a:schemeClr val="bg2"/>
-                      </a:outerShdw>
-                    </a:effectLst>
-                  </a14:hiddenEffects>
-                </a:ext>
-              </a:extLst>
-            </p:spPr>
-            <p:txBody>
-              <a:bodyPr/>
-              <a:lstStyle/>
-              <a:p>
-                <a:endParaRPr lang="ja-JP" altLang="en-US"/>
-              </a:p>
-            </p:txBody>
-          </p:sp>
-        </p:grpSp>
-        <p:sp>
-          <p:nvSpPr>
-            <p:cNvPr id="16" name="AutoShape 36">
-              <a:extLst>
-                <a:ext uri="{FF2B5EF4-FFF2-40B4-BE49-F238E27FC236}">
-                  <a16:creationId xmlns="" xmlns:a16="http://schemas.microsoft.com/office/drawing/2014/main" id="{C65C2922-0F06-4601-991B-D9188A55C388}"/>
-                </a:ext>
-              </a:extLst>
-            </p:cNvPr>
-            <p:cNvSpPr>
-              <a:spLocks noChangeArrowheads="1"/>
-            </p:cNvSpPr>
-            <p:nvPr/>
-          </p:nvSpPr>
-          <p:spPr bwMode="auto">
-            <a:xfrm>
-              <a:off x="444" y="890"/>
-              <a:ext cx="272" cy="272"/>
-            </a:xfrm>
-            <a:custGeom>
-              <a:avLst/>
-              <a:gdLst>
-                <a:gd name="G0" fmla="+- 8146 0 0"/>
-                <a:gd name="G1" fmla="+- -11686764 0 0"/>
-                <a:gd name="G2" fmla="+- 0 0 -11686764"/>
-                <a:gd name="T0" fmla="*/ 0 256 1"/>
-                <a:gd name="T1" fmla="*/ 180 256 1"/>
-                <a:gd name="G3" fmla="+- -11686764 T0 T1"/>
-                <a:gd name="T2" fmla="*/ 0 256 1"/>
-                <a:gd name="T3" fmla="*/ 90 256 1"/>
-                <a:gd name="G4" fmla="+- -11686764 T2 T3"/>
-                <a:gd name="G5" fmla="*/ G4 2 1"/>
-                <a:gd name="T4" fmla="*/ 90 256 1"/>
-                <a:gd name="T5" fmla="*/ 0 256 1"/>
-                <a:gd name="G6" fmla="+- -11686764 T4 T5"/>
-                <a:gd name="G7" fmla="*/ G6 2 1"/>
-                <a:gd name="G8" fmla="abs -11686764"/>
-                <a:gd name="T6" fmla="*/ 0 256 1"/>
-                <a:gd name="T7" fmla="*/ 90 256 1"/>
-                <a:gd name="G9" fmla="+- G8 T6 T7"/>
-                <a:gd name="G10" fmla="?: G9 G7 G5"/>
-                <a:gd name="T8" fmla="*/ 0 256 1"/>
-                <a:gd name="T9" fmla="*/ 360 256 1"/>
-                <a:gd name="G11" fmla="+- G10 T8 T9"/>
-                <a:gd name="G12" fmla="?: G10 G11 G10"/>
-                <a:gd name="T10" fmla="*/ 0 256 1"/>
-                <a:gd name="T11" fmla="*/ 360 256 1"/>
-                <a:gd name="G13" fmla="+- G12 T10 T11"/>
-                <a:gd name="G14" fmla="?: G12 G13 G12"/>
-                <a:gd name="G15" fmla="+- 0 0 G14"/>
-                <a:gd name="G16" fmla="+- 10800 0 0"/>
-                <a:gd name="G17" fmla="+- 10800 0 8146"/>
-                <a:gd name="G18" fmla="*/ 8146 1 2"/>
-                <a:gd name="G19" fmla="+- G18 5400 0"/>
-                <a:gd name="G20" fmla="cos G19 -11686764"/>
-                <a:gd name="G21" fmla="sin G19 -11686764"/>
-                <a:gd name="G22" fmla="+- G20 10800 0"/>
-                <a:gd name="G23" fmla="+- G21 10800 0"/>
-                <a:gd name="G24" fmla="+- 10800 0 G20"/>
-                <a:gd name="G25" fmla="+- 8146 10800 0"/>
-                <a:gd name="G26" fmla="?: G9 G17 G25"/>
-                <a:gd name="G27" fmla="?: G9 0 21600"/>
-                <a:gd name="G28" fmla="cos 10800 -11686764"/>
-                <a:gd name="G29" fmla="sin 10800 -11686764"/>
-                <a:gd name="G30" fmla="sin 8146 -11686764"/>
-                <a:gd name="G31" fmla="+- G28 10800 0"/>
-                <a:gd name="G32" fmla="+- G29 10800 0"/>
-                <a:gd name="G33" fmla="+- G30 10800 0"/>
-                <a:gd name="G34" fmla="?: G4 0 G31"/>
-                <a:gd name="G35" fmla="?: -11686764 G34 0"/>
-                <a:gd name="G36" fmla="?: G6 G35 G31"/>
-                <a:gd name="G37" fmla="+- 21600 0 G36"/>
-                <a:gd name="G38" fmla="?: G4 0 G33"/>
-                <a:gd name="G39" fmla="?: -11686764 G38 G32"/>
-                <a:gd name="G40" fmla="?: G6 G39 0"/>
-                <a:gd name="G41" fmla="?: G4 G32 21600"/>
-                <a:gd name="G42" fmla="?: G6 G41 G33"/>
-                <a:gd name="T12" fmla="*/ 10800 w 21600"/>
-                <a:gd name="T13" fmla="*/ 0 h 21600"/>
-                <a:gd name="T14" fmla="*/ 1331 w 21600"/>
-                <a:gd name="T15" fmla="*/ 10523 h 21600"/>
-                <a:gd name="T16" fmla="*/ 10800 w 21600"/>
-                <a:gd name="T17" fmla="*/ 2654 h 21600"/>
-                <a:gd name="T18" fmla="*/ 20269 w 21600"/>
-                <a:gd name="T19" fmla="*/ 10523 h 21600"/>
-                <a:gd name="T20" fmla="*/ G36 w 21600"/>
-                <a:gd name="T21" fmla="*/ G40 h 21600"/>
-                <a:gd name="T22" fmla="*/ G37 w 21600"/>
-                <a:gd name="T23" fmla="*/ G42 h 21600"/>
-              </a:gdLst>
-              <a:ahLst/>
-              <a:cxnLst>
-                <a:cxn ang="0">
-                  <a:pos x="T12" y="T13"/>
-                </a:cxn>
-                <a:cxn ang="0">
-                  <a:pos x="T14" y="T15"/>
-                </a:cxn>
-                <a:cxn ang="0">
-                  <a:pos x="T16" y="T17"/>
-                </a:cxn>
-                <a:cxn ang="0">
-                  <a:pos x="T18" y="T19"/>
-                </a:cxn>
-              </a:cxnLst>
-              <a:rect l="T20" t="T21" r="T22" b="T23"/>
-              <a:pathLst>
-                <a:path w="21600" h="21600">
-                  <a:moveTo>
-                    <a:pt x="2657" y="10562"/>
-                  </a:moveTo>
-                  <a:cubicBezTo>
-                    <a:pt x="2786" y="6157"/>
-                    <a:pt x="6393" y="2654"/>
-                    <a:pt x="10800" y="2654"/>
-                  </a:cubicBezTo>
-                  <a:cubicBezTo>
-                    <a:pt x="15206" y="2654"/>
-                    <a:pt x="18813" y="6157"/>
-                    <a:pt x="18942" y="10562"/>
-                  </a:cubicBezTo>
-                  <a:lnTo>
-                    <a:pt x="21595" y="10484"/>
-                  </a:lnTo>
-                  <a:cubicBezTo>
-                    <a:pt x="21424" y="4645"/>
-                    <a:pt x="16641" y="0"/>
-                    <a:pt x="10799" y="0"/>
-                  </a:cubicBezTo>
-                  <a:cubicBezTo>
-                    <a:pt x="4958" y="0"/>
-                    <a:pt x="175" y="4645"/>
-                    <a:pt x="4" y="10484"/>
-                  </a:cubicBezTo>
-                  <a:close/>
-                </a:path>
-              </a:pathLst>
-            </a:custGeom>
-            <a:solidFill>
-              <a:schemeClr val="tx1"/>
-            </a:solidFill>
-            <a:ln>
-              <a:noFill/>
-            </a:ln>
-            <a:effectLst/>
-            <a:extLst>
-              <a:ext uri="{91240B29-F687-4F45-9708-019B960494DF}">
-                <a14:hiddenLine xmlns:a14="http://schemas.microsoft.com/office/drawing/2010/main" w="9525">
-                  <a:solidFill>
-                    <a:srgbClr val="FF0000"/>
-                  </a:solidFill>
-                  <a:miter lim="800000"/>
-                  <a:headEnd/>
-                  <a:tailEnd/>
-                </a14:hiddenLine>
-              </a:ext>
-              <a:ext uri="{AF507438-7753-43E0-B8FC-AC1667EBCBE1}">
-                <a14:hiddenEffects xmlns:a14="http://schemas.microsoft.com/office/drawing/2010/main">
-                  <a:effectLst>
-                    <a:outerShdw dist="35921" dir="2700000" algn="ctr" rotWithShape="0">
-                      <a:schemeClr val="bg2"/>
-                    </a:outerShdw>
-                  </a:effectLst>
-                </a14:hiddenEffects>
-              </a:ext>
-            </a:extLst>
-          </p:spPr>
-          <p:txBody>
-            <a:bodyPr wrap="none" anchor="ctr"/>
-            <a:lstStyle/>
-            <a:p>
-              <a:endParaRPr lang="ja-JP" altLang="en-US"/>
-            </a:p>
-          </p:txBody>
-        </p:sp>
-        <p:sp>
-          <p:nvSpPr>
-            <p:cNvPr id="17" name="AutoShape 37">
-              <a:extLst>
-                <a:ext uri="{FF2B5EF4-FFF2-40B4-BE49-F238E27FC236}">
-                  <a16:creationId xmlns="" xmlns:a16="http://schemas.microsoft.com/office/drawing/2014/main" id="{9028FBF9-F253-4134-8311-3707C3C5DB2F}"/>
-                </a:ext>
-              </a:extLst>
-            </p:cNvPr>
-            <p:cNvSpPr>
-              <a:spLocks noChangeArrowheads="1"/>
-            </p:cNvSpPr>
-            <p:nvPr/>
-          </p:nvSpPr>
-          <p:spPr bwMode="auto">
-            <a:xfrm>
-              <a:off x="807" y="890"/>
-              <a:ext cx="272" cy="272"/>
-            </a:xfrm>
-            <a:custGeom>
-              <a:avLst/>
-              <a:gdLst>
-                <a:gd name="G0" fmla="+- 8146 0 0"/>
-                <a:gd name="G1" fmla="+- -11686764 0 0"/>
-                <a:gd name="G2" fmla="+- 0 0 -11686764"/>
-                <a:gd name="T0" fmla="*/ 0 256 1"/>
-                <a:gd name="T1" fmla="*/ 180 256 1"/>
-                <a:gd name="G3" fmla="+- -11686764 T0 T1"/>
-                <a:gd name="T2" fmla="*/ 0 256 1"/>
-                <a:gd name="T3" fmla="*/ 90 256 1"/>
-                <a:gd name="G4" fmla="+- -11686764 T2 T3"/>
-                <a:gd name="G5" fmla="*/ G4 2 1"/>
-                <a:gd name="T4" fmla="*/ 90 256 1"/>
-                <a:gd name="T5" fmla="*/ 0 256 1"/>
-                <a:gd name="G6" fmla="+- -11686764 T4 T5"/>
-                <a:gd name="G7" fmla="*/ G6 2 1"/>
-                <a:gd name="G8" fmla="abs -11686764"/>
-                <a:gd name="T6" fmla="*/ 0 256 1"/>
-                <a:gd name="T7" fmla="*/ 90 256 1"/>
-                <a:gd name="G9" fmla="+- G8 T6 T7"/>
-                <a:gd name="G10" fmla="?: G9 G7 G5"/>
-                <a:gd name="T8" fmla="*/ 0 256 1"/>
-                <a:gd name="T9" fmla="*/ 360 256 1"/>
-                <a:gd name="G11" fmla="+- G10 T8 T9"/>
-                <a:gd name="G12" fmla="?: G10 G11 G10"/>
-                <a:gd name="T10" fmla="*/ 0 256 1"/>
-                <a:gd name="T11" fmla="*/ 360 256 1"/>
-                <a:gd name="G13" fmla="+- G12 T10 T11"/>
-                <a:gd name="G14" fmla="?: G12 G13 G12"/>
-                <a:gd name="G15" fmla="+- 0 0 G14"/>
-                <a:gd name="G16" fmla="+- 10800 0 0"/>
-                <a:gd name="G17" fmla="+- 10800 0 8146"/>
-                <a:gd name="G18" fmla="*/ 8146 1 2"/>
-                <a:gd name="G19" fmla="+- G18 5400 0"/>
-                <a:gd name="G20" fmla="cos G19 -11686764"/>
-                <a:gd name="G21" fmla="sin G19 -11686764"/>
-                <a:gd name="G22" fmla="+- G20 10800 0"/>
-                <a:gd name="G23" fmla="+- G21 10800 0"/>
-                <a:gd name="G24" fmla="+- 10800 0 G20"/>
-                <a:gd name="G25" fmla="+- 8146 10800 0"/>
-                <a:gd name="G26" fmla="?: G9 G17 G25"/>
-                <a:gd name="G27" fmla="?: G9 0 21600"/>
-                <a:gd name="G28" fmla="cos 10800 -11686764"/>
-                <a:gd name="G29" fmla="sin 10800 -11686764"/>
-                <a:gd name="G30" fmla="sin 8146 -11686764"/>
-                <a:gd name="G31" fmla="+- G28 10800 0"/>
-                <a:gd name="G32" fmla="+- G29 10800 0"/>
-                <a:gd name="G33" fmla="+- G30 10800 0"/>
-                <a:gd name="G34" fmla="?: G4 0 G31"/>
-                <a:gd name="G35" fmla="?: -11686764 G34 0"/>
-                <a:gd name="G36" fmla="?: G6 G35 G31"/>
-                <a:gd name="G37" fmla="+- 21600 0 G36"/>
-                <a:gd name="G38" fmla="?: G4 0 G33"/>
-                <a:gd name="G39" fmla="?: -11686764 G38 G32"/>
-                <a:gd name="G40" fmla="?: G6 G39 0"/>
-                <a:gd name="G41" fmla="?: G4 G32 21600"/>
-                <a:gd name="G42" fmla="?: G6 G41 G33"/>
-                <a:gd name="T12" fmla="*/ 10800 w 21600"/>
-                <a:gd name="T13" fmla="*/ 0 h 21600"/>
-                <a:gd name="T14" fmla="*/ 1331 w 21600"/>
-                <a:gd name="T15" fmla="*/ 10523 h 21600"/>
-                <a:gd name="T16" fmla="*/ 10800 w 21600"/>
-                <a:gd name="T17" fmla="*/ 2654 h 21600"/>
-                <a:gd name="T18" fmla="*/ 20269 w 21600"/>
-                <a:gd name="T19" fmla="*/ 10523 h 21600"/>
-                <a:gd name="T20" fmla="*/ G36 w 21600"/>
-                <a:gd name="T21" fmla="*/ G40 h 21600"/>
-                <a:gd name="T22" fmla="*/ G37 w 21600"/>
-                <a:gd name="T23" fmla="*/ G42 h 21600"/>
-              </a:gdLst>
-              <a:ahLst/>
-              <a:cxnLst>
-                <a:cxn ang="0">
-                  <a:pos x="T12" y="T13"/>
-                </a:cxn>
-                <a:cxn ang="0">
-                  <a:pos x="T14" y="T15"/>
-                </a:cxn>
-                <a:cxn ang="0">
-                  <a:pos x="T16" y="T17"/>
-                </a:cxn>
-                <a:cxn ang="0">
-                  <a:pos x="T18" y="T19"/>
-                </a:cxn>
-              </a:cxnLst>
-              <a:rect l="T20" t="T21" r="T22" b="T23"/>
-              <a:pathLst>
-                <a:path w="21600" h="21600">
-                  <a:moveTo>
-                    <a:pt x="2657" y="10562"/>
-                  </a:moveTo>
-                  <a:cubicBezTo>
-                    <a:pt x="2786" y="6157"/>
-                    <a:pt x="6393" y="2654"/>
-                    <a:pt x="10800" y="2654"/>
-                  </a:cubicBezTo>
-                  <a:cubicBezTo>
-                    <a:pt x="15206" y="2654"/>
-                    <a:pt x="18813" y="6157"/>
-                    <a:pt x="18942" y="10562"/>
-                  </a:cubicBezTo>
-                  <a:lnTo>
-                    <a:pt x="21595" y="10484"/>
-                  </a:lnTo>
-                  <a:cubicBezTo>
-                    <a:pt x="21424" y="4645"/>
-                    <a:pt x="16641" y="0"/>
-                    <a:pt x="10799" y="0"/>
-                  </a:cubicBezTo>
-                  <a:cubicBezTo>
-                    <a:pt x="4958" y="0"/>
-                    <a:pt x="175" y="4645"/>
-                    <a:pt x="4" y="10484"/>
-                  </a:cubicBezTo>
-                  <a:close/>
-                </a:path>
-              </a:pathLst>
-            </a:custGeom>
-            <a:solidFill>
-              <a:schemeClr val="tx1"/>
-            </a:solidFill>
-            <a:ln>
-              <a:noFill/>
-            </a:ln>
-            <a:effectLst/>
-            <a:extLst>
-              <a:ext uri="{91240B29-F687-4F45-9708-019B960494DF}">
-                <a14:hiddenLine xmlns:a14="http://schemas.microsoft.com/office/drawing/2010/main" w="9525">
-                  <a:solidFill>
-                    <a:srgbClr val="FF0000"/>
-                  </a:solidFill>
-                  <a:miter lim="800000"/>
-                  <a:headEnd/>
-                  <a:tailEnd/>
-                </a14:hiddenLine>
-              </a:ext>
-              <a:ext uri="{AF507438-7753-43E0-B8FC-AC1667EBCBE1}">
-                <a14:hiddenEffects xmlns:a14="http://schemas.microsoft.com/office/drawing/2010/main">
-                  <a:effectLst>
-                    <a:outerShdw dist="35921" dir="2700000" algn="ctr" rotWithShape="0">
-                      <a:schemeClr val="bg2"/>
-                    </a:outerShdw>
-                  </a:effectLst>
-                </a14:hiddenEffects>
-              </a:ext>
-            </a:extLst>
-          </p:spPr>
-          <p:txBody>
-            <a:bodyPr wrap="none" anchor="ctr"/>
-            <a:lstStyle/>
-            <a:p>
-              <a:endParaRPr lang="ja-JP" altLang="en-US"/>
-            </a:p>
-          </p:txBody>
-        </p:sp>
-      </p:grpSp>
-      <p:sp>
-        <p:nvSpPr>
-          <p:cNvPr id="20" name="正方形/長方形 19"/>
-          <p:cNvSpPr/>
-          <p:nvPr/>
-        </p:nvSpPr>
-        <p:spPr bwMode="auto">
-          <a:xfrm>
-            <a:off x="2255547" y="1051322"/>
-            <a:ext cx="4261005" cy="3593830"/>
-          </a:xfrm>
-          <a:prstGeom prst="rect">
-            <a:avLst/>
-          </a:prstGeom>
-          <a:noFill/>
-          <a:ln>
-            <a:solidFill>
-              <a:srgbClr val="C00000"/>
-            </a:solidFill>
-          </a:ln>
-          <a:effectLst/>
-          <a:extLst/>
-        </p:spPr>
-        <p:txBody>
-          <a:bodyPr rot="0" spcFirstLastPara="0" vertOverflow="overflow" horzOverflow="overflow" vert="horz" wrap="square" lIns="91440" tIns="45720" rIns="91440" bIns="45720" numCol="1" spcCol="0" rtlCol="0" fromWordArt="0" anchor="t" anchorCtr="0" forceAA="0" compatLnSpc="1">
-            <a:prstTxWarp prst="textNoShape">
-              <a:avLst/>
-            </a:prstTxWarp>
-            <a:noAutofit/>
-          </a:bodyPr>
-          <a:lstStyle/>
-          <a:p>
-            <a:r>
-              <a:rPr lang="en-US" altLang="ja-JP" dirty="0" smtClean="0">
-                <a:solidFill>
-                  <a:srgbClr val="00B050"/>
-                </a:solidFill>
-                <a:latin typeface="+mj-ea"/>
-                <a:ea typeface="+mj-ea"/>
-              </a:rPr>
-              <a:t>【</a:t>
-            </a:r>
-            <a:r>
-              <a:rPr lang="ja-JP" altLang="en-US" dirty="0" smtClean="0">
-                <a:solidFill>
-                  <a:srgbClr val="00B050"/>
-                </a:solidFill>
-                <a:latin typeface="+mj-ea"/>
-                <a:ea typeface="+mj-ea"/>
-              </a:rPr>
-              <a:t>官庁総合運用テスト支援ツール</a:t>
-            </a:r>
-            <a:r>
-              <a:rPr lang="en-US" altLang="ja-JP" dirty="0" smtClean="0">
-                <a:solidFill>
-                  <a:srgbClr val="00B050"/>
-                </a:solidFill>
-                <a:latin typeface="+mj-ea"/>
-                <a:ea typeface="+mj-ea"/>
-              </a:rPr>
-              <a:t>】</a:t>
-            </a:r>
-          </a:p>
-          <a:p>
-            <a:r>
-              <a:rPr lang="ja-JP" altLang="en-US" dirty="0" smtClean="0">
-                <a:solidFill>
-                  <a:srgbClr val="00B050"/>
-                </a:solidFill>
-                <a:latin typeface="+mj-ea"/>
-                <a:ea typeface="+mj-ea"/>
-              </a:rPr>
-              <a:t>社内で２名開発メンバーのリーダー</a:t>
-            </a:r>
-            <a:endParaRPr lang="en-US" altLang="ja-JP" dirty="0" smtClean="0">
-              <a:solidFill>
-                <a:srgbClr val="00B050"/>
-              </a:solidFill>
-              <a:latin typeface="+mj-ea"/>
-              <a:ea typeface="+mj-ea"/>
-            </a:endParaRPr>
-          </a:p>
-          <a:p>
-            <a:endParaRPr lang="en-US" altLang="ja-JP" dirty="0">
-              <a:solidFill>
-                <a:srgbClr val="FF0000"/>
-              </a:solidFill>
-              <a:latin typeface="+mj-ea"/>
-              <a:ea typeface="+mj-ea"/>
-            </a:endParaRPr>
-          </a:p>
-          <a:p>
-            <a:pPr marL="285750" indent="-285750">
-              <a:buFont typeface="Arial" panose="020B0604020202020204" pitchFamily="34" charset="0"/>
-              <a:buChar char="•"/>
-            </a:pPr>
-            <a:r>
-              <a:rPr lang="ja-JP" altLang="en-US" dirty="0" smtClean="0">
-                <a:solidFill>
-                  <a:srgbClr val="FF0000"/>
-                </a:solidFill>
-                <a:latin typeface="+mj-ea"/>
-                <a:ea typeface="+mj-ea"/>
-              </a:rPr>
-              <a:t>毎日作業進捗を顧客に報告。</a:t>
-            </a:r>
-            <a:endParaRPr lang="en-US" altLang="ja-JP" dirty="0" smtClean="0">
-              <a:solidFill>
-                <a:srgbClr val="FF0000"/>
-              </a:solidFill>
-              <a:latin typeface="+mj-ea"/>
-              <a:ea typeface="+mj-ea"/>
-            </a:endParaRPr>
-          </a:p>
-          <a:p>
-            <a:endParaRPr lang="en-US" altLang="ja-JP" dirty="0" smtClean="0">
-              <a:solidFill>
-                <a:srgbClr val="FF0000"/>
-              </a:solidFill>
-              <a:latin typeface="+mj-ea"/>
-              <a:ea typeface="+mj-ea"/>
-            </a:endParaRPr>
-          </a:p>
-          <a:p>
-            <a:pPr marL="285750" indent="-285750">
-              <a:buFont typeface="Arial" panose="020B0604020202020204" pitchFamily="34" charset="0"/>
-              <a:buChar char="•"/>
-            </a:pPr>
-            <a:r>
-              <a:rPr lang="ja-JP" altLang="en-US" dirty="0" smtClean="0">
-                <a:solidFill>
-                  <a:srgbClr val="FF0000"/>
-                </a:solidFill>
-                <a:latin typeface="+mj-ea"/>
-                <a:ea typeface="+mj-ea"/>
-              </a:rPr>
-              <a:t>週</a:t>
-            </a:r>
-            <a:r>
-              <a:rPr lang="en-US" altLang="ja-JP" dirty="0" smtClean="0">
-                <a:solidFill>
-                  <a:srgbClr val="FF0000"/>
-                </a:solidFill>
-                <a:latin typeface="+mj-ea"/>
-                <a:ea typeface="+mj-ea"/>
-              </a:rPr>
-              <a:t>1</a:t>
-            </a:r>
-            <a:r>
-              <a:rPr lang="ja-JP" altLang="en-US" dirty="0" smtClean="0">
-                <a:solidFill>
-                  <a:srgbClr val="FF0000"/>
-                </a:solidFill>
-                <a:latin typeface="+mj-ea"/>
-                <a:ea typeface="+mj-ea"/>
-              </a:rPr>
-              <a:t>回顧客先で</a:t>
-            </a:r>
-            <a:r>
-              <a:rPr lang="en-US" altLang="ja-JP" dirty="0" smtClean="0">
-                <a:solidFill>
-                  <a:srgbClr val="FF0000"/>
-                </a:solidFill>
-                <a:latin typeface="+mj-ea"/>
-                <a:ea typeface="+mj-ea"/>
-              </a:rPr>
-              <a:t>MTG</a:t>
-            </a:r>
-            <a:r>
-              <a:rPr lang="ja-JP" altLang="en-US" dirty="0" smtClean="0">
-                <a:solidFill>
-                  <a:srgbClr val="FF0000"/>
-                </a:solidFill>
-                <a:latin typeface="+mj-ea"/>
-                <a:ea typeface="+mj-ea"/>
-              </a:rPr>
-              <a:t>で、仕様を確認。</a:t>
-            </a:r>
-            <a:endParaRPr lang="en-US" altLang="ja-JP" dirty="0" smtClean="0">
-              <a:solidFill>
-                <a:srgbClr val="FF0000"/>
-              </a:solidFill>
-              <a:latin typeface="+mj-ea"/>
-              <a:ea typeface="+mj-ea"/>
-            </a:endParaRPr>
-          </a:p>
-          <a:p>
-            <a:pPr marL="285750" indent="-285750">
-              <a:buFont typeface="Arial" panose="020B0604020202020204" pitchFamily="34" charset="0"/>
-              <a:buChar char="•"/>
-            </a:pPr>
-            <a:endParaRPr lang="en-US" altLang="ja-JP" dirty="0">
-              <a:solidFill>
-                <a:srgbClr val="FF0000"/>
-              </a:solidFill>
-              <a:latin typeface="+mj-ea"/>
-              <a:ea typeface="+mj-ea"/>
-            </a:endParaRPr>
-          </a:p>
-          <a:p>
-            <a:pPr marL="285750" indent="-285750">
-              <a:buFont typeface="Arial" panose="020B0604020202020204" pitchFamily="34" charset="0"/>
-              <a:buChar char="•"/>
-            </a:pPr>
-            <a:r>
-              <a:rPr lang="ja-JP" altLang="en-US" dirty="0" smtClean="0">
-                <a:solidFill>
-                  <a:srgbClr val="FF0000"/>
-                </a:solidFill>
-                <a:latin typeface="+mj-ea"/>
-                <a:ea typeface="+mj-ea"/>
-              </a:rPr>
-              <a:t>開発メンバと同じ空間で一緒に仕事してなかったので、問題に対して、課題一覧を作成し対応。即対応するもの、電話で解決。</a:t>
-            </a:r>
-            <a:endParaRPr lang="en-US" altLang="ja-JP" dirty="0" smtClean="0">
-              <a:solidFill>
-                <a:srgbClr val="FF0000"/>
-              </a:solidFill>
-              <a:latin typeface="+mj-ea"/>
-              <a:ea typeface="+mj-ea"/>
-            </a:endParaRPr>
-          </a:p>
-          <a:p>
-            <a:endParaRPr lang="en-US" altLang="ja-JP" dirty="0" smtClean="0">
-              <a:solidFill>
-                <a:srgbClr val="FF0000"/>
-              </a:solidFill>
-              <a:latin typeface="+mj-ea"/>
-              <a:ea typeface="+mj-ea"/>
-            </a:endParaRPr>
-          </a:p>
-          <a:p>
-            <a:endParaRPr lang="en-US" altLang="ja-JP" dirty="0" smtClean="0">
-              <a:solidFill>
-                <a:srgbClr val="FF0000"/>
-              </a:solidFill>
-              <a:latin typeface="+mj-ea"/>
-              <a:ea typeface="+mj-ea"/>
-            </a:endParaRPr>
-          </a:p>
-          <a:p>
-            <a:endParaRPr lang="en-US" altLang="ja-JP" dirty="0" smtClean="0">
-              <a:solidFill>
-                <a:srgbClr val="FF0000"/>
-              </a:solidFill>
-              <a:latin typeface="+mj-ea"/>
-              <a:ea typeface="+mj-ea"/>
-            </a:endParaRPr>
-          </a:p>
-          <a:p>
-            <a:endParaRPr lang="en-US" altLang="ja-JP" dirty="0" smtClean="0">
-              <a:solidFill>
-                <a:srgbClr val="FF0000"/>
-              </a:solidFill>
-              <a:latin typeface="+mj-ea"/>
-              <a:ea typeface="+mj-ea"/>
-            </a:endParaRPr>
-          </a:p>
-          <a:p>
-            <a:endParaRPr lang="en-US" altLang="ja-JP" dirty="0" smtClean="0">
-              <a:solidFill>
-                <a:srgbClr val="FF0000"/>
-              </a:solidFill>
-              <a:latin typeface="+mj-ea"/>
-              <a:ea typeface="+mj-ea"/>
-            </a:endParaRPr>
-          </a:p>
-        </p:txBody>
-      </p:sp>
-    </p:spTree>
-    <p:extLst>
-      <p:ext uri="{BB962C8B-B14F-4D97-AF65-F5344CB8AC3E}">
-        <p14:creationId xmlns:p14="http://schemas.microsoft.com/office/powerpoint/2010/main" val="3983564355"/>
+        <p14:creationId xmlns:p14="http://schemas.microsoft.com/office/powerpoint/2010/main" val="2380601729"/>
       </p:ext>
     </p:extLst>
   </p:cSld>

--- a/昇格プレゼン(徐洋)_new.pptx
+++ b/昇格プレゼン(徐洋)_new.pptx
@@ -265,7 +265,7 @@
           <a:p>
             <a:fld id="{D829EBEE-5DBD-45D0-BA62-80122688BEB8}" type="datetimeFigureOut">
               <a:rPr kumimoji="1" lang="ja-JP" altLang="en-US" smtClean="0"/>
-              <a:t>2020/3/2</a:t>
+              <a:t>2020/3/4</a:t>
             </a:fld>
             <a:endParaRPr kumimoji="1" lang="ja-JP" altLang="en-US" dirty="0"/>
           </a:p>
@@ -432,7 +432,7 @@
             <a:fld id="{4B26993D-C081-44EB-B0F5-A9F467792B62}" type="datetimeFigureOut">
               <a:rPr lang="ja-JP" altLang="en-US" smtClean="0"/>
               <a:pPr/>
-              <a:t>2020/3/2</a:t>
+              <a:t>2020/3/4</a:t>
             </a:fld>
             <a:endParaRPr lang="ja-JP" altLang="en-US" dirty="0"/>
           </a:p>
@@ -2705,43 +2705,6 @@
       </p:pic>
       <p:sp>
         <p:nvSpPr>
-          <p:cNvPr id="2" name="タイトル"/>
-          <p:cNvSpPr>
-            <a:spLocks noGrp="1"/>
-          </p:cNvSpPr>
-          <p:nvPr>
-            <p:ph type="title" hasCustomPrompt="1"/>
-          </p:nvPr>
-        </p:nvSpPr>
-        <p:spPr bwMode="gray">
-          <a:xfrm>
-            <a:off x="134635" y="28800"/>
-            <a:ext cx="6588000" cy="468000"/>
-          </a:xfrm>
-        </p:spPr>
-        <p:txBody>
-          <a:bodyPr tIns="36000">
-            <a:normAutofit/>
-          </a:bodyPr>
-          <a:lstStyle>
-            <a:lvl1pPr>
-              <a:defRPr sz="1800" b="0">
-                <a:solidFill>
-                  <a:schemeClr val="bg1"/>
-                </a:solidFill>
-              </a:defRPr>
-            </a:lvl1pPr>
-          </a:lstStyle>
-          <a:p>
-            <a:r>
-              <a:rPr kumimoji="1" lang="ja-JP" altLang="en-US" dirty="0"/>
-              <a:t>タイトルを入力</a:t>
-            </a:r>
-          </a:p>
-        </p:txBody>
-      </p:sp>
-      <p:sp>
-        <p:nvSpPr>
           <p:cNvPr id="4" name="コンテンツ プレースホルダー 3"/>
           <p:cNvSpPr>
             <a:spLocks noGrp="1"/>
@@ -2838,6 +2801,29 @@
           </a:p>
         </p:txBody>
       </p:sp>
+      <p:sp>
+        <p:nvSpPr>
+          <p:cNvPr id="5" name="タイトル 4"/>
+          <p:cNvSpPr>
+            <a:spLocks noGrp="1"/>
+          </p:cNvSpPr>
+          <p:nvPr>
+            <p:ph type="title"/>
+          </p:nvPr>
+        </p:nvSpPr>
+        <p:spPr/>
+        <p:txBody>
+          <a:bodyPr/>
+          <a:lstStyle/>
+          <a:p>
+            <a:r>
+              <a:rPr kumimoji="1" lang="ja-JP" altLang="en-US" smtClean="0"/>
+              <a:t>マスター タイトルの書式設定</a:t>
+            </a:r>
+            <a:endParaRPr kumimoji="1" lang="ja-JP" altLang="en-US"/>
+          </a:p>
+        </p:txBody>
+      </p:sp>
     </p:spTree>
     <p:extLst>
       <p:ext uri="{BB962C8B-B14F-4D97-AF65-F5344CB8AC3E}">
@@ -2848,6 +2834,13 @@
   <p:clrMapOvr>
     <a:masterClrMapping/>
   </p:clrMapOvr>
+  <p:timing>
+    <p:tnLst>
+      <p:par>
+        <p:cTn id="1" dur="indefinite" restart="never" nodeType="tmRoot"/>
+      </p:par>
+    </p:tnLst>
+  </p:timing>
 </p:sldLayout>
 </file>
 
@@ -5136,23 +5129,17 @@
           <a:p>
             <a:r>
               <a:rPr lang="ja-JP" altLang="en-US" sz="2400" b="1" dirty="0" smtClean="0">
-                <a:ea typeface="HGP創英角ｺﾞｼｯｸUB" panose="020B0900000000000000" pitchFamily="50" charset="-128"/>
-              </a:rPr>
-              <a:t>進化の自分</a:t>
-            </a:r>
-            <a:r>
-              <a:rPr lang="en-US" altLang="ja-JP" sz="2400" b="1" dirty="0" smtClean="0">
-                <a:ea typeface="HGP創英角ｺﾞｼｯｸUB" panose="020B0900000000000000" pitchFamily="50" charset="-128"/>
-              </a:rPr>
-              <a:t>-</a:t>
-            </a:r>
-            <a:r>
-              <a:rPr lang="ja-JP" altLang="en-US" sz="2400" b="1" dirty="0" smtClean="0">
+                <a:solidFill>
+                  <a:schemeClr val="bg1"/>
+                </a:solidFill>
                 <a:ea typeface="HGP創英角ｺﾞｼｯｸUB" panose="020B0900000000000000" pitchFamily="50" charset="-128"/>
               </a:rPr>
               <a:t>現場以外の作業の兼務</a:t>
             </a:r>
             <a:endParaRPr lang="ja-JP" altLang="en-US" sz="2400" b="1" dirty="0">
+              <a:solidFill>
+                <a:schemeClr val="bg1"/>
+              </a:solidFill>
               <a:ea typeface="HGP創英角ｺﾞｼｯｸUB" panose="020B0900000000000000" pitchFamily="50" charset="-128"/>
             </a:endParaRPr>
           </a:p>
@@ -5395,7 +5382,7 @@
                 <a:latin typeface="+mj-lt"/>
                 <a:ea typeface="HGP創英角ｺﾞｼｯｸUB"/>
               </a:rPr>
-              <a:t>成果物を最終的にチェックと整理し、顧客に提出。</a:t>
+              <a:t>成果物を最終的にチェックとまとめ、顧客に提出。</a:t>
             </a:r>
             <a:endParaRPr lang="en-US" altLang="ja-JP" sz="1800" dirty="0" smtClean="0">
               <a:latin typeface="+mj-lt"/>
@@ -5522,7 +5509,7 @@
           <p:cNvPr id="12" name="Group 296">
             <a:extLst>
               <a:ext uri="{FF2B5EF4-FFF2-40B4-BE49-F238E27FC236}">
-                <a16:creationId xmlns:a16="http://schemas.microsoft.com/office/drawing/2014/main" xmlns="" id="{3842FC64-AB39-42D7-A48C-0FE49F99806C}"/>
+                <a16:creationId xmlns="" xmlns:a16="http://schemas.microsoft.com/office/drawing/2014/main" id="{3842FC64-AB39-42D7-A48C-0FE49F99806C}"/>
               </a:ext>
             </a:extLst>
           </p:cNvPr>
@@ -5544,7 +5531,7 @@
             <p:cNvPr id="13" name="Oval 2">
               <a:extLst>
                 <a:ext uri="{FF2B5EF4-FFF2-40B4-BE49-F238E27FC236}">
-                  <a16:creationId xmlns:a16="http://schemas.microsoft.com/office/drawing/2014/main" xmlns="" id="{9267EE0A-4BA4-4E94-8745-FFA9A06F71A9}"/>
+                  <a16:creationId xmlns="" xmlns:a16="http://schemas.microsoft.com/office/drawing/2014/main" id="{9267EE0A-4BA4-4E94-8745-FFA9A06F71A9}"/>
                 </a:ext>
               </a:extLst>
             </p:cNvPr>
@@ -5603,7 +5590,7 @@
             <p:cNvPr id="14" name="Oval 19">
               <a:extLst>
                 <a:ext uri="{FF2B5EF4-FFF2-40B4-BE49-F238E27FC236}">
-                  <a16:creationId xmlns:a16="http://schemas.microsoft.com/office/drawing/2014/main" xmlns="" id="{CC91C93B-224E-47BB-A4B4-F39EF6BD8070}"/>
+                  <a16:creationId xmlns="" xmlns:a16="http://schemas.microsoft.com/office/drawing/2014/main" id="{CC91C93B-224E-47BB-A4B4-F39EF6BD8070}"/>
                 </a:ext>
               </a:extLst>
             </p:cNvPr>
@@ -5676,7 +5663,7 @@
             <p:cNvPr id="15" name="Oval 20">
               <a:extLst>
                 <a:ext uri="{FF2B5EF4-FFF2-40B4-BE49-F238E27FC236}">
-                  <a16:creationId xmlns:a16="http://schemas.microsoft.com/office/drawing/2014/main" xmlns="" id="{9BD5F5FE-EFD9-4804-9B3B-C6D91AFF363C}"/>
+                  <a16:creationId xmlns="" xmlns:a16="http://schemas.microsoft.com/office/drawing/2014/main" id="{9BD5F5FE-EFD9-4804-9B3B-C6D91AFF363C}"/>
                 </a:ext>
               </a:extLst>
             </p:cNvPr>
@@ -5752,7 +5739,7 @@
             <p:cNvPr id="16" name="Group 21">
               <a:extLst>
                 <a:ext uri="{FF2B5EF4-FFF2-40B4-BE49-F238E27FC236}">
-                  <a16:creationId xmlns:a16="http://schemas.microsoft.com/office/drawing/2014/main" xmlns="" id="{7DB5FE9B-6714-4B4D-AB94-45F20F7D5C8E}"/>
+                  <a16:creationId xmlns="" xmlns:a16="http://schemas.microsoft.com/office/drawing/2014/main" id="{7DB5FE9B-6714-4B4D-AB94-45F20F7D5C8E}"/>
                 </a:ext>
               </a:extLst>
             </p:cNvPr>
@@ -5774,7 +5761,7 @@
               <p:cNvPr id="19" name="AutoShape 22">
                 <a:extLst>
                   <a:ext uri="{FF2B5EF4-FFF2-40B4-BE49-F238E27FC236}">
-                    <a16:creationId xmlns:a16="http://schemas.microsoft.com/office/drawing/2014/main" xmlns="" id="{4E5DF4CC-2B73-45EA-B083-30A68ED1FA2A}"/>
+                    <a16:creationId xmlns="" xmlns:a16="http://schemas.microsoft.com/office/drawing/2014/main" id="{4E5DF4CC-2B73-45EA-B083-30A68ED1FA2A}"/>
                   </a:ext>
                 </a:extLst>
               </p:cNvPr>
@@ -5843,7 +5830,7 @@
               <p:cNvPr id="20" name="Freeform 23">
                 <a:extLst>
                   <a:ext uri="{FF2B5EF4-FFF2-40B4-BE49-F238E27FC236}">
-                    <a16:creationId xmlns:a16="http://schemas.microsoft.com/office/drawing/2014/main" xmlns="" id="{A03184C6-4DC0-40F9-A025-A1F34226A187}"/>
+                    <a16:creationId xmlns="" xmlns:a16="http://schemas.microsoft.com/office/drawing/2014/main" id="{A03184C6-4DC0-40F9-A025-A1F34226A187}"/>
                   </a:ext>
                 </a:extLst>
               </p:cNvPr>
@@ -5975,7 +5962,7 @@
             <p:cNvPr id="17" name="AutoShape 36">
               <a:extLst>
                 <a:ext uri="{FF2B5EF4-FFF2-40B4-BE49-F238E27FC236}">
-                  <a16:creationId xmlns:a16="http://schemas.microsoft.com/office/drawing/2014/main" xmlns="" id="{C65C2922-0F06-4601-991B-D9188A55C388}"/>
+                  <a16:creationId xmlns="" xmlns:a16="http://schemas.microsoft.com/office/drawing/2014/main" id="{C65C2922-0F06-4601-991B-D9188A55C388}"/>
                 </a:ext>
               </a:extLst>
             </p:cNvPr>
@@ -6150,7 +6137,7 @@
             <p:cNvPr id="18" name="AutoShape 37">
               <a:extLst>
                 <a:ext uri="{FF2B5EF4-FFF2-40B4-BE49-F238E27FC236}">
-                  <a16:creationId xmlns:a16="http://schemas.microsoft.com/office/drawing/2014/main" xmlns="" id="{9028FBF9-F253-4134-8311-3707C3C5DB2F}"/>
+                  <a16:creationId xmlns="" xmlns:a16="http://schemas.microsoft.com/office/drawing/2014/main" id="{9028FBF9-F253-4134-8311-3707C3C5DB2F}"/>
                 </a:ext>
               </a:extLst>
             </p:cNvPr>
@@ -6382,11 +6369,17 @@
           <a:p>
             <a:r>
               <a:rPr lang="ja-JP" altLang="en-US" sz="2400" b="1" dirty="0" smtClean="0">
+                <a:solidFill>
+                  <a:schemeClr val="bg1"/>
+                </a:solidFill>
                 <a:ea typeface="HGP創英角ｺﾞｼｯｸUB" panose="020B0900000000000000" pitchFamily="50" charset="-128"/>
               </a:rPr>
               <a:t>成長</a:t>
             </a:r>
             <a:endParaRPr lang="ja-JP" altLang="en-US" sz="2400" b="1" dirty="0">
+              <a:solidFill>
+                <a:schemeClr val="bg1"/>
+              </a:solidFill>
               <a:ea typeface="HGP創英角ｺﾞｼｯｸUB" panose="020B0900000000000000" pitchFamily="50" charset="-128"/>
             </a:endParaRPr>
           </a:p>
@@ -6403,7 +6396,7 @@
         <p:spPr bwMode="auto">
           <a:xfrm>
             <a:off x="270662" y="846168"/>
-            <a:ext cx="6318674" cy="2010807"/>
+            <a:ext cx="6318674" cy="3411190"/>
           </a:xfrm>
           <a:prstGeom prst="rect">
             <a:avLst/>
@@ -6583,7 +6576,7 @@
                 <a:latin typeface="+mj-lt"/>
                 <a:ea typeface="HGP創英角ｺﾞｼｯｸUB"/>
               </a:rPr>
-              <a:t>この一年チームリーダーとして、やってきました。現場の作業調整などマネジメント能力</a:t>
+              <a:t>チームリーダーとして、以下成長した。</a:t>
             </a:r>
             <a:endParaRPr lang="en-US" altLang="ja-JP" sz="1800" dirty="0" smtClean="0">
               <a:latin typeface="+mj-lt"/>
@@ -6602,13 +6595,26 @@
               <a:defRPr/>
             </a:pPr>
             <a:r>
-              <a:rPr lang="ja-JP" altLang="en-US" sz="1800" dirty="0" smtClean="0">
+              <a:rPr lang="ja-JP" altLang="en-US" sz="1800" dirty="0">
                 <a:latin typeface="+mj-lt"/>
                 <a:ea typeface="HGP創英角ｺﾞｼｯｸUB"/>
               </a:rPr>
-              <a:t>自分の現場以外の業務にも兼務できようになっており。</a:t>
-            </a:r>
-            <a:endParaRPr lang="en-US" altLang="ja-JP" sz="1800" dirty="0" smtClean="0">
+              <a:t>　 </a:t>
+            </a:r>
+            <a:r>
+              <a:rPr lang="ja-JP" altLang="en-US" sz="1400" dirty="0" smtClean="0">
+                <a:solidFill>
+                  <a:srgbClr val="FF0000"/>
+                </a:solidFill>
+                <a:latin typeface="+mj-lt"/>
+                <a:ea typeface="HGP創英角ｺﾞｼｯｸUB"/>
+              </a:rPr>
+              <a:t>・チームを引っ張っていく責任感</a:t>
+            </a:r>
+            <a:endParaRPr lang="en-US" altLang="ja-JP" sz="1400" dirty="0" smtClean="0">
+              <a:solidFill>
+                <a:srgbClr val="FF0000"/>
+              </a:solidFill>
               <a:latin typeface="+mj-lt"/>
               <a:ea typeface="HGP創英角ｺﾞｼｯｸUB"/>
             </a:endParaRPr>
@@ -6625,27 +6631,29 @@
               <a:defRPr/>
             </a:pPr>
             <a:r>
-              <a:rPr lang="ja-JP" altLang="en-US" sz="1800" dirty="0" smtClean="0">
+              <a:rPr lang="ja-JP" altLang="en-US" sz="1400" dirty="0">
+                <a:solidFill>
+                  <a:srgbClr val="FF0000"/>
+                </a:solidFill>
                 <a:latin typeface="+mj-lt"/>
                 <a:ea typeface="HGP創英角ｺﾞｼｯｸUB"/>
               </a:rPr>
-              <a:t>高生産性と高品質的対応により、</a:t>
-            </a:r>
-            <a:r>
-              <a:rPr lang="en-US" altLang="ja-JP" sz="1800" dirty="0" smtClean="0">
+              <a:t>　</a:t>
+            </a:r>
+            <a:r>
+              <a:rPr lang="ja-JP" altLang="en-US" sz="1400" dirty="0" smtClean="0">
+                <a:solidFill>
+                  <a:srgbClr val="FF0000"/>
+                </a:solidFill>
                 <a:latin typeface="+mj-lt"/>
                 <a:ea typeface="HGP創英角ｺﾞｼｯｸUB"/>
               </a:rPr>
-              <a:t>NCJ</a:t>
-            </a:r>
-            <a:r>
-              <a:rPr lang="ja-JP" altLang="en-US" sz="1800" dirty="0" smtClean="0">
-                <a:latin typeface="+mj-lt"/>
-                <a:ea typeface="HGP創英角ｺﾞｼｯｸUB"/>
-              </a:rPr>
-              <a:t>の評価に繋がった。</a:t>
-            </a:r>
-            <a:endParaRPr lang="en-US" altLang="ja-JP" sz="1800" dirty="0" smtClean="0">
+              <a:t>　・現場の作業調整</a:t>
+            </a:r>
+            <a:endParaRPr lang="en-US" altLang="ja-JP" sz="1400" dirty="0" smtClean="0">
+              <a:solidFill>
+                <a:srgbClr val="FF0000"/>
+              </a:solidFill>
               <a:latin typeface="+mj-lt"/>
               <a:ea typeface="HGP創英角ｺﾞｼｯｸUB"/>
             </a:endParaRPr>
@@ -6662,13 +6670,241 @@
               <a:defRPr/>
             </a:pPr>
             <a:r>
+              <a:rPr lang="ja-JP" altLang="en-US" sz="1400" dirty="0">
+                <a:solidFill>
+                  <a:srgbClr val="FF0000"/>
+                </a:solidFill>
+                <a:latin typeface="+mj-lt"/>
+                <a:ea typeface="HGP創英角ｺﾞｼｯｸUB"/>
+              </a:rPr>
+              <a:t>　</a:t>
+            </a:r>
+            <a:r>
+              <a:rPr lang="ja-JP" altLang="en-US" sz="1400" dirty="0" smtClean="0">
+                <a:solidFill>
+                  <a:srgbClr val="FF0000"/>
+                </a:solidFill>
+                <a:latin typeface="+mj-lt"/>
+                <a:ea typeface="HGP創英角ｺﾞｼｯｸUB"/>
+              </a:rPr>
+              <a:t>　・全体像を把握し、計画的行動</a:t>
+            </a:r>
+            <a:endParaRPr lang="en-US" altLang="ja-JP" sz="1400" dirty="0" smtClean="0">
+              <a:solidFill>
+                <a:srgbClr val="FF0000"/>
+              </a:solidFill>
+              <a:latin typeface="+mj-lt"/>
+              <a:ea typeface="HGP創英角ｺﾞｼｯｸUB"/>
+            </a:endParaRPr>
+          </a:p>
+          <a:p>
+            <a:pPr marL="0" indent="0">
+              <a:spcBef>
+                <a:spcPts val="450"/>
+              </a:spcBef>
+              <a:buClr>
+                <a:srgbClr val="4CB3C0"/>
+              </a:buClr>
+              <a:buNone/>
+              <a:defRPr/>
+            </a:pPr>
+            <a:r>
+              <a:rPr lang="ja-JP" altLang="en-US" sz="1400" dirty="0">
+                <a:solidFill>
+                  <a:srgbClr val="FF0000"/>
+                </a:solidFill>
+                <a:latin typeface="+mj-lt"/>
+                <a:ea typeface="HGP創英角ｺﾞｼｯｸUB"/>
+              </a:rPr>
+              <a:t>　</a:t>
+            </a:r>
+            <a:r>
+              <a:rPr lang="ja-JP" altLang="en-US" sz="1400" dirty="0" smtClean="0">
+                <a:solidFill>
+                  <a:srgbClr val="FF0000"/>
+                </a:solidFill>
+                <a:latin typeface="+mj-lt"/>
+                <a:ea typeface="HGP創英角ｺﾞｼｯｸUB"/>
+              </a:rPr>
+              <a:t>　・まとめ力</a:t>
+            </a:r>
+            <a:endParaRPr lang="en-US" altLang="ja-JP" sz="1400" dirty="0" smtClean="0">
+              <a:solidFill>
+                <a:srgbClr val="FF0000"/>
+              </a:solidFill>
+              <a:latin typeface="+mj-lt"/>
+              <a:ea typeface="HGP創英角ｺﾞｼｯｸUB"/>
+            </a:endParaRPr>
+          </a:p>
+          <a:p>
+            <a:pPr marL="0" indent="0">
+              <a:spcBef>
+                <a:spcPts val="450"/>
+              </a:spcBef>
+              <a:buClr>
+                <a:srgbClr val="4CB3C0"/>
+              </a:buClr>
+              <a:buNone/>
+              <a:defRPr/>
+            </a:pPr>
+            <a:r>
+              <a:rPr lang="ja-JP" altLang="en-US" sz="1400" dirty="0">
+                <a:solidFill>
+                  <a:srgbClr val="FF0000"/>
+                </a:solidFill>
+                <a:latin typeface="+mj-lt"/>
+                <a:ea typeface="HGP創英角ｺﾞｼｯｸUB"/>
+              </a:rPr>
+              <a:t>　</a:t>
+            </a:r>
+            <a:endParaRPr lang="en-US" altLang="ja-JP" sz="1800" dirty="0" smtClean="0">
+              <a:latin typeface="+mj-lt"/>
+              <a:ea typeface="HGP創英角ｺﾞｼｯｸUB"/>
+            </a:endParaRPr>
+          </a:p>
+          <a:p>
+            <a:pPr marL="0" indent="0">
+              <a:spcBef>
+                <a:spcPts val="450"/>
+              </a:spcBef>
+              <a:buClr>
+                <a:srgbClr val="4CB3C0"/>
+              </a:buClr>
+              <a:buNone/>
+              <a:defRPr/>
+            </a:pPr>
+            <a:r>
               <a:rPr lang="ja-JP" altLang="en-US" sz="1800" dirty="0" smtClean="0">
                 <a:latin typeface="+mj-lt"/>
                 <a:ea typeface="HGP創英角ｺﾞｼｯｸUB"/>
               </a:rPr>
+              <a:t>現場以外の業務にも兼務、以下成長した。</a:t>
+            </a:r>
+            <a:endParaRPr lang="en-US" altLang="ja-JP" sz="1800" dirty="0" smtClean="0">
+              <a:latin typeface="+mj-lt"/>
+              <a:ea typeface="HGP創英角ｺﾞｼｯｸUB"/>
+            </a:endParaRPr>
+          </a:p>
+          <a:p>
+            <a:pPr marL="0" indent="0">
+              <a:spcBef>
+                <a:spcPts val="450"/>
+              </a:spcBef>
+              <a:buClr>
+                <a:srgbClr val="4CB3C0"/>
+              </a:buClr>
+              <a:buNone/>
+              <a:defRPr/>
+            </a:pPr>
+            <a:r>
+              <a:rPr lang="ja-JP" altLang="en-US" sz="1800" dirty="0">
+                <a:latin typeface="+mj-lt"/>
+                <a:ea typeface="HGP創英角ｺﾞｼｯｸUB"/>
+              </a:rPr>
               <a:t>　</a:t>
             </a:r>
-            <a:endParaRPr lang="en-US" altLang="ja-JP" sz="1800" dirty="0">
+            <a:r>
+              <a:rPr lang="ja-JP" altLang="en-US" sz="1800" dirty="0" smtClean="0">
+                <a:solidFill>
+                  <a:srgbClr val="FF0000"/>
+                </a:solidFill>
+                <a:latin typeface="+mj-lt"/>
+                <a:ea typeface="HGP創英角ｺﾞｼｯｸUB"/>
+              </a:rPr>
+              <a:t> </a:t>
+            </a:r>
+            <a:r>
+              <a:rPr lang="ja-JP" altLang="en-US" sz="1400" dirty="0" smtClean="0">
+                <a:solidFill>
+                  <a:srgbClr val="FF0000"/>
+                </a:solidFill>
+                <a:latin typeface="+mj-lt"/>
+                <a:ea typeface="HGP創英角ｺﾞｼｯｸUB"/>
+              </a:rPr>
+              <a:t>・初業務委託を社内支援の形で実践した</a:t>
+            </a:r>
+            <a:endParaRPr lang="en-US" altLang="ja-JP" sz="1400" dirty="0" smtClean="0">
+              <a:solidFill>
+                <a:srgbClr val="FF0000"/>
+              </a:solidFill>
+              <a:latin typeface="+mj-lt"/>
+              <a:ea typeface="HGP創英角ｺﾞｼｯｸUB"/>
+            </a:endParaRPr>
+          </a:p>
+          <a:p>
+            <a:pPr marL="0" indent="0">
+              <a:spcBef>
+                <a:spcPts val="450"/>
+              </a:spcBef>
+              <a:buClr>
+                <a:srgbClr val="4CB3C0"/>
+              </a:buClr>
+              <a:buNone/>
+              <a:defRPr/>
+            </a:pPr>
+            <a:r>
+              <a:rPr lang="ja-JP" altLang="en-US" sz="1400" dirty="0">
+                <a:solidFill>
+                  <a:srgbClr val="FF0000"/>
+                </a:solidFill>
+                <a:latin typeface="+mj-lt"/>
+                <a:ea typeface="HGP創英角ｺﾞｼｯｸUB"/>
+              </a:rPr>
+              <a:t>　</a:t>
+            </a:r>
+            <a:r>
+              <a:rPr lang="ja-JP" altLang="en-US" sz="1400" dirty="0" smtClean="0">
+                <a:solidFill>
+                  <a:srgbClr val="FF0000"/>
+                </a:solidFill>
+                <a:latin typeface="+mj-lt"/>
+                <a:ea typeface="HGP創英角ｺﾞｼｯｸUB"/>
+              </a:rPr>
+              <a:t>　・マルチ作業対応</a:t>
+            </a:r>
+            <a:endParaRPr lang="en-US" altLang="ja-JP" sz="1400" dirty="0" smtClean="0">
+              <a:solidFill>
+                <a:srgbClr val="FF0000"/>
+              </a:solidFill>
+              <a:latin typeface="+mj-lt"/>
+              <a:ea typeface="HGP創英角ｺﾞｼｯｸUB"/>
+            </a:endParaRPr>
+          </a:p>
+          <a:p>
+            <a:pPr marL="0" indent="0">
+              <a:spcBef>
+                <a:spcPts val="450"/>
+              </a:spcBef>
+              <a:buClr>
+                <a:srgbClr val="4CB3C0"/>
+              </a:buClr>
+              <a:buNone/>
+              <a:defRPr/>
+            </a:pPr>
+            <a:r>
+              <a:rPr lang="ja-JP" altLang="en-US" sz="1400" dirty="0">
+                <a:solidFill>
+                  <a:srgbClr val="FF0000"/>
+                </a:solidFill>
+                <a:latin typeface="+mj-lt"/>
+                <a:ea typeface="HGP創英角ｺﾞｼｯｸUB"/>
+              </a:rPr>
+              <a:t>　</a:t>
+            </a:r>
+            <a:r>
+              <a:rPr lang="ja-JP" altLang="en-US" sz="1400" dirty="0" smtClean="0">
+                <a:solidFill>
+                  <a:srgbClr val="FF0000"/>
+                </a:solidFill>
+                <a:latin typeface="+mj-lt"/>
+                <a:ea typeface="HGP創英角ｺﾞｼｯｸUB"/>
+              </a:rPr>
+              <a:t>　・顧客とやり取りのビジネスマナー</a:t>
+            </a:r>
+            <a:endParaRPr lang="en-US" altLang="ja-JP" sz="1400" dirty="0">
+              <a:solidFill>
+                <a:srgbClr val="FF0000"/>
+              </a:solidFill>
               <a:latin typeface="+mj-lt"/>
               <a:ea typeface="HGP創英角ｺﾞｼｯｸUB"/>
             </a:endParaRPr>
@@ -6755,11 +6991,17 @@
           <a:p>
             <a:r>
               <a:rPr lang="ja-JP" altLang="en-US" sz="2400" b="1" dirty="0" smtClean="0">
+                <a:solidFill>
+                  <a:schemeClr val="bg1"/>
+                </a:solidFill>
                 <a:ea typeface="HGP創英角ｺﾞｼｯｸUB" panose="020B0900000000000000" pitchFamily="50" charset="-128"/>
               </a:rPr>
               <a:t>今後の目標</a:t>
             </a:r>
             <a:endParaRPr lang="ja-JP" altLang="en-US" sz="2400" b="1" dirty="0">
+              <a:solidFill>
+                <a:schemeClr val="bg1"/>
+              </a:solidFill>
               <a:ea typeface="HGP創英角ｺﾞｼｯｸUB" panose="020B0900000000000000" pitchFamily="50" charset="-128"/>
             </a:endParaRPr>
           </a:p>
@@ -6776,7 +7018,7 @@
         <p:spPr bwMode="auto">
           <a:xfrm>
             <a:off x="270662" y="846168"/>
-            <a:ext cx="6318674" cy="1882567"/>
+            <a:ext cx="6318674" cy="2159566"/>
           </a:xfrm>
           <a:prstGeom prst="rect">
             <a:avLst/>
@@ -6953,7 +7195,20 @@
               <a:defRPr/>
             </a:pPr>
             <a:r>
+              <a:rPr lang="ja-JP" altLang="en-US" sz="1800" dirty="0" smtClean="0">
+                <a:solidFill>
+                  <a:srgbClr val="4CB3C0"/>
+                </a:solidFill>
+                <a:latin typeface="+mj-lt"/>
+                <a:ea typeface="HGP創英角ｺﾞｼｯｸUB"/>
+              </a:rPr>
+              <a:t>老朽化と共に、</a:t>
+            </a:r>
+            <a:r>
               <a:rPr lang="en-US" altLang="ja-JP" sz="1800" dirty="0" smtClean="0">
+                <a:solidFill>
+                  <a:srgbClr val="4CB3C0"/>
+                </a:solidFill>
                 <a:latin typeface="+mj-lt"/>
                 <a:ea typeface="HGP創英角ｺﾞｼｯｸUB"/>
               </a:rPr>
@@ -6961,59 +7216,113 @@
             </a:r>
             <a:r>
               <a:rPr lang="ja-JP" altLang="en-US" sz="1800" dirty="0" smtClean="0">
+                <a:solidFill>
+                  <a:srgbClr val="4CB3C0"/>
+                </a:solidFill>
                 <a:latin typeface="+mj-lt"/>
                 <a:ea typeface="HGP創英角ｺﾞｼｯｸUB"/>
               </a:rPr>
-              <a:t>や社内請負作業で育てきた技術力とマネジメント力を生かして、会社の業務拡大には、新現場に一歩踏み込んで、現場開拓に力を注力する。</a:t>
+              <a:t>システムが終了になるが、長年</a:t>
+            </a:r>
+            <a:r>
+              <a:rPr lang="en-US" altLang="ja-JP" sz="1800" dirty="0" smtClean="0">
+                <a:solidFill>
+                  <a:srgbClr val="4CB3C0"/>
+                </a:solidFill>
+                <a:latin typeface="+mj-lt"/>
+                <a:ea typeface="HGP創英角ｺﾞｼｯｸUB"/>
+              </a:rPr>
+              <a:t>CRM</a:t>
+            </a:r>
+            <a:r>
+              <a:rPr lang="ja-JP" altLang="en-US" sz="1800" dirty="0" smtClean="0">
+                <a:solidFill>
+                  <a:srgbClr val="4CB3C0"/>
+                </a:solidFill>
+                <a:latin typeface="+mj-lt"/>
+                <a:ea typeface="HGP創英角ｺﾞｼｯｸUB"/>
+              </a:rPr>
+              <a:t>で育てきた技術力とマネジメント力を生かして、ほかの得意な領域（</a:t>
+            </a:r>
+            <a:r>
+              <a:rPr lang="en-US" altLang="ja-JP" sz="1800" dirty="0" smtClean="0">
+                <a:solidFill>
+                  <a:srgbClr val="4CB3C0"/>
+                </a:solidFill>
+                <a:latin typeface="+mj-lt"/>
+                <a:ea typeface="HGP創英角ｺﾞｼｯｸUB"/>
+              </a:rPr>
+              <a:t>EC</a:t>
+            </a:r>
+            <a:r>
+              <a:rPr lang="ja-JP" altLang="en-US" sz="1800" dirty="0" smtClean="0">
+                <a:solidFill>
+                  <a:srgbClr val="4CB3C0"/>
+                </a:solidFill>
+                <a:latin typeface="+mj-lt"/>
+                <a:ea typeface="HGP創英角ｺﾞｼｯｸUB"/>
+              </a:rPr>
+              <a:t>など）で、２，３人のチームリーダーになって、即戦力ありのチームを作って、</a:t>
+            </a:r>
+            <a:r>
+              <a:rPr lang="en-US" altLang="ja-JP" sz="1800" dirty="0" smtClean="0">
+                <a:solidFill>
+                  <a:srgbClr val="4CB3C0"/>
+                </a:solidFill>
+                <a:latin typeface="+mj-lt"/>
+                <a:ea typeface="HGP創英角ｺﾞｼｯｸUB"/>
+              </a:rPr>
+              <a:t>NCJ</a:t>
+            </a:r>
+            <a:r>
+              <a:rPr lang="ja-JP" altLang="en-US" sz="1800" dirty="0" smtClean="0">
+                <a:solidFill>
+                  <a:srgbClr val="4CB3C0"/>
+                </a:solidFill>
+                <a:latin typeface="+mj-lt"/>
+                <a:ea typeface="HGP創英角ｺﾞｼｯｸUB"/>
+              </a:rPr>
+              <a:t>の知名度を広げて、会社の業務拡大に貢献できると考えてる。</a:t>
             </a:r>
             <a:endParaRPr lang="en-US" altLang="ja-JP" sz="1800" dirty="0" smtClean="0">
+              <a:solidFill>
+                <a:srgbClr val="4CB3C0"/>
+              </a:solidFill>
               <a:latin typeface="+mj-lt"/>
               <a:ea typeface="HGP創英角ｺﾞｼｯｸUB"/>
             </a:endParaRPr>
           </a:p>
           <a:p>
-            <a:pPr>
+            <a:pPr marL="0" indent="0">
               <a:spcBef>
                 <a:spcPts val="450"/>
               </a:spcBef>
               <a:buClr>
                 <a:srgbClr val="4CB3C0"/>
               </a:buClr>
-              <a:buFont typeface="Wingdings" panose="05000000000000000000" pitchFamily="2" charset="2"/>
-              <a:buChar char="Ø"/>
+              <a:buNone/>
               <a:defRPr/>
             </a:pPr>
             <a:endParaRPr lang="en-US" altLang="ja-JP" sz="1800" dirty="0">
               <a:solidFill>
-                <a:srgbClr val="000000"/>
+                <a:srgbClr val="4CB3C0"/>
               </a:solidFill>
               <a:latin typeface="+mj-lt"/>
               <a:ea typeface="HGP創英角ｺﾞｼｯｸUB"/>
             </a:endParaRPr>
           </a:p>
           <a:p>
-            <a:pPr>
+            <a:pPr marL="0" indent="0">
               <a:spcBef>
                 <a:spcPts val="450"/>
               </a:spcBef>
               <a:buClr>
                 <a:srgbClr val="4CB3C0"/>
               </a:buClr>
-              <a:buFont typeface="Wingdings" panose="05000000000000000000" pitchFamily="2" charset="2"/>
-              <a:buChar char="Ø"/>
+              <a:buNone/>
               <a:defRPr/>
             </a:pPr>
-            <a:r>
-              <a:rPr lang="ja-JP" altLang="en-US" sz="1800" dirty="0" smtClean="0">
-                <a:solidFill>
-                  <a:srgbClr val="000000"/>
-                </a:solidFill>
-                <a:latin typeface="+mj-lt"/>
-                <a:ea typeface="HGP創英角ｺﾞｼｯｸUB"/>
-              </a:rPr>
-              <a:t>アジャイル開発の新しい手法による請負にもチャレンジし、社内開発への会社方針実現に注力する。</a:t>
-            </a:r>
-            <a:endParaRPr lang="ja-JP" altLang="en-US" sz="1800" dirty="0" smtClean="0">
+            <a:endParaRPr lang="en-US" altLang="ja-JP" sz="1800" dirty="0">
               <a:solidFill>
                 <a:srgbClr val="000000"/>
               </a:solidFill>
@@ -7326,41 +7635,11 @@
               <a:buNone/>
             </a:pPr>
             <a:r>
-              <a:rPr lang="ja-JP" altLang="en-US" sz="1600" dirty="0">
-                <a:latin typeface="+mn-ea"/>
-                <a:ea typeface="+mn-ea"/>
-              </a:rPr>
-              <a:t>１</a:t>
-            </a:r>
-            <a:r>
               <a:rPr lang="ja-JP" altLang="en-US" sz="1600" dirty="0" smtClean="0">
                 <a:latin typeface="+mn-ea"/>
                 <a:ea typeface="+mn-ea"/>
               </a:rPr>
-              <a:t>．履歴紹介（省略）</a:t>
-            </a:r>
-            <a:endParaRPr lang="en-US" altLang="ja-JP" sz="1600" dirty="0" smtClean="0">
-              <a:latin typeface="+mn-ea"/>
-              <a:ea typeface="+mn-ea"/>
-            </a:endParaRPr>
-          </a:p>
-          <a:p>
-            <a:pPr eaLnBrk="1" hangingPunct="1">
-              <a:lnSpc>
-                <a:spcPct val="150000"/>
-              </a:lnSpc>
-              <a:spcBef>
-                <a:spcPct val="0"/>
-              </a:spcBef>
-              <a:buClrTx/>
-              <a:buNone/>
-            </a:pPr>
-            <a:r>
-              <a:rPr lang="ja-JP" altLang="en-US" sz="1600" dirty="0" smtClean="0">
-                <a:latin typeface="+mn-ea"/>
-                <a:ea typeface="+mn-ea"/>
-              </a:rPr>
-              <a:t>２．自分にとっての超えるべき「</a:t>
+              <a:t>１．自分にとっての超えるべき「</a:t>
             </a:r>
             <a:r>
               <a:rPr lang="en-US" altLang="ja-JP" sz="1600" dirty="0" smtClean="0">
@@ -7393,11 +7672,18 @@
               <a:buNone/>
             </a:pPr>
             <a:r>
+              <a:rPr lang="ja-JP" altLang="en-US" sz="1600" dirty="0">
+                <a:latin typeface="+mn-ea"/>
+                <a:ea typeface="+mn-ea"/>
+              </a:rPr>
+              <a:t>２</a:t>
+            </a:r>
+            <a:r>
               <a:rPr lang="ja-JP" altLang="en-US" sz="1600" dirty="0" smtClean="0">
                 <a:latin typeface="+mn-ea"/>
                 <a:ea typeface="+mn-ea"/>
               </a:rPr>
-              <a:t>３．不足点分析</a:t>
+              <a:t>．不足点分析</a:t>
             </a:r>
             <a:r>
               <a:rPr lang="en-US" altLang="ja-JP" sz="1600" dirty="0">
@@ -7413,134 +7699,34 @@
               </a:rPr>
             </a:br>
             <a:r>
-              <a:rPr lang="ja-JP" altLang="en-US" sz="1600" dirty="0">
-                <a:latin typeface="+mn-ea"/>
-                <a:ea typeface="+mn-ea"/>
-              </a:rPr>
-              <a:t>４</a:t>
-            </a:r>
-            <a:r>
               <a:rPr lang="ja-JP" altLang="en-US" sz="1600" dirty="0" smtClean="0">
                 <a:latin typeface="+mn-ea"/>
                 <a:ea typeface="+mn-ea"/>
               </a:rPr>
-              <a:t>．</a:t>
-            </a:r>
+              <a:t>３．実現に向けてこれまでしてきたこと</a:t>
+            </a:r>
+            <a:endParaRPr lang="en-US" altLang="ja-JP" sz="1600" dirty="0" smtClean="0">
+              <a:latin typeface="+mn-ea"/>
+              <a:ea typeface="+mn-ea"/>
+            </a:endParaRPr>
+          </a:p>
+          <a:p>
+            <a:pPr eaLnBrk="1" hangingPunct="1">
+              <a:lnSpc>
+                <a:spcPct val="150000"/>
+              </a:lnSpc>
+              <a:spcBef>
+                <a:spcPct val="0"/>
+              </a:spcBef>
+              <a:buClrTx/>
+              <a:buNone/>
+            </a:pPr>
             <a:r>
               <a:rPr lang="ja-JP" altLang="en-US" sz="1600" dirty="0" smtClean="0">
                 <a:latin typeface="+mn-ea"/>
                 <a:ea typeface="+mn-ea"/>
               </a:rPr>
-              <a:t>進化の自分</a:t>
-            </a:r>
-            <a:r>
-              <a:rPr lang="en-US" altLang="ja-JP" sz="1600" dirty="0" smtClean="0">
-                <a:latin typeface="+mn-ea"/>
-                <a:ea typeface="+mn-ea"/>
-              </a:rPr>
-              <a:t>-</a:t>
-            </a:r>
-            <a:r>
-              <a:rPr lang="ja-JP" altLang="en-US" sz="1600" dirty="0">
-                <a:latin typeface="+mn-ea"/>
-                <a:ea typeface="+mn-ea"/>
-              </a:rPr>
-              <a:t>イベント</a:t>
-            </a:r>
-            <a:r>
-              <a:rPr lang="ja-JP" altLang="en-US" sz="1600" dirty="0" smtClean="0">
-                <a:latin typeface="+mn-ea"/>
-                <a:ea typeface="+mn-ea"/>
-              </a:rPr>
-              <a:t>積極的参加</a:t>
-            </a:r>
-            <a:endParaRPr lang="en-US" altLang="ja-JP" sz="1600" dirty="0" smtClean="0">
-              <a:latin typeface="+mn-ea"/>
-              <a:ea typeface="+mn-ea"/>
-            </a:endParaRPr>
-          </a:p>
-          <a:p>
-            <a:pPr eaLnBrk="1" hangingPunct="1">
-              <a:lnSpc>
-                <a:spcPct val="150000"/>
-              </a:lnSpc>
-              <a:spcBef>
-                <a:spcPct val="0"/>
-              </a:spcBef>
-              <a:buClrTx/>
-              <a:buNone/>
-            </a:pPr>
-            <a:r>
-              <a:rPr lang="ja-JP" altLang="en-US" sz="1600" dirty="0">
-                <a:latin typeface="+mn-ea"/>
-                <a:ea typeface="+mn-ea"/>
-              </a:rPr>
-              <a:t>　</a:t>
-            </a:r>
-            <a:r>
-              <a:rPr lang="ja-JP" altLang="en-US" sz="1600" dirty="0" smtClean="0">
-                <a:latin typeface="+mn-ea"/>
-                <a:ea typeface="+mn-ea"/>
-              </a:rPr>
-              <a:t>　進化の自分</a:t>
-            </a:r>
-            <a:r>
-              <a:rPr lang="en-US" altLang="ja-JP" sz="1600" dirty="0" smtClean="0">
-                <a:latin typeface="+mn-ea"/>
-                <a:ea typeface="+mn-ea"/>
-              </a:rPr>
-              <a:t>-</a:t>
-            </a:r>
-            <a:r>
-              <a:rPr lang="ja-JP" altLang="en-US" sz="1600" dirty="0" smtClean="0">
-                <a:latin typeface="+mn-ea"/>
-                <a:ea typeface="+mn-ea"/>
-              </a:rPr>
-              <a:t>チームリーダー</a:t>
-            </a:r>
-            <a:endParaRPr lang="en-US" altLang="ja-JP" sz="1600" dirty="0" smtClean="0">
-              <a:latin typeface="+mn-ea"/>
-              <a:ea typeface="+mn-ea"/>
-            </a:endParaRPr>
-          </a:p>
-          <a:p>
-            <a:pPr eaLnBrk="1" hangingPunct="1">
-              <a:lnSpc>
-                <a:spcPct val="150000"/>
-              </a:lnSpc>
-              <a:spcBef>
-                <a:spcPct val="0"/>
-              </a:spcBef>
-              <a:buClrTx/>
-              <a:buNone/>
-            </a:pPr>
-            <a:r>
-              <a:rPr lang="ja-JP" altLang="en-US" sz="1600" dirty="0">
-                <a:latin typeface="+mn-ea"/>
-                <a:ea typeface="+mn-ea"/>
-              </a:rPr>
-              <a:t>　</a:t>
-            </a:r>
-            <a:r>
-              <a:rPr lang="ja-JP" altLang="en-US" sz="1600" dirty="0" smtClean="0">
-                <a:latin typeface="+mn-ea"/>
-                <a:ea typeface="+mn-ea"/>
-              </a:rPr>
-              <a:t>　進化の自分</a:t>
-            </a:r>
-            <a:r>
-              <a:rPr lang="en-US" altLang="ja-JP" sz="1600" dirty="0" smtClean="0">
-                <a:latin typeface="+mn-ea"/>
-                <a:ea typeface="+mn-ea"/>
-              </a:rPr>
-              <a:t>-</a:t>
-            </a:r>
-            <a:r>
-              <a:rPr lang="ja-JP" altLang="en-US" sz="1600" dirty="0" smtClean="0">
-                <a:latin typeface="+mn-ea"/>
-                <a:ea typeface="+mn-ea"/>
-              </a:rPr>
-              <a:t>現場以外の業務の兼務</a:t>
+              <a:t>４．成長</a:t>
             </a:r>
             <a:endParaRPr lang="en-US" altLang="ja-JP" sz="1600" dirty="0" smtClean="0">
               <a:latin typeface="+mn-ea"/>
@@ -7570,14 +7756,7 @@
                 <a:latin typeface="+mn-ea"/>
                 <a:ea typeface="+mn-ea"/>
               </a:rPr>
-              <a:t>．</a:t>
-            </a:r>
-            <a:r>
-              <a:rPr lang="ja-JP" altLang="en-US" sz="1600" dirty="0" smtClean="0">
-                <a:latin typeface="+mn-ea"/>
-                <a:ea typeface="+mn-ea"/>
-              </a:rPr>
-              <a:t>これから</a:t>
+              <a:t>．これから</a:t>
             </a:r>
             <a:endParaRPr lang="en-US" altLang="ja-JP" sz="1400" dirty="0">
               <a:latin typeface="+mn-ea"/>
@@ -7689,23 +7868,35 @@
           <a:p>
             <a:r>
               <a:rPr lang="ja-JP" altLang="en-US" sz="2400" b="1" dirty="0" smtClean="0">
+                <a:solidFill>
+                  <a:schemeClr val="bg1"/>
+                </a:solidFill>
                 <a:ea typeface="HGP創英角ｺﾞｼｯｸUB" panose="020B0900000000000000" pitchFamily="50" charset="-128"/>
               </a:rPr>
               <a:t>自分自身にとっての超えるべき「</a:t>
             </a:r>
             <a:r>
               <a:rPr lang="en-US" altLang="ja-JP" sz="2400" b="1" dirty="0" smtClean="0">
+                <a:solidFill>
+                  <a:schemeClr val="bg1"/>
+                </a:solidFill>
                 <a:ea typeface="HGP創英角ｺﾞｼｯｸUB" panose="020B0900000000000000" pitchFamily="50" charset="-128"/>
               </a:rPr>
               <a:t>X</a:t>
             </a:r>
             <a:r>
               <a:rPr lang="ja-JP" altLang="en-US" sz="2400" b="1" dirty="0" smtClean="0">
+                <a:solidFill>
+                  <a:schemeClr val="bg1"/>
+                </a:solidFill>
                 <a:ea typeface="HGP創英角ｺﾞｼｯｸUB" panose="020B0900000000000000" pitchFamily="50" charset="-128"/>
               </a:rPr>
               <a:t>」</a:t>
             </a:r>
             <a:endParaRPr lang="ja-JP" altLang="en-US" sz="2400" b="1" dirty="0">
+              <a:solidFill>
+                <a:schemeClr val="bg1"/>
+              </a:solidFill>
               <a:ea typeface="HGP創英角ｺﾞｼｯｸUB" panose="020B0900000000000000" pitchFamily="50" charset="-128"/>
             </a:endParaRPr>
           </a:p>
@@ -7721,8 +7912,8 @@
         </p:nvSpPr>
         <p:spPr bwMode="auto">
           <a:xfrm>
-            <a:off x="270620" y="1041762"/>
-            <a:ext cx="6318716" cy="3434273"/>
+            <a:off x="270620" y="989807"/>
+            <a:ext cx="6318716" cy="3395801"/>
           </a:xfrm>
           <a:prstGeom prst="rect">
             <a:avLst/>
@@ -7899,7 +8090,7 @@
               <a:defRPr/>
             </a:pPr>
             <a:r>
-              <a:rPr lang="ja-JP" altLang="en-US" sz="2400" dirty="0" smtClean="0">
+              <a:rPr lang="ja-JP" altLang="en-US" sz="2800" dirty="0" smtClean="0">
                 <a:solidFill>
                   <a:srgbClr val="000000"/>
                 </a:solidFill>
@@ -7908,25 +8099,6 @@
               </a:rPr>
               <a:t>会社のイベントを積極的に参加し、コンミュニケーション力と認知度を高め、人脈を広げる。</a:t>
             </a:r>
-            <a:endParaRPr lang="en-US" altLang="ja-JP" sz="2400" dirty="0" smtClean="0">
-              <a:solidFill>
-                <a:srgbClr val="000000"/>
-              </a:solidFill>
-              <a:latin typeface="+mj-lt"/>
-              <a:ea typeface="HGP創英角ｺﾞｼｯｸUB"/>
-            </a:endParaRPr>
-          </a:p>
-          <a:p>
-            <a:pPr marL="0" indent="0">
-              <a:spcBef>
-                <a:spcPts val="450"/>
-              </a:spcBef>
-              <a:buClr>
-                <a:srgbClr val="00B4A0"/>
-              </a:buClr>
-              <a:buNone/>
-              <a:defRPr/>
-            </a:pPr>
             <a:endParaRPr lang="en-US" altLang="ja-JP" sz="2800" dirty="0" smtClean="0">
               <a:solidFill>
                 <a:srgbClr val="000000"/>
@@ -7967,14 +8139,14 @@
               <a:defRPr/>
             </a:pPr>
             <a:r>
-              <a:rPr lang="ja-JP" altLang="en-US" sz="2400" dirty="0" smtClean="0">
+              <a:rPr lang="ja-JP" altLang="en-US" sz="2800" dirty="0" smtClean="0">
                 <a:solidFill>
                   <a:srgbClr val="000000"/>
                 </a:solidFill>
                 <a:latin typeface="+mj-lt"/>
                 <a:ea typeface="HGP創英角ｺﾞｼｯｸUB"/>
               </a:rPr>
-              <a:t>チームリーダーに</a:t>
+              <a:t>チームリーダーになって、マネジメント力を高める</a:t>
             </a:r>
             <a:r>
               <a:rPr lang="ja-JP" altLang="en-US" sz="2400" dirty="0" smtClean="0">
@@ -7984,48 +8156,8 @@
                 <a:latin typeface="+mj-lt"/>
                 <a:ea typeface="HGP創英角ｺﾞｼｯｸUB"/>
               </a:rPr>
-              <a:t>なって、マネジメント力を高める。</a:t>
-            </a:r>
-            <a:endParaRPr lang="en-US" altLang="ja-JP" sz="2400" dirty="0" smtClean="0">
-              <a:solidFill>
-                <a:srgbClr val="000000"/>
-              </a:solidFill>
-              <a:latin typeface="+mj-lt"/>
-              <a:ea typeface="HGP創英角ｺﾞｼｯｸUB"/>
-            </a:endParaRPr>
-          </a:p>
-          <a:p>
-            <a:pPr>
-              <a:spcBef>
-                <a:spcPts val="450"/>
-              </a:spcBef>
-              <a:buClr>
-                <a:srgbClr val="00B4A0"/>
-              </a:buClr>
-              <a:buFont typeface="Arial" charset="0"/>
-              <a:buChar char="▌"/>
-              <a:defRPr/>
-            </a:pPr>
-            <a:endParaRPr lang="en-US" altLang="ja-JP" sz="1500" dirty="0">
-              <a:solidFill>
-                <a:srgbClr val="000000"/>
-              </a:solidFill>
-              <a:latin typeface="+mj-lt"/>
-              <a:ea typeface="HGP創英角ｺﾞｼｯｸUB"/>
-            </a:endParaRPr>
-          </a:p>
-          <a:p>
-            <a:pPr>
-              <a:spcBef>
-                <a:spcPts val="450"/>
-              </a:spcBef>
-              <a:buClr>
-                <a:srgbClr val="00B4A0"/>
-              </a:buClr>
-              <a:buFont typeface="Arial" charset="0"/>
-              <a:buChar char="▌"/>
-              <a:defRPr/>
-            </a:pPr>
+              <a:t>。</a:t>
+            </a:r>
             <a:endParaRPr lang="en-US" altLang="ja-JP" sz="1500" dirty="0" smtClean="0">
               <a:solidFill>
                 <a:srgbClr val="000000"/>
@@ -8137,11 +8269,17 @@
           <a:p>
             <a:r>
               <a:rPr lang="ja-JP" altLang="en-US" sz="2400" b="1" dirty="0" smtClean="0">
+                <a:solidFill>
+                  <a:schemeClr val="bg1"/>
+                </a:solidFill>
                 <a:ea typeface="HGP創英角ｺﾞｼｯｸUB" panose="020B0900000000000000" pitchFamily="50" charset="-128"/>
               </a:rPr>
               <a:t>不足点分析</a:t>
             </a:r>
             <a:endParaRPr lang="ja-JP" altLang="en-US" sz="2400" b="1" dirty="0">
+              <a:solidFill>
+                <a:schemeClr val="bg1"/>
+              </a:solidFill>
               <a:ea typeface="HGP創英角ｺﾞｼｯｸUB" panose="020B0900000000000000" pitchFamily="50" charset="-128"/>
             </a:endParaRPr>
           </a:p>
@@ -8158,7 +8296,7 @@
         <p:spPr bwMode="auto">
           <a:xfrm>
             <a:off x="1433944" y="846168"/>
-            <a:ext cx="5155391" cy="4121641"/>
+            <a:ext cx="5155391" cy="3531736"/>
           </a:xfrm>
           <a:prstGeom prst="rect">
             <a:avLst/>
@@ -8346,7 +8484,7 @@
                 <a:latin typeface="+mj-lt"/>
                 <a:ea typeface="HGP創英角ｺﾞｼｯｸUB"/>
               </a:rPr>
-              <a:t>自己ペースで、会社のイベントを無関心で、社内メンバと交流が少なかった。</a:t>
+              <a:t>自己ペースで、会社のイベントを無関心、社内メンバと交流が少なかった。</a:t>
             </a:r>
             <a:endParaRPr lang="en-US" altLang="ja-JP" sz="2800" dirty="0" smtClean="0">
               <a:solidFill>
@@ -8364,7 +8502,9 @@
                 <a:spcPts val="450"/>
               </a:spcBef>
               <a:buClr>
-                <a:srgbClr val="00B4A0"/>
+                <a:schemeClr val="bg1">
+                  <a:lumMod val="50000"/>
+                </a:schemeClr>
               </a:buClr>
               <a:buNone/>
               <a:defRPr/>
@@ -8401,48 +8541,8 @@
                 <a:latin typeface="+mj-lt"/>
                 <a:ea typeface="HGP創英角ｺﾞｼｯｸUB"/>
               </a:rPr>
-              <a:t>自分の作業を優先し、定時ダッシュ。技術しか興味持ってなかった。</a:t>
-            </a:r>
-            <a:endParaRPr lang="en-US" altLang="ja-JP" sz="1500" dirty="0">
-              <a:solidFill>
-                <a:srgbClr val="000000"/>
-              </a:solidFill>
-              <a:latin typeface="+mj-lt"/>
-              <a:ea typeface="HGP創英角ｺﾞｼｯｸUB"/>
-            </a:endParaRPr>
-          </a:p>
-          <a:p>
-            <a:pPr>
-              <a:spcBef>
-                <a:spcPts val="450"/>
-              </a:spcBef>
-              <a:buClr>
-                <a:srgbClr val="00B4A0"/>
-              </a:buClr>
-              <a:buFont typeface="Arial" charset="0"/>
-              <a:buChar char="▌"/>
-              <a:defRPr/>
-            </a:pPr>
-            <a:endParaRPr lang="en-US" altLang="ja-JP" sz="1500" dirty="0" smtClean="0">
-              <a:solidFill>
-                <a:srgbClr val="000000"/>
-              </a:solidFill>
-              <a:latin typeface="+mj-lt"/>
-              <a:ea typeface="HGP創英角ｺﾞｼｯｸUB"/>
-            </a:endParaRPr>
-          </a:p>
-          <a:p>
-            <a:pPr>
-              <a:spcBef>
-                <a:spcPts val="450"/>
-              </a:spcBef>
-              <a:buClr>
-                <a:srgbClr val="00B4A0"/>
-              </a:buClr>
-              <a:buFont typeface="Arial" charset="0"/>
-              <a:buChar char="▌"/>
-              <a:defRPr/>
-            </a:pPr>
+              <a:t>メンバとして、誰かの指示に従って行動。与えられた仕事にしか興味なかった。</a:t>
+            </a:r>
             <a:endParaRPr lang="en-US" altLang="ja-JP" sz="1500" dirty="0">
               <a:solidFill>
                 <a:srgbClr val="000000"/>
@@ -8478,7 +8578,7 @@
           <p:cNvPr id="4" name="Group 293">
             <a:extLst>
               <a:ext uri="{FF2B5EF4-FFF2-40B4-BE49-F238E27FC236}">
-                <a16:creationId xmlns:a16="http://schemas.microsoft.com/office/drawing/2014/main" xmlns="" id="{FFC370BA-08BF-4CCE-A67B-D347FD899DBA}"/>
+                <a16:creationId xmlns="" xmlns:a16="http://schemas.microsoft.com/office/drawing/2014/main" id="{FFC370BA-08BF-4CCE-A67B-D347FD899DBA}"/>
               </a:ext>
             </a:extLst>
           </p:cNvPr>
@@ -8500,7 +8600,7 @@
             <p:cNvPr id="6" name="Oval 50">
               <a:extLst>
                 <a:ext uri="{FF2B5EF4-FFF2-40B4-BE49-F238E27FC236}">
-                  <a16:creationId xmlns:a16="http://schemas.microsoft.com/office/drawing/2014/main" xmlns="" id="{A9838AB5-C094-4377-A802-21CD3E317274}"/>
+                  <a16:creationId xmlns="" xmlns:a16="http://schemas.microsoft.com/office/drawing/2014/main" id="{A9838AB5-C094-4377-A802-21CD3E317274}"/>
                 </a:ext>
               </a:extLst>
             </p:cNvPr>
@@ -8559,7 +8659,7 @@
             <p:cNvPr id="7" name="Oval 51">
               <a:extLst>
                 <a:ext uri="{FF2B5EF4-FFF2-40B4-BE49-F238E27FC236}">
-                  <a16:creationId xmlns:a16="http://schemas.microsoft.com/office/drawing/2014/main" xmlns="" id="{DD6D435C-0F60-4629-BD94-54821F2DE884}"/>
+                  <a16:creationId xmlns="" xmlns:a16="http://schemas.microsoft.com/office/drawing/2014/main" id="{DD6D435C-0F60-4629-BD94-54821F2DE884}"/>
                 </a:ext>
               </a:extLst>
             </p:cNvPr>
@@ -8632,7 +8732,7 @@
             <p:cNvPr id="8" name="Oval 52">
               <a:extLst>
                 <a:ext uri="{FF2B5EF4-FFF2-40B4-BE49-F238E27FC236}">
-                  <a16:creationId xmlns:a16="http://schemas.microsoft.com/office/drawing/2014/main" xmlns="" id="{2FF6B54B-606C-4B88-AD79-E1531E472EED}"/>
+                  <a16:creationId xmlns="" xmlns:a16="http://schemas.microsoft.com/office/drawing/2014/main" id="{2FF6B54B-606C-4B88-AD79-E1531E472EED}"/>
                 </a:ext>
               </a:extLst>
             </p:cNvPr>
@@ -8708,7 +8808,7 @@
             <p:cNvPr id="9" name="Freeform 54">
               <a:extLst>
                 <a:ext uri="{FF2B5EF4-FFF2-40B4-BE49-F238E27FC236}">
-                  <a16:creationId xmlns:a16="http://schemas.microsoft.com/office/drawing/2014/main" xmlns="" id="{11B4C9EE-AFBE-4B95-89C4-2D73C9A5311C}"/>
+                  <a16:creationId xmlns="" xmlns:a16="http://schemas.microsoft.com/office/drawing/2014/main" id="{11B4C9EE-AFBE-4B95-89C4-2D73C9A5311C}"/>
                 </a:ext>
               </a:extLst>
             </p:cNvPr>
@@ -8883,7 +8983,7 @@
             <p:cNvPr id="10" name="Freeform 55">
               <a:extLst>
                 <a:ext uri="{FF2B5EF4-FFF2-40B4-BE49-F238E27FC236}">
-                  <a16:creationId xmlns:a16="http://schemas.microsoft.com/office/drawing/2014/main" xmlns="" id="{61FD8900-59DC-4DF8-9E0F-FA65E3D087D7}"/>
+                  <a16:creationId xmlns="" xmlns:a16="http://schemas.microsoft.com/office/drawing/2014/main" id="{61FD8900-59DC-4DF8-9E0F-FA65E3D087D7}"/>
                 </a:ext>
               </a:extLst>
             </p:cNvPr>
@@ -9058,7 +9158,7 @@
             <p:cNvPr id="11" name="AutoShape 59">
               <a:extLst>
                 <a:ext uri="{FF2B5EF4-FFF2-40B4-BE49-F238E27FC236}">
-                  <a16:creationId xmlns:a16="http://schemas.microsoft.com/office/drawing/2014/main" xmlns="" id="{8725B85B-EFDB-41AA-BF87-5BA5E80973EF}"/>
+                  <a16:creationId xmlns="" xmlns:a16="http://schemas.microsoft.com/office/drawing/2014/main" id="{8725B85B-EFDB-41AA-BF87-5BA5E80973EF}"/>
                 </a:ext>
               </a:extLst>
             </p:cNvPr>
@@ -9176,23 +9276,17 @@
           <a:p>
             <a:r>
               <a:rPr lang="ja-JP" altLang="en-US" sz="2400" b="1" dirty="0" smtClean="0">
+                <a:solidFill>
+                  <a:schemeClr val="bg1"/>
+                </a:solidFill>
                 <a:ea typeface="HGP創英角ｺﾞｼｯｸUB" panose="020B0900000000000000" pitchFamily="50" charset="-128"/>
               </a:rPr>
-              <a:t>進化の自分</a:t>
-            </a:r>
-            <a:r>
-              <a:rPr lang="en-US" altLang="ja-JP" sz="2400" b="1" dirty="0" smtClean="0">
-                <a:ea typeface="HGP創英角ｺﾞｼｯｸUB" panose="020B0900000000000000" pitchFamily="50" charset="-128"/>
-              </a:rPr>
-              <a:t>-</a:t>
-            </a:r>
-            <a:r>
-              <a:rPr lang="ja-JP" altLang="en-US" sz="2400" b="1" dirty="0" smtClean="0">
-                <a:ea typeface="HGP創英角ｺﾞｼｯｸUB" panose="020B0900000000000000" pitchFamily="50" charset="-128"/>
-              </a:rPr>
-              <a:t>積極的に交流、人脈を作る</a:t>
+              <a:t>積極的にイベントを参加</a:t>
             </a:r>
             <a:endParaRPr lang="ja-JP" altLang="en-US" sz="2400" b="1" dirty="0">
+              <a:solidFill>
+                <a:schemeClr val="bg1"/>
+              </a:solidFill>
               <a:ea typeface="HGP創英角ｺﾞｼｯｸUB" panose="020B0900000000000000" pitchFamily="50" charset="-128"/>
             </a:endParaRPr>
           </a:p>
@@ -9208,8 +9302,8 @@
         </p:nvSpPr>
         <p:spPr bwMode="auto">
           <a:xfrm>
-            <a:off x="1159510" y="846168"/>
-            <a:ext cx="5429826" cy="3716402"/>
+            <a:off x="1263420" y="846168"/>
+            <a:ext cx="5429826" cy="3993401"/>
           </a:xfrm>
           <a:prstGeom prst="rect">
             <a:avLst/>
@@ -9689,27 +9783,7 @@
                 <a:latin typeface="+mj-lt"/>
                 <a:ea typeface="HGP創英角ｺﾞｼｯｸUB"/>
               </a:rPr>
-              <a:t>普段に違う現場、違う部署の方々と交流し、相手はどう</a:t>
-            </a:r>
-            <a:r>
-              <a:rPr lang="ja-JP" altLang="en-US" sz="1800" dirty="0" err="1" smtClean="0">
-                <a:solidFill>
-                  <a:srgbClr val="000000"/>
-                </a:solidFill>
-                <a:latin typeface="+mj-lt"/>
-                <a:ea typeface="HGP創英角ｺﾞｼｯｸUB"/>
-              </a:rPr>
-              <a:t>な</a:t>
-            </a:r>
-            <a:r>
-              <a:rPr lang="ja-JP" altLang="en-US" sz="1800" dirty="0" smtClean="0">
-                <a:solidFill>
-                  <a:srgbClr val="000000"/>
-                </a:solidFill>
-                <a:latin typeface="+mj-lt"/>
-                <a:ea typeface="HGP創英角ｺﾞｼｯｸUB"/>
-              </a:rPr>
-              <a:t>仕事をしているか、どんな悩みを持っているか、</a:t>
+              <a:t>この一年は積極的に会社のイベントを参加し、なるべく多くの方々と交流した、自分の認知度が高くなって、信頼感倍増になった。</a:t>
             </a:r>
             <a:endParaRPr lang="en-US" altLang="ja-JP" sz="1800" dirty="0">
               <a:solidFill>
@@ -9746,7 +9820,7 @@
           <p:cNvPr id="12" name="Group 296">
             <a:extLst>
               <a:ext uri="{FF2B5EF4-FFF2-40B4-BE49-F238E27FC236}">
-                <a16:creationId xmlns:a16="http://schemas.microsoft.com/office/drawing/2014/main" xmlns="" id="{3842FC64-AB39-42D7-A48C-0FE49F99806C}"/>
+                <a16:creationId xmlns="" xmlns:a16="http://schemas.microsoft.com/office/drawing/2014/main" id="{3842FC64-AB39-42D7-A48C-0FE49F99806C}"/>
               </a:ext>
             </a:extLst>
           </p:cNvPr>
@@ -9768,7 +9842,7 @@
             <p:cNvPr id="13" name="Oval 2">
               <a:extLst>
                 <a:ext uri="{FF2B5EF4-FFF2-40B4-BE49-F238E27FC236}">
-                  <a16:creationId xmlns:a16="http://schemas.microsoft.com/office/drawing/2014/main" xmlns="" id="{9267EE0A-4BA4-4E94-8745-FFA9A06F71A9}"/>
+                  <a16:creationId xmlns="" xmlns:a16="http://schemas.microsoft.com/office/drawing/2014/main" id="{9267EE0A-4BA4-4E94-8745-FFA9A06F71A9}"/>
                 </a:ext>
               </a:extLst>
             </p:cNvPr>
@@ -9827,7 +9901,7 @@
             <p:cNvPr id="14" name="Oval 19">
               <a:extLst>
                 <a:ext uri="{FF2B5EF4-FFF2-40B4-BE49-F238E27FC236}">
-                  <a16:creationId xmlns:a16="http://schemas.microsoft.com/office/drawing/2014/main" xmlns="" id="{CC91C93B-224E-47BB-A4B4-F39EF6BD8070}"/>
+                  <a16:creationId xmlns="" xmlns:a16="http://schemas.microsoft.com/office/drawing/2014/main" id="{CC91C93B-224E-47BB-A4B4-F39EF6BD8070}"/>
                 </a:ext>
               </a:extLst>
             </p:cNvPr>
@@ -9900,7 +9974,7 @@
             <p:cNvPr id="15" name="Oval 20">
               <a:extLst>
                 <a:ext uri="{FF2B5EF4-FFF2-40B4-BE49-F238E27FC236}">
-                  <a16:creationId xmlns:a16="http://schemas.microsoft.com/office/drawing/2014/main" xmlns="" id="{9BD5F5FE-EFD9-4804-9B3B-C6D91AFF363C}"/>
+                  <a16:creationId xmlns="" xmlns:a16="http://schemas.microsoft.com/office/drawing/2014/main" id="{9BD5F5FE-EFD9-4804-9B3B-C6D91AFF363C}"/>
                 </a:ext>
               </a:extLst>
             </p:cNvPr>
@@ -9976,7 +10050,7 @@
             <p:cNvPr id="16" name="Group 21">
               <a:extLst>
                 <a:ext uri="{FF2B5EF4-FFF2-40B4-BE49-F238E27FC236}">
-                  <a16:creationId xmlns:a16="http://schemas.microsoft.com/office/drawing/2014/main" xmlns="" id="{7DB5FE9B-6714-4B4D-AB94-45F20F7D5C8E}"/>
+                  <a16:creationId xmlns="" xmlns:a16="http://schemas.microsoft.com/office/drawing/2014/main" id="{7DB5FE9B-6714-4B4D-AB94-45F20F7D5C8E}"/>
                 </a:ext>
               </a:extLst>
             </p:cNvPr>
@@ -9998,7 +10072,7 @@
               <p:cNvPr id="19" name="AutoShape 22">
                 <a:extLst>
                   <a:ext uri="{FF2B5EF4-FFF2-40B4-BE49-F238E27FC236}">
-                    <a16:creationId xmlns:a16="http://schemas.microsoft.com/office/drawing/2014/main" xmlns="" id="{4E5DF4CC-2B73-45EA-B083-30A68ED1FA2A}"/>
+                    <a16:creationId xmlns="" xmlns:a16="http://schemas.microsoft.com/office/drawing/2014/main" id="{4E5DF4CC-2B73-45EA-B083-30A68ED1FA2A}"/>
                   </a:ext>
                 </a:extLst>
               </p:cNvPr>
@@ -10067,7 +10141,7 @@
               <p:cNvPr id="20" name="Freeform 23">
                 <a:extLst>
                   <a:ext uri="{FF2B5EF4-FFF2-40B4-BE49-F238E27FC236}">
-                    <a16:creationId xmlns:a16="http://schemas.microsoft.com/office/drawing/2014/main" xmlns="" id="{A03184C6-4DC0-40F9-A025-A1F34226A187}"/>
+                    <a16:creationId xmlns="" xmlns:a16="http://schemas.microsoft.com/office/drawing/2014/main" id="{A03184C6-4DC0-40F9-A025-A1F34226A187}"/>
                   </a:ext>
                 </a:extLst>
               </p:cNvPr>
@@ -10199,7 +10273,7 @@
             <p:cNvPr id="17" name="AutoShape 36">
               <a:extLst>
                 <a:ext uri="{FF2B5EF4-FFF2-40B4-BE49-F238E27FC236}">
-                  <a16:creationId xmlns:a16="http://schemas.microsoft.com/office/drawing/2014/main" xmlns="" id="{C65C2922-0F06-4601-991B-D9188A55C388}"/>
+                  <a16:creationId xmlns="" xmlns:a16="http://schemas.microsoft.com/office/drawing/2014/main" id="{C65C2922-0F06-4601-991B-D9188A55C388}"/>
                 </a:ext>
               </a:extLst>
             </p:cNvPr>
@@ -10374,7 +10448,7 @@
             <p:cNvPr id="18" name="AutoShape 37">
               <a:extLst>
                 <a:ext uri="{FF2B5EF4-FFF2-40B4-BE49-F238E27FC236}">
-                  <a16:creationId xmlns:a16="http://schemas.microsoft.com/office/drawing/2014/main" xmlns="" id="{9028FBF9-F253-4134-8311-3707C3C5DB2F}"/>
+                  <a16:creationId xmlns="" xmlns:a16="http://schemas.microsoft.com/office/drawing/2014/main" id="{9028FBF9-F253-4134-8311-3707C3C5DB2F}"/>
                 </a:ext>
               </a:extLst>
             </p:cNvPr>
@@ -10606,23 +10680,17 @@
           <a:p>
             <a:r>
               <a:rPr lang="ja-JP" altLang="en-US" sz="2400" b="1" dirty="0" smtClean="0">
-                <a:ea typeface="HGP創英角ｺﾞｼｯｸUB" panose="020B0900000000000000" pitchFamily="50" charset="-128"/>
-              </a:rPr>
-              <a:t>進化の自分</a:t>
-            </a:r>
-            <a:r>
-              <a:rPr lang="en-US" altLang="ja-JP" sz="2400" b="1" dirty="0" smtClean="0">
-                <a:ea typeface="HGP創英角ｺﾞｼｯｸUB" panose="020B0900000000000000" pitchFamily="50" charset="-128"/>
-              </a:rPr>
-              <a:t>-</a:t>
-            </a:r>
-            <a:r>
-              <a:rPr lang="ja-JP" altLang="en-US" sz="2400" b="1" dirty="0" smtClean="0">
+                <a:solidFill>
+                  <a:schemeClr val="bg1"/>
+                </a:solidFill>
                 <a:ea typeface="HGP創英角ｺﾞｼｯｸUB" panose="020B0900000000000000" pitchFamily="50" charset="-128"/>
               </a:rPr>
               <a:t>チームリーダー</a:t>
             </a:r>
             <a:endParaRPr lang="ja-JP" altLang="en-US" sz="2400" b="1" dirty="0">
+              <a:solidFill>
+                <a:schemeClr val="bg1"/>
+              </a:solidFill>
               <a:ea typeface="HGP創英角ｺﾞｼｯｸUB" panose="020B0900000000000000" pitchFamily="50" charset="-128"/>
             </a:endParaRPr>
           </a:p>
@@ -10639,7 +10707,7 @@
         <p:spPr bwMode="auto">
           <a:xfrm>
             <a:off x="1159510" y="846168"/>
-            <a:ext cx="5429826" cy="4952638"/>
+            <a:ext cx="5429826" cy="5044971"/>
           </a:xfrm>
           <a:prstGeom prst="rect">
             <a:avLst/>
@@ -10816,20 +10884,20 @@
               <a:defRPr/>
             </a:pPr>
             <a:r>
-              <a:rPr lang="en-US" altLang="ja-JP" sz="2000" b="1" dirty="0" smtClean="0">
+              <a:rPr lang="en-US" altLang="ja-JP" sz="2200" b="1" dirty="0" smtClean="0">
                 <a:latin typeface="+mj-lt"/>
                 <a:ea typeface="HGP創英角ｺﾞｼｯｸUB"/>
               </a:rPr>
               <a:t>CRM</a:t>
             </a:r>
             <a:r>
-              <a:rPr lang="ja-JP" altLang="en-US" sz="2000" b="1" dirty="0" smtClean="0">
+              <a:rPr lang="ja-JP" altLang="en-US" sz="2200" b="1" dirty="0" smtClean="0">
                 <a:latin typeface="+mj-lt"/>
                 <a:ea typeface="HGP創英角ｺﾞｼｯｸUB"/>
               </a:rPr>
               <a:t>移行プロジェクト対応</a:t>
             </a:r>
-            <a:endParaRPr lang="en-US" altLang="ja-JP" sz="2000" b="1" dirty="0" smtClean="0">
+            <a:endParaRPr lang="en-US" altLang="ja-JP" sz="2200" b="1" dirty="0" smtClean="0">
               <a:latin typeface="+mj-lt"/>
               <a:ea typeface="HGP創英角ｺﾞｼｯｸUB"/>
             </a:endParaRPr>
@@ -10850,21 +10918,7 @@
                 <a:latin typeface="+mj-lt"/>
                 <a:ea typeface="HGP創英角ｺﾞｼｯｸUB"/>
               </a:rPr>
-              <a:t>　</a:t>
-            </a:r>
-            <a:r>
-              <a:rPr lang="ja-JP" altLang="en-US" sz="1800" dirty="0" smtClean="0">
-                <a:latin typeface="+mj-lt"/>
-                <a:ea typeface="HGP創英角ｺﾞｼｯｸUB"/>
-              </a:rPr>
-              <a:t>役割：チームリーダー　チーム</a:t>
-            </a:r>
-            <a:r>
-              <a:rPr lang="ja-JP" altLang="en-US" sz="1800" dirty="0" smtClean="0">
-                <a:latin typeface="+mj-lt"/>
-                <a:ea typeface="HGP創英角ｺﾞｼｯｸUB"/>
-              </a:rPr>
-              <a:t>人数：３人</a:t>
+              <a:t>　役割：チームリーダー　チーム人数：３人</a:t>
             </a:r>
             <a:endParaRPr lang="en-US" altLang="ja-JP" sz="1800" dirty="0" smtClean="0">
               <a:latin typeface="+mj-lt"/>
@@ -11130,7 +11184,7 @@
           <p:cNvPr id="12" name="Group 296">
             <a:extLst>
               <a:ext uri="{FF2B5EF4-FFF2-40B4-BE49-F238E27FC236}">
-                <a16:creationId xmlns:a16="http://schemas.microsoft.com/office/drawing/2014/main" xmlns="" id="{3842FC64-AB39-42D7-A48C-0FE49F99806C}"/>
+                <a16:creationId xmlns="" xmlns:a16="http://schemas.microsoft.com/office/drawing/2014/main" id="{3842FC64-AB39-42D7-A48C-0FE49F99806C}"/>
               </a:ext>
             </a:extLst>
           </p:cNvPr>
@@ -11152,7 +11206,7 @@
             <p:cNvPr id="13" name="Oval 2">
               <a:extLst>
                 <a:ext uri="{FF2B5EF4-FFF2-40B4-BE49-F238E27FC236}">
-                  <a16:creationId xmlns:a16="http://schemas.microsoft.com/office/drawing/2014/main" xmlns="" id="{9267EE0A-4BA4-4E94-8745-FFA9A06F71A9}"/>
+                  <a16:creationId xmlns="" xmlns:a16="http://schemas.microsoft.com/office/drawing/2014/main" id="{9267EE0A-4BA4-4E94-8745-FFA9A06F71A9}"/>
                 </a:ext>
               </a:extLst>
             </p:cNvPr>
@@ -11211,7 +11265,7 @@
             <p:cNvPr id="14" name="Oval 19">
               <a:extLst>
                 <a:ext uri="{FF2B5EF4-FFF2-40B4-BE49-F238E27FC236}">
-                  <a16:creationId xmlns:a16="http://schemas.microsoft.com/office/drawing/2014/main" xmlns="" id="{CC91C93B-224E-47BB-A4B4-F39EF6BD8070}"/>
+                  <a16:creationId xmlns="" xmlns:a16="http://schemas.microsoft.com/office/drawing/2014/main" id="{CC91C93B-224E-47BB-A4B4-F39EF6BD8070}"/>
                 </a:ext>
               </a:extLst>
             </p:cNvPr>
@@ -11284,7 +11338,7 @@
             <p:cNvPr id="15" name="Oval 20">
               <a:extLst>
                 <a:ext uri="{FF2B5EF4-FFF2-40B4-BE49-F238E27FC236}">
-                  <a16:creationId xmlns:a16="http://schemas.microsoft.com/office/drawing/2014/main" xmlns="" id="{9BD5F5FE-EFD9-4804-9B3B-C6D91AFF363C}"/>
+                  <a16:creationId xmlns="" xmlns:a16="http://schemas.microsoft.com/office/drawing/2014/main" id="{9BD5F5FE-EFD9-4804-9B3B-C6D91AFF363C}"/>
                 </a:ext>
               </a:extLst>
             </p:cNvPr>
@@ -11360,7 +11414,7 @@
             <p:cNvPr id="16" name="Group 21">
               <a:extLst>
                 <a:ext uri="{FF2B5EF4-FFF2-40B4-BE49-F238E27FC236}">
-                  <a16:creationId xmlns:a16="http://schemas.microsoft.com/office/drawing/2014/main" xmlns="" id="{7DB5FE9B-6714-4B4D-AB94-45F20F7D5C8E}"/>
+                  <a16:creationId xmlns="" xmlns:a16="http://schemas.microsoft.com/office/drawing/2014/main" id="{7DB5FE9B-6714-4B4D-AB94-45F20F7D5C8E}"/>
                 </a:ext>
               </a:extLst>
             </p:cNvPr>
@@ -11382,7 +11436,7 @@
               <p:cNvPr id="19" name="AutoShape 22">
                 <a:extLst>
                   <a:ext uri="{FF2B5EF4-FFF2-40B4-BE49-F238E27FC236}">
-                    <a16:creationId xmlns:a16="http://schemas.microsoft.com/office/drawing/2014/main" xmlns="" id="{4E5DF4CC-2B73-45EA-B083-30A68ED1FA2A}"/>
+                    <a16:creationId xmlns="" xmlns:a16="http://schemas.microsoft.com/office/drawing/2014/main" id="{4E5DF4CC-2B73-45EA-B083-30A68ED1FA2A}"/>
                   </a:ext>
                 </a:extLst>
               </p:cNvPr>
@@ -11451,7 +11505,7 @@
               <p:cNvPr id="20" name="Freeform 23">
                 <a:extLst>
                   <a:ext uri="{FF2B5EF4-FFF2-40B4-BE49-F238E27FC236}">
-                    <a16:creationId xmlns:a16="http://schemas.microsoft.com/office/drawing/2014/main" xmlns="" id="{A03184C6-4DC0-40F9-A025-A1F34226A187}"/>
+                    <a16:creationId xmlns="" xmlns:a16="http://schemas.microsoft.com/office/drawing/2014/main" id="{A03184C6-4DC0-40F9-A025-A1F34226A187}"/>
                   </a:ext>
                 </a:extLst>
               </p:cNvPr>
@@ -11583,7 +11637,7 @@
             <p:cNvPr id="17" name="AutoShape 36">
               <a:extLst>
                 <a:ext uri="{FF2B5EF4-FFF2-40B4-BE49-F238E27FC236}">
-                  <a16:creationId xmlns:a16="http://schemas.microsoft.com/office/drawing/2014/main" xmlns="" id="{C65C2922-0F06-4601-991B-D9188A55C388}"/>
+                  <a16:creationId xmlns="" xmlns:a16="http://schemas.microsoft.com/office/drawing/2014/main" id="{C65C2922-0F06-4601-991B-D9188A55C388}"/>
                 </a:ext>
               </a:extLst>
             </p:cNvPr>
@@ -11758,7 +11812,7 @@
             <p:cNvPr id="18" name="AutoShape 37">
               <a:extLst>
                 <a:ext uri="{FF2B5EF4-FFF2-40B4-BE49-F238E27FC236}">
-                  <a16:creationId xmlns:a16="http://schemas.microsoft.com/office/drawing/2014/main" xmlns="" id="{9028FBF9-F253-4134-8311-3707C3C5DB2F}"/>
+                  <a16:creationId xmlns="" xmlns:a16="http://schemas.microsoft.com/office/drawing/2014/main" id="{9028FBF9-F253-4134-8311-3707C3C5DB2F}"/>
                 </a:ext>
               </a:extLst>
             </p:cNvPr>
@@ -11990,504 +12044,18 @@
           <a:p>
             <a:r>
               <a:rPr lang="ja-JP" altLang="en-US" sz="2400" b="1" dirty="0" smtClean="0">
-                <a:ea typeface="HGP創英角ｺﾞｼｯｸUB" panose="020B0900000000000000" pitchFamily="50" charset="-128"/>
-              </a:rPr>
-              <a:t>進化の自分</a:t>
-            </a:r>
-            <a:r>
-              <a:rPr lang="en-US" altLang="ja-JP" sz="2400" b="1" dirty="0" smtClean="0">
-                <a:ea typeface="HGP創英角ｺﾞｼｯｸUB" panose="020B0900000000000000" pitchFamily="50" charset="-128"/>
-              </a:rPr>
-              <a:t>-</a:t>
-            </a:r>
-            <a:r>
-              <a:rPr lang="ja-JP" altLang="en-US" sz="2400" b="1" dirty="0" smtClean="0">
+                <a:solidFill>
+                  <a:schemeClr val="bg1"/>
+                </a:solidFill>
                 <a:ea typeface="HGP創英角ｺﾞｼｯｸUB" panose="020B0900000000000000" pitchFamily="50" charset="-128"/>
               </a:rPr>
               <a:t>チームリーダー</a:t>
             </a:r>
             <a:endParaRPr lang="ja-JP" altLang="en-US" sz="2400" b="1" dirty="0">
+              <a:solidFill>
+                <a:schemeClr val="bg1"/>
+              </a:solidFill>
               <a:ea typeface="HGP創英角ｺﾞｼｯｸUB" panose="020B0900000000000000" pitchFamily="50" charset="-128"/>
-            </a:endParaRPr>
-          </a:p>
-        </p:txBody>
-      </p:sp>
-      <p:sp>
-        <p:nvSpPr>
-          <p:cNvPr id="5" name="テキスト ボックス 2"/>
-          <p:cNvSpPr txBox="1">
-            <a:spLocks noChangeArrowheads="1"/>
-          </p:cNvSpPr>
-          <p:nvPr/>
-        </p:nvSpPr>
-        <p:spPr bwMode="auto">
-          <a:xfrm>
-            <a:off x="1159510" y="810506"/>
-            <a:ext cx="5429826" cy="4611519"/>
-          </a:xfrm>
-          <a:prstGeom prst="rect">
-            <a:avLst/>
-          </a:prstGeom>
-          <a:noFill/>
-          <a:ln>
-            <a:noFill/>
-          </a:ln>
-          <a:extLst>
-            <a:ext uri="{909E8E84-426E-40DD-AFC4-6F175D3DCCD1}">
-              <a14:hiddenFill xmlns:a14="http://schemas.microsoft.com/office/drawing/2010/main">
-                <a:solidFill>
-                  <a:srgbClr val="FFFFFF"/>
-                </a:solidFill>
-              </a14:hiddenFill>
-            </a:ext>
-            <a:ext uri="{91240B29-F687-4F45-9708-019B960494DF}">
-              <a14:hiddenLine xmlns:a14="http://schemas.microsoft.com/office/drawing/2010/main" w="9525">
-                <a:solidFill>
-                  <a:srgbClr val="000000"/>
-                </a:solidFill>
-                <a:miter lim="800000"/>
-                <a:headEnd/>
-                <a:tailEnd/>
-              </a14:hiddenLine>
-            </a:ext>
-          </a:extLst>
-        </p:spPr>
-        <p:txBody>
-          <a:bodyPr wrap="square">
-            <a:spAutoFit/>
-          </a:bodyPr>
-          <a:lstStyle>
-            <a:lvl1pPr marL="174625" indent="-174625">
-              <a:spcBef>
-                <a:spcPct val="20000"/>
-              </a:spcBef>
-              <a:buChar char="•"/>
-              <a:defRPr kumimoji="1" sz="3200">
-                <a:solidFill>
-                  <a:schemeClr val="tx1"/>
-                </a:solidFill>
-                <a:latin typeface="Arial" charset="0"/>
-                <a:ea typeface="ＭＳ Ｐゴシック" charset="-128"/>
-              </a:defRPr>
-            </a:lvl1pPr>
-            <a:lvl2pPr marL="742950" indent="-285750">
-              <a:spcBef>
-                <a:spcPct val="20000"/>
-              </a:spcBef>
-              <a:buChar char="–"/>
-              <a:defRPr kumimoji="1" sz="2800">
-                <a:solidFill>
-                  <a:schemeClr val="tx1"/>
-                </a:solidFill>
-                <a:latin typeface="Arial" charset="0"/>
-                <a:ea typeface="ＭＳ Ｐゴシック" charset="-128"/>
-              </a:defRPr>
-            </a:lvl2pPr>
-            <a:lvl3pPr marL="1143000" indent="-228600">
-              <a:spcBef>
-                <a:spcPct val="20000"/>
-              </a:spcBef>
-              <a:buChar char="•"/>
-              <a:defRPr kumimoji="1" sz="2400">
-                <a:solidFill>
-                  <a:schemeClr val="tx1"/>
-                </a:solidFill>
-                <a:latin typeface="Arial" charset="0"/>
-                <a:ea typeface="ＭＳ Ｐゴシック" charset="-128"/>
-              </a:defRPr>
-            </a:lvl3pPr>
-            <a:lvl4pPr marL="1600200" indent="-228600">
-              <a:spcBef>
-                <a:spcPct val="20000"/>
-              </a:spcBef>
-              <a:buChar char="–"/>
-              <a:defRPr kumimoji="1" sz="2000">
-                <a:solidFill>
-                  <a:schemeClr val="tx1"/>
-                </a:solidFill>
-                <a:latin typeface="Arial" charset="0"/>
-                <a:ea typeface="ＭＳ Ｐゴシック" charset="-128"/>
-              </a:defRPr>
-            </a:lvl4pPr>
-            <a:lvl5pPr marL="2057400" indent="-228600">
-              <a:spcBef>
-                <a:spcPct val="20000"/>
-              </a:spcBef>
-              <a:buChar char="»"/>
-              <a:defRPr kumimoji="1" sz="2000">
-                <a:solidFill>
-                  <a:schemeClr val="tx1"/>
-                </a:solidFill>
-                <a:latin typeface="Arial" charset="0"/>
-                <a:ea typeface="ＭＳ Ｐゴシック" charset="-128"/>
-              </a:defRPr>
-            </a:lvl5pPr>
-            <a:lvl6pPr marL="2514600" indent="-228600" fontAlgn="base">
-              <a:spcBef>
-                <a:spcPct val="20000"/>
-              </a:spcBef>
-              <a:spcAft>
-                <a:spcPct val="0"/>
-              </a:spcAft>
-              <a:buChar char="»"/>
-              <a:defRPr kumimoji="1" sz="2000">
-                <a:solidFill>
-                  <a:schemeClr val="tx1"/>
-                </a:solidFill>
-                <a:latin typeface="Arial" charset="0"/>
-                <a:ea typeface="ＭＳ Ｐゴシック" charset="-128"/>
-              </a:defRPr>
-            </a:lvl6pPr>
-            <a:lvl7pPr marL="2971800" indent="-228600" fontAlgn="base">
-              <a:spcBef>
-                <a:spcPct val="20000"/>
-              </a:spcBef>
-              <a:spcAft>
-                <a:spcPct val="0"/>
-              </a:spcAft>
-              <a:buChar char="»"/>
-              <a:defRPr kumimoji="1" sz="2000">
-                <a:solidFill>
-                  <a:schemeClr val="tx1"/>
-                </a:solidFill>
-                <a:latin typeface="Arial" charset="0"/>
-                <a:ea typeface="ＭＳ Ｐゴシック" charset="-128"/>
-              </a:defRPr>
-            </a:lvl7pPr>
-            <a:lvl8pPr marL="3429000" indent="-228600" fontAlgn="base">
-              <a:spcBef>
-                <a:spcPct val="20000"/>
-              </a:spcBef>
-              <a:spcAft>
-                <a:spcPct val="0"/>
-              </a:spcAft>
-              <a:buChar char="»"/>
-              <a:defRPr kumimoji="1" sz="2000">
-                <a:solidFill>
-                  <a:schemeClr val="tx1"/>
-                </a:solidFill>
-                <a:latin typeface="Arial" charset="0"/>
-                <a:ea typeface="ＭＳ Ｐゴシック" charset="-128"/>
-              </a:defRPr>
-            </a:lvl8pPr>
-            <a:lvl9pPr marL="3886200" indent="-228600" fontAlgn="base">
-              <a:spcBef>
-                <a:spcPct val="20000"/>
-              </a:spcBef>
-              <a:spcAft>
-                <a:spcPct val="0"/>
-              </a:spcAft>
-              <a:buChar char="»"/>
-              <a:defRPr kumimoji="1" sz="2000">
-                <a:solidFill>
-                  <a:schemeClr val="tx1"/>
-                </a:solidFill>
-                <a:latin typeface="Arial" charset="0"/>
-                <a:ea typeface="ＭＳ Ｐゴシック" charset="-128"/>
-              </a:defRPr>
-            </a:lvl9pPr>
-          </a:lstStyle>
-          <a:p>
-            <a:pPr marL="0" indent="0">
-              <a:spcBef>
-                <a:spcPts val="450"/>
-              </a:spcBef>
-              <a:buClr>
-                <a:srgbClr val="4CB3C0"/>
-              </a:buClr>
-              <a:buNone/>
-              <a:defRPr/>
-            </a:pPr>
-            <a:r>
-              <a:rPr lang="en-US" altLang="ja-JP" sz="2000" b="1" dirty="0">
-                <a:ea typeface="HGP創英角ｺﾞｼｯｸUB"/>
-              </a:rPr>
-              <a:t>CRM</a:t>
-            </a:r>
-            <a:r>
-              <a:rPr lang="ja-JP" altLang="en-US" sz="2000" b="1" dirty="0">
-                <a:ea typeface="HGP創英角ｺﾞｼｯｸUB"/>
-              </a:rPr>
-              <a:t>移行プロジェクト</a:t>
-            </a:r>
-            <a:r>
-              <a:rPr lang="ja-JP" altLang="en-US" sz="2000" b="1" dirty="0" smtClean="0">
-                <a:ea typeface="HGP創英角ｺﾞｼｯｸUB"/>
-              </a:rPr>
-              <a:t>対応</a:t>
-            </a:r>
-            <a:endParaRPr lang="en-US" altLang="ja-JP" sz="2000" dirty="0" smtClean="0">
-              <a:latin typeface="+mj-lt"/>
-              <a:ea typeface="HGP創英角ｺﾞｼｯｸUB"/>
-            </a:endParaRPr>
-          </a:p>
-          <a:p>
-            <a:pPr>
-              <a:spcBef>
-                <a:spcPts val="450"/>
-              </a:spcBef>
-              <a:buClr>
-                <a:srgbClr val="4CB3C0"/>
-              </a:buClr>
-              <a:buFont typeface="Wingdings" panose="05000000000000000000" pitchFamily="2" charset="2"/>
-              <a:buChar char="u"/>
-              <a:defRPr/>
-            </a:pPr>
-            <a:r>
-              <a:rPr lang="ja-JP" altLang="en-US" sz="1800" dirty="0" smtClean="0">
-                <a:latin typeface="+mj-lt"/>
-                <a:ea typeface="HGP創英角ｺﾞｼｯｸUB"/>
-              </a:rPr>
-              <a:t>困難で、やりにくい作業に対して、逃げずに、率先的に技術を検討し、効率化方法を調査、実現し、</a:t>
-            </a:r>
-            <a:r>
-              <a:rPr lang="ja-JP" altLang="en-US" sz="1800" dirty="0" smtClean="0">
-                <a:latin typeface="+mj-lt"/>
-                <a:ea typeface="HGP創英角ｺﾞｼｯｸUB"/>
-              </a:rPr>
-              <a:t>メンバに展開。</a:t>
-            </a:r>
-            <a:endParaRPr lang="en-US" altLang="ja-JP" sz="1800" dirty="0" smtClean="0">
-              <a:latin typeface="+mj-lt"/>
-              <a:ea typeface="HGP創英角ｺﾞｼｯｸUB"/>
-            </a:endParaRPr>
-          </a:p>
-          <a:p>
-            <a:pPr marL="0" indent="0">
-              <a:spcBef>
-                <a:spcPts val="450"/>
-              </a:spcBef>
-              <a:buClr>
-                <a:srgbClr val="4CB3C0"/>
-              </a:buClr>
-              <a:buNone/>
-              <a:defRPr/>
-            </a:pPr>
-            <a:r>
-              <a:rPr lang="ja-JP" altLang="en-US" sz="1800" dirty="0" smtClean="0">
-                <a:latin typeface="+mj-lt"/>
-                <a:ea typeface="HGP創英角ｺﾞｼｯｸUB"/>
-              </a:rPr>
-              <a:t>　　・ファイル集計ツール</a:t>
-            </a:r>
-            <a:r>
-              <a:rPr lang="en-US" altLang="ja-JP" sz="1800" dirty="0" smtClean="0">
-                <a:latin typeface="+mj-lt"/>
-                <a:ea typeface="HGP創英角ｺﾞｼｯｸUB"/>
-              </a:rPr>
-              <a:t>(</a:t>
-            </a:r>
-            <a:r>
-              <a:rPr lang="en-US" altLang="ja-JP" sz="1800" dirty="0" err="1" smtClean="0">
-                <a:latin typeface="+mj-lt"/>
-                <a:ea typeface="HGP創英角ｺﾞｼｯｸUB"/>
-              </a:rPr>
-              <a:t>linux</a:t>
-            </a:r>
-            <a:r>
-              <a:rPr lang="en-US" altLang="ja-JP" sz="1800" dirty="0" smtClean="0">
-                <a:latin typeface="+mj-lt"/>
-                <a:ea typeface="HGP創英角ｺﾞｼｯｸUB"/>
-              </a:rPr>
-              <a:t>)</a:t>
-            </a:r>
-          </a:p>
-          <a:p>
-            <a:pPr marL="0" indent="0">
-              <a:spcBef>
-                <a:spcPts val="450"/>
-              </a:spcBef>
-              <a:buClr>
-                <a:srgbClr val="4CB3C0"/>
-              </a:buClr>
-              <a:buNone/>
-              <a:defRPr/>
-            </a:pPr>
-            <a:r>
-              <a:rPr lang="en-US" altLang="ja-JP" sz="1800" dirty="0">
-                <a:latin typeface="+mj-lt"/>
-                <a:ea typeface="HGP創英角ｺﾞｼｯｸUB"/>
-              </a:rPr>
-              <a:t> </a:t>
-            </a:r>
-            <a:r>
-              <a:rPr lang="en-US" altLang="ja-JP" sz="1800" dirty="0" smtClean="0">
-                <a:latin typeface="+mj-lt"/>
-                <a:ea typeface="HGP創英角ｺﾞｼｯｸUB"/>
-              </a:rPr>
-              <a:t>   </a:t>
-            </a:r>
-            <a:r>
-              <a:rPr lang="ja-JP" altLang="en-US" sz="1800" dirty="0" smtClean="0">
-                <a:latin typeface="+mj-lt"/>
-                <a:ea typeface="HGP創英角ｺﾞｼｯｸUB"/>
-              </a:rPr>
-              <a:t>・</a:t>
-            </a:r>
-            <a:r>
-              <a:rPr lang="en-US" altLang="ja-JP" sz="1800" dirty="0" smtClean="0">
-                <a:latin typeface="+mj-lt"/>
-                <a:ea typeface="HGP創英角ｺﾞｼｯｸUB"/>
-              </a:rPr>
-              <a:t>CPU</a:t>
-            </a:r>
-            <a:r>
-              <a:rPr lang="ja-JP" altLang="en-US" sz="1800" dirty="0" smtClean="0">
-                <a:latin typeface="+mj-lt"/>
-                <a:ea typeface="HGP創英角ｺﾞｼｯｸUB"/>
-              </a:rPr>
-              <a:t>とメモリ計測ツール</a:t>
-            </a:r>
-            <a:r>
-              <a:rPr lang="en-US" altLang="ja-JP" sz="1800" dirty="0" smtClean="0">
-                <a:latin typeface="+mj-lt"/>
-                <a:ea typeface="HGP創英角ｺﾞｼｯｸUB"/>
-              </a:rPr>
-              <a:t>(</a:t>
-            </a:r>
-            <a:r>
-              <a:rPr lang="en-US" altLang="ja-JP" sz="1800" dirty="0" err="1" smtClean="0">
-                <a:latin typeface="+mj-lt"/>
-                <a:ea typeface="HGP創英角ｺﾞｼｯｸUB"/>
-              </a:rPr>
-              <a:t>linux</a:t>
-            </a:r>
-            <a:r>
-              <a:rPr lang="en-US" altLang="ja-JP" sz="1800" dirty="0" smtClean="0">
-                <a:latin typeface="+mj-lt"/>
-                <a:ea typeface="HGP創英角ｺﾞｼｯｸUB"/>
-              </a:rPr>
-              <a:t>)</a:t>
-            </a:r>
-          </a:p>
-          <a:p>
-            <a:pPr marL="0" indent="0">
-              <a:spcBef>
-                <a:spcPts val="450"/>
-              </a:spcBef>
-              <a:buClr>
-                <a:srgbClr val="4CB3C0"/>
-              </a:buClr>
-              <a:buNone/>
-              <a:defRPr/>
-            </a:pPr>
-            <a:endParaRPr lang="en-US" altLang="ja-JP" sz="1800" dirty="0">
-              <a:latin typeface="+mj-lt"/>
-              <a:ea typeface="HGP創英角ｺﾞｼｯｸUB"/>
-            </a:endParaRPr>
-          </a:p>
-          <a:p>
-            <a:pPr>
-              <a:spcBef>
-                <a:spcPts val="450"/>
-              </a:spcBef>
-              <a:buClr>
-                <a:srgbClr val="4CB3C0"/>
-              </a:buClr>
-              <a:buFont typeface="Wingdings" panose="05000000000000000000" pitchFamily="2" charset="2"/>
-              <a:buChar char="u"/>
-              <a:defRPr/>
-            </a:pPr>
-            <a:r>
-              <a:rPr lang="ja-JP" altLang="en-US" sz="1800" dirty="0" smtClean="0">
-                <a:latin typeface="+mj-lt"/>
-                <a:ea typeface="HGP創英角ｺﾞｼｯｸUB"/>
-              </a:rPr>
-              <a:t>主導者として、本番作業タイムチャートと作業手順書を作成し、作業メンバに展開。</a:t>
-            </a:r>
-            <a:endParaRPr lang="en-US" altLang="ja-JP" sz="1800" dirty="0" smtClean="0">
-              <a:latin typeface="+mj-lt"/>
-              <a:ea typeface="HGP創英角ｺﾞｼｯｸUB"/>
-            </a:endParaRPr>
-          </a:p>
-          <a:p>
-            <a:pPr marL="0" indent="0">
-              <a:spcBef>
-                <a:spcPts val="450"/>
-              </a:spcBef>
-              <a:buClr>
-                <a:srgbClr val="4CB3C0"/>
-              </a:buClr>
-              <a:buNone/>
-              <a:defRPr/>
-            </a:pPr>
-            <a:endParaRPr lang="en-US" altLang="ja-JP" sz="1800" dirty="0" smtClean="0">
-              <a:latin typeface="+mj-lt"/>
-              <a:ea typeface="HGP創英角ｺﾞｼｯｸUB"/>
-            </a:endParaRPr>
-          </a:p>
-          <a:p>
-            <a:pPr marL="0" indent="0">
-              <a:spcBef>
-                <a:spcPts val="450"/>
-              </a:spcBef>
-              <a:buClr>
-                <a:srgbClr val="4CB3C0"/>
-              </a:buClr>
-              <a:buNone/>
-              <a:defRPr/>
-            </a:pPr>
-            <a:endParaRPr lang="en-US" altLang="ja-JP" sz="1800" dirty="0">
-              <a:latin typeface="+mj-lt"/>
-              <a:ea typeface="HGP創英角ｺﾞｼｯｸUB"/>
-            </a:endParaRPr>
-          </a:p>
-          <a:p>
-            <a:pPr marL="0" indent="0">
-              <a:spcBef>
-                <a:spcPts val="450"/>
-              </a:spcBef>
-              <a:buClr>
-                <a:srgbClr val="4CB3C0"/>
-              </a:buClr>
-              <a:buNone/>
-              <a:defRPr/>
-            </a:pPr>
-            <a:endParaRPr lang="en-US" altLang="ja-JP" sz="1800" dirty="0" smtClean="0">
-              <a:latin typeface="+mj-lt"/>
-              <a:ea typeface="HGP創英角ｺﾞｼｯｸUB"/>
-            </a:endParaRPr>
-          </a:p>
-          <a:p>
-            <a:pPr marL="0" indent="0">
-              <a:spcBef>
-                <a:spcPts val="450"/>
-              </a:spcBef>
-              <a:buClr>
-                <a:srgbClr val="4CB3C0"/>
-              </a:buClr>
-              <a:buNone/>
-              <a:defRPr/>
-            </a:pPr>
-            <a:r>
-              <a:rPr lang="ja-JP" altLang="en-US" sz="1800" dirty="0" smtClean="0">
-                <a:latin typeface="+mj-lt"/>
-                <a:ea typeface="HGP創英角ｺﾞｼｯｸUB"/>
-              </a:rPr>
-              <a:t>　</a:t>
-            </a:r>
-            <a:endParaRPr lang="en-US" altLang="ja-JP" sz="1800" dirty="0">
-              <a:latin typeface="+mj-lt"/>
-              <a:ea typeface="HGP創英角ｺﾞｼｯｸUB"/>
-            </a:endParaRPr>
-          </a:p>
-          <a:p>
-            <a:pPr marL="0" indent="0">
-              <a:spcBef>
-                <a:spcPts val="450"/>
-              </a:spcBef>
-              <a:buClr>
-                <a:srgbClr val="00B4A0"/>
-              </a:buClr>
-              <a:buNone/>
-              <a:defRPr/>
-            </a:pPr>
-            <a:endParaRPr lang="ja-JP" altLang="en-US" sz="1800" dirty="0" smtClean="0">
-              <a:solidFill>
-                <a:srgbClr val="000000"/>
-              </a:solidFill>
-              <a:latin typeface="+mj-lt"/>
-              <a:ea typeface="HGP創英角ｺﾞｼｯｸUB"/>
             </a:endParaRPr>
           </a:p>
         </p:txBody>
@@ -12497,7 +12065,7 @@
           <p:cNvPr id="12" name="Group 296">
             <a:extLst>
               <a:ext uri="{FF2B5EF4-FFF2-40B4-BE49-F238E27FC236}">
-                <a16:creationId xmlns:a16="http://schemas.microsoft.com/office/drawing/2014/main" xmlns="" id="{3842FC64-AB39-42D7-A48C-0FE49F99806C}"/>
+                <a16:creationId xmlns="" xmlns:a16="http://schemas.microsoft.com/office/drawing/2014/main" id="{3842FC64-AB39-42D7-A48C-0FE49F99806C}"/>
               </a:ext>
             </a:extLst>
           </p:cNvPr>
@@ -12519,7 +12087,7 @@
             <p:cNvPr id="13" name="Oval 2">
               <a:extLst>
                 <a:ext uri="{FF2B5EF4-FFF2-40B4-BE49-F238E27FC236}">
-                  <a16:creationId xmlns:a16="http://schemas.microsoft.com/office/drawing/2014/main" xmlns="" id="{9267EE0A-4BA4-4E94-8745-FFA9A06F71A9}"/>
+                  <a16:creationId xmlns="" xmlns:a16="http://schemas.microsoft.com/office/drawing/2014/main" id="{9267EE0A-4BA4-4E94-8745-FFA9A06F71A9}"/>
                 </a:ext>
               </a:extLst>
             </p:cNvPr>
@@ -12578,7 +12146,7 @@
             <p:cNvPr id="14" name="Oval 19">
               <a:extLst>
                 <a:ext uri="{FF2B5EF4-FFF2-40B4-BE49-F238E27FC236}">
-                  <a16:creationId xmlns:a16="http://schemas.microsoft.com/office/drawing/2014/main" xmlns="" id="{CC91C93B-224E-47BB-A4B4-F39EF6BD8070}"/>
+                  <a16:creationId xmlns="" xmlns:a16="http://schemas.microsoft.com/office/drawing/2014/main" id="{CC91C93B-224E-47BB-A4B4-F39EF6BD8070}"/>
                 </a:ext>
               </a:extLst>
             </p:cNvPr>
@@ -12651,7 +12219,7 @@
             <p:cNvPr id="15" name="Oval 20">
               <a:extLst>
                 <a:ext uri="{FF2B5EF4-FFF2-40B4-BE49-F238E27FC236}">
-                  <a16:creationId xmlns:a16="http://schemas.microsoft.com/office/drawing/2014/main" xmlns="" id="{9BD5F5FE-EFD9-4804-9B3B-C6D91AFF363C}"/>
+                  <a16:creationId xmlns="" xmlns:a16="http://schemas.microsoft.com/office/drawing/2014/main" id="{9BD5F5FE-EFD9-4804-9B3B-C6D91AFF363C}"/>
                 </a:ext>
               </a:extLst>
             </p:cNvPr>
@@ -12727,7 +12295,7 @@
             <p:cNvPr id="16" name="Group 21">
               <a:extLst>
                 <a:ext uri="{FF2B5EF4-FFF2-40B4-BE49-F238E27FC236}">
-                  <a16:creationId xmlns:a16="http://schemas.microsoft.com/office/drawing/2014/main" xmlns="" id="{7DB5FE9B-6714-4B4D-AB94-45F20F7D5C8E}"/>
+                  <a16:creationId xmlns="" xmlns:a16="http://schemas.microsoft.com/office/drawing/2014/main" id="{7DB5FE9B-6714-4B4D-AB94-45F20F7D5C8E}"/>
                 </a:ext>
               </a:extLst>
             </p:cNvPr>
@@ -12749,7 +12317,7 @@
               <p:cNvPr id="19" name="AutoShape 22">
                 <a:extLst>
                   <a:ext uri="{FF2B5EF4-FFF2-40B4-BE49-F238E27FC236}">
-                    <a16:creationId xmlns:a16="http://schemas.microsoft.com/office/drawing/2014/main" xmlns="" id="{4E5DF4CC-2B73-45EA-B083-30A68ED1FA2A}"/>
+                    <a16:creationId xmlns="" xmlns:a16="http://schemas.microsoft.com/office/drawing/2014/main" id="{4E5DF4CC-2B73-45EA-B083-30A68ED1FA2A}"/>
                   </a:ext>
                 </a:extLst>
               </p:cNvPr>
@@ -12818,7 +12386,7 @@
               <p:cNvPr id="20" name="Freeform 23">
                 <a:extLst>
                   <a:ext uri="{FF2B5EF4-FFF2-40B4-BE49-F238E27FC236}">
-                    <a16:creationId xmlns:a16="http://schemas.microsoft.com/office/drawing/2014/main" xmlns="" id="{A03184C6-4DC0-40F9-A025-A1F34226A187}"/>
+                    <a16:creationId xmlns="" xmlns:a16="http://schemas.microsoft.com/office/drawing/2014/main" id="{A03184C6-4DC0-40F9-A025-A1F34226A187}"/>
                   </a:ext>
                 </a:extLst>
               </p:cNvPr>
@@ -12950,7 +12518,7 @@
             <p:cNvPr id="17" name="AutoShape 36">
               <a:extLst>
                 <a:ext uri="{FF2B5EF4-FFF2-40B4-BE49-F238E27FC236}">
-                  <a16:creationId xmlns:a16="http://schemas.microsoft.com/office/drawing/2014/main" xmlns="" id="{C65C2922-0F06-4601-991B-D9188A55C388}"/>
+                  <a16:creationId xmlns="" xmlns:a16="http://schemas.microsoft.com/office/drawing/2014/main" id="{C65C2922-0F06-4601-991B-D9188A55C388}"/>
                 </a:ext>
               </a:extLst>
             </p:cNvPr>
@@ -13125,7 +12693,7 @@
             <p:cNvPr id="18" name="AutoShape 37">
               <a:extLst>
                 <a:ext uri="{FF2B5EF4-FFF2-40B4-BE49-F238E27FC236}">
-                  <a16:creationId xmlns:a16="http://schemas.microsoft.com/office/drawing/2014/main" xmlns="" id="{9028FBF9-F253-4134-8311-3707C3C5DB2F}"/>
+                  <a16:creationId xmlns="" xmlns:a16="http://schemas.microsoft.com/office/drawing/2014/main" id="{9028FBF9-F253-4134-8311-3707C3C5DB2F}"/>
                 </a:ext>
               </a:extLst>
             </p:cNvPr>
@@ -13296,6 +12864,427 @@
           </p:txBody>
         </p:sp>
       </p:grpSp>
+      <p:sp>
+        <p:nvSpPr>
+          <p:cNvPr id="21" name="テキスト ボックス 2"/>
+          <p:cNvSpPr txBox="1">
+            <a:spLocks noChangeArrowheads="1"/>
+          </p:cNvSpPr>
+          <p:nvPr/>
+        </p:nvSpPr>
+        <p:spPr bwMode="auto">
+          <a:xfrm>
+            <a:off x="1165449" y="804049"/>
+            <a:ext cx="5429826" cy="3372718"/>
+          </a:xfrm>
+          <a:prstGeom prst="rect">
+            <a:avLst/>
+          </a:prstGeom>
+          <a:noFill/>
+          <a:ln>
+            <a:noFill/>
+          </a:ln>
+          <a:extLst>
+            <a:ext uri="{909E8E84-426E-40DD-AFC4-6F175D3DCCD1}">
+              <a14:hiddenFill xmlns:a14="http://schemas.microsoft.com/office/drawing/2010/main">
+                <a:solidFill>
+                  <a:srgbClr val="FFFFFF"/>
+                </a:solidFill>
+              </a14:hiddenFill>
+            </a:ext>
+            <a:ext uri="{91240B29-F687-4F45-9708-019B960494DF}">
+              <a14:hiddenLine xmlns:a14="http://schemas.microsoft.com/office/drawing/2010/main" w="9525">
+                <a:solidFill>
+                  <a:srgbClr val="000000"/>
+                </a:solidFill>
+                <a:miter lim="800000"/>
+                <a:headEnd/>
+                <a:tailEnd/>
+              </a14:hiddenLine>
+            </a:ext>
+          </a:extLst>
+        </p:spPr>
+        <p:txBody>
+          <a:bodyPr wrap="square">
+            <a:spAutoFit/>
+          </a:bodyPr>
+          <a:lstStyle>
+            <a:lvl1pPr marL="174625" indent="-174625">
+              <a:spcBef>
+                <a:spcPct val="20000"/>
+              </a:spcBef>
+              <a:buChar char="•"/>
+              <a:defRPr kumimoji="1" sz="3200">
+                <a:solidFill>
+                  <a:schemeClr val="tx1"/>
+                </a:solidFill>
+                <a:latin typeface="Arial" charset="0"/>
+                <a:ea typeface="ＭＳ Ｐゴシック" charset="-128"/>
+              </a:defRPr>
+            </a:lvl1pPr>
+            <a:lvl2pPr marL="742950" indent="-285750">
+              <a:spcBef>
+                <a:spcPct val="20000"/>
+              </a:spcBef>
+              <a:buChar char="–"/>
+              <a:defRPr kumimoji="1" sz="2800">
+                <a:solidFill>
+                  <a:schemeClr val="tx1"/>
+                </a:solidFill>
+                <a:latin typeface="Arial" charset="0"/>
+                <a:ea typeface="ＭＳ Ｐゴシック" charset="-128"/>
+              </a:defRPr>
+            </a:lvl2pPr>
+            <a:lvl3pPr marL="1143000" indent="-228600">
+              <a:spcBef>
+                <a:spcPct val="20000"/>
+              </a:spcBef>
+              <a:buChar char="•"/>
+              <a:defRPr kumimoji="1" sz="2400">
+                <a:solidFill>
+                  <a:schemeClr val="tx1"/>
+                </a:solidFill>
+                <a:latin typeface="Arial" charset="0"/>
+                <a:ea typeface="ＭＳ Ｐゴシック" charset="-128"/>
+              </a:defRPr>
+            </a:lvl3pPr>
+            <a:lvl4pPr marL="1600200" indent="-228600">
+              <a:spcBef>
+                <a:spcPct val="20000"/>
+              </a:spcBef>
+              <a:buChar char="–"/>
+              <a:defRPr kumimoji="1" sz="2000">
+                <a:solidFill>
+                  <a:schemeClr val="tx1"/>
+                </a:solidFill>
+                <a:latin typeface="Arial" charset="0"/>
+                <a:ea typeface="ＭＳ Ｐゴシック" charset="-128"/>
+              </a:defRPr>
+            </a:lvl4pPr>
+            <a:lvl5pPr marL="2057400" indent="-228600">
+              <a:spcBef>
+                <a:spcPct val="20000"/>
+              </a:spcBef>
+              <a:buChar char="»"/>
+              <a:defRPr kumimoji="1" sz="2000">
+                <a:solidFill>
+                  <a:schemeClr val="tx1"/>
+                </a:solidFill>
+                <a:latin typeface="Arial" charset="0"/>
+                <a:ea typeface="ＭＳ Ｐゴシック" charset="-128"/>
+              </a:defRPr>
+            </a:lvl5pPr>
+            <a:lvl6pPr marL="2514600" indent="-228600" fontAlgn="base">
+              <a:spcBef>
+                <a:spcPct val="20000"/>
+              </a:spcBef>
+              <a:spcAft>
+                <a:spcPct val="0"/>
+              </a:spcAft>
+              <a:buChar char="»"/>
+              <a:defRPr kumimoji="1" sz="2000">
+                <a:solidFill>
+                  <a:schemeClr val="tx1"/>
+                </a:solidFill>
+                <a:latin typeface="Arial" charset="0"/>
+                <a:ea typeface="ＭＳ Ｐゴシック" charset="-128"/>
+              </a:defRPr>
+            </a:lvl6pPr>
+            <a:lvl7pPr marL="2971800" indent="-228600" fontAlgn="base">
+              <a:spcBef>
+                <a:spcPct val="20000"/>
+              </a:spcBef>
+              <a:spcAft>
+                <a:spcPct val="0"/>
+              </a:spcAft>
+              <a:buChar char="»"/>
+              <a:defRPr kumimoji="1" sz="2000">
+                <a:solidFill>
+                  <a:schemeClr val="tx1"/>
+                </a:solidFill>
+                <a:latin typeface="Arial" charset="0"/>
+                <a:ea typeface="ＭＳ Ｐゴシック" charset="-128"/>
+              </a:defRPr>
+            </a:lvl7pPr>
+            <a:lvl8pPr marL="3429000" indent="-228600" fontAlgn="base">
+              <a:spcBef>
+                <a:spcPct val="20000"/>
+              </a:spcBef>
+              <a:spcAft>
+                <a:spcPct val="0"/>
+              </a:spcAft>
+              <a:buChar char="»"/>
+              <a:defRPr kumimoji="1" sz="2000">
+                <a:solidFill>
+                  <a:schemeClr val="tx1"/>
+                </a:solidFill>
+                <a:latin typeface="Arial" charset="0"/>
+                <a:ea typeface="ＭＳ Ｐゴシック" charset="-128"/>
+              </a:defRPr>
+            </a:lvl8pPr>
+            <a:lvl9pPr marL="3886200" indent="-228600" fontAlgn="base">
+              <a:spcBef>
+                <a:spcPct val="20000"/>
+              </a:spcBef>
+              <a:spcAft>
+                <a:spcPct val="0"/>
+              </a:spcAft>
+              <a:buChar char="»"/>
+              <a:defRPr kumimoji="1" sz="2000">
+                <a:solidFill>
+                  <a:schemeClr val="tx1"/>
+                </a:solidFill>
+                <a:latin typeface="Arial" charset="0"/>
+                <a:ea typeface="ＭＳ Ｐゴシック" charset="-128"/>
+              </a:defRPr>
+            </a:lvl9pPr>
+          </a:lstStyle>
+          <a:p>
+            <a:pPr>
+              <a:spcBef>
+                <a:spcPts val="450"/>
+              </a:spcBef>
+              <a:buClr>
+                <a:srgbClr val="4CB3C0"/>
+              </a:buClr>
+              <a:buFont typeface="Arial" charset="0"/>
+              <a:buChar char="▌"/>
+              <a:defRPr/>
+            </a:pPr>
+            <a:r>
+              <a:rPr lang="en-US" altLang="ja-JP" sz="2200" b="1" dirty="0" smtClean="0">
+                <a:latin typeface="+mj-lt"/>
+                <a:ea typeface="HGP創英角ｺﾞｼｯｸUB"/>
+              </a:rPr>
+              <a:t>CRM</a:t>
+            </a:r>
+            <a:r>
+              <a:rPr lang="ja-JP" altLang="en-US" sz="2200" b="1" dirty="0" smtClean="0">
+                <a:latin typeface="+mj-lt"/>
+                <a:ea typeface="HGP創英角ｺﾞｼｯｸUB"/>
+              </a:rPr>
+              <a:t>移行プロジェクト対応</a:t>
+            </a:r>
+            <a:endParaRPr lang="en-US" altLang="ja-JP" sz="2200" b="1" dirty="0" smtClean="0">
+              <a:latin typeface="+mj-lt"/>
+              <a:ea typeface="HGP創英角ｺﾞｼｯｸUB"/>
+            </a:endParaRPr>
+          </a:p>
+          <a:p>
+            <a:pPr marL="0" indent="0">
+              <a:spcBef>
+                <a:spcPts val="450"/>
+              </a:spcBef>
+              <a:buClr>
+                <a:srgbClr val="4CB3C0"/>
+              </a:buClr>
+              <a:buNone/>
+              <a:defRPr/>
+            </a:pPr>
+            <a:endParaRPr lang="en-US" altLang="ja-JP" sz="1800" dirty="0" smtClean="0">
+              <a:latin typeface="+mj-lt"/>
+              <a:ea typeface="HGP創英角ｺﾞｼｯｸUB"/>
+            </a:endParaRPr>
+          </a:p>
+          <a:p>
+            <a:pPr>
+              <a:spcBef>
+                <a:spcPts val="450"/>
+              </a:spcBef>
+              <a:buClr>
+                <a:srgbClr val="4CB3C0"/>
+              </a:buClr>
+              <a:buFont typeface="Wingdings" panose="05000000000000000000" pitchFamily="2" charset="2"/>
+              <a:buChar char="u"/>
+              <a:defRPr/>
+            </a:pPr>
+            <a:r>
+              <a:rPr lang="ja-JP" altLang="en-US" sz="1800" dirty="0" smtClean="0">
+                <a:ea typeface="HGP創英角ｺﾞｼｯｸUB"/>
+              </a:rPr>
+              <a:t>困難な作業</a:t>
+            </a:r>
+            <a:r>
+              <a:rPr lang="ja-JP" altLang="en-US" sz="1800" dirty="0">
+                <a:ea typeface="HGP創英角ｺﾞｼｯｸUB"/>
+              </a:rPr>
+              <a:t>に対して、逃げずに、率先的に技術を検討し、効率化方法を調査、実現し、メンバに展開。</a:t>
+            </a:r>
+            <a:endParaRPr lang="en-US" altLang="ja-JP" sz="1800" dirty="0">
+              <a:ea typeface="HGP創英角ｺﾞｼｯｸUB"/>
+            </a:endParaRPr>
+          </a:p>
+          <a:p>
+            <a:pPr marL="0" indent="0">
+              <a:spcBef>
+                <a:spcPts val="450"/>
+              </a:spcBef>
+              <a:buClr>
+                <a:srgbClr val="4CB3C0"/>
+              </a:buClr>
+              <a:buNone/>
+              <a:defRPr/>
+            </a:pPr>
+            <a:r>
+              <a:rPr lang="ja-JP" altLang="en-US" sz="1800" dirty="0">
+                <a:ea typeface="HGP創英角ｺﾞｼｯｸUB"/>
+              </a:rPr>
+              <a:t>　 </a:t>
+            </a:r>
+            <a:r>
+              <a:rPr lang="ja-JP" altLang="en-US" sz="1800" dirty="0" smtClean="0">
+                <a:ea typeface="HGP創英角ｺﾞｼｯｸUB"/>
+              </a:rPr>
+              <a:t>   ・</a:t>
+            </a:r>
+            <a:r>
+              <a:rPr lang="ja-JP" altLang="en-US" sz="1800" dirty="0">
+                <a:ea typeface="HGP創英角ｺﾞｼｯｸUB"/>
+              </a:rPr>
+              <a:t>ファイル集計ツール</a:t>
+            </a:r>
+            <a:r>
+              <a:rPr lang="en-US" altLang="ja-JP" sz="1800" dirty="0" smtClean="0">
+                <a:ea typeface="HGP創英角ｺﾞｼｯｸUB"/>
+              </a:rPr>
+              <a:t>(Linux</a:t>
+            </a:r>
+            <a:r>
+              <a:rPr lang="en-US" altLang="ja-JP" sz="1800" dirty="0">
+                <a:ea typeface="HGP創英角ｺﾞｼｯｸUB"/>
+              </a:rPr>
+              <a:t>)</a:t>
+            </a:r>
+          </a:p>
+          <a:p>
+            <a:pPr marL="0" indent="0">
+              <a:spcBef>
+                <a:spcPts val="450"/>
+              </a:spcBef>
+              <a:buClr>
+                <a:srgbClr val="4CB3C0"/>
+              </a:buClr>
+              <a:buNone/>
+              <a:defRPr/>
+            </a:pPr>
+            <a:r>
+              <a:rPr lang="en-US" altLang="ja-JP" sz="1800" dirty="0">
+                <a:ea typeface="HGP創英角ｺﾞｼｯｸUB"/>
+              </a:rPr>
+              <a:t>    </a:t>
+            </a:r>
+            <a:r>
+              <a:rPr lang="ja-JP" altLang="en-US" sz="1800" dirty="0" smtClean="0">
+                <a:ea typeface="HGP創英角ｺﾞｼｯｸUB"/>
+              </a:rPr>
+              <a:t>　・</a:t>
+            </a:r>
+            <a:r>
+              <a:rPr lang="en-US" altLang="ja-JP" sz="1800" dirty="0">
+                <a:ea typeface="HGP創英角ｺﾞｼｯｸUB"/>
+              </a:rPr>
+              <a:t>CPU</a:t>
+            </a:r>
+            <a:r>
+              <a:rPr lang="ja-JP" altLang="en-US" sz="1800" dirty="0">
+                <a:ea typeface="HGP創英角ｺﾞｼｯｸUB"/>
+              </a:rPr>
+              <a:t>とメモリ計測ツール</a:t>
+            </a:r>
+            <a:r>
+              <a:rPr lang="en-US" altLang="ja-JP" sz="1800" dirty="0" smtClean="0">
+                <a:ea typeface="HGP創英角ｺﾞｼｯｸUB"/>
+              </a:rPr>
+              <a:t>(</a:t>
+            </a:r>
+            <a:r>
+              <a:rPr lang="en-US" altLang="ja-JP" sz="1800" dirty="0">
+                <a:ea typeface="HGP創英角ｺﾞｼｯｸUB"/>
+              </a:rPr>
+              <a:t>L</a:t>
+            </a:r>
+            <a:r>
+              <a:rPr lang="en-US" altLang="ja-JP" sz="1800" dirty="0" smtClean="0">
+                <a:ea typeface="HGP創英角ｺﾞｼｯｸUB"/>
+              </a:rPr>
+              <a:t>inux</a:t>
+            </a:r>
+            <a:r>
+              <a:rPr lang="en-US" altLang="ja-JP" sz="1800" dirty="0">
+                <a:ea typeface="HGP創英角ｺﾞｼｯｸUB"/>
+              </a:rPr>
+              <a:t>)</a:t>
+            </a:r>
+          </a:p>
+          <a:p>
+            <a:pPr marL="0" indent="0">
+              <a:spcBef>
+                <a:spcPts val="450"/>
+              </a:spcBef>
+              <a:buClr>
+                <a:srgbClr val="4CB3C0"/>
+              </a:buClr>
+              <a:buNone/>
+              <a:defRPr/>
+            </a:pPr>
+            <a:endParaRPr lang="en-US" altLang="ja-JP" sz="1800" dirty="0">
+              <a:ea typeface="HGP創英角ｺﾞｼｯｸUB"/>
+            </a:endParaRPr>
+          </a:p>
+          <a:p>
+            <a:pPr>
+              <a:spcBef>
+                <a:spcPts val="450"/>
+              </a:spcBef>
+              <a:buClr>
+                <a:srgbClr val="4CB3C0"/>
+              </a:buClr>
+              <a:buFont typeface="Wingdings" panose="05000000000000000000" pitchFamily="2" charset="2"/>
+              <a:buChar char="u"/>
+              <a:defRPr/>
+            </a:pPr>
+            <a:r>
+              <a:rPr lang="ja-JP" altLang="en-US" sz="1800" dirty="0">
+                <a:ea typeface="HGP創英角ｺﾞｼｯｸUB"/>
+              </a:rPr>
+              <a:t>主導者として、本番作業タイムチャートと作業手順書を作成し、作業メンバに展開</a:t>
+            </a:r>
+            <a:r>
+              <a:rPr lang="ja-JP" altLang="en-US" sz="1800" dirty="0" smtClean="0">
+                <a:ea typeface="HGP創英角ｺﾞｼｯｸUB"/>
+              </a:rPr>
+              <a:t>。</a:t>
+            </a:r>
+            <a:endParaRPr lang="en-US" altLang="ja-JP" sz="1800" dirty="0" smtClean="0">
+              <a:latin typeface="+mj-lt"/>
+              <a:ea typeface="HGP創英角ｺﾞｼｯｸUB"/>
+            </a:endParaRPr>
+          </a:p>
+          <a:p>
+            <a:pPr marL="0" indent="0">
+              <a:spcBef>
+                <a:spcPts val="450"/>
+              </a:spcBef>
+              <a:buClr>
+                <a:srgbClr val="4CB3C0"/>
+              </a:buClr>
+              <a:buNone/>
+              <a:defRPr/>
+            </a:pPr>
+            <a:r>
+              <a:rPr lang="ja-JP" altLang="en-US" sz="1800" dirty="0" smtClean="0">
+                <a:latin typeface="+mj-lt"/>
+                <a:ea typeface="HGP創英角ｺﾞｼｯｸUB"/>
+              </a:rPr>
+              <a:t>　</a:t>
+            </a:r>
+            <a:endParaRPr lang="en-US" altLang="ja-JP" sz="1800" dirty="0">
+              <a:latin typeface="+mj-lt"/>
+              <a:ea typeface="HGP創英角ｺﾞｼｯｸUB"/>
+            </a:endParaRPr>
+          </a:p>
+        </p:txBody>
+      </p:sp>
     </p:spTree>
     <p:extLst>
       <p:ext uri="{BB962C8B-B14F-4D97-AF65-F5344CB8AC3E}">
@@ -13357,23 +13346,17 @@
           <a:p>
             <a:r>
               <a:rPr lang="ja-JP" altLang="en-US" sz="2400" b="1" dirty="0" smtClean="0">
-                <a:ea typeface="HGP創英角ｺﾞｼｯｸUB" panose="020B0900000000000000" pitchFamily="50" charset="-128"/>
-              </a:rPr>
-              <a:t>進化の自分</a:t>
-            </a:r>
-            <a:r>
-              <a:rPr lang="en-US" altLang="ja-JP" sz="2400" b="1" dirty="0" smtClean="0">
-                <a:ea typeface="HGP創英角ｺﾞｼｯｸUB" panose="020B0900000000000000" pitchFamily="50" charset="-128"/>
-              </a:rPr>
-              <a:t>-</a:t>
-            </a:r>
-            <a:r>
-              <a:rPr lang="ja-JP" altLang="en-US" sz="2400" b="1" dirty="0" smtClean="0">
+                <a:solidFill>
+                  <a:schemeClr val="bg1"/>
+                </a:solidFill>
                 <a:ea typeface="HGP創英角ｺﾞｼｯｸUB" panose="020B0900000000000000" pitchFamily="50" charset="-128"/>
               </a:rPr>
               <a:t>現場以外の作業の兼務</a:t>
             </a:r>
             <a:endParaRPr lang="ja-JP" altLang="en-US" sz="2400" b="1" dirty="0">
+              <a:solidFill>
+                <a:schemeClr val="bg1"/>
+              </a:solidFill>
               <a:ea typeface="HGP創英角ｺﾞｼｯｸUB" panose="020B0900000000000000" pitchFamily="50" charset="-128"/>
             </a:endParaRPr>
           </a:p>
@@ -13594,21 +13577,7 @@
                 <a:latin typeface="+mj-lt"/>
                 <a:ea typeface="HGP創英角ｺﾞｼｯｸUB"/>
               </a:rPr>
-              <a:t>　</a:t>
-            </a:r>
-            <a:r>
-              <a:rPr lang="ja-JP" altLang="en-US" sz="1800" dirty="0" smtClean="0">
-                <a:latin typeface="+mj-lt"/>
-                <a:ea typeface="HGP創英角ｺﾞｼｯｸUB"/>
-              </a:rPr>
-              <a:t>役割：サブリーダー　</a:t>
-            </a:r>
-            <a:r>
-              <a:rPr lang="ja-JP" altLang="en-US" sz="1800" dirty="0" smtClean="0">
-                <a:latin typeface="+mj-lt"/>
-                <a:ea typeface="HGP創英角ｺﾞｼｯｸUB"/>
-              </a:rPr>
-              <a:t>チーム人数：</a:t>
+              <a:t>　役割：サブリーダー　チーム人数：</a:t>
             </a:r>
             <a:r>
               <a:rPr lang="en-US" altLang="ja-JP" sz="1800" dirty="0" smtClean="0">
@@ -13758,7 +13727,7 @@
           <p:cNvPr id="12" name="Group 296">
             <a:extLst>
               <a:ext uri="{FF2B5EF4-FFF2-40B4-BE49-F238E27FC236}">
-                <a16:creationId xmlns:a16="http://schemas.microsoft.com/office/drawing/2014/main" xmlns="" id="{3842FC64-AB39-42D7-A48C-0FE49F99806C}"/>
+                <a16:creationId xmlns="" xmlns:a16="http://schemas.microsoft.com/office/drawing/2014/main" id="{3842FC64-AB39-42D7-A48C-0FE49F99806C}"/>
               </a:ext>
             </a:extLst>
           </p:cNvPr>
@@ -13780,7 +13749,7 @@
             <p:cNvPr id="13" name="Oval 2">
               <a:extLst>
                 <a:ext uri="{FF2B5EF4-FFF2-40B4-BE49-F238E27FC236}">
-                  <a16:creationId xmlns:a16="http://schemas.microsoft.com/office/drawing/2014/main" xmlns="" id="{9267EE0A-4BA4-4E94-8745-FFA9A06F71A9}"/>
+                  <a16:creationId xmlns="" xmlns:a16="http://schemas.microsoft.com/office/drawing/2014/main" id="{9267EE0A-4BA4-4E94-8745-FFA9A06F71A9}"/>
                 </a:ext>
               </a:extLst>
             </p:cNvPr>
@@ -13839,7 +13808,7 @@
             <p:cNvPr id="14" name="Oval 19">
               <a:extLst>
                 <a:ext uri="{FF2B5EF4-FFF2-40B4-BE49-F238E27FC236}">
-                  <a16:creationId xmlns:a16="http://schemas.microsoft.com/office/drawing/2014/main" xmlns="" id="{CC91C93B-224E-47BB-A4B4-F39EF6BD8070}"/>
+                  <a16:creationId xmlns="" xmlns:a16="http://schemas.microsoft.com/office/drawing/2014/main" id="{CC91C93B-224E-47BB-A4B4-F39EF6BD8070}"/>
                 </a:ext>
               </a:extLst>
             </p:cNvPr>
@@ -13912,7 +13881,7 @@
             <p:cNvPr id="15" name="Oval 20">
               <a:extLst>
                 <a:ext uri="{FF2B5EF4-FFF2-40B4-BE49-F238E27FC236}">
-                  <a16:creationId xmlns:a16="http://schemas.microsoft.com/office/drawing/2014/main" xmlns="" id="{9BD5F5FE-EFD9-4804-9B3B-C6D91AFF363C}"/>
+                  <a16:creationId xmlns="" xmlns:a16="http://schemas.microsoft.com/office/drawing/2014/main" id="{9BD5F5FE-EFD9-4804-9B3B-C6D91AFF363C}"/>
                 </a:ext>
               </a:extLst>
             </p:cNvPr>
@@ -13988,7 +13957,7 @@
             <p:cNvPr id="16" name="Group 21">
               <a:extLst>
                 <a:ext uri="{FF2B5EF4-FFF2-40B4-BE49-F238E27FC236}">
-                  <a16:creationId xmlns:a16="http://schemas.microsoft.com/office/drawing/2014/main" xmlns="" id="{7DB5FE9B-6714-4B4D-AB94-45F20F7D5C8E}"/>
+                  <a16:creationId xmlns="" xmlns:a16="http://schemas.microsoft.com/office/drawing/2014/main" id="{7DB5FE9B-6714-4B4D-AB94-45F20F7D5C8E}"/>
                 </a:ext>
               </a:extLst>
             </p:cNvPr>
@@ -14010,7 +13979,7 @@
               <p:cNvPr id="19" name="AutoShape 22">
                 <a:extLst>
                   <a:ext uri="{FF2B5EF4-FFF2-40B4-BE49-F238E27FC236}">
-                    <a16:creationId xmlns:a16="http://schemas.microsoft.com/office/drawing/2014/main" xmlns="" id="{4E5DF4CC-2B73-45EA-B083-30A68ED1FA2A}"/>
+                    <a16:creationId xmlns="" xmlns:a16="http://schemas.microsoft.com/office/drawing/2014/main" id="{4E5DF4CC-2B73-45EA-B083-30A68ED1FA2A}"/>
                   </a:ext>
                 </a:extLst>
               </p:cNvPr>
@@ -14079,7 +14048,7 @@
               <p:cNvPr id="20" name="Freeform 23">
                 <a:extLst>
                   <a:ext uri="{FF2B5EF4-FFF2-40B4-BE49-F238E27FC236}">
-                    <a16:creationId xmlns:a16="http://schemas.microsoft.com/office/drawing/2014/main" xmlns="" id="{A03184C6-4DC0-40F9-A025-A1F34226A187}"/>
+                    <a16:creationId xmlns="" xmlns:a16="http://schemas.microsoft.com/office/drawing/2014/main" id="{A03184C6-4DC0-40F9-A025-A1F34226A187}"/>
                   </a:ext>
                 </a:extLst>
               </p:cNvPr>
@@ -14211,7 +14180,7 @@
             <p:cNvPr id="17" name="AutoShape 36">
               <a:extLst>
                 <a:ext uri="{FF2B5EF4-FFF2-40B4-BE49-F238E27FC236}">
-                  <a16:creationId xmlns:a16="http://schemas.microsoft.com/office/drawing/2014/main" xmlns="" id="{C65C2922-0F06-4601-991B-D9188A55C388}"/>
+                  <a16:creationId xmlns="" xmlns:a16="http://schemas.microsoft.com/office/drawing/2014/main" id="{C65C2922-0F06-4601-991B-D9188A55C388}"/>
                 </a:ext>
               </a:extLst>
             </p:cNvPr>
@@ -14386,7 +14355,7 @@
             <p:cNvPr id="18" name="AutoShape 37">
               <a:extLst>
                 <a:ext uri="{FF2B5EF4-FFF2-40B4-BE49-F238E27FC236}">
-                  <a16:creationId xmlns:a16="http://schemas.microsoft.com/office/drawing/2014/main" xmlns="" id="{9028FBF9-F253-4134-8311-3707C3C5DB2F}"/>
+                  <a16:creationId xmlns="" xmlns:a16="http://schemas.microsoft.com/office/drawing/2014/main" id="{9028FBF9-F253-4134-8311-3707C3C5DB2F}"/>
                 </a:ext>
               </a:extLst>
             </p:cNvPr>
@@ -15254,16 +15223,6 @@
               </a:rPr>
               <a:t>依頼</a:t>
             </a:r>
-            <a:endParaRPr lang="ja-JP" altLang="en-US" sz="900" b="1" dirty="0">
-              <a:effectLst>
-                <a:outerShdw blurRad="38100" dist="38100" dir="2700000" algn="tl">
-                  <a:srgbClr val="000000">
-                    <a:alpha val="43137"/>
-                  </a:srgbClr>
-                </a:outerShdw>
-              </a:effectLst>
-              <a:latin typeface="+mn-ea"/>
-            </a:endParaRPr>
           </a:p>
         </p:txBody>
       </p:sp>
@@ -15396,16 +15355,6 @@
               </a:rPr>
               <a:t>依頼</a:t>
             </a:r>
-            <a:endParaRPr lang="ja-JP" altLang="en-US" sz="900" b="1" dirty="0">
-              <a:effectLst>
-                <a:outerShdw blurRad="38100" dist="38100" dir="2700000" algn="tl">
-                  <a:srgbClr val="000000">
-                    <a:alpha val="43137"/>
-                  </a:srgbClr>
-                </a:outerShdw>
-              </a:effectLst>
-              <a:latin typeface="+mn-ea"/>
-            </a:endParaRPr>
           </a:p>
         </p:txBody>
       </p:sp>
@@ -15560,23 +15509,17 @@
           <a:p>
             <a:r>
               <a:rPr lang="ja-JP" altLang="en-US" sz="2400" b="1" dirty="0" smtClean="0">
-                <a:ea typeface="HGP創英角ｺﾞｼｯｸUB" panose="020B0900000000000000" pitchFamily="50" charset="-128"/>
-              </a:rPr>
-              <a:t>進化の自分</a:t>
-            </a:r>
-            <a:r>
-              <a:rPr lang="en-US" altLang="ja-JP" sz="2400" b="1" dirty="0" smtClean="0">
-                <a:ea typeface="HGP創英角ｺﾞｼｯｸUB" panose="020B0900000000000000" pitchFamily="50" charset="-128"/>
-              </a:rPr>
-              <a:t>-</a:t>
-            </a:r>
-            <a:r>
-              <a:rPr lang="ja-JP" altLang="en-US" sz="2400" b="1" dirty="0" smtClean="0">
+                <a:solidFill>
+                  <a:schemeClr val="bg1"/>
+                </a:solidFill>
                 <a:ea typeface="HGP創英角ｺﾞｼｯｸUB" panose="020B0900000000000000" pitchFamily="50" charset="-128"/>
               </a:rPr>
               <a:t>現場以外の作業の兼務</a:t>
             </a:r>
             <a:endParaRPr lang="ja-JP" altLang="en-US" sz="2400" b="1" dirty="0">
+              <a:solidFill>
+                <a:schemeClr val="bg1"/>
+              </a:solidFill>
               <a:ea typeface="HGP創英角ｺﾞｼｯｸUB" panose="020B0900000000000000" pitchFamily="50" charset="-128"/>
             </a:endParaRPr>
           </a:p>
@@ -15592,8 +15535,8 @@
         </p:nvSpPr>
         <p:spPr bwMode="auto">
           <a:xfrm>
-            <a:off x="1159510" y="846168"/>
-            <a:ext cx="5429826" cy="4578176"/>
+            <a:off x="1159510" y="742258"/>
+            <a:ext cx="5429826" cy="5196294"/>
           </a:xfrm>
           <a:prstGeom prst="rect">
             <a:avLst/>
@@ -15819,7 +15762,98 @@
                 <a:latin typeface="+mj-lt"/>
                 <a:ea typeface="HGP創英角ｺﾞｼｯｸUB"/>
               </a:rPr>
-              <a:t>毎日社内の開発メンバに作業進捗を確認し、を顧客に報告。</a:t>
+              <a:t>毎日問題の問合せなどメールで顧客とやり取りしていた。社内の開発メンバに作業進捗を確認し、を顧客に報告。</a:t>
+            </a:r>
+            <a:endParaRPr lang="en-US" altLang="ja-JP" sz="1800" dirty="0" smtClean="0">
+              <a:latin typeface="+mj-lt"/>
+              <a:ea typeface="HGP創英角ｺﾞｼｯｸUB"/>
+            </a:endParaRPr>
+          </a:p>
+          <a:p>
+            <a:pPr marL="0" indent="0">
+              <a:spcBef>
+                <a:spcPts val="450"/>
+              </a:spcBef>
+              <a:buClr>
+                <a:srgbClr val="4CB3C0"/>
+              </a:buClr>
+              <a:buNone/>
+              <a:defRPr/>
+            </a:pPr>
+            <a:r>
+              <a:rPr lang="ja-JP" altLang="en-US" sz="1800" dirty="0" smtClean="0">
+                <a:latin typeface="+mj-lt"/>
+                <a:ea typeface="HGP創英角ｺﾞｼｯｸUB"/>
+              </a:rPr>
+              <a:t>　　</a:t>
+            </a:r>
+            <a:r>
+              <a:rPr lang="en-US" altLang="ja-JP" sz="1800" dirty="0" smtClean="0">
+                <a:latin typeface="+mj-lt"/>
+                <a:ea typeface="HGP創英角ｺﾞｼｯｸUB"/>
+              </a:rPr>
+              <a:t>※</a:t>
+            </a:r>
+            <a:r>
+              <a:rPr lang="ja-JP" altLang="en-US" sz="1400" dirty="0" smtClean="0">
+                <a:latin typeface="+mj-lt"/>
+                <a:ea typeface="HGP創英角ｺﾞｼｯｸUB"/>
+              </a:rPr>
+              <a:t>ビジネスメール大変苦労した。</a:t>
+            </a:r>
+            <a:endParaRPr lang="en-US" altLang="ja-JP" sz="1400" dirty="0">
+              <a:latin typeface="+mj-lt"/>
+              <a:ea typeface="HGP創英角ｺﾞｼｯｸUB"/>
+            </a:endParaRPr>
+          </a:p>
+          <a:p>
+            <a:pPr marL="0" indent="0">
+              <a:spcBef>
+                <a:spcPts val="450"/>
+              </a:spcBef>
+              <a:buClr>
+                <a:srgbClr val="4CB3C0"/>
+              </a:buClr>
+              <a:buNone/>
+              <a:defRPr/>
+            </a:pPr>
+            <a:endParaRPr lang="en-US" altLang="ja-JP" sz="1800" dirty="0">
+              <a:latin typeface="+mj-lt"/>
+              <a:ea typeface="HGP創英角ｺﾞｼｯｸUB"/>
+            </a:endParaRPr>
+          </a:p>
+          <a:p>
+            <a:pPr>
+              <a:spcBef>
+                <a:spcPts val="450"/>
+              </a:spcBef>
+              <a:buClr>
+                <a:srgbClr val="4CB3C0"/>
+              </a:buClr>
+              <a:buFont typeface="Wingdings" panose="05000000000000000000" pitchFamily="2" charset="2"/>
+              <a:buChar char="u"/>
+              <a:defRPr/>
+            </a:pPr>
+            <a:r>
+              <a:rPr lang="ja-JP" altLang="en-US" sz="1800" dirty="0" smtClean="0">
+                <a:latin typeface="+mj-lt"/>
+                <a:ea typeface="HGP創英角ｺﾞｼｯｸUB"/>
+              </a:rPr>
+              <a:t>週</a:t>
+            </a:r>
+            <a:r>
+              <a:rPr lang="en-US" altLang="ja-JP" sz="1800" dirty="0" smtClean="0">
+                <a:latin typeface="+mj-lt"/>
+                <a:ea typeface="HGP創英角ｺﾞｼｯｸUB"/>
+              </a:rPr>
+              <a:t>1</a:t>
+            </a:r>
+            <a:r>
+              <a:rPr lang="ja-JP" altLang="en-US" sz="1800" dirty="0" smtClean="0">
+                <a:latin typeface="+mj-lt"/>
+                <a:ea typeface="HGP創英角ｺﾞｼｯｸUB"/>
+              </a:rPr>
+              <a:t>回で客先で仕様確認、作業スケジュール、作業優先順位を調整。</a:t>
             </a:r>
             <a:endParaRPr lang="en-US" altLang="ja-JP" sz="1800" dirty="0" smtClean="0">
               <a:latin typeface="+mj-lt"/>
@@ -15856,66 +15890,25 @@
               <a:defRPr/>
             </a:pPr>
             <a:r>
+              <a:rPr lang="en-US" altLang="ja-JP" sz="1800" dirty="0" smtClean="0">
+                <a:latin typeface="+mj-lt"/>
+                <a:ea typeface="HGP創英角ｺﾞｼｯｸUB"/>
+              </a:rPr>
+              <a:t>WeChat</a:t>
+            </a:r>
+            <a:r>
               <a:rPr lang="ja-JP" altLang="en-US" sz="1800" dirty="0" smtClean="0">
                 <a:latin typeface="+mj-lt"/>
                 <a:ea typeface="HGP創英角ｺﾞｼｯｸUB"/>
               </a:rPr>
-              <a:t>週</a:t>
+              <a:t>　　　</a:t>
             </a:r>
             <a:r>
               <a:rPr lang="en-US" altLang="ja-JP" sz="1800" dirty="0" smtClean="0">
                 <a:latin typeface="+mj-lt"/>
                 <a:ea typeface="HGP創英角ｺﾞｼｯｸUB"/>
               </a:rPr>
-              <a:t>1</a:t>
-            </a:r>
-            <a:r>
-              <a:rPr lang="ja-JP" altLang="en-US" sz="1800" dirty="0" smtClean="0">
-                <a:latin typeface="+mj-lt"/>
-                <a:ea typeface="HGP創英角ｺﾞｼｯｸUB"/>
-              </a:rPr>
-              <a:t>回で客先で仕様確認、作業スケジュール、作業優先順位を調整。</a:t>
-            </a:r>
-            <a:endParaRPr lang="en-US" altLang="ja-JP" sz="1800" dirty="0" smtClean="0">
-              <a:latin typeface="+mj-lt"/>
-              <a:ea typeface="HGP創英角ｺﾞｼｯｸUB"/>
-            </a:endParaRPr>
-          </a:p>
-          <a:p>
-            <a:pPr>
-              <a:spcBef>
-                <a:spcPts val="450"/>
-              </a:spcBef>
-              <a:buClr>
-                <a:srgbClr val="4CB3C0"/>
-              </a:buClr>
-              <a:buFont typeface="Wingdings" panose="05000000000000000000" pitchFamily="2" charset="2"/>
-              <a:buChar char="u"/>
-              <a:defRPr/>
-            </a:pPr>
-            <a:endParaRPr lang="en-US" altLang="ja-JP" sz="1800" dirty="0">
-              <a:latin typeface="+mj-lt"/>
-              <a:ea typeface="HGP創英角ｺﾞｼｯｸUB"/>
-            </a:endParaRPr>
-          </a:p>
-          <a:p>
-            <a:pPr>
-              <a:spcBef>
-                <a:spcPts val="450"/>
-              </a:spcBef>
-              <a:buClr>
-                <a:srgbClr val="4CB3C0"/>
-              </a:buClr>
-              <a:buFont typeface="Wingdings" panose="05000000000000000000" pitchFamily="2" charset="2"/>
-              <a:buChar char="u"/>
-              <a:defRPr/>
-            </a:pPr>
-            <a:r>
-              <a:rPr lang="en-US" altLang="ja-JP" sz="1800" dirty="0" smtClean="0">
-                <a:latin typeface="+mj-lt"/>
-                <a:ea typeface="HGP創英角ｺﾞｼｯｸUB"/>
-              </a:rPr>
-              <a:t>WeChat+</a:t>
+              <a:t>+</a:t>
             </a:r>
             <a:r>
               <a:rPr lang="ja-JP" altLang="en-US" sz="1800" dirty="0" smtClean="0">
@@ -15994,7 +15987,7 @@
           <p:cNvPr id="12" name="Group 296">
             <a:extLst>
               <a:ext uri="{FF2B5EF4-FFF2-40B4-BE49-F238E27FC236}">
-                <a16:creationId xmlns:a16="http://schemas.microsoft.com/office/drawing/2014/main" xmlns="" id="{3842FC64-AB39-42D7-A48C-0FE49F99806C}"/>
+                <a16:creationId xmlns="" xmlns:a16="http://schemas.microsoft.com/office/drawing/2014/main" id="{3842FC64-AB39-42D7-A48C-0FE49F99806C}"/>
               </a:ext>
             </a:extLst>
           </p:cNvPr>
@@ -16016,7 +16009,7 @@
             <p:cNvPr id="13" name="Oval 2">
               <a:extLst>
                 <a:ext uri="{FF2B5EF4-FFF2-40B4-BE49-F238E27FC236}">
-                  <a16:creationId xmlns:a16="http://schemas.microsoft.com/office/drawing/2014/main" xmlns="" id="{9267EE0A-4BA4-4E94-8745-FFA9A06F71A9}"/>
+                  <a16:creationId xmlns="" xmlns:a16="http://schemas.microsoft.com/office/drawing/2014/main" id="{9267EE0A-4BA4-4E94-8745-FFA9A06F71A9}"/>
                 </a:ext>
               </a:extLst>
             </p:cNvPr>
@@ -16075,7 +16068,7 @@
             <p:cNvPr id="14" name="Oval 19">
               <a:extLst>
                 <a:ext uri="{FF2B5EF4-FFF2-40B4-BE49-F238E27FC236}">
-                  <a16:creationId xmlns:a16="http://schemas.microsoft.com/office/drawing/2014/main" xmlns="" id="{CC91C93B-224E-47BB-A4B4-F39EF6BD8070}"/>
+                  <a16:creationId xmlns="" xmlns:a16="http://schemas.microsoft.com/office/drawing/2014/main" id="{CC91C93B-224E-47BB-A4B4-F39EF6BD8070}"/>
                 </a:ext>
               </a:extLst>
             </p:cNvPr>
@@ -16148,7 +16141,7 @@
             <p:cNvPr id="15" name="Oval 20">
               <a:extLst>
                 <a:ext uri="{FF2B5EF4-FFF2-40B4-BE49-F238E27FC236}">
-                  <a16:creationId xmlns:a16="http://schemas.microsoft.com/office/drawing/2014/main" xmlns="" id="{9BD5F5FE-EFD9-4804-9B3B-C6D91AFF363C}"/>
+                  <a16:creationId xmlns="" xmlns:a16="http://schemas.microsoft.com/office/drawing/2014/main" id="{9BD5F5FE-EFD9-4804-9B3B-C6D91AFF363C}"/>
                 </a:ext>
               </a:extLst>
             </p:cNvPr>
@@ -16224,7 +16217,7 @@
             <p:cNvPr id="16" name="Group 21">
               <a:extLst>
                 <a:ext uri="{FF2B5EF4-FFF2-40B4-BE49-F238E27FC236}">
-                  <a16:creationId xmlns:a16="http://schemas.microsoft.com/office/drawing/2014/main" xmlns="" id="{7DB5FE9B-6714-4B4D-AB94-45F20F7D5C8E}"/>
+                  <a16:creationId xmlns="" xmlns:a16="http://schemas.microsoft.com/office/drawing/2014/main" id="{7DB5FE9B-6714-4B4D-AB94-45F20F7D5C8E}"/>
                 </a:ext>
               </a:extLst>
             </p:cNvPr>
@@ -16246,7 +16239,7 @@
               <p:cNvPr id="19" name="AutoShape 22">
                 <a:extLst>
                   <a:ext uri="{FF2B5EF4-FFF2-40B4-BE49-F238E27FC236}">
-                    <a16:creationId xmlns:a16="http://schemas.microsoft.com/office/drawing/2014/main" xmlns="" id="{4E5DF4CC-2B73-45EA-B083-30A68ED1FA2A}"/>
+                    <a16:creationId xmlns="" xmlns:a16="http://schemas.microsoft.com/office/drawing/2014/main" id="{4E5DF4CC-2B73-45EA-B083-30A68ED1FA2A}"/>
                   </a:ext>
                 </a:extLst>
               </p:cNvPr>
@@ -16315,7 +16308,7 @@
               <p:cNvPr id="20" name="Freeform 23">
                 <a:extLst>
                   <a:ext uri="{FF2B5EF4-FFF2-40B4-BE49-F238E27FC236}">
-                    <a16:creationId xmlns:a16="http://schemas.microsoft.com/office/drawing/2014/main" xmlns="" id="{A03184C6-4DC0-40F9-A025-A1F34226A187}"/>
+                    <a16:creationId xmlns="" xmlns:a16="http://schemas.microsoft.com/office/drawing/2014/main" id="{A03184C6-4DC0-40F9-A025-A1F34226A187}"/>
                   </a:ext>
                 </a:extLst>
               </p:cNvPr>
@@ -16447,7 +16440,7 @@
             <p:cNvPr id="17" name="AutoShape 36">
               <a:extLst>
                 <a:ext uri="{FF2B5EF4-FFF2-40B4-BE49-F238E27FC236}">
-                  <a16:creationId xmlns:a16="http://schemas.microsoft.com/office/drawing/2014/main" xmlns="" id="{C65C2922-0F06-4601-991B-D9188A55C388}"/>
+                  <a16:creationId xmlns="" xmlns:a16="http://schemas.microsoft.com/office/drawing/2014/main" id="{C65C2922-0F06-4601-991B-D9188A55C388}"/>
                 </a:ext>
               </a:extLst>
             </p:cNvPr>
@@ -16622,7 +16615,7 @@
             <p:cNvPr id="18" name="AutoShape 37">
               <a:extLst>
                 <a:ext uri="{FF2B5EF4-FFF2-40B4-BE49-F238E27FC236}">
-                  <a16:creationId xmlns:a16="http://schemas.microsoft.com/office/drawing/2014/main" xmlns="" id="{9028FBF9-F253-4134-8311-3707C3C5DB2F}"/>
+                  <a16:creationId xmlns="" xmlns:a16="http://schemas.microsoft.com/office/drawing/2014/main" id="{9028FBF9-F253-4134-8311-3707C3C5DB2F}"/>
                 </a:ext>
               </a:extLst>
             </p:cNvPr>
@@ -16793,6 +16786,84 @@
           </p:txBody>
         </p:sp>
       </p:grpSp>
+      <p:sp>
+        <p:nvSpPr>
+          <p:cNvPr id="3" name="AutoShape 2" descr="「wechat」の画像検索結果"/>
+          <p:cNvSpPr>
+            <a:spLocks noChangeAspect="1" noChangeArrowheads="1"/>
+          </p:cNvSpPr>
+          <p:nvPr/>
+        </p:nvSpPr>
+        <p:spPr bwMode="auto">
+          <a:xfrm>
+            <a:off x="155575" y="-144463"/>
+            <a:ext cx="304800" cy="304801"/>
+          </a:xfrm>
+          <a:prstGeom prst="rect">
+            <a:avLst/>
+          </a:prstGeom>
+          <a:noFill/>
+          <a:extLst>
+            <a:ext uri="{909E8E84-426E-40DD-AFC4-6F175D3DCCD1}">
+              <a14:hiddenFill xmlns:a14="http://schemas.microsoft.com/office/drawing/2010/main">
+                <a:solidFill>
+                  <a:srgbClr val="FFFFFF"/>
+                </a:solidFill>
+              </a14:hiddenFill>
+            </a:ext>
+          </a:extLst>
+        </p:spPr>
+        <p:txBody>
+          <a:bodyPr vert="horz" wrap="square" lIns="91440" tIns="45720" rIns="91440" bIns="45720" numCol="1" anchor="t" anchorCtr="0" compatLnSpc="1">
+            <a:prstTxWarp prst="textNoShape">
+              <a:avLst/>
+            </a:prstTxWarp>
+          </a:bodyPr>
+          <a:lstStyle/>
+          <a:p>
+            <a:endParaRPr lang="ja-JP" altLang="en-US"/>
+          </a:p>
+        </p:txBody>
+      </p:sp>
+      <p:pic>
+        <p:nvPicPr>
+          <p:cNvPr id="21" name="図 20" descr="「WeChat」の画像検索結果"/>
+          <p:cNvPicPr>
+            <a:picLocks noChangeAspect="1" noChangeArrowheads="1"/>
+          </p:cNvPicPr>
+          <p:nvPr/>
+        </p:nvPicPr>
+        <p:blipFill rotWithShape="1">
+          <a:blip r:embed="rId3" cstate="print">
+            <a:extLst>
+              <a:ext uri="{28A0092B-C50C-407E-A947-70E740481C1C}">
+                <a14:useLocalDpi xmlns:a14="http://schemas.microsoft.com/office/drawing/2010/main" val="0"/>
+              </a:ext>
+            </a:extLst>
+          </a:blip>
+          <a:srcRect l="21495" t="16279" r="22430" b="15115"/>
+          <a:stretch/>
+        </p:blipFill>
+        <p:spPr bwMode="auto">
+          <a:xfrm>
+            <a:off x="2395104" y="3972187"/>
+            <a:ext cx="342900" cy="337185"/>
+          </a:xfrm>
+          <a:prstGeom prst="rect">
+            <a:avLst/>
+          </a:prstGeom>
+          <a:noFill/>
+          <a:extLst>
+            <a:ext uri="{909E8E84-426E-40DD-AFC4-6F175D3DCCD1}">
+              <a14:hiddenFill xmlns:a14="http://schemas.microsoft.com/office/drawing/2010/main">
+                <a:solidFill>
+                  <a:srgbClr val="FFFFFF"/>
+                </a:solidFill>
+              </a14:hiddenFill>
+            </a:ext>
+          </a:extLst>
+        </p:spPr>
+      </p:pic>
     </p:spTree>
     <p:extLst>
       <p:ext uri="{BB962C8B-B14F-4D97-AF65-F5344CB8AC3E}">
